--- a/11_16_to_11_20_third/3.RNN.pptx
+++ b/11_16_to_11_20_third/3.RNN.pptx
@@ -5,10 +5,10 @@
     <p:sldMasterId id="2147483648" r:id="rId1"/>
   </p:sldMasterIdLst>
   <p:notesMasterIdLst>
-    <p:notesMasterId r:id="rId23"/>
+    <p:notesMasterId r:id="rId25"/>
   </p:notesMasterIdLst>
   <p:handoutMasterIdLst>
-    <p:handoutMasterId r:id="rId24"/>
+    <p:handoutMasterId r:id="rId26"/>
   </p:handoutMasterIdLst>
   <p:sldIdLst>
     <p:sldId id="256" r:id="rId2"/>
@@ -16,27 +16,29 @@
     <p:sldId id="258" r:id="rId4"/>
     <p:sldId id="281" r:id="rId5"/>
     <p:sldId id="282" r:id="rId6"/>
-    <p:sldId id="278" r:id="rId7"/>
-    <p:sldId id="283" r:id="rId8"/>
-    <p:sldId id="284" r:id="rId9"/>
-    <p:sldId id="285" r:id="rId10"/>
-    <p:sldId id="287" r:id="rId11"/>
-    <p:sldId id="286" r:id="rId12"/>
-    <p:sldId id="288" r:id="rId13"/>
-    <p:sldId id="290" r:id="rId14"/>
-    <p:sldId id="292" r:id="rId15"/>
-    <p:sldId id="293" r:id="rId16"/>
-    <p:sldId id="279" r:id="rId17"/>
-    <p:sldId id="294" r:id="rId18"/>
-    <p:sldId id="295" r:id="rId19"/>
-    <p:sldId id="280" r:id="rId20"/>
-    <p:sldId id="270" r:id="rId21"/>
-    <p:sldId id="261" r:id="rId22"/>
+    <p:sldId id="297" r:id="rId7"/>
+    <p:sldId id="278" r:id="rId8"/>
+    <p:sldId id="283" r:id="rId9"/>
+    <p:sldId id="284" r:id="rId10"/>
+    <p:sldId id="285" r:id="rId11"/>
+    <p:sldId id="287" r:id="rId12"/>
+    <p:sldId id="286" r:id="rId13"/>
+    <p:sldId id="288" r:id="rId14"/>
+    <p:sldId id="290" r:id="rId15"/>
+    <p:sldId id="296" r:id="rId16"/>
+    <p:sldId id="292" r:id="rId17"/>
+    <p:sldId id="293" r:id="rId18"/>
+    <p:sldId id="279" r:id="rId19"/>
+    <p:sldId id="294" r:id="rId20"/>
+    <p:sldId id="295" r:id="rId21"/>
+    <p:sldId id="280" r:id="rId22"/>
+    <p:sldId id="270" r:id="rId23"/>
+    <p:sldId id="261" r:id="rId24"/>
   </p:sldIdLst>
   <p:sldSz cx="12192000" cy="6858000"/>
   <p:notesSz cx="6858000" cy="9144000"/>
   <p:custDataLst>
-    <p:tags r:id="rId25"/>
+    <p:tags r:id="rId27"/>
   </p:custDataLst>
   <p:defaultTextStyle>
     <a:defPPr>
@@ -135,10 +137,10 @@
   </p:defaultTextStyle>
   <p:extLst>
     <p:ext uri="{EFAFB233-063F-42B5-8137-9DF3F51BA10A}">
-      <p15:sldGuideLst xmlns:p15="http://schemas.microsoft.com/office/powerpoint/2012/main" xmlns=""/>
+      <p15:sldGuideLst xmlns="" xmlns:p15="http://schemas.microsoft.com/office/powerpoint/2012/main"/>
     </p:ext>
     <p:ext uri="{2D200454-40CA-4A62-9FC3-DE9A4176ACB9}">
-      <p15:notesGuideLst xmlns:p15="http://schemas.microsoft.com/office/powerpoint/2012/main" xmlns=""/>
+      <p15:notesGuideLst xmlns="" xmlns:p15="http://schemas.microsoft.com/office/powerpoint/2012/main"/>
     </p:ext>
   </p:extLst>
 </p:presentation>
@@ -364,7 +366,7 @@
           <p:cNvPr id="2" name="页眉占位符 1">
             <a:extLst>
               <a:ext uri="{FF2B5EF4-FFF2-40B4-BE49-F238E27FC236}">
-                <a16:creationId xmlns:a16="http://schemas.microsoft.com/office/drawing/2014/main" xmlns="" id="{B9A56829-66AA-42AA-918E-5C6DB1AE50A7}"/>
+                <a16:creationId xmlns="" xmlns:a16="http://schemas.microsoft.com/office/drawing/2014/main" id="{B9A56829-66AA-42AA-918E-5C6DB1AE50A7}"/>
               </a:ext>
             </a:extLst>
           </p:cNvPr>
@@ -401,7 +403,7 @@
           <p:cNvPr id="3" name="日期占位符 2">
             <a:extLst>
               <a:ext uri="{FF2B5EF4-FFF2-40B4-BE49-F238E27FC236}">
-                <a16:creationId xmlns:a16="http://schemas.microsoft.com/office/drawing/2014/main" xmlns="" id="{241084A9-BC5C-4420-B17C-51E328D45576}"/>
+                <a16:creationId xmlns="" xmlns:a16="http://schemas.microsoft.com/office/drawing/2014/main" id="{241084A9-BC5C-4420-B17C-51E328D45576}"/>
               </a:ext>
             </a:extLst>
           </p:cNvPr>
@@ -442,7 +444,7 @@
           <p:cNvPr id="4" name="页脚占位符 3">
             <a:extLst>
               <a:ext uri="{FF2B5EF4-FFF2-40B4-BE49-F238E27FC236}">
-                <a16:creationId xmlns:a16="http://schemas.microsoft.com/office/drawing/2014/main" xmlns="" id="{0D6F2124-7B35-4E59-B9E8-DB09EE1408A4}"/>
+                <a16:creationId xmlns="" xmlns:a16="http://schemas.microsoft.com/office/drawing/2014/main" id="{0D6F2124-7B35-4E59-B9E8-DB09EE1408A4}"/>
               </a:ext>
             </a:extLst>
           </p:cNvPr>
@@ -479,7 +481,7 @@
           <p:cNvPr id="5" name="灯片编号占位符 4">
             <a:extLst>
               <a:ext uri="{FF2B5EF4-FFF2-40B4-BE49-F238E27FC236}">
-                <a16:creationId xmlns:a16="http://schemas.microsoft.com/office/drawing/2014/main" xmlns="" id="{F2BF8FFE-D997-4E34-9A01-CD2014B95241}"/>
+                <a16:creationId xmlns="" xmlns:a16="http://schemas.microsoft.com/office/drawing/2014/main" id="{F2BF8FFE-D997-4E34-9A01-CD2014B95241}"/>
               </a:ext>
             </a:extLst>
           </p:cNvPr>
@@ -897,7 +899,7 @@
           <p:cNvPr id="2" name="îṩ1ïdê">
             <a:extLst>
               <a:ext uri="{FF2B5EF4-FFF2-40B4-BE49-F238E27FC236}">
-                <a16:creationId xmlns:p14="http://schemas.microsoft.com/office/powerpoint/2010/main" xmlns:a16="http://schemas.microsoft.com/office/drawing/2014/main" xmlns="" id="{B165F2F7-32E4-4AF8-8657-36AC30D78579}"/>
+                <a16:creationId xmlns="" xmlns:a16="http://schemas.microsoft.com/office/drawing/2014/main" xmlns:p14="http://schemas.microsoft.com/office/powerpoint/2010/main" id="{B165F2F7-32E4-4AF8-8657-36AC30D78579}"/>
               </a:ext>
             </a:extLst>
           </p:cNvPr>
@@ -1057,7 +1059,7 @@
           <p:cNvPr id="7" name="组合 6">
             <a:extLst>
               <a:ext uri="{FF2B5EF4-FFF2-40B4-BE49-F238E27FC236}">
-                <a16:creationId xmlns:p14="http://schemas.microsoft.com/office/powerpoint/2010/main" xmlns:a16="http://schemas.microsoft.com/office/drawing/2014/main" xmlns="" id="{3491D0C5-E57C-45B4-AFE5-02F7704CDCF6}"/>
+                <a16:creationId xmlns="" xmlns:a16="http://schemas.microsoft.com/office/drawing/2014/main" xmlns:p14="http://schemas.microsoft.com/office/powerpoint/2010/main" id="{3491D0C5-E57C-45B4-AFE5-02F7704CDCF6}"/>
               </a:ext>
             </a:extLst>
           </p:cNvPr>
@@ -1077,7 +1079,7 @@
             <p:cNvPr id="11" name="ïş1ïḓe">
               <a:extLst>
                 <a:ext uri="{FF2B5EF4-FFF2-40B4-BE49-F238E27FC236}">
-                  <a16:creationId xmlns:p14="http://schemas.microsoft.com/office/powerpoint/2010/main" xmlns:a16="http://schemas.microsoft.com/office/drawing/2014/main" xmlns="" id="{AAEF8C50-AF93-4B64-9F64-BC188B9CC986}"/>
+                  <a16:creationId xmlns="" xmlns:a16="http://schemas.microsoft.com/office/drawing/2014/main" xmlns:p14="http://schemas.microsoft.com/office/powerpoint/2010/main" id="{AAEF8C50-AF93-4B64-9F64-BC188B9CC986}"/>
                 </a:ext>
               </a:extLst>
             </p:cNvPr>
@@ -1161,7 +1163,7 @@
             <p:cNvPr id="14" name="ïş1îḓé">
               <a:extLst>
                 <a:ext uri="{FF2B5EF4-FFF2-40B4-BE49-F238E27FC236}">
-                  <a16:creationId xmlns:p14="http://schemas.microsoft.com/office/powerpoint/2010/main" xmlns:a16="http://schemas.microsoft.com/office/drawing/2014/main" xmlns="" id="{D1034528-61F0-451C-8439-59044CBBC42D}"/>
+                  <a16:creationId xmlns="" xmlns:a16="http://schemas.microsoft.com/office/drawing/2014/main" xmlns:p14="http://schemas.microsoft.com/office/powerpoint/2010/main" id="{D1034528-61F0-451C-8439-59044CBBC42D}"/>
                 </a:ext>
               </a:extLst>
             </p:cNvPr>
@@ -1254,7 +1256,7 @@
             <p:cNvPr id="15" name="íṡ1íḑè">
               <a:extLst>
                 <a:ext uri="{FF2B5EF4-FFF2-40B4-BE49-F238E27FC236}">
-                  <a16:creationId xmlns:p14="http://schemas.microsoft.com/office/powerpoint/2010/main" xmlns:a16="http://schemas.microsoft.com/office/drawing/2014/main" xmlns="" id="{443590D7-CA87-4478-AB6B-8DA2AC5C485A}"/>
+                  <a16:creationId xmlns="" xmlns:a16="http://schemas.microsoft.com/office/drawing/2014/main" xmlns:p14="http://schemas.microsoft.com/office/powerpoint/2010/main" id="{443590D7-CA87-4478-AB6B-8DA2AC5C485A}"/>
                 </a:ext>
               </a:extLst>
             </p:cNvPr>
@@ -1339,7 +1341,7 @@
             <p:cNvPr id="16" name="îṥḻiḍê">
               <a:extLst>
                 <a:ext uri="{FF2B5EF4-FFF2-40B4-BE49-F238E27FC236}">
-                  <a16:creationId xmlns:p14="http://schemas.microsoft.com/office/powerpoint/2010/main" xmlns:a16="http://schemas.microsoft.com/office/drawing/2014/main" xmlns="" id="{FD92C89C-9731-46F9-9B6E-376810BFF18B}"/>
+                  <a16:creationId xmlns="" xmlns:a16="http://schemas.microsoft.com/office/drawing/2014/main" xmlns:p14="http://schemas.microsoft.com/office/powerpoint/2010/main" id="{FD92C89C-9731-46F9-9B6E-376810BFF18B}"/>
                 </a:ext>
               </a:extLst>
             </p:cNvPr>
@@ -1424,7 +1426,7 @@
             <p:cNvPr id="17" name="iṥḷiḑè">
               <a:extLst>
                 <a:ext uri="{FF2B5EF4-FFF2-40B4-BE49-F238E27FC236}">
-                  <a16:creationId xmlns:p14="http://schemas.microsoft.com/office/powerpoint/2010/main" xmlns:a16="http://schemas.microsoft.com/office/drawing/2014/main" xmlns="" id="{A8591A9D-5538-4DEC-B405-54C510558903}"/>
+                  <a16:creationId xmlns="" xmlns:a16="http://schemas.microsoft.com/office/drawing/2014/main" xmlns:p14="http://schemas.microsoft.com/office/powerpoint/2010/main" id="{A8591A9D-5538-4DEC-B405-54C510558903}"/>
                 </a:ext>
               </a:extLst>
             </p:cNvPr>
@@ -1489,7 +1491,7 @@
             <p:cNvPr id="18" name="íṥḻíḑé">
               <a:extLst>
                 <a:ext uri="{FF2B5EF4-FFF2-40B4-BE49-F238E27FC236}">
-                  <a16:creationId xmlns:p14="http://schemas.microsoft.com/office/powerpoint/2010/main" xmlns:a16="http://schemas.microsoft.com/office/drawing/2014/main" xmlns="" id="{FC116EBF-5653-4BA4-837E-95BEB302B1FC}"/>
+                  <a16:creationId xmlns="" xmlns:a16="http://schemas.microsoft.com/office/drawing/2014/main" xmlns:p14="http://schemas.microsoft.com/office/powerpoint/2010/main" id="{FC116EBF-5653-4BA4-837E-95BEB302B1FC}"/>
                 </a:ext>
               </a:extLst>
             </p:cNvPr>
@@ -1554,7 +1556,7 @@
             <p:cNvPr id="19" name="ïsḷiďê">
               <a:extLst>
                 <a:ext uri="{FF2B5EF4-FFF2-40B4-BE49-F238E27FC236}">
-                  <a16:creationId xmlns:p14="http://schemas.microsoft.com/office/powerpoint/2010/main" xmlns:a16="http://schemas.microsoft.com/office/drawing/2014/main" xmlns="" id="{D7181733-982F-4ADC-B787-E92C178D9BE9}"/>
+                  <a16:creationId xmlns="" xmlns:a16="http://schemas.microsoft.com/office/drawing/2014/main" xmlns:p14="http://schemas.microsoft.com/office/powerpoint/2010/main" id="{D7181733-982F-4ADC-B787-E92C178D9BE9}"/>
                 </a:ext>
               </a:extLst>
             </p:cNvPr>
@@ -1649,7 +1651,7 @@
             <p:cNvPr id="20" name="îs1iḓê">
               <a:extLst>
                 <a:ext uri="{FF2B5EF4-FFF2-40B4-BE49-F238E27FC236}">
-                  <a16:creationId xmlns:p14="http://schemas.microsoft.com/office/powerpoint/2010/main" xmlns:a16="http://schemas.microsoft.com/office/drawing/2014/main" xmlns="" id="{75B1573A-D6DA-4E40-B952-FC6A6E899942}"/>
+                  <a16:creationId xmlns="" xmlns:a16="http://schemas.microsoft.com/office/drawing/2014/main" xmlns:p14="http://schemas.microsoft.com/office/powerpoint/2010/main" id="{75B1573A-D6DA-4E40-B952-FC6A6E899942}"/>
                 </a:ext>
               </a:extLst>
             </p:cNvPr>
@@ -1724,7 +1726,7 @@
             <p:cNvPr id="21" name="íṡḻïdé">
               <a:extLst>
                 <a:ext uri="{FF2B5EF4-FFF2-40B4-BE49-F238E27FC236}">
-                  <a16:creationId xmlns:p14="http://schemas.microsoft.com/office/powerpoint/2010/main" xmlns:a16="http://schemas.microsoft.com/office/drawing/2014/main" xmlns="" id="{A3C16CC0-0D98-42C3-ACDA-6C6B1AAA14CB}"/>
+                  <a16:creationId xmlns="" xmlns:a16="http://schemas.microsoft.com/office/drawing/2014/main" xmlns:p14="http://schemas.microsoft.com/office/powerpoint/2010/main" id="{A3C16CC0-0D98-42C3-ACDA-6C6B1AAA14CB}"/>
                 </a:ext>
               </a:extLst>
             </p:cNvPr>
@@ -1799,7 +1801,7 @@
             <p:cNvPr id="22" name="ïṧľiḑè">
               <a:extLst>
                 <a:ext uri="{FF2B5EF4-FFF2-40B4-BE49-F238E27FC236}">
-                  <a16:creationId xmlns:p14="http://schemas.microsoft.com/office/powerpoint/2010/main" xmlns:a16="http://schemas.microsoft.com/office/drawing/2014/main" xmlns="" id="{2EEC5EF2-9731-49D2-8E01-4BAE06CF1807}"/>
+                  <a16:creationId xmlns="" xmlns:a16="http://schemas.microsoft.com/office/drawing/2014/main" xmlns:p14="http://schemas.microsoft.com/office/powerpoint/2010/main" id="{2EEC5EF2-9731-49D2-8E01-4BAE06CF1807}"/>
                 </a:ext>
               </a:extLst>
             </p:cNvPr>
@@ -1874,7 +1876,7 @@
             <p:cNvPr id="23" name="íşľîḋè">
               <a:extLst>
                 <a:ext uri="{FF2B5EF4-FFF2-40B4-BE49-F238E27FC236}">
-                  <a16:creationId xmlns:p14="http://schemas.microsoft.com/office/powerpoint/2010/main" xmlns:a16="http://schemas.microsoft.com/office/drawing/2014/main" xmlns="" id="{07D33D98-ECF4-43C9-8F9B-502B76AA375A}"/>
+                  <a16:creationId xmlns="" xmlns:a16="http://schemas.microsoft.com/office/drawing/2014/main" xmlns:p14="http://schemas.microsoft.com/office/powerpoint/2010/main" id="{07D33D98-ECF4-43C9-8F9B-502B76AA375A}"/>
                 </a:ext>
               </a:extLst>
             </p:cNvPr>
@@ -1939,7 +1941,7 @@
             <p:cNvPr id="24" name="îšḷîḍè">
               <a:extLst>
                 <a:ext uri="{FF2B5EF4-FFF2-40B4-BE49-F238E27FC236}">
-                  <a16:creationId xmlns:p14="http://schemas.microsoft.com/office/powerpoint/2010/main" xmlns:a16="http://schemas.microsoft.com/office/drawing/2014/main" xmlns="" id="{06AFAADD-E47D-403A-8BCE-6B991B488491}"/>
+                  <a16:creationId xmlns="" xmlns:a16="http://schemas.microsoft.com/office/drawing/2014/main" xmlns:p14="http://schemas.microsoft.com/office/powerpoint/2010/main" id="{06AFAADD-E47D-403A-8BCE-6B991B488491}"/>
                 </a:ext>
               </a:extLst>
             </p:cNvPr>
@@ -2004,7 +2006,7 @@
             <p:cNvPr id="25" name="îŝļiḑè">
               <a:extLst>
                 <a:ext uri="{FF2B5EF4-FFF2-40B4-BE49-F238E27FC236}">
-                  <a16:creationId xmlns:p14="http://schemas.microsoft.com/office/powerpoint/2010/main" xmlns:a16="http://schemas.microsoft.com/office/drawing/2014/main" xmlns="" id="{F20679ED-F04B-48C0-86C1-4F4678D0EF44}"/>
+                  <a16:creationId xmlns="" xmlns:a16="http://schemas.microsoft.com/office/drawing/2014/main" xmlns:p14="http://schemas.microsoft.com/office/powerpoint/2010/main" id="{F20679ED-F04B-48C0-86C1-4F4678D0EF44}"/>
                 </a:ext>
               </a:extLst>
             </p:cNvPr>
@@ -2066,7 +2068,7 @@
             <p:cNvPr id="26" name="ïsḻïḓe">
               <a:extLst>
                 <a:ext uri="{FF2B5EF4-FFF2-40B4-BE49-F238E27FC236}">
-                  <a16:creationId xmlns:p14="http://schemas.microsoft.com/office/powerpoint/2010/main" xmlns:a16="http://schemas.microsoft.com/office/drawing/2014/main" xmlns="" id="{178FE26C-EAE2-489E-9818-2AD90604A6E7}"/>
+                  <a16:creationId xmlns="" xmlns:a16="http://schemas.microsoft.com/office/drawing/2014/main" xmlns:p14="http://schemas.microsoft.com/office/powerpoint/2010/main" id="{178FE26C-EAE2-489E-9818-2AD90604A6E7}"/>
                 </a:ext>
               </a:extLst>
             </p:cNvPr>
@@ -2128,7 +2130,7 @@
             <p:cNvPr id="27" name="îṥľíḑê">
               <a:extLst>
                 <a:ext uri="{FF2B5EF4-FFF2-40B4-BE49-F238E27FC236}">
-                  <a16:creationId xmlns:p14="http://schemas.microsoft.com/office/powerpoint/2010/main" xmlns:a16="http://schemas.microsoft.com/office/drawing/2014/main" xmlns="" id="{54C937FE-182B-4B4C-8B56-94274EF8727A}"/>
+                  <a16:creationId xmlns="" xmlns:a16="http://schemas.microsoft.com/office/drawing/2014/main" xmlns:p14="http://schemas.microsoft.com/office/powerpoint/2010/main" id="{54C937FE-182B-4B4C-8B56-94274EF8727A}"/>
                 </a:ext>
               </a:extLst>
             </p:cNvPr>
@@ -2190,7 +2192,7 @@
             <p:cNvPr id="28" name="iṧľíḑe">
               <a:extLst>
                 <a:ext uri="{FF2B5EF4-FFF2-40B4-BE49-F238E27FC236}">
-                  <a16:creationId xmlns:p14="http://schemas.microsoft.com/office/powerpoint/2010/main" xmlns:a16="http://schemas.microsoft.com/office/drawing/2014/main" xmlns="" id="{9EC454E6-4E34-40A0-B134-E27356DF1BD3}"/>
+                  <a16:creationId xmlns="" xmlns:a16="http://schemas.microsoft.com/office/drawing/2014/main" xmlns:p14="http://schemas.microsoft.com/office/powerpoint/2010/main" id="{9EC454E6-4E34-40A0-B134-E27356DF1BD3}"/>
                 </a:ext>
               </a:extLst>
             </p:cNvPr>
@@ -2252,7 +2254,7 @@
             <p:cNvPr id="29" name="íşḻïḑê">
               <a:extLst>
                 <a:ext uri="{FF2B5EF4-FFF2-40B4-BE49-F238E27FC236}">
-                  <a16:creationId xmlns:p14="http://schemas.microsoft.com/office/powerpoint/2010/main" xmlns:a16="http://schemas.microsoft.com/office/drawing/2014/main" xmlns="" id="{F02A9D5E-CFB2-42AA-A5C5-5E5778C6FCBE}"/>
+                  <a16:creationId xmlns="" xmlns:a16="http://schemas.microsoft.com/office/drawing/2014/main" xmlns:p14="http://schemas.microsoft.com/office/powerpoint/2010/main" id="{F02A9D5E-CFB2-42AA-A5C5-5E5778C6FCBE}"/>
                 </a:ext>
               </a:extLst>
             </p:cNvPr>
@@ -2348,7 +2350,7 @@
             <p:cNvPr id="30" name="išḻîḋè">
               <a:extLst>
                 <a:ext uri="{FF2B5EF4-FFF2-40B4-BE49-F238E27FC236}">
-                  <a16:creationId xmlns:p14="http://schemas.microsoft.com/office/powerpoint/2010/main" xmlns:a16="http://schemas.microsoft.com/office/drawing/2014/main" xmlns="" id="{2B76FEBA-B0C4-4066-ABF2-E33CBD44C45F}"/>
+                  <a16:creationId xmlns="" xmlns:a16="http://schemas.microsoft.com/office/drawing/2014/main" xmlns:p14="http://schemas.microsoft.com/office/powerpoint/2010/main" id="{2B76FEBA-B0C4-4066-ABF2-E33CBD44C45F}"/>
                 </a:ext>
               </a:extLst>
             </p:cNvPr>
@@ -2410,7 +2412,7 @@
             <p:cNvPr id="31" name="ïšliḋé">
               <a:extLst>
                 <a:ext uri="{FF2B5EF4-FFF2-40B4-BE49-F238E27FC236}">
-                  <a16:creationId xmlns:p14="http://schemas.microsoft.com/office/powerpoint/2010/main" xmlns:a16="http://schemas.microsoft.com/office/drawing/2014/main" xmlns="" id="{17F7742C-0E9E-453F-BF74-0A1870F594D9}"/>
+                  <a16:creationId xmlns="" xmlns:a16="http://schemas.microsoft.com/office/drawing/2014/main" xmlns:p14="http://schemas.microsoft.com/office/powerpoint/2010/main" id="{17F7742C-0E9E-453F-BF74-0A1870F594D9}"/>
                 </a:ext>
               </a:extLst>
             </p:cNvPr>
@@ -2472,7 +2474,7 @@
             <p:cNvPr id="32" name="íṣlídé">
               <a:extLst>
                 <a:ext uri="{FF2B5EF4-FFF2-40B4-BE49-F238E27FC236}">
-                  <a16:creationId xmlns:p14="http://schemas.microsoft.com/office/powerpoint/2010/main" xmlns:a16="http://schemas.microsoft.com/office/drawing/2014/main" xmlns="" id="{3B98F7CF-64A1-4A5B-B8EC-9178705C9901}"/>
+                  <a16:creationId xmlns="" xmlns:a16="http://schemas.microsoft.com/office/drawing/2014/main" xmlns:p14="http://schemas.microsoft.com/office/powerpoint/2010/main" id="{3B98F7CF-64A1-4A5B-B8EC-9178705C9901}"/>
                 </a:ext>
               </a:extLst>
             </p:cNvPr>
@@ -2534,7 +2536,7 @@
             <p:cNvPr id="33" name="ï$ľïḍé">
               <a:extLst>
                 <a:ext uri="{FF2B5EF4-FFF2-40B4-BE49-F238E27FC236}">
-                  <a16:creationId xmlns:p14="http://schemas.microsoft.com/office/powerpoint/2010/main" xmlns:a16="http://schemas.microsoft.com/office/drawing/2014/main" xmlns="" id="{8EB33BF9-35EF-4068-A574-8FBC5EEAC895}"/>
+                  <a16:creationId xmlns="" xmlns:a16="http://schemas.microsoft.com/office/drawing/2014/main" xmlns:p14="http://schemas.microsoft.com/office/powerpoint/2010/main" id="{8EB33BF9-35EF-4068-A574-8FBC5EEAC895}"/>
                 </a:ext>
               </a:extLst>
             </p:cNvPr>
@@ -2596,7 +2598,7 @@
             <p:cNvPr id="34" name="ï$1îḑé">
               <a:extLst>
                 <a:ext uri="{FF2B5EF4-FFF2-40B4-BE49-F238E27FC236}">
-                  <a16:creationId xmlns:p14="http://schemas.microsoft.com/office/powerpoint/2010/main" xmlns:a16="http://schemas.microsoft.com/office/drawing/2014/main" xmlns="" id="{66235EE7-FC71-4720-94D6-AE9E5A6E3B32}"/>
+                  <a16:creationId xmlns="" xmlns:a16="http://schemas.microsoft.com/office/drawing/2014/main" xmlns:p14="http://schemas.microsoft.com/office/powerpoint/2010/main" id="{66235EE7-FC71-4720-94D6-AE9E5A6E3B32}"/>
                 </a:ext>
               </a:extLst>
             </p:cNvPr>
@@ -2658,7 +2660,7 @@
             <p:cNvPr id="35" name="íşļiḓê">
               <a:extLst>
                 <a:ext uri="{FF2B5EF4-FFF2-40B4-BE49-F238E27FC236}">
-                  <a16:creationId xmlns:p14="http://schemas.microsoft.com/office/powerpoint/2010/main" xmlns:a16="http://schemas.microsoft.com/office/drawing/2014/main" xmlns="" id="{464E50F4-2AD9-4646-95B0-C615F448F8D7}"/>
+                  <a16:creationId xmlns="" xmlns:a16="http://schemas.microsoft.com/office/drawing/2014/main" xmlns:p14="http://schemas.microsoft.com/office/powerpoint/2010/main" id="{464E50F4-2AD9-4646-95B0-C615F448F8D7}"/>
                 </a:ext>
               </a:extLst>
             </p:cNvPr>
@@ -2720,7 +2722,7 @@
             <p:cNvPr id="36" name="iSliḍé">
               <a:extLst>
                 <a:ext uri="{FF2B5EF4-FFF2-40B4-BE49-F238E27FC236}">
-                  <a16:creationId xmlns:p14="http://schemas.microsoft.com/office/powerpoint/2010/main" xmlns:a16="http://schemas.microsoft.com/office/drawing/2014/main" xmlns="" id="{08FD15B7-89FA-4BA0-832E-9B9D9FF852D5}"/>
+                  <a16:creationId xmlns="" xmlns:a16="http://schemas.microsoft.com/office/drawing/2014/main" xmlns:p14="http://schemas.microsoft.com/office/powerpoint/2010/main" id="{08FD15B7-89FA-4BA0-832E-9B9D9FF852D5}"/>
                 </a:ext>
               </a:extLst>
             </p:cNvPr>
@@ -2782,7 +2784,7 @@
             <p:cNvPr id="37" name="îşļïde">
               <a:extLst>
                 <a:ext uri="{FF2B5EF4-FFF2-40B4-BE49-F238E27FC236}">
-                  <a16:creationId xmlns:p14="http://schemas.microsoft.com/office/powerpoint/2010/main" xmlns:a16="http://schemas.microsoft.com/office/drawing/2014/main" xmlns="" id="{4DACA41F-DADA-4149-8933-31488F26C8AD}"/>
+                  <a16:creationId xmlns="" xmlns:a16="http://schemas.microsoft.com/office/drawing/2014/main" xmlns:p14="http://schemas.microsoft.com/office/powerpoint/2010/main" id="{4DACA41F-DADA-4149-8933-31488F26C8AD}"/>
                 </a:ext>
               </a:extLst>
             </p:cNvPr>
@@ -2844,7 +2846,7 @@
             <p:cNvPr id="38" name="ï$ḻídè">
               <a:extLst>
                 <a:ext uri="{FF2B5EF4-FFF2-40B4-BE49-F238E27FC236}">
-                  <a16:creationId xmlns:p14="http://schemas.microsoft.com/office/powerpoint/2010/main" xmlns:a16="http://schemas.microsoft.com/office/drawing/2014/main" xmlns="" id="{C28E4710-C2A1-4505-AD75-E91E319AE73A}"/>
+                  <a16:creationId xmlns="" xmlns:a16="http://schemas.microsoft.com/office/drawing/2014/main" xmlns:p14="http://schemas.microsoft.com/office/powerpoint/2010/main" id="{C28E4710-C2A1-4505-AD75-E91E319AE73A}"/>
                 </a:ext>
               </a:extLst>
             </p:cNvPr>
@@ -2940,7 +2942,7 @@
             <p:cNvPr id="39" name="ísľíḑe">
               <a:extLst>
                 <a:ext uri="{FF2B5EF4-FFF2-40B4-BE49-F238E27FC236}">
-                  <a16:creationId xmlns:p14="http://schemas.microsoft.com/office/powerpoint/2010/main" xmlns:a16="http://schemas.microsoft.com/office/drawing/2014/main" xmlns="" id="{C323CC97-7CC7-4FA5-A665-16F8A2FDB29A}"/>
+                  <a16:creationId xmlns="" xmlns:a16="http://schemas.microsoft.com/office/drawing/2014/main" xmlns:p14="http://schemas.microsoft.com/office/powerpoint/2010/main" id="{C323CC97-7CC7-4FA5-A665-16F8A2FDB29A}"/>
                 </a:ext>
               </a:extLst>
             </p:cNvPr>
@@ -3005,7 +3007,7 @@
             <p:cNvPr id="40" name="íṩlîḑè">
               <a:extLst>
                 <a:ext uri="{FF2B5EF4-FFF2-40B4-BE49-F238E27FC236}">
-                  <a16:creationId xmlns:p14="http://schemas.microsoft.com/office/powerpoint/2010/main" xmlns:a16="http://schemas.microsoft.com/office/drawing/2014/main" xmlns="" id="{26A96D82-53D7-454D-B8F0-08C85B54A508}"/>
+                  <a16:creationId xmlns="" xmlns:a16="http://schemas.microsoft.com/office/drawing/2014/main" xmlns:p14="http://schemas.microsoft.com/office/powerpoint/2010/main" id="{26A96D82-53D7-454D-B8F0-08C85B54A508}"/>
                 </a:ext>
               </a:extLst>
             </p:cNvPr>
@@ -3145,7 +3147,7 @@
             <p:cNvPr id="41" name="iṡḻídê">
               <a:extLst>
                 <a:ext uri="{FF2B5EF4-FFF2-40B4-BE49-F238E27FC236}">
-                  <a16:creationId xmlns:p14="http://schemas.microsoft.com/office/powerpoint/2010/main" xmlns:a16="http://schemas.microsoft.com/office/drawing/2014/main" xmlns="" id="{00A55C22-40A5-4BCE-AB5C-0DBD7B43CF15}"/>
+                  <a16:creationId xmlns="" xmlns:a16="http://schemas.microsoft.com/office/drawing/2014/main" xmlns:p14="http://schemas.microsoft.com/office/powerpoint/2010/main" id="{00A55C22-40A5-4BCE-AB5C-0DBD7B43CF15}"/>
                 </a:ext>
               </a:extLst>
             </p:cNvPr>
@@ -3207,7 +3209,7 @@
             <p:cNvPr id="42" name="íŝḷîḋè">
               <a:extLst>
                 <a:ext uri="{FF2B5EF4-FFF2-40B4-BE49-F238E27FC236}">
-                  <a16:creationId xmlns:p14="http://schemas.microsoft.com/office/powerpoint/2010/main" xmlns:a16="http://schemas.microsoft.com/office/drawing/2014/main" xmlns="" id="{1E7E1B5A-4BA7-4930-AB12-641C32CB9B5D}"/>
+                  <a16:creationId xmlns="" xmlns:a16="http://schemas.microsoft.com/office/drawing/2014/main" xmlns:p14="http://schemas.microsoft.com/office/powerpoint/2010/main" id="{1E7E1B5A-4BA7-4930-AB12-641C32CB9B5D}"/>
                 </a:ext>
               </a:extLst>
             </p:cNvPr>
@@ -3269,7 +3271,7 @@
             <p:cNvPr id="43" name="işliḓè">
               <a:extLst>
                 <a:ext uri="{FF2B5EF4-FFF2-40B4-BE49-F238E27FC236}">
-                  <a16:creationId xmlns:p14="http://schemas.microsoft.com/office/powerpoint/2010/main" xmlns:a16="http://schemas.microsoft.com/office/drawing/2014/main" xmlns="" id="{463C39C0-BA97-46C8-947C-6A6BB4E7C9D1}"/>
+                  <a16:creationId xmlns="" xmlns:a16="http://schemas.microsoft.com/office/drawing/2014/main" xmlns:p14="http://schemas.microsoft.com/office/powerpoint/2010/main" id="{463C39C0-BA97-46C8-947C-6A6BB4E7C9D1}"/>
                 </a:ext>
               </a:extLst>
             </p:cNvPr>
@@ -3331,7 +3333,7 @@
             <p:cNvPr id="44" name="îsḻiḑé">
               <a:extLst>
                 <a:ext uri="{FF2B5EF4-FFF2-40B4-BE49-F238E27FC236}">
-                  <a16:creationId xmlns:p14="http://schemas.microsoft.com/office/powerpoint/2010/main" xmlns:a16="http://schemas.microsoft.com/office/drawing/2014/main" xmlns="" id="{DF04E304-5F07-4415-828B-0989704C8FE6}"/>
+                  <a16:creationId xmlns="" xmlns:a16="http://schemas.microsoft.com/office/drawing/2014/main" xmlns:p14="http://schemas.microsoft.com/office/powerpoint/2010/main" id="{DF04E304-5F07-4415-828B-0989704C8FE6}"/>
                 </a:ext>
               </a:extLst>
             </p:cNvPr>
@@ -3393,7 +3395,7 @@
             <p:cNvPr id="45" name="íṧľiḓê">
               <a:extLst>
                 <a:ext uri="{FF2B5EF4-FFF2-40B4-BE49-F238E27FC236}">
-                  <a16:creationId xmlns:p14="http://schemas.microsoft.com/office/powerpoint/2010/main" xmlns:a16="http://schemas.microsoft.com/office/drawing/2014/main" xmlns="" id="{9DE34A69-BC75-47AD-8DE0-15FDFEF5D179}"/>
+                  <a16:creationId xmlns="" xmlns:a16="http://schemas.microsoft.com/office/drawing/2014/main" xmlns:p14="http://schemas.microsoft.com/office/powerpoint/2010/main" id="{9DE34A69-BC75-47AD-8DE0-15FDFEF5D179}"/>
                 </a:ext>
               </a:extLst>
             </p:cNvPr>
@@ -3455,7 +3457,7 @@
             <p:cNvPr id="46" name="íSlíďé">
               <a:extLst>
                 <a:ext uri="{FF2B5EF4-FFF2-40B4-BE49-F238E27FC236}">
-                  <a16:creationId xmlns:p14="http://schemas.microsoft.com/office/powerpoint/2010/main" xmlns:a16="http://schemas.microsoft.com/office/drawing/2014/main" xmlns="" id="{F19E1891-22A9-4238-9A0E-D54742EB9A67}"/>
+                  <a16:creationId xmlns="" xmlns:a16="http://schemas.microsoft.com/office/drawing/2014/main" xmlns:p14="http://schemas.microsoft.com/office/powerpoint/2010/main" id="{F19E1891-22A9-4238-9A0E-D54742EB9A67}"/>
                 </a:ext>
               </a:extLst>
             </p:cNvPr>
@@ -3517,7 +3519,7 @@
             <p:cNvPr id="47" name="iś1ïdè">
               <a:extLst>
                 <a:ext uri="{FF2B5EF4-FFF2-40B4-BE49-F238E27FC236}">
-                  <a16:creationId xmlns:p14="http://schemas.microsoft.com/office/powerpoint/2010/main" xmlns:a16="http://schemas.microsoft.com/office/drawing/2014/main" xmlns="" id="{26F87FC7-C5C8-4289-A0E2-8F0511BE4D0F}"/>
+                  <a16:creationId xmlns="" xmlns:a16="http://schemas.microsoft.com/office/drawing/2014/main" xmlns:p14="http://schemas.microsoft.com/office/powerpoint/2010/main" id="{26F87FC7-C5C8-4289-A0E2-8F0511BE4D0F}"/>
                 </a:ext>
               </a:extLst>
             </p:cNvPr>
@@ -3579,7 +3581,7 @@
             <p:cNvPr id="48" name="îŝḷïḍé">
               <a:extLst>
                 <a:ext uri="{FF2B5EF4-FFF2-40B4-BE49-F238E27FC236}">
-                  <a16:creationId xmlns:p14="http://schemas.microsoft.com/office/powerpoint/2010/main" xmlns:a16="http://schemas.microsoft.com/office/drawing/2014/main" xmlns="" id="{AF3C94AB-652D-4CCA-BFC8-3BC7A5181E1F}"/>
+                  <a16:creationId xmlns="" xmlns:a16="http://schemas.microsoft.com/office/drawing/2014/main" xmlns:p14="http://schemas.microsoft.com/office/powerpoint/2010/main" id="{AF3C94AB-652D-4CCA-BFC8-3BC7A5181E1F}"/>
                 </a:ext>
               </a:extLst>
             </p:cNvPr>
@@ -3650,7 +3652,7 @@
             <p:cNvPr id="49" name="ïśļïďé">
               <a:extLst>
                 <a:ext uri="{FF2B5EF4-FFF2-40B4-BE49-F238E27FC236}">
-                  <a16:creationId xmlns:p14="http://schemas.microsoft.com/office/powerpoint/2010/main" xmlns:a16="http://schemas.microsoft.com/office/drawing/2014/main" xmlns="" id="{10BC1FCD-F8F1-411F-8B4C-46E128380494}"/>
+                  <a16:creationId xmlns="" xmlns:a16="http://schemas.microsoft.com/office/drawing/2014/main" xmlns:p14="http://schemas.microsoft.com/office/powerpoint/2010/main" id="{10BC1FCD-F8F1-411F-8B4C-46E128380494}"/>
                 </a:ext>
               </a:extLst>
             </p:cNvPr>
@@ -3721,7 +3723,7 @@
             <p:cNvPr id="50" name="íṧḷídè">
               <a:extLst>
                 <a:ext uri="{FF2B5EF4-FFF2-40B4-BE49-F238E27FC236}">
-                  <a16:creationId xmlns:p14="http://schemas.microsoft.com/office/powerpoint/2010/main" xmlns:a16="http://schemas.microsoft.com/office/drawing/2014/main" xmlns="" id="{D6954D73-841B-4674-94DA-57899B5C83FA}"/>
+                  <a16:creationId xmlns="" xmlns:a16="http://schemas.microsoft.com/office/drawing/2014/main" xmlns:p14="http://schemas.microsoft.com/office/powerpoint/2010/main" id="{D6954D73-841B-4674-94DA-57899B5C83FA}"/>
                 </a:ext>
               </a:extLst>
             </p:cNvPr>
@@ -4192,7 +4194,7 @@
           <p:cNvPr id="3" name="组合 2">
             <a:extLst>
               <a:ext uri="{FF2B5EF4-FFF2-40B4-BE49-F238E27FC236}">
-                <a16:creationId xmlns:p14="http://schemas.microsoft.com/office/powerpoint/2010/main" xmlns:a16="http://schemas.microsoft.com/office/drawing/2014/main" xmlns="" id="{C629003E-14DA-4608-82C8-F702B03C8C62}"/>
+                <a16:creationId xmlns="" xmlns:a16="http://schemas.microsoft.com/office/drawing/2014/main" xmlns:p14="http://schemas.microsoft.com/office/powerpoint/2010/main" id="{C629003E-14DA-4608-82C8-F702B03C8C62}"/>
               </a:ext>
             </a:extLst>
           </p:cNvPr>
@@ -4218,7 +4220,7 @@
             <p:cNvPr id="34" name="iSliḓê">
               <a:extLst>
                 <a:ext uri="{FF2B5EF4-FFF2-40B4-BE49-F238E27FC236}">
-                  <a16:creationId xmlns:p14="http://schemas.microsoft.com/office/powerpoint/2010/main" xmlns:a16="http://schemas.microsoft.com/office/drawing/2014/main" xmlns="" id="{80A47D5A-673E-4EDC-8FB1-C2A2486C802A}"/>
+                  <a16:creationId xmlns="" xmlns:a16="http://schemas.microsoft.com/office/drawing/2014/main" xmlns:p14="http://schemas.microsoft.com/office/powerpoint/2010/main" id="{80A47D5A-673E-4EDC-8FB1-C2A2486C802A}"/>
                 </a:ext>
               </a:extLst>
             </p:cNvPr>
@@ -4356,7 +4358,7 @@
             <p:cNvPr id="38" name="ïṣlîḓê">
               <a:extLst>
                 <a:ext uri="{FF2B5EF4-FFF2-40B4-BE49-F238E27FC236}">
-                  <a16:creationId xmlns:p14="http://schemas.microsoft.com/office/powerpoint/2010/main" xmlns:a16="http://schemas.microsoft.com/office/drawing/2014/main" xmlns="" id="{DCD89878-3878-44CD-816E-D1DB497D642B}"/>
+                  <a16:creationId xmlns="" xmlns:a16="http://schemas.microsoft.com/office/drawing/2014/main" xmlns:p14="http://schemas.microsoft.com/office/powerpoint/2010/main" id="{DCD89878-3878-44CD-816E-D1DB497D642B}"/>
                 </a:ext>
               </a:extLst>
             </p:cNvPr>
@@ -4422,7 +4424,7 @@
             <p:cNvPr id="39" name="îṧḻiďê">
               <a:extLst>
                 <a:ext uri="{FF2B5EF4-FFF2-40B4-BE49-F238E27FC236}">
-                  <a16:creationId xmlns:p14="http://schemas.microsoft.com/office/powerpoint/2010/main" xmlns:a16="http://schemas.microsoft.com/office/drawing/2014/main" xmlns="" id="{927A350C-74E8-4289-AD50-D152B2F20760}"/>
+                  <a16:creationId xmlns="" xmlns:a16="http://schemas.microsoft.com/office/drawing/2014/main" xmlns:p14="http://schemas.microsoft.com/office/powerpoint/2010/main" id="{927A350C-74E8-4289-AD50-D152B2F20760}"/>
                 </a:ext>
               </a:extLst>
             </p:cNvPr>
@@ -4488,7 +4490,7 @@
             <p:cNvPr id="40" name="îsļiďé">
               <a:extLst>
                 <a:ext uri="{FF2B5EF4-FFF2-40B4-BE49-F238E27FC236}">
-                  <a16:creationId xmlns:p14="http://schemas.microsoft.com/office/powerpoint/2010/main" xmlns:a16="http://schemas.microsoft.com/office/drawing/2014/main" xmlns="" id="{FA1565F5-351B-46F7-94BA-8DE2B624E1D4}"/>
+                  <a16:creationId xmlns="" xmlns:a16="http://schemas.microsoft.com/office/drawing/2014/main" xmlns:p14="http://schemas.microsoft.com/office/powerpoint/2010/main" id="{FA1565F5-351B-46F7-94BA-8DE2B624E1D4}"/>
                 </a:ext>
               </a:extLst>
             </p:cNvPr>
@@ -4554,7 +4556,7 @@
             <p:cNvPr id="41" name="ísľîḑê">
               <a:extLst>
                 <a:ext uri="{FF2B5EF4-FFF2-40B4-BE49-F238E27FC236}">
-                  <a16:creationId xmlns:p14="http://schemas.microsoft.com/office/powerpoint/2010/main" xmlns:a16="http://schemas.microsoft.com/office/drawing/2014/main" xmlns="" id="{F46A0CCC-6110-407E-8E6D-A1E655B7B10A}"/>
+                  <a16:creationId xmlns="" xmlns:a16="http://schemas.microsoft.com/office/drawing/2014/main" xmlns:p14="http://schemas.microsoft.com/office/powerpoint/2010/main" id="{F46A0CCC-6110-407E-8E6D-A1E655B7B10A}"/>
                 </a:ext>
               </a:extLst>
             </p:cNvPr>
@@ -4620,7 +4622,7 @@
             <p:cNvPr id="42" name="iṥlïďé">
               <a:extLst>
                 <a:ext uri="{FF2B5EF4-FFF2-40B4-BE49-F238E27FC236}">
-                  <a16:creationId xmlns:p14="http://schemas.microsoft.com/office/powerpoint/2010/main" xmlns:a16="http://schemas.microsoft.com/office/drawing/2014/main" xmlns="" id="{D83D0A40-C194-4C9B-8119-3AA087712412}"/>
+                  <a16:creationId xmlns="" xmlns:a16="http://schemas.microsoft.com/office/drawing/2014/main" xmlns:p14="http://schemas.microsoft.com/office/powerpoint/2010/main" id="{D83D0A40-C194-4C9B-8119-3AA087712412}"/>
                 </a:ext>
               </a:extLst>
             </p:cNvPr>
@@ -4691,7 +4693,7 @@
             <p:cNvPr id="43" name="îşḷiḍè">
               <a:extLst>
                 <a:ext uri="{FF2B5EF4-FFF2-40B4-BE49-F238E27FC236}">
-                  <a16:creationId xmlns:p14="http://schemas.microsoft.com/office/powerpoint/2010/main" xmlns:a16="http://schemas.microsoft.com/office/drawing/2014/main" xmlns="" id="{DE854E02-9D47-4D10-A040-E952102AC62D}"/>
+                  <a16:creationId xmlns="" xmlns:a16="http://schemas.microsoft.com/office/drawing/2014/main" xmlns:p14="http://schemas.microsoft.com/office/powerpoint/2010/main" id="{DE854E02-9D47-4D10-A040-E952102AC62D}"/>
                 </a:ext>
               </a:extLst>
             </p:cNvPr>
@@ -4793,7 +4795,7 @@
           <p:cNvPr id="3" name="日期占位符 2">
             <a:extLst>
               <a:ext uri="{FF2B5EF4-FFF2-40B4-BE49-F238E27FC236}">
-                <a16:creationId xmlns:p14="http://schemas.microsoft.com/office/powerpoint/2010/main" xmlns:a16="http://schemas.microsoft.com/office/drawing/2014/main" xmlns="" id="{9888B6D7-9D3F-49D7-BACE-73A9D1149A74}"/>
+                <a16:creationId xmlns="" xmlns:a16="http://schemas.microsoft.com/office/drawing/2014/main" xmlns:p14="http://schemas.microsoft.com/office/powerpoint/2010/main" id="{9888B6D7-9D3F-49D7-BACE-73A9D1149A74}"/>
               </a:ext>
             </a:extLst>
           </p:cNvPr>
@@ -4818,7 +4820,7 @@
           <p:cNvPr id="4" name="页脚占位符 3">
             <a:extLst>
               <a:ext uri="{FF2B5EF4-FFF2-40B4-BE49-F238E27FC236}">
-                <a16:creationId xmlns:p14="http://schemas.microsoft.com/office/powerpoint/2010/main" xmlns:a16="http://schemas.microsoft.com/office/drawing/2014/main" xmlns="" id="{7AC997A4-1DD8-4731-B9FD-42398A20FF85}"/>
+                <a16:creationId xmlns="" xmlns:a16="http://schemas.microsoft.com/office/drawing/2014/main" xmlns:p14="http://schemas.microsoft.com/office/powerpoint/2010/main" id="{7AC997A4-1DD8-4731-B9FD-42398A20FF85}"/>
               </a:ext>
             </a:extLst>
           </p:cNvPr>
@@ -4855,7 +4857,7 @@
           <p:cNvPr id="5" name="灯片编号占位符 4">
             <a:extLst>
               <a:ext uri="{FF2B5EF4-FFF2-40B4-BE49-F238E27FC236}">
-                <a16:creationId xmlns:p14="http://schemas.microsoft.com/office/powerpoint/2010/main" xmlns:a16="http://schemas.microsoft.com/office/drawing/2014/main" xmlns="" id="{DBA9825E-1876-42AD-ABCF-E0E100F351CA}"/>
+                <a16:creationId xmlns="" xmlns:a16="http://schemas.microsoft.com/office/drawing/2014/main" xmlns:p14="http://schemas.microsoft.com/office/powerpoint/2010/main" id="{DBA9825E-1876-42AD-ABCF-E0E100F351CA}"/>
               </a:ext>
             </a:extLst>
           </p:cNvPr>
@@ -4885,7 +4887,7 @@
           <p:cNvPr id="6" name="标题 5">
             <a:extLst>
               <a:ext uri="{FF2B5EF4-FFF2-40B4-BE49-F238E27FC236}">
-                <a16:creationId xmlns:p14="http://schemas.microsoft.com/office/powerpoint/2010/main" xmlns:a16="http://schemas.microsoft.com/office/drawing/2014/main" xmlns="" id="{D124F9DB-C87A-423F-9657-38C7A2901430}"/>
+                <a16:creationId xmlns="" xmlns:a16="http://schemas.microsoft.com/office/drawing/2014/main" xmlns:p14="http://schemas.microsoft.com/office/powerpoint/2010/main" id="{D124F9DB-C87A-423F-9657-38C7A2901430}"/>
               </a:ext>
             </a:extLst>
           </p:cNvPr>
@@ -4918,7 +4920,7 @@
           <p:cNvPr id="8" name="内容占位符 7">
             <a:extLst>
               <a:ext uri="{FF2B5EF4-FFF2-40B4-BE49-F238E27FC236}">
-                <a16:creationId xmlns:p14="http://schemas.microsoft.com/office/powerpoint/2010/main" xmlns:a16="http://schemas.microsoft.com/office/drawing/2014/main" xmlns="" id="{2070191C-4093-409C-8FD5-7369A79637AD}"/>
+                <a16:creationId xmlns="" xmlns:a16="http://schemas.microsoft.com/office/drawing/2014/main" xmlns:p14="http://schemas.microsoft.com/office/powerpoint/2010/main" id="{2070191C-4093-409C-8FD5-7369A79637AD}"/>
               </a:ext>
             </a:extLst>
           </p:cNvPr>
@@ -5027,7 +5029,7 @@
           <p:cNvPr id="2" name="标题 1">
             <a:extLst>
               <a:ext uri="{FF2B5EF4-FFF2-40B4-BE49-F238E27FC236}">
-                <a16:creationId xmlns="" xmlns:p14="http://schemas.microsoft.com/office/powerpoint/2010/main" xmlns:a16="http://schemas.microsoft.com/office/drawing/2014/main" id="{F21C7A1C-3684-4AAF-A408-C63B6CB64104}"/>
+                <a16:creationId xmlns:a16="http://schemas.microsoft.com/office/drawing/2014/main" xmlns:p14="http://schemas.microsoft.com/office/powerpoint/2010/main" xmlns="" id="{F21C7A1C-3684-4AAF-A408-C63B6CB64104}"/>
               </a:ext>
             </a:extLst>
           </p:cNvPr>
@@ -5060,7 +5062,7 @@
           <p:cNvPr id="3" name="日期占位符 2">
             <a:extLst>
               <a:ext uri="{FF2B5EF4-FFF2-40B4-BE49-F238E27FC236}">
-                <a16:creationId xmlns="" xmlns:p14="http://schemas.microsoft.com/office/powerpoint/2010/main" xmlns:a16="http://schemas.microsoft.com/office/drawing/2014/main" id="{8986EA5F-D77D-4318-90E9-C04AA8ADC0D1}"/>
+                <a16:creationId xmlns:a16="http://schemas.microsoft.com/office/drawing/2014/main" xmlns:p14="http://schemas.microsoft.com/office/powerpoint/2010/main" xmlns="" id="{8986EA5F-D77D-4318-90E9-C04AA8ADC0D1}"/>
               </a:ext>
             </a:extLst>
           </p:cNvPr>
@@ -5085,7 +5087,7 @@
           <p:cNvPr id="4" name="页脚占位符 3">
             <a:extLst>
               <a:ext uri="{FF2B5EF4-FFF2-40B4-BE49-F238E27FC236}">
-                <a16:creationId xmlns="" xmlns:p14="http://schemas.microsoft.com/office/powerpoint/2010/main" xmlns:a16="http://schemas.microsoft.com/office/drawing/2014/main" id="{00832621-D9D9-445E-BFF9-F8348FA1E262}"/>
+                <a16:creationId xmlns:a16="http://schemas.microsoft.com/office/drawing/2014/main" xmlns:p14="http://schemas.microsoft.com/office/powerpoint/2010/main" xmlns="" id="{00832621-D9D9-445E-BFF9-F8348FA1E262}"/>
               </a:ext>
             </a:extLst>
           </p:cNvPr>
@@ -5122,7 +5124,7 @@
           <p:cNvPr id="5" name="灯片编号占位符 4">
             <a:extLst>
               <a:ext uri="{FF2B5EF4-FFF2-40B4-BE49-F238E27FC236}">
-                <a16:creationId xmlns="" xmlns:p14="http://schemas.microsoft.com/office/powerpoint/2010/main" xmlns:a16="http://schemas.microsoft.com/office/drawing/2014/main" id="{8371151B-F790-4A9F-962F-B8718A9560A9}"/>
+                <a16:creationId xmlns:a16="http://schemas.microsoft.com/office/drawing/2014/main" xmlns:p14="http://schemas.microsoft.com/office/powerpoint/2010/main" xmlns="" id="{8371151B-F790-4A9F-962F-B8718A9560A9}"/>
               </a:ext>
             </a:extLst>
           </p:cNvPr>
@@ -5318,7 +5320,7 @@
           <p:cNvPr id="6" name="文本占位符 5">
             <a:extLst>
               <a:ext uri="{FF2B5EF4-FFF2-40B4-BE49-F238E27FC236}">
-                <a16:creationId xmlns:p14="http://schemas.microsoft.com/office/powerpoint/2010/main" xmlns:a16="http://schemas.microsoft.com/office/drawing/2014/main" xmlns="" id="{05EBDA4F-7210-4CAE-8333-80DB24212E78}"/>
+                <a16:creationId xmlns="" xmlns:a16="http://schemas.microsoft.com/office/drawing/2014/main" xmlns:p14="http://schemas.microsoft.com/office/powerpoint/2010/main" id="{05EBDA4F-7210-4CAE-8333-80DB24212E78}"/>
               </a:ext>
             </a:extLst>
           </p:cNvPr>
@@ -5379,7 +5381,7 @@
           <p:cNvPr id="7" name="组合 6">
             <a:extLst>
               <a:ext uri="{FF2B5EF4-FFF2-40B4-BE49-F238E27FC236}">
-                <a16:creationId xmlns:p14="http://schemas.microsoft.com/office/powerpoint/2010/main" xmlns:a16="http://schemas.microsoft.com/office/drawing/2014/main" xmlns="" id="{5B77603F-656A-4E2F-9228-E30568A2F1D6}"/>
+                <a16:creationId xmlns="" xmlns:a16="http://schemas.microsoft.com/office/drawing/2014/main" xmlns:p14="http://schemas.microsoft.com/office/powerpoint/2010/main" id="{5B77603F-656A-4E2F-9228-E30568A2F1D6}"/>
               </a:ext>
             </a:extLst>
           </p:cNvPr>
@@ -5399,7 +5401,7 @@
             <p:cNvPr id="8" name="îSḻïḍè">
               <a:extLst>
                 <a:ext uri="{FF2B5EF4-FFF2-40B4-BE49-F238E27FC236}">
-                  <a16:creationId xmlns:p14="http://schemas.microsoft.com/office/powerpoint/2010/main" xmlns:a16="http://schemas.microsoft.com/office/drawing/2014/main" xmlns="" id="{61BDFEB9-90AA-43E9-A12B-EFFF9287F99D}"/>
+                  <a16:creationId xmlns="" xmlns:a16="http://schemas.microsoft.com/office/drawing/2014/main" xmlns:p14="http://schemas.microsoft.com/office/powerpoint/2010/main" id="{61BDFEB9-90AA-43E9-A12B-EFFF9287F99D}"/>
                 </a:ext>
               </a:extLst>
             </p:cNvPr>
@@ -5483,7 +5485,7 @@
             <p:cNvPr id="9" name="iṧ1îďè">
               <a:extLst>
                 <a:ext uri="{FF2B5EF4-FFF2-40B4-BE49-F238E27FC236}">
-                  <a16:creationId xmlns:p14="http://schemas.microsoft.com/office/powerpoint/2010/main" xmlns:a16="http://schemas.microsoft.com/office/drawing/2014/main" xmlns="" id="{D6E33435-E28A-463E-9EC6-4FEF1432AC96}"/>
+                  <a16:creationId xmlns="" xmlns:a16="http://schemas.microsoft.com/office/drawing/2014/main" xmlns:p14="http://schemas.microsoft.com/office/powerpoint/2010/main" id="{D6E33435-E28A-463E-9EC6-4FEF1432AC96}"/>
                 </a:ext>
               </a:extLst>
             </p:cNvPr>
@@ -5576,7 +5578,7 @@
             <p:cNvPr id="10" name="íŝ1îḑê">
               <a:extLst>
                 <a:ext uri="{FF2B5EF4-FFF2-40B4-BE49-F238E27FC236}">
-                  <a16:creationId xmlns:p14="http://schemas.microsoft.com/office/powerpoint/2010/main" xmlns:a16="http://schemas.microsoft.com/office/drawing/2014/main" xmlns="" id="{9304A826-F780-4CF2-AEA1-5EB7122B87CE}"/>
+                  <a16:creationId xmlns="" xmlns:a16="http://schemas.microsoft.com/office/drawing/2014/main" xmlns:p14="http://schemas.microsoft.com/office/powerpoint/2010/main" id="{9304A826-F780-4CF2-AEA1-5EB7122B87CE}"/>
                 </a:ext>
               </a:extLst>
             </p:cNvPr>
@@ -5661,7 +5663,7 @@
             <p:cNvPr id="11" name="îṩľîḋè">
               <a:extLst>
                 <a:ext uri="{FF2B5EF4-FFF2-40B4-BE49-F238E27FC236}">
-                  <a16:creationId xmlns:p14="http://schemas.microsoft.com/office/powerpoint/2010/main" xmlns:a16="http://schemas.microsoft.com/office/drawing/2014/main" xmlns="" id="{276A2E36-748D-419C-9EE2-5DF2A51BE0C6}"/>
+                  <a16:creationId xmlns="" xmlns:a16="http://schemas.microsoft.com/office/drawing/2014/main" xmlns:p14="http://schemas.microsoft.com/office/powerpoint/2010/main" id="{276A2E36-748D-419C-9EE2-5DF2A51BE0C6}"/>
                 </a:ext>
               </a:extLst>
             </p:cNvPr>
@@ -5746,7 +5748,7 @@
             <p:cNvPr id="12" name="íṡ1ïḓe">
               <a:extLst>
                 <a:ext uri="{FF2B5EF4-FFF2-40B4-BE49-F238E27FC236}">
-                  <a16:creationId xmlns:p14="http://schemas.microsoft.com/office/powerpoint/2010/main" xmlns:a16="http://schemas.microsoft.com/office/drawing/2014/main" xmlns="" id="{20A4A09F-DE16-4168-819D-7F31D973EC1A}"/>
+                  <a16:creationId xmlns="" xmlns:a16="http://schemas.microsoft.com/office/drawing/2014/main" xmlns:p14="http://schemas.microsoft.com/office/powerpoint/2010/main" id="{20A4A09F-DE16-4168-819D-7F31D973EC1A}"/>
                 </a:ext>
               </a:extLst>
             </p:cNvPr>
@@ -5811,7 +5813,7 @@
             <p:cNvPr id="14" name="ïŝlîḍê">
               <a:extLst>
                 <a:ext uri="{FF2B5EF4-FFF2-40B4-BE49-F238E27FC236}">
-                  <a16:creationId xmlns:p14="http://schemas.microsoft.com/office/powerpoint/2010/main" xmlns:a16="http://schemas.microsoft.com/office/drawing/2014/main" xmlns="" id="{F8657E4E-B533-4A5A-9F5F-E5BE8ACB5AD2}"/>
+                  <a16:creationId xmlns="" xmlns:a16="http://schemas.microsoft.com/office/drawing/2014/main" xmlns:p14="http://schemas.microsoft.com/office/powerpoint/2010/main" id="{F8657E4E-B533-4A5A-9F5F-E5BE8ACB5AD2}"/>
                 </a:ext>
               </a:extLst>
             </p:cNvPr>
@@ -5876,7 +5878,7 @@
             <p:cNvPr id="16" name="íṧlîḓé">
               <a:extLst>
                 <a:ext uri="{FF2B5EF4-FFF2-40B4-BE49-F238E27FC236}">
-                  <a16:creationId xmlns:p14="http://schemas.microsoft.com/office/powerpoint/2010/main" xmlns:a16="http://schemas.microsoft.com/office/drawing/2014/main" xmlns="" id="{FD71861F-C75F-4733-AFC9-3907B077276A}"/>
+                  <a16:creationId xmlns="" xmlns:a16="http://schemas.microsoft.com/office/drawing/2014/main" xmlns:p14="http://schemas.microsoft.com/office/powerpoint/2010/main" id="{FD71861F-C75F-4733-AFC9-3907B077276A}"/>
                 </a:ext>
               </a:extLst>
             </p:cNvPr>
@@ -5971,7 +5973,7 @@
             <p:cNvPr id="17" name="îṡľiḑè">
               <a:extLst>
                 <a:ext uri="{FF2B5EF4-FFF2-40B4-BE49-F238E27FC236}">
-                  <a16:creationId xmlns:p14="http://schemas.microsoft.com/office/powerpoint/2010/main" xmlns:a16="http://schemas.microsoft.com/office/drawing/2014/main" xmlns="" id="{C5F246DD-0425-467A-8E23-DF1922ED4240}"/>
+                  <a16:creationId xmlns="" xmlns:a16="http://schemas.microsoft.com/office/drawing/2014/main" xmlns:p14="http://schemas.microsoft.com/office/powerpoint/2010/main" id="{C5F246DD-0425-467A-8E23-DF1922ED4240}"/>
                 </a:ext>
               </a:extLst>
             </p:cNvPr>
@@ -6046,7 +6048,7 @@
             <p:cNvPr id="18" name="íš1ïḑé">
               <a:extLst>
                 <a:ext uri="{FF2B5EF4-FFF2-40B4-BE49-F238E27FC236}">
-                  <a16:creationId xmlns:p14="http://schemas.microsoft.com/office/powerpoint/2010/main" xmlns:a16="http://schemas.microsoft.com/office/drawing/2014/main" xmlns="" id="{EB196468-BCAE-4BF5-B491-B37AF459C2E0}"/>
+                  <a16:creationId xmlns="" xmlns:a16="http://schemas.microsoft.com/office/drawing/2014/main" xmlns:p14="http://schemas.microsoft.com/office/powerpoint/2010/main" id="{EB196468-BCAE-4BF5-B491-B37AF459C2E0}"/>
                 </a:ext>
               </a:extLst>
             </p:cNvPr>
@@ -6121,7 +6123,7 @@
             <p:cNvPr id="19" name="ïṧḷîḍe">
               <a:extLst>
                 <a:ext uri="{FF2B5EF4-FFF2-40B4-BE49-F238E27FC236}">
-                  <a16:creationId xmlns:p14="http://schemas.microsoft.com/office/powerpoint/2010/main" xmlns:a16="http://schemas.microsoft.com/office/drawing/2014/main" xmlns="" id="{9A980BB4-0B9C-4CE7-B965-86D1DCCFF04C}"/>
+                  <a16:creationId xmlns="" xmlns:a16="http://schemas.microsoft.com/office/drawing/2014/main" xmlns:p14="http://schemas.microsoft.com/office/powerpoint/2010/main" id="{9A980BB4-0B9C-4CE7-B965-86D1DCCFF04C}"/>
                 </a:ext>
               </a:extLst>
             </p:cNvPr>
@@ -6196,7 +6198,7 @@
             <p:cNvPr id="20" name="iṡḻïḑe">
               <a:extLst>
                 <a:ext uri="{FF2B5EF4-FFF2-40B4-BE49-F238E27FC236}">
-                  <a16:creationId xmlns:p14="http://schemas.microsoft.com/office/powerpoint/2010/main" xmlns:a16="http://schemas.microsoft.com/office/drawing/2014/main" xmlns="" id="{D932A797-F983-471B-BFA8-F7F77258FAF6}"/>
+                  <a16:creationId xmlns="" xmlns:a16="http://schemas.microsoft.com/office/drawing/2014/main" xmlns:p14="http://schemas.microsoft.com/office/powerpoint/2010/main" id="{D932A797-F983-471B-BFA8-F7F77258FAF6}"/>
                 </a:ext>
               </a:extLst>
             </p:cNvPr>
@@ -6261,7 +6263,7 @@
             <p:cNvPr id="21" name="iṣliḋê">
               <a:extLst>
                 <a:ext uri="{FF2B5EF4-FFF2-40B4-BE49-F238E27FC236}">
-                  <a16:creationId xmlns:p14="http://schemas.microsoft.com/office/powerpoint/2010/main" xmlns:a16="http://schemas.microsoft.com/office/drawing/2014/main" xmlns="" id="{14E4C1FF-2C4A-414E-B7C1-76FC09803579}"/>
+                  <a16:creationId xmlns="" xmlns:a16="http://schemas.microsoft.com/office/drawing/2014/main" xmlns:p14="http://schemas.microsoft.com/office/powerpoint/2010/main" id="{14E4C1FF-2C4A-414E-B7C1-76FC09803579}"/>
                 </a:ext>
               </a:extLst>
             </p:cNvPr>
@@ -6326,7 +6328,7 @@
             <p:cNvPr id="22" name="îsḷïdê">
               <a:extLst>
                 <a:ext uri="{FF2B5EF4-FFF2-40B4-BE49-F238E27FC236}">
-                  <a16:creationId xmlns:p14="http://schemas.microsoft.com/office/powerpoint/2010/main" xmlns:a16="http://schemas.microsoft.com/office/drawing/2014/main" xmlns="" id="{22AC134A-B7EA-4D73-BF21-DE75251C3AB3}"/>
+                  <a16:creationId xmlns="" xmlns:a16="http://schemas.microsoft.com/office/drawing/2014/main" xmlns:p14="http://schemas.microsoft.com/office/powerpoint/2010/main" id="{22AC134A-B7EA-4D73-BF21-DE75251C3AB3}"/>
                 </a:ext>
               </a:extLst>
             </p:cNvPr>
@@ -6388,7 +6390,7 @@
             <p:cNvPr id="23" name="i$ḻïḍê">
               <a:extLst>
                 <a:ext uri="{FF2B5EF4-FFF2-40B4-BE49-F238E27FC236}">
-                  <a16:creationId xmlns:p14="http://schemas.microsoft.com/office/powerpoint/2010/main" xmlns:a16="http://schemas.microsoft.com/office/drawing/2014/main" xmlns="" id="{B2525ADC-09FA-43DB-8CDF-85CDAC67D7D6}"/>
+                  <a16:creationId xmlns="" xmlns:a16="http://schemas.microsoft.com/office/drawing/2014/main" xmlns:p14="http://schemas.microsoft.com/office/powerpoint/2010/main" id="{B2525ADC-09FA-43DB-8CDF-85CDAC67D7D6}"/>
                 </a:ext>
               </a:extLst>
             </p:cNvPr>
@@ -6450,7 +6452,7 @@
             <p:cNvPr id="24" name="iş1îďé">
               <a:extLst>
                 <a:ext uri="{FF2B5EF4-FFF2-40B4-BE49-F238E27FC236}">
-                  <a16:creationId xmlns:p14="http://schemas.microsoft.com/office/powerpoint/2010/main" xmlns:a16="http://schemas.microsoft.com/office/drawing/2014/main" xmlns="" id="{5797D739-E4EF-4020-8521-6BC146B06A4D}"/>
+                  <a16:creationId xmlns="" xmlns:a16="http://schemas.microsoft.com/office/drawing/2014/main" xmlns:p14="http://schemas.microsoft.com/office/powerpoint/2010/main" id="{5797D739-E4EF-4020-8521-6BC146B06A4D}"/>
                 </a:ext>
               </a:extLst>
             </p:cNvPr>
@@ -6512,7 +6514,7 @@
             <p:cNvPr id="25" name="iṧľiḍè">
               <a:extLst>
                 <a:ext uri="{FF2B5EF4-FFF2-40B4-BE49-F238E27FC236}">
-                  <a16:creationId xmlns:p14="http://schemas.microsoft.com/office/powerpoint/2010/main" xmlns:a16="http://schemas.microsoft.com/office/drawing/2014/main" xmlns="" id="{420139AB-8C14-45D0-B524-2B38E2B5CC4C}"/>
+                  <a16:creationId xmlns="" xmlns:a16="http://schemas.microsoft.com/office/drawing/2014/main" xmlns:p14="http://schemas.microsoft.com/office/powerpoint/2010/main" id="{420139AB-8C14-45D0-B524-2B38E2B5CC4C}"/>
                 </a:ext>
               </a:extLst>
             </p:cNvPr>
@@ -6574,7 +6576,7 @@
             <p:cNvPr id="26" name="îŝḷiďê">
               <a:extLst>
                 <a:ext uri="{FF2B5EF4-FFF2-40B4-BE49-F238E27FC236}">
-                  <a16:creationId xmlns:p14="http://schemas.microsoft.com/office/powerpoint/2010/main" xmlns:a16="http://schemas.microsoft.com/office/drawing/2014/main" xmlns="" id="{C2086326-1FF1-4885-9F22-89D180415FAD}"/>
+                  <a16:creationId xmlns="" xmlns:a16="http://schemas.microsoft.com/office/drawing/2014/main" xmlns:p14="http://schemas.microsoft.com/office/powerpoint/2010/main" id="{C2086326-1FF1-4885-9F22-89D180415FAD}"/>
                 </a:ext>
               </a:extLst>
             </p:cNvPr>
@@ -6670,7 +6672,7 @@
             <p:cNvPr id="27" name="ï$ḷiḍé">
               <a:extLst>
                 <a:ext uri="{FF2B5EF4-FFF2-40B4-BE49-F238E27FC236}">
-                  <a16:creationId xmlns:p14="http://schemas.microsoft.com/office/powerpoint/2010/main" xmlns:a16="http://schemas.microsoft.com/office/drawing/2014/main" xmlns="" id="{6DB36021-5313-40A9-920B-CBDED876EF45}"/>
+                  <a16:creationId xmlns="" xmlns:a16="http://schemas.microsoft.com/office/drawing/2014/main" xmlns:p14="http://schemas.microsoft.com/office/powerpoint/2010/main" id="{6DB36021-5313-40A9-920B-CBDED876EF45}"/>
                 </a:ext>
               </a:extLst>
             </p:cNvPr>
@@ -6732,7 +6734,7 @@
             <p:cNvPr id="28" name="ïşḷïḍe">
               <a:extLst>
                 <a:ext uri="{FF2B5EF4-FFF2-40B4-BE49-F238E27FC236}">
-                  <a16:creationId xmlns:p14="http://schemas.microsoft.com/office/powerpoint/2010/main" xmlns:a16="http://schemas.microsoft.com/office/drawing/2014/main" xmlns="" id="{6E199C5B-BAA8-49E4-BEB5-B476BF8BC2B1}"/>
+                  <a16:creationId xmlns="" xmlns:a16="http://schemas.microsoft.com/office/drawing/2014/main" xmlns:p14="http://schemas.microsoft.com/office/powerpoint/2010/main" id="{6E199C5B-BAA8-49E4-BEB5-B476BF8BC2B1}"/>
                 </a:ext>
               </a:extLst>
             </p:cNvPr>
@@ -6794,7 +6796,7 @@
             <p:cNvPr id="29" name="i$ḻïďé">
               <a:extLst>
                 <a:ext uri="{FF2B5EF4-FFF2-40B4-BE49-F238E27FC236}">
-                  <a16:creationId xmlns:p14="http://schemas.microsoft.com/office/powerpoint/2010/main" xmlns:a16="http://schemas.microsoft.com/office/drawing/2014/main" xmlns="" id="{6D1C2096-6C60-4112-830E-BF0A8DBC9AFC}"/>
+                  <a16:creationId xmlns="" xmlns:a16="http://schemas.microsoft.com/office/drawing/2014/main" xmlns:p14="http://schemas.microsoft.com/office/powerpoint/2010/main" id="{6D1C2096-6C60-4112-830E-BF0A8DBC9AFC}"/>
                 </a:ext>
               </a:extLst>
             </p:cNvPr>
@@ -6856,7 +6858,7 @@
             <p:cNvPr id="30" name="iṩḷîďè">
               <a:extLst>
                 <a:ext uri="{FF2B5EF4-FFF2-40B4-BE49-F238E27FC236}">
-                  <a16:creationId xmlns:p14="http://schemas.microsoft.com/office/powerpoint/2010/main" xmlns:a16="http://schemas.microsoft.com/office/drawing/2014/main" xmlns="" id="{8E2F55A0-1F8B-4DF8-9692-0E52FB38C449}"/>
+                  <a16:creationId xmlns="" xmlns:a16="http://schemas.microsoft.com/office/drawing/2014/main" xmlns:p14="http://schemas.microsoft.com/office/powerpoint/2010/main" id="{8E2F55A0-1F8B-4DF8-9692-0E52FB38C449}"/>
                 </a:ext>
               </a:extLst>
             </p:cNvPr>
@@ -6918,7 +6920,7 @@
             <p:cNvPr id="31" name="îśḷiḋè">
               <a:extLst>
                 <a:ext uri="{FF2B5EF4-FFF2-40B4-BE49-F238E27FC236}">
-                  <a16:creationId xmlns:p14="http://schemas.microsoft.com/office/powerpoint/2010/main" xmlns:a16="http://schemas.microsoft.com/office/drawing/2014/main" xmlns="" id="{FAEFDB25-C311-444C-8211-CA9D0D3E76C7}"/>
+                  <a16:creationId xmlns="" xmlns:a16="http://schemas.microsoft.com/office/drawing/2014/main" xmlns:p14="http://schemas.microsoft.com/office/powerpoint/2010/main" id="{FAEFDB25-C311-444C-8211-CA9D0D3E76C7}"/>
                 </a:ext>
               </a:extLst>
             </p:cNvPr>
@@ -6980,7 +6982,7 @@
             <p:cNvPr id="32" name="işlïďe">
               <a:extLst>
                 <a:ext uri="{FF2B5EF4-FFF2-40B4-BE49-F238E27FC236}">
-                  <a16:creationId xmlns:p14="http://schemas.microsoft.com/office/powerpoint/2010/main" xmlns:a16="http://schemas.microsoft.com/office/drawing/2014/main" xmlns="" id="{6F7FE01D-44F0-4E78-AA22-48B1A54F44A8}"/>
+                  <a16:creationId xmlns="" xmlns:a16="http://schemas.microsoft.com/office/drawing/2014/main" xmlns:p14="http://schemas.microsoft.com/office/powerpoint/2010/main" id="{6F7FE01D-44F0-4E78-AA22-48B1A54F44A8}"/>
                 </a:ext>
               </a:extLst>
             </p:cNvPr>
@@ -7042,7 +7044,7 @@
             <p:cNvPr id="33" name="iṧļîďê">
               <a:extLst>
                 <a:ext uri="{FF2B5EF4-FFF2-40B4-BE49-F238E27FC236}">
-                  <a16:creationId xmlns:p14="http://schemas.microsoft.com/office/powerpoint/2010/main" xmlns:a16="http://schemas.microsoft.com/office/drawing/2014/main" xmlns="" id="{E43ABFED-9DCE-4780-A17B-F275913025D6}"/>
+                  <a16:creationId xmlns="" xmlns:a16="http://schemas.microsoft.com/office/drawing/2014/main" xmlns:p14="http://schemas.microsoft.com/office/powerpoint/2010/main" id="{E43ABFED-9DCE-4780-A17B-F275913025D6}"/>
                 </a:ext>
               </a:extLst>
             </p:cNvPr>
@@ -7104,7 +7106,7 @@
             <p:cNvPr id="34" name="ïśľide">
               <a:extLst>
                 <a:ext uri="{FF2B5EF4-FFF2-40B4-BE49-F238E27FC236}">
-                  <a16:creationId xmlns:p14="http://schemas.microsoft.com/office/powerpoint/2010/main" xmlns:a16="http://schemas.microsoft.com/office/drawing/2014/main" xmlns="" id="{764B5643-59A7-4278-9C6C-C0772E988BD1}"/>
+                  <a16:creationId xmlns="" xmlns:a16="http://schemas.microsoft.com/office/drawing/2014/main" xmlns:p14="http://schemas.microsoft.com/office/powerpoint/2010/main" id="{764B5643-59A7-4278-9C6C-C0772E988BD1}"/>
                 </a:ext>
               </a:extLst>
             </p:cNvPr>
@@ -7166,7 +7168,7 @@
             <p:cNvPr id="35" name="îṣḷiďè">
               <a:extLst>
                 <a:ext uri="{FF2B5EF4-FFF2-40B4-BE49-F238E27FC236}">
-                  <a16:creationId xmlns:p14="http://schemas.microsoft.com/office/powerpoint/2010/main" xmlns:a16="http://schemas.microsoft.com/office/drawing/2014/main" xmlns="" id="{A35CCFB0-B280-422B-A372-F1E8A7B37BB7}"/>
+                  <a16:creationId xmlns="" xmlns:a16="http://schemas.microsoft.com/office/drawing/2014/main" xmlns:p14="http://schemas.microsoft.com/office/powerpoint/2010/main" id="{A35CCFB0-B280-422B-A372-F1E8A7B37BB7}"/>
                 </a:ext>
               </a:extLst>
             </p:cNvPr>
@@ -7262,7 +7264,7 @@
             <p:cNvPr id="36" name="i$líḓe">
               <a:extLst>
                 <a:ext uri="{FF2B5EF4-FFF2-40B4-BE49-F238E27FC236}">
-                  <a16:creationId xmlns:p14="http://schemas.microsoft.com/office/powerpoint/2010/main" xmlns:a16="http://schemas.microsoft.com/office/drawing/2014/main" xmlns="" id="{7F0DCF35-E893-4225-90D5-FBFE48B4C496}"/>
+                  <a16:creationId xmlns="" xmlns:a16="http://schemas.microsoft.com/office/drawing/2014/main" xmlns:p14="http://schemas.microsoft.com/office/powerpoint/2010/main" id="{7F0DCF35-E893-4225-90D5-FBFE48B4C496}"/>
                 </a:ext>
               </a:extLst>
             </p:cNvPr>
@@ -7327,7 +7329,7 @@
             <p:cNvPr id="37" name="ïṣḷíḓè">
               <a:extLst>
                 <a:ext uri="{FF2B5EF4-FFF2-40B4-BE49-F238E27FC236}">
-                  <a16:creationId xmlns:p14="http://schemas.microsoft.com/office/powerpoint/2010/main" xmlns:a16="http://schemas.microsoft.com/office/drawing/2014/main" xmlns="" id="{A4220D05-442F-428F-ACAE-0BDB7327EE45}"/>
+                  <a16:creationId xmlns="" xmlns:a16="http://schemas.microsoft.com/office/drawing/2014/main" xmlns:p14="http://schemas.microsoft.com/office/powerpoint/2010/main" id="{A4220D05-442F-428F-ACAE-0BDB7327EE45}"/>
                 </a:ext>
               </a:extLst>
             </p:cNvPr>
@@ -7467,7 +7469,7 @@
             <p:cNvPr id="38" name="ïślîḓe">
               <a:extLst>
                 <a:ext uri="{FF2B5EF4-FFF2-40B4-BE49-F238E27FC236}">
-                  <a16:creationId xmlns:p14="http://schemas.microsoft.com/office/powerpoint/2010/main" xmlns:a16="http://schemas.microsoft.com/office/drawing/2014/main" xmlns="" id="{CA00A810-C422-493F-8762-928602E1666F}"/>
+                  <a16:creationId xmlns="" xmlns:a16="http://schemas.microsoft.com/office/drawing/2014/main" xmlns:p14="http://schemas.microsoft.com/office/powerpoint/2010/main" id="{CA00A810-C422-493F-8762-928602E1666F}"/>
                 </a:ext>
               </a:extLst>
             </p:cNvPr>
@@ -7529,7 +7531,7 @@
             <p:cNvPr id="39" name="iṥļïďé">
               <a:extLst>
                 <a:ext uri="{FF2B5EF4-FFF2-40B4-BE49-F238E27FC236}">
-                  <a16:creationId xmlns:p14="http://schemas.microsoft.com/office/powerpoint/2010/main" xmlns:a16="http://schemas.microsoft.com/office/drawing/2014/main" xmlns="" id="{8731F971-066B-40AA-B136-58B67564B7ED}"/>
+                  <a16:creationId xmlns="" xmlns:a16="http://schemas.microsoft.com/office/drawing/2014/main" xmlns:p14="http://schemas.microsoft.com/office/powerpoint/2010/main" id="{8731F971-066B-40AA-B136-58B67564B7ED}"/>
                 </a:ext>
               </a:extLst>
             </p:cNvPr>
@@ -7591,7 +7593,7 @@
             <p:cNvPr id="40" name="iślíḓé">
               <a:extLst>
                 <a:ext uri="{FF2B5EF4-FFF2-40B4-BE49-F238E27FC236}">
-                  <a16:creationId xmlns:p14="http://schemas.microsoft.com/office/powerpoint/2010/main" xmlns:a16="http://schemas.microsoft.com/office/drawing/2014/main" xmlns="" id="{2AABD586-6310-40FF-82C3-735CEE851897}"/>
+                  <a16:creationId xmlns="" xmlns:a16="http://schemas.microsoft.com/office/drawing/2014/main" xmlns:p14="http://schemas.microsoft.com/office/powerpoint/2010/main" id="{2AABD586-6310-40FF-82C3-735CEE851897}"/>
                 </a:ext>
               </a:extLst>
             </p:cNvPr>
@@ -7653,7 +7655,7 @@
             <p:cNvPr id="41" name="îşḻïḑé">
               <a:extLst>
                 <a:ext uri="{FF2B5EF4-FFF2-40B4-BE49-F238E27FC236}">
-                  <a16:creationId xmlns:p14="http://schemas.microsoft.com/office/powerpoint/2010/main" xmlns:a16="http://schemas.microsoft.com/office/drawing/2014/main" xmlns="" id="{0BDE1E9B-62A3-46F4-AB87-D02F1D6E213F}"/>
+                  <a16:creationId xmlns="" xmlns:a16="http://schemas.microsoft.com/office/drawing/2014/main" xmlns:p14="http://schemas.microsoft.com/office/powerpoint/2010/main" id="{0BDE1E9B-62A3-46F4-AB87-D02F1D6E213F}"/>
                 </a:ext>
               </a:extLst>
             </p:cNvPr>
@@ -7715,7 +7717,7 @@
             <p:cNvPr id="42" name="iš1îḓe">
               <a:extLst>
                 <a:ext uri="{FF2B5EF4-FFF2-40B4-BE49-F238E27FC236}">
-                  <a16:creationId xmlns:p14="http://schemas.microsoft.com/office/powerpoint/2010/main" xmlns:a16="http://schemas.microsoft.com/office/drawing/2014/main" xmlns="" id="{1846F9CF-B441-4677-B6B7-A82071C6A24C}"/>
+                  <a16:creationId xmlns="" xmlns:a16="http://schemas.microsoft.com/office/drawing/2014/main" xmlns:p14="http://schemas.microsoft.com/office/powerpoint/2010/main" id="{1846F9CF-B441-4677-B6B7-A82071C6A24C}"/>
                 </a:ext>
               </a:extLst>
             </p:cNvPr>
@@ -7777,7 +7779,7 @@
             <p:cNvPr id="43" name="iṣļïḋê">
               <a:extLst>
                 <a:ext uri="{FF2B5EF4-FFF2-40B4-BE49-F238E27FC236}">
-                  <a16:creationId xmlns:p14="http://schemas.microsoft.com/office/powerpoint/2010/main" xmlns:a16="http://schemas.microsoft.com/office/drawing/2014/main" xmlns="" id="{E6025A34-46AE-457E-AC6F-3CE06D5B4606}"/>
+                  <a16:creationId xmlns="" xmlns:a16="http://schemas.microsoft.com/office/drawing/2014/main" xmlns:p14="http://schemas.microsoft.com/office/powerpoint/2010/main" id="{E6025A34-46AE-457E-AC6F-3CE06D5B4606}"/>
                 </a:ext>
               </a:extLst>
             </p:cNvPr>
@@ -7839,7 +7841,7 @@
             <p:cNvPr id="44" name="ïṧḻîdè">
               <a:extLst>
                 <a:ext uri="{FF2B5EF4-FFF2-40B4-BE49-F238E27FC236}">
-                  <a16:creationId xmlns:p14="http://schemas.microsoft.com/office/powerpoint/2010/main" xmlns:a16="http://schemas.microsoft.com/office/drawing/2014/main" xmlns="" id="{B3B1207A-F631-4D74-AF71-25164BFA4732}"/>
+                  <a16:creationId xmlns="" xmlns:a16="http://schemas.microsoft.com/office/drawing/2014/main" xmlns:p14="http://schemas.microsoft.com/office/powerpoint/2010/main" id="{B3B1207A-F631-4D74-AF71-25164BFA4732}"/>
                 </a:ext>
               </a:extLst>
             </p:cNvPr>
@@ -7901,7 +7903,7 @@
             <p:cNvPr id="45" name="ïṩlîḋè">
               <a:extLst>
                 <a:ext uri="{FF2B5EF4-FFF2-40B4-BE49-F238E27FC236}">
-                  <a16:creationId xmlns:p14="http://schemas.microsoft.com/office/powerpoint/2010/main" xmlns:a16="http://schemas.microsoft.com/office/drawing/2014/main" xmlns="" id="{BD4629EF-6FD7-495B-BABC-2117635C362D}"/>
+                  <a16:creationId xmlns="" xmlns:a16="http://schemas.microsoft.com/office/drawing/2014/main" xmlns:p14="http://schemas.microsoft.com/office/powerpoint/2010/main" id="{BD4629EF-6FD7-495B-BABC-2117635C362D}"/>
                 </a:ext>
               </a:extLst>
             </p:cNvPr>
@@ -7972,7 +7974,7 @@
             <p:cNvPr id="46" name="îśḻiḑê">
               <a:extLst>
                 <a:ext uri="{FF2B5EF4-FFF2-40B4-BE49-F238E27FC236}">
-                  <a16:creationId xmlns:p14="http://schemas.microsoft.com/office/powerpoint/2010/main" xmlns:a16="http://schemas.microsoft.com/office/drawing/2014/main" xmlns="" id="{CEEE656F-2B58-452E-8C4C-A5DC9C34C5FE}"/>
+                  <a16:creationId xmlns="" xmlns:a16="http://schemas.microsoft.com/office/drawing/2014/main" xmlns:p14="http://schemas.microsoft.com/office/powerpoint/2010/main" id="{CEEE656F-2B58-452E-8C4C-A5DC9C34C5FE}"/>
                 </a:ext>
               </a:extLst>
             </p:cNvPr>
@@ -8043,7 +8045,7 @@
             <p:cNvPr id="47" name="ísļîḓê">
               <a:extLst>
                 <a:ext uri="{FF2B5EF4-FFF2-40B4-BE49-F238E27FC236}">
-                  <a16:creationId xmlns:p14="http://schemas.microsoft.com/office/powerpoint/2010/main" xmlns:a16="http://schemas.microsoft.com/office/drawing/2014/main" xmlns="" id="{30046525-C92C-4D8E-AA3B-B52FFA1759D5}"/>
+                  <a16:creationId xmlns="" xmlns:a16="http://schemas.microsoft.com/office/drawing/2014/main" xmlns:p14="http://schemas.microsoft.com/office/powerpoint/2010/main" id="{30046525-C92C-4D8E-AA3B-B52FFA1759D5}"/>
                 </a:ext>
               </a:extLst>
             </p:cNvPr>
@@ -8381,7 +8383,7 @@
           <p:cNvPr id="8" name="日期占位符 7">
             <a:extLst>
               <a:ext uri="{FF2B5EF4-FFF2-40B4-BE49-F238E27FC236}">
-                <a16:creationId xmlns:p14="http://schemas.microsoft.com/office/powerpoint/2010/main" xmlns:p15="http://schemas.microsoft.com/office/powerpoint/2012/main" xmlns:a16="http://schemas.microsoft.com/office/drawing/2014/main" xmlns="" id="{04388434-9949-479C-A9C3-67A953F6A939}"/>
+                <a16:creationId xmlns="" xmlns:a16="http://schemas.microsoft.com/office/drawing/2014/main" xmlns:p15="http://schemas.microsoft.com/office/powerpoint/2012/main" xmlns:p14="http://schemas.microsoft.com/office/powerpoint/2010/main" id="{04388434-9949-479C-A9C3-67A953F6A939}"/>
               </a:ext>
             </a:extLst>
           </p:cNvPr>
@@ -8425,7 +8427,7 @@
           <p:cNvPr id="9" name="页脚占位符 8">
             <a:extLst>
               <a:ext uri="{FF2B5EF4-FFF2-40B4-BE49-F238E27FC236}">
-                <a16:creationId xmlns:p14="http://schemas.microsoft.com/office/powerpoint/2010/main" xmlns:p15="http://schemas.microsoft.com/office/powerpoint/2012/main" xmlns:a16="http://schemas.microsoft.com/office/drawing/2014/main" xmlns="" id="{50A5656E-7A33-4865-A262-1F96263BAA16}"/>
+                <a16:creationId xmlns="" xmlns:a16="http://schemas.microsoft.com/office/drawing/2014/main" xmlns:p15="http://schemas.microsoft.com/office/powerpoint/2012/main" xmlns:p14="http://schemas.microsoft.com/office/powerpoint/2010/main" id="{50A5656E-7A33-4865-A262-1F96263BAA16}"/>
               </a:ext>
             </a:extLst>
           </p:cNvPr>
@@ -8481,7 +8483,7 @@
           <p:cNvPr id="10" name="灯片编号占位符 9">
             <a:extLst>
               <a:ext uri="{FF2B5EF4-FFF2-40B4-BE49-F238E27FC236}">
-                <a16:creationId xmlns:p14="http://schemas.microsoft.com/office/powerpoint/2010/main" xmlns:p15="http://schemas.microsoft.com/office/powerpoint/2012/main" xmlns:a16="http://schemas.microsoft.com/office/drawing/2014/main" xmlns="" id="{5BF52F79-380E-4278-8B67-588AFE5840F9}"/>
+                <a16:creationId xmlns="" xmlns:a16="http://schemas.microsoft.com/office/drawing/2014/main" xmlns:p15="http://schemas.microsoft.com/office/powerpoint/2012/main" xmlns:p14="http://schemas.microsoft.com/office/powerpoint/2010/main" id="{5BF52F79-380E-4278-8B67-588AFE5840F9}"/>
               </a:ext>
             </a:extLst>
           </p:cNvPr>
@@ -8824,7 +8826,7 @@
   </p:txStyles>
   <p:extLst>
     <p:ext uri="{27BBF7A9-308A-43DC-89C8-2F10F3537804}">
-      <p15:sldGuideLst xmlns:p15="http://schemas.microsoft.com/office/powerpoint/2012/main" xmlns:p14="http://schemas.microsoft.com/office/powerpoint/2010/main" xmlns:a16="http://schemas.microsoft.com/office/drawing/2014/main" xmlns="">
+      <p15:sldGuideLst xmlns="" xmlns:a16="http://schemas.microsoft.com/office/drawing/2014/main" xmlns:p14="http://schemas.microsoft.com/office/powerpoint/2010/main" xmlns:p15="http://schemas.microsoft.com/office/powerpoint/2012/main">
         <p15:guide id="1" pos="422" userDrawn="1">
           <p15:clr>
             <a:srgbClr val="F26B43"/>
@@ -8883,7 +8885,7 @@
           <p:cNvPr id="3" name="ïṩḷiḑé" hidden="1">
             <a:extLst>
               <a:ext uri="{FF2B5EF4-FFF2-40B4-BE49-F238E27FC236}">
-                <a16:creationId xmlns:p14="http://schemas.microsoft.com/office/powerpoint/2010/main" xmlns:mc="http://schemas.openxmlformats.org/markup-compatibility/2006" xmlns:v="urn:schemas-microsoft-com:vml" xmlns:a16="http://schemas.microsoft.com/office/drawing/2014/main" xmlns="" id="{3C326D0B-7DAB-41B6-8030-2E4A18CC949B}"/>
+                <a16:creationId xmlns="" xmlns:a16="http://schemas.microsoft.com/office/drawing/2014/main" xmlns:v="urn:schemas-microsoft-com:vml" xmlns:mc="http://schemas.openxmlformats.org/markup-compatibility/2006" xmlns:p14="http://schemas.microsoft.com/office/powerpoint/2010/main" id="{3C326D0B-7DAB-41B6-8030-2E4A18CC949B}"/>
               </a:ext>
             </a:extLst>
           </p:cNvPr>
@@ -8906,7 +8908,7 @@
           <a:graphicData uri="http://schemas.openxmlformats.org/presentationml/2006/ole">
             <mc:AlternateContent xmlns:mc="http://schemas.openxmlformats.org/markup-compatibility/2006">
               <mc:Choice xmlns:v="urn:schemas-microsoft-com:vml" Requires="v">
-                <p:oleObj spid="_x0000_s1061" name="think-cell Slide" r:id="rId5" imgW="347" imgH="348" progId="TCLayout.ActiveDocument.1">
+                <p:oleObj spid="_x0000_s1064" name="think-cell Slide" r:id="rId5" imgW="347" imgH="348" progId="TCLayout.ActiveDocument.1">
                   <p:embed/>
                 </p:oleObj>
               </mc:Choice>
@@ -8918,7 +8920,7 @@
                       <p:cNvPr id="3" name="iş1iďé" hidden="1">
                         <a:extLst>
                           <a:ext uri="{FF2B5EF4-FFF2-40B4-BE49-F238E27FC236}">
-                            <a16:creationId xmlns:p14="http://schemas.microsoft.com/office/powerpoint/2010/main" xmlns:v="urn:schemas-microsoft-com:vml" xmlns:a16="http://schemas.microsoft.com/office/drawing/2014/main" xmlns="" id="{3C326D0B-7DAB-41B6-8030-2E4A18CC949B}"/>
+                            <a16:creationId xmlns="" xmlns:a16="http://schemas.microsoft.com/office/drawing/2014/main" xmlns:v="urn:schemas-microsoft-com:vml" xmlns:p14="http://schemas.microsoft.com/office/powerpoint/2010/main" id="{3C326D0B-7DAB-41B6-8030-2E4A18CC949B}"/>
                           </a:ext>
                         </a:extLst>
                       </p:cNvPr>
@@ -8952,7 +8954,7 @@
           <p:cNvPr id="2" name="ïsľîḑè" hidden="1">
             <a:extLst>
               <a:ext uri="{FF2B5EF4-FFF2-40B4-BE49-F238E27FC236}">
-                <a16:creationId xmlns:p14="http://schemas.microsoft.com/office/powerpoint/2010/main" xmlns:mc="http://schemas.openxmlformats.org/markup-compatibility/2006" xmlns:v="urn:schemas-microsoft-com:vml" xmlns:a16="http://schemas.microsoft.com/office/drawing/2014/main" xmlns="" id="{EC933494-1B63-4A32-964F-D05236799BAA}"/>
+                <a16:creationId xmlns="" xmlns:a16="http://schemas.microsoft.com/office/drawing/2014/main" xmlns:v="urn:schemas-microsoft-com:vml" xmlns:mc="http://schemas.openxmlformats.org/markup-compatibility/2006" xmlns:p14="http://schemas.microsoft.com/office/powerpoint/2010/main" id="{EC933494-1B63-4A32-964F-D05236799BAA}"/>
               </a:ext>
             </a:extLst>
           </p:cNvPr>
@@ -9257,6 +9259,265 @@
               <a:rPr lang="zh-CN" altLang="en-US" smtClean="0"/>
               <a:pPr/>
               <a:t>10</a:t>
+            </a:fld>
+            <a:endParaRPr lang="zh-CN" altLang="en-US"/>
+          </a:p>
+        </p:txBody>
+      </p:sp>
+      <p:sp>
+        <p:nvSpPr>
+          <p:cNvPr id="4" name="標題 3"/>
+          <p:cNvSpPr>
+            <a:spLocks noGrp="1"/>
+          </p:cNvSpPr>
+          <p:nvPr>
+            <p:ph type="title"/>
+          </p:nvPr>
+        </p:nvSpPr>
+        <p:spPr/>
+        <p:txBody>
+          <a:bodyPr/>
+          <a:lstStyle/>
+          <a:p>
+            <a:r>
+              <a:rPr lang="en-US" altLang="zh-TW" dirty="0"/>
+              <a:t>RNN </a:t>
+            </a:r>
+            <a:r>
+              <a:rPr lang="zh-TW" altLang="en-US" dirty="0"/>
+              <a:t>圖解</a:t>
+            </a:r>
+          </a:p>
+        </p:txBody>
+      </p:sp>
+      <p:sp>
+        <p:nvSpPr>
+          <p:cNvPr id="5" name="內容版面配置區 4"/>
+          <p:cNvSpPr>
+            <a:spLocks noGrp="1"/>
+          </p:cNvSpPr>
+          <p:nvPr>
+            <p:ph sz="quarter" idx="13"/>
+          </p:nvPr>
+        </p:nvSpPr>
+        <p:spPr/>
+        <p:txBody>
+          <a:bodyPr/>
+          <a:lstStyle/>
+          <a:p>
+            <a:r>
+              <a:rPr lang="zh-CN" altLang="en-US" dirty="0"/>
+              <a:t> </a:t>
+            </a:r>
+            <a:r>
+              <a:rPr lang="zh-CN" altLang="en-US" dirty="0" smtClean="0"/>
+              <a:t>诸</a:t>
+            </a:r>
+            <a:r>
+              <a:rPr lang="zh-CN" altLang="en-US" dirty="0"/>
+              <a:t>如此类的序列数据用原始的神经网络难以建模</a:t>
+            </a:r>
+            <a:r>
+              <a:rPr lang="zh-CN" altLang="en-US" dirty="0" smtClean="0"/>
+              <a:t>，</a:t>
+            </a:r>
+            <a:endParaRPr lang="en-US" altLang="zh-CN" dirty="0" smtClean="0"/>
+          </a:p>
+          <a:p>
+            <a:r>
+              <a:rPr lang="zh-CN" altLang="en-US" dirty="0" smtClean="0"/>
+              <a:t>基</a:t>
+            </a:r>
+            <a:r>
+              <a:rPr lang="zh-CN" altLang="en-US" dirty="0"/>
+              <a:t>于此，</a:t>
+            </a:r>
+            <a:r>
+              <a:rPr lang="en-US" altLang="zh-CN" dirty="0"/>
+              <a:t>RNN</a:t>
+            </a:r>
+            <a:r>
+              <a:rPr lang="zh-CN" altLang="en-US" dirty="0"/>
+              <a:t>引入了隐状态*</a:t>
+            </a:r>
+            <a:r>
+              <a:rPr lang="en-US" altLang="zh-CN" dirty="0"/>
+              <a:t>ℎ*</a:t>
+            </a:r>
+            <a:r>
+              <a:rPr lang="zh-CN" altLang="en-US" dirty="0"/>
+              <a:t>（</a:t>
+            </a:r>
+            <a:r>
+              <a:rPr lang="en-US" altLang="zh-CN" dirty="0"/>
+              <a:t>hidden state</a:t>
+            </a:r>
+            <a:r>
+              <a:rPr lang="zh-CN" altLang="en-US" dirty="0"/>
+              <a:t>）</a:t>
+            </a:r>
+            <a:r>
+              <a:rPr lang="zh-CN" altLang="en-US" dirty="0" smtClean="0"/>
+              <a:t>，</a:t>
+            </a:r>
+            <a:endParaRPr lang="en-US" altLang="zh-CN" dirty="0" smtClean="0"/>
+          </a:p>
+          <a:p>
+            <a:r>
+              <a:rPr lang="zh-CN" altLang="en-US" dirty="0" smtClean="0"/>
+              <a:t>*</a:t>
+            </a:r>
+            <a:r>
+              <a:rPr lang="en-US" altLang="zh-CN" dirty="0"/>
+              <a:t>ℎ*•</a:t>
+            </a:r>
+            <a:r>
+              <a:rPr lang="zh-CN" altLang="en-US" dirty="0"/>
+              <a:t>可对序列数据提取特征，接着再转换为输出。  为了便于理解，先计算*</a:t>
+            </a:r>
+            <a:r>
+              <a:rPr lang="en-US" altLang="zh-CN" dirty="0"/>
+              <a:t>ℎ*1•</a:t>
+            </a:r>
+            <a:r>
+              <a:rPr lang="zh-CN" altLang="en-US" dirty="0"/>
+              <a:t>： </a:t>
+            </a:r>
+            <a:endParaRPr lang="en-US" altLang="zh-CN" dirty="0" smtClean="0"/>
+          </a:p>
+          <a:p>
+            <a:endParaRPr lang="zh-TW" altLang="en-US" dirty="0"/>
+          </a:p>
+        </p:txBody>
+      </p:sp>
+      <p:pic>
+        <p:nvPicPr>
+          <p:cNvPr id="8194" name="Picture 2" descr="E:\Delete\git_r\two_month_report\202011_2021_1\11_16_to_11_20_third\img\rnn6.3.jpg"/>
+          <p:cNvPicPr>
+            <a:picLocks noChangeAspect="1" noChangeArrowheads="1"/>
+          </p:cNvPicPr>
+          <p:nvPr/>
+        </p:nvPicPr>
+        <p:blipFill>
+          <a:blip r:embed="rId2">
+            <a:extLst>
+              <a:ext uri="{28A0092B-C50C-407E-A947-70E740481C1C}">
+                <a14:useLocalDpi xmlns:a14="http://schemas.microsoft.com/office/drawing/2010/main" val="0"/>
+              </a:ext>
+            </a:extLst>
+          </a:blip>
+          <a:srcRect/>
+          <a:stretch>
+            <a:fillRect/>
+          </a:stretch>
+        </p:blipFill>
+        <p:spPr bwMode="auto">
+          <a:xfrm>
+            <a:off x="1457325" y="2590800"/>
+            <a:ext cx="6858000" cy="2667000"/>
+          </a:xfrm>
+          <a:prstGeom prst="rect">
+            <a:avLst/>
+          </a:prstGeom>
+          <a:noFill/>
+          <a:extLst>
+            <a:ext uri="{909E8E84-426E-40DD-AFC4-6F175D3DCCD1}">
+              <a14:hiddenFill xmlns:a14="http://schemas.microsoft.com/office/drawing/2010/main">
+                <a:solidFill>
+                  <a:srgbClr val="FFFFFF"/>
+                </a:solidFill>
+              </a14:hiddenFill>
+            </a:ext>
+          </a:extLst>
+        </p:spPr>
+      </p:pic>
+    </p:spTree>
+    <p:extLst>
+      <p:ext uri="{BB962C8B-B14F-4D97-AF65-F5344CB8AC3E}">
+        <p14:creationId xmlns:p14="http://schemas.microsoft.com/office/powerpoint/2010/main" val="1964539032"/>
+      </p:ext>
+    </p:extLst>
+  </p:cSld>
+  <p:clrMapOvr>
+    <a:masterClrMapping/>
+  </p:clrMapOvr>
+  <p:timing>
+    <p:tnLst>
+      <p:par>
+        <p:cTn id="1" dur="indefinite" restart="never" nodeType="tmRoot"/>
+      </p:par>
+    </p:tnLst>
+  </p:timing>
+</p:sld>
+</file>
+
+<file path=ppt/slides/slide11.xml><?xml version="1.0" encoding="utf-8"?>
+<p:sld xmlns:a="http://schemas.openxmlformats.org/drawingml/2006/main" xmlns:r="http://schemas.openxmlformats.org/officeDocument/2006/relationships" xmlns:p="http://schemas.openxmlformats.org/presentationml/2006/main">
+  <p:cSld>
+    <p:spTree>
+      <p:nvGrpSpPr>
+        <p:cNvPr id="1" name=""/>
+        <p:cNvGrpSpPr/>
+        <p:nvPr/>
+      </p:nvGrpSpPr>
+      <p:grpSpPr>
+        <a:xfrm>
+          <a:off x="0" y="0"/>
+          <a:ext cx="0" cy="0"/>
+          <a:chOff x="0" y="0"/>
+          <a:chExt cx="0" cy="0"/>
+        </a:xfrm>
+      </p:grpSpPr>
+      <p:sp>
+        <p:nvSpPr>
+          <p:cNvPr id="2" name="頁尾版面配置區 1"/>
+          <p:cNvSpPr>
+            <a:spLocks noGrp="1"/>
+          </p:cNvSpPr>
+          <p:nvPr>
+            <p:ph type="ftr" sz="quarter" idx="11"/>
+          </p:nvPr>
+        </p:nvSpPr>
+        <p:spPr/>
+        <p:txBody>
+          <a:bodyPr/>
+          <a:lstStyle/>
+          <a:p>
+            <a:r>
+              <a:rPr lang="zh-CN" altLang="en-US" smtClean="0"/>
+              <a:t>请在插入菜单</a:t>
+            </a:r>
+            <a:r>
+              <a:rPr lang="en-US" altLang="zh-CN" smtClean="0"/>
+              <a:t>—</a:t>
+            </a:r>
+            <a:r>
+              <a:rPr lang="zh-CN" altLang="en-US" smtClean="0"/>
+              <a:t>页眉和页脚中修改此文本</a:t>
+            </a:r>
+            <a:endParaRPr lang="zh-CN" altLang="en-US" dirty="0"/>
+          </a:p>
+        </p:txBody>
+      </p:sp>
+      <p:sp>
+        <p:nvSpPr>
+          <p:cNvPr id="3" name="投影片編號版面配置區 2"/>
+          <p:cNvSpPr>
+            <a:spLocks noGrp="1"/>
+          </p:cNvSpPr>
+          <p:nvPr>
+            <p:ph type="sldNum" sz="quarter" idx="12"/>
+          </p:nvPr>
+        </p:nvSpPr>
+        <p:spPr/>
+        <p:txBody>
+          <a:bodyPr/>
+          <a:lstStyle/>
+          <a:p>
+            <a:fld id="{5DD3DB80-B894-403A-B48E-6FDC1A72010E}" type="slidenum">
+              <a:rPr lang="zh-CN" altLang="en-US" smtClean="0"/>
+              <a:pPr/>
+              <a:t>11</a:t>
             </a:fld>
             <a:endParaRPr lang="zh-CN" altLang="en-US"/>
           </a:p>
@@ -9741,7 +10002,7 @@
 </p:sld>
 </file>
 
-<file path=ppt/slides/slide11.xml><?xml version="1.0" encoding="utf-8"?>
+<file path=ppt/slides/slide12.xml><?xml version="1.0" encoding="utf-8"?>
 <p:sld xmlns:a="http://schemas.openxmlformats.org/drawingml/2006/main" xmlns:r="http://schemas.openxmlformats.org/officeDocument/2006/relationships" xmlns:p="http://schemas.openxmlformats.org/presentationml/2006/main">
   <p:cSld>
     <p:spTree>
@@ -9807,7 +10068,7 @@
             <a:fld id="{5DD3DB80-B894-403A-B48E-6FDC1A72010E}" type="slidenum">
               <a:rPr lang="zh-CN" altLang="en-US" smtClean="0"/>
               <a:pPr/>
-              <a:t>11</a:t>
+              <a:t>12</a:t>
             </a:fld>
             <a:endParaRPr lang="zh-CN" altLang="en-US"/>
           </a:p>
@@ -9931,7 +10192,7 @@
 </p:sld>
 </file>
 
-<file path=ppt/slides/slide12.xml><?xml version="1.0" encoding="utf-8"?>
+<file path=ppt/slides/slide13.xml><?xml version="1.0" encoding="utf-8"?>
 <p:sld xmlns:a="http://schemas.openxmlformats.org/drawingml/2006/main" xmlns:r="http://schemas.openxmlformats.org/officeDocument/2006/relationships" xmlns:p="http://schemas.openxmlformats.org/presentationml/2006/main">
   <p:cSld>
     <p:spTree>
@@ -9997,7 +10258,7 @@
             <a:fld id="{5DD3DB80-B894-403A-B48E-6FDC1A72010E}" type="slidenum">
               <a:rPr lang="zh-CN" altLang="en-US" smtClean="0"/>
               <a:pPr/>
-              <a:t>12</a:t>
+              <a:t>13</a:t>
             </a:fld>
             <a:endParaRPr lang="zh-CN" altLang="en-US"/>
           </a:p>
@@ -10338,7 +10599,7 @@
 </p:sld>
 </file>
 
-<file path=ppt/slides/slide13.xml><?xml version="1.0" encoding="utf-8"?>
+<file path=ppt/slides/slide14.xml><?xml version="1.0" encoding="utf-8"?>
 <p:sld xmlns:a="http://schemas.openxmlformats.org/drawingml/2006/main" xmlns:r="http://schemas.openxmlformats.org/officeDocument/2006/relationships" xmlns:p="http://schemas.openxmlformats.org/presentationml/2006/main">
   <p:cSld>
     <p:spTree>
@@ -10404,7 +10665,7 @@
             <a:fld id="{5DD3DB80-B894-403A-B48E-6FDC1A72010E}" type="slidenum">
               <a:rPr lang="zh-CN" altLang="en-US" smtClean="0"/>
               <a:pPr/>
-              <a:t>13</a:t>
+              <a:t>14</a:t>
             </a:fld>
             <a:endParaRPr lang="zh-CN" altLang="en-US"/>
           </a:p>
@@ -10835,249 +11096,6 @@
 </p:sld>
 </file>
 
-<file path=ppt/slides/slide14.xml><?xml version="1.0" encoding="utf-8"?>
-<p:sld xmlns:a="http://schemas.openxmlformats.org/drawingml/2006/main" xmlns:r="http://schemas.openxmlformats.org/officeDocument/2006/relationships" xmlns:p="http://schemas.openxmlformats.org/presentationml/2006/main">
-  <p:cSld>
-    <p:spTree>
-      <p:nvGrpSpPr>
-        <p:cNvPr id="1" name=""/>
-        <p:cNvGrpSpPr/>
-        <p:nvPr/>
-      </p:nvGrpSpPr>
-      <p:grpSpPr>
-        <a:xfrm>
-          <a:off x="0" y="0"/>
-          <a:ext cx="0" cy="0"/>
-          <a:chOff x="0" y="0"/>
-          <a:chExt cx="0" cy="0"/>
-        </a:xfrm>
-      </p:grpSpPr>
-      <p:sp>
-        <p:nvSpPr>
-          <p:cNvPr id="2" name="頁尾版面配置區 1"/>
-          <p:cNvSpPr>
-            <a:spLocks noGrp="1"/>
-          </p:cNvSpPr>
-          <p:nvPr>
-            <p:ph type="ftr" sz="quarter" idx="11"/>
-          </p:nvPr>
-        </p:nvSpPr>
-        <p:spPr/>
-        <p:txBody>
-          <a:bodyPr/>
-          <a:lstStyle/>
-          <a:p>
-            <a:r>
-              <a:rPr lang="zh-CN" altLang="en-US" smtClean="0"/>
-              <a:t>请在插入菜单</a:t>
-            </a:r>
-            <a:r>
-              <a:rPr lang="en-US" altLang="zh-CN" smtClean="0"/>
-              <a:t>—</a:t>
-            </a:r>
-            <a:r>
-              <a:rPr lang="zh-CN" altLang="en-US" smtClean="0"/>
-              <a:t>页眉和页脚中修改此文本</a:t>
-            </a:r>
-            <a:endParaRPr lang="zh-CN" altLang="en-US" dirty="0"/>
-          </a:p>
-        </p:txBody>
-      </p:sp>
-      <p:sp>
-        <p:nvSpPr>
-          <p:cNvPr id="3" name="投影片編號版面配置區 2"/>
-          <p:cNvSpPr>
-            <a:spLocks noGrp="1"/>
-          </p:cNvSpPr>
-          <p:nvPr>
-            <p:ph type="sldNum" sz="quarter" idx="12"/>
-          </p:nvPr>
-        </p:nvSpPr>
-        <p:spPr/>
-        <p:txBody>
-          <a:bodyPr/>
-          <a:lstStyle/>
-          <a:p>
-            <a:fld id="{5DD3DB80-B894-403A-B48E-6FDC1A72010E}" type="slidenum">
-              <a:rPr lang="zh-CN" altLang="en-US" smtClean="0"/>
-              <a:pPr/>
-              <a:t>14</a:t>
-            </a:fld>
-            <a:endParaRPr lang="zh-CN" altLang="en-US"/>
-          </a:p>
-        </p:txBody>
-      </p:sp>
-      <p:sp>
-        <p:nvSpPr>
-          <p:cNvPr id="4" name="標題 3"/>
-          <p:cNvSpPr>
-            <a:spLocks noGrp="1"/>
-          </p:cNvSpPr>
-          <p:nvPr>
-            <p:ph type="title"/>
-          </p:nvPr>
-        </p:nvSpPr>
-        <p:spPr/>
-        <p:txBody>
-          <a:bodyPr/>
-          <a:lstStyle/>
-          <a:p>
-            <a:r>
-              <a:rPr lang="en-US" altLang="zh-TW" dirty="0"/>
-              <a:t>RNN</a:t>
-            </a:r>
-            <a:r>
-              <a:rPr lang="zh-TW" altLang="en-US" dirty="0"/>
-              <a:t>特點</a:t>
-            </a:r>
-          </a:p>
-        </p:txBody>
-      </p:sp>
-      <p:sp>
-        <p:nvSpPr>
-          <p:cNvPr id="5" name="內容版面配置區 4"/>
-          <p:cNvSpPr>
-            <a:spLocks noGrp="1"/>
-          </p:cNvSpPr>
-          <p:nvPr>
-            <p:ph sz="quarter" idx="13"/>
-          </p:nvPr>
-        </p:nvSpPr>
-        <p:spPr/>
-        <p:txBody>
-          <a:bodyPr/>
-          <a:lstStyle/>
-          <a:p>
-            <a:r>
-              <a:rPr lang="en-US" altLang="zh-CN" dirty="0"/>
-              <a:t>1.RNNs</a:t>
-            </a:r>
-            <a:r>
-              <a:rPr lang="zh-CN" altLang="en-US" dirty="0"/>
-              <a:t>主要用于处理序列数据。对于传统神经网络模型，从输入层到隐含层再到输出层，层与层之间一般为全连接，每层之间神经元是无连接的。但是传统神经网络无法处理数据间的前后关联问题。例如，为了预测句子的下一个单词，一般需要该词之前的语义信息。这是因为一个句子中前后单词是存在语义联系的</a:t>
-            </a:r>
-            <a:r>
-              <a:rPr lang="zh-CN" altLang="en-US" dirty="0" smtClean="0"/>
-              <a:t>。</a:t>
-            </a:r>
-            <a:endParaRPr lang="en-US" altLang="zh-CN" dirty="0" smtClean="0"/>
-          </a:p>
-          <a:p>
-            <a:endParaRPr lang="zh-CN" altLang="en-US" dirty="0"/>
-          </a:p>
-          <a:p>
-            <a:r>
-              <a:rPr lang="en-US" altLang="zh-CN" dirty="0"/>
-              <a:t>2.RNNs</a:t>
-            </a:r>
-            <a:r>
-              <a:rPr lang="zh-CN" altLang="en-US" dirty="0"/>
-              <a:t>中当前单元的输出与之前步骤输出也有关，因此称之为循环神经网络。具体的表现形式为当前单元会对之前步骤信息进行储存并应用于当前输出的计算中。隐藏层之间的节点连接起来，隐藏层当前输出由当前时刻输入向量和之前时刻隐藏层状态共同决定</a:t>
-            </a:r>
-            <a:r>
-              <a:rPr lang="zh-CN" altLang="en-US" dirty="0" smtClean="0"/>
-              <a:t>。</a:t>
-            </a:r>
-            <a:endParaRPr lang="en-US" altLang="zh-CN" dirty="0" smtClean="0"/>
-          </a:p>
-          <a:p>
-            <a:endParaRPr lang="zh-CN" altLang="en-US" dirty="0"/>
-          </a:p>
-          <a:p>
-            <a:r>
-              <a:rPr lang="en-US" altLang="zh-CN" dirty="0"/>
-              <a:t>3.</a:t>
-            </a:r>
-            <a:r>
-              <a:rPr lang="zh-CN" altLang="en-US" dirty="0"/>
-              <a:t>标准的</a:t>
-            </a:r>
-            <a:r>
-              <a:rPr lang="en-US" altLang="zh-CN" dirty="0"/>
-              <a:t>RNNs</a:t>
-            </a:r>
-            <a:r>
-              <a:rPr lang="zh-CN" altLang="en-US" dirty="0"/>
-              <a:t>结构图，图中每个箭头代表做一次变换，也就是说箭头连接带有权值</a:t>
-            </a:r>
-            <a:r>
-              <a:rPr lang="zh-CN" altLang="en-US" dirty="0" smtClean="0"/>
-              <a:t>。</a:t>
-            </a:r>
-            <a:endParaRPr lang="en-US" altLang="zh-CN" dirty="0" smtClean="0"/>
-          </a:p>
-          <a:p>
-            <a:endParaRPr lang="zh-CN" altLang="en-US" dirty="0"/>
-          </a:p>
-          <a:p>
-            <a:r>
-              <a:rPr lang="en-US" altLang="zh-CN" dirty="0"/>
-              <a:t>4.</a:t>
-            </a:r>
-            <a:r>
-              <a:rPr lang="zh-CN" altLang="en-US" dirty="0"/>
-              <a:t>在标准的</a:t>
-            </a:r>
-            <a:r>
-              <a:rPr lang="en-US" altLang="zh-CN" dirty="0"/>
-              <a:t>RNN</a:t>
-            </a:r>
-            <a:r>
-              <a:rPr lang="zh-CN" altLang="en-US" dirty="0"/>
-              <a:t>结构中，隐层的神经元之间也是带有权值的，且权值共享</a:t>
-            </a:r>
-            <a:r>
-              <a:rPr lang="zh-CN" altLang="en-US" dirty="0" smtClean="0"/>
-              <a:t>。</a:t>
-            </a:r>
-            <a:endParaRPr lang="en-US" altLang="zh-CN" dirty="0" smtClean="0"/>
-          </a:p>
-          <a:p>
-            <a:endParaRPr lang="zh-CN" altLang="en-US" dirty="0"/>
-          </a:p>
-          <a:p>
-            <a:r>
-              <a:rPr lang="en-US" altLang="zh-CN" dirty="0"/>
-              <a:t>5.</a:t>
-            </a:r>
-            <a:r>
-              <a:rPr lang="zh-CN" altLang="en-US" dirty="0"/>
-              <a:t>理论上，</a:t>
-            </a:r>
-            <a:r>
-              <a:rPr lang="en-US" altLang="zh-CN" dirty="0"/>
-              <a:t>RNNs</a:t>
-            </a:r>
-            <a:r>
-              <a:rPr lang="zh-CN" altLang="en-US" dirty="0"/>
-              <a:t>能够对任何长度序列数据进行处理。但是在实践中，为了降低复杂度往往假设当前的状态只与之前某几个时刻状态相关</a:t>
-            </a:r>
-          </a:p>
-          <a:p>
-            <a:endParaRPr lang="zh-TW" altLang="en-US" dirty="0"/>
-          </a:p>
-        </p:txBody>
-      </p:sp>
-    </p:spTree>
-    <p:extLst>
-      <p:ext uri="{BB962C8B-B14F-4D97-AF65-F5344CB8AC3E}">
-        <p14:creationId xmlns:p14="http://schemas.microsoft.com/office/powerpoint/2010/main" val="3151520996"/>
-      </p:ext>
-    </p:extLst>
-  </p:cSld>
-  <p:clrMapOvr>
-    <a:masterClrMapping/>
-  </p:clrMapOvr>
-  <p:timing>
-    <p:tnLst>
-      <p:par>
-        <p:cTn id="1" dur="indefinite" restart="never" nodeType="tmRoot"/>
-      </p:par>
-    </p:tnLst>
-  </p:timing>
-</p:sld>
-</file>
-
 <file path=ppt/slides/slide15.xml><?xml version="1.0" encoding="utf-8"?>
 <p:sld xmlns:a="http://schemas.openxmlformats.org/drawingml/2006/main" xmlns:r="http://schemas.openxmlformats.org/officeDocument/2006/relationships" xmlns:p="http://schemas.openxmlformats.org/presentationml/2006/main">
   <p:cSld>
@@ -11111,15 +11129,15 @@
           <a:lstStyle/>
           <a:p>
             <a:r>
-              <a:rPr lang="zh-CN" altLang="en-US" smtClean="0"/>
+              <a:rPr lang="zh-CN" altLang="en-US" dirty="0" smtClean="0"/>
               <a:t>请在插入菜单</a:t>
             </a:r>
             <a:r>
-              <a:rPr lang="en-US" altLang="zh-CN" smtClean="0"/>
+              <a:rPr lang="en-US" altLang="zh-CN" dirty="0" smtClean="0"/>
               <a:t>—</a:t>
             </a:r>
             <a:r>
-              <a:rPr lang="zh-CN" altLang="en-US" smtClean="0"/>
+              <a:rPr lang="zh-CN" altLang="en-US" dirty="0" smtClean="0"/>
               <a:t>页眉和页脚中修改此文本</a:t>
             </a:r>
             <a:endParaRPr lang="zh-CN" altLang="en-US" dirty="0"/>
@@ -11145,6 +11163,411 @@
               <a:rPr lang="zh-CN" altLang="en-US" smtClean="0"/>
               <a:pPr/>
               <a:t>15</a:t>
+            </a:fld>
+            <a:endParaRPr lang="zh-CN" altLang="en-US"/>
+          </a:p>
+        </p:txBody>
+      </p:sp>
+      <p:sp>
+        <p:nvSpPr>
+          <p:cNvPr id="4" name="標題 3"/>
+          <p:cNvSpPr>
+            <a:spLocks noGrp="1"/>
+          </p:cNvSpPr>
+          <p:nvPr>
+            <p:ph type="title"/>
+          </p:nvPr>
+        </p:nvSpPr>
+        <p:spPr/>
+        <p:txBody>
+          <a:bodyPr/>
+          <a:lstStyle/>
+          <a:p>
+            <a:r>
+              <a:rPr lang="en-US" altLang="zh-TW" dirty="0"/>
+              <a:t>RNN </a:t>
+            </a:r>
+            <a:r>
+              <a:rPr lang="zh-TW" altLang="en-US" dirty="0"/>
+              <a:t>圖解</a:t>
+            </a:r>
+          </a:p>
+        </p:txBody>
+      </p:sp>
+      <p:pic>
+        <p:nvPicPr>
+          <p:cNvPr id="4098" name="Picture 2" descr="E:\Delete\git_r\two_month_report\202011_2021_1\11_16_to_11_20_third\img\rnn_cal_total.jpg"/>
+          <p:cNvPicPr>
+            <a:picLocks noChangeAspect="1" noChangeArrowheads="1"/>
+          </p:cNvPicPr>
+          <p:nvPr/>
+        </p:nvPicPr>
+        <p:blipFill>
+          <a:blip r:embed="rId2">
+            <a:extLst>
+              <a:ext uri="{28A0092B-C50C-407E-A947-70E740481C1C}">
+                <a14:useLocalDpi xmlns:a14="http://schemas.microsoft.com/office/drawing/2010/main" val="0"/>
+              </a:ext>
+            </a:extLst>
+          </a:blip>
+          <a:srcRect/>
+          <a:stretch>
+            <a:fillRect/>
+          </a:stretch>
+        </p:blipFill>
+        <p:spPr bwMode="auto">
+          <a:xfrm>
+            <a:off x="209576" y="1485968"/>
+            <a:ext cx="11844000" cy="4930597"/>
+          </a:xfrm>
+          <a:prstGeom prst="rect">
+            <a:avLst/>
+          </a:prstGeom>
+          <a:noFill/>
+          <a:ln>
+            <a:noFill/>
+          </a:ln>
+          <a:extLst>
+            <a:ext uri="{909E8E84-426E-40DD-AFC4-6F175D3DCCD1}">
+              <a14:hiddenFill xmlns:a14="http://schemas.microsoft.com/office/drawing/2010/main">
+                <a:solidFill>
+                  <a:srgbClr val="FFFFFF"/>
+                </a:solidFill>
+              </a14:hiddenFill>
+            </a:ext>
+          </a:extLst>
+        </p:spPr>
+      </p:pic>
+    </p:spTree>
+    <p:extLst>
+      <p:ext uri="{BB962C8B-B14F-4D97-AF65-F5344CB8AC3E}">
+        <p14:creationId xmlns:p14="http://schemas.microsoft.com/office/powerpoint/2010/main" val="671896490"/>
+      </p:ext>
+    </p:extLst>
+  </p:cSld>
+  <p:clrMapOvr>
+    <a:masterClrMapping/>
+  </p:clrMapOvr>
+  <p:timing>
+    <p:tnLst>
+      <p:par>
+        <p:cTn id="1" dur="indefinite" restart="never" nodeType="tmRoot"/>
+      </p:par>
+    </p:tnLst>
+  </p:timing>
+</p:sld>
+</file>
+
+<file path=ppt/slides/slide16.xml><?xml version="1.0" encoding="utf-8"?>
+<p:sld xmlns:a="http://schemas.openxmlformats.org/drawingml/2006/main" xmlns:r="http://schemas.openxmlformats.org/officeDocument/2006/relationships" xmlns:p="http://schemas.openxmlformats.org/presentationml/2006/main">
+  <p:cSld>
+    <p:spTree>
+      <p:nvGrpSpPr>
+        <p:cNvPr id="1" name=""/>
+        <p:cNvGrpSpPr/>
+        <p:nvPr/>
+      </p:nvGrpSpPr>
+      <p:grpSpPr>
+        <a:xfrm>
+          <a:off x="0" y="0"/>
+          <a:ext cx="0" cy="0"/>
+          <a:chOff x="0" y="0"/>
+          <a:chExt cx="0" cy="0"/>
+        </a:xfrm>
+      </p:grpSpPr>
+      <p:sp>
+        <p:nvSpPr>
+          <p:cNvPr id="2" name="頁尾版面配置區 1"/>
+          <p:cNvSpPr>
+            <a:spLocks noGrp="1"/>
+          </p:cNvSpPr>
+          <p:nvPr>
+            <p:ph type="ftr" sz="quarter" idx="11"/>
+          </p:nvPr>
+        </p:nvSpPr>
+        <p:spPr/>
+        <p:txBody>
+          <a:bodyPr/>
+          <a:lstStyle/>
+          <a:p>
+            <a:r>
+              <a:rPr lang="zh-CN" altLang="en-US" smtClean="0"/>
+              <a:t>请在插入菜单</a:t>
+            </a:r>
+            <a:r>
+              <a:rPr lang="en-US" altLang="zh-CN" smtClean="0"/>
+              <a:t>—</a:t>
+            </a:r>
+            <a:r>
+              <a:rPr lang="zh-CN" altLang="en-US" smtClean="0"/>
+              <a:t>页眉和页脚中修改此文本</a:t>
+            </a:r>
+            <a:endParaRPr lang="zh-CN" altLang="en-US" dirty="0"/>
+          </a:p>
+        </p:txBody>
+      </p:sp>
+      <p:sp>
+        <p:nvSpPr>
+          <p:cNvPr id="3" name="投影片編號版面配置區 2"/>
+          <p:cNvSpPr>
+            <a:spLocks noGrp="1"/>
+          </p:cNvSpPr>
+          <p:nvPr>
+            <p:ph type="sldNum" sz="quarter" idx="12"/>
+          </p:nvPr>
+        </p:nvSpPr>
+        <p:spPr/>
+        <p:txBody>
+          <a:bodyPr/>
+          <a:lstStyle/>
+          <a:p>
+            <a:fld id="{5DD3DB80-B894-403A-B48E-6FDC1A72010E}" type="slidenum">
+              <a:rPr lang="zh-CN" altLang="en-US" smtClean="0"/>
+              <a:pPr/>
+              <a:t>16</a:t>
+            </a:fld>
+            <a:endParaRPr lang="zh-CN" altLang="en-US"/>
+          </a:p>
+        </p:txBody>
+      </p:sp>
+      <p:sp>
+        <p:nvSpPr>
+          <p:cNvPr id="4" name="標題 3"/>
+          <p:cNvSpPr>
+            <a:spLocks noGrp="1"/>
+          </p:cNvSpPr>
+          <p:nvPr>
+            <p:ph type="title"/>
+          </p:nvPr>
+        </p:nvSpPr>
+        <p:spPr/>
+        <p:txBody>
+          <a:bodyPr/>
+          <a:lstStyle/>
+          <a:p>
+            <a:r>
+              <a:rPr lang="en-US" altLang="zh-TW" dirty="0"/>
+              <a:t>RNN</a:t>
+            </a:r>
+            <a:r>
+              <a:rPr lang="zh-TW" altLang="en-US" dirty="0"/>
+              <a:t>特點</a:t>
+            </a:r>
+          </a:p>
+        </p:txBody>
+      </p:sp>
+      <p:sp>
+        <p:nvSpPr>
+          <p:cNvPr id="5" name="內容版面配置區 4"/>
+          <p:cNvSpPr>
+            <a:spLocks noGrp="1"/>
+          </p:cNvSpPr>
+          <p:nvPr>
+            <p:ph sz="quarter" idx="13"/>
+          </p:nvPr>
+        </p:nvSpPr>
+        <p:spPr/>
+        <p:txBody>
+          <a:bodyPr/>
+          <a:lstStyle/>
+          <a:p>
+            <a:r>
+              <a:rPr lang="en-US" altLang="zh-CN" dirty="0"/>
+              <a:t>1.RNNs</a:t>
+            </a:r>
+            <a:r>
+              <a:rPr lang="zh-CN" altLang="en-US" dirty="0"/>
+              <a:t>主要用于处理序列数据。对于传统神经网络模型，从输入层到隐含层再到输出层，层与层之间一般为全连接，每层之间神经元是无连接的。但是传统神经网络无法处理数据间的前后关联问题。例如，为了预测句子的下一个单词，一般需要该词之前的语义信息。这是因为一个句子中前后单词是存在语义联系的</a:t>
+            </a:r>
+            <a:r>
+              <a:rPr lang="zh-CN" altLang="en-US" dirty="0" smtClean="0"/>
+              <a:t>。</a:t>
+            </a:r>
+            <a:endParaRPr lang="en-US" altLang="zh-CN" dirty="0" smtClean="0"/>
+          </a:p>
+          <a:p>
+            <a:endParaRPr lang="zh-CN" altLang="en-US" dirty="0"/>
+          </a:p>
+          <a:p>
+            <a:r>
+              <a:rPr lang="en-US" altLang="zh-CN" dirty="0"/>
+              <a:t>2.RNNs</a:t>
+            </a:r>
+            <a:r>
+              <a:rPr lang="zh-CN" altLang="en-US" dirty="0"/>
+              <a:t>中当前单元的输出与之前步骤输出也有关，因此称之为循环神经网络。具体的表现形式为当前单元会对之前步骤信息进行储存并应用于当前输出的计算中。隐藏层之间的节点连接起来，隐藏层当前输出由当前时刻输入向量和之前时刻隐藏层状态共同决定</a:t>
+            </a:r>
+            <a:r>
+              <a:rPr lang="zh-CN" altLang="en-US" dirty="0" smtClean="0"/>
+              <a:t>。</a:t>
+            </a:r>
+            <a:endParaRPr lang="en-US" altLang="zh-CN" dirty="0" smtClean="0"/>
+          </a:p>
+          <a:p>
+            <a:endParaRPr lang="zh-CN" altLang="en-US" dirty="0"/>
+          </a:p>
+          <a:p>
+            <a:r>
+              <a:rPr lang="en-US" altLang="zh-CN" dirty="0"/>
+              <a:t>3.</a:t>
+            </a:r>
+            <a:r>
+              <a:rPr lang="zh-CN" altLang="en-US" dirty="0"/>
+              <a:t>标准的</a:t>
+            </a:r>
+            <a:r>
+              <a:rPr lang="en-US" altLang="zh-CN" dirty="0"/>
+              <a:t>RNNs</a:t>
+            </a:r>
+            <a:r>
+              <a:rPr lang="zh-CN" altLang="en-US" dirty="0"/>
+              <a:t>结构图，图中每个箭头代表做一次变换，也就是说箭头连接带有权值</a:t>
+            </a:r>
+            <a:r>
+              <a:rPr lang="zh-CN" altLang="en-US" dirty="0" smtClean="0"/>
+              <a:t>。</a:t>
+            </a:r>
+            <a:endParaRPr lang="en-US" altLang="zh-CN" dirty="0" smtClean="0"/>
+          </a:p>
+          <a:p>
+            <a:endParaRPr lang="zh-CN" altLang="en-US" dirty="0"/>
+          </a:p>
+          <a:p>
+            <a:r>
+              <a:rPr lang="en-US" altLang="zh-CN" dirty="0"/>
+              <a:t>4.</a:t>
+            </a:r>
+            <a:r>
+              <a:rPr lang="zh-CN" altLang="en-US" dirty="0"/>
+              <a:t>在标准的</a:t>
+            </a:r>
+            <a:r>
+              <a:rPr lang="en-US" altLang="zh-CN" dirty="0"/>
+              <a:t>RNN</a:t>
+            </a:r>
+            <a:r>
+              <a:rPr lang="zh-CN" altLang="en-US" dirty="0"/>
+              <a:t>结构中，隐层的神经元之间也是带有权值的，且权值共享</a:t>
+            </a:r>
+            <a:r>
+              <a:rPr lang="zh-CN" altLang="en-US" dirty="0" smtClean="0"/>
+              <a:t>。</a:t>
+            </a:r>
+            <a:endParaRPr lang="en-US" altLang="zh-CN" dirty="0" smtClean="0"/>
+          </a:p>
+          <a:p>
+            <a:endParaRPr lang="zh-CN" altLang="en-US" dirty="0"/>
+          </a:p>
+          <a:p>
+            <a:r>
+              <a:rPr lang="en-US" altLang="zh-CN" dirty="0"/>
+              <a:t>5.</a:t>
+            </a:r>
+            <a:r>
+              <a:rPr lang="zh-CN" altLang="en-US" dirty="0"/>
+              <a:t>理论上，</a:t>
+            </a:r>
+            <a:r>
+              <a:rPr lang="en-US" altLang="zh-CN" dirty="0"/>
+              <a:t>RNNs</a:t>
+            </a:r>
+            <a:r>
+              <a:rPr lang="zh-CN" altLang="en-US" dirty="0"/>
+              <a:t>能够对任何长度序列数据进行处理。但是在实践中，为了降低复杂度往往假设当前的状态只与之前某几个时刻状态相关</a:t>
+            </a:r>
+          </a:p>
+          <a:p>
+            <a:endParaRPr lang="zh-TW" altLang="en-US" dirty="0"/>
+          </a:p>
+        </p:txBody>
+      </p:sp>
+    </p:spTree>
+    <p:extLst>
+      <p:ext uri="{BB962C8B-B14F-4D97-AF65-F5344CB8AC3E}">
+        <p14:creationId xmlns:p14="http://schemas.microsoft.com/office/powerpoint/2010/main" val="3151520996"/>
+      </p:ext>
+    </p:extLst>
+  </p:cSld>
+  <p:clrMapOvr>
+    <a:masterClrMapping/>
+  </p:clrMapOvr>
+  <p:timing>
+    <p:tnLst>
+      <p:par>
+        <p:cTn id="1" dur="indefinite" restart="never" nodeType="tmRoot"/>
+      </p:par>
+    </p:tnLst>
+  </p:timing>
+</p:sld>
+</file>
+
+<file path=ppt/slides/slide17.xml><?xml version="1.0" encoding="utf-8"?>
+<p:sld xmlns:a="http://schemas.openxmlformats.org/drawingml/2006/main" xmlns:r="http://schemas.openxmlformats.org/officeDocument/2006/relationships" xmlns:p="http://schemas.openxmlformats.org/presentationml/2006/main">
+  <p:cSld>
+    <p:spTree>
+      <p:nvGrpSpPr>
+        <p:cNvPr id="1" name=""/>
+        <p:cNvGrpSpPr/>
+        <p:nvPr/>
+      </p:nvGrpSpPr>
+      <p:grpSpPr>
+        <a:xfrm>
+          <a:off x="0" y="0"/>
+          <a:ext cx="0" cy="0"/>
+          <a:chOff x="0" y="0"/>
+          <a:chExt cx="0" cy="0"/>
+        </a:xfrm>
+      </p:grpSpPr>
+      <p:sp>
+        <p:nvSpPr>
+          <p:cNvPr id="2" name="頁尾版面配置區 1"/>
+          <p:cNvSpPr>
+            <a:spLocks noGrp="1"/>
+          </p:cNvSpPr>
+          <p:nvPr>
+            <p:ph type="ftr" sz="quarter" idx="11"/>
+          </p:nvPr>
+        </p:nvSpPr>
+        <p:spPr/>
+        <p:txBody>
+          <a:bodyPr/>
+          <a:lstStyle/>
+          <a:p>
+            <a:r>
+              <a:rPr lang="zh-CN" altLang="en-US" smtClean="0"/>
+              <a:t>请在插入菜单</a:t>
+            </a:r>
+            <a:r>
+              <a:rPr lang="en-US" altLang="zh-CN" smtClean="0"/>
+              <a:t>—</a:t>
+            </a:r>
+            <a:r>
+              <a:rPr lang="zh-CN" altLang="en-US" smtClean="0"/>
+              <a:t>页眉和页脚中修改此文本</a:t>
+            </a:r>
+            <a:endParaRPr lang="zh-CN" altLang="en-US" dirty="0"/>
+          </a:p>
+        </p:txBody>
+      </p:sp>
+      <p:sp>
+        <p:nvSpPr>
+          <p:cNvPr id="3" name="投影片編號版面配置區 2"/>
+          <p:cNvSpPr>
+            <a:spLocks noGrp="1"/>
+          </p:cNvSpPr>
+          <p:nvPr>
+            <p:ph type="sldNum" sz="quarter" idx="12"/>
+          </p:nvPr>
+        </p:nvSpPr>
+        <p:spPr/>
+        <p:txBody>
+          <a:bodyPr/>
+          <a:lstStyle/>
+          <a:p>
+            <a:fld id="{5DD3DB80-B894-403A-B48E-6FDC1A72010E}" type="slidenum">
+              <a:rPr lang="zh-CN" altLang="en-US" smtClean="0"/>
+              <a:pPr/>
+              <a:t>17</a:t>
             </a:fld>
             <a:endParaRPr lang="zh-CN" altLang="en-US"/>
           </a:p>
@@ -11260,7 +11683,7 @@
 </p:sld>
 </file>
 
-<file path=ppt/slides/slide16.xml><?xml version="1.0" encoding="utf-8"?>
+<file path=ppt/slides/slide18.xml><?xml version="1.0" encoding="utf-8"?>
 <p:sld xmlns:a="http://schemas.openxmlformats.org/drawingml/2006/main" xmlns:r="http://schemas.openxmlformats.org/officeDocument/2006/relationships" xmlns:p="http://schemas.openxmlformats.org/presentationml/2006/main">
   <p:cSld>
     <p:spTree>
@@ -11309,7 +11732,7 @@
           <p:cNvPr id="9" name="î$ḷíḋé">
             <a:extLst>
               <a:ext uri="{FF2B5EF4-FFF2-40B4-BE49-F238E27FC236}">
-                <a16:creationId xmlns:p14="http://schemas.microsoft.com/office/powerpoint/2010/main" xmlns:a16="http://schemas.microsoft.com/office/drawing/2014/main" xmlns="" id="{04F69230-F3A6-4586-9371-A858F4763E9F}"/>
+                <a16:creationId xmlns="" xmlns:a16="http://schemas.microsoft.com/office/drawing/2014/main" xmlns:p14="http://schemas.microsoft.com/office/powerpoint/2010/main" id="{04F69230-F3A6-4586-9371-A858F4763E9F}"/>
               </a:ext>
             </a:extLst>
           </p:cNvPr>
@@ -11420,7 +11843,7 @@
 </p:sld>
 </file>
 
-<file path=ppt/slides/slide17.xml><?xml version="1.0" encoding="utf-8"?>
+<file path=ppt/slides/slide19.xml><?xml version="1.0" encoding="utf-8"?>
 <p:sld xmlns:a="http://schemas.openxmlformats.org/drawingml/2006/main" xmlns:r="http://schemas.openxmlformats.org/officeDocument/2006/relationships" xmlns:p="http://schemas.openxmlformats.org/presentationml/2006/main">
   <p:cSld>
     <p:spTree>
@@ -11486,7 +11909,7 @@
             <a:fld id="{5DD3DB80-B894-403A-B48E-6FDC1A72010E}" type="slidenum">
               <a:rPr lang="zh-CN" altLang="en-US" smtClean="0"/>
               <a:pPr/>
-              <a:t>17</a:t>
+              <a:t>19</a:t>
             </a:fld>
             <a:endParaRPr lang="zh-CN" altLang="en-US"/>
           </a:p>
@@ -11778,341 +12201,6 @@
 </p:sld>
 </file>
 
-<file path=ppt/slides/slide18.xml><?xml version="1.0" encoding="utf-8"?>
-<p:sld xmlns:a="http://schemas.openxmlformats.org/drawingml/2006/main" xmlns:r="http://schemas.openxmlformats.org/officeDocument/2006/relationships" xmlns:p="http://schemas.openxmlformats.org/presentationml/2006/main">
-  <p:cSld>
-    <p:spTree>
-      <p:nvGrpSpPr>
-        <p:cNvPr id="1" name=""/>
-        <p:cNvGrpSpPr/>
-        <p:nvPr/>
-      </p:nvGrpSpPr>
-      <p:grpSpPr>
-        <a:xfrm>
-          <a:off x="0" y="0"/>
-          <a:ext cx="0" cy="0"/>
-          <a:chOff x="0" y="0"/>
-          <a:chExt cx="0" cy="0"/>
-        </a:xfrm>
-      </p:grpSpPr>
-      <p:sp>
-        <p:nvSpPr>
-          <p:cNvPr id="2" name="頁尾版面配置區 1"/>
-          <p:cNvSpPr>
-            <a:spLocks noGrp="1"/>
-          </p:cNvSpPr>
-          <p:nvPr>
-            <p:ph type="ftr" sz="quarter" idx="11"/>
-          </p:nvPr>
-        </p:nvSpPr>
-        <p:spPr/>
-        <p:txBody>
-          <a:bodyPr/>
-          <a:lstStyle/>
-          <a:p>
-            <a:r>
-              <a:rPr lang="zh-CN" altLang="en-US" smtClean="0"/>
-              <a:t>请在插入菜单</a:t>
-            </a:r>
-            <a:r>
-              <a:rPr lang="en-US" altLang="zh-CN" smtClean="0"/>
-              <a:t>—</a:t>
-            </a:r>
-            <a:r>
-              <a:rPr lang="zh-CN" altLang="en-US" smtClean="0"/>
-              <a:t>页眉和页脚中修改此文本</a:t>
-            </a:r>
-            <a:endParaRPr lang="zh-CN" altLang="en-US" dirty="0"/>
-          </a:p>
-        </p:txBody>
-      </p:sp>
-      <p:sp>
-        <p:nvSpPr>
-          <p:cNvPr id="3" name="投影片編號版面配置區 2"/>
-          <p:cNvSpPr>
-            <a:spLocks noGrp="1"/>
-          </p:cNvSpPr>
-          <p:nvPr>
-            <p:ph type="sldNum" sz="quarter" idx="12"/>
-          </p:nvPr>
-        </p:nvSpPr>
-        <p:spPr/>
-        <p:txBody>
-          <a:bodyPr/>
-          <a:lstStyle/>
-          <a:p>
-            <a:fld id="{5DD3DB80-B894-403A-B48E-6FDC1A72010E}" type="slidenum">
-              <a:rPr lang="zh-CN" altLang="en-US" smtClean="0"/>
-              <a:pPr/>
-              <a:t>18</a:t>
-            </a:fld>
-            <a:endParaRPr lang="zh-CN" altLang="en-US"/>
-          </a:p>
-        </p:txBody>
-      </p:sp>
-      <p:sp>
-        <p:nvSpPr>
-          <p:cNvPr id="4" name="標題 3"/>
-          <p:cNvSpPr>
-            <a:spLocks noGrp="1"/>
-          </p:cNvSpPr>
-          <p:nvPr>
-            <p:ph type="title"/>
-          </p:nvPr>
-        </p:nvSpPr>
-        <p:spPr/>
-        <p:txBody>
-          <a:bodyPr/>
-          <a:lstStyle/>
-          <a:p>
-            <a:r>
-              <a:rPr lang="en-US" altLang="zh-TW" dirty="0" err="1" smtClean="0"/>
-              <a:t>Softmax</a:t>
-            </a:r>
-            <a:r>
-              <a:rPr lang="en-US" altLang="zh-TW" dirty="0" smtClean="0"/>
-              <a:t> function</a:t>
-            </a:r>
-            <a:endParaRPr lang="zh-TW" altLang="en-US" dirty="0"/>
-          </a:p>
-        </p:txBody>
-      </p:sp>
-      <p:sp>
-        <p:nvSpPr>
-          <p:cNvPr id="5" name="內容版面配置區 4"/>
-          <p:cNvSpPr>
-            <a:spLocks noGrp="1"/>
-          </p:cNvSpPr>
-          <p:nvPr>
-            <p:ph sz="quarter" idx="13"/>
-          </p:nvPr>
-        </p:nvSpPr>
-        <p:spPr/>
-        <p:txBody>
-          <a:bodyPr/>
-          <a:lstStyle/>
-          <a:p>
-            <a:endParaRPr lang="zh-TW" altLang="en-US" dirty="0"/>
-          </a:p>
-        </p:txBody>
-      </p:sp>
-      <p:pic>
-        <p:nvPicPr>
-          <p:cNvPr id="14338" name="Picture 2" descr="E:\Delete\git_r\two_month_report\202011_2021_1\11_16_to_11_20_third\img\Softmax_arch.jpg"/>
-          <p:cNvPicPr>
-            <a:picLocks noChangeAspect="1" noChangeArrowheads="1"/>
-          </p:cNvPicPr>
-          <p:nvPr/>
-        </p:nvPicPr>
-        <p:blipFill>
-          <a:blip r:embed="rId2">
-            <a:extLst>
-              <a:ext uri="{28A0092B-C50C-407E-A947-70E740481C1C}">
-                <a14:useLocalDpi xmlns:a14="http://schemas.microsoft.com/office/drawing/2010/main" val="0"/>
-              </a:ext>
-            </a:extLst>
-          </a:blip>
-          <a:srcRect/>
-          <a:stretch>
-            <a:fillRect/>
-          </a:stretch>
-        </p:blipFill>
-        <p:spPr bwMode="auto">
-          <a:xfrm>
-            <a:off x="1933574" y="1223963"/>
-            <a:ext cx="7955619" cy="4452937"/>
-          </a:xfrm>
-          <a:prstGeom prst="rect">
-            <a:avLst/>
-          </a:prstGeom>
-          <a:noFill/>
-          <a:extLst>
-            <a:ext uri="{909E8E84-426E-40DD-AFC4-6F175D3DCCD1}">
-              <a14:hiddenFill xmlns:a14="http://schemas.microsoft.com/office/drawing/2010/main">
-                <a:solidFill>
-                  <a:srgbClr val="FFFFFF"/>
-                </a:solidFill>
-              </a14:hiddenFill>
-            </a:ext>
-          </a:extLst>
-        </p:spPr>
-      </p:pic>
-    </p:spTree>
-    <p:extLst>
-      <p:ext uri="{BB962C8B-B14F-4D97-AF65-F5344CB8AC3E}">
-        <p14:creationId xmlns:p14="http://schemas.microsoft.com/office/powerpoint/2010/main" val="2984232902"/>
-      </p:ext>
-    </p:extLst>
-  </p:cSld>
-  <p:clrMapOvr>
-    <a:masterClrMapping/>
-  </p:clrMapOvr>
-  <p:timing>
-    <p:tnLst>
-      <p:par>
-        <p:cTn id="1" dur="indefinite" restart="never" nodeType="tmRoot"/>
-      </p:par>
-    </p:tnLst>
-  </p:timing>
-</p:sld>
-</file>
-
-<file path=ppt/slides/slide19.xml><?xml version="1.0" encoding="utf-8"?>
-<p:sld xmlns:a="http://schemas.openxmlformats.org/drawingml/2006/main" xmlns:r="http://schemas.openxmlformats.org/officeDocument/2006/relationships" xmlns:p="http://schemas.openxmlformats.org/presentationml/2006/main">
-  <p:cSld>
-    <p:spTree>
-      <p:nvGrpSpPr>
-        <p:cNvPr id="1" name="î$ḷîḓé"/>
-        <p:cNvGrpSpPr/>
-        <p:nvPr/>
-      </p:nvGrpSpPr>
-      <p:grpSpPr>
-        <a:xfrm>
-          <a:off x="0" y="0"/>
-          <a:ext cx="0" cy="0"/>
-          <a:chOff x="0" y="0"/>
-          <a:chExt cx="0" cy="0"/>
-        </a:xfrm>
-      </p:grpSpPr>
-      <p:sp>
-        <p:nvSpPr>
-          <p:cNvPr id="5" name="îśļídè"/>
-          <p:cNvSpPr>
-            <a:spLocks noGrp="1"/>
-          </p:cNvSpPr>
-          <p:nvPr>
-            <p:ph type="title"/>
-          </p:nvPr>
-        </p:nvSpPr>
-        <p:spPr/>
-        <p:txBody>
-          <a:bodyPr/>
-          <a:lstStyle/>
-          <a:p>
-            <a:r>
-              <a:rPr lang="en-US" altLang="zh-CN" dirty="0"/>
-              <a:t>RNN Demo</a:t>
-            </a:r>
-            <a:endParaRPr lang="zh-CN" altLang="en-US" dirty="0"/>
-          </a:p>
-        </p:txBody>
-      </p:sp>
-      <p:sp>
-        <p:nvSpPr>
-          <p:cNvPr id="9" name="î$ḷíḋé">
-            <a:extLst>
-              <a:ext uri="{FF2B5EF4-FFF2-40B4-BE49-F238E27FC236}">
-                <a16:creationId xmlns:p14="http://schemas.microsoft.com/office/powerpoint/2010/main" xmlns:a16="http://schemas.microsoft.com/office/drawing/2014/main" xmlns="" id="{04F69230-F3A6-4586-9371-A858F4763E9F}"/>
-              </a:ext>
-            </a:extLst>
-          </p:cNvPr>
-          <p:cNvSpPr txBox="1"/>
-          <p:nvPr/>
-        </p:nvSpPr>
-        <p:spPr>
-          <a:xfrm>
-            <a:off x="5732004" y="2313213"/>
-            <a:ext cx="1023516" cy="889909"/>
-          </a:xfrm>
-          <a:prstGeom prst="rect">
-            <a:avLst/>
-          </a:prstGeom>
-          <a:noFill/>
-          <a:ln w="117475">
-            <a:noFill/>
-          </a:ln>
-        </p:spPr>
-        <p:txBody>
-          <a:bodyPr wrap="none" rtlCol="0">
-            <a:prstTxWarp prst="textPlain">
-              <a:avLst/>
-            </a:prstTxWarp>
-            <a:spAutoFit/>
-          </a:bodyPr>
-          <a:lstStyle/>
-          <a:p>
-            <a:r>
-              <a:rPr lang="en-US" altLang="zh-CN" spc="100" dirty="0" smtClean="0">
-                <a:solidFill>
-                  <a:schemeClr val="accent4"/>
-                </a:solidFill>
-                <a:latin typeface="Impact" panose="020B0806030902050204" pitchFamily="34" charset="0"/>
-                <a:cs typeface="Arial" panose="020B0604020202020204" pitchFamily="34" charset="0"/>
-              </a:rPr>
-              <a:t>/</a:t>
-            </a:r>
-            <a:r>
-              <a:rPr lang="en-US" altLang="zh-CN" sz="100" spc="100" dirty="0" smtClean="0">
-                <a:solidFill>
-                  <a:schemeClr val="accent4"/>
-                </a:solidFill>
-                <a:latin typeface="Impact" panose="020B0806030902050204" pitchFamily="34" charset="0"/>
-                <a:cs typeface="Arial" panose="020B0604020202020204" pitchFamily="34" charset="0"/>
-              </a:rPr>
-              <a:t> </a:t>
-            </a:r>
-            <a:r>
-              <a:rPr lang="en-US" altLang="zh-CN" spc="100" dirty="0" smtClean="0">
-                <a:solidFill>
-                  <a:schemeClr val="accent4"/>
-                </a:solidFill>
-                <a:latin typeface="Impact" panose="020B0806030902050204" pitchFamily="34" charset="0"/>
-                <a:cs typeface="Arial" panose="020B0604020202020204" pitchFamily="34" charset="0"/>
-              </a:rPr>
-              <a:t>04</a:t>
-            </a:r>
-            <a:endParaRPr lang="zh-CN" altLang="en-US" spc="100" dirty="0">
-              <a:solidFill>
-                <a:schemeClr val="accent4"/>
-              </a:solidFill>
-              <a:latin typeface="Impact" panose="020B0806030902050204" pitchFamily="34" charset="0"/>
-              <a:cs typeface="Arial" panose="020B0604020202020204" pitchFamily="34" charset="0"/>
-            </a:endParaRPr>
-          </a:p>
-        </p:txBody>
-      </p:sp>
-      <p:sp>
-        <p:nvSpPr>
-          <p:cNvPr id="2" name="文字版面配置區 1"/>
-          <p:cNvSpPr>
-            <a:spLocks noGrp="1"/>
-          </p:cNvSpPr>
-          <p:nvPr>
-            <p:ph type="body" idx="1"/>
-          </p:nvPr>
-        </p:nvSpPr>
-        <p:spPr/>
-        <p:txBody>
-          <a:bodyPr/>
-          <a:lstStyle/>
-          <a:p>
-            <a:endParaRPr lang="zh-TW" altLang="en-US"/>
-          </a:p>
-        </p:txBody>
-      </p:sp>
-    </p:spTree>
-    <p:custDataLst>
-      <p:tags r:id="rId2"/>
-    </p:custDataLst>
-    <p:extLst>
-      <p:ext uri="{BB962C8B-B14F-4D97-AF65-F5344CB8AC3E}">
-        <p14:creationId xmlns:p14="http://schemas.microsoft.com/office/powerpoint/2010/main" val="2805995699"/>
-      </p:ext>
-    </p:extLst>
-  </p:cSld>
-  <p:clrMapOvr>
-    <a:masterClrMapping/>
-  </p:clrMapOvr>
-  <p:timing>
-    <p:tnLst>
-      <p:par>
-        <p:cTn id="1" dur="indefinite" restart="never" nodeType="tmRoot"/>
-      </p:par>
-    </p:tnLst>
-  </p:timing>
-</p:sld>
-</file>
-
 <file path=ppt/slides/slide2.xml><?xml version="1.0" encoding="utf-8"?>
 <p:sld xmlns:a="http://schemas.openxmlformats.org/drawingml/2006/main" xmlns:r="http://schemas.openxmlformats.org/officeDocument/2006/relationships" xmlns:p="http://schemas.openxmlformats.org/presentationml/2006/main">
   <p:cSld>
@@ -12135,7 +12223,7 @@
           <p:cNvPr id="2" name="íSliḓè">
             <a:extLst>
               <a:ext uri="{FF2B5EF4-FFF2-40B4-BE49-F238E27FC236}">
-                <a16:creationId xmlns:p14="http://schemas.microsoft.com/office/powerpoint/2010/main" xmlns:a16="http://schemas.microsoft.com/office/drawing/2014/main" xmlns="" id="{C0498D3A-B738-48EC-A39C-94C58B88932B}"/>
+                <a16:creationId xmlns="" xmlns:a16="http://schemas.microsoft.com/office/drawing/2014/main" xmlns:p14="http://schemas.microsoft.com/office/powerpoint/2010/main" id="{C0498D3A-B738-48EC-A39C-94C58B88932B}"/>
               </a:ext>
             </a:extLst>
           </p:cNvPr>
@@ -12155,7 +12243,7 @@
             <p:cNvPr id="6" name="íSļïdè" descr="本素材由iSlide™ 提供&#10;iSlide™尊重知识产权并注重保护用户享有的各项权利。郑重提醒您：&#10;iSlide™插件中提供的任何信息内容的所有权、知识产权归其原始权利人或权利受让人所有，您免费/购买获得的是信息内容的使用权，并受下述条款的约束；&#10;1. 您仅可以个人非商业用途使用该等信息内容，不可将信息内容的全部或部分用于出售，或以出租、出借、转让、分销、发布等其他任何方式供他人使用；&#10;2. 禁止在接入互联网或移动互联网的任何网站、平台、应用或程序上以任何方式为他人提供iSlide™插件资源内容的下载。&#10;The resource is supplied by iSlide™.&#10;iSlide™ respects all intellectual property rights and protects all the rights its users acquired.Solemnly remind you:&#10;The ownership and intellectual property of the resources supplied in iSlide Add-in belongs to its owner or the assignee of this ownership.you only acquired the usage of the resources supplied in iSlide Add-in, as well as respected the following restrain terms:&#10;1.You are only allowed to use such resource for personal and non-commercial aim, not allowed to use such resource or part of it for the sale; or rent, lend, transfer to others; or distribution or release it in any way.&#10;2.You are not permitted to provide the resource of iSlide Add-in in any website, platform, application access to the Internet or mobile Internet." title="iSlide™ 版权声明  COPYRIGHT NOTICE">
               <a:extLst>
                 <a:ext uri="{FF2B5EF4-FFF2-40B4-BE49-F238E27FC236}">
-                  <a16:creationId xmlns:p14="http://schemas.microsoft.com/office/powerpoint/2010/main" xmlns:a16="http://schemas.microsoft.com/office/drawing/2014/main" xmlns="" id="{A759C196-DA28-4241-ABB5-975367026FE9}"/>
+                  <a16:creationId xmlns="" xmlns:a16="http://schemas.microsoft.com/office/drawing/2014/main" xmlns:p14="http://schemas.microsoft.com/office/powerpoint/2010/main" id="{A759C196-DA28-4241-ABB5-975367026FE9}"/>
                 </a:ext>
               </a:extLst>
             </p:cNvPr>
@@ -12177,7 +12265,7 @@
               <p:cNvPr id="7" name="îṩḷiḓè">
                 <a:extLst>
                   <a:ext uri="{FF2B5EF4-FFF2-40B4-BE49-F238E27FC236}">
-                    <a16:creationId xmlns:p14="http://schemas.microsoft.com/office/powerpoint/2010/main" xmlns:a16="http://schemas.microsoft.com/office/drawing/2014/main" xmlns="" id="{48F70259-7598-4270-874A-6F50772D10F6}"/>
+                    <a16:creationId xmlns="" xmlns:a16="http://schemas.microsoft.com/office/drawing/2014/main" xmlns:p14="http://schemas.microsoft.com/office/powerpoint/2010/main" id="{48F70259-7598-4270-874A-6F50772D10F6}"/>
                   </a:ext>
                 </a:extLst>
               </p:cNvPr>
@@ -12445,7 +12533,7 @@
               <p:cNvPr id="8" name="îŝľiḋê">
                 <a:extLst>
                   <a:ext uri="{FF2B5EF4-FFF2-40B4-BE49-F238E27FC236}">
-                    <a16:creationId xmlns:p14="http://schemas.microsoft.com/office/powerpoint/2010/main" xmlns:a16="http://schemas.microsoft.com/office/drawing/2014/main" xmlns="" id="{DA1FB18E-FA01-4588-BEF9-FB96A98A84D4}"/>
+                    <a16:creationId xmlns="" xmlns:a16="http://schemas.microsoft.com/office/drawing/2014/main" xmlns:p14="http://schemas.microsoft.com/office/powerpoint/2010/main" id="{DA1FB18E-FA01-4588-BEF9-FB96A98A84D4}"/>
                   </a:ext>
                 </a:extLst>
               </p:cNvPr>
@@ -12484,7 +12572,7 @@
               <p:cNvPr id="9" name="ïsľiďé">
                 <a:extLst>
                   <a:ext uri="{FF2B5EF4-FFF2-40B4-BE49-F238E27FC236}">
-                    <a16:creationId xmlns:p14="http://schemas.microsoft.com/office/powerpoint/2010/main" xmlns:a16="http://schemas.microsoft.com/office/drawing/2014/main" xmlns="" id="{0DB1D0A1-2667-455C-9387-D7ABF0A00B8C}"/>
+                    <a16:creationId xmlns="" xmlns:a16="http://schemas.microsoft.com/office/drawing/2014/main" xmlns:p14="http://schemas.microsoft.com/office/powerpoint/2010/main" id="{0DB1D0A1-2667-455C-9387-D7ABF0A00B8C}"/>
                   </a:ext>
                 </a:extLst>
               </p:cNvPr>
@@ -12556,7 +12644,7 @@
             <p:cNvPr id="10" name="ïṩļiḋe">
               <a:extLst>
                 <a:ext uri="{FF2B5EF4-FFF2-40B4-BE49-F238E27FC236}">
-                  <a16:creationId xmlns:p14="http://schemas.microsoft.com/office/powerpoint/2010/main" xmlns:a16="http://schemas.microsoft.com/office/drawing/2014/main" xmlns="" id="{ADAD6BE3-DC11-4582-9F68-50D831ADD001}"/>
+                  <a16:creationId xmlns="" xmlns:a16="http://schemas.microsoft.com/office/drawing/2014/main" xmlns:p14="http://schemas.microsoft.com/office/powerpoint/2010/main" id="{ADAD6BE3-DC11-4582-9F68-50D831ADD001}"/>
                 </a:ext>
               </a:extLst>
             </p:cNvPr>
@@ -13279,6 +13367,341 @@
   <p:cSld>
     <p:spTree>
       <p:nvGrpSpPr>
+        <p:cNvPr id="1" name=""/>
+        <p:cNvGrpSpPr/>
+        <p:nvPr/>
+      </p:nvGrpSpPr>
+      <p:grpSpPr>
+        <a:xfrm>
+          <a:off x="0" y="0"/>
+          <a:ext cx="0" cy="0"/>
+          <a:chOff x="0" y="0"/>
+          <a:chExt cx="0" cy="0"/>
+        </a:xfrm>
+      </p:grpSpPr>
+      <p:sp>
+        <p:nvSpPr>
+          <p:cNvPr id="2" name="頁尾版面配置區 1"/>
+          <p:cNvSpPr>
+            <a:spLocks noGrp="1"/>
+          </p:cNvSpPr>
+          <p:nvPr>
+            <p:ph type="ftr" sz="quarter" idx="11"/>
+          </p:nvPr>
+        </p:nvSpPr>
+        <p:spPr/>
+        <p:txBody>
+          <a:bodyPr/>
+          <a:lstStyle/>
+          <a:p>
+            <a:r>
+              <a:rPr lang="zh-CN" altLang="en-US" smtClean="0"/>
+              <a:t>请在插入菜单</a:t>
+            </a:r>
+            <a:r>
+              <a:rPr lang="en-US" altLang="zh-CN" smtClean="0"/>
+              <a:t>—</a:t>
+            </a:r>
+            <a:r>
+              <a:rPr lang="zh-CN" altLang="en-US" smtClean="0"/>
+              <a:t>页眉和页脚中修改此文本</a:t>
+            </a:r>
+            <a:endParaRPr lang="zh-CN" altLang="en-US" dirty="0"/>
+          </a:p>
+        </p:txBody>
+      </p:sp>
+      <p:sp>
+        <p:nvSpPr>
+          <p:cNvPr id="3" name="投影片編號版面配置區 2"/>
+          <p:cNvSpPr>
+            <a:spLocks noGrp="1"/>
+          </p:cNvSpPr>
+          <p:nvPr>
+            <p:ph type="sldNum" sz="quarter" idx="12"/>
+          </p:nvPr>
+        </p:nvSpPr>
+        <p:spPr/>
+        <p:txBody>
+          <a:bodyPr/>
+          <a:lstStyle/>
+          <a:p>
+            <a:fld id="{5DD3DB80-B894-403A-B48E-6FDC1A72010E}" type="slidenum">
+              <a:rPr lang="zh-CN" altLang="en-US" smtClean="0"/>
+              <a:pPr/>
+              <a:t>20</a:t>
+            </a:fld>
+            <a:endParaRPr lang="zh-CN" altLang="en-US"/>
+          </a:p>
+        </p:txBody>
+      </p:sp>
+      <p:sp>
+        <p:nvSpPr>
+          <p:cNvPr id="4" name="標題 3"/>
+          <p:cNvSpPr>
+            <a:spLocks noGrp="1"/>
+          </p:cNvSpPr>
+          <p:nvPr>
+            <p:ph type="title"/>
+          </p:nvPr>
+        </p:nvSpPr>
+        <p:spPr/>
+        <p:txBody>
+          <a:bodyPr/>
+          <a:lstStyle/>
+          <a:p>
+            <a:r>
+              <a:rPr lang="en-US" altLang="zh-TW" dirty="0" err="1" smtClean="0"/>
+              <a:t>Softmax</a:t>
+            </a:r>
+            <a:r>
+              <a:rPr lang="en-US" altLang="zh-TW" dirty="0" smtClean="0"/>
+              <a:t> function</a:t>
+            </a:r>
+            <a:endParaRPr lang="zh-TW" altLang="en-US" dirty="0"/>
+          </a:p>
+        </p:txBody>
+      </p:sp>
+      <p:sp>
+        <p:nvSpPr>
+          <p:cNvPr id="5" name="內容版面配置區 4"/>
+          <p:cNvSpPr>
+            <a:spLocks noGrp="1"/>
+          </p:cNvSpPr>
+          <p:nvPr>
+            <p:ph sz="quarter" idx="13"/>
+          </p:nvPr>
+        </p:nvSpPr>
+        <p:spPr/>
+        <p:txBody>
+          <a:bodyPr/>
+          <a:lstStyle/>
+          <a:p>
+            <a:endParaRPr lang="zh-TW" altLang="en-US" dirty="0"/>
+          </a:p>
+        </p:txBody>
+      </p:sp>
+      <p:pic>
+        <p:nvPicPr>
+          <p:cNvPr id="14338" name="Picture 2" descr="E:\Delete\git_r\two_month_report\202011_2021_1\11_16_to_11_20_third\img\Softmax_arch.jpg"/>
+          <p:cNvPicPr>
+            <a:picLocks noChangeAspect="1" noChangeArrowheads="1"/>
+          </p:cNvPicPr>
+          <p:nvPr/>
+        </p:nvPicPr>
+        <p:blipFill>
+          <a:blip r:embed="rId2">
+            <a:extLst>
+              <a:ext uri="{28A0092B-C50C-407E-A947-70E740481C1C}">
+                <a14:useLocalDpi xmlns:a14="http://schemas.microsoft.com/office/drawing/2010/main" val="0"/>
+              </a:ext>
+            </a:extLst>
+          </a:blip>
+          <a:srcRect/>
+          <a:stretch>
+            <a:fillRect/>
+          </a:stretch>
+        </p:blipFill>
+        <p:spPr bwMode="auto">
+          <a:xfrm>
+            <a:off x="1933574" y="1223963"/>
+            <a:ext cx="7955619" cy="4452937"/>
+          </a:xfrm>
+          <a:prstGeom prst="rect">
+            <a:avLst/>
+          </a:prstGeom>
+          <a:noFill/>
+          <a:extLst>
+            <a:ext uri="{909E8E84-426E-40DD-AFC4-6F175D3DCCD1}">
+              <a14:hiddenFill xmlns:a14="http://schemas.microsoft.com/office/drawing/2010/main">
+                <a:solidFill>
+                  <a:srgbClr val="FFFFFF"/>
+                </a:solidFill>
+              </a14:hiddenFill>
+            </a:ext>
+          </a:extLst>
+        </p:spPr>
+      </p:pic>
+    </p:spTree>
+    <p:extLst>
+      <p:ext uri="{BB962C8B-B14F-4D97-AF65-F5344CB8AC3E}">
+        <p14:creationId xmlns:p14="http://schemas.microsoft.com/office/powerpoint/2010/main" val="2984232902"/>
+      </p:ext>
+    </p:extLst>
+  </p:cSld>
+  <p:clrMapOvr>
+    <a:masterClrMapping/>
+  </p:clrMapOvr>
+  <p:timing>
+    <p:tnLst>
+      <p:par>
+        <p:cTn id="1" dur="indefinite" restart="never" nodeType="tmRoot"/>
+      </p:par>
+    </p:tnLst>
+  </p:timing>
+</p:sld>
+</file>
+
+<file path=ppt/slides/slide21.xml><?xml version="1.0" encoding="utf-8"?>
+<p:sld xmlns:a="http://schemas.openxmlformats.org/drawingml/2006/main" xmlns:r="http://schemas.openxmlformats.org/officeDocument/2006/relationships" xmlns:p="http://schemas.openxmlformats.org/presentationml/2006/main">
+  <p:cSld>
+    <p:spTree>
+      <p:nvGrpSpPr>
+        <p:cNvPr id="1" name="î$ḷîḓé"/>
+        <p:cNvGrpSpPr/>
+        <p:nvPr/>
+      </p:nvGrpSpPr>
+      <p:grpSpPr>
+        <a:xfrm>
+          <a:off x="0" y="0"/>
+          <a:ext cx="0" cy="0"/>
+          <a:chOff x="0" y="0"/>
+          <a:chExt cx="0" cy="0"/>
+        </a:xfrm>
+      </p:grpSpPr>
+      <p:sp>
+        <p:nvSpPr>
+          <p:cNvPr id="5" name="îśļídè"/>
+          <p:cNvSpPr>
+            <a:spLocks noGrp="1"/>
+          </p:cNvSpPr>
+          <p:nvPr>
+            <p:ph type="title"/>
+          </p:nvPr>
+        </p:nvSpPr>
+        <p:spPr/>
+        <p:txBody>
+          <a:bodyPr/>
+          <a:lstStyle/>
+          <a:p>
+            <a:r>
+              <a:rPr lang="en-US" altLang="zh-CN" dirty="0"/>
+              <a:t>RNN Demo</a:t>
+            </a:r>
+            <a:endParaRPr lang="zh-CN" altLang="en-US" dirty="0"/>
+          </a:p>
+        </p:txBody>
+      </p:sp>
+      <p:sp>
+        <p:nvSpPr>
+          <p:cNvPr id="9" name="î$ḷíḋé">
+            <a:extLst>
+              <a:ext uri="{FF2B5EF4-FFF2-40B4-BE49-F238E27FC236}">
+                <a16:creationId xmlns="" xmlns:a16="http://schemas.microsoft.com/office/drawing/2014/main" xmlns:p14="http://schemas.microsoft.com/office/powerpoint/2010/main" id="{04F69230-F3A6-4586-9371-A858F4763E9F}"/>
+              </a:ext>
+            </a:extLst>
+          </p:cNvPr>
+          <p:cNvSpPr txBox="1"/>
+          <p:nvPr/>
+        </p:nvSpPr>
+        <p:spPr>
+          <a:xfrm>
+            <a:off x="5732004" y="2313213"/>
+            <a:ext cx="1023516" cy="889909"/>
+          </a:xfrm>
+          <a:prstGeom prst="rect">
+            <a:avLst/>
+          </a:prstGeom>
+          <a:noFill/>
+          <a:ln w="117475">
+            <a:noFill/>
+          </a:ln>
+        </p:spPr>
+        <p:txBody>
+          <a:bodyPr wrap="none" rtlCol="0">
+            <a:prstTxWarp prst="textPlain">
+              <a:avLst/>
+            </a:prstTxWarp>
+            <a:spAutoFit/>
+          </a:bodyPr>
+          <a:lstStyle/>
+          <a:p>
+            <a:r>
+              <a:rPr lang="en-US" altLang="zh-CN" spc="100" dirty="0" smtClean="0">
+                <a:solidFill>
+                  <a:schemeClr val="accent4"/>
+                </a:solidFill>
+                <a:latin typeface="Impact" panose="020B0806030902050204" pitchFamily="34" charset="0"/>
+                <a:cs typeface="Arial" panose="020B0604020202020204" pitchFamily="34" charset="0"/>
+              </a:rPr>
+              <a:t>/</a:t>
+            </a:r>
+            <a:r>
+              <a:rPr lang="en-US" altLang="zh-CN" sz="100" spc="100" dirty="0" smtClean="0">
+                <a:solidFill>
+                  <a:schemeClr val="accent4"/>
+                </a:solidFill>
+                <a:latin typeface="Impact" panose="020B0806030902050204" pitchFamily="34" charset="0"/>
+                <a:cs typeface="Arial" panose="020B0604020202020204" pitchFamily="34" charset="0"/>
+              </a:rPr>
+              <a:t> </a:t>
+            </a:r>
+            <a:r>
+              <a:rPr lang="en-US" altLang="zh-CN" spc="100" dirty="0" smtClean="0">
+                <a:solidFill>
+                  <a:schemeClr val="accent4"/>
+                </a:solidFill>
+                <a:latin typeface="Impact" panose="020B0806030902050204" pitchFamily="34" charset="0"/>
+                <a:cs typeface="Arial" panose="020B0604020202020204" pitchFamily="34" charset="0"/>
+              </a:rPr>
+              <a:t>04</a:t>
+            </a:r>
+            <a:endParaRPr lang="zh-CN" altLang="en-US" spc="100" dirty="0">
+              <a:solidFill>
+                <a:schemeClr val="accent4"/>
+              </a:solidFill>
+              <a:latin typeface="Impact" panose="020B0806030902050204" pitchFamily="34" charset="0"/>
+              <a:cs typeface="Arial" panose="020B0604020202020204" pitchFamily="34" charset="0"/>
+            </a:endParaRPr>
+          </a:p>
+        </p:txBody>
+      </p:sp>
+      <p:sp>
+        <p:nvSpPr>
+          <p:cNvPr id="2" name="文字版面配置區 1"/>
+          <p:cNvSpPr>
+            <a:spLocks noGrp="1"/>
+          </p:cNvSpPr>
+          <p:nvPr>
+            <p:ph type="body" idx="1"/>
+          </p:nvPr>
+        </p:nvSpPr>
+        <p:spPr/>
+        <p:txBody>
+          <a:bodyPr/>
+          <a:lstStyle/>
+          <a:p>
+            <a:endParaRPr lang="zh-TW" altLang="en-US"/>
+          </a:p>
+        </p:txBody>
+      </p:sp>
+    </p:spTree>
+    <p:custDataLst>
+      <p:tags r:id="rId2"/>
+    </p:custDataLst>
+    <p:extLst>
+      <p:ext uri="{BB962C8B-B14F-4D97-AF65-F5344CB8AC3E}">
+        <p14:creationId xmlns:p14="http://schemas.microsoft.com/office/powerpoint/2010/main" val="2805995699"/>
+      </p:ext>
+    </p:extLst>
+  </p:cSld>
+  <p:clrMapOvr>
+    <a:masterClrMapping/>
+  </p:clrMapOvr>
+  <p:timing>
+    <p:tnLst>
+      <p:par>
+        <p:cTn id="1" dur="indefinite" restart="never" nodeType="tmRoot"/>
+      </p:par>
+    </p:tnLst>
+  </p:timing>
+</p:sld>
+</file>
+
+<file path=ppt/slides/slide22.xml><?xml version="1.0" encoding="utf-8"?>
+<p:sld xmlns:a="http://schemas.openxmlformats.org/drawingml/2006/main" xmlns:r="http://schemas.openxmlformats.org/officeDocument/2006/relationships" xmlns:p="http://schemas.openxmlformats.org/presentationml/2006/main">
+  <p:cSld>
+    <p:spTree>
+      <p:nvGrpSpPr>
         <p:cNvPr id="1" name="ï$1iḋé"/>
         <p:cNvGrpSpPr/>
         <p:nvPr/>
@@ -13308,11 +13731,7 @@
           <a:p>
             <a:r>
               <a:rPr lang="en-US" altLang="zh-CN" smtClean="0"/>
-              <a:t>Use "Title Only</a:t>
-            </a:r>
-            <a:r>
-              <a:rPr lang="en-US" altLang="zh-CN" smtClean="0"/>
-              <a:t>"</a:t>
+              <a:t>Use "Title Only"</a:t>
             </a:r>
             <a:r>
               <a:rPr lang="en-US" altLang="zh-CN" sz="100" smtClean="0"/>
@@ -13320,11 +13739,7 @@
             </a:r>
             <a:r>
               <a:rPr lang="en-US" altLang="zh-CN" smtClean="0"/>
-              <a:t> </a:t>
-            </a:r>
-            <a:r>
-              <a:rPr lang="en-US" altLang="zh-CN" smtClean="0"/>
-              <a:t>Layout</a:t>
+              <a:t> Layout</a:t>
             </a:r>
             <a:endParaRPr lang="zh-CN" altLang="en-US"/>
           </a:p>
@@ -13355,11 +13770,7 @@
             </a:r>
             <a:r>
               <a:rPr lang="zh-CN" altLang="en-US" smtClean="0"/>
-              <a:t>页眉和页</a:t>
-            </a:r>
-            <a:r>
-              <a:rPr lang="zh-CN" altLang="en-US" smtClean="0"/>
-              <a:t>脚</a:t>
+              <a:t>页眉和页脚</a:t>
             </a:r>
             <a:r>
               <a:rPr lang="zh-CN" altLang="en-US" sz="100" smtClean="0"/>
@@ -13367,11 +13778,7 @@
             </a:r>
             <a:r>
               <a:rPr lang="zh-CN" altLang="en-US" smtClean="0"/>
-              <a:t>中</a:t>
-            </a:r>
-            <a:r>
-              <a:rPr lang="zh-CN" altLang="en-US" smtClean="0"/>
-              <a:t>修改此文本</a:t>
+              <a:t>中修改此文本</a:t>
             </a:r>
             <a:endParaRPr lang="zh-CN" altLang="en-US" dirty="0"/>
           </a:p>
@@ -13395,7 +13802,7 @@
             <a:fld id="{5DD3DB80-B894-403A-B48E-6FDC1A72010E}" type="slidenum">
               <a:rPr lang="zh-CN" altLang="en-US" smtClean="0"/>
               <a:pPr/>
-              <a:t>20</a:t>
+              <a:t>22</a:t>
             </a:fld>
             <a:endParaRPr lang="zh-CN" altLang="en-US"/>
           </a:p>
@@ -13424,7 +13831,7 @@
 </p:sld>
 </file>
 
-<file path=ppt/slides/slide21.xml><?xml version="1.0" encoding="utf-8"?>
+<file path=ppt/slides/slide23.xml><?xml version="1.0" encoding="utf-8"?>
 <p:sld xmlns:a="http://schemas.openxmlformats.org/drawingml/2006/main" xmlns:r="http://schemas.openxmlformats.org/officeDocument/2006/relationships" xmlns:p="http://schemas.openxmlformats.org/presentationml/2006/main">
   <p:cSld>
     <p:spTree>
@@ -13446,7 +13853,7 @@
           <p:cNvPr id="3" name="íṡḻiḓé" hidden="1">
             <a:extLst>
               <a:ext uri="{FF2B5EF4-FFF2-40B4-BE49-F238E27FC236}">
-                <a16:creationId xmlns:p14="http://schemas.microsoft.com/office/powerpoint/2010/main" xmlns:mc="http://schemas.openxmlformats.org/markup-compatibility/2006" xmlns:v="urn:schemas-microsoft-com:vml" xmlns:a16="http://schemas.microsoft.com/office/drawing/2014/main" xmlns="" id="{A6A819F1-33AF-45D7-8BF6-2B0A9769CAD4}"/>
+                <a16:creationId xmlns="" xmlns:a16="http://schemas.microsoft.com/office/drawing/2014/main" xmlns:v="urn:schemas-microsoft-com:vml" xmlns:mc="http://schemas.openxmlformats.org/markup-compatibility/2006" xmlns:p14="http://schemas.microsoft.com/office/powerpoint/2010/main" id="{A6A819F1-33AF-45D7-8BF6-2B0A9769CAD4}"/>
               </a:ext>
             </a:extLst>
           </p:cNvPr>
@@ -13469,7 +13876,7 @@
           <a:graphicData uri="http://schemas.openxmlformats.org/presentationml/2006/ole">
             <mc:AlternateContent xmlns:mc="http://schemas.openxmlformats.org/markup-compatibility/2006">
               <mc:Choice xmlns:v="urn:schemas-microsoft-com:vml" Requires="v">
-                <p:oleObj spid="_x0000_s3109" name="think-cell Slide" r:id="rId5" imgW="347" imgH="348" progId="TCLayout.ActiveDocument.1">
+                <p:oleObj spid="_x0000_s3112" name="think-cell Slide" r:id="rId5" imgW="347" imgH="348" progId="TCLayout.ActiveDocument.1">
                   <p:embed/>
                 </p:oleObj>
               </mc:Choice>
@@ -13481,7 +13888,7 @@
                       <p:cNvPr id="3" name="íṩ1iḑé" hidden="1">
                         <a:extLst>
                           <a:ext uri="{FF2B5EF4-FFF2-40B4-BE49-F238E27FC236}">
-                            <a16:creationId xmlns:p14="http://schemas.microsoft.com/office/powerpoint/2010/main" xmlns:v="urn:schemas-microsoft-com:vml" xmlns:a16="http://schemas.microsoft.com/office/drawing/2014/main" xmlns="" id="{A6A819F1-33AF-45D7-8BF6-2B0A9769CAD4}"/>
+                            <a16:creationId xmlns="" xmlns:a16="http://schemas.microsoft.com/office/drawing/2014/main" xmlns:v="urn:schemas-microsoft-com:vml" xmlns:p14="http://schemas.microsoft.com/office/powerpoint/2010/main" id="{A6A819F1-33AF-45D7-8BF6-2B0A9769CAD4}"/>
                           </a:ext>
                         </a:extLst>
                       </p:cNvPr>
@@ -13515,7 +13922,7 @@
           <p:cNvPr id="2" name="išľïďe" hidden="1">
             <a:extLst>
               <a:ext uri="{FF2B5EF4-FFF2-40B4-BE49-F238E27FC236}">
-                <a16:creationId xmlns:p14="http://schemas.microsoft.com/office/powerpoint/2010/main" xmlns:mc="http://schemas.openxmlformats.org/markup-compatibility/2006" xmlns:v="urn:schemas-microsoft-com:vml" xmlns:a16="http://schemas.microsoft.com/office/drawing/2014/main" xmlns="" id="{FF51F16D-1BAD-46EE-A6F4-B8B94C9DF628}"/>
+                <a16:creationId xmlns="" xmlns:a16="http://schemas.microsoft.com/office/drawing/2014/main" xmlns:v="urn:schemas-microsoft-com:vml" xmlns:mc="http://schemas.openxmlformats.org/markup-compatibility/2006" xmlns:p14="http://schemas.microsoft.com/office/powerpoint/2010/main" id="{FF51F16D-1BAD-46EE-A6F4-B8B94C9DF628}"/>
               </a:ext>
             </a:extLst>
           </p:cNvPr>
@@ -13680,7 +14087,7 @@
           <p:cNvPr id="13" name="îṣlíḍe">
             <a:extLst>
               <a:ext uri="{FF2B5EF4-FFF2-40B4-BE49-F238E27FC236}">
-                <a16:creationId xmlns:p14="http://schemas.microsoft.com/office/powerpoint/2010/main" xmlns:mc="http://schemas.openxmlformats.org/markup-compatibility/2006" xmlns:v="urn:schemas-microsoft-com:vml" xmlns:a16="http://schemas.microsoft.com/office/drawing/2014/main" xmlns="" id="{394FC8CD-4FAD-452B-A6ED-A378816FAA36}"/>
+                <a16:creationId xmlns="" xmlns:a16="http://schemas.microsoft.com/office/drawing/2014/main" xmlns:v="urn:schemas-microsoft-com:vml" xmlns:mc="http://schemas.openxmlformats.org/markup-compatibility/2006" xmlns:p14="http://schemas.microsoft.com/office/powerpoint/2010/main" id="{394FC8CD-4FAD-452B-A6ED-A378816FAA36}"/>
               </a:ext>
             </a:extLst>
           </p:cNvPr>
@@ -13723,7 +14130,7 @@
           <p:cNvPr id="14" name="ïSḻíďê">
             <a:extLst>
               <a:ext uri="{FF2B5EF4-FFF2-40B4-BE49-F238E27FC236}">
-                <a16:creationId xmlns:p14="http://schemas.microsoft.com/office/powerpoint/2010/main" xmlns:mc="http://schemas.openxmlformats.org/markup-compatibility/2006" xmlns:v="urn:schemas-microsoft-com:vml" xmlns:a16="http://schemas.microsoft.com/office/drawing/2014/main" xmlns="" id="{7C549D2A-4C2D-40D9-B2D1-E96901BFF877}"/>
+                <a16:creationId xmlns="" xmlns:a16="http://schemas.microsoft.com/office/drawing/2014/main" xmlns:v="urn:schemas-microsoft-com:vml" xmlns:mc="http://schemas.openxmlformats.org/markup-compatibility/2006" xmlns:p14="http://schemas.microsoft.com/office/powerpoint/2010/main" id="{7C549D2A-4C2D-40D9-B2D1-E96901BFF877}"/>
               </a:ext>
             </a:extLst>
           </p:cNvPr>
@@ -13833,7 +14240,7 @@
           <p:cNvPr id="9" name="î$ḷíḋé">
             <a:extLst>
               <a:ext uri="{FF2B5EF4-FFF2-40B4-BE49-F238E27FC236}">
-                <a16:creationId xmlns:p14="http://schemas.microsoft.com/office/powerpoint/2010/main" xmlns:a16="http://schemas.microsoft.com/office/drawing/2014/main" xmlns="" id="{04F69230-F3A6-4586-9371-A858F4763E9F}"/>
+                <a16:creationId xmlns="" xmlns:a16="http://schemas.microsoft.com/office/drawing/2014/main" xmlns:p14="http://schemas.microsoft.com/office/powerpoint/2010/main" id="{04F69230-F3A6-4586-9371-A858F4763E9F}"/>
               </a:ext>
             </a:extLst>
           </p:cNvPr>
@@ -14332,9 +14739,22 @@
               <a:t>RNN </a:t>
             </a:r>
             <a:r>
-              <a:rPr lang="zh-TW" altLang="en-US" dirty="0"/>
+              <a:rPr lang="zh-TW" altLang="en-US" dirty="0" smtClean="0"/>
               <a:t>簡介</a:t>
             </a:r>
+            <a:r>
+              <a:rPr lang="en-US" altLang="zh-TW" dirty="0" smtClean="0"/>
+              <a:t>(</a:t>
+            </a:r>
+            <a:r>
+              <a:rPr lang="zh-TW" altLang="en-US" smtClean="0"/>
+              <a:t>單個神經元展開</a:t>
+            </a:r>
+            <a:r>
+              <a:rPr lang="en-US" altLang="zh-TW" smtClean="0"/>
+              <a:t>)</a:t>
+            </a:r>
+            <a:endParaRPr lang="zh-TW" altLang="en-US" dirty="0"/>
           </a:p>
         </p:txBody>
       </p:sp>
@@ -14652,6 +15072,426 @@
   <p:cSld>
     <p:spTree>
       <p:nvGrpSpPr>
+        <p:cNvPr id="1" name=""/>
+        <p:cNvGrpSpPr/>
+        <p:nvPr/>
+      </p:nvGrpSpPr>
+      <p:grpSpPr>
+        <a:xfrm>
+          <a:off x="0" y="0"/>
+          <a:ext cx="0" cy="0"/>
+          <a:chOff x="0" y="0"/>
+          <a:chExt cx="0" cy="0"/>
+        </a:xfrm>
+      </p:grpSpPr>
+      <p:sp>
+        <p:nvSpPr>
+          <p:cNvPr id="2" name="頁尾版面配置區 1"/>
+          <p:cNvSpPr>
+            <a:spLocks noGrp="1"/>
+          </p:cNvSpPr>
+          <p:nvPr>
+            <p:ph type="ftr" sz="quarter" idx="11"/>
+          </p:nvPr>
+        </p:nvSpPr>
+        <p:spPr/>
+        <p:txBody>
+          <a:bodyPr/>
+          <a:lstStyle/>
+          <a:p>
+            <a:r>
+              <a:rPr lang="zh-CN" altLang="en-US" smtClean="0"/>
+              <a:t>请在插入菜单</a:t>
+            </a:r>
+            <a:r>
+              <a:rPr lang="en-US" altLang="zh-CN" smtClean="0"/>
+              <a:t>—</a:t>
+            </a:r>
+            <a:r>
+              <a:rPr lang="zh-CN" altLang="en-US" smtClean="0"/>
+              <a:t>页眉和页脚中修改此文本</a:t>
+            </a:r>
+            <a:endParaRPr lang="zh-CN" altLang="en-US" dirty="0"/>
+          </a:p>
+        </p:txBody>
+      </p:sp>
+      <p:sp>
+        <p:nvSpPr>
+          <p:cNvPr id="3" name="投影片編號版面配置區 2"/>
+          <p:cNvSpPr>
+            <a:spLocks noGrp="1"/>
+          </p:cNvSpPr>
+          <p:nvPr>
+            <p:ph type="sldNum" sz="quarter" idx="12"/>
+          </p:nvPr>
+        </p:nvSpPr>
+        <p:spPr/>
+        <p:txBody>
+          <a:bodyPr/>
+          <a:lstStyle/>
+          <a:p>
+            <a:fld id="{5DD3DB80-B894-403A-B48E-6FDC1A72010E}" type="slidenum">
+              <a:rPr lang="zh-CN" altLang="en-US" smtClean="0"/>
+              <a:pPr/>
+              <a:t>6</a:t>
+            </a:fld>
+            <a:endParaRPr lang="zh-CN" altLang="en-US"/>
+          </a:p>
+        </p:txBody>
+      </p:sp>
+      <p:sp>
+        <p:nvSpPr>
+          <p:cNvPr id="4" name="標題 3"/>
+          <p:cNvSpPr>
+            <a:spLocks noGrp="1"/>
+          </p:cNvSpPr>
+          <p:nvPr>
+            <p:ph type="title"/>
+          </p:nvPr>
+        </p:nvSpPr>
+        <p:spPr/>
+        <p:txBody>
+          <a:bodyPr/>
+          <a:lstStyle/>
+          <a:p>
+            <a:r>
+              <a:rPr lang="en-US" altLang="zh-TW" dirty="0"/>
+              <a:t>RNN </a:t>
+            </a:r>
+            <a:r>
+              <a:rPr lang="zh-TW" altLang="en-US" dirty="0" smtClean="0"/>
+              <a:t>簡介</a:t>
+            </a:r>
+            <a:r>
+              <a:rPr lang="en-US" altLang="zh-TW" dirty="0" smtClean="0"/>
+              <a:t>(</a:t>
+            </a:r>
+            <a:r>
+              <a:rPr lang="zh-TW" altLang="en-US" smtClean="0"/>
+              <a:t>單個神經元展開</a:t>
+            </a:r>
+            <a:r>
+              <a:rPr lang="en-US" altLang="zh-TW" smtClean="0"/>
+              <a:t>)</a:t>
+            </a:r>
+            <a:endParaRPr lang="zh-TW" altLang="en-US" dirty="0"/>
+          </a:p>
+        </p:txBody>
+      </p:sp>
+      <p:sp>
+        <p:nvSpPr>
+          <p:cNvPr id="5" name="內容版面配置區 4"/>
+          <p:cNvSpPr>
+            <a:spLocks noGrp="1"/>
+          </p:cNvSpPr>
+          <p:nvPr>
+            <p:ph sz="quarter" idx="13"/>
+          </p:nvPr>
+        </p:nvSpPr>
+        <p:spPr/>
+        <p:txBody>
+          <a:bodyPr/>
+          <a:lstStyle/>
+          <a:p>
+            <a:pPr marL="0" indent="0">
+              <a:buNone/>
+            </a:pPr>
+            <a:endParaRPr lang="zh-TW" altLang="en-US" dirty="0"/>
+          </a:p>
+        </p:txBody>
+      </p:sp>
+      <p:sp>
+        <p:nvSpPr>
+          <p:cNvPr id="6" name="文字方塊 5"/>
+          <p:cNvSpPr txBox="1"/>
+          <p:nvPr/>
+        </p:nvSpPr>
+        <p:spPr>
+          <a:xfrm>
+            <a:off x="1924048" y="5238750"/>
+            <a:ext cx="7981950" cy="646331"/>
+          </a:xfrm>
+          <a:prstGeom prst="rect">
+            <a:avLst/>
+          </a:prstGeom>
+          <a:noFill/>
+        </p:spPr>
+        <p:txBody>
+          <a:bodyPr wrap="square" rtlCol="0">
+            <a:spAutoFit/>
+          </a:bodyPr>
+          <a:lstStyle/>
+          <a:p>
+            <a:r>
+              <a:rPr lang="zh-TW" altLang="en-US" dirty="0" smtClean="0"/>
+              <a:t>當前 </a:t>
+            </a:r>
+            <a:r>
+              <a:rPr lang="en-US" altLang="zh-TW" dirty="0"/>
+              <a:t>output </a:t>
+            </a:r>
+            <a:r>
+              <a:rPr lang="zh-TW" altLang="en-US" dirty="0"/>
+              <a:t>不只受上一層輸入的影響，也受到同一層前一個 </a:t>
+            </a:r>
+            <a:r>
+              <a:rPr lang="en-US" altLang="zh-TW" dirty="0"/>
+              <a:t>output </a:t>
+            </a:r>
+            <a:r>
+              <a:rPr lang="zh-TW" altLang="en-US" dirty="0"/>
+              <a:t>的影響</a:t>
+            </a:r>
+            <a:r>
+              <a:rPr lang="en-US" altLang="zh-TW" dirty="0"/>
+              <a:t>(</a:t>
+            </a:r>
+            <a:r>
+              <a:rPr lang="zh-TW" altLang="en-US" dirty="0"/>
+              <a:t>即前文</a:t>
+            </a:r>
+            <a:r>
+              <a:rPr lang="en-US" altLang="zh-TW" dirty="0"/>
+              <a:t>)</a:t>
+            </a:r>
+            <a:r>
+              <a:rPr lang="zh-TW" altLang="en-US" dirty="0"/>
+              <a:t>，類似統計學的</a:t>
+            </a:r>
+            <a:r>
+              <a:rPr lang="en-US" altLang="zh-TW" dirty="0"/>
+              <a:t>『</a:t>
+            </a:r>
+            <a:r>
+              <a:rPr lang="zh-TW" altLang="en-US" dirty="0"/>
+              <a:t>時間數列</a:t>
+            </a:r>
+            <a:r>
+              <a:rPr lang="en-US" altLang="zh-TW" dirty="0"/>
+              <a:t>』(Time Series</a:t>
+            </a:r>
+            <a:r>
+              <a:rPr lang="en-US" altLang="zh-TW" dirty="0" smtClean="0"/>
+              <a:t>)</a:t>
+            </a:r>
+            <a:endParaRPr lang="zh-TW" altLang="en-US" dirty="0"/>
+          </a:p>
+        </p:txBody>
+      </p:sp>
+      <p:pic>
+        <p:nvPicPr>
+          <p:cNvPr id="4098" name="Picture 2" descr="E:\Delete\git_r\two_month_report\202011_2021_1\11_16_to_11_20_third\img\rnn_time.jpg"/>
+          <p:cNvPicPr>
+            <a:picLocks noChangeAspect="1" noChangeArrowheads="1"/>
+          </p:cNvPicPr>
+          <p:nvPr/>
+        </p:nvPicPr>
+        <p:blipFill>
+          <a:blip r:embed="rId2">
+            <a:extLst>
+              <a:ext uri="{28A0092B-C50C-407E-A947-70E740481C1C}">
+                <a14:useLocalDpi xmlns:a14="http://schemas.microsoft.com/office/drawing/2010/main" val="0"/>
+              </a:ext>
+            </a:extLst>
+          </a:blip>
+          <a:srcRect/>
+          <a:stretch>
+            <a:fillRect/>
+          </a:stretch>
+        </p:blipFill>
+        <p:spPr bwMode="auto">
+          <a:xfrm>
+            <a:off x="1628773" y="1871663"/>
+            <a:ext cx="8534057" cy="2643187"/>
+          </a:xfrm>
+          <a:prstGeom prst="rect">
+            <a:avLst/>
+          </a:prstGeom>
+          <a:noFill/>
+          <a:extLst>
+            <a:ext uri="{909E8E84-426E-40DD-AFC4-6F175D3DCCD1}">
+              <a14:hiddenFill xmlns:a14="http://schemas.microsoft.com/office/drawing/2010/main">
+                <a:solidFill>
+                  <a:srgbClr val="FFFFFF"/>
+                </a:solidFill>
+              </a14:hiddenFill>
+            </a:ext>
+          </a:extLst>
+        </p:spPr>
+      </p:pic>
+    </p:spTree>
+    <p:extLst>
+      <p:ext uri="{BB962C8B-B14F-4D97-AF65-F5344CB8AC3E}">
+        <p14:creationId xmlns:p14="http://schemas.microsoft.com/office/powerpoint/2010/main" val="429988256"/>
+      </p:ext>
+    </p:extLst>
+  </p:cSld>
+  <p:clrMapOvr>
+    <a:masterClrMapping/>
+  </p:clrMapOvr>
+  <p:timing>
+    <p:tnLst>
+      <p:par>
+        <p:cTn id="1" dur="indefinite" restart="never" nodeType="tmRoot">
+          <p:childTnLst>
+            <p:seq concurrent="1" nextAc="seek">
+              <p:cTn id="2" dur="indefinite" nodeType="mainSeq">
+                <p:childTnLst>
+                  <p:par>
+                    <p:cTn id="3" fill="hold">
+                      <p:stCondLst>
+                        <p:cond delay="indefinite"/>
+                      </p:stCondLst>
+                      <p:childTnLst>
+                        <p:par>
+                          <p:cTn id="4" fill="hold">
+                            <p:stCondLst>
+                              <p:cond delay="0"/>
+                            </p:stCondLst>
+                            <p:childTnLst>
+                              <p:par>
+                                <p:cTn id="5" presetID="31" presetClass="entr" presetSubtype="0" fill="hold" grpId="0" nodeType="clickEffect">
+                                  <p:stCondLst>
+                                    <p:cond delay="0"/>
+                                  </p:stCondLst>
+                                  <p:childTnLst>
+                                    <p:set>
+                                      <p:cBhvr>
+                                        <p:cTn id="6" dur="1" fill="hold">
+                                          <p:stCondLst>
+                                            <p:cond delay="0"/>
+                                          </p:stCondLst>
+                                        </p:cTn>
+                                        <p:tgtEl>
+                                          <p:spTgt spid="6"/>
+                                        </p:tgtEl>
+                                        <p:attrNameLst>
+                                          <p:attrName>style.visibility</p:attrName>
+                                        </p:attrNameLst>
+                                      </p:cBhvr>
+                                      <p:to>
+                                        <p:strVal val="visible"/>
+                                      </p:to>
+                                    </p:set>
+                                    <p:anim calcmode="lin" valueType="num">
+                                      <p:cBhvr>
+                                        <p:cTn id="7" dur="1000" fill="hold"/>
+                                        <p:tgtEl>
+                                          <p:spTgt spid="6"/>
+                                        </p:tgtEl>
+                                        <p:attrNameLst>
+                                          <p:attrName>ppt_w</p:attrName>
+                                        </p:attrNameLst>
+                                      </p:cBhvr>
+                                      <p:tavLst>
+                                        <p:tav tm="0">
+                                          <p:val>
+                                            <p:fltVal val="0"/>
+                                          </p:val>
+                                        </p:tav>
+                                        <p:tav tm="100000">
+                                          <p:val>
+                                            <p:strVal val="#ppt_w"/>
+                                          </p:val>
+                                        </p:tav>
+                                      </p:tavLst>
+                                    </p:anim>
+                                    <p:anim calcmode="lin" valueType="num">
+                                      <p:cBhvr>
+                                        <p:cTn id="8" dur="1000" fill="hold"/>
+                                        <p:tgtEl>
+                                          <p:spTgt spid="6"/>
+                                        </p:tgtEl>
+                                        <p:attrNameLst>
+                                          <p:attrName>ppt_h</p:attrName>
+                                        </p:attrNameLst>
+                                      </p:cBhvr>
+                                      <p:tavLst>
+                                        <p:tav tm="0">
+                                          <p:val>
+                                            <p:fltVal val="0"/>
+                                          </p:val>
+                                        </p:tav>
+                                        <p:tav tm="100000">
+                                          <p:val>
+                                            <p:strVal val="#ppt_h"/>
+                                          </p:val>
+                                        </p:tav>
+                                      </p:tavLst>
+                                    </p:anim>
+                                    <p:anim calcmode="lin" valueType="num">
+                                      <p:cBhvr>
+                                        <p:cTn id="9" dur="1000" fill="hold"/>
+                                        <p:tgtEl>
+                                          <p:spTgt spid="6"/>
+                                        </p:tgtEl>
+                                        <p:attrNameLst>
+                                          <p:attrName>style.rotation</p:attrName>
+                                        </p:attrNameLst>
+                                      </p:cBhvr>
+                                      <p:tavLst>
+                                        <p:tav tm="0">
+                                          <p:val>
+                                            <p:fltVal val="90"/>
+                                          </p:val>
+                                        </p:tav>
+                                        <p:tav tm="100000">
+                                          <p:val>
+                                            <p:fltVal val="0"/>
+                                          </p:val>
+                                        </p:tav>
+                                      </p:tavLst>
+                                    </p:anim>
+                                    <p:animEffect transition="in" filter="fade">
+                                      <p:cBhvr>
+                                        <p:cTn id="10" dur="1000"/>
+                                        <p:tgtEl>
+                                          <p:spTgt spid="6"/>
+                                        </p:tgtEl>
+                                      </p:cBhvr>
+                                    </p:animEffect>
+                                  </p:childTnLst>
+                                </p:cTn>
+                              </p:par>
+                            </p:childTnLst>
+                          </p:cTn>
+                        </p:par>
+                      </p:childTnLst>
+                    </p:cTn>
+                  </p:par>
+                </p:childTnLst>
+              </p:cTn>
+              <p:prevCondLst>
+                <p:cond evt="onPrev" delay="0">
+                  <p:tgtEl>
+                    <p:sldTgt/>
+                  </p:tgtEl>
+                </p:cond>
+              </p:prevCondLst>
+              <p:nextCondLst>
+                <p:cond evt="onNext" delay="0">
+                  <p:tgtEl>
+                    <p:sldTgt/>
+                  </p:tgtEl>
+                </p:cond>
+              </p:nextCondLst>
+            </p:seq>
+          </p:childTnLst>
+        </p:cTn>
+      </p:par>
+    </p:tnLst>
+    <p:bldLst>
+      <p:bldP spid="6" grpId="0"/>
+    </p:bldLst>
+  </p:timing>
+</p:sld>
+</file>
+
+<file path=ppt/slides/slide7.xml><?xml version="1.0" encoding="utf-8"?>
+<p:sld xmlns:a="http://schemas.openxmlformats.org/drawingml/2006/main" xmlns:r="http://schemas.openxmlformats.org/officeDocument/2006/relationships" xmlns:p="http://schemas.openxmlformats.org/presentationml/2006/main">
+  <p:cSld>
+    <p:spTree>
+      <p:nvGrpSpPr>
         <p:cNvPr id="1" name="î$ḷîḓé"/>
         <p:cNvGrpSpPr/>
         <p:nvPr/>
@@ -14696,7 +15536,7 @@
           <p:cNvPr id="9" name="î$ḷíḋé">
             <a:extLst>
               <a:ext uri="{FF2B5EF4-FFF2-40B4-BE49-F238E27FC236}">
-                <a16:creationId xmlns:p14="http://schemas.microsoft.com/office/powerpoint/2010/main" xmlns:a16="http://schemas.microsoft.com/office/drawing/2014/main" xmlns="" id="{04F69230-F3A6-4586-9371-A858F4763E9F}"/>
+                <a16:creationId xmlns="" xmlns:a16="http://schemas.microsoft.com/office/drawing/2014/main" xmlns:p14="http://schemas.microsoft.com/office/powerpoint/2010/main" id="{04F69230-F3A6-4586-9371-A858F4763E9F}"/>
               </a:ext>
             </a:extLst>
           </p:cNvPr>
@@ -14807,7 +15647,7 @@
 </p:sld>
 </file>
 
-<file path=ppt/slides/slide7.xml><?xml version="1.0" encoding="utf-8"?>
+<file path=ppt/slides/slide8.xml><?xml version="1.0" encoding="utf-8"?>
 <p:sld xmlns:a="http://schemas.openxmlformats.org/drawingml/2006/main" xmlns:r="http://schemas.openxmlformats.org/officeDocument/2006/relationships" xmlns:p="http://schemas.openxmlformats.org/presentationml/2006/main">
   <p:cSld>
     <p:spTree>
@@ -15293,7 +16133,7 @@
 </p:sld>
 </file>
 
-<file path=ppt/slides/slide8.xml><?xml version="1.0" encoding="utf-8"?>
+<file path=ppt/slides/slide9.xml><?xml version="1.0" encoding="utf-8"?>
 <p:sld xmlns:a="http://schemas.openxmlformats.org/drawingml/2006/main" xmlns:r="http://schemas.openxmlformats.org/officeDocument/2006/relationships" xmlns:p="http://schemas.openxmlformats.org/presentationml/2006/main">
   <p:cSld>
     <p:spTree>
@@ -15359,7 +16199,7 @@
             <a:fld id="{5DD3DB80-B894-403A-B48E-6FDC1A72010E}" type="slidenum">
               <a:rPr lang="zh-CN" altLang="en-US" smtClean="0"/>
               <a:pPr/>
-              <a:t>8</a:t>
+              <a:t>9</a:t>
             </a:fld>
             <a:endParaRPr lang="zh-CN" altLang="en-US"/>
           </a:p>
@@ -15925,265 +16765,6 @@
 </p:sld>
 </file>
 
-<file path=ppt/slides/slide9.xml><?xml version="1.0" encoding="utf-8"?>
-<p:sld xmlns:a="http://schemas.openxmlformats.org/drawingml/2006/main" xmlns:r="http://schemas.openxmlformats.org/officeDocument/2006/relationships" xmlns:p="http://schemas.openxmlformats.org/presentationml/2006/main">
-  <p:cSld>
-    <p:spTree>
-      <p:nvGrpSpPr>
-        <p:cNvPr id="1" name=""/>
-        <p:cNvGrpSpPr/>
-        <p:nvPr/>
-      </p:nvGrpSpPr>
-      <p:grpSpPr>
-        <a:xfrm>
-          <a:off x="0" y="0"/>
-          <a:ext cx="0" cy="0"/>
-          <a:chOff x="0" y="0"/>
-          <a:chExt cx="0" cy="0"/>
-        </a:xfrm>
-      </p:grpSpPr>
-      <p:sp>
-        <p:nvSpPr>
-          <p:cNvPr id="2" name="頁尾版面配置區 1"/>
-          <p:cNvSpPr>
-            <a:spLocks noGrp="1"/>
-          </p:cNvSpPr>
-          <p:nvPr>
-            <p:ph type="ftr" sz="quarter" idx="11"/>
-          </p:nvPr>
-        </p:nvSpPr>
-        <p:spPr/>
-        <p:txBody>
-          <a:bodyPr/>
-          <a:lstStyle/>
-          <a:p>
-            <a:r>
-              <a:rPr lang="zh-CN" altLang="en-US" smtClean="0"/>
-              <a:t>请在插入菜单</a:t>
-            </a:r>
-            <a:r>
-              <a:rPr lang="en-US" altLang="zh-CN" smtClean="0"/>
-              <a:t>—</a:t>
-            </a:r>
-            <a:r>
-              <a:rPr lang="zh-CN" altLang="en-US" smtClean="0"/>
-              <a:t>页眉和页脚中修改此文本</a:t>
-            </a:r>
-            <a:endParaRPr lang="zh-CN" altLang="en-US" dirty="0"/>
-          </a:p>
-        </p:txBody>
-      </p:sp>
-      <p:sp>
-        <p:nvSpPr>
-          <p:cNvPr id="3" name="投影片編號版面配置區 2"/>
-          <p:cNvSpPr>
-            <a:spLocks noGrp="1"/>
-          </p:cNvSpPr>
-          <p:nvPr>
-            <p:ph type="sldNum" sz="quarter" idx="12"/>
-          </p:nvPr>
-        </p:nvSpPr>
-        <p:spPr/>
-        <p:txBody>
-          <a:bodyPr/>
-          <a:lstStyle/>
-          <a:p>
-            <a:fld id="{5DD3DB80-B894-403A-B48E-6FDC1A72010E}" type="slidenum">
-              <a:rPr lang="zh-CN" altLang="en-US" smtClean="0"/>
-              <a:pPr/>
-              <a:t>9</a:t>
-            </a:fld>
-            <a:endParaRPr lang="zh-CN" altLang="en-US"/>
-          </a:p>
-        </p:txBody>
-      </p:sp>
-      <p:sp>
-        <p:nvSpPr>
-          <p:cNvPr id="4" name="標題 3"/>
-          <p:cNvSpPr>
-            <a:spLocks noGrp="1"/>
-          </p:cNvSpPr>
-          <p:nvPr>
-            <p:ph type="title"/>
-          </p:nvPr>
-        </p:nvSpPr>
-        <p:spPr/>
-        <p:txBody>
-          <a:bodyPr/>
-          <a:lstStyle/>
-          <a:p>
-            <a:r>
-              <a:rPr lang="en-US" altLang="zh-TW" dirty="0"/>
-              <a:t>RNN </a:t>
-            </a:r>
-            <a:r>
-              <a:rPr lang="zh-TW" altLang="en-US" dirty="0"/>
-              <a:t>圖解</a:t>
-            </a:r>
-          </a:p>
-        </p:txBody>
-      </p:sp>
-      <p:sp>
-        <p:nvSpPr>
-          <p:cNvPr id="5" name="內容版面配置區 4"/>
-          <p:cNvSpPr>
-            <a:spLocks noGrp="1"/>
-          </p:cNvSpPr>
-          <p:nvPr>
-            <p:ph sz="quarter" idx="13"/>
-          </p:nvPr>
-        </p:nvSpPr>
-        <p:spPr/>
-        <p:txBody>
-          <a:bodyPr/>
-          <a:lstStyle/>
-          <a:p>
-            <a:r>
-              <a:rPr lang="zh-CN" altLang="en-US" dirty="0"/>
-              <a:t> </a:t>
-            </a:r>
-            <a:r>
-              <a:rPr lang="zh-CN" altLang="en-US" dirty="0" smtClean="0"/>
-              <a:t>诸</a:t>
-            </a:r>
-            <a:r>
-              <a:rPr lang="zh-CN" altLang="en-US" dirty="0"/>
-              <a:t>如此类的序列数据用原始的神经网络难以建模</a:t>
-            </a:r>
-            <a:r>
-              <a:rPr lang="zh-CN" altLang="en-US" dirty="0" smtClean="0"/>
-              <a:t>，</a:t>
-            </a:r>
-            <a:endParaRPr lang="en-US" altLang="zh-CN" dirty="0" smtClean="0"/>
-          </a:p>
-          <a:p>
-            <a:r>
-              <a:rPr lang="zh-CN" altLang="en-US" dirty="0" smtClean="0"/>
-              <a:t>基</a:t>
-            </a:r>
-            <a:r>
-              <a:rPr lang="zh-CN" altLang="en-US" dirty="0"/>
-              <a:t>于此，</a:t>
-            </a:r>
-            <a:r>
-              <a:rPr lang="en-US" altLang="zh-CN" dirty="0"/>
-              <a:t>RNN</a:t>
-            </a:r>
-            <a:r>
-              <a:rPr lang="zh-CN" altLang="en-US" dirty="0"/>
-              <a:t>引入了隐状态*</a:t>
-            </a:r>
-            <a:r>
-              <a:rPr lang="en-US" altLang="zh-CN" dirty="0"/>
-              <a:t>ℎ*</a:t>
-            </a:r>
-            <a:r>
-              <a:rPr lang="zh-CN" altLang="en-US" dirty="0"/>
-              <a:t>（</a:t>
-            </a:r>
-            <a:r>
-              <a:rPr lang="en-US" altLang="zh-CN" dirty="0"/>
-              <a:t>hidden state</a:t>
-            </a:r>
-            <a:r>
-              <a:rPr lang="zh-CN" altLang="en-US" dirty="0"/>
-              <a:t>）</a:t>
-            </a:r>
-            <a:r>
-              <a:rPr lang="zh-CN" altLang="en-US" dirty="0" smtClean="0"/>
-              <a:t>，</a:t>
-            </a:r>
-            <a:endParaRPr lang="en-US" altLang="zh-CN" dirty="0" smtClean="0"/>
-          </a:p>
-          <a:p>
-            <a:r>
-              <a:rPr lang="zh-CN" altLang="en-US" dirty="0" smtClean="0"/>
-              <a:t>*</a:t>
-            </a:r>
-            <a:r>
-              <a:rPr lang="en-US" altLang="zh-CN" dirty="0"/>
-              <a:t>ℎ*•</a:t>
-            </a:r>
-            <a:r>
-              <a:rPr lang="zh-CN" altLang="en-US" dirty="0"/>
-              <a:t>可对序列数据提取特征，接着再转换为输出。  为了便于理解，先计算*</a:t>
-            </a:r>
-            <a:r>
-              <a:rPr lang="en-US" altLang="zh-CN" dirty="0"/>
-              <a:t>ℎ*1•</a:t>
-            </a:r>
-            <a:r>
-              <a:rPr lang="zh-CN" altLang="en-US" dirty="0"/>
-              <a:t>： </a:t>
-            </a:r>
-            <a:endParaRPr lang="en-US" altLang="zh-CN" dirty="0" smtClean="0"/>
-          </a:p>
-          <a:p>
-            <a:endParaRPr lang="zh-TW" altLang="en-US" dirty="0"/>
-          </a:p>
-        </p:txBody>
-      </p:sp>
-      <p:pic>
-        <p:nvPicPr>
-          <p:cNvPr id="8194" name="Picture 2" descr="E:\Delete\git_r\two_month_report\202011_2021_1\11_16_to_11_20_third\img\rnn6.3.jpg"/>
-          <p:cNvPicPr>
-            <a:picLocks noChangeAspect="1" noChangeArrowheads="1"/>
-          </p:cNvPicPr>
-          <p:nvPr/>
-        </p:nvPicPr>
-        <p:blipFill>
-          <a:blip r:embed="rId2">
-            <a:extLst>
-              <a:ext uri="{28A0092B-C50C-407E-A947-70E740481C1C}">
-                <a14:useLocalDpi xmlns:a14="http://schemas.microsoft.com/office/drawing/2010/main" val="0"/>
-              </a:ext>
-            </a:extLst>
-          </a:blip>
-          <a:srcRect/>
-          <a:stretch>
-            <a:fillRect/>
-          </a:stretch>
-        </p:blipFill>
-        <p:spPr bwMode="auto">
-          <a:xfrm>
-            <a:off x="1457325" y="2590800"/>
-            <a:ext cx="6858000" cy="2667000"/>
-          </a:xfrm>
-          <a:prstGeom prst="rect">
-            <a:avLst/>
-          </a:prstGeom>
-          <a:noFill/>
-          <a:extLst>
-            <a:ext uri="{909E8E84-426E-40DD-AFC4-6F175D3DCCD1}">
-              <a14:hiddenFill xmlns:a14="http://schemas.microsoft.com/office/drawing/2010/main">
-                <a:solidFill>
-                  <a:srgbClr val="FFFFFF"/>
-                </a:solidFill>
-              </a14:hiddenFill>
-            </a:ext>
-          </a:extLst>
-        </p:spPr>
-      </p:pic>
-    </p:spTree>
-    <p:extLst>
-      <p:ext uri="{BB962C8B-B14F-4D97-AF65-F5344CB8AC3E}">
-        <p14:creationId xmlns:p14="http://schemas.microsoft.com/office/powerpoint/2010/main" val="1964539032"/>
-      </p:ext>
-    </p:extLst>
-  </p:cSld>
-  <p:clrMapOvr>
-    <a:masterClrMapping/>
-  </p:clrMapOvr>
-  <p:timing>
-    <p:tnLst>
-      <p:par>
-        <p:cTn id="1" dur="indefinite" restart="never" nodeType="tmRoot"/>
-      </p:par>
-    </p:tnLst>
-  </p:timing>
-</p:sld>
-</file>
-
 <file path=ppt/tags/tag1.xml><?xml version="1.0" encoding="utf-8"?>
 <p:tagLst xmlns:a="http://schemas.openxmlformats.org/drawingml/2006/main" xmlns:r="http://schemas.openxmlformats.org/officeDocument/2006/relationships" xmlns:p="http://schemas.openxmlformats.org/presentationml/2006/main">
   <p:tag name="ISLIDE.THEME" val="#296265"/>
@@ -16459,7 +17040,7 @@
   <a:extraClrSchemeLst/>
   <a:extLst>
     <a:ext uri="{05A4C25C-085E-4340-85A3-A5531E510DB2}">
-      <thm15:themeFamily xmlns:thm15="http://schemas.microsoft.com/office/thememl/2012/main" xmlns="" name="主题5" id="{B8EDB911-D765-4A7B-BBC7-40DBB672FBA6}" vid="{AECAB1C0-5DF6-436C-85E8-20094DBE11C0}"/>
+      <thm15:themeFamily xmlns="" xmlns:thm15="http://schemas.microsoft.com/office/thememl/2012/main" name="主题5" id="{B8EDB911-D765-4A7B-BBC7-40DBB672FBA6}" vid="{AECAB1C0-5DF6-436C-85E8-20094DBE11C0}"/>
     </a:ext>
   </a:extLst>
 </a:theme>
@@ -16720,7 +17301,7 @@
   <a:extraClrSchemeLst/>
   <a:extLst>
     <a:ext uri="{05A4C25C-085E-4340-85A3-A5531E510DB2}">
-      <thm15:themeFamily xmlns:thm15="http://schemas.microsoft.com/office/thememl/2012/main" xmlns="" name="Office Theme" id="{62F939B6-93AF-4DB8-9C6B-D6C7DFDC589F}" vid="{4A3C46E8-61CC-4603-A589-7422A47A8E4A}"/>
+      <thm15:themeFamily xmlns="" xmlns:thm15="http://schemas.microsoft.com/office/thememl/2012/main" name="Office Theme" id="{62F939B6-93AF-4DB8-9C6B-D6C7DFDC589F}" vid="{4A3C46E8-61CC-4603-A589-7422A47A8E4A}"/>
     </a:ext>
   </a:extLst>
 </a:theme>
@@ -17015,7 +17596,7 @@
   <a:extraClrSchemeLst/>
   <a:extLst>
     <a:ext uri="{05A4C25C-085E-4340-85A3-A5531E510DB2}">
-      <thm15:themeFamily xmlns:thm15="http://schemas.microsoft.com/office/thememl/2012/main" xmlns="" name="Office Theme" id="{62F939B6-93AF-4DB8-9C6B-D6C7DFDC589F}" vid="{4A3C46E8-61CC-4603-A589-7422A47A8E4A}"/>
+      <thm15:themeFamily xmlns="" xmlns:thm15="http://schemas.microsoft.com/office/thememl/2012/main" name="Office Theme" id="{62F939B6-93AF-4DB8-9C6B-D6C7DFDC589F}" vid="{4A3C46E8-61CC-4603-A589-7422A47A8E4A}"/>
     </a:ext>
   </a:extLst>
 </a:theme>

--- a/11_16_to_11_20_third/3.RNN.pptx
+++ b/11_16_to_11_20_third/3.RNN.pptx
@@ -5,10 +5,10 @@
     <p:sldMasterId id="2147483648" r:id="rId1"/>
   </p:sldMasterIdLst>
   <p:notesMasterIdLst>
-    <p:notesMasterId r:id="rId25"/>
+    <p:notesMasterId r:id="rId26"/>
   </p:notesMasterIdLst>
   <p:handoutMasterIdLst>
-    <p:handoutMasterId r:id="rId26"/>
+    <p:handoutMasterId r:id="rId27"/>
   </p:handoutMasterIdLst>
   <p:sldIdLst>
     <p:sldId id="256" r:id="rId2"/>
@@ -26,19 +26,20 @@
     <p:sldId id="288" r:id="rId14"/>
     <p:sldId id="290" r:id="rId15"/>
     <p:sldId id="296" r:id="rId16"/>
-    <p:sldId id="292" r:id="rId17"/>
-    <p:sldId id="293" r:id="rId18"/>
-    <p:sldId id="279" r:id="rId19"/>
-    <p:sldId id="294" r:id="rId20"/>
-    <p:sldId id="295" r:id="rId21"/>
-    <p:sldId id="280" r:id="rId22"/>
-    <p:sldId id="270" r:id="rId23"/>
-    <p:sldId id="261" r:id="rId24"/>
+    <p:sldId id="298" r:id="rId17"/>
+    <p:sldId id="292" r:id="rId18"/>
+    <p:sldId id="293" r:id="rId19"/>
+    <p:sldId id="279" r:id="rId20"/>
+    <p:sldId id="294" r:id="rId21"/>
+    <p:sldId id="295" r:id="rId22"/>
+    <p:sldId id="280" r:id="rId23"/>
+    <p:sldId id="270" r:id="rId24"/>
+    <p:sldId id="261" r:id="rId25"/>
   </p:sldIdLst>
   <p:sldSz cx="12192000" cy="6858000"/>
   <p:notesSz cx="6858000" cy="9144000"/>
   <p:custDataLst>
-    <p:tags r:id="rId27"/>
+    <p:tags r:id="rId28"/>
   </p:custDataLst>
   <p:defaultTextStyle>
     <a:defPPr>
@@ -137,10 +138,10 @@
   </p:defaultTextStyle>
   <p:extLst>
     <p:ext uri="{EFAFB233-063F-42B5-8137-9DF3F51BA10A}">
-      <p15:sldGuideLst xmlns="" xmlns:p15="http://schemas.microsoft.com/office/powerpoint/2012/main"/>
+      <p15:sldGuideLst xmlns:p15="http://schemas.microsoft.com/office/powerpoint/2012/main" xmlns=""/>
     </p:ext>
     <p:ext uri="{2D200454-40CA-4A62-9FC3-DE9A4176ACB9}">
-      <p15:notesGuideLst xmlns="" xmlns:p15="http://schemas.microsoft.com/office/powerpoint/2012/main"/>
+      <p15:notesGuideLst xmlns:p15="http://schemas.microsoft.com/office/powerpoint/2012/main" xmlns=""/>
     </p:ext>
   </p:extLst>
 </p:presentation>
@@ -366,7 +367,7 @@
           <p:cNvPr id="2" name="页眉占位符 1">
             <a:extLst>
               <a:ext uri="{FF2B5EF4-FFF2-40B4-BE49-F238E27FC236}">
-                <a16:creationId xmlns="" xmlns:a16="http://schemas.microsoft.com/office/drawing/2014/main" id="{B9A56829-66AA-42AA-918E-5C6DB1AE50A7}"/>
+                <a16:creationId xmlns:a16="http://schemas.microsoft.com/office/drawing/2014/main" xmlns="" id="{B9A56829-66AA-42AA-918E-5C6DB1AE50A7}"/>
               </a:ext>
             </a:extLst>
           </p:cNvPr>
@@ -403,7 +404,7 @@
           <p:cNvPr id="3" name="日期占位符 2">
             <a:extLst>
               <a:ext uri="{FF2B5EF4-FFF2-40B4-BE49-F238E27FC236}">
-                <a16:creationId xmlns="" xmlns:a16="http://schemas.microsoft.com/office/drawing/2014/main" id="{241084A9-BC5C-4420-B17C-51E328D45576}"/>
+                <a16:creationId xmlns:a16="http://schemas.microsoft.com/office/drawing/2014/main" xmlns="" id="{241084A9-BC5C-4420-B17C-51E328D45576}"/>
               </a:ext>
             </a:extLst>
           </p:cNvPr>
@@ -433,7 +434,7 @@
           <a:p>
             <a:fld id="{B478E0E4-DC06-4041-AFA7-BB6F527FFA3F}" type="datetimeFigureOut">
               <a:rPr lang="zh-CN" altLang="en-US" smtClean="0"/>
-              <a:t>2020/11/13</a:t>
+              <a:t>2020/11/14</a:t>
             </a:fld>
             <a:endParaRPr lang="zh-CN" altLang="en-US"/>
           </a:p>
@@ -444,7 +445,7 @@
           <p:cNvPr id="4" name="页脚占位符 3">
             <a:extLst>
               <a:ext uri="{FF2B5EF4-FFF2-40B4-BE49-F238E27FC236}">
-                <a16:creationId xmlns="" xmlns:a16="http://schemas.microsoft.com/office/drawing/2014/main" id="{0D6F2124-7B35-4E59-B9E8-DB09EE1408A4}"/>
+                <a16:creationId xmlns:a16="http://schemas.microsoft.com/office/drawing/2014/main" xmlns="" id="{0D6F2124-7B35-4E59-B9E8-DB09EE1408A4}"/>
               </a:ext>
             </a:extLst>
           </p:cNvPr>
@@ -481,7 +482,7 @@
           <p:cNvPr id="5" name="灯片编号占位符 4">
             <a:extLst>
               <a:ext uri="{FF2B5EF4-FFF2-40B4-BE49-F238E27FC236}">
-                <a16:creationId xmlns="" xmlns:a16="http://schemas.microsoft.com/office/drawing/2014/main" id="{F2BF8FFE-D997-4E34-9A01-CD2014B95241}"/>
+                <a16:creationId xmlns:a16="http://schemas.microsoft.com/office/drawing/2014/main" xmlns="" id="{F2BF8FFE-D997-4E34-9A01-CD2014B95241}"/>
               </a:ext>
             </a:extLst>
           </p:cNvPr>
@@ -610,7 +611,7 @@
           <a:p>
             <a:fld id="{E86D8963-CFCD-4740-AF60-049850373CDF}" type="datetimeFigureOut">
               <a:rPr lang="zh-CN" altLang="en-US" smtClean="0"/>
-              <a:t>2020/11/13</a:t>
+              <a:t>2020/11/14</a:t>
             </a:fld>
             <a:endParaRPr lang="zh-CN" altLang="en-US"/>
           </a:p>
@@ -899,7 +900,7 @@
           <p:cNvPr id="2" name="îṩ1ïdê">
             <a:extLst>
               <a:ext uri="{FF2B5EF4-FFF2-40B4-BE49-F238E27FC236}">
-                <a16:creationId xmlns="" xmlns:a16="http://schemas.microsoft.com/office/drawing/2014/main" xmlns:p14="http://schemas.microsoft.com/office/powerpoint/2010/main" id="{B165F2F7-32E4-4AF8-8657-36AC30D78579}"/>
+                <a16:creationId xmlns:p14="http://schemas.microsoft.com/office/powerpoint/2010/main" xmlns:a16="http://schemas.microsoft.com/office/drawing/2014/main" xmlns="" id="{B165F2F7-32E4-4AF8-8657-36AC30D78579}"/>
               </a:ext>
             </a:extLst>
           </p:cNvPr>
@@ -1059,7 +1060,7 @@
           <p:cNvPr id="7" name="组合 6">
             <a:extLst>
               <a:ext uri="{FF2B5EF4-FFF2-40B4-BE49-F238E27FC236}">
-                <a16:creationId xmlns="" xmlns:a16="http://schemas.microsoft.com/office/drawing/2014/main" xmlns:p14="http://schemas.microsoft.com/office/powerpoint/2010/main" id="{3491D0C5-E57C-45B4-AFE5-02F7704CDCF6}"/>
+                <a16:creationId xmlns:p14="http://schemas.microsoft.com/office/powerpoint/2010/main" xmlns:a16="http://schemas.microsoft.com/office/drawing/2014/main" xmlns="" id="{3491D0C5-E57C-45B4-AFE5-02F7704CDCF6}"/>
               </a:ext>
             </a:extLst>
           </p:cNvPr>
@@ -1079,7 +1080,7 @@
             <p:cNvPr id="11" name="ïş1ïḓe">
               <a:extLst>
                 <a:ext uri="{FF2B5EF4-FFF2-40B4-BE49-F238E27FC236}">
-                  <a16:creationId xmlns="" xmlns:a16="http://schemas.microsoft.com/office/drawing/2014/main" xmlns:p14="http://schemas.microsoft.com/office/powerpoint/2010/main" id="{AAEF8C50-AF93-4B64-9F64-BC188B9CC986}"/>
+                  <a16:creationId xmlns:p14="http://schemas.microsoft.com/office/powerpoint/2010/main" xmlns:a16="http://schemas.microsoft.com/office/drawing/2014/main" xmlns="" id="{AAEF8C50-AF93-4B64-9F64-BC188B9CC986}"/>
                 </a:ext>
               </a:extLst>
             </p:cNvPr>
@@ -1163,7 +1164,7 @@
             <p:cNvPr id="14" name="ïş1îḓé">
               <a:extLst>
                 <a:ext uri="{FF2B5EF4-FFF2-40B4-BE49-F238E27FC236}">
-                  <a16:creationId xmlns="" xmlns:a16="http://schemas.microsoft.com/office/drawing/2014/main" xmlns:p14="http://schemas.microsoft.com/office/powerpoint/2010/main" id="{D1034528-61F0-451C-8439-59044CBBC42D}"/>
+                  <a16:creationId xmlns:p14="http://schemas.microsoft.com/office/powerpoint/2010/main" xmlns:a16="http://schemas.microsoft.com/office/drawing/2014/main" xmlns="" id="{D1034528-61F0-451C-8439-59044CBBC42D}"/>
                 </a:ext>
               </a:extLst>
             </p:cNvPr>
@@ -1256,7 +1257,7 @@
             <p:cNvPr id="15" name="íṡ1íḑè">
               <a:extLst>
                 <a:ext uri="{FF2B5EF4-FFF2-40B4-BE49-F238E27FC236}">
-                  <a16:creationId xmlns="" xmlns:a16="http://schemas.microsoft.com/office/drawing/2014/main" xmlns:p14="http://schemas.microsoft.com/office/powerpoint/2010/main" id="{443590D7-CA87-4478-AB6B-8DA2AC5C485A}"/>
+                  <a16:creationId xmlns:p14="http://schemas.microsoft.com/office/powerpoint/2010/main" xmlns:a16="http://schemas.microsoft.com/office/drawing/2014/main" xmlns="" id="{443590D7-CA87-4478-AB6B-8DA2AC5C485A}"/>
                 </a:ext>
               </a:extLst>
             </p:cNvPr>
@@ -1341,7 +1342,7 @@
             <p:cNvPr id="16" name="îṥḻiḍê">
               <a:extLst>
                 <a:ext uri="{FF2B5EF4-FFF2-40B4-BE49-F238E27FC236}">
-                  <a16:creationId xmlns="" xmlns:a16="http://schemas.microsoft.com/office/drawing/2014/main" xmlns:p14="http://schemas.microsoft.com/office/powerpoint/2010/main" id="{FD92C89C-9731-46F9-9B6E-376810BFF18B}"/>
+                  <a16:creationId xmlns:p14="http://schemas.microsoft.com/office/powerpoint/2010/main" xmlns:a16="http://schemas.microsoft.com/office/drawing/2014/main" xmlns="" id="{FD92C89C-9731-46F9-9B6E-376810BFF18B}"/>
                 </a:ext>
               </a:extLst>
             </p:cNvPr>
@@ -1426,7 +1427,7 @@
             <p:cNvPr id="17" name="iṥḷiḑè">
               <a:extLst>
                 <a:ext uri="{FF2B5EF4-FFF2-40B4-BE49-F238E27FC236}">
-                  <a16:creationId xmlns="" xmlns:a16="http://schemas.microsoft.com/office/drawing/2014/main" xmlns:p14="http://schemas.microsoft.com/office/powerpoint/2010/main" id="{A8591A9D-5538-4DEC-B405-54C510558903}"/>
+                  <a16:creationId xmlns:p14="http://schemas.microsoft.com/office/powerpoint/2010/main" xmlns:a16="http://schemas.microsoft.com/office/drawing/2014/main" xmlns="" id="{A8591A9D-5538-4DEC-B405-54C510558903}"/>
                 </a:ext>
               </a:extLst>
             </p:cNvPr>
@@ -1491,7 +1492,7 @@
             <p:cNvPr id="18" name="íṥḻíḑé">
               <a:extLst>
                 <a:ext uri="{FF2B5EF4-FFF2-40B4-BE49-F238E27FC236}">
-                  <a16:creationId xmlns="" xmlns:a16="http://schemas.microsoft.com/office/drawing/2014/main" xmlns:p14="http://schemas.microsoft.com/office/powerpoint/2010/main" id="{FC116EBF-5653-4BA4-837E-95BEB302B1FC}"/>
+                  <a16:creationId xmlns:p14="http://schemas.microsoft.com/office/powerpoint/2010/main" xmlns:a16="http://schemas.microsoft.com/office/drawing/2014/main" xmlns="" id="{FC116EBF-5653-4BA4-837E-95BEB302B1FC}"/>
                 </a:ext>
               </a:extLst>
             </p:cNvPr>
@@ -1556,7 +1557,7 @@
             <p:cNvPr id="19" name="ïsḷiďê">
               <a:extLst>
                 <a:ext uri="{FF2B5EF4-FFF2-40B4-BE49-F238E27FC236}">
-                  <a16:creationId xmlns="" xmlns:a16="http://schemas.microsoft.com/office/drawing/2014/main" xmlns:p14="http://schemas.microsoft.com/office/powerpoint/2010/main" id="{D7181733-982F-4ADC-B787-E92C178D9BE9}"/>
+                  <a16:creationId xmlns:p14="http://schemas.microsoft.com/office/powerpoint/2010/main" xmlns:a16="http://schemas.microsoft.com/office/drawing/2014/main" xmlns="" id="{D7181733-982F-4ADC-B787-E92C178D9BE9}"/>
                 </a:ext>
               </a:extLst>
             </p:cNvPr>
@@ -1651,7 +1652,7 @@
             <p:cNvPr id="20" name="îs1iḓê">
               <a:extLst>
                 <a:ext uri="{FF2B5EF4-FFF2-40B4-BE49-F238E27FC236}">
-                  <a16:creationId xmlns="" xmlns:a16="http://schemas.microsoft.com/office/drawing/2014/main" xmlns:p14="http://schemas.microsoft.com/office/powerpoint/2010/main" id="{75B1573A-D6DA-4E40-B952-FC6A6E899942}"/>
+                  <a16:creationId xmlns:p14="http://schemas.microsoft.com/office/powerpoint/2010/main" xmlns:a16="http://schemas.microsoft.com/office/drawing/2014/main" xmlns="" id="{75B1573A-D6DA-4E40-B952-FC6A6E899942}"/>
                 </a:ext>
               </a:extLst>
             </p:cNvPr>
@@ -1726,7 +1727,7 @@
             <p:cNvPr id="21" name="íṡḻïdé">
               <a:extLst>
                 <a:ext uri="{FF2B5EF4-FFF2-40B4-BE49-F238E27FC236}">
-                  <a16:creationId xmlns="" xmlns:a16="http://schemas.microsoft.com/office/drawing/2014/main" xmlns:p14="http://schemas.microsoft.com/office/powerpoint/2010/main" id="{A3C16CC0-0D98-42C3-ACDA-6C6B1AAA14CB}"/>
+                  <a16:creationId xmlns:p14="http://schemas.microsoft.com/office/powerpoint/2010/main" xmlns:a16="http://schemas.microsoft.com/office/drawing/2014/main" xmlns="" id="{A3C16CC0-0D98-42C3-ACDA-6C6B1AAA14CB}"/>
                 </a:ext>
               </a:extLst>
             </p:cNvPr>
@@ -1801,7 +1802,7 @@
             <p:cNvPr id="22" name="ïṧľiḑè">
               <a:extLst>
                 <a:ext uri="{FF2B5EF4-FFF2-40B4-BE49-F238E27FC236}">
-                  <a16:creationId xmlns="" xmlns:a16="http://schemas.microsoft.com/office/drawing/2014/main" xmlns:p14="http://schemas.microsoft.com/office/powerpoint/2010/main" id="{2EEC5EF2-9731-49D2-8E01-4BAE06CF1807}"/>
+                  <a16:creationId xmlns:p14="http://schemas.microsoft.com/office/powerpoint/2010/main" xmlns:a16="http://schemas.microsoft.com/office/drawing/2014/main" xmlns="" id="{2EEC5EF2-9731-49D2-8E01-4BAE06CF1807}"/>
                 </a:ext>
               </a:extLst>
             </p:cNvPr>
@@ -1876,7 +1877,7 @@
             <p:cNvPr id="23" name="íşľîḋè">
               <a:extLst>
                 <a:ext uri="{FF2B5EF4-FFF2-40B4-BE49-F238E27FC236}">
-                  <a16:creationId xmlns="" xmlns:a16="http://schemas.microsoft.com/office/drawing/2014/main" xmlns:p14="http://schemas.microsoft.com/office/powerpoint/2010/main" id="{07D33D98-ECF4-43C9-8F9B-502B76AA375A}"/>
+                  <a16:creationId xmlns:p14="http://schemas.microsoft.com/office/powerpoint/2010/main" xmlns:a16="http://schemas.microsoft.com/office/drawing/2014/main" xmlns="" id="{07D33D98-ECF4-43C9-8F9B-502B76AA375A}"/>
                 </a:ext>
               </a:extLst>
             </p:cNvPr>
@@ -1941,7 +1942,7 @@
             <p:cNvPr id="24" name="îšḷîḍè">
               <a:extLst>
                 <a:ext uri="{FF2B5EF4-FFF2-40B4-BE49-F238E27FC236}">
-                  <a16:creationId xmlns="" xmlns:a16="http://schemas.microsoft.com/office/drawing/2014/main" xmlns:p14="http://schemas.microsoft.com/office/powerpoint/2010/main" id="{06AFAADD-E47D-403A-8BCE-6B991B488491}"/>
+                  <a16:creationId xmlns:p14="http://schemas.microsoft.com/office/powerpoint/2010/main" xmlns:a16="http://schemas.microsoft.com/office/drawing/2014/main" xmlns="" id="{06AFAADD-E47D-403A-8BCE-6B991B488491}"/>
                 </a:ext>
               </a:extLst>
             </p:cNvPr>
@@ -2006,7 +2007,7 @@
             <p:cNvPr id="25" name="îŝļiḑè">
               <a:extLst>
                 <a:ext uri="{FF2B5EF4-FFF2-40B4-BE49-F238E27FC236}">
-                  <a16:creationId xmlns="" xmlns:a16="http://schemas.microsoft.com/office/drawing/2014/main" xmlns:p14="http://schemas.microsoft.com/office/powerpoint/2010/main" id="{F20679ED-F04B-48C0-86C1-4F4678D0EF44}"/>
+                  <a16:creationId xmlns:p14="http://schemas.microsoft.com/office/powerpoint/2010/main" xmlns:a16="http://schemas.microsoft.com/office/drawing/2014/main" xmlns="" id="{F20679ED-F04B-48C0-86C1-4F4678D0EF44}"/>
                 </a:ext>
               </a:extLst>
             </p:cNvPr>
@@ -2068,7 +2069,7 @@
             <p:cNvPr id="26" name="ïsḻïḓe">
               <a:extLst>
                 <a:ext uri="{FF2B5EF4-FFF2-40B4-BE49-F238E27FC236}">
-                  <a16:creationId xmlns="" xmlns:a16="http://schemas.microsoft.com/office/drawing/2014/main" xmlns:p14="http://schemas.microsoft.com/office/powerpoint/2010/main" id="{178FE26C-EAE2-489E-9818-2AD90604A6E7}"/>
+                  <a16:creationId xmlns:p14="http://schemas.microsoft.com/office/powerpoint/2010/main" xmlns:a16="http://schemas.microsoft.com/office/drawing/2014/main" xmlns="" id="{178FE26C-EAE2-489E-9818-2AD90604A6E7}"/>
                 </a:ext>
               </a:extLst>
             </p:cNvPr>
@@ -2130,7 +2131,7 @@
             <p:cNvPr id="27" name="îṥľíḑê">
               <a:extLst>
                 <a:ext uri="{FF2B5EF4-FFF2-40B4-BE49-F238E27FC236}">
-                  <a16:creationId xmlns="" xmlns:a16="http://schemas.microsoft.com/office/drawing/2014/main" xmlns:p14="http://schemas.microsoft.com/office/powerpoint/2010/main" id="{54C937FE-182B-4B4C-8B56-94274EF8727A}"/>
+                  <a16:creationId xmlns:p14="http://schemas.microsoft.com/office/powerpoint/2010/main" xmlns:a16="http://schemas.microsoft.com/office/drawing/2014/main" xmlns="" id="{54C937FE-182B-4B4C-8B56-94274EF8727A}"/>
                 </a:ext>
               </a:extLst>
             </p:cNvPr>
@@ -2192,7 +2193,7 @@
             <p:cNvPr id="28" name="iṧľíḑe">
               <a:extLst>
                 <a:ext uri="{FF2B5EF4-FFF2-40B4-BE49-F238E27FC236}">
-                  <a16:creationId xmlns="" xmlns:a16="http://schemas.microsoft.com/office/drawing/2014/main" xmlns:p14="http://schemas.microsoft.com/office/powerpoint/2010/main" id="{9EC454E6-4E34-40A0-B134-E27356DF1BD3}"/>
+                  <a16:creationId xmlns:p14="http://schemas.microsoft.com/office/powerpoint/2010/main" xmlns:a16="http://schemas.microsoft.com/office/drawing/2014/main" xmlns="" id="{9EC454E6-4E34-40A0-B134-E27356DF1BD3}"/>
                 </a:ext>
               </a:extLst>
             </p:cNvPr>
@@ -2254,7 +2255,7 @@
             <p:cNvPr id="29" name="íşḻïḑê">
               <a:extLst>
                 <a:ext uri="{FF2B5EF4-FFF2-40B4-BE49-F238E27FC236}">
-                  <a16:creationId xmlns="" xmlns:a16="http://schemas.microsoft.com/office/drawing/2014/main" xmlns:p14="http://schemas.microsoft.com/office/powerpoint/2010/main" id="{F02A9D5E-CFB2-42AA-A5C5-5E5778C6FCBE}"/>
+                  <a16:creationId xmlns:p14="http://schemas.microsoft.com/office/powerpoint/2010/main" xmlns:a16="http://schemas.microsoft.com/office/drawing/2014/main" xmlns="" id="{F02A9D5E-CFB2-42AA-A5C5-5E5778C6FCBE}"/>
                 </a:ext>
               </a:extLst>
             </p:cNvPr>
@@ -2350,7 +2351,7 @@
             <p:cNvPr id="30" name="išḻîḋè">
               <a:extLst>
                 <a:ext uri="{FF2B5EF4-FFF2-40B4-BE49-F238E27FC236}">
-                  <a16:creationId xmlns="" xmlns:a16="http://schemas.microsoft.com/office/drawing/2014/main" xmlns:p14="http://schemas.microsoft.com/office/powerpoint/2010/main" id="{2B76FEBA-B0C4-4066-ABF2-E33CBD44C45F}"/>
+                  <a16:creationId xmlns:p14="http://schemas.microsoft.com/office/powerpoint/2010/main" xmlns:a16="http://schemas.microsoft.com/office/drawing/2014/main" xmlns="" id="{2B76FEBA-B0C4-4066-ABF2-E33CBD44C45F}"/>
                 </a:ext>
               </a:extLst>
             </p:cNvPr>
@@ -2412,7 +2413,7 @@
             <p:cNvPr id="31" name="ïšliḋé">
               <a:extLst>
                 <a:ext uri="{FF2B5EF4-FFF2-40B4-BE49-F238E27FC236}">
-                  <a16:creationId xmlns="" xmlns:a16="http://schemas.microsoft.com/office/drawing/2014/main" xmlns:p14="http://schemas.microsoft.com/office/powerpoint/2010/main" id="{17F7742C-0E9E-453F-BF74-0A1870F594D9}"/>
+                  <a16:creationId xmlns:p14="http://schemas.microsoft.com/office/powerpoint/2010/main" xmlns:a16="http://schemas.microsoft.com/office/drawing/2014/main" xmlns="" id="{17F7742C-0E9E-453F-BF74-0A1870F594D9}"/>
                 </a:ext>
               </a:extLst>
             </p:cNvPr>
@@ -2474,7 +2475,7 @@
             <p:cNvPr id="32" name="íṣlídé">
               <a:extLst>
                 <a:ext uri="{FF2B5EF4-FFF2-40B4-BE49-F238E27FC236}">
-                  <a16:creationId xmlns="" xmlns:a16="http://schemas.microsoft.com/office/drawing/2014/main" xmlns:p14="http://schemas.microsoft.com/office/powerpoint/2010/main" id="{3B98F7CF-64A1-4A5B-B8EC-9178705C9901}"/>
+                  <a16:creationId xmlns:p14="http://schemas.microsoft.com/office/powerpoint/2010/main" xmlns:a16="http://schemas.microsoft.com/office/drawing/2014/main" xmlns="" id="{3B98F7CF-64A1-4A5B-B8EC-9178705C9901}"/>
                 </a:ext>
               </a:extLst>
             </p:cNvPr>
@@ -2536,7 +2537,7 @@
             <p:cNvPr id="33" name="ï$ľïḍé">
               <a:extLst>
                 <a:ext uri="{FF2B5EF4-FFF2-40B4-BE49-F238E27FC236}">
-                  <a16:creationId xmlns="" xmlns:a16="http://schemas.microsoft.com/office/drawing/2014/main" xmlns:p14="http://schemas.microsoft.com/office/powerpoint/2010/main" id="{8EB33BF9-35EF-4068-A574-8FBC5EEAC895}"/>
+                  <a16:creationId xmlns:p14="http://schemas.microsoft.com/office/powerpoint/2010/main" xmlns:a16="http://schemas.microsoft.com/office/drawing/2014/main" xmlns="" id="{8EB33BF9-35EF-4068-A574-8FBC5EEAC895}"/>
                 </a:ext>
               </a:extLst>
             </p:cNvPr>
@@ -2598,7 +2599,7 @@
             <p:cNvPr id="34" name="ï$1îḑé">
               <a:extLst>
                 <a:ext uri="{FF2B5EF4-FFF2-40B4-BE49-F238E27FC236}">
-                  <a16:creationId xmlns="" xmlns:a16="http://schemas.microsoft.com/office/drawing/2014/main" xmlns:p14="http://schemas.microsoft.com/office/powerpoint/2010/main" id="{66235EE7-FC71-4720-94D6-AE9E5A6E3B32}"/>
+                  <a16:creationId xmlns:p14="http://schemas.microsoft.com/office/powerpoint/2010/main" xmlns:a16="http://schemas.microsoft.com/office/drawing/2014/main" xmlns="" id="{66235EE7-FC71-4720-94D6-AE9E5A6E3B32}"/>
                 </a:ext>
               </a:extLst>
             </p:cNvPr>
@@ -2660,7 +2661,7 @@
             <p:cNvPr id="35" name="íşļiḓê">
               <a:extLst>
                 <a:ext uri="{FF2B5EF4-FFF2-40B4-BE49-F238E27FC236}">
-                  <a16:creationId xmlns="" xmlns:a16="http://schemas.microsoft.com/office/drawing/2014/main" xmlns:p14="http://schemas.microsoft.com/office/powerpoint/2010/main" id="{464E50F4-2AD9-4646-95B0-C615F448F8D7}"/>
+                  <a16:creationId xmlns:p14="http://schemas.microsoft.com/office/powerpoint/2010/main" xmlns:a16="http://schemas.microsoft.com/office/drawing/2014/main" xmlns="" id="{464E50F4-2AD9-4646-95B0-C615F448F8D7}"/>
                 </a:ext>
               </a:extLst>
             </p:cNvPr>
@@ -2722,7 +2723,7 @@
             <p:cNvPr id="36" name="iSliḍé">
               <a:extLst>
                 <a:ext uri="{FF2B5EF4-FFF2-40B4-BE49-F238E27FC236}">
-                  <a16:creationId xmlns="" xmlns:a16="http://schemas.microsoft.com/office/drawing/2014/main" xmlns:p14="http://schemas.microsoft.com/office/powerpoint/2010/main" id="{08FD15B7-89FA-4BA0-832E-9B9D9FF852D5}"/>
+                  <a16:creationId xmlns:p14="http://schemas.microsoft.com/office/powerpoint/2010/main" xmlns:a16="http://schemas.microsoft.com/office/drawing/2014/main" xmlns="" id="{08FD15B7-89FA-4BA0-832E-9B9D9FF852D5}"/>
                 </a:ext>
               </a:extLst>
             </p:cNvPr>
@@ -2784,7 +2785,7 @@
             <p:cNvPr id="37" name="îşļïde">
               <a:extLst>
                 <a:ext uri="{FF2B5EF4-FFF2-40B4-BE49-F238E27FC236}">
-                  <a16:creationId xmlns="" xmlns:a16="http://schemas.microsoft.com/office/drawing/2014/main" xmlns:p14="http://schemas.microsoft.com/office/powerpoint/2010/main" id="{4DACA41F-DADA-4149-8933-31488F26C8AD}"/>
+                  <a16:creationId xmlns:p14="http://schemas.microsoft.com/office/powerpoint/2010/main" xmlns:a16="http://schemas.microsoft.com/office/drawing/2014/main" xmlns="" id="{4DACA41F-DADA-4149-8933-31488F26C8AD}"/>
                 </a:ext>
               </a:extLst>
             </p:cNvPr>
@@ -2846,7 +2847,7 @@
             <p:cNvPr id="38" name="ï$ḻídè">
               <a:extLst>
                 <a:ext uri="{FF2B5EF4-FFF2-40B4-BE49-F238E27FC236}">
-                  <a16:creationId xmlns="" xmlns:a16="http://schemas.microsoft.com/office/drawing/2014/main" xmlns:p14="http://schemas.microsoft.com/office/powerpoint/2010/main" id="{C28E4710-C2A1-4505-AD75-E91E319AE73A}"/>
+                  <a16:creationId xmlns:p14="http://schemas.microsoft.com/office/powerpoint/2010/main" xmlns:a16="http://schemas.microsoft.com/office/drawing/2014/main" xmlns="" id="{C28E4710-C2A1-4505-AD75-E91E319AE73A}"/>
                 </a:ext>
               </a:extLst>
             </p:cNvPr>
@@ -2942,7 +2943,7 @@
             <p:cNvPr id="39" name="ísľíḑe">
               <a:extLst>
                 <a:ext uri="{FF2B5EF4-FFF2-40B4-BE49-F238E27FC236}">
-                  <a16:creationId xmlns="" xmlns:a16="http://schemas.microsoft.com/office/drawing/2014/main" xmlns:p14="http://schemas.microsoft.com/office/powerpoint/2010/main" id="{C323CC97-7CC7-4FA5-A665-16F8A2FDB29A}"/>
+                  <a16:creationId xmlns:p14="http://schemas.microsoft.com/office/powerpoint/2010/main" xmlns:a16="http://schemas.microsoft.com/office/drawing/2014/main" xmlns="" id="{C323CC97-7CC7-4FA5-A665-16F8A2FDB29A}"/>
                 </a:ext>
               </a:extLst>
             </p:cNvPr>
@@ -3007,7 +3008,7 @@
             <p:cNvPr id="40" name="íṩlîḑè">
               <a:extLst>
                 <a:ext uri="{FF2B5EF4-FFF2-40B4-BE49-F238E27FC236}">
-                  <a16:creationId xmlns="" xmlns:a16="http://schemas.microsoft.com/office/drawing/2014/main" xmlns:p14="http://schemas.microsoft.com/office/powerpoint/2010/main" id="{26A96D82-53D7-454D-B8F0-08C85B54A508}"/>
+                  <a16:creationId xmlns:p14="http://schemas.microsoft.com/office/powerpoint/2010/main" xmlns:a16="http://schemas.microsoft.com/office/drawing/2014/main" xmlns="" id="{26A96D82-53D7-454D-B8F0-08C85B54A508}"/>
                 </a:ext>
               </a:extLst>
             </p:cNvPr>
@@ -3147,7 +3148,7 @@
             <p:cNvPr id="41" name="iṡḻídê">
               <a:extLst>
                 <a:ext uri="{FF2B5EF4-FFF2-40B4-BE49-F238E27FC236}">
-                  <a16:creationId xmlns="" xmlns:a16="http://schemas.microsoft.com/office/drawing/2014/main" xmlns:p14="http://schemas.microsoft.com/office/powerpoint/2010/main" id="{00A55C22-40A5-4BCE-AB5C-0DBD7B43CF15}"/>
+                  <a16:creationId xmlns:p14="http://schemas.microsoft.com/office/powerpoint/2010/main" xmlns:a16="http://schemas.microsoft.com/office/drawing/2014/main" xmlns="" id="{00A55C22-40A5-4BCE-AB5C-0DBD7B43CF15}"/>
                 </a:ext>
               </a:extLst>
             </p:cNvPr>
@@ -3209,7 +3210,7 @@
             <p:cNvPr id="42" name="íŝḷîḋè">
               <a:extLst>
                 <a:ext uri="{FF2B5EF4-FFF2-40B4-BE49-F238E27FC236}">
-                  <a16:creationId xmlns="" xmlns:a16="http://schemas.microsoft.com/office/drawing/2014/main" xmlns:p14="http://schemas.microsoft.com/office/powerpoint/2010/main" id="{1E7E1B5A-4BA7-4930-AB12-641C32CB9B5D}"/>
+                  <a16:creationId xmlns:p14="http://schemas.microsoft.com/office/powerpoint/2010/main" xmlns:a16="http://schemas.microsoft.com/office/drawing/2014/main" xmlns="" id="{1E7E1B5A-4BA7-4930-AB12-641C32CB9B5D}"/>
                 </a:ext>
               </a:extLst>
             </p:cNvPr>
@@ -3271,7 +3272,7 @@
             <p:cNvPr id="43" name="işliḓè">
               <a:extLst>
                 <a:ext uri="{FF2B5EF4-FFF2-40B4-BE49-F238E27FC236}">
-                  <a16:creationId xmlns="" xmlns:a16="http://schemas.microsoft.com/office/drawing/2014/main" xmlns:p14="http://schemas.microsoft.com/office/powerpoint/2010/main" id="{463C39C0-BA97-46C8-947C-6A6BB4E7C9D1}"/>
+                  <a16:creationId xmlns:p14="http://schemas.microsoft.com/office/powerpoint/2010/main" xmlns:a16="http://schemas.microsoft.com/office/drawing/2014/main" xmlns="" id="{463C39C0-BA97-46C8-947C-6A6BB4E7C9D1}"/>
                 </a:ext>
               </a:extLst>
             </p:cNvPr>
@@ -3333,7 +3334,7 @@
             <p:cNvPr id="44" name="îsḻiḑé">
               <a:extLst>
                 <a:ext uri="{FF2B5EF4-FFF2-40B4-BE49-F238E27FC236}">
-                  <a16:creationId xmlns="" xmlns:a16="http://schemas.microsoft.com/office/drawing/2014/main" xmlns:p14="http://schemas.microsoft.com/office/powerpoint/2010/main" id="{DF04E304-5F07-4415-828B-0989704C8FE6}"/>
+                  <a16:creationId xmlns:p14="http://schemas.microsoft.com/office/powerpoint/2010/main" xmlns:a16="http://schemas.microsoft.com/office/drawing/2014/main" xmlns="" id="{DF04E304-5F07-4415-828B-0989704C8FE6}"/>
                 </a:ext>
               </a:extLst>
             </p:cNvPr>
@@ -3395,7 +3396,7 @@
             <p:cNvPr id="45" name="íṧľiḓê">
               <a:extLst>
                 <a:ext uri="{FF2B5EF4-FFF2-40B4-BE49-F238E27FC236}">
-                  <a16:creationId xmlns="" xmlns:a16="http://schemas.microsoft.com/office/drawing/2014/main" xmlns:p14="http://schemas.microsoft.com/office/powerpoint/2010/main" id="{9DE34A69-BC75-47AD-8DE0-15FDFEF5D179}"/>
+                  <a16:creationId xmlns:p14="http://schemas.microsoft.com/office/powerpoint/2010/main" xmlns:a16="http://schemas.microsoft.com/office/drawing/2014/main" xmlns="" id="{9DE34A69-BC75-47AD-8DE0-15FDFEF5D179}"/>
                 </a:ext>
               </a:extLst>
             </p:cNvPr>
@@ -3457,7 +3458,7 @@
             <p:cNvPr id="46" name="íSlíďé">
               <a:extLst>
                 <a:ext uri="{FF2B5EF4-FFF2-40B4-BE49-F238E27FC236}">
-                  <a16:creationId xmlns="" xmlns:a16="http://schemas.microsoft.com/office/drawing/2014/main" xmlns:p14="http://schemas.microsoft.com/office/powerpoint/2010/main" id="{F19E1891-22A9-4238-9A0E-D54742EB9A67}"/>
+                  <a16:creationId xmlns:p14="http://schemas.microsoft.com/office/powerpoint/2010/main" xmlns:a16="http://schemas.microsoft.com/office/drawing/2014/main" xmlns="" id="{F19E1891-22A9-4238-9A0E-D54742EB9A67}"/>
                 </a:ext>
               </a:extLst>
             </p:cNvPr>
@@ -3519,7 +3520,7 @@
             <p:cNvPr id="47" name="iś1ïdè">
               <a:extLst>
                 <a:ext uri="{FF2B5EF4-FFF2-40B4-BE49-F238E27FC236}">
-                  <a16:creationId xmlns="" xmlns:a16="http://schemas.microsoft.com/office/drawing/2014/main" xmlns:p14="http://schemas.microsoft.com/office/powerpoint/2010/main" id="{26F87FC7-C5C8-4289-A0E2-8F0511BE4D0F}"/>
+                  <a16:creationId xmlns:p14="http://schemas.microsoft.com/office/powerpoint/2010/main" xmlns:a16="http://schemas.microsoft.com/office/drawing/2014/main" xmlns="" id="{26F87FC7-C5C8-4289-A0E2-8F0511BE4D0F}"/>
                 </a:ext>
               </a:extLst>
             </p:cNvPr>
@@ -3581,7 +3582,7 @@
             <p:cNvPr id="48" name="îŝḷïḍé">
               <a:extLst>
                 <a:ext uri="{FF2B5EF4-FFF2-40B4-BE49-F238E27FC236}">
-                  <a16:creationId xmlns="" xmlns:a16="http://schemas.microsoft.com/office/drawing/2014/main" xmlns:p14="http://schemas.microsoft.com/office/powerpoint/2010/main" id="{AF3C94AB-652D-4CCA-BFC8-3BC7A5181E1F}"/>
+                  <a16:creationId xmlns:p14="http://schemas.microsoft.com/office/powerpoint/2010/main" xmlns:a16="http://schemas.microsoft.com/office/drawing/2014/main" xmlns="" id="{AF3C94AB-652D-4CCA-BFC8-3BC7A5181E1F}"/>
                 </a:ext>
               </a:extLst>
             </p:cNvPr>
@@ -3652,7 +3653,7 @@
             <p:cNvPr id="49" name="ïśļïďé">
               <a:extLst>
                 <a:ext uri="{FF2B5EF4-FFF2-40B4-BE49-F238E27FC236}">
-                  <a16:creationId xmlns="" xmlns:a16="http://schemas.microsoft.com/office/drawing/2014/main" xmlns:p14="http://schemas.microsoft.com/office/powerpoint/2010/main" id="{10BC1FCD-F8F1-411F-8B4C-46E128380494}"/>
+                  <a16:creationId xmlns:p14="http://schemas.microsoft.com/office/powerpoint/2010/main" xmlns:a16="http://schemas.microsoft.com/office/drawing/2014/main" xmlns="" id="{10BC1FCD-F8F1-411F-8B4C-46E128380494}"/>
                 </a:ext>
               </a:extLst>
             </p:cNvPr>
@@ -3723,7 +3724,7 @@
             <p:cNvPr id="50" name="íṧḷídè">
               <a:extLst>
                 <a:ext uri="{FF2B5EF4-FFF2-40B4-BE49-F238E27FC236}">
-                  <a16:creationId xmlns="" xmlns:a16="http://schemas.microsoft.com/office/drawing/2014/main" xmlns:p14="http://schemas.microsoft.com/office/powerpoint/2010/main" id="{D6954D73-841B-4674-94DA-57899B5C83FA}"/>
+                  <a16:creationId xmlns:p14="http://schemas.microsoft.com/office/powerpoint/2010/main" xmlns:a16="http://schemas.microsoft.com/office/drawing/2014/main" xmlns="" id="{D6954D73-841B-4674-94DA-57899B5C83FA}"/>
                 </a:ext>
               </a:extLst>
             </p:cNvPr>
@@ -4194,7 +4195,7 @@
           <p:cNvPr id="3" name="组合 2">
             <a:extLst>
               <a:ext uri="{FF2B5EF4-FFF2-40B4-BE49-F238E27FC236}">
-                <a16:creationId xmlns="" xmlns:a16="http://schemas.microsoft.com/office/drawing/2014/main" xmlns:p14="http://schemas.microsoft.com/office/powerpoint/2010/main" id="{C629003E-14DA-4608-82C8-F702B03C8C62}"/>
+                <a16:creationId xmlns:p14="http://schemas.microsoft.com/office/powerpoint/2010/main" xmlns:a16="http://schemas.microsoft.com/office/drawing/2014/main" xmlns="" id="{C629003E-14DA-4608-82C8-F702B03C8C62}"/>
               </a:ext>
             </a:extLst>
           </p:cNvPr>
@@ -4220,7 +4221,7 @@
             <p:cNvPr id="34" name="iSliḓê">
               <a:extLst>
                 <a:ext uri="{FF2B5EF4-FFF2-40B4-BE49-F238E27FC236}">
-                  <a16:creationId xmlns="" xmlns:a16="http://schemas.microsoft.com/office/drawing/2014/main" xmlns:p14="http://schemas.microsoft.com/office/powerpoint/2010/main" id="{80A47D5A-673E-4EDC-8FB1-C2A2486C802A}"/>
+                  <a16:creationId xmlns:p14="http://schemas.microsoft.com/office/powerpoint/2010/main" xmlns:a16="http://schemas.microsoft.com/office/drawing/2014/main" xmlns="" id="{80A47D5A-673E-4EDC-8FB1-C2A2486C802A}"/>
                 </a:ext>
               </a:extLst>
             </p:cNvPr>
@@ -4358,7 +4359,7 @@
             <p:cNvPr id="38" name="ïṣlîḓê">
               <a:extLst>
                 <a:ext uri="{FF2B5EF4-FFF2-40B4-BE49-F238E27FC236}">
-                  <a16:creationId xmlns="" xmlns:a16="http://schemas.microsoft.com/office/drawing/2014/main" xmlns:p14="http://schemas.microsoft.com/office/powerpoint/2010/main" id="{DCD89878-3878-44CD-816E-D1DB497D642B}"/>
+                  <a16:creationId xmlns:p14="http://schemas.microsoft.com/office/powerpoint/2010/main" xmlns:a16="http://schemas.microsoft.com/office/drawing/2014/main" xmlns="" id="{DCD89878-3878-44CD-816E-D1DB497D642B}"/>
                 </a:ext>
               </a:extLst>
             </p:cNvPr>
@@ -4424,7 +4425,7 @@
             <p:cNvPr id="39" name="îṧḻiďê">
               <a:extLst>
                 <a:ext uri="{FF2B5EF4-FFF2-40B4-BE49-F238E27FC236}">
-                  <a16:creationId xmlns="" xmlns:a16="http://schemas.microsoft.com/office/drawing/2014/main" xmlns:p14="http://schemas.microsoft.com/office/powerpoint/2010/main" id="{927A350C-74E8-4289-AD50-D152B2F20760}"/>
+                  <a16:creationId xmlns:p14="http://schemas.microsoft.com/office/powerpoint/2010/main" xmlns:a16="http://schemas.microsoft.com/office/drawing/2014/main" xmlns="" id="{927A350C-74E8-4289-AD50-D152B2F20760}"/>
                 </a:ext>
               </a:extLst>
             </p:cNvPr>
@@ -4490,7 +4491,7 @@
             <p:cNvPr id="40" name="îsļiďé">
               <a:extLst>
                 <a:ext uri="{FF2B5EF4-FFF2-40B4-BE49-F238E27FC236}">
-                  <a16:creationId xmlns="" xmlns:a16="http://schemas.microsoft.com/office/drawing/2014/main" xmlns:p14="http://schemas.microsoft.com/office/powerpoint/2010/main" id="{FA1565F5-351B-46F7-94BA-8DE2B624E1D4}"/>
+                  <a16:creationId xmlns:p14="http://schemas.microsoft.com/office/powerpoint/2010/main" xmlns:a16="http://schemas.microsoft.com/office/drawing/2014/main" xmlns="" id="{FA1565F5-351B-46F7-94BA-8DE2B624E1D4}"/>
                 </a:ext>
               </a:extLst>
             </p:cNvPr>
@@ -4556,7 +4557,7 @@
             <p:cNvPr id="41" name="ísľîḑê">
               <a:extLst>
                 <a:ext uri="{FF2B5EF4-FFF2-40B4-BE49-F238E27FC236}">
-                  <a16:creationId xmlns="" xmlns:a16="http://schemas.microsoft.com/office/drawing/2014/main" xmlns:p14="http://schemas.microsoft.com/office/powerpoint/2010/main" id="{F46A0CCC-6110-407E-8E6D-A1E655B7B10A}"/>
+                  <a16:creationId xmlns:p14="http://schemas.microsoft.com/office/powerpoint/2010/main" xmlns:a16="http://schemas.microsoft.com/office/drawing/2014/main" xmlns="" id="{F46A0CCC-6110-407E-8E6D-A1E655B7B10A}"/>
                 </a:ext>
               </a:extLst>
             </p:cNvPr>
@@ -4622,7 +4623,7 @@
             <p:cNvPr id="42" name="iṥlïďé">
               <a:extLst>
                 <a:ext uri="{FF2B5EF4-FFF2-40B4-BE49-F238E27FC236}">
-                  <a16:creationId xmlns="" xmlns:a16="http://schemas.microsoft.com/office/drawing/2014/main" xmlns:p14="http://schemas.microsoft.com/office/powerpoint/2010/main" id="{D83D0A40-C194-4C9B-8119-3AA087712412}"/>
+                  <a16:creationId xmlns:p14="http://schemas.microsoft.com/office/powerpoint/2010/main" xmlns:a16="http://schemas.microsoft.com/office/drawing/2014/main" xmlns="" id="{D83D0A40-C194-4C9B-8119-3AA087712412}"/>
                 </a:ext>
               </a:extLst>
             </p:cNvPr>
@@ -4693,7 +4694,7 @@
             <p:cNvPr id="43" name="îşḷiḍè">
               <a:extLst>
                 <a:ext uri="{FF2B5EF4-FFF2-40B4-BE49-F238E27FC236}">
-                  <a16:creationId xmlns="" xmlns:a16="http://schemas.microsoft.com/office/drawing/2014/main" xmlns:p14="http://schemas.microsoft.com/office/powerpoint/2010/main" id="{DE854E02-9D47-4D10-A040-E952102AC62D}"/>
+                  <a16:creationId xmlns:p14="http://schemas.microsoft.com/office/powerpoint/2010/main" xmlns:a16="http://schemas.microsoft.com/office/drawing/2014/main" xmlns="" id="{DE854E02-9D47-4D10-A040-E952102AC62D}"/>
                 </a:ext>
               </a:extLst>
             </p:cNvPr>
@@ -4795,7 +4796,7 @@
           <p:cNvPr id="3" name="日期占位符 2">
             <a:extLst>
               <a:ext uri="{FF2B5EF4-FFF2-40B4-BE49-F238E27FC236}">
-                <a16:creationId xmlns="" xmlns:a16="http://schemas.microsoft.com/office/drawing/2014/main" xmlns:p14="http://schemas.microsoft.com/office/powerpoint/2010/main" id="{9888B6D7-9D3F-49D7-BACE-73A9D1149A74}"/>
+                <a16:creationId xmlns:p14="http://schemas.microsoft.com/office/powerpoint/2010/main" xmlns:a16="http://schemas.microsoft.com/office/drawing/2014/main" xmlns="" id="{9888B6D7-9D3F-49D7-BACE-73A9D1149A74}"/>
               </a:ext>
             </a:extLst>
           </p:cNvPr>
@@ -4820,7 +4821,7 @@
           <p:cNvPr id="4" name="页脚占位符 3">
             <a:extLst>
               <a:ext uri="{FF2B5EF4-FFF2-40B4-BE49-F238E27FC236}">
-                <a16:creationId xmlns="" xmlns:a16="http://schemas.microsoft.com/office/drawing/2014/main" xmlns:p14="http://schemas.microsoft.com/office/powerpoint/2010/main" id="{7AC997A4-1DD8-4731-B9FD-42398A20FF85}"/>
+                <a16:creationId xmlns:p14="http://schemas.microsoft.com/office/powerpoint/2010/main" xmlns:a16="http://schemas.microsoft.com/office/drawing/2014/main" xmlns="" id="{7AC997A4-1DD8-4731-B9FD-42398A20FF85}"/>
               </a:ext>
             </a:extLst>
           </p:cNvPr>
@@ -4857,7 +4858,7 @@
           <p:cNvPr id="5" name="灯片编号占位符 4">
             <a:extLst>
               <a:ext uri="{FF2B5EF4-FFF2-40B4-BE49-F238E27FC236}">
-                <a16:creationId xmlns="" xmlns:a16="http://schemas.microsoft.com/office/drawing/2014/main" xmlns:p14="http://schemas.microsoft.com/office/powerpoint/2010/main" id="{DBA9825E-1876-42AD-ABCF-E0E100F351CA}"/>
+                <a16:creationId xmlns:p14="http://schemas.microsoft.com/office/powerpoint/2010/main" xmlns:a16="http://schemas.microsoft.com/office/drawing/2014/main" xmlns="" id="{DBA9825E-1876-42AD-ABCF-E0E100F351CA}"/>
               </a:ext>
             </a:extLst>
           </p:cNvPr>
@@ -4887,7 +4888,7 @@
           <p:cNvPr id="6" name="标题 5">
             <a:extLst>
               <a:ext uri="{FF2B5EF4-FFF2-40B4-BE49-F238E27FC236}">
-                <a16:creationId xmlns="" xmlns:a16="http://schemas.microsoft.com/office/drawing/2014/main" xmlns:p14="http://schemas.microsoft.com/office/powerpoint/2010/main" id="{D124F9DB-C87A-423F-9657-38C7A2901430}"/>
+                <a16:creationId xmlns:p14="http://schemas.microsoft.com/office/powerpoint/2010/main" xmlns:a16="http://schemas.microsoft.com/office/drawing/2014/main" xmlns="" id="{D124F9DB-C87A-423F-9657-38C7A2901430}"/>
               </a:ext>
             </a:extLst>
           </p:cNvPr>
@@ -4920,7 +4921,7 @@
           <p:cNvPr id="8" name="内容占位符 7">
             <a:extLst>
               <a:ext uri="{FF2B5EF4-FFF2-40B4-BE49-F238E27FC236}">
-                <a16:creationId xmlns="" xmlns:a16="http://schemas.microsoft.com/office/drawing/2014/main" xmlns:p14="http://schemas.microsoft.com/office/powerpoint/2010/main" id="{2070191C-4093-409C-8FD5-7369A79637AD}"/>
+                <a16:creationId xmlns:p14="http://schemas.microsoft.com/office/powerpoint/2010/main" xmlns:a16="http://schemas.microsoft.com/office/drawing/2014/main" xmlns="" id="{2070191C-4093-409C-8FD5-7369A79637AD}"/>
               </a:ext>
             </a:extLst>
           </p:cNvPr>
@@ -5029,7 +5030,7 @@
           <p:cNvPr id="2" name="标题 1">
             <a:extLst>
               <a:ext uri="{FF2B5EF4-FFF2-40B4-BE49-F238E27FC236}">
-                <a16:creationId xmlns:a16="http://schemas.microsoft.com/office/drawing/2014/main" xmlns:p14="http://schemas.microsoft.com/office/powerpoint/2010/main" xmlns="" id="{F21C7A1C-3684-4AAF-A408-C63B6CB64104}"/>
+                <a16:creationId xmlns="" xmlns:p14="http://schemas.microsoft.com/office/powerpoint/2010/main" xmlns:a16="http://schemas.microsoft.com/office/drawing/2014/main" id="{F21C7A1C-3684-4AAF-A408-C63B6CB64104}"/>
               </a:ext>
             </a:extLst>
           </p:cNvPr>
@@ -5062,7 +5063,7 @@
           <p:cNvPr id="3" name="日期占位符 2">
             <a:extLst>
               <a:ext uri="{FF2B5EF4-FFF2-40B4-BE49-F238E27FC236}">
-                <a16:creationId xmlns:a16="http://schemas.microsoft.com/office/drawing/2014/main" xmlns:p14="http://schemas.microsoft.com/office/powerpoint/2010/main" xmlns="" id="{8986EA5F-D77D-4318-90E9-C04AA8ADC0D1}"/>
+                <a16:creationId xmlns="" xmlns:p14="http://schemas.microsoft.com/office/powerpoint/2010/main" xmlns:a16="http://schemas.microsoft.com/office/drawing/2014/main" id="{8986EA5F-D77D-4318-90E9-C04AA8ADC0D1}"/>
               </a:ext>
             </a:extLst>
           </p:cNvPr>
@@ -5087,7 +5088,7 @@
           <p:cNvPr id="4" name="页脚占位符 3">
             <a:extLst>
               <a:ext uri="{FF2B5EF4-FFF2-40B4-BE49-F238E27FC236}">
-                <a16:creationId xmlns:a16="http://schemas.microsoft.com/office/drawing/2014/main" xmlns:p14="http://schemas.microsoft.com/office/powerpoint/2010/main" xmlns="" id="{00832621-D9D9-445E-BFF9-F8348FA1E262}"/>
+                <a16:creationId xmlns="" xmlns:p14="http://schemas.microsoft.com/office/powerpoint/2010/main" xmlns:a16="http://schemas.microsoft.com/office/drawing/2014/main" id="{00832621-D9D9-445E-BFF9-F8348FA1E262}"/>
               </a:ext>
             </a:extLst>
           </p:cNvPr>
@@ -5124,7 +5125,7 @@
           <p:cNvPr id="5" name="灯片编号占位符 4">
             <a:extLst>
               <a:ext uri="{FF2B5EF4-FFF2-40B4-BE49-F238E27FC236}">
-                <a16:creationId xmlns:a16="http://schemas.microsoft.com/office/drawing/2014/main" xmlns:p14="http://schemas.microsoft.com/office/powerpoint/2010/main" xmlns="" id="{8371151B-F790-4A9F-962F-B8718A9560A9}"/>
+                <a16:creationId xmlns="" xmlns:p14="http://schemas.microsoft.com/office/powerpoint/2010/main" xmlns:a16="http://schemas.microsoft.com/office/drawing/2014/main" id="{8371151B-F790-4A9F-962F-B8718A9560A9}"/>
               </a:ext>
             </a:extLst>
           </p:cNvPr>
@@ -5320,7 +5321,7 @@
           <p:cNvPr id="6" name="文本占位符 5">
             <a:extLst>
               <a:ext uri="{FF2B5EF4-FFF2-40B4-BE49-F238E27FC236}">
-                <a16:creationId xmlns="" xmlns:a16="http://schemas.microsoft.com/office/drawing/2014/main" xmlns:p14="http://schemas.microsoft.com/office/powerpoint/2010/main" id="{05EBDA4F-7210-4CAE-8333-80DB24212E78}"/>
+                <a16:creationId xmlns:p14="http://schemas.microsoft.com/office/powerpoint/2010/main" xmlns:a16="http://schemas.microsoft.com/office/drawing/2014/main" xmlns="" id="{05EBDA4F-7210-4CAE-8333-80DB24212E78}"/>
               </a:ext>
             </a:extLst>
           </p:cNvPr>
@@ -5381,7 +5382,7 @@
           <p:cNvPr id="7" name="组合 6">
             <a:extLst>
               <a:ext uri="{FF2B5EF4-FFF2-40B4-BE49-F238E27FC236}">
-                <a16:creationId xmlns="" xmlns:a16="http://schemas.microsoft.com/office/drawing/2014/main" xmlns:p14="http://schemas.microsoft.com/office/powerpoint/2010/main" id="{5B77603F-656A-4E2F-9228-E30568A2F1D6}"/>
+                <a16:creationId xmlns:p14="http://schemas.microsoft.com/office/powerpoint/2010/main" xmlns:a16="http://schemas.microsoft.com/office/drawing/2014/main" xmlns="" id="{5B77603F-656A-4E2F-9228-E30568A2F1D6}"/>
               </a:ext>
             </a:extLst>
           </p:cNvPr>
@@ -5401,7 +5402,7 @@
             <p:cNvPr id="8" name="îSḻïḍè">
               <a:extLst>
                 <a:ext uri="{FF2B5EF4-FFF2-40B4-BE49-F238E27FC236}">
-                  <a16:creationId xmlns="" xmlns:a16="http://schemas.microsoft.com/office/drawing/2014/main" xmlns:p14="http://schemas.microsoft.com/office/powerpoint/2010/main" id="{61BDFEB9-90AA-43E9-A12B-EFFF9287F99D}"/>
+                  <a16:creationId xmlns:p14="http://schemas.microsoft.com/office/powerpoint/2010/main" xmlns:a16="http://schemas.microsoft.com/office/drawing/2014/main" xmlns="" id="{61BDFEB9-90AA-43E9-A12B-EFFF9287F99D}"/>
                 </a:ext>
               </a:extLst>
             </p:cNvPr>
@@ -5485,7 +5486,7 @@
             <p:cNvPr id="9" name="iṧ1îďè">
               <a:extLst>
                 <a:ext uri="{FF2B5EF4-FFF2-40B4-BE49-F238E27FC236}">
-                  <a16:creationId xmlns="" xmlns:a16="http://schemas.microsoft.com/office/drawing/2014/main" xmlns:p14="http://schemas.microsoft.com/office/powerpoint/2010/main" id="{D6E33435-E28A-463E-9EC6-4FEF1432AC96}"/>
+                  <a16:creationId xmlns:p14="http://schemas.microsoft.com/office/powerpoint/2010/main" xmlns:a16="http://schemas.microsoft.com/office/drawing/2014/main" xmlns="" id="{D6E33435-E28A-463E-9EC6-4FEF1432AC96}"/>
                 </a:ext>
               </a:extLst>
             </p:cNvPr>
@@ -5578,7 +5579,7 @@
             <p:cNvPr id="10" name="íŝ1îḑê">
               <a:extLst>
                 <a:ext uri="{FF2B5EF4-FFF2-40B4-BE49-F238E27FC236}">
-                  <a16:creationId xmlns="" xmlns:a16="http://schemas.microsoft.com/office/drawing/2014/main" xmlns:p14="http://schemas.microsoft.com/office/powerpoint/2010/main" id="{9304A826-F780-4CF2-AEA1-5EB7122B87CE}"/>
+                  <a16:creationId xmlns:p14="http://schemas.microsoft.com/office/powerpoint/2010/main" xmlns:a16="http://schemas.microsoft.com/office/drawing/2014/main" xmlns="" id="{9304A826-F780-4CF2-AEA1-5EB7122B87CE}"/>
                 </a:ext>
               </a:extLst>
             </p:cNvPr>
@@ -5663,7 +5664,7 @@
             <p:cNvPr id="11" name="îṩľîḋè">
               <a:extLst>
                 <a:ext uri="{FF2B5EF4-FFF2-40B4-BE49-F238E27FC236}">
-                  <a16:creationId xmlns="" xmlns:a16="http://schemas.microsoft.com/office/drawing/2014/main" xmlns:p14="http://schemas.microsoft.com/office/powerpoint/2010/main" id="{276A2E36-748D-419C-9EE2-5DF2A51BE0C6}"/>
+                  <a16:creationId xmlns:p14="http://schemas.microsoft.com/office/powerpoint/2010/main" xmlns:a16="http://schemas.microsoft.com/office/drawing/2014/main" xmlns="" id="{276A2E36-748D-419C-9EE2-5DF2A51BE0C6}"/>
                 </a:ext>
               </a:extLst>
             </p:cNvPr>
@@ -5748,7 +5749,7 @@
             <p:cNvPr id="12" name="íṡ1ïḓe">
               <a:extLst>
                 <a:ext uri="{FF2B5EF4-FFF2-40B4-BE49-F238E27FC236}">
-                  <a16:creationId xmlns="" xmlns:a16="http://schemas.microsoft.com/office/drawing/2014/main" xmlns:p14="http://schemas.microsoft.com/office/powerpoint/2010/main" id="{20A4A09F-DE16-4168-819D-7F31D973EC1A}"/>
+                  <a16:creationId xmlns:p14="http://schemas.microsoft.com/office/powerpoint/2010/main" xmlns:a16="http://schemas.microsoft.com/office/drawing/2014/main" xmlns="" id="{20A4A09F-DE16-4168-819D-7F31D973EC1A}"/>
                 </a:ext>
               </a:extLst>
             </p:cNvPr>
@@ -5813,7 +5814,7 @@
             <p:cNvPr id="14" name="ïŝlîḍê">
               <a:extLst>
                 <a:ext uri="{FF2B5EF4-FFF2-40B4-BE49-F238E27FC236}">
-                  <a16:creationId xmlns="" xmlns:a16="http://schemas.microsoft.com/office/drawing/2014/main" xmlns:p14="http://schemas.microsoft.com/office/powerpoint/2010/main" id="{F8657E4E-B533-4A5A-9F5F-E5BE8ACB5AD2}"/>
+                  <a16:creationId xmlns:p14="http://schemas.microsoft.com/office/powerpoint/2010/main" xmlns:a16="http://schemas.microsoft.com/office/drawing/2014/main" xmlns="" id="{F8657E4E-B533-4A5A-9F5F-E5BE8ACB5AD2}"/>
                 </a:ext>
               </a:extLst>
             </p:cNvPr>
@@ -5878,7 +5879,7 @@
             <p:cNvPr id="16" name="íṧlîḓé">
               <a:extLst>
                 <a:ext uri="{FF2B5EF4-FFF2-40B4-BE49-F238E27FC236}">
-                  <a16:creationId xmlns="" xmlns:a16="http://schemas.microsoft.com/office/drawing/2014/main" xmlns:p14="http://schemas.microsoft.com/office/powerpoint/2010/main" id="{FD71861F-C75F-4733-AFC9-3907B077276A}"/>
+                  <a16:creationId xmlns:p14="http://schemas.microsoft.com/office/powerpoint/2010/main" xmlns:a16="http://schemas.microsoft.com/office/drawing/2014/main" xmlns="" id="{FD71861F-C75F-4733-AFC9-3907B077276A}"/>
                 </a:ext>
               </a:extLst>
             </p:cNvPr>
@@ -5973,7 +5974,7 @@
             <p:cNvPr id="17" name="îṡľiḑè">
               <a:extLst>
                 <a:ext uri="{FF2B5EF4-FFF2-40B4-BE49-F238E27FC236}">
-                  <a16:creationId xmlns="" xmlns:a16="http://schemas.microsoft.com/office/drawing/2014/main" xmlns:p14="http://schemas.microsoft.com/office/powerpoint/2010/main" id="{C5F246DD-0425-467A-8E23-DF1922ED4240}"/>
+                  <a16:creationId xmlns:p14="http://schemas.microsoft.com/office/powerpoint/2010/main" xmlns:a16="http://schemas.microsoft.com/office/drawing/2014/main" xmlns="" id="{C5F246DD-0425-467A-8E23-DF1922ED4240}"/>
                 </a:ext>
               </a:extLst>
             </p:cNvPr>
@@ -6048,7 +6049,7 @@
             <p:cNvPr id="18" name="íš1ïḑé">
               <a:extLst>
                 <a:ext uri="{FF2B5EF4-FFF2-40B4-BE49-F238E27FC236}">
-                  <a16:creationId xmlns="" xmlns:a16="http://schemas.microsoft.com/office/drawing/2014/main" xmlns:p14="http://schemas.microsoft.com/office/powerpoint/2010/main" id="{EB196468-BCAE-4BF5-B491-B37AF459C2E0}"/>
+                  <a16:creationId xmlns:p14="http://schemas.microsoft.com/office/powerpoint/2010/main" xmlns:a16="http://schemas.microsoft.com/office/drawing/2014/main" xmlns="" id="{EB196468-BCAE-4BF5-B491-B37AF459C2E0}"/>
                 </a:ext>
               </a:extLst>
             </p:cNvPr>
@@ -6123,7 +6124,7 @@
             <p:cNvPr id="19" name="ïṧḷîḍe">
               <a:extLst>
                 <a:ext uri="{FF2B5EF4-FFF2-40B4-BE49-F238E27FC236}">
-                  <a16:creationId xmlns="" xmlns:a16="http://schemas.microsoft.com/office/drawing/2014/main" xmlns:p14="http://schemas.microsoft.com/office/powerpoint/2010/main" id="{9A980BB4-0B9C-4CE7-B965-86D1DCCFF04C}"/>
+                  <a16:creationId xmlns:p14="http://schemas.microsoft.com/office/powerpoint/2010/main" xmlns:a16="http://schemas.microsoft.com/office/drawing/2014/main" xmlns="" id="{9A980BB4-0B9C-4CE7-B965-86D1DCCFF04C}"/>
                 </a:ext>
               </a:extLst>
             </p:cNvPr>
@@ -6198,7 +6199,7 @@
             <p:cNvPr id="20" name="iṡḻïḑe">
               <a:extLst>
                 <a:ext uri="{FF2B5EF4-FFF2-40B4-BE49-F238E27FC236}">
-                  <a16:creationId xmlns="" xmlns:a16="http://schemas.microsoft.com/office/drawing/2014/main" xmlns:p14="http://schemas.microsoft.com/office/powerpoint/2010/main" id="{D932A797-F983-471B-BFA8-F7F77258FAF6}"/>
+                  <a16:creationId xmlns:p14="http://schemas.microsoft.com/office/powerpoint/2010/main" xmlns:a16="http://schemas.microsoft.com/office/drawing/2014/main" xmlns="" id="{D932A797-F983-471B-BFA8-F7F77258FAF6}"/>
                 </a:ext>
               </a:extLst>
             </p:cNvPr>
@@ -6263,7 +6264,7 @@
             <p:cNvPr id="21" name="iṣliḋê">
               <a:extLst>
                 <a:ext uri="{FF2B5EF4-FFF2-40B4-BE49-F238E27FC236}">
-                  <a16:creationId xmlns="" xmlns:a16="http://schemas.microsoft.com/office/drawing/2014/main" xmlns:p14="http://schemas.microsoft.com/office/powerpoint/2010/main" id="{14E4C1FF-2C4A-414E-B7C1-76FC09803579}"/>
+                  <a16:creationId xmlns:p14="http://schemas.microsoft.com/office/powerpoint/2010/main" xmlns:a16="http://schemas.microsoft.com/office/drawing/2014/main" xmlns="" id="{14E4C1FF-2C4A-414E-B7C1-76FC09803579}"/>
                 </a:ext>
               </a:extLst>
             </p:cNvPr>
@@ -6328,7 +6329,7 @@
             <p:cNvPr id="22" name="îsḷïdê">
               <a:extLst>
                 <a:ext uri="{FF2B5EF4-FFF2-40B4-BE49-F238E27FC236}">
-                  <a16:creationId xmlns="" xmlns:a16="http://schemas.microsoft.com/office/drawing/2014/main" xmlns:p14="http://schemas.microsoft.com/office/powerpoint/2010/main" id="{22AC134A-B7EA-4D73-BF21-DE75251C3AB3}"/>
+                  <a16:creationId xmlns:p14="http://schemas.microsoft.com/office/powerpoint/2010/main" xmlns:a16="http://schemas.microsoft.com/office/drawing/2014/main" xmlns="" id="{22AC134A-B7EA-4D73-BF21-DE75251C3AB3}"/>
                 </a:ext>
               </a:extLst>
             </p:cNvPr>
@@ -6390,7 +6391,7 @@
             <p:cNvPr id="23" name="i$ḻïḍê">
               <a:extLst>
                 <a:ext uri="{FF2B5EF4-FFF2-40B4-BE49-F238E27FC236}">
-                  <a16:creationId xmlns="" xmlns:a16="http://schemas.microsoft.com/office/drawing/2014/main" xmlns:p14="http://schemas.microsoft.com/office/powerpoint/2010/main" id="{B2525ADC-09FA-43DB-8CDF-85CDAC67D7D6}"/>
+                  <a16:creationId xmlns:p14="http://schemas.microsoft.com/office/powerpoint/2010/main" xmlns:a16="http://schemas.microsoft.com/office/drawing/2014/main" xmlns="" id="{B2525ADC-09FA-43DB-8CDF-85CDAC67D7D6}"/>
                 </a:ext>
               </a:extLst>
             </p:cNvPr>
@@ -6452,7 +6453,7 @@
             <p:cNvPr id="24" name="iş1îďé">
               <a:extLst>
                 <a:ext uri="{FF2B5EF4-FFF2-40B4-BE49-F238E27FC236}">
-                  <a16:creationId xmlns="" xmlns:a16="http://schemas.microsoft.com/office/drawing/2014/main" xmlns:p14="http://schemas.microsoft.com/office/powerpoint/2010/main" id="{5797D739-E4EF-4020-8521-6BC146B06A4D}"/>
+                  <a16:creationId xmlns:p14="http://schemas.microsoft.com/office/powerpoint/2010/main" xmlns:a16="http://schemas.microsoft.com/office/drawing/2014/main" xmlns="" id="{5797D739-E4EF-4020-8521-6BC146B06A4D}"/>
                 </a:ext>
               </a:extLst>
             </p:cNvPr>
@@ -6514,7 +6515,7 @@
             <p:cNvPr id="25" name="iṧľiḍè">
               <a:extLst>
                 <a:ext uri="{FF2B5EF4-FFF2-40B4-BE49-F238E27FC236}">
-                  <a16:creationId xmlns="" xmlns:a16="http://schemas.microsoft.com/office/drawing/2014/main" xmlns:p14="http://schemas.microsoft.com/office/powerpoint/2010/main" id="{420139AB-8C14-45D0-B524-2B38E2B5CC4C}"/>
+                  <a16:creationId xmlns:p14="http://schemas.microsoft.com/office/powerpoint/2010/main" xmlns:a16="http://schemas.microsoft.com/office/drawing/2014/main" xmlns="" id="{420139AB-8C14-45D0-B524-2B38E2B5CC4C}"/>
                 </a:ext>
               </a:extLst>
             </p:cNvPr>
@@ -6576,7 +6577,7 @@
             <p:cNvPr id="26" name="îŝḷiďê">
               <a:extLst>
                 <a:ext uri="{FF2B5EF4-FFF2-40B4-BE49-F238E27FC236}">
-                  <a16:creationId xmlns="" xmlns:a16="http://schemas.microsoft.com/office/drawing/2014/main" xmlns:p14="http://schemas.microsoft.com/office/powerpoint/2010/main" id="{C2086326-1FF1-4885-9F22-89D180415FAD}"/>
+                  <a16:creationId xmlns:p14="http://schemas.microsoft.com/office/powerpoint/2010/main" xmlns:a16="http://schemas.microsoft.com/office/drawing/2014/main" xmlns="" id="{C2086326-1FF1-4885-9F22-89D180415FAD}"/>
                 </a:ext>
               </a:extLst>
             </p:cNvPr>
@@ -6672,7 +6673,7 @@
             <p:cNvPr id="27" name="ï$ḷiḍé">
               <a:extLst>
                 <a:ext uri="{FF2B5EF4-FFF2-40B4-BE49-F238E27FC236}">
-                  <a16:creationId xmlns="" xmlns:a16="http://schemas.microsoft.com/office/drawing/2014/main" xmlns:p14="http://schemas.microsoft.com/office/powerpoint/2010/main" id="{6DB36021-5313-40A9-920B-CBDED876EF45}"/>
+                  <a16:creationId xmlns:p14="http://schemas.microsoft.com/office/powerpoint/2010/main" xmlns:a16="http://schemas.microsoft.com/office/drawing/2014/main" xmlns="" id="{6DB36021-5313-40A9-920B-CBDED876EF45}"/>
                 </a:ext>
               </a:extLst>
             </p:cNvPr>
@@ -6734,7 +6735,7 @@
             <p:cNvPr id="28" name="ïşḷïḍe">
               <a:extLst>
                 <a:ext uri="{FF2B5EF4-FFF2-40B4-BE49-F238E27FC236}">
-                  <a16:creationId xmlns="" xmlns:a16="http://schemas.microsoft.com/office/drawing/2014/main" xmlns:p14="http://schemas.microsoft.com/office/powerpoint/2010/main" id="{6E199C5B-BAA8-49E4-BEB5-B476BF8BC2B1}"/>
+                  <a16:creationId xmlns:p14="http://schemas.microsoft.com/office/powerpoint/2010/main" xmlns:a16="http://schemas.microsoft.com/office/drawing/2014/main" xmlns="" id="{6E199C5B-BAA8-49E4-BEB5-B476BF8BC2B1}"/>
                 </a:ext>
               </a:extLst>
             </p:cNvPr>
@@ -6796,7 +6797,7 @@
             <p:cNvPr id="29" name="i$ḻïďé">
               <a:extLst>
                 <a:ext uri="{FF2B5EF4-FFF2-40B4-BE49-F238E27FC236}">
-                  <a16:creationId xmlns="" xmlns:a16="http://schemas.microsoft.com/office/drawing/2014/main" xmlns:p14="http://schemas.microsoft.com/office/powerpoint/2010/main" id="{6D1C2096-6C60-4112-830E-BF0A8DBC9AFC}"/>
+                  <a16:creationId xmlns:p14="http://schemas.microsoft.com/office/powerpoint/2010/main" xmlns:a16="http://schemas.microsoft.com/office/drawing/2014/main" xmlns="" id="{6D1C2096-6C60-4112-830E-BF0A8DBC9AFC}"/>
                 </a:ext>
               </a:extLst>
             </p:cNvPr>
@@ -6858,7 +6859,7 @@
             <p:cNvPr id="30" name="iṩḷîďè">
               <a:extLst>
                 <a:ext uri="{FF2B5EF4-FFF2-40B4-BE49-F238E27FC236}">
-                  <a16:creationId xmlns="" xmlns:a16="http://schemas.microsoft.com/office/drawing/2014/main" xmlns:p14="http://schemas.microsoft.com/office/powerpoint/2010/main" id="{8E2F55A0-1F8B-4DF8-9692-0E52FB38C449}"/>
+                  <a16:creationId xmlns:p14="http://schemas.microsoft.com/office/powerpoint/2010/main" xmlns:a16="http://schemas.microsoft.com/office/drawing/2014/main" xmlns="" id="{8E2F55A0-1F8B-4DF8-9692-0E52FB38C449}"/>
                 </a:ext>
               </a:extLst>
             </p:cNvPr>
@@ -6920,7 +6921,7 @@
             <p:cNvPr id="31" name="îśḷiḋè">
               <a:extLst>
                 <a:ext uri="{FF2B5EF4-FFF2-40B4-BE49-F238E27FC236}">
-                  <a16:creationId xmlns="" xmlns:a16="http://schemas.microsoft.com/office/drawing/2014/main" xmlns:p14="http://schemas.microsoft.com/office/powerpoint/2010/main" id="{FAEFDB25-C311-444C-8211-CA9D0D3E76C7}"/>
+                  <a16:creationId xmlns:p14="http://schemas.microsoft.com/office/powerpoint/2010/main" xmlns:a16="http://schemas.microsoft.com/office/drawing/2014/main" xmlns="" id="{FAEFDB25-C311-444C-8211-CA9D0D3E76C7}"/>
                 </a:ext>
               </a:extLst>
             </p:cNvPr>
@@ -6982,7 +6983,7 @@
             <p:cNvPr id="32" name="işlïďe">
               <a:extLst>
                 <a:ext uri="{FF2B5EF4-FFF2-40B4-BE49-F238E27FC236}">
-                  <a16:creationId xmlns="" xmlns:a16="http://schemas.microsoft.com/office/drawing/2014/main" xmlns:p14="http://schemas.microsoft.com/office/powerpoint/2010/main" id="{6F7FE01D-44F0-4E78-AA22-48B1A54F44A8}"/>
+                  <a16:creationId xmlns:p14="http://schemas.microsoft.com/office/powerpoint/2010/main" xmlns:a16="http://schemas.microsoft.com/office/drawing/2014/main" xmlns="" id="{6F7FE01D-44F0-4E78-AA22-48B1A54F44A8}"/>
                 </a:ext>
               </a:extLst>
             </p:cNvPr>
@@ -7044,7 +7045,7 @@
             <p:cNvPr id="33" name="iṧļîďê">
               <a:extLst>
                 <a:ext uri="{FF2B5EF4-FFF2-40B4-BE49-F238E27FC236}">
-                  <a16:creationId xmlns="" xmlns:a16="http://schemas.microsoft.com/office/drawing/2014/main" xmlns:p14="http://schemas.microsoft.com/office/powerpoint/2010/main" id="{E43ABFED-9DCE-4780-A17B-F275913025D6}"/>
+                  <a16:creationId xmlns:p14="http://schemas.microsoft.com/office/powerpoint/2010/main" xmlns:a16="http://schemas.microsoft.com/office/drawing/2014/main" xmlns="" id="{E43ABFED-9DCE-4780-A17B-F275913025D6}"/>
                 </a:ext>
               </a:extLst>
             </p:cNvPr>
@@ -7106,7 +7107,7 @@
             <p:cNvPr id="34" name="ïśľide">
               <a:extLst>
                 <a:ext uri="{FF2B5EF4-FFF2-40B4-BE49-F238E27FC236}">
-                  <a16:creationId xmlns="" xmlns:a16="http://schemas.microsoft.com/office/drawing/2014/main" xmlns:p14="http://schemas.microsoft.com/office/powerpoint/2010/main" id="{764B5643-59A7-4278-9C6C-C0772E988BD1}"/>
+                  <a16:creationId xmlns:p14="http://schemas.microsoft.com/office/powerpoint/2010/main" xmlns:a16="http://schemas.microsoft.com/office/drawing/2014/main" xmlns="" id="{764B5643-59A7-4278-9C6C-C0772E988BD1}"/>
                 </a:ext>
               </a:extLst>
             </p:cNvPr>
@@ -7168,7 +7169,7 @@
             <p:cNvPr id="35" name="îṣḷiďè">
               <a:extLst>
                 <a:ext uri="{FF2B5EF4-FFF2-40B4-BE49-F238E27FC236}">
-                  <a16:creationId xmlns="" xmlns:a16="http://schemas.microsoft.com/office/drawing/2014/main" xmlns:p14="http://schemas.microsoft.com/office/powerpoint/2010/main" id="{A35CCFB0-B280-422B-A372-F1E8A7B37BB7}"/>
+                  <a16:creationId xmlns:p14="http://schemas.microsoft.com/office/powerpoint/2010/main" xmlns:a16="http://schemas.microsoft.com/office/drawing/2014/main" xmlns="" id="{A35CCFB0-B280-422B-A372-F1E8A7B37BB7}"/>
                 </a:ext>
               </a:extLst>
             </p:cNvPr>
@@ -7264,7 +7265,7 @@
             <p:cNvPr id="36" name="i$líḓe">
               <a:extLst>
                 <a:ext uri="{FF2B5EF4-FFF2-40B4-BE49-F238E27FC236}">
-                  <a16:creationId xmlns="" xmlns:a16="http://schemas.microsoft.com/office/drawing/2014/main" xmlns:p14="http://schemas.microsoft.com/office/powerpoint/2010/main" id="{7F0DCF35-E893-4225-90D5-FBFE48B4C496}"/>
+                  <a16:creationId xmlns:p14="http://schemas.microsoft.com/office/powerpoint/2010/main" xmlns:a16="http://schemas.microsoft.com/office/drawing/2014/main" xmlns="" id="{7F0DCF35-E893-4225-90D5-FBFE48B4C496}"/>
                 </a:ext>
               </a:extLst>
             </p:cNvPr>
@@ -7329,7 +7330,7 @@
             <p:cNvPr id="37" name="ïṣḷíḓè">
               <a:extLst>
                 <a:ext uri="{FF2B5EF4-FFF2-40B4-BE49-F238E27FC236}">
-                  <a16:creationId xmlns="" xmlns:a16="http://schemas.microsoft.com/office/drawing/2014/main" xmlns:p14="http://schemas.microsoft.com/office/powerpoint/2010/main" id="{A4220D05-442F-428F-ACAE-0BDB7327EE45}"/>
+                  <a16:creationId xmlns:p14="http://schemas.microsoft.com/office/powerpoint/2010/main" xmlns:a16="http://schemas.microsoft.com/office/drawing/2014/main" xmlns="" id="{A4220D05-442F-428F-ACAE-0BDB7327EE45}"/>
                 </a:ext>
               </a:extLst>
             </p:cNvPr>
@@ -7469,7 +7470,7 @@
             <p:cNvPr id="38" name="ïślîḓe">
               <a:extLst>
                 <a:ext uri="{FF2B5EF4-FFF2-40B4-BE49-F238E27FC236}">
-                  <a16:creationId xmlns="" xmlns:a16="http://schemas.microsoft.com/office/drawing/2014/main" xmlns:p14="http://schemas.microsoft.com/office/powerpoint/2010/main" id="{CA00A810-C422-493F-8762-928602E1666F}"/>
+                  <a16:creationId xmlns:p14="http://schemas.microsoft.com/office/powerpoint/2010/main" xmlns:a16="http://schemas.microsoft.com/office/drawing/2014/main" xmlns="" id="{CA00A810-C422-493F-8762-928602E1666F}"/>
                 </a:ext>
               </a:extLst>
             </p:cNvPr>
@@ -7531,7 +7532,7 @@
             <p:cNvPr id="39" name="iṥļïďé">
               <a:extLst>
                 <a:ext uri="{FF2B5EF4-FFF2-40B4-BE49-F238E27FC236}">
-                  <a16:creationId xmlns="" xmlns:a16="http://schemas.microsoft.com/office/drawing/2014/main" xmlns:p14="http://schemas.microsoft.com/office/powerpoint/2010/main" id="{8731F971-066B-40AA-B136-58B67564B7ED}"/>
+                  <a16:creationId xmlns:p14="http://schemas.microsoft.com/office/powerpoint/2010/main" xmlns:a16="http://schemas.microsoft.com/office/drawing/2014/main" xmlns="" id="{8731F971-066B-40AA-B136-58B67564B7ED}"/>
                 </a:ext>
               </a:extLst>
             </p:cNvPr>
@@ -7593,7 +7594,7 @@
             <p:cNvPr id="40" name="iślíḓé">
               <a:extLst>
                 <a:ext uri="{FF2B5EF4-FFF2-40B4-BE49-F238E27FC236}">
-                  <a16:creationId xmlns="" xmlns:a16="http://schemas.microsoft.com/office/drawing/2014/main" xmlns:p14="http://schemas.microsoft.com/office/powerpoint/2010/main" id="{2AABD586-6310-40FF-82C3-735CEE851897}"/>
+                  <a16:creationId xmlns:p14="http://schemas.microsoft.com/office/powerpoint/2010/main" xmlns:a16="http://schemas.microsoft.com/office/drawing/2014/main" xmlns="" id="{2AABD586-6310-40FF-82C3-735CEE851897}"/>
                 </a:ext>
               </a:extLst>
             </p:cNvPr>
@@ -7655,7 +7656,7 @@
             <p:cNvPr id="41" name="îşḻïḑé">
               <a:extLst>
                 <a:ext uri="{FF2B5EF4-FFF2-40B4-BE49-F238E27FC236}">
-                  <a16:creationId xmlns="" xmlns:a16="http://schemas.microsoft.com/office/drawing/2014/main" xmlns:p14="http://schemas.microsoft.com/office/powerpoint/2010/main" id="{0BDE1E9B-62A3-46F4-AB87-D02F1D6E213F}"/>
+                  <a16:creationId xmlns:p14="http://schemas.microsoft.com/office/powerpoint/2010/main" xmlns:a16="http://schemas.microsoft.com/office/drawing/2014/main" xmlns="" id="{0BDE1E9B-62A3-46F4-AB87-D02F1D6E213F}"/>
                 </a:ext>
               </a:extLst>
             </p:cNvPr>
@@ -7717,7 +7718,7 @@
             <p:cNvPr id="42" name="iš1îḓe">
               <a:extLst>
                 <a:ext uri="{FF2B5EF4-FFF2-40B4-BE49-F238E27FC236}">
-                  <a16:creationId xmlns="" xmlns:a16="http://schemas.microsoft.com/office/drawing/2014/main" xmlns:p14="http://schemas.microsoft.com/office/powerpoint/2010/main" id="{1846F9CF-B441-4677-B6B7-A82071C6A24C}"/>
+                  <a16:creationId xmlns:p14="http://schemas.microsoft.com/office/powerpoint/2010/main" xmlns:a16="http://schemas.microsoft.com/office/drawing/2014/main" xmlns="" id="{1846F9CF-B441-4677-B6B7-A82071C6A24C}"/>
                 </a:ext>
               </a:extLst>
             </p:cNvPr>
@@ -7779,7 +7780,7 @@
             <p:cNvPr id="43" name="iṣļïḋê">
               <a:extLst>
                 <a:ext uri="{FF2B5EF4-FFF2-40B4-BE49-F238E27FC236}">
-                  <a16:creationId xmlns="" xmlns:a16="http://schemas.microsoft.com/office/drawing/2014/main" xmlns:p14="http://schemas.microsoft.com/office/powerpoint/2010/main" id="{E6025A34-46AE-457E-AC6F-3CE06D5B4606}"/>
+                  <a16:creationId xmlns:p14="http://schemas.microsoft.com/office/powerpoint/2010/main" xmlns:a16="http://schemas.microsoft.com/office/drawing/2014/main" xmlns="" id="{E6025A34-46AE-457E-AC6F-3CE06D5B4606}"/>
                 </a:ext>
               </a:extLst>
             </p:cNvPr>
@@ -7841,7 +7842,7 @@
             <p:cNvPr id="44" name="ïṧḻîdè">
               <a:extLst>
                 <a:ext uri="{FF2B5EF4-FFF2-40B4-BE49-F238E27FC236}">
-                  <a16:creationId xmlns="" xmlns:a16="http://schemas.microsoft.com/office/drawing/2014/main" xmlns:p14="http://schemas.microsoft.com/office/powerpoint/2010/main" id="{B3B1207A-F631-4D74-AF71-25164BFA4732}"/>
+                  <a16:creationId xmlns:p14="http://schemas.microsoft.com/office/powerpoint/2010/main" xmlns:a16="http://schemas.microsoft.com/office/drawing/2014/main" xmlns="" id="{B3B1207A-F631-4D74-AF71-25164BFA4732}"/>
                 </a:ext>
               </a:extLst>
             </p:cNvPr>
@@ -7903,7 +7904,7 @@
             <p:cNvPr id="45" name="ïṩlîḋè">
               <a:extLst>
                 <a:ext uri="{FF2B5EF4-FFF2-40B4-BE49-F238E27FC236}">
-                  <a16:creationId xmlns="" xmlns:a16="http://schemas.microsoft.com/office/drawing/2014/main" xmlns:p14="http://schemas.microsoft.com/office/powerpoint/2010/main" id="{BD4629EF-6FD7-495B-BABC-2117635C362D}"/>
+                  <a16:creationId xmlns:p14="http://schemas.microsoft.com/office/powerpoint/2010/main" xmlns:a16="http://schemas.microsoft.com/office/drawing/2014/main" xmlns="" id="{BD4629EF-6FD7-495B-BABC-2117635C362D}"/>
                 </a:ext>
               </a:extLst>
             </p:cNvPr>
@@ -7974,7 +7975,7 @@
             <p:cNvPr id="46" name="îśḻiḑê">
               <a:extLst>
                 <a:ext uri="{FF2B5EF4-FFF2-40B4-BE49-F238E27FC236}">
-                  <a16:creationId xmlns="" xmlns:a16="http://schemas.microsoft.com/office/drawing/2014/main" xmlns:p14="http://schemas.microsoft.com/office/powerpoint/2010/main" id="{CEEE656F-2B58-452E-8C4C-A5DC9C34C5FE}"/>
+                  <a16:creationId xmlns:p14="http://schemas.microsoft.com/office/powerpoint/2010/main" xmlns:a16="http://schemas.microsoft.com/office/drawing/2014/main" xmlns="" id="{CEEE656F-2B58-452E-8C4C-A5DC9C34C5FE}"/>
                 </a:ext>
               </a:extLst>
             </p:cNvPr>
@@ -8045,7 +8046,7 @@
             <p:cNvPr id="47" name="ísļîḓê">
               <a:extLst>
                 <a:ext uri="{FF2B5EF4-FFF2-40B4-BE49-F238E27FC236}">
-                  <a16:creationId xmlns="" xmlns:a16="http://schemas.microsoft.com/office/drawing/2014/main" xmlns:p14="http://schemas.microsoft.com/office/powerpoint/2010/main" id="{30046525-C92C-4D8E-AA3B-B52FFA1759D5}"/>
+                  <a16:creationId xmlns:p14="http://schemas.microsoft.com/office/powerpoint/2010/main" xmlns:a16="http://schemas.microsoft.com/office/drawing/2014/main" xmlns="" id="{30046525-C92C-4D8E-AA3B-B52FFA1759D5}"/>
                 </a:ext>
               </a:extLst>
             </p:cNvPr>
@@ -8383,7 +8384,7 @@
           <p:cNvPr id="8" name="日期占位符 7">
             <a:extLst>
               <a:ext uri="{FF2B5EF4-FFF2-40B4-BE49-F238E27FC236}">
-                <a16:creationId xmlns="" xmlns:a16="http://schemas.microsoft.com/office/drawing/2014/main" xmlns:p15="http://schemas.microsoft.com/office/powerpoint/2012/main" xmlns:p14="http://schemas.microsoft.com/office/powerpoint/2010/main" id="{04388434-9949-479C-A9C3-67A953F6A939}"/>
+                <a16:creationId xmlns:p14="http://schemas.microsoft.com/office/powerpoint/2010/main" xmlns:p15="http://schemas.microsoft.com/office/powerpoint/2012/main" xmlns:a16="http://schemas.microsoft.com/office/drawing/2014/main" xmlns="" id="{04388434-9949-479C-A9C3-67A953F6A939}"/>
               </a:ext>
             </a:extLst>
           </p:cNvPr>
@@ -8427,7 +8428,7 @@
           <p:cNvPr id="9" name="页脚占位符 8">
             <a:extLst>
               <a:ext uri="{FF2B5EF4-FFF2-40B4-BE49-F238E27FC236}">
-                <a16:creationId xmlns="" xmlns:a16="http://schemas.microsoft.com/office/drawing/2014/main" xmlns:p15="http://schemas.microsoft.com/office/powerpoint/2012/main" xmlns:p14="http://schemas.microsoft.com/office/powerpoint/2010/main" id="{50A5656E-7A33-4865-A262-1F96263BAA16}"/>
+                <a16:creationId xmlns:p14="http://schemas.microsoft.com/office/powerpoint/2010/main" xmlns:p15="http://schemas.microsoft.com/office/powerpoint/2012/main" xmlns:a16="http://schemas.microsoft.com/office/drawing/2014/main" xmlns="" id="{50A5656E-7A33-4865-A262-1F96263BAA16}"/>
               </a:ext>
             </a:extLst>
           </p:cNvPr>
@@ -8483,7 +8484,7 @@
           <p:cNvPr id="10" name="灯片编号占位符 9">
             <a:extLst>
               <a:ext uri="{FF2B5EF4-FFF2-40B4-BE49-F238E27FC236}">
-                <a16:creationId xmlns="" xmlns:a16="http://schemas.microsoft.com/office/drawing/2014/main" xmlns:p15="http://schemas.microsoft.com/office/powerpoint/2012/main" xmlns:p14="http://schemas.microsoft.com/office/powerpoint/2010/main" id="{5BF52F79-380E-4278-8B67-588AFE5840F9}"/>
+                <a16:creationId xmlns:p14="http://schemas.microsoft.com/office/powerpoint/2010/main" xmlns:p15="http://schemas.microsoft.com/office/powerpoint/2012/main" xmlns:a16="http://schemas.microsoft.com/office/drawing/2014/main" xmlns="" id="{5BF52F79-380E-4278-8B67-588AFE5840F9}"/>
               </a:ext>
             </a:extLst>
           </p:cNvPr>
@@ -8826,7 +8827,7 @@
   </p:txStyles>
   <p:extLst>
     <p:ext uri="{27BBF7A9-308A-43DC-89C8-2F10F3537804}">
-      <p15:sldGuideLst xmlns="" xmlns:a16="http://schemas.microsoft.com/office/drawing/2014/main" xmlns:p14="http://schemas.microsoft.com/office/powerpoint/2010/main" xmlns:p15="http://schemas.microsoft.com/office/powerpoint/2012/main">
+      <p15:sldGuideLst xmlns:p15="http://schemas.microsoft.com/office/powerpoint/2012/main" xmlns:p14="http://schemas.microsoft.com/office/powerpoint/2010/main" xmlns:a16="http://schemas.microsoft.com/office/drawing/2014/main" xmlns="">
         <p15:guide id="1" pos="422" userDrawn="1">
           <p15:clr>
             <a:srgbClr val="F26B43"/>
@@ -8885,7 +8886,7 @@
           <p:cNvPr id="3" name="ïṩḷiḑé" hidden="1">
             <a:extLst>
               <a:ext uri="{FF2B5EF4-FFF2-40B4-BE49-F238E27FC236}">
-                <a16:creationId xmlns="" xmlns:a16="http://schemas.microsoft.com/office/drawing/2014/main" xmlns:v="urn:schemas-microsoft-com:vml" xmlns:mc="http://schemas.openxmlformats.org/markup-compatibility/2006" xmlns:p14="http://schemas.microsoft.com/office/powerpoint/2010/main" id="{3C326D0B-7DAB-41B6-8030-2E4A18CC949B}"/>
+                <a16:creationId xmlns:p14="http://schemas.microsoft.com/office/powerpoint/2010/main" xmlns:mc="http://schemas.openxmlformats.org/markup-compatibility/2006" xmlns:v="urn:schemas-microsoft-com:vml" xmlns:a16="http://schemas.microsoft.com/office/drawing/2014/main" xmlns="" id="{3C326D0B-7DAB-41B6-8030-2E4A18CC949B}"/>
               </a:ext>
             </a:extLst>
           </p:cNvPr>
@@ -8908,7 +8909,7 @@
           <a:graphicData uri="http://schemas.openxmlformats.org/presentationml/2006/ole">
             <mc:AlternateContent xmlns:mc="http://schemas.openxmlformats.org/markup-compatibility/2006">
               <mc:Choice xmlns:v="urn:schemas-microsoft-com:vml" Requires="v">
-                <p:oleObj spid="_x0000_s1064" name="think-cell Slide" r:id="rId5" imgW="347" imgH="348" progId="TCLayout.ActiveDocument.1">
+                <p:oleObj spid="_x0000_s1065" name="think-cell Slide" r:id="rId5" imgW="347" imgH="348" progId="TCLayout.ActiveDocument.1">
                   <p:embed/>
                 </p:oleObj>
               </mc:Choice>
@@ -8920,7 +8921,7 @@
                       <p:cNvPr id="3" name="iş1iďé" hidden="1">
                         <a:extLst>
                           <a:ext uri="{FF2B5EF4-FFF2-40B4-BE49-F238E27FC236}">
-                            <a16:creationId xmlns="" xmlns:a16="http://schemas.microsoft.com/office/drawing/2014/main" xmlns:v="urn:schemas-microsoft-com:vml" xmlns:p14="http://schemas.microsoft.com/office/powerpoint/2010/main" id="{3C326D0B-7DAB-41B6-8030-2E4A18CC949B}"/>
+                            <a16:creationId xmlns:p14="http://schemas.microsoft.com/office/powerpoint/2010/main" xmlns:v="urn:schemas-microsoft-com:vml" xmlns:a16="http://schemas.microsoft.com/office/drawing/2014/main" xmlns="" id="{3C326D0B-7DAB-41B6-8030-2E4A18CC949B}"/>
                           </a:ext>
                         </a:extLst>
                       </p:cNvPr>
@@ -8954,7 +8955,7 @@
           <p:cNvPr id="2" name="ïsľîḑè" hidden="1">
             <a:extLst>
               <a:ext uri="{FF2B5EF4-FFF2-40B4-BE49-F238E27FC236}">
-                <a16:creationId xmlns="" xmlns:a16="http://schemas.microsoft.com/office/drawing/2014/main" xmlns:v="urn:schemas-microsoft-com:vml" xmlns:mc="http://schemas.openxmlformats.org/markup-compatibility/2006" xmlns:p14="http://schemas.microsoft.com/office/powerpoint/2010/main" id="{EC933494-1B63-4A32-964F-D05236799BAA}"/>
+                <a16:creationId xmlns:p14="http://schemas.microsoft.com/office/powerpoint/2010/main" xmlns:mc="http://schemas.openxmlformats.org/markup-compatibility/2006" xmlns:v="urn:schemas-microsoft-com:vml" xmlns:a16="http://schemas.microsoft.com/office/drawing/2014/main" xmlns="" id="{EC933494-1B63-4A32-964F-D05236799BAA}"/>
               </a:ext>
             </a:extLst>
           </p:cNvPr>
@@ -11291,15 +11292,15 @@
           <a:lstStyle/>
           <a:p>
             <a:r>
-              <a:rPr lang="zh-CN" altLang="en-US" smtClean="0"/>
+              <a:rPr lang="zh-CN" altLang="en-US" dirty="0" smtClean="0"/>
               <a:t>请在插入菜单</a:t>
             </a:r>
             <a:r>
-              <a:rPr lang="en-US" altLang="zh-CN" smtClean="0"/>
+              <a:rPr lang="en-US" altLang="zh-CN" dirty="0" smtClean="0"/>
               <a:t>—</a:t>
             </a:r>
             <a:r>
-              <a:rPr lang="zh-CN" altLang="en-US" smtClean="0"/>
+              <a:rPr lang="zh-CN" altLang="en-US" dirty="0" smtClean="0"/>
               <a:t>页眉和页脚中修改此文本</a:t>
             </a:r>
             <a:endParaRPr lang="zh-CN" altLang="en-US" dirty="0"/>
@@ -11347,144 +11348,49 @@
           <a:p>
             <a:r>
               <a:rPr lang="en-US" altLang="zh-TW" dirty="0"/>
-              <a:t>RNN</a:t>
+              <a:t>RNN </a:t>
             </a:r>
             <a:r>
               <a:rPr lang="zh-TW" altLang="en-US" dirty="0"/>
-              <a:t>特點</a:t>
+              <a:t>圖解</a:t>
             </a:r>
           </a:p>
         </p:txBody>
       </p:sp>
-      <p:sp>
-        <p:nvSpPr>
-          <p:cNvPr id="5" name="內容版面配置區 4"/>
-          <p:cNvSpPr>
-            <a:spLocks noGrp="1"/>
-          </p:cNvSpPr>
-          <p:nvPr>
-            <p:ph sz="quarter" idx="13"/>
-          </p:nvPr>
-        </p:nvSpPr>
-        <p:spPr/>
-        <p:txBody>
-          <a:bodyPr/>
-          <a:lstStyle/>
-          <a:p>
-            <a:r>
-              <a:rPr lang="en-US" altLang="zh-CN" dirty="0"/>
-              <a:t>1.RNNs</a:t>
-            </a:r>
-            <a:r>
-              <a:rPr lang="zh-CN" altLang="en-US" dirty="0"/>
-              <a:t>主要用于处理序列数据。对于传统神经网络模型，从输入层到隐含层再到输出层，层与层之间一般为全连接，每层之间神经元是无连接的。但是传统神经网络无法处理数据间的前后关联问题。例如，为了预测句子的下一个单词，一般需要该词之前的语义信息。这是因为一个句子中前后单词是存在语义联系的</a:t>
-            </a:r>
-            <a:r>
-              <a:rPr lang="zh-CN" altLang="en-US" dirty="0" smtClean="0"/>
-              <a:t>。</a:t>
-            </a:r>
-            <a:endParaRPr lang="en-US" altLang="zh-CN" dirty="0" smtClean="0"/>
-          </a:p>
-          <a:p>
-            <a:endParaRPr lang="zh-CN" altLang="en-US" dirty="0"/>
-          </a:p>
-          <a:p>
-            <a:r>
-              <a:rPr lang="en-US" altLang="zh-CN" dirty="0"/>
-              <a:t>2.RNNs</a:t>
-            </a:r>
-            <a:r>
-              <a:rPr lang="zh-CN" altLang="en-US" dirty="0"/>
-              <a:t>中当前单元的输出与之前步骤输出也有关，因此称之为循环神经网络。具体的表现形式为当前单元会对之前步骤信息进行储存并应用于当前输出的计算中。隐藏层之间的节点连接起来，隐藏层当前输出由当前时刻输入向量和之前时刻隐藏层状态共同决定</a:t>
-            </a:r>
-            <a:r>
-              <a:rPr lang="zh-CN" altLang="en-US" dirty="0" smtClean="0"/>
-              <a:t>。</a:t>
-            </a:r>
-            <a:endParaRPr lang="en-US" altLang="zh-CN" dirty="0" smtClean="0"/>
-          </a:p>
-          <a:p>
-            <a:endParaRPr lang="zh-CN" altLang="en-US" dirty="0"/>
-          </a:p>
-          <a:p>
-            <a:r>
-              <a:rPr lang="en-US" altLang="zh-CN" dirty="0"/>
-              <a:t>3.</a:t>
-            </a:r>
-            <a:r>
-              <a:rPr lang="zh-CN" altLang="en-US" dirty="0"/>
-              <a:t>标准的</a:t>
-            </a:r>
-            <a:r>
-              <a:rPr lang="en-US" altLang="zh-CN" dirty="0"/>
-              <a:t>RNNs</a:t>
-            </a:r>
-            <a:r>
-              <a:rPr lang="zh-CN" altLang="en-US" dirty="0"/>
-              <a:t>结构图，图中每个箭头代表做一次变换，也就是说箭头连接带有权值</a:t>
-            </a:r>
-            <a:r>
-              <a:rPr lang="zh-CN" altLang="en-US" dirty="0" smtClean="0"/>
-              <a:t>。</a:t>
-            </a:r>
-            <a:endParaRPr lang="en-US" altLang="zh-CN" dirty="0" smtClean="0"/>
-          </a:p>
-          <a:p>
-            <a:endParaRPr lang="zh-CN" altLang="en-US" dirty="0"/>
-          </a:p>
-          <a:p>
-            <a:r>
-              <a:rPr lang="en-US" altLang="zh-CN" dirty="0"/>
-              <a:t>4.</a:t>
-            </a:r>
-            <a:r>
-              <a:rPr lang="zh-CN" altLang="en-US" dirty="0"/>
-              <a:t>在标准的</a:t>
-            </a:r>
-            <a:r>
-              <a:rPr lang="en-US" altLang="zh-CN" dirty="0"/>
-              <a:t>RNN</a:t>
-            </a:r>
-            <a:r>
-              <a:rPr lang="zh-CN" altLang="en-US" dirty="0"/>
-              <a:t>结构中，隐层的神经元之间也是带有权值的，且权值共享</a:t>
-            </a:r>
-            <a:r>
-              <a:rPr lang="zh-CN" altLang="en-US" dirty="0" smtClean="0"/>
-              <a:t>。</a:t>
-            </a:r>
-            <a:endParaRPr lang="en-US" altLang="zh-CN" dirty="0" smtClean="0"/>
-          </a:p>
-          <a:p>
-            <a:endParaRPr lang="zh-CN" altLang="en-US" dirty="0"/>
-          </a:p>
-          <a:p>
-            <a:r>
-              <a:rPr lang="en-US" altLang="zh-CN" dirty="0"/>
-              <a:t>5.</a:t>
-            </a:r>
-            <a:r>
-              <a:rPr lang="zh-CN" altLang="en-US" dirty="0"/>
-              <a:t>理论上，</a:t>
-            </a:r>
-            <a:r>
-              <a:rPr lang="en-US" altLang="zh-CN" dirty="0"/>
-              <a:t>RNNs</a:t>
-            </a:r>
-            <a:r>
-              <a:rPr lang="zh-CN" altLang="en-US" dirty="0"/>
-              <a:t>能够对任何长度序列数据进行处理。但是在实践中，为了降低复杂度往往假设当前的状态只与之前某几个时刻状态相关</a:t>
-            </a:r>
-          </a:p>
-          <a:p>
-            <a:endParaRPr lang="zh-TW" altLang="en-US" dirty="0"/>
-          </a:p>
-        </p:txBody>
-      </p:sp>
+      <p:pic>
+        <p:nvPicPr>
+          <p:cNvPr id="5" name="圖片 4"/>
+          <p:cNvPicPr>
+            <a:picLocks noChangeAspect="1"/>
+          </p:cNvPicPr>
+          <p:nvPr/>
+        </p:nvPicPr>
+        <p:blipFill>
+          <a:blip r:embed="rId2">
+            <a:extLst>
+              <a:ext uri="{28A0092B-C50C-407E-A947-70E740481C1C}">
+                <a14:useLocalDpi xmlns:a14="http://schemas.microsoft.com/office/drawing/2010/main" val="0"/>
+              </a:ext>
+            </a:extLst>
+          </a:blip>
+          <a:stretch>
+            <a:fillRect/>
+          </a:stretch>
+        </p:blipFill>
+        <p:spPr>
+          <a:xfrm>
+            <a:off x="1010259" y="1605190"/>
+            <a:ext cx="9752382" cy="3647619"/>
+          </a:xfrm>
+          <a:prstGeom prst="rect">
+            <a:avLst/>
+          </a:prstGeom>
+        </p:spPr>
+      </p:pic>
     </p:spTree>
     <p:extLst>
       <p:ext uri="{BB962C8B-B14F-4D97-AF65-F5344CB8AC3E}">
-        <p14:creationId xmlns:p14="http://schemas.microsoft.com/office/powerpoint/2010/main" val="3151520996"/>
+        <p14:creationId xmlns:p14="http://schemas.microsoft.com/office/powerpoint/2010/main" val="2298892199"/>
       </p:ext>
     </p:extLst>
   </p:cSld>
@@ -11568,6 +11474,249 @@
               <a:rPr lang="zh-CN" altLang="en-US" smtClean="0"/>
               <a:pPr/>
               <a:t>17</a:t>
+            </a:fld>
+            <a:endParaRPr lang="zh-CN" altLang="en-US"/>
+          </a:p>
+        </p:txBody>
+      </p:sp>
+      <p:sp>
+        <p:nvSpPr>
+          <p:cNvPr id="4" name="標題 3"/>
+          <p:cNvSpPr>
+            <a:spLocks noGrp="1"/>
+          </p:cNvSpPr>
+          <p:nvPr>
+            <p:ph type="title"/>
+          </p:nvPr>
+        </p:nvSpPr>
+        <p:spPr/>
+        <p:txBody>
+          <a:bodyPr/>
+          <a:lstStyle/>
+          <a:p>
+            <a:r>
+              <a:rPr lang="en-US" altLang="zh-TW" dirty="0"/>
+              <a:t>RNN</a:t>
+            </a:r>
+            <a:r>
+              <a:rPr lang="zh-TW" altLang="en-US" dirty="0"/>
+              <a:t>特點</a:t>
+            </a:r>
+          </a:p>
+        </p:txBody>
+      </p:sp>
+      <p:sp>
+        <p:nvSpPr>
+          <p:cNvPr id="5" name="內容版面配置區 4"/>
+          <p:cNvSpPr>
+            <a:spLocks noGrp="1"/>
+          </p:cNvSpPr>
+          <p:nvPr>
+            <p:ph sz="quarter" idx="13"/>
+          </p:nvPr>
+        </p:nvSpPr>
+        <p:spPr/>
+        <p:txBody>
+          <a:bodyPr/>
+          <a:lstStyle/>
+          <a:p>
+            <a:r>
+              <a:rPr lang="en-US" altLang="zh-CN" dirty="0"/>
+              <a:t>1.RNNs</a:t>
+            </a:r>
+            <a:r>
+              <a:rPr lang="zh-CN" altLang="en-US" dirty="0"/>
+              <a:t>主要用于处理序列数据。对于传统神经网络模型，从输入层到隐含层再到输出层，层与层之间一般为全连接，每层之间神经元是无连接的。但是传统神经网络无法处理数据间的前后关联问题。例如，为了预测句子的下一个单词，一般需要该词之前的语义信息。这是因为一个句子中前后单词是存在语义联系的</a:t>
+            </a:r>
+            <a:r>
+              <a:rPr lang="zh-CN" altLang="en-US" dirty="0" smtClean="0"/>
+              <a:t>。</a:t>
+            </a:r>
+            <a:endParaRPr lang="en-US" altLang="zh-CN" dirty="0" smtClean="0"/>
+          </a:p>
+          <a:p>
+            <a:endParaRPr lang="zh-CN" altLang="en-US" dirty="0"/>
+          </a:p>
+          <a:p>
+            <a:r>
+              <a:rPr lang="en-US" altLang="zh-CN" dirty="0"/>
+              <a:t>2.RNNs</a:t>
+            </a:r>
+            <a:r>
+              <a:rPr lang="zh-CN" altLang="en-US" dirty="0"/>
+              <a:t>中当前单元的输出与之前步骤输出也有关，因此称之为循环神经网络。具体的表现形式为当前单元会对之前步骤信息进行储存并应用于当前输出的计算中。隐藏层之间的节点连接起来，隐藏层当前输出由当前时刻输入向量和之前时刻隐藏层状态共同决定</a:t>
+            </a:r>
+            <a:r>
+              <a:rPr lang="zh-CN" altLang="en-US" dirty="0" smtClean="0"/>
+              <a:t>。</a:t>
+            </a:r>
+            <a:endParaRPr lang="en-US" altLang="zh-CN" dirty="0" smtClean="0"/>
+          </a:p>
+          <a:p>
+            <a:endParaRPr lang="zh-CN" altLang="en-US" dirty="0"/>
+          </a:p>
+          <a:p>
+            <a:r>
+              <a:rPr lang="en-US" altLang="zh-CN" dirty="0"/>
+              <a:t>3.</a:t>
+            </a:r>
+            <a:r>
+              <a:rPr lang="zh-CN" altLang="en-US" dirty="0"/>
+              <a:t>标准的</a:t>
+            </a:r>
+            <a:r>
+              <a:rPr lang="en-US" altLang="zh-CN" dirty="0"/>
+              <a:t>RNNs</a:t>
+            </a:r>
+            <a:r>
+              <a:rPr lang="zh-CN" altLang="en-US" dirty="0"/>
+              <a:t>结构图，图中每个箭头代表做一次变换，也就是说箭头连接带有权值</a:t>
+            </a:r>
+            <a:r>
+              <a:rPr lang="zh-CN" altLang="en-US" dirty="0" smtClean="0"/>
+              <a:t>。</a:t>
+            </a:r>
+            <a:endParaRPr lang="en-US" altLang="zh-CN" dirty="0" smtClean="0"/>
+          </a:p>
+          <a:p>
+            <a:endParaRPr lang="zh-CN" altLang="en-US" dirty="0"/>
+          </a:p>
+          <a:p>
+            <a:r>
+              <a:rPr lang="en-US" altLang="zh-CN" dirty="0"/>
+              <a:t>4.</a:t>
+            </a:r>
+            <a:r>
+              <a:rPr lang="zh-CN" altLang="en-US" dirty="0"/>
+              <a:t>在标准的</a:t>
+            </a:r>
+            <a:r>
+              <a:rPr lang="en-US" altLang="zh-CN" dirty="0"/>
+              <a:t>RNN</a:t>
+            </a:r>
+            <a:r>
+              <a:rPr lang="zh-CN" altLang="en-US" dirty="0"/>
+              <a:t>结构中，隐层的神经元之间也是带有权值的，且权值共享</a:t>
+            </a:r>
+            <a:r>
+              <a:rPr lang="zh-CN" altLang="en-US" dirty="0" smtClean="0"/>
+              <a:t>。</a:t>
+            </a:r>
+            <a:endParaRPr lang="en-US" altLang="zh-CN" dirty="0" smtClean="0"/>
+          </a:p>
+          <a:p>
+            <a:endParaRPr lang="zh-CN" altLang="en-US" dirty="0"/>
+          </a:p>
+          <a:p>
+            <a:r>
+              <a:rPr lang="en-US" altLang="zh-CN" dirty="0"/>
+              <a:t>5.</a:t>
+            </a:r>
+            <a:r>
+              <a:rPr lang="zh-CN" altLang="en-US" dirty="0"/>
+              <a:t>理论上，</a:t>
+            </a:r>
+            <a:r>
+              <a:rPr lang="en-US" altLang="zh-CN" dirty="0"/>
+              <a:t>RNNs</a:t>
+            </a:r>
+            <a:r>
+              <a:rPr lang="zh-CN" altLang="en-US" dirty="0"/>
+              <a:t>能够对任何长度序列数据进行处理。但是在实践中，为了降低复杂度往往假设当前的状态只与之前某几个时刻状态相关</a:t>
+            </a:r>
+          </a:p>
+          <a:p>
+            <a:endParaRPr lang="zh-TW" altLang="en-US" dirty="0"/>
+          </a:p>
+        </p:txBody>
+      </p:sp>
+    </p:spTree>
+    <p:extLst>
+      <p:ext uri="{BB962C8B-B14F-4D97-AF65-F5344CB8AC3E}">
+        <p14:creationId xmlns:p14="http://schemas.microsoft.com/office/powerpoint/2010/main" val="3151520996"/>
+      </p:ext>
+    </p:extLst>
+  </p:cSld>
+  <p:clrMapOvr>
+    <a:masterClrMapping/>
+  </p:clrMapOvr>
+  <p:timing>
+    <p:tnLst>
+      <p:par>
+        <p:cTn id="1" dur="indefinite" restart="never" nodeType="tmRoot"/>
+      </p:par>
+    </p:tnLst>
+  </p:timing>
+</p:sld>
+</file>
+
+<file path=ppt/slides/slide18.xml><?xml version="1.0" encoding="utf-8"?>
+<p:sld xmlns:a="http://schemas.openxmlformats.org/drawingml/2006/main" xmlns:r="http://schemas.openxmlformats.org/officeDocument/2006/relationships" xmlns:p="http://schemas.openxmlformats.org/presentationml/2006/main">
+  <p:cSld>
+    <p:spTree>
+      <p:nvGrpSpPr>
+        <p:cNvPr id="1" name=""/>
+        <p:cNvGrpSpPr/>
+        <p:nvPr/>
+      </p:nvGrpSpPr>
+      <p:grpSpPr>
+        <a:xfrm>
+          <a:off x="0" y="0"/>
+          <a:ext cx="0" cy="0"/>
+          <a:chOff x="0" y="0"/>
+          <a:chExt cx="0" cy="0"/>
+        </a:xfrm>
+      </p:grpSpPr>
+      <p:sp>
+        <p:nvSpPr>
+          <p:cNvPr id="2" name="頁尾版面配置區 1"/>
+          <p:cNvSpPr>
+            <a:spLocks noGrp="1"/>
+          </p:cNvSpPr>
+          <p:nvPr>
+            <p:ph type="ftr" sz="quarter" idx="11"/>
+          </p:nvPr>
+        </p:nvSpPr>
+        <p:spPr/>
+        <p:txBody>
+          <a:bodyPr/>
+          <a:lstStyle/>
+          <a:p>
+            <a:r>
+              <a:rPr lang="zh-CN" altLang="en-US" smtClean="0"/>
+              <a:t>请在插入菜单</a:t>
+            </a:r>
+            <a:r>
+              <a:rPr lang="en-US" altLang="zh-CN" smtClean="0"/>
+              <a:t>—</a:t>
+            </a:r>
+            <a:r>
+              <a:rPr lang="zh-CN" altLang="en-US" smtClean="0"/>
+              <a:t>页眉和页脚中修改此文本</a:t>
+            </a:r>
+            <a:endParaRPr lang="zh-CN" altLang="en-US" dirty="0"/>
+          </a:p>
+        </p:txBody>
+      </p:sp>
+      <p:sp>
+        <p:nvSpPr>
+          <p:cNvPr id="3" name="投影片編號版面配置區 2"/>
+          <p:cNvSpPr>
+            <a:spLocks noGrp="1"/>
+          </p:cNvSpPr>
+          <p:nvPr>
+            <p:ph type="sldNum" sz="quarter" idx="12"/>
+          </p:nvPr>
+        </p:nvSpPr>
+        <p:spPr/>
+        <p:txBody>
+          <a:bodyPr/>
+          <a:lstStyle/>
+          <a:p>
+            <a:fld id="{5DD3DB80-B894-403A-B48E-6FDC1A72010E}" type="slidenum">
+              <a:rPr lang="zh-CN" altLang="en-US" smtClean="0"/>
+              <a:pPr/>
+              <a:t>18</a:t>
             </a:fld>
             <a:endParaRPr lang="zh-CN" altLang="en-US"/>
           </a:p>
@@ -11683,7 +11832,7 @@
 </p:sld>
 </file>
 
-<file path=ppt/slides/slide18.xml><?xml version="1.0" encoding="utf-8"?>
+<file path=ppt/slides/slide19.xml><?xml version="1.0" encoding="utf-8"?>
 <p:sld xmlns:a="http://schemas.openxmlformats.org/drawingml/2006/main" xmlns:r="http://schemas.openxmlformats.org/officeDocument/2006/relationships" xmlns:p="http://schemas.openxmlformats.org/presentationml/2006/main">
   <p:cSld>
     <p:spTree>
@@ -11732,7 +11881,7 @@
           <p:cNvPr id="9" name="î$ḷíḋé">
             <a:extLst>
               <a:ext uri="{FF2B5EF4-FFF2-40B4-BE49-F238E27FC236}">
-                <a16:creationId xmlns="" xmlns:a16="http://schemas.microsoft.com/office/drawing/2014/main" xmlns:p14="http://schemas.microsoft.com/office/powerpoint/2010/main" id="{04F69230-F3A6-4586-9371-A858F4763E9F}"/>
+                <a16:creationId xmlns:p14="http://schemas.microsoft.com/office/powerpoint/2010/main" xmlns:a16="http://schemas.microsoft.com/office/drawing/2014/main" xmlns="" id="{04F69230-F3A6-4586-9371-A858F4763E9F}"/>
               </a:ext>
             </a:extLst>
           </p:cNvPr>
@@ -11843,364 +11992,6 @@
 </p:sld>
 </file>
 
-<file path=ppt/slides/slide19.xml><?xml version="1.0" encoding="utf-8"?>
-<p:sld xmlns:a="http://schemas.openxmlformats.org/drawingml/2006/main" xmlns:r="http://schemas.openxmlformats.org/officeDocument/2006/relationships" xmlns:p="http://schemas.openxmlformats.org/presentationml/2006/main">
-  <p:cSld>
-    <p:spTree>
-      <p:nvGrpSpPr>
-        <p:cNvPr id="1" name=""/>
-        <p:cNvGrpSpPr/>
-        <p:nvPr/>
-      </p:nvGrpSpPr>
-      <p:grpSpPr>
-        <a:xfrm>
-          <a:off x="0" y="0"/>
-          <a:ext cx="0" cy="0"/>
-          <a:chOff x="0" y="0"/>
-          <a:chExt cx="0" cy="0"/>
-        </a:xfrm>
-      </p:grpSpPr>
-      <p:sp>
-        <p:nvSpPr>
-          <p:cNvPr id="2" name="頁尾版面配置區 1"/>
-          <p:cNvSpPr>
-            <a:spLocks noGrp="1"/>
-          </p:cNvSpPr>
-          <p:nvPr>
-            <p:ph type="ftr" sz="quarter" idx="11"/>
-          </p:nvPr>
-        </p:nvSpPr>
-        <p:spPr/>
-        <p:txBody>
-          <a:bodyPr/>
-          <a:lstStyle/>
-          <a:p>
-            <a:r>
-              <a:rPr lang="zh-CN" altLang="en-US" smtClean="0"/>
-              <a:t>请在插入菜单</a:t>
-            </a:r>
-            <a:r>
-              <a:rPr lang="en-US" altLang="zh-CN" smtClean="0"/>
-              <a:t>—</a:t>
-            </a:r>
-            <a:r>
-              <a:rPr lang="zh-CN" altLang="en-US" smtClean="0"/>
-              <a:t>页眉和页脚中修改此文本</a:t>
-            </a:r>
-            <a:endParaRPr lang="zh-CN" altLang="en-US" dirty="0"/>
-          </a:p>
-        </p:txBody>
-      </p:sp>
-      <p:sp>
-        <p:nvSpPr>
-          <p:cNvPr id="3" name="投影片編號版面配置區 2"/>
-          <p:cNvSpPr>
-            <a:spLocks noGrp="1"/>
-          </p:cNvSpPr>
-          <p:nvPr>
-            <p:ph type="sldNum" sz="quarter" idx="12"/>
-          </p:nvPr>
-        </p:nvSpPr>
-        <p:spPr/>
-        <p:txBody>
-          <a:bodyPr/>
-          <a:lstStyle/>
-          <a:p>
-            <a:fld id="{5DD3DB80-B894-403A-B48E-6FDC1A72010E}" type="slidenum">
-              <a:rPr lang="zh-CN" altLang="en-US" smtClean="0"/>
-              <a:pPr/>
-              <a:t>19</a:t>
-            </a:fld>
-            <a:endParaRPr lang="zh-CN" altLang="en-US"/>
-          </a:p>
-        </p:txBody>
-      </p:sp>
-      <p:sp>
-        <p:nvSpPr>
-          <p:cNvPr id="4" name="標題 3"/>
-          <p:cNvSpPr>
-            <a:spLocks noGrp="1"/>
-          </p:cNvSpPr>
-          <p:nvPr>
-            <p:ph type="title"/>
-          </p:nvPr>
-        </p:nvSpPr>
-        <p:spPr/>
-        <p:txBody>
-          <a:bodyPr/>
-          <a:lstStyle/>
-          <a:p>
-            <a:r>
-              <a:rPr lang="en-US" altLang="zh-TW" dirty="0" err="1" smtClean="0"/>
-              <a:t>Softmax</a:t>
-            </a:r>
-            <a:r>
-              <a:rPr lang="en-US" altLang="zh-TW" dirty="0" smtClean="0"/>
-              <a:t> function</a:t>
-            </a:r>
-            <a:endParaRPr lang="zh-TW" altLang="en-US" dirty="0"/>
-          </a:p>
-        </p:txBody>
-      </p:sp>
-      <p:sp>
-        <p:nvSpPr>
-          <p:cNvPr id="5" name="內容版面配置區 4"/>
-          <p:cNvSpPr>
-            <a:spLocks noGrp="1"/>
-          </p:cNvSpPr>
-          <p:nvPr>
-            <p:ph sz="quarter" idx="13"/>
-          </p:nvPr>
-        </p:nvSpPr>
-        <p:spPr/>
-        <p:txBody>
-          <a:bodyPr/>
-          <a:lstStyle/>
-          <a:p>
-            <a:r>
-              <a:rPr lang="zh-CN" altLang="en-US" dirty="0"/>
-              <a:t>在机器学习尤其是深度学习中，</a:t>
-            </a:r>
-            <a:r>
-              <a:rPr lang="en-US" altLang="zh-CN" dirty="0" err="1"/>
-              <a:t>softmax</a:t>
-            </a:r>
-            <a:r>
-              <a:rPr lang="zh-CN" altLang="en-US" dirty="0"/>
-              <a:t>是个非常常用而且比较重要的函数</a:t>
-            </a:r>
-            <a:r>
-              <a:rPr lang="zh-CN" altLang="en-US" dirty="0" smtClean="0"/>
-              <a:t>，</a:t>
-            </a:r>
-            <a:endParaRPr lang="en-US" altLang="zh-CN" dirty="0" smtClean="0"/>
-          </a:p>
-          <a:p>
-            <a:pPr marL="0" indent="0">
-              <a:buNone/>
-            </a:pPr>
-            <a:r>
-              <a:rPr lang="zh-CN" altLang="en-US" dirty="0" smtClean="0"/>
-              <a:t>尤其</a:t>
-            </a:r>
-            <a:r>
-              <a:rPr lang="zh-CN" altLang="en-US" dirty="0"/>
-              <a:t>在多分类的场景中使用广泛</a:t>
-            </a:r>
-            <a:r>
-              <a:rPr lang="zh-CN" altLang="en-US" dirty="0" smtClean="0"/>
-              <a:t>。</a:t>
-            </a:r>
-            <a:endParaRPr lang="en-US" altLang="zh-CN" dirty="0" smtClean="0"/>
-          </a:p>
-          <a:p>
-            <a:r>
-              <a:rPr lang="zh-CN" altLang="en-US" dirty="0" smtClean="0"/>
-              <a:t>他</a:t>
-            </a:r>
-            <a:r>
-              <a:rPr lang="zh-CN" altLang="en-US" dirty="0"/>
-              <a:t>把一些输入映射为</a:t>
-            </a:r>
-            <a:r>
-              <a:rPr lang="en-US" altLang="zh-CN" dirty="0"/>
-              <a:t>0-1</a:t>
-            </a:r>
-            <a:r>
-              <a:rPr lang="zh-CN" altLang="en-US" dirty="0"/>
-              <a:t>之间的实数，并且归一化保证和为</a:t>
-            </a:r>
-            <a:r>
-              <a:rPr lang="en-US" altLang="zh-CN" dirty="0"/>
-              <a:t>1</a:t>
-            </a:r>
-            <a:r>
-              <a:rPr lang="zh-CN" altLang="en-US" dirty="0"/>
-              <a:t>，因此多分类的概率之和也刚好为</a:t>
-            </a:r>
-            <a:r>
-              <a:rPr lang="en-US" altLang="zh-CN" dirty="0"/>
-              <a:t>1</a:t>
-            </a:r>
-            <a:endParaRPr lang="zh-TW" altLang="en-US" dirty="0"/>
-          </a:p>
-        </p:txBody>
-      </p:sp>
-      <p:pic>
-        <p:nvPicPr>
-          <p:cNvPr id="13314" name="Picture 2" descr="E:\Delete\git_r\two_month_report\202011_2021_1\11_16_to_11_20_third\img\softmax_function.png"/>
-          <p:cNvPicPr>
-            <a:picLocks noChangeAspect="1" noChangeArrowheads="1"/>
-          </p:cNvPicPr>
-          <p:nvPr/>
-        </p:nvPicPr>
-        <p:blipFill>
-          <a:blip r:embed="rId2">
-            <a:extLst>
-              <a:ext uri="{28A0092B-C50C-407E-A947-70E740481C1C}">
-                <a14:useLocalDpi xmlns:a14="http://schemas.microsoft.com/office/drawing/2010/main" val="0"/>
-              </a:ext>
-            </a:extLst>
-          </a:blip>
-          <a:srcRect/>
-          <a:stretch>
-            <a:fillRect/>
-          </a:stretch>
-        </p:blipFill>
-        <p:spPr bwMode="auto">
-          <a:xfrm>
-            <a:off x="1754188" y="2862263"/>
-            <a:ext cx="8233112" cy="1862137"/>
-          </a:xfrm>
-          <a:prstGeom prst="rect">
-            <a:avLst/>
-          </a:prstGeom>
-          <a:noFill/>
-          <a:extLst>
-            <a:ext uri="{909E8E84-426E-40DD-AFC4-6F175D3DCCD1}">
-              <a14:hiddenFill xmlns:a14="http://schemas.microsoft.com/office/drawing/2010/main">
-                <a:solidFill>
-                  <a:srgbClr val="FFFFFF"/>
-                </a:solidFill>
-              </a14:hiddenFill>
-            </a:ext>
-          </a:extLst>
-        </p:spPr>
-      </p:pic>
-    </p:spTree>
-    <p:extLst>
-      <p:ext uri="{BB962C8B-B14F-4D97-AF65-F5344CB8AC3E}">
-        <p14:creationId xmlns:p14="http://schemas.microsoft.com/office/powerpoint/2010/main" val="2677063189"/>
-      </p:ext>
-    </p:extLst>
-  </p:cSld>
-  <p:clrMapOvr>
-    <a:masterClrMapping/>
-  </p:clrMapOvr>
-  <p:timing>
-    <p:tnLst>
-      <p:par>
-        <p:cTn id="1" dur="indefinite" restart="never" nodeType="tmRoot">
-          <p:childTnLst>
-            <p:seq concurrent="1" nextAc="seek">
-              <p:cTn id="2" dur="indefinite" nodeType="mainSeq">
-                <p:childTnLst>
-                  <p:par>
-                    <p:cTn id="3" fill="hold">
-                      <p:stCondLst>
-                        <p:cond delay="indefinite"/>
-                      </p:stCondLst>
-                      <p:childTnLst>
-                        <p:par>
-                          <p:cTn id="4" fill="hold">
-                            <p:stCondLst>
-                              <p:cond delay="0"/>
-                            </p:stCondLst>
-                            <p:childTnLst>
-                              <p:par>
-                                <p:cTn id="5" presetID="2" presetClass="entr" presetSubtype="4" fill="hold" nodeType="clickEffect">
-                                  <p:stCondLst>
-                                    <p:cond delay="0"/>
-                                  </p:stCondLst>
-                                  <p:childTnLst>
-                                    <p:set>
-                                      <p:cBhvr>
-                                        <p:cTn id="6" dur="1" fill="hold">
-                                          <p:stCondLst>
-                                            <p:cond delay="0"/>
-                                          </p:stCondLst>
-                                        </p:cTn>
-                                        <p:tgtEl>
-                                          <p:spTgt spid="13314"/>
-                                        </p:tgtEl>
-                                        <p:attrNameLst>
-                                          <p:attrName>style.visibility</p:attrName>
-                                        </p:attrNameLst>
-                                      </p:cBhvr>
-                                      <p:to>
-                                        <p:strVal val="visible"/>
-                                      </p:to>
-                                    </p:set>
-                                    <p:anim calcmode="lin" valueType="num">
-                                      <p:cBhvr additive="base">
-                                        <p:cTn id="7" dur="500" fill="hold"/>
-                                        <p:tgtEl>
-                                          <p:spTgt spid="13314"/>
-                                        </p:tgtEl>
-                                        <p:attrNameLst>
-                                          <p:attrName>ppt_x</p:attrName>
-                                        </p:attrNameLst>
-                                      </p:cBhvr>
-                                      <p:tavLst>
-                                        <p:tav tm="0">
-                                          <p:val>
-                                            <p:strVal val="#ppt_x"/>
-                                          </p:val>
-                                        </p:tav>
-                                        <p:tav tm="100000">
-                                          <p:val>
-                                            <p:strVal val="#ppt_x"/>
-                                          </p:val>
-                                        </p:tav>
-                                      </p:tavLst>
-                                    </p:anim>
-                                    <p:anim calcmode="lin" valueType="num">
-                                      <p:cBhvr additive="base">
-                                        <p:cTn id="8" dur="500" fill="hold"/>
-                                        <p:tgtEl>
-                                          <p:spTgt spid="13314"/>
-                                        </p:tgtEl>
-                                        <p:attrNameLst>
-                                          <p:attrName>ppt_y</p:attrName>
-                                        </p:attrNameLst>
-                                      </p:cBhvr>
-                                      <p:tavLst>
-                                        <p:tav tm="0">
-                                          <p:val>
-                                            <p:strVal val="1+#ppt_h/2"/>
-                                          </p:val>
-                                        </p:tav>
-                                        <p:tav tm="100000">
-                                          <p:val>
-                                            <p:strVal val="#ppt_y"/>
-                                          </p:val>
-                                        </p:tav>
-                                      </p:tavLst>
-                                    </p:anim>
-                                  </p:childTnLst>
-                                </p:cTn>
-                              </p:par>
-                            </p:childTnLst>
-                          </p:cTn>
-                        </p:par>
-                      </p:childTnLst>
-                    </p:cTn>
-                  </p:par>
-                </p:childTnLst>
-              </p:cTn>
-              <p:prevCondLst>
-                <p:cond evt="onPrev" delay="0">
-                  <p:tgtEl>
-                    <p:sldTgt/>
-                  </p:tgtEl>
-                </p:cond>
-              </p:prevCondLst>
-              <p:nextCondLst>
-                <p:cond evt="onNext" delay="0">
-                  <p:tgtEl>
-                    <p:sldTgt/>
-                  </p:tgtEl>
-                </p:cond>
-              </p:nextCondLst>
-            </p:seq>
-          </p:childTnLst>
-        </p:cTn>
-      </p:par>
-    </p:tnLst>
-  </p:timing>
-</p:sld>
-</file>
-
 <file path=ppt/slides/slide2.xml><?xml version="1.0" encoding="utf-8"?>
 <p:sld xmlns:a="http://schemas.openxmlformats.org/drawingml/2006/main" xmlns:r="http://schemas.openxmlformats.org/officeDocument/2006/relationships" xmlns:p="http://schemas.openxmlformats.org/presentationml/2006/main">
   <p:cSld>
@@ -12223,7 +12014,7 @@
           <p:cNvPr id="2" name="íSliḓè">
             <a:extLst>
               <a:ext uri="{FF2B5EF4-FFF2-40B4-BE49-F238E27FC236}">
-                <a16:creationId xmlns="" xmlns:a16="http://schemas.microsoft.com/office/drawing/2014/main" xmlns:p14="http://schemas.microsoft.com/office/powerpoint/2010/main" id="{C0498D3A-B738-48EC-A39C-94C58B88932B}"/>
+                <a16:creationId xmlns:p14="http://schemas.microsoft.com/office/powerpoint/2010/main" xmlns:a16="http://schemas.microsoft.com/office/drawing/2014/main" xmlns="" id="{C0498D3A-B738-48EC-A39C-94C58B88932B}"/>
               </a:ext>
             </a:extLst>
           </p:cNvPr>
@@ -12243,7 +12034,7 @@
             <p:cNvPr id="6" name="íSļïdè" descr="本素材由iSlide™ 提供&#10;iSlide™尊重知识产权并注重保护用户享有的各项权利。郑重提醒您：&#10;iSlide™插件中提供的任何信息内容的所有权、知识产权归其原始权利人或权利受让人所有，您免费/购买获得的是信息内容的使用权，并受下述条款的约束；&#10;1. 您仅可以个人非商业用途使用该等信息内容，不可将信息内容的全部或部分用于出售，或以出租、出借、转让、分销、发布等其他任何方式供他人使用；&#10;2. 禁止在接入互联网或移动互联网的任何网站、平台、应用或程序上以任何方式为他人提供iSlide™插件资源内容的下载。&#10;The resource is supplied by iSlide™.&#10;iSlide™ respects all intellectual property rights and protects all the rights its users acquired.Solemnly remind you:&#10;The ownership and intellectual property of the resources supplied in iSlide Add-in belongs to its owner or the assignee of this ownership.you only acquired the usage of the resources supplied in iSlide Add-in, as well as respected the following restrain terms:&#10;1.You are only allowed to use such resource for personal and non-commercial aim, not allowed to use such resource or part of it for the sale; or rent, lend, transfer to others; or distribution or release it in any way.&#10;2.You are not permitted to provide the resource of iSlide Add-in in any website, platform, application access to the Internet or mobile Internet." title="iSlide™ 版权声明  COPYRIGHT NOTICE">
               <a:extLst>
                 <a:ext uri="{FF2B5EF4-FFF2-40B4-BE49-F238E27FC236}">
-                  <a16:creationId xmlns="" xmlns:a16="http://schemas.microsoft.com/office/drawing/2014/main" xmlns:p14="http://schemas.microsoft.com/office/powerpoint/2010/main" id="{A759C196-DA28-4241-ABB5-975367026FE9}"/>
+                  <a16:creationId xmlns:p14="http://schemas.microsoft.com/office/powerpoint/2010/main" xmlns:a16="http://schemas.microsoft.com/office/drawing/2014/main" xmlns="" id="{A759C196-DA28-4241-ABB5-975367026FE9}"/>
                 </a:ext>
               </a:extLst>
             </p:cNvPr>
@@ -12265,7 +12056,7 @@
               <p:cNvPr id="7" name="îṩḷiḓè">
                 <a:extLst>
                   <a:ext uri="{FF2B5EF4-FFF2-40B4-BE49-F238E27FC236}">
-                    <a16:creationId xmlns="" xmlns:a16="http://schemas.microsoft.com/office/drawing/2014/main" xmlns:p14="http://schemas.microsoft.com/office/powerpoint/2010/main" id="{48F70259-7598-4270-874A-6F50772D10F6}"/>
+                    <a16:creationId xmlns:p14="http://schemas.microsoft.com/office/powerpoint/2010/main" xmlns:a16="http://schemas.microsoft.com/office/drawing/2014/main" xmlns="" id="{48F70259-7598-4270-874A-6F50772D10F6}"/>
                   </a:ext>
                 </a:extLst>
               </p:cNvPr>
@@ -12533,7 +12324,7 @@
               <p:cNvPr id="8" name="îŝľiḋê">
                 <a:extLst>
                   <a:ext uri="{FF2B5EF4-FFF2-40B4-BE49-F238E27FC236}">
-                    <a16:creationId xmlns="" xmlns:a16="http://schemas.microsoft.com/office/drawing/2014/main" xmlns:p14="http://schemas.microsoft.com/office/powerpoint/2010/main" id="{DA1FB18E-FA01-4588-BEF9-FB96A98A84D4}"/>
+                    <a16:creationId xmlns:p14="http://schemas.microsoft.com/office/powerpoint/2010/main" xmlns:a16="http://schemas.microsoft.com/office/drawing/2014/main" xmlns="" id="{DA1FB18E-FA01-4588-BEF9-FB96A98A84D4}"/>
                   </a:ext>
                 </a:extLst>
               </p:cNvPr>
@@ -12572,7 +12363,7 @@
               <p:cNvPr id="9" name="ïsľiďé">
                 <a:extLst>
                   <a:ext uri="{FF2B5EF4-FFF2-40B4-BE49-F238E27FC236}">
-                    <a16:creationId xmlns="" xmlns:a16="http://schemas.microsoft.com/office/drawing/2014/main" xmlns:p14="http://schemas.microsoft.com/office/powerpoint/2010/main" id="{0DB1D0A1-2667-455C-9387-D7ABF0A00B8C}"/>
+                    <a16:creationId xmlns:p14="http://schemas.microsoft.com/office/powerpoint/2010/main" xmlns:a16="http://schemas.microsoft.com/office/drawing/2014/main" xmlns="" id="{0DB1D0A1-2667-455C-9387-D7ABF0A00B8C}"/>
                   </a:ext>
                 </a:extLst>
               </p:cNvPr>
@@ -12644,7 +12435,7 @@
             <p:cNvPr id="10" name="ïṩļiḋe">
               <a:extLst>
                 <a:ext uri="{FF2B5EF4-FFF2-40B4-BE49-F238E27FC236}">
-                  <a16:creationId xmlns="" xmlns:a16="http://schemas.microsoft.com/office/drawing/2014/main" xmlns:p14="http://schemas.microsoft.com/office/powerpoint/2010/main" id="{ADAD6BE3-DC11-4582-9F68-50D831ADD001}"/>
+                  <a16:creationId xmlns:p14="http://schemas.microsoft.com/office/powerpoint/2010/main" xmlns:a16="http://schemas.microsoft.com/office/drawing/2014/main" xmlns="" id="{ADAD6BE3-DC11-4582-9F68-50D831ADD001}"/>
                 </a:ext>
               </a:extLst>
             </p:cNvPr>
@@ -13476,6 +13267,364 @@
           <a:bodyPr/>
           <a:lstStyle/>
           <a:p>
+            <a:r>
+              <a:rPr lang="zh-CN" altLang="en-US" dirty="0"/>
+              <a:t>在机器学习尤其是深度学习中，</a:t>
+            </a:r>
+            <a:r>
+              <a:rPr lang="en-US" altLang="zh-CN" dirty="0" err="1"/>
+              <a:t>softmax</a:t>
+            </a:r>
+            <a:r>
+              <a:rPr lang="zh-CN" altLang="en-US" dirty="0"/>
+              <a:t>是个非常常用而且比较重要的函数</a:t>
+            </a:r>
+            <a:r>
+              <a:rPr lang="zh-CN" altLang="en-US" dirty="0" smtClean="0"/>
+              <a:t>，</a:t>
+            </a:r>
+            <a:endParaRPr lang="en-US" altLang="zh-CN" dirty="0" smtClean="0"/>
+          </a:p>
+          <a:p>
+            <a:pPr marL="0" indent="0">
+              <a:buNone/>
+            </a:pPr>
+            <a:r>
+              <a:rPr lang="zh-CN" altLang="en-US" dirty="0" smtClean="0"/>
+              <a:t>尤其</a:t>
+            </a:r>
+            <a:r>
+              <a:rPr lang="zh-CN" altLang="en-US" dirty="0"/>
+              <a:t>在多分类的场景中使用广泛</a:t>
+            </a:r>
+            <a:r>
+              <a:rPr lang="zh-CN" altLang="en-US" dirty="0" smtClean="0"/>
+              <a:t>。</a:t>
+            </a:r>
+            <a:endParaRPr lang="en-US" altLang="zh-CN" dirty="0" smtClean="0"/>
+          </a:p>
+          <a:p>
+            <a:r>
+              <a:rPr lang="zh-CN" altLang="en-US" dirty="0" smtClean="0"/>
+              <a:t>他</a:t>
+            </a:r>
+            <a:r>
+              <a:rPr lang="zh-CN" altLang="en-US" dirty="0"/>
+              <a:t>把一些输入映射为</a:t>
+            </a:r>
+            <a:r>
+              <a:rPr lang="en-US" altLang="zh-CN" dirty="0"/>
+              <a:t>0-1</a:t>
+            </a:r>
+            <a:r>
+              <a:rPr lang="zh-CN" altLang="en-US" dirty="0"/>
+              <a:t>之间的实数，并且归一化保证和为</a:t>
+            </a:r>
+            <a:r>
+              <a:rPr lang="en-US" altLang="zh-CN" dirty="0"/>
+              <a:t>1</a:t>
+            </a:r>
+            <a:r>
+              <a:rPr lang="zh-CN" altLang="en-US" dirty="0"/>
+              <a:t>，因此多分类的概率之和也刚好为</a:t>
+            </a:r>
+            <a:r>
+              <a:rPr lang="en-US" altLang="zh-CN" dirty="0"/>
+              <a:t>1</a:t>
+            </a:r>
+            <a:endParaRPr lang="zh-TW" altLang="en-US" dirty="0"/>
+          </a:p>
+        </p:txBody>
+      </p:sp>
+      <p:pic>
+        <p:nvPicPr>
+          <p:cNvPr id="13314" name="Picture 2" descr="E:\Delete\git_r\two_month_report\202011_2021_1\11_16_to_11_20_third\img\softmax_function.png"/>
+          <p:cNvPicPr>
+            <a:picLocks noChangeAspect="1" noChangeArrowheads="1"/>
+          </p:cNvPicPr>
+          <p:nvPr/>
+        </p:nvPicPr>
+        <p:blipFill>
+          <a:blip r:embed="rId2">
+            <a:extLst>
+              <a:ext uri="{28A0092B-C50C-407E-A947-70E740481C1C}">
+                <a14:useLocalDpi xmlns:a14="http://schemas.microsoft.com/office/drawing/2010/main" val="0"/>
+              </a:ext>
+            </a:extLst>
+          </a:blip>
+          <a:srcRect/>
+          <a:stretch>
+            <a:fillRect/>
+          </a:stretch>
+        </p:blipFill>
+        <p:spPr bwMode="auto">
+          <a:xfrm>
+            <a:off x="1754188" y="2862263"/>
+            <a:ext cx="8233112" cy="1862137"/>
+          </a:xfrm>
+          <a:prstGeom prst="rect">
+            <a:avLst/>
+          </a:prstGeom>
+          <a:noFill/>
+          <a:extLst>
+            <a:ext uri="{909E8E84-426E-40DD-AFC4-6F175D3DCCD1}">
+              <a14:hiddenFill xmlns:a14="http://schemas.microsoft.com/office/drawing/2010/main">
+                <a:solidFill>
+                  <a:srgbClr val="FFFFFF"/>
+                </a:solidFill>
+              </a14:hiddenFill>
+            </a:ext>
+          </a:extLst>
+        </p:spPr>
+      </p:pic>
+    </p:spTree>
+    <p:extLst>
+      <p:ext uri="{BB962C8B-B14F-4D97-AF65-F5344CB8AC3E}">
+        <p14:creationId xmlns:p14="http://schemas.microsoft.com/office/powerpoint/2010/main" val="2677063189"/>
+      </p:ext>
+    </p:extLst>
+  </p:cSld>
+  <p:clrMapOvr>
+    <a:masterClrMapping/>
+  </p:clrMapOvr>
+  <p:timing>
+    <p:tnLst>
+      <p:par>
+        <p:cTn id="1" dur="indefinite" restart="never" nodeType="tmRoot">
+          <p:childTnLst>
+            <p:seq concurrent="1" nextAc="seek">
+              <p:cTn id="2" dur="indefinite" nodeType="mainSeq">
+                <p:childTnLst>
+                  <p:par>
+                    <p:cTn id="3" fill="hold">
+                      <p:stCondLst>
+                        <p:cond delay="indefinite"/>
+                      </p:stCondLst>
+                      <p:childTnLst>
+                        <p:par>
+                          <p:cTn id="4" fill="hold">
+                            <p:stCondLst>
+                              <p:cond delay="0"/>
+                            </p:stCondLst>
+                            <p:childTnLst>
+                              <p:par>
+                                <p:cTn id="5" presetID="2" presetClass="entr" presetSubtype="4" fill="hold" nodeType="clickEffect">
+                                  <p:stCondLst>
+                                    <p:cond delay="0"/>
+                                  </p:stCondLst>
+                                  <p:childTnLst>
+                                    <p:set>
+                                      <p:cBhvr>
+                                        <p:cTn id="6" dur="1" fill="hold">
+                                          <p:stCondLst>
+                                            <p:cond delay="0"/>
+                                          </p:stCondLst>
+                                        </p:cTn>
+                                        <p:tgtEl>
+                                          <p:spTgt spid="13314"/>
+                                        </p:tgtEl>
+                                        <p:attrNameLst>
+                                          <p:attrName>style.visibility</p:attrName>
+                                        </p:attrNameLst>
+                                      </p:cBhvr>
+                                      <p:to>
+                                        <p:strVal val="visible"/>
+                                      </p:to>
+                                    </p:set>
+                                    <p:anim calcmode="lin" valueType="num">
+                                      <p:cBhvr additive="base">
+                                        <p:cTn id="7" dur="500" fill="hold"/>
+                                        <p:tgtEl>
+                                          <p:spTgt spid="13314"/>
+                                        </p:tgtEl>
+                                        <p:attrNameLst>
+                                          <p:attrName>ppt_x</p:attrName>
+                                        </p:attrNameLst>
+                                      </p:cBhvr>
+                                      <p:tavLst>
+                                        <p:tav tm="0">
+                                          <p:val>
+                                            <p:strVal val="#ppt_x"/>
+                                          </p:val>
+                                        </p:tav>
+                                        <p:tav tm="100000">
+                                          <p:val>
+                                            <p:strVal val="#ppt_x"/>
+                                          </p:val>
+                                        </p:tav>
+                                      </p:tavLst>
+                                    </p:anim>
+                                    <p:anim calcmode="lin" valueType="num">
+                                      <p:cBhvr additive="base">
+                                        <p:cTn id="8" dur="500" fill="hold"/>
+                                        <p:tgtEl>
+                                          <p:spTgt spid="13314"/>
+                                        </p:tgtEl>
+                                        <p:attrNameLst>
+                                          <p:attrName>ppt_y</p:attrName>
+                                        </p:attrNameLst>
+                                      </p:cBhvr>
+                                      <p:tavLst>
+                                        <p:tav tm="0">
+                                          <p:val>
+                                            <p:strVal val="1+#ppt_h/2"/>
+                                          </p:val>
+                                        </p:tav>
+                                        <p:tav tm="100000">
+                                          <p:val>
+                                            <p:strVal val="#ppt_y"/>
+                                          </p:val>
+                                        </p:tav>
+                                      </p:tavLst>
+                                    </p:anim>
+                                  </p:childTnLst>
+                                </p:cTn>
+                              </p:par>
+                            </p:childTnLst>
+                          </p:cTn>
+                        </p:par>
+                      </p:childTnLst>
+                    </p:cTn>
+                  </p:par>
+                </p:childTnLst>
+              </p:cTn>
+              <p:prevCondLst>
+                <p:cond evt="onPrev" delay="0">
+                  <p:tgtEl>
+                    <p:sldTgt/>
+                  </p:tgtEl>
+                </p:cond>
+              </p:prevCondLst>
+              <p:nextCondLst>
+                <p:cond evt="onNext" delay="0">
+                  <p:tgtEl>
+                    <p:sldTgt/>
+                  </p:tgtEl>
+                </p:cond>
+              </p:nextCondLst>
+            </p:seq>
+          </p:childTnLst>
+        </p:cTn>
+      </p:par>
+    </p:tnLst>
+  </p:timing>
+</p:sld>
+</file>
+
+<file path=ppt/slides/slide21.xml><?xml version="1.0" encoding="utf-8"?>
+<p:sld xmlns:a="http://schemas.openxmlformats.org/drawingml/2006/main" xmlns:r="http://schemas.openxmlformats.org/officeDocument/2006/relationships" xmlns:p="http://schemas.openxmlformats.org/presentationml/2006/main">
+  <p:cSld>
+    <p:spTree>
+      <p:nvGrpSpPr>
+        <p:cNvPr id="1" name=""/>
+        <p:cNvGrpSpPr/>
+        <p:nvPr/>
+      </p:nvGrpSpPr>
+      <p:grpSpPr>
+        <a:xfrm>
+          <a:off x="0" y="0"/>
+          <a:ext cx="0" cy="0"/>
+          <a:chOff x="0" y="0"/>
+          <a:chExt cx="0" cy="0"/>
+        </a:xfrm>
+      </p:grpSpPr>
+      <p:sp>
+        <p:nvSpPr>
+          <p:cNvPr id="2" name="頁尾版面配置區 1"/>
+          <p:cNvSpPr>
+            <a:spLocks noGrp="1"/>
+          </p:cNvSpPr>
+          <p:nvPr>
+            <p:ph type="ftr" sz="quarter" idx="11"/>
+          </p:nvPr>
+        </p:nvSpPr>
+        <p:spPr/>
+        <p:txBody>
+          <a:bodyPr/>
+          <a:lstStyle/>
+          <a:p>
+            <a:r>
+              <a:rPr lang="zh-CN" altLang="en-US" smtClean="0"/>
+              <a:t>请在插入菜单</a:t>
+            </a:r>
+            <a:r>
+              <a:rPr lang="en-US" altLang="zh-CN" smtClean="0"/>
+              <a:t>—</a:t>
+            </a:r>
+            <a:r>
+              <a:rPr lang="zh-CN" altLang="en-US" smtClean="0"/>
+              <a:t>页眉和页脚中修改此文本</a:t>
+            </a:r>
+            <a:endParaRPr lang="zh-CN" altLang="en-US" dirty="0"/>
+          </a:p>
+        </p:txBody>
+      </p:sp>
+      <p:sp>
+        <p:nvSpPr>
+          <p:cNvPr id="3" name="投影片編號版面配置區 2"/>
+          <p:cNvSpPr>
+            <a:spLocks noGrp="1"/>
+          </p:cNvSpPr>
+          <p:nvPr>
+            <p:ph type="sldNum" sz="quarter" idx="12"/>
+          </p:nvPr>
+        </p:nvSpPr>
+        <p:spPr/>
+        <p:txBody>
+          <a:bodyPr/>
+          <a:lstStyle/>
+          <a:p>
+            <a:fld id="{5DD3DB80-B894-403A-B48E-6FDC1A72010E}" type="slidenum">
+              <a:rPr lang="zh-CN" altLang="en-US" smtClean="0"/>
+              <a:pPr/>
+              <a:t>21</a:t>
+            </a:fld>
+            <a:endParaRPr lang="zh-CN" altLang="en-US"/>
+          </a:p>
+        </p:txBody>
+      </p:sp>
+      <p:sp>
+        <p:nvSpPr>
+          <p:cNvPr id="4" name="標題 3"/>
+          <p:cNvSpPr>
+            <a:spLocks noGrp="1"/>
+          </p:cNvSpPr>
+          <p:nvPr>
+            <p:ph type="title"/>
+          </p:nvPr>
+        </p:nvSpPr>
+        <p:spPr/>
+        <p:txBody>
+          <a:bodyPr/>
+          <a:lstStyle/>
+          <a:p>
+            <a:r>
+              <a:rPr lang="en-US" altLang="zh-TW" dirty="0" err="1" smtClean="0"/>
+              <a:t>Softmax</a:t>
+            </a:r>
+            <a:r>
+              <a:rPr lang="en-US" altLang="zh-TW" dirty="0" smtClean="0"/>
+              <a:t> function</a:t>
+            </a:r>
+            <a:endParaRPr lang="zh-TW" altLang="en-US" dirty="0"/>
+          </a:p>
+        </p:txBody>
+      </p:sp>
+      <p:sp>
+        <p:nvSpPr>
+          <p:cNvPr id="5" name="內容版面配置區 4"/>
+          <p:cNvSpPr>
+            <a:spLocks noGrp="1"/>
+          </p:cNvSpPr>
+          <p:nvPr>
+            <p:ph sz="quarter" idx="13"/>
+          </p:nvPr>
+        </p:nvSpPr>
+        <p:spPr/>
+        <p:txBody>
+          <a:bodyPr/>
+          <a:lstStyle/>
+          <a:p>
             <a:endParaRPr lang="zh-TW" altLang="en-US" dirty="0"/>
           </a:p>
         </p:txBody>
@@ -13541,7 +13690,7 @@
 </p:sld>
 </file>
 
-<file path=ppt/slides/slide21.xml><?xml version="1.0" encoding="utf-8"?>
+<file path=ppt/slides/slide22.xml><?xml version="1.0" encoding="utf-8"?>
 <p:sld xmlns:a="http://schemas.openxmlformats.org/drawingml/2006/main" xmlns:r="http://schemas.openxmlformats.org/officeDocument/2006/relationships" xmlns:p="http://schemas.openxmlformats.org/presentationml/2006/main">
   <p:cSld>
     <p:spTree>
@@ -13586,7 +13735,7 @@
           <p:cNvPr id="9" name="î$ḷíḋé">
             <a:extLst>
               <a:ext uri="{FF2B5EF4-FFF2-40B4-BE49-F238E27FC236}">
-                <a16:creationId xmlns="" xmlns:a16="http://schemas.microsoft.com/office/drawing/2014/main" xmlns:p14="http://schemas.microsoft.com/office/powerpoint/2010/main" id="{04F69230-F3A6-4586-9371-A858F4763E9F}"/>
+                <a16:creationId xmlns:p14="http://schemas.microsoft.com/office/powerpoint/2010/main" xmlns:a16="http://schemas.microsoft.com/office/drawing/2014/main" xmlns="" id="{04F69230-F3A6-4586-9371-A858F4763E9F}"/>
               </a:ext>
             </a:extLst>
           </p:cNvPr>
@@ -13697,7 +13846,7 @@
 </p:sld>
 </file>
 
-<file path=ppt/slides/slide22.xml><?xml version="1.0" encoding="utf-8"?>
+<file path=ppt/slides/slide23.xml><?xml version="1.0" encoding="utf-8"?>
 <p:sld xmlns:a="http://schemas.openxmlformats.org/drawingml/2006/main" xmlns:r="http://schemas.openxmlformats.org/officeDocument/2006/relationships" xmlns:p="http://schemas.openxmlformats.org/presentationml/2006/main">
   <p:cSld>
     <p:spTree>
@@ -13802,7 +13951,7 @@
             <a:fld id="{5DD3DB80-B894-403A-B48E-6FDC1A72010E}" type="slidenum">
               <a:rPr lang="zh-CN" altLang="en-US" smtClean="0"/>
               <a:pPr/>
-              <a:t>22</a:t>
+              <a:t>23</a:t>
             </a:fld>
             <a:endParaRPr lang="zh-CN" altLang="en-US"/>
           </a:p>
@@ -13831,7 +13980,7 @@
 </p:sld>
 </file>
 
-<file path=ppt/slides/slide23.xml><?xml version="1.0" encoding="utf-8"?>
+<file path=ppt/slides/slide24.xml><?xml version="1.0" encoding="utf-8"?>
 <p:sld xmlns:a="http://schemas.openxmlformats.org/drawingml/2006/main" xmlns:r="http://schemas.openxmlformats.org/officeDocument/2006/relationships" xmlns:p="http://schemas.openxmlformats.org/presentationml/2006/main">
   <p:cSld>
     <p:spTree>
@@ -13853,7 +14002,7 @@
           <p:cNvPr id="3" name="íṡḻiḓé" hidden="1">
             <a:extLst>
               <a:ext uri="{FF2B5EF4-FFF2-40B4-BE49-F238E27FC236}">
-                <a16:creationId xmlns="" xmlns:a16="http://schemas.microsoft.com/office/drawing/2014/main" xmlns:v="urn:schemas-microsoft-com:vml" xmlns:mc="http://schemas.openxmlformats.org/markup-compatibility/2006" xmlns:p14="http://schemas.microsoft.com/office/powerpoint/2010/main" id="{A6A819F1-33AF-45D7-8BF6-2B0A9769CAD4}"/>
+                <a16:creationId xmlns:p14="http://schemas.microsoft.com/office/powerpoint/2010/main" xmlns:mc="http://schemas.openxmlformats.org/markup-compatibility/2006" xmlns:v="urn:schemas-microsoft-com:vml" xmlns:a16="http://schemas.microsoft.com/office/drawing/2014/main" xmlns="" id="{A6A819F1-33AF-45D7-8BF6-2B0A9769CAD4}"/>
               </a:ext>
             </a:extLst>
           </p:cNvPr>
@@ -13876,7 +14025,7 @@
           <a:graphicData uri="http://schemas.openxmlformats.org/presentationml/2006/ole">
             <mc:AlternateContent xmlns:mc="http://schemas.openxmlformats.org/markup-compatibility/2006">
               <mc:Choice xmlns:v="urn:schemas-microsoft-com:vml" Requires="v">
-                <p:oleObj spid="_x0000_s3112" name="think-cell Slide" r:id="rId5" imgW="347" imgH="348" progId="TCLayout.ActiveDocument.1">
+                <p:oleObj spid="_x0000_s3113" name="think-cell Slide" r:id="rId5" imgW="347" imgH="348" progId="TCLayout.ActiveDocument.1">
                   <p:embed/>
                 </p:oleObj>
               </mc:Choice>
@@ -13888,7 +14037,7 @@
                       <p:cNvPr id="3" name="íṩ1iḑé" hidden="1">
                         <a:extLst>
                           <a:ext uri="{FF2B5EF4-FFF2-40B4-BE49-F238E27FC236}">
-                            <a16:creationId xmlns="" xmlns:a16="http://schemas.microsoft.com/office/drawing/2014/main" xmlns:v="urn:schemas-microsoft-com:vml" xmlns:p14="http://schemas.microsoft.com/office/powerpoint/2010/main" id="{A6A819F1-33AF-45D7-8BF6-2B0A9769CAD4}"/>
+                            <a16:creationId xmlns:p14="http://schemas.microsoft.com/office/powerpoint/2010/main" xmlns:v="urn:schemas-microsoft-com:vml" xmlns:a16="http://schemas.microsoft.com/office/drawing/2014/main" xmlns="" id="{A6A819F1-33AF-45D7-8BF6-2B0A9769CAD4}"/>
                           </a:ext>
                         </a:extLst>
                       </p:cNvPr>
@@ -13922,7 +14071,7 @@
           <p:cNvPr id="2" name="išľïďe" hidden="1">
             <a:extLst>
               <a:ext uri="{FF2B5EF4-FFF2-40B4-BE49-F238E27FC236}">
-                <a16:creationId xmlns="" xmlns:a16="http://schemas.microsoft.com/office/drawing/2014/main" xmlns:v="urn:schemas-microsoft-com:vml" xmlns:mc="http://schemas.openxmlformats.org/markup-compatibility/2006" xmlns:p14="http://schemas.microsoft.com/office/powerpoint/2010/main" id="{FF51F16D-1BAD-46EE-A6F4-B8B94C9DF628}"/>
+                <a16:creationId xmlns:p14="http://schemas.microsoft.com/office/powerpoint/2010/main" xmlns:mc="http://schemas.openxmlformats.org/markup-compatibility/2006" xmlns:v="urn:schemas-microsoft-com:vml" xmlns:a16="http://schemas.microsoft.com/office/drawing/2014/main" xmlns="" id="{FF51F16D-1BAD-46EE-A6F4-B8B94C9DF628}"/>
               </a:ext>
             </a:extLst>
           </p:cNvPr>
@@ -14087,7 +14236,7 @@
           <p:cNvPr id="13" name="îṣlíḍe">
             <a:extLst>
               <a:ext uri="{FF2B5EF4-FFF2-40B4-BE49-F238E27FC236}">
-                <a16:creationId xmlns="" xmlns:a16="http://schemas.microsoft.com/office/drawing/2014/main" xmlns:v="urn:schemas-microsoft-com:vml" xmlns:mc="http://schemas.openxmlformats.org/markup-compatibility/2006" xmlns:p14="http://schemas.microsoft.com/office/powerpoint/2010/main" id="{394FC8CD-4FAD-452B-A6ED-A378816FAA36}"/>
+                <a16:creationId xmlns:p14="http://schemas.microsoft.com/office/powerpoint/2010/main" xmlns:mc="http://schemas.openxmlformats.org/markup-compatibility/2006" xmlns:v="urn:schemas-microsoft-com:vml" xmlns:a16="http://schemas.microsoft.com/office/drawing/2014/main" xmlns="" id="{394FC8CD-4FAD-452B-A6ED-A378816FAA36}"/>
               </a:ext>
             </a:extLst>
           </p:cNvPr>
@@ -14130,7 +14279,7 @@
           <p:cNvPr id="14" name="ïSḻíďê">
             <a:extLst>
               <a:ext uri="{FF2B5EF4-FFF2-40B4-BE49-F238E27FC236}">
-                <a16:creationId xmlns="" xmlns:a16="http://schemas.microsoft.com/office/drawing/2014/main" xmlns:v="urn:schemas-microsoft-com:vml" xmlns:mc="http://schemas.openxmlformats.org/markup-compatibility/2006" xmlns:p14="http://schemas.microsoft.com/office/powerpoint/2010/main" id="{7C549D2A-4C2D-40D9-B2D1-E96901BFF877}"/>
+                <a16:creationId xmlns:p14="http://schemas.microsoft.com/office/powerpoint/2010/main" xmlns:mc="http://schemas.openxmlformats.org/markup-compatibility/2006" xmlns:v="urn:schemas-microsoft-com:vml" xmlns:a16="http://schemas.microsoft.com/office/drawing/2014/main" xmlns="" id="{7C549D2A-4C2D-40D9-B2D1-E96901BFF877}"/>
               </a:ext>
             </a:extLst>
           </p:cNvPr>
@@ -14240,7 +14389,7 @@
           <p:cNvPr id="9" name="î$ḷíḋé">
             <a:extLst>
               <a:ext uri="{FF2B5EF4-FFF2-40B4-BE49-F238E27FC236}">
-                <a16:creationId xmlns="" xmlns:a16="http://schemas.microsoft.com/office/drawing/2014/main" xmlns:p14="http://schemas.microsoft.com/office/powerpoint/2010/main" id="{04F69230-F3A6-4586-9371-A858F4763E9F}"/>
+                <a16:creationId xmlns:p14="http://schemas.microsoft.com/office/powerpoint/2010/main" xmlns:a16="http://schemas.microsoft.com/office/drawing/2014/main" xmlns="" id="{04F69230-F3A6-4586-9371-A858F4763E9F}"/>
               </a:ext>
             </a:extLst>
           </p:cNvPr>
@@ -15536,7 +15685,7 @@
           <p:cNvPr id="9" name="î$ḷíḋé">
             <a:extLst>
               <a:ext uri="{FF2B5EF4-FFF2-40B4-BE49-F238E27FC236}">
-                <a16:creationId xmlns="" xmlns:a16="http://schemas.microsoft.com/office/drawing/2014/main" xmlns:p14="http://schemas.microsoft.com/office/powerpoint/2010/main" id="{04F69230-F3A6-4586-9371-A858F4763E9F}"/>
+                <a16:creationId xmlns:p14="http://schemas.microsoft.com/office/powerpoint/2010/main" xmlns:a16="http://schemas.microsoft.com/office/drawing/2014/main" xmlns="" id="{04F69230-F3A6-4586-9371-A858F4763E9F}"/>
               </a:ext>
             </a:extLst>
           </p:cNvPr>
@@ -17040,7 +17189,7 @@
   <a:extraClrSchemeLst/>
   <a:extLst>
     <a:ext uri="{05A4C25C-085E-4340-85A3-A5531E510DB2}">
-      <thm15:themeFamily xmlns="" xmlns:thm15="http://schemas.microsoft.com/office/thememl/2012/main" name="主题5" id="{B8EDB911-D765-4A7B-BBC7-40DBB672FBA6}" vid="{AECAB1C0-5DF6-436C-85E8-20094DBE11C0}"/>
+      <thm15:themeFamily xmlns:thm15="http://schemas.microsoft.com/office/thememl/2012/main" xmlns="" name="主题5" id="{B8EDB911-D765-4A7B-BBC7-40DBB672FBA6}" vid="{AECAB1C0-5DF6-436C-85E8-20094DBE11C0}"/>
     </a:ext>
   </a:extLst>
 </a:theme>
@@ -17301,7 +17450,7 @@
   <a:extraClrSchemeLst/>
   <a:extLst>
     <a:ext uri="{05A4C25C-085E-4340-85A3-A5531E510DB2}">
-      <thm15:themeFamily xmlns="" xmlns:thm15="http://schemas.microsoft.com/office/thememl/2012/main" name="Office Theme" id="{62F939B6-93AF-4DB8-9C6B-D6C7DFDC589F}" vid="{4A3C46E8-61CC-4603-A589-7422A47A8E4A}"/>
+      <thm15:themeFamily xmlns:thm15="http://schemas.microsoft.com/office/thememl/2012/main" xmlns="" name="Office Theme" id="{62F939B6-93AF-4DB8-9C6B-D6C7DFDC589F}" vid="{4A3C46E8-61CC-4603-A589-7422A47A8E4A}"/>
     </a:ext>
   </a:extLst>
 </a:theme>
@@ -17596,7 +17745,7 @@
   <a:extraClrSchemeLst/>
   <a:extLst>
     <a:ext uri="{05A4C25C-085E-4340-85A3-A5531E510DB2}">
-      <thm15:themeFamily xmlns="" xmlns:thm15="http://schemas.microsoft.com/office/thememl/2012/main" name="Office Theme" id="{62F939B6-93AF-4DB8-9C6B-D6C7DFDC589F}" vid="{4A3C46E8-61CC-4603-A589-7422A47A8E4A}"/>
+      <thm15:themeFamily xmlns:thm15="http://schemas.microsoft.com/office/thememl/2012/main" xmlns="" name="Office Theme" id="{62F939B6-93AF-4DB8-9C6B-D6C7DFDC589F}" vid="{4A3C46E8-61CC-4603-A589-7422A47A8E4A}"/>
     </a:ext>
   </a:extLst>
 </a:theme>

--- a/11_16_to_11_20_third/3.RNN.pptx
+++ b/11_16_to_11_20_third/3.RNN.pptx
@@ -16,17 +16,17 @@
     <p:sldId id="258" r:id="rId4"/>
     <p:sldId id="281" r:id="rId5"/>
     <p:sldId id="282" r:id="rId6"/>
-    <p:sldId id="297" r:id="rId7"/>
-    <p:sldId id="278" r:id="rId8"/>
-    <p:sldId id="283" r:id="rId9"/>
-    <p:sldId id="284" r:id="rId10"/>
-    <p:sldId id="285" r:id="rId11"/>
-    <p:sldId id="287" r:id="rId12"/>
-    <p:sldId id="286" r:id="rId13"/>
-    <p:sldId id="288" r:id="rId14"/>
-    <p:sldId id="290" r:id="rId15"/>
-    <p:sldId id="296" r:id="rId16"/>
-    <p:sldId id="298" r:id="rId17"/>
+    <p:sldId id="298" r:id="rId7"/>
+    <p:sldId id="297" r:id="rId8"/>
+    <p:sldId id="278" r:id="rId9"/>
+    <p:sldId id="283" r:id="rId10"/>
+    <p:sldId id="284" r:id="rId11"/>
+    <p:sldId id="285" r:id="rId12"/>
+    <p:sldId id="287" r:id="rId13"/>
+    <p:sldId id="286" r:id="rId14"/>
+    <p:sldId id="288" r:id="rId15"/>
+    <p:sldId id="290" r:id="rId16"/>
+    <p:sldId id="296" r:id="rId17"/>
     <p:sldId id="292" r:id="rId18"/>
     <p:sldId id="293" r:id="rId19"/>
     <p:sldId id="279" r:id="rId20"/>
@@ -138,10 +138,10 @@
   </p:defaultTextStyle>
   <p:extLst>
     <p:ext uri="{EFAFB233-063F-42B5-8137-9DF3F51BA10A}">
-      <p15:sldGuideLst xmlns:p15="http://schemas.microsoft.com/office/powerpoint/2012/main" xmlns=""/>
+      <p15:sldGuideLst xmlns="" xmlns:p15="http://schemas.microsoft.com/office/powerpoint/2012/main"/>
     </p:ext>
     <p:ext uri="{2D200454-40CA-4A62-9FC3-DE9A4176ACB9}">
-      <p15:notesGuideLst xmlns:p15="http://schemas.microsoft.com/office/powerpoint/2012/main" xmlns=""/>
+      <p15:notesGuideLst xmlns="" xmlns:p15="http://schemas.microsoft.com/office/powerpoint/2012/main"/>
     </p:ext>
   </p:extLst>
 </p:presentation>
@@ -367,7 +367,7 @@
           <p:cNvPr id="2" name="页眉占位符 1">
             <a:extLst>
               <a:ext uri="{FF2B5EF4-FFF2-40B4-BE49-F238E27FC236}">
-                <a16:creationId xmlns:a16="http://schemas.microsoft.com/office/drawing/2014/main" xmlns="" id="{B9A56829-66AA-42AA-918E-5C6DB1AE50A7}"/>
+                <a16:creationId xmlns="" xmlns:a16="http://schemas.microsoft.com/office/drawing/2014/main" id="{B9A56829-66AA-42AA-918E-5C6DB1AE50A7}"/>
               </a:ext>
             </a:extLst>
           </p:cNvPr>
@@ -404,7 +404,7 @@
           <p:cNvPr id="3" name="日期占位符 2">
             <a:extLst>
               <a:ext uri="{FF2B5EF4-FFF2-40B4-BE49-F238E27FC236}">
-                <a16:creationId xmlns:a16="http://schemas.microsoft.com/office/drawing/2014/main" xmlns="" id="{241084A9-BC5C-4420-B17C-51E328D45576}"/>
+                <a16:creationId xmlns="" xmlns:a16="http://schemas.microsoft.com/office/drawing/2014/main" id="{241084A9-BC5C-4420-B17C-51E328D45576}"/>
               </a:ext>
             </a:extLst>
           </p:cNvPr>
@@ -434,7 +434,7 @@
           <a:p>
             <a:fld id="{B478E0E4-DC06-4041-AFA7-BB6F527FFA3F}" type="datetimeFigureOut">
               <a:rPr lang="zh-CN" altLang="en-US" smtClean="0"/>
-              <a:t>2020/11/14</a:t>
+              <a:t>2020/11/16</a:t>
             </a:fld>
             <a:endParaRPr lang="zh-CN" altLang="en-US"/>
           </a:p>
@@ -445,7 +445,7 @@
           <p:cNvPr id="4" name="页脚占位符 3">
             <a:extLst>
               <a:ext uri="{FF2B5EF4-FFF2-40B4-BE49-F238E27FC236}">
-                <a16:creationId xmlns:a16="http://schemas.microsoft.com/office/drawing/2014/main" xmlns="" id="{0D6F2124-7B35-4E59-B9E8-DB09EE1408A4}"/>
+                <a16:creationId xmlns="" xmlns:a16="http://schemas.microsoft.com/office/drawing/2014/main" id="{0D6F2124-7B35-4E59-B9E8-DB09EE1408A4}"/>
               </a:ext>
             </a:extLst>
           </p:cNvPr>
@@ -482,7 +482,7 @@
           <p:cNvPr id="5" name="灯片编号占位符 4">
             <a:extLst>
               <a:ext uri="{FF2B5EF4-FFF2-40B4-BE49-F238E27FC236}">
-                <a16:creationId xmlns:a16="http://schemas.microsoft.com/office/drawing/2014/main" xmlns="" id="{F2BF8FFE-D997-4E34-9A01-CD2014B95241}"/>
+                <a16:creationId xmlns="" xmlns:a16="http://schemas.microsoft.com/office/drawing/2014/main" id="{F2BF8FFE-D997-4E34-9A01-CD2014B95241}"/>
               </a:ext>
             </a:extLst>
           </p:cNvPr>
@@ -611,7 +611,7 @@
           <a:p>
             <a:fld id="{E86D8963-CFCD-4740-AF60-049850373CDF}" type="datetimeFigureOut">
               <a:rPr lang="zh-CN" altLang="en-US" smtClean="0"/>
-              <a:t>2020/11/14</a:t>
+              <a:t>2020/11/16</a:t>
             </a:fld>
             <a:endParaRPr lang="zh-CN" altLang="en-US"/>
           </a:p>
@@ -900,7 +900,7 @@
           <p:cNvPr id="2" name="îṩ1ïdê">
             <a:extLst>
               <a:ext uri="{FF2B5EF4-FFF2-40B4-BE49-F238E27FC236}">
-                <a16:creationId xmlns:p14="http://schemas.microsoft.com/office/powerpoint/2010/main" xmlns:a16="http://schemas.microsoft.com/office/drawing/2014/main" xmlns="" id="{B165F2F7-32E4-4AF8-8657-36AC30D78579}"/>
+                <a16:creationId xmlns="" xmlns:a16="http://schemas.microsoft.com/office/drawing/2014/main" xmlns:p14="http://schemas.microsoft.com/office/powerpoint/2010/main" id="{B165F2F7-32E4-4AF8-8657-36AC30D78579}"/>
               </a:ext>
             </a:extLst>
           </p:cNvPr>
@@ -1060,7 +1060,7 @@
           <p:cNvPr id="7" name="组合 6">
             <a:extLst>
               <a:ext uri="{FF2B5EF4-FFF2-40B4-BE49-F238E27FC236}">
-                <a16:creationId xmlns:p14="http://schemas.microsoft.com/office/powerpoint/2010/main" xmlns:a16="http://schemas.microsoft.com/office/drawing/2014/main" xmlns="" id="{3491D0C5-E57C-45B4-AFE5-02F7704CDCF6}"/>
+                <a16:creationId xmlns="" xmlns:a16="http://schemas.microsoft.com/office/drawing/2014/main" xmlns:p14="http://schemas.microsoft.com/office/powerpoint/2010/main" id="{3491D0C5-E57C-45B4-AFE5-02F7704CDCF6}"/>
               </a:ext>
             </a:extLst>
           </p:cNvPr>
@@ -1080,7 +1080,7 @@
             <p:cNvPr id="11" name="ïş1ïḓe">
               <a:extLst>
                 <a:ext uri="{FF2B5EF4-FFF2-40B4-BE49-F238E27FC236}">
-                  <a16:creationId xmlns:p14="http://schemas.microsoft.com/office/powerpoint/2010/main" xmlns:a16="http://schemas.microsoft.com/office/drawing/2014/main" xmlns="" id="{AAEF8C50-AF93-4B64-9F64-BC188B9CC986}"/>
+                  <a16:creationId xmlns="" xmlns:a16="http://schemas.microsoft.com/office/drawing/2014/main" xmlns:p14="http://schemas.microsoft.com/office/powerpoint/2010/main" id="{AAEF8C50-AF93-4B64-9F64-BC188B9CC986}"/>
                 </a:ext>
               </a:extLst>
             </p:cNvPr>
@@ -1164,7 +1164,7 @@
             <p:cNvPr id="14" name="ïş1îḓé">
               <a:extLst>
                 <a:ext uri="{FF2B5EF4-FFF2-40B4-BE49-F238E27FC236}">
-                  <a16:creationId xmlns:p14="http://schemas.microsoft.com/office/powerpoint/2010/main" xmlns:a16="http://schemas.microsoft.com/office/drawing/2014/main" xmlns="" id="{D1034528-61F0-451C-8439-59044CBBC42D}"/>
+                  <a16:creationId xmlns="" xmlns:a16="http://schemas.microsoft.com/office/drawing/2014/main" xmlns:p14="http://schemas.microsoft.com/office/powerpoint/2010/main" id="{D1034528-61F0-451C-8439-59044CBBC42D}"/>
                 </a:ext>
               </a:extLst>
             </p:cNvPr>
@@ -1257,7 +1257,7 @@
             <p:cNvPr id="15" name="íṡ1íḑè">
               <a:extLst>
                 <a:ext uri="{FF2B5EF4-FFF2-40B4-BE49-F238E27FC236}">
-                  <a16:creationId xmlns:p14="http://schemas.microsoft.com/office/powerpoint/2010/main" xmlns:a16="http://schemas.microsoft.com/office/drawing/2014/main" xmlns="" id="{443590D7-CA87-4478-AB6B-8DA2AC5C485A}"/>
+                  <a16:creationId xmlns="" xmlns:a16="http://schemas.microsoft.com/office/drawing/2014/main" xmlns:p14="http://schemas.microsoft.com/office/powerpoint/2010/main" id="{443590D7-CA87-4478-AB6B-8DA2AC5C485A}"/>
                 </a:ext>
               </a:extLst>
             </p:cNvPr>
@@ -1342,7 +1342,7 @@
             <p:cNvPr id="16" name="îṥḻiḍê">
               <a:extLst>
                 <a:ext uri="{FF2B5EF4-FFF2-40B4-BE49-F238E27FC236}">
-                  <a16:creationId xmlns:p14="http://schemas.microsoft.com/office/powerpoint/2010/main" xmlns:a16="http://schemas.microsoft.com/office/drawing/2014/main" xmlns="" id="{FD92C89C-9731-46F9-9B6E-376810BFF18B}"/>
+                  <a16:creationId xmlns="" xmlns:a16="http://schemas.microsoft.com/office/drawing/2014/main" xmlns:p14="http://schemas.microsoft.com/office/powerpoint/2010/main" id="{FD92C89C-9731-46F9-9B6E-376810BFF18B}"/>
                 </a:ext>
               </a:extLst>
             </p:cNvPr>
@@ -1427,7 +1427,7 @@
             <p:cNvPr id="17" name="iṥḷiḑè">
               <a:extLst>
                 <a:ext uri="{FF2B5EF4-FFF2-40B4-BE49-F238E27FC236}">
-                  <a16:creationId xmlns:p14="http://schemas.microsoft.com/office/powerpoint/2010/main" xmlns:a16="http://schemas.microsoft.com/office/drawing/2014/main" xmlns="" id="{A8591A9D-5538-4DEC-B405-54C510558903}"/>
+                  <a16:creationId xmlns="" xmlns:a16="http://schemas.microsoft.com/office/drawing/2014/main" xmlns:p14="http://schemas.microsoft.com/office/powerpoint/2010/main" id="{A8591A9D-5538-4DEC-B405-54C510558903}"/>
                 </a:ext>
               </a:extLst>
             </p:cNvPr>
@@ -1492,7 +1492,7 @@
             <p:cNvPr id="18" name="íṥḻíḑé">
               <a:extLst>
                 <a:ext uri="{FF2B5EF4-FFF2-40B4-BE49-F238E27FC236}">
-                  <a16:creationId xmlns:p14="http://schemas.microsoft.com/office/powerpoint/2010/main" xmlns:a16="http://schemas.microsoft.com/office/drawing/2014/main" xmlns="" id="{FC116EBF-5653-4BA4-837E-95BEB302B1FC}"/>
+                  <a16:creationId xmlns="" xmlns:a16="http://schemas.microsoft.com/office/drawing/2014/main" xmlns:p14="http://schemas.microsoft.com/office/powerpoint/2010/main" id="{FC116EBF-5653-4BA4-837E-95BEB302B1FC}"/>
                 </a:ext>
               </a:extLst>
             </p:cNvPr>
@@ -1557,7 +1557,7 @@
             <p:cNvPr id="19" name="ïsḷiďê">
               <a:extLst>
                 <a:ext uri="{FF2B5EF4-FFF2-40B4-BE49-F238E27FC236}">
-                  <a16:creationId xmlns:p14="http://schemas.microsoft.com/office/powerpoint/2010/main" xmlns:a16="http://schemas.microsoft.com/office/drawing/2014/main" xmlns="" id="{D7181733-982F-4ADC-B787-E92C178D9BE9}"/>
+                  <a16:creationId xmlns="" xmlns:a16="http://schemas.microsoft.com/office/drawing/2014/main" xmlns:p14="http://schemas.microsoft.com/office/powerpoint/2010/main" id="{D7181733-982F-4ADC-B787-E92C178D9BE9}"/>
                 </a:ext>
               </a:extLst>
             </p:cNvPr>
@@ -1652,7 +1652,7 @@
             <p:cNvPr id="20" name="îs1iḓê">
               <a:extLst>
                 <a:ext uri="{FF2B5EF4-FFF2-40B4-BE49-F238E27FC236}">
-                  <a16:creationId xmlns:p14="http://schemas.microsoft.com/office/powerpoint/2010/main" xmlns:a16="http://schemas.microsoft.com/office/drawing/2014/main" xmlns="" id="{75B1573A-D6DA-4E40-B952-FC6A6E899942}"/>
+                  <a16:creationId xmlns="" xmlns:a16="http://schemas.microsoft.com/office/drawing/2014/main" xmlns:p14="http://schemas.microsoft.com/office/powerpoint/2010/main" id="{75B1573A-D6DA-4E40-B952-FC6A6E899942}"/>
                 </a:ext>
               </a:extLst>
             </p:cNvPr>
@@ -1727,7 +1727,7 @@
             <p:cNvPr id="21" name="íṡḻïdé">
               <a:extLst>
                 <a:ext uri="{FF2B5EF4-FFF2-40B4-BE49-F238E27FC236}">
-                  <a16:creationId xmlns:p14="http://schemas.microsoft.com/office/powerpoint/2010/main" xmlns:a16="http://schemas.microsoft.com/office/drawing/2014/main" xmlns="" id="{A3C16CC0-0D98-42C3-ACDA-6C6B1AAA14CB}"/>
+                  <a16:creationId xmlns="" xmlns:a16="http://schemas.microsoft.com/office/drawing/2014/main" xmlns:p14="http://schemas.microsoft.com/office/powerpoint/2010/main" id="{A3C16CC0-0D98-42C3-ACDA-6C6B1AAA14CB}"/>
                 </a:ext>
               </a:extLst>
             </p:cNvPr>
@@ -1802,7 +1802,7 @@
             <p:cNvPr id="22" name="ïṧľiḑè">
               <a:extLst>
                 <a:ext uri="{FF2B5EF4-FFF2-40B4-BE49-F238E27FC236}">
-                  <a16:creationId xmlns:p14="http://schemas.microsoft.com/office/powerpoint/2010/main" xmlns:a16="http://schemas.microsoft.com/office/drawing/2014/main" xmlns="" id="{2EEC5EF2-9731-49D2-8E01-4BAE06CF1807}"/>
+                  <a16:creationId xmlns="" xmlns:a16="http://schemas.microsoft.com/office/drawing/2014/main" xmlns:p14="http://schemas.microsoft.com/office/powerpoint/2010/main" id="{2EEC5EF2-9731-49D2-8E01-4BAE06CF1807}"/>
                 </a:ext>
               </a:extLst>
             </p:cNvPr>
@@ -1877,7 +1877,7 @@
             <p:cNvPr id="23" name="íşľîḋè">
               <a:extLst>
                 <a:ext uri="{FF2B5EF4-FFF2-40B4-BE49-F238E27FC236}">
-                  <a16:creationId xmlns:p14="http://schemas.microsoft.com/office/powerpoint/2010/main" xmlns:a16="http://schemas.microsoft.com/office/drawing/2014/main" xmlns="" id="{07D33D98-ECF4-43C9-8F9B-502B76AA375A}"/>
+                  <a16:creationId xmlns="" xmlns:a16="http://schemas.microsoft.com/office/drawing/2014/main" xmlns:p14="http://schemas.microsoft.com/office/powerpoint/2010/main" id="{07D33D98-ECF4-43C9-8F9B-502B76AA375A}"/>
                 </a:ext>
               </a:extLst>
             </p:cNvPr>
@@ -1942,7 +1942,7 @@
             <p:cNvPr id="24" name="îšḷîḍè">
               <a:extLst>
                 <a:ext uri="{FF2B5EF4-FFF2-40B4-BE49-F238E27FC236}">
-                  <a16:creationId xmlns:p14="http://schemas.microsoft.com/office/powerpoint/2010/main" xmlns:a16="http://schemas.microsoft.com/office/drawing/2014/main" xmlns="" id="{06AFAADD-E47D-403A-8BCE-6B991B488491}"/>
+                  <a16:creationId xmlns="" xmlns:a16="http://schemas.microsoft.com/office/drawing/2014/main" xmlns:p14="http://schemas.microsoft.com/office/powerpoint/2010/main" id="{06AFAADD-E47D-403A-8BCE-6B991B488491}"/>
                 </a:ext>
               </a:extLst>
             </p:cNvPr>
@@ -2007,7 +2007,7 @@
             <p:cNvPr id="25" name="îŝļiḑè">
               <a:extLst>
                 <a:ext uri="{FF2B5EF4-FFF2-40B4-BE49-F238E27FC236}">
-                  <a16:creationId xmlns:p14="http://schemas.microsoft.com/office/powerpoint/2010/main" xmlns:a16="http://schemas.microsoft.com/office/drawing/2014/main" xmlns="" id="{F20679ED-F04B-48C0-86C1-4F4678D0EF44}"/>
+                  <a16:creationId xmlns="" xmlns:a16="http://schemas.microsoft.com/office/drawing/2014/main" xmlns:p14="http://schemas.microsoft.com/office/powerpoint/2010/main" id="{F20679ED-F04B-48C0-86C1-4F4678D0EF44}"/>
                 </a:ext>
               </a:extLst>
             </p:cNvPr>
@@ -2069,7 +2069,7 @@
             <p:cNvPr id="26" name="ïsḻïḓe">
               <a:extLst>
                 <a:ext uri="{FF2B5EF4-FFF2-40B4-BE49-F238E27FC236}">
-                  <a16:creationId xmlns:p14="http://schemas.microsoft.com/office/powerpoint/2010/main" xmlns:a16="http://schemas.microsoft.com/office/drawing/2014/main" xmlns="" id="{178FE26C-EAE2-489E-9818-2AD90604A6E7}"/>
+                  <a16:creationId xmlns="" xmlns:a16="http://schemas.microsoft.com/office/drawing/2014/main" xmlns:p14="http://schemas.microsoft.com/office/powerpoint/2010/main" id="{178FE26C-EAE2-489E-9818-2AD90604A6E7}"/>
                 </a:ext>
               </a:extLst>
             </p:cNvPr>
@@ -2131,7 +2131,7 @@
             <p:cNvPr id="27" name="îṥľíḑê">
               <a:extLst>
                 <a:ext uri="{FF2B5EF4-FFF2-40B4-BE49-F238E27FC236}">
-                  <a16:creationId xmlns:p14="http://schemas.microsoft.com/office/powerpoint/2010/main" xmlns:a16="http://schemas.microsoft.com/office/drawing/2014/main" xmlns="" id="{54C937FE-182B-4B4C-8B56-94274EF8727A}"/>
+                  <a16:creationId xmlns="" xmlns:a16="http://schemas.microsoft.com/office/drawing/2014/main" xmlns:p14="http://schemas.microsoft.com/office/powerpoint/2010/main" id="{54C937FE-182B-4B4C-8B56-94274EF8727A}"/>
                 </a:ext>
               </a:extLst>
             </p:cNvPr>
@@ -2193,7 +2193,7 @@
             <p:cNvPr id="28" name="iṧľíḑe">
               <a:extLst>
                 <a:ext uri="{FF2B5EF4-FFF2-40B4-BE49-F238E27FC236}">
-                  <a16:creationId xmlns:p14="http://schemas.microsoft.com/office/powerpoint/2010/main" xmlns:a16="http://schemas.microsoft.com/office/drawing/2014/main" xmlns="" id="{9EC454E6-4E34-40A0-B134-E27356DF1BD3}"/>
+                  <a16:creationId xmlns="" xmlns:a16="http://schemas.microsoft.com/office/drawing/2014/main" xmlns:p14="http://schemas.microsoft.com/office/powerpoint/2010/main" id="{9EC454E6-4E34-40A0-B134-E27356DF1BD3}"/>
                 </a:ext>
               </a:extLst>
             </p:cNvPr>
@@ -2255,7 +2255,7 @@
             <p:cNvPr id="29" name="íşḻïḑê">
               <a:extLst>
                 <a:ext uri="{FF2B5EF4-FFF2-40B4-BE49-F238E27FC236}">
-                  <a16:creationId xmlns:p14="http://schemas.microsoft.com/office/powerpoint/2010/main" xmlns:a16="http://schemas.microsoft.com/office/drawing/2014/main" xmlns="" id="{F02A9D5E-CFB2-42AA-A5C5-5E5778C6FCBE}"/>
+                  <a16:creationId xmlns="" xmlns:a16="http://schemas.microsoft.com/office/drawing/2014/main" xmlns:p14="http://schemas.microsoft.com/office/powerpoint/2010/main" id="{F02A9D5E-CFB2-42AA-A5C5-5E5778C6FCBE}"/>
                 </a:ext>
               </a:extLst>
             </p:cNvPr>
@@ -2351,7 +2351,7 @@
             <p:cNvPr id="30" name="išḻîḋè">
               <a:extLst>
                 <a:ext uri="{FF2B5EF4-FFF2-40B4-BE49-F238E27FC236}">
-                  <a16:creationId xmlns:p14="http://schemas.microsoft.com/office/powerpoint/2010/main" xmlns:a16="http://schemas.microsoft.com/office/drawing/2014/main" xmlns="" id="{2B76FEBA-B0C4-4066-ABF2-E33CBD44C45F}"/>
+                  <a16:creationId xmlns="" xmlns:a16="http://schemas.microsoft.com/office/drawing/2014/main" xmlns:p14="http://schemas.microsoft.com/office/powerpoint/2010/main" id="{2B76FEBA-B0C4-4066-ABF2-E33CBD44C45F}"/>
                 </a:ext>
               </a:extLst>
             </p:cNvPr>
@@ -2413,7 +2413,7 @@
             <p:cNvPr id="31" name="ïšliḋé">
               <a:extLst>
                 <a:ext uri="{FF2B5EF4-FFF2-40B4-BE49-F238E27FC236}">
-                  <a16:creationId xmlns:p14="http://schemas.microsoft.com/office/powerpoint/2010/main" xmlns:a16="http://schemas.microsoft.com/office/drawing/2014/main" xmlns="" id="{17F7742C-0E9E-453F-BF74-0A1870F594D9}"/>
+                  <a16:creationId xmlns="" xmlns:a16="http://schemas.microsoft.com/office/drawing/2014/main" xmlns:p14="http://schemas.microsoft.com/office/powerpoint/2010/main" id="{17F7742C-0E9E-453F-BF74-0A1870F594D9}"/>
                 </a:ext>
               </a:extLst>
             </p:cNvPr>
@@ -2475,7 +2475,7 @@
             <p:cNvPr id="32" name="íṣlídé">
               <a:extLst>
                 <a:ext uri="{FF2B5EF4-FFF2-40B4-BE49-F238E27FC236}">
-                  <a16:creationId xmlns:p14="http://schemas.microsoft.com/office/powerpoint/2010/main" xmlns:a16="http://schemas.microsoft.com/office/drawing/2014/main" xmlns="" id="{3B98F7CF-64A1-4A5B-B8EC-9178705C9901}"/>
+                  <a16:creationId xmlns="" xmlns:a16="http://schemas.microsoft.com/office/drawing/2014/main" xmlns:p14="http://schemas.microsoft.com/office/powerpoint/2010/main" id="{3B98F7CF-64A1-4A5B-B8EC-9178705C9901}"/>
                 </a:ext>
               </a:extLst>
             </p:cNvPr>
@@ -2537,7 +2537,7 @@
             <p:cNvPr id="33" name="ï$ľïḍé">
               <a:extLst>
                 <a:ext uri="{FF2B5EF4-FFF2-40B4-BE49-F238E27FC236}">
-                  <a16:creationId xmlns:p14="http://schemas.microsoft.com/office/powerpoint/2010/main" xmlns:a16="http://schemas.microsoft.com/office/drawing/2014/main" xmlns="" id="{8EB33BF9-35EF-4068-A574-8FBC5EEAC895}"/>
+                  <a16:creationId xmlns="" xmlns:a16="http://schemas.microsoft.com/office/drawing/2014/main" xmlns:p14="http://schemas.microsoft.com/office/powerpoint/2010/main" id="{8EB33BF9-35EF-4068-A574-8FBC5EEAC895}"/>
                 </a:ext>
               </a:extLst>
             </p:cNvPr>
@@ -2599,7 +2599,7 @@
             <p:cNvPr id="34" name="ï$1îḑé">
               <a:extLst>
                 <a:ext uri="{FF2B5EF4-FFF2-40B4-BE49-F238E27FC236}">
-                  <a16:creationId xmlns:p14="http://schemas.microsoft.com/office/powerpoint/2010/main" xmlns:a16="http://schemas.microsoft.com/office/drawing/2014/main" xmlns="" id="{66235EE7-FC71-4720-94D6-AE9E5A6E3B32}"/>
+                  <a16:creationId xmlns="" xmlns:a16="http://schemas.microsoft.com/office/drawing/2014/main" xmlns:p14="http://schemas.microsoft.com/office/powerpoint/2010/main" id="{66235EE7-FC71-4720-94D6-AE9E5A6E3B32}"/>
                 </a:ext>
               </a:extLst>
             </p:cNvPr>
@@ -2661,7 +2661,7 @@
             <p:cNvPr id="35" name="íşļiḓê">
               <a:extLst>
                 <a:ext uri="{FF2B5EF4-FFF2-40B4-BE49-F238E27FC236}">
-                  <a16:creationId xmlns:p14="http://schemas.microsoft.com/office/powerpoint/2010/main" xmlns:a16="http://schemas.microsoft.com/office/drawing/2014/main" xmlns="" id="{464E50F4-2AD9-4646-95B0-C615F448F8D7}"/>
+                  <a16:creationId xmlns="" xmlns:a16="http://schemas.microsoft.com/office/drawing/2014/main" xmlns:p14="http://schemas.microsoft.com/office/powerpoint/2010/main" id="{464E50F4-2AD9-4646-95B0-C615F448F8D7}"/>
                 </a:ext>
               </a:extLst>
             </p:cNvPr>
@@ -2723,7 +2723,7 @@
             <p:cNvPr id="36" name="iSliḍé">
               <a:extLst>
                 <a:ext uri="{FF2B5EF4-FFF2-40B4-BE49-F238E27FC236}">
-                  <a16:creationId xmlns:p14="http://schemas.microsoft.com/office/powerpoint/2010/main" xmlns:a16="http://schemas.microsoft.com/office/drawing/2014/main" xmlns="" id="{08FD15B7-89FA-4BA0-832E-9B9D9FF852D5}"/>
+                  <a16:creationId xmlns="" xmlns:a16="http://schemas.microsoft.com/office/drawing/2014/main" xmlns:p14="http://schemas.microsoft.com/office/powerpoint/2010/main" id="{08FD15B7-89FA-4BA0-832E-9B9D9FF852D5}"/>
                 </a:ext>
               </a:extLst>
             </p:cNvPr>
@@ -2785,7 +2785,7 @@
             <p:cNvPr id="37" name="îşļïde">
               <a:extLst>
                 <a:ext uri="{FF2B5EF4-FFF2-40B4-BE49-F238E27FC236}">
-                  <a16:creationId xmlns:p14="http://schemas.microsoft.com/office/powerpoint/2010/main" xmlns:a16="http://schemas.microsoft.com/office/drawing/2014/main" xmlns="" id="{4DACA41F-DADA-4149-8933-31488F26C8AD}"/>
+                  <a16:creationId xmlns="" xmlns:a16="http://schemas.microsoft.com/office/drawing/2014/main" xmlns:p14="http://schemas.microsoft.com/office/powerpoint/2010/main" id="{4DACA41F-DADA-4149-8933-31488F26C8AD}"/>
                 </a:ext>
               </a:extLst>
             </p:cNvPr>
@@ -2847,7 +2847,7 @@
             <p:cNvPr id="38" name="ï$ḻídè">
               <a:extLst>
                 <a:ext uri="{FF2B5EF4-FFF2-40B4-BE49-F238E27FC236}">
-                  <a16:creationId xmlns:p14="http://schemas.microsoft.com/office/powerpoint/2010/main" xmlns:a16="http://schemas.microsoft.com/office/drawing/2014/main" xmlns="" id="{C28E4710-C2A1-4505-AD75-E91E319AE73A}"/>
+                  <a16:creationId xmlns="" xmlns:a16="http://schemas.microsoft.com/office/drawing/2014/main" xmlns:p14="http://schemas.microsoft.com/office/powerpoint/2010/main" id="{C28E4710-C2A1-4505-AD75-E91E319AE73A}"/>
                 </a:ext>
               </a:extLst>
             </p:cNvPr>
@@ -2943,7 +2943,7 @@
             <p:cNvPr id="39" name="ísľíḑe">
               <a:extLst>
                 <a:ext uri="{FF2B5EF4-FFF2-40B4-BE49-F238E27FC236}">
-                  <a16:creationId xmlns:p14="http://schemas.microsoft.com/office/powerpoint/2010/main" xmlns:a16="http://schemas.microsoft.com/office/drawing/2014/main" xmlns="" id="{C323CC97-7CC7-4FA5-A665-16F8A2FDB29A}"/>
+                  <a16:creationId xmlns="" xmlns:a16="http://schemas.microsoft.com/office/drawing/2014/main" xmlns:p14="http://schemas.microsoft.com/office/powerpoint/2010/main" id="{C323CC97-7CC7-4FA5-A665-16F8A2FDB29A}"/>
                 </a:ext>
               </a:extLst>
             </p:cNvPr>
@@ -3008,7 +3008,7 @@
             <p:cNvPr id="40" name="íṩlîḑè">
               <a:extLst>
                 <a:ext uri="{FF2B5EF4-FFF2-40B4-BE49-F238E27FC236}">
-                  <a16:creationId xmlns:p14="http://schemas.microsoft.com/office/powerpoint/2010/main" xmlns:a16="http://schemas.microsoft.com/office/drawing/2014/main" xmlns="" id="{26A96D82-53D7-454D-B8F0-08C85B54A508}"/>
+                  <a16:creationId xmlns="" xmlns:a16="http://schemas.microsoft.com/office/drawing/2014/main" xmlns:p14="http://schemas.microsoft.com/office/powerpoint/2010/main" id="{26A96D82-53D7-454D-B8F0-08C85B54A508}"/>
                 </a:ext>
               </a:extLst>
             </p:cNvPr>
@@ -3148,7 +3148,7 @@
             <p:cNvPr id="41" name="iṡḻídê">
               <a:extLst>
                 <a:ext uri="{FF2B5EF4-FFF2-40B4-BE49-F238E27FC236}">
-                  <a16:creationId xmlns:p14="http://schemas.microsoft.com/office/powerpoint/2010/main" xmlns:a16="http://schemas.microsoft.com/office/drawing/2014/main" xmlns="" id="{00A55C22-40A5-4BCE-AB5C-0DBD7B43CF15}"/>
+                  <a16:creationId xmlns="" xmlns:a16="http://schemas.microsoft.com/office/drawing/2014/main" xmlns:p14="http://schemas.microsoft.com/office/powerpoint/2010/main" id="{00A55C22-40A5-4BCE-AB5C-0DBD7B43CF15}"/>
                 </a:ext>
               </a:extLst>
             </p:cNvPr>
@@ -3210,7 +3210,7 @@
             <p:cNvPr id="42" name="íŝḷîḋè">
               <a:extLst>
                 <a:ext uri="{FF2B5EF4-FFF2-40B4-BE49-F238E27FC236}">
-                  <a16:creationId xmlns:p14="http://schemas.microsoft.com/office/powerpoint/2010/main" xmlns:a16="http://schemas.microsoft.com/office/drawing/2014/main" xmlns="" id="{1E7E1B5A-4BA7-4930-AB12-641C32CB9B5D}"/>
+                  <a16:creationId xmlns="" xmlns:a16="http://schemas.microsoft.com/office/drawing/2014/main" xmlns:p14="http://schemas.microsoft.com/office/powerpoint/2010/main" id="{1E7E1B5A-4BA7-4930-AB12-641C32CB9B5D}"/>
                 </a:ext>
               </a:extLst>
             </p:cNvPr>
@@ -3272,7 +3272,7 @@
             <p:cNvPr id="43" name="işliḓè">
               <a:extLst>
                 <a:ext uri="{FF2B5EF4-FFF2-40B4-BE49-F238E27FC236}">
-                  <a16:creationId xmlns:p14="http://schemas.microsoft.com/office/powerpoint/2010/main" xmlns:a16="http://schemas.microsoft.com/office/drawing/2014/main" xmlns="" id="{463C39C0-BA97-46C8-947C-6A6BB4E7C9D1}"/>
+                  <a16:creationId xmlns="" xmlns:a16="http://schemas.microsoft.com/office/drawing/2014/main" xmlns:p14="http://schemas.microsoft.com/office/powerpoint/2010/main" id="{463C39C0-BA97-46C8-947C-6A6BB4E7C9D1}"/>
                 </a:ext>
               </a:extLst>
             </p:cNvPr>
@@ -3334,7 +3334,7 @@
             <p:cNvPr id="44" name="îsḻiḑé">
               <a:extLst>
                 <a:ext uri="{FF2B5EF4-FFF2-40B4-BE49-F238E27FC236}">
-                  <a16:creationId xmlns:p14="http://schemas.microsoft.com/office/powerpoint/2010/main" xmlns:a16="http://schemas.microsoft.com/office/drawing/2014/main" xmlns="" id="{DF04E304-5F07-4415-828B-0989704C8FE6}"/>
+                  <a16:creationId xmlns="" xmlns:a16="http://schemas.microsoft.com/office/drawing/2014/main" xmlns:p14="http://schemas.microsoft.com/office/powerpoint/2010/main" id="{DF04E304-5F07-4415-828B-0989704C8FE6}"/>
                 </a:ext>
               </a:extLst>
             </p:cNvPr>
@@ -3396,7 +3396,7 @@
             <p:cNvPr id="45" name="íṧľiḓê">
               <a:extLst>
                 <a:ext uri="{FF2B5EF4-FFF2-40B4-BE49-F238E27FC236}">
-                  <a16:creationId xmlns:p14="http://schemas.microsoft.com/office/powerpoint/2010/main" xmlns:a16="http://schemas.microsoft.com/office/drawing/2014/main" xmlns="" id="{9DE34A69-BC75-47AD-8DE0-15FDFEF5D179}"/>
+                  <a16:creationId xmlns="" xmlns:a16="http://schemas.microsoft.com/office/drawing/2014/main" xmlns:p14="http://schemas.microsoft.com/office/powerpoint/2010/main" id="{9DE34A69-BC75-47AD-8DE0-15FDFEF5D179}"/>
                 </a:ext>
               </a:extLst>
             </p:cNvPr>
@@ -3458,7 +3458,7 @@
             <p:cNvPr id="46" name="íSlíďé">
               <a:extLst>
                 <a:ext uri="{FF2B5EF4-FFF2-40B4-BE49-F238E27FC236}">
-                  <a16:creationId xmlns:p14="http://schemas.microsoft.com/office/powerpoint/2010/main" xmlns:a16="http://schemas.microsoft.com/office/drawing/2014/main" xmlns="" id="{F19E1891-22A9-4238-9A0E-D54742EB9A67}"/>
+                  <a16:creationId xmlns="" xmlns:a16="http://schemas.microsoft.com/office/drawing/2014/main" xmlns:p14="http://schemas.microsoft.com/office/powerpoint/2010/main" id="{F19E1891-22A9-4238-9A0E-D54742EB9A67}"/>
                 </a:ext>
               </a:extLst>
             </p:cNvPr>
@@ -3520,7 +3520,7 @@
             <p:cNvPr id="47" name="iś1ïdè">
               <a:extLst>
                 <a:ext uri="{FF2B5EF4-FFF2-40B4-BE49-F238E27FC236}">
-                  <a16:creationId xmlns:p14="http://schemas.microsoft.com/office/powerpoint/2010/main" xmlns:a16="http://schemas.microsoft.com/office/drawing/2014/main" xmlns="" id="{26F87FC7-C5C8-4289-A0E2-8F0511BE4D0F}"/>
+                  <a16:creationId xmlns="" xmlns:a16="http://schemas.microsoft.com/office/drawing/2014/main" xmlns:p14="http://schemas.microsoft.com/office/powerpoint/2010/main" id="{26F87FC7-C5C8-4289-A0E2-8F0511BE4D0F}"/>
                 </a:ext>
               </a:extLst>
             </p:cNvPr>
@@ -3582,7 +3582,7 @@
             <p:cNvPr id="48" name="îŝḷïḍé">
               <a:extLst>
                 <a:ext uri="{FF2B5EF4-FFF2-40B4-BE49-F238E27FC236}">
-                  <a16:creationId xmlns:p14="http://schemas.microsoft.com/office/powerpoint/2010/main" xmlns:a16="http://schemas.microsoft.com/office/drawing/2014/main" xmlns="" id="{AF3C94AB-652D-4CCA-BFC8-3BC7A5181E1F}"/>
+                  <a16:creationId xmlns="" xmlns:a16="http://schemas.microsoft.com/office/drawing/2014/main" xmlns:p14="http://schemas.microsoft.com/office/powerpoint/2010/main" id="{AF3C94AB-652D-4CCA-BFC8-3BC7A5181E1F}"/>
                 </a:ext>
               </a:extLst>
             </p:cNvPr>
@@ -3653,7 +3653,7 @@
             <p:cNvPr id="49" name="ïśļïďé">
               <a:extLst>
                 <a:ext uri="{FF2B5EF4-FFF2-40B4-BE49-F238E27FC236}">
-                  <a16:creationId xmlns:p14="http://schemas.microsoft.com/office/powerpoint/2010/main" xmlns:a16="http://schemas.microsoft.com/office/drawing/2014/main" xmlns="" id="{10BC1FCD-F8F1-411F-8B4C-46E128380494}"/>
+                  <a16:creationId xmlns="" xmlns:a16="http://schemas.microsoft.com/office/drawing/2014/main" xmlns:p14="http://schemas.microsoft.com/office/powerpoint/2010/main" id="{10BC1FCD-F8F1-411F-8B4C-46E128380494}"/>
                 </a:ext>
               </a:extLst>
             </p:cNvPr>
@@ -3724,7 +3724,7 @@
             <p:cNvPr id="50" name="íṧḷídè">
               <a:extLst>
                 <a:ext uri="{FF2B5EF4-FFF2-40B4-BE49-F238E27FC236}">
-                  <a16:creationId xmlns:p14="http://schemas.microsoft.com/office/powerpoint/2010/main" xmlns:a16="http://schemas.microsoft.com/office/drawing/2014/main" xmlns="" id="{D6954D73-841B-4674-94DA-57899B5C83FA}"/>
+                  <a16:creationId xmlns="" xmlns:a16="http://schemas.microsoft.com/office/drawing/2014/main" xmlns:p14="http://schemas.microsoft.com/office/powerpoint/2010/main" id="{D6954D73-841B-4674-94DA-57899B5C83FA}"/>
                 </a:ext>
               </a:extLst>
             </p:cNvPr>
@@ -4195,7 +4195,7 @@
           <p:cNvPr id="3" name="组合 2">
             <a:extLst>
               <a:ext uri="{FF2B5EF4-FFF2-40B4-BE49-F238E27FC236}">
-                <a16:creationId xmlns:p14="http://schemas.microsoft.com/office/powerpoint/2010/main" xmlns:a16="http://schemas.microsoft.com/office/drawing/2014/main" xmlns="" id="{C629003E-14DA-4608-82C8-F702B03C8C62}"/>
+                <a16:creationId xmlns="" xmlns:a16="http://schemas.microsoft.com/office/drawing/2014/main" xmlns:p14="http://schemas.microsoft.com/office/powerpoint/2010/main" id="{C629003E-14DA-4608-82C8-F702B03C8C62}"/>
               </a:ext>
             </a:extLst>
           </p:cNvPr>
@@ -4221,7 +4221,7 @@
             <p:cNvPr id="34" name="iSliḓê">
               <a:extLst>
                 <a:ext uri="{FF2B5EF4-FFF2-40B4-BE49-F238E27FC236}">
-                  <a16:creationId xmlns:p14="http://schemas.microsoft.com/office/powerpoint/2010/main" xmlns:a16="http://schemas.microsoft.com/office/drawing/2014/main" xmlns="" id="{80A47D5A-673E-4EDC-8FB1-C2A2486C802A}"/>
+                  <a16:creationId xmlns="" xmlns:a16="http://schemas.microsoft.com/office/drawing/2014/main" xmlns:p14="http://schemas.microsoft.com/office/powerpoint/2010/main" id="{80A47D5A-673E-4EDC-8FB1-C2A2486C802A}"/>
                 </a:ext>
               </a:extLst>
             </p:cNvPr>
@@ -4359,7 +4359,7 @@
             <p:cNvPr id="38" name="ïṣlîḓê">
               <a:extLst>
                 <a:ext uri="{FF2B5EF4-FFF2-40B4-BE49-F238E27FC236}">
-                  <a16:creationId xmlns:p14="http://schemas.microsoft.com/office/powerpoint/2010/main" xmlns:a16="http://schemas.microsoft.com/office/drawing/2014/main" xmlns="" id="{DCD89878-3878-44CD-816E-D1DB497D642B}"/>
+                  <a16:creationId xmlns="" xmlns:a16="http://schemas.microsoft.com/office/drawing/2014/main" xmlns:p14="http://schemas.microsoft.com/office/powerpoint/2010/main" id="{DCD89878-3878-44CD-816E-D1DB497D642B}"/>
                 </a:ext>
               </a:extLst>
             </p:cNvPr>
@@ -4425,7 +4425,7 @@
             <p:cNvPr id="39" name="îṧḻiďê">
               <a:extLst>
                 <a:ext uri="{FF2B5EF4-FFF2-40B4-BE49-F238E27FC236}">
-                  <a16:creationId xmlns:p14="http://schemas.microsoft.com/office/powerpoint/2010/main" xmlns:a16="http://schemas.microsoft.com/office/drawing/2014/main" xmlns="" id="{927A350C-74E8-4289-AD50-D152B2F20760}"/>
+                  <a16:creationId xmlns="" xmlns:a16="http://schemas.microsoft.com/office/drawing/2014/main" xmlns:p14="http://schemas.microsoft.com/office/powerpoint/2010/main" id="{927A350C-74E8-4289-AD50-D152B2F20760}"/>
                 </a:ext>
               </a:extLst>
             </p:cNvPr>
@@ -4491,7 +4491,7 @@
             <p:cNvPr id="40" name="îsļiďé">
               <a:extLst>
                 <a:ext uri="{FF2B5EF4-FFF2-40B4-BE49-F238E27FC236}">
-                  <a16:creationId xmlns:p14="http://schemas.microsoft.com/office/powerpoint/2010/main" xmlns:a16="http://schemas.microsoft.com/office/drawing/2014/main" xmlns="" id="{FA1565F5-351B-46F7-94BA-8DE2B624E1D4}"/>
+                  <a16:creationId xmlns="" xmlns:a16="http://schemas.microsoft.com/office/drawing/2014/main" xmlns:p14="http://schemas.microsoft.com/office/powerpoint/2010/main" id="{FA1565F5-351B-46F7-94BA-8DE2B624E1D4}"/>
                 </a:ext>
               </a:extLst>
             </p:cNvPr>
@@ -4557,7 +4557,7 @@
             <p:cNvPr id="41" name="ísľîḑê">
               <a:extLst>
                 <a:ext uri="{FF2B5EF4-FFF2-40B4-BE49-F238E27FC236}">
-                  <a16:creationId xmlns:p14="http://schemas.microsoft.com/office/powerpoint/2010/main" xmlns:a16="http://schemas.microsoft.com/office/drawing/2014/main" xmlns="" id="{F46A0CCC-6110-407E-8E6D-A1E655B7B10A}"/>
+                  <a16:creationId xmlns="" xmlns:a16="http://schemas.microsoft.com/office/drawing/2014/main" xmlns:p14="http://schemas.microsoft.com/office/powerpoint/2010/main" id="{F46A0CCC-6110-407E-8E6D-A1E655B7B10A}"/>
                 </a:ext>
               </a:extLst>
             </p:cNvPr>
@@ -4623,7 +4623,7 @@
             <p:cNvPr id="42" name="iṥlïďé">
               <a:extLst>
                 <a:ext uri="{FF2B5EF4-FFF2-40B4-BE49-F238E27FC236}">
-                  <a16:creationId xmlns:p14="http://schemas.microsoft.com/office/powerpoint/2010/main" xmlns:a16="http://schemas.microsoft.com/office/drawing/2014/main" xmlns="" id="{D83D0A40-C194-4C9B-8119-3AA087712412}"/>
+                  <a16:creationId xmlns="" xmlns:a16="http://schemas.microsoft.com/office/drawing/2014/main" xmlns:p14="http://schemas.microsoft.com/office/powerpoint/2010/main" id="{D83D0A40-C194-4C9B-8119-3AA087712412}"/>
                 </a:ext>
               </a:extLst>
             </p:cNvPr>
@@ -4694,7 +4694,7 @@
             <p:cNvPr id="43" name="îşḷiḍè">
               <a:extLst>
                 <a:ext uri="{FF2B5EF4-FFF2-40B4-BE49-F238E27FC236}">
-                  <a16:creationId xmlns:p14="http://schemas.microsoft.com/office/powerpoint/2010/main" xmlns:a16="http://schemas.microsoft.com/office/drawing/2014/main" xmlns="" id="{DE854E02-9D47-4D10-A040-E952102AC62D}"/>
+                  <a16:creationId xmlns="" xmlns:a16="http://schemas.microsoft.com/office/drawing/2014/main" xmlns:p14="http://schemas.microsoft.com/office/powerpoint/2010/main" id="{DE854E02-9D47-4D10-A040-E952102AC62D}"/>
                 </a:ext>
               </a:extLst>
             </p:cNvPr>
@@ -4796,7 +4796,7 @@
           <p:cNvPr id="3" name="日期占位符 2">
             <a:extLst>
               <a:ext uri="{FF2B5EF4-FFF2-40B4-BE49-F238E27FC236}">
-                <a16:creationId xmlns:p14="http://schemas.microsoft.com/office/powerpoint/2010/main" xmlns:a16="http://schemas.microsoft.com/office/drawing/2014/main" xmlns="" id="{9888B6D7-9D3F-49D7-BACE-73A9D1149A74}"/>
+                <a16:creationId xmlns="" xmlns:a16="http://schemas.microsoft.com/office/drawing/2014/main" xmlns:p14="http://schemas.microsoft.com/office/powerpoint/2010/main" id="{9888B6D7-9D3F-49D7-BACE-73A9D1149A74}"/>
               </a:ext>
             </a:extLst>
           </p:cNvPr>
@@ -4821,7 +4821,7 @@
           <p:cNvPr id="4" name="页脚占位符 3">
             <a:extLst>
               <a:ext uri="{FF2B5EF4-FFF2-40B4-BE49-F238E27FC236}">
-                <a16:creationId xmlns:p14="http://schemas.microsoft.com/office/powerpoint/2010/main" xmlns:a16="http://schemas.microsoft.com/office/drawing/2014/main" xmlns="" id="{7AC997A4-1DD8-4731-B9FD-42398A20FF85}"/>
+                <a16:creationId xmlns="" xmlns:a16="http://schemas.microsoft.com/office/drawing/2014/main" xmlns:p14="http://schemas.microsoft.com/office/powerpoint/2010/main" id="{7AC997A4-1DD8-4731-B9FD-42398A20FF85}"/>
               </a:ext>
             </a:extLst>
           </p:cNvPr>
@@ -4858,7 +4858,7 @@
           <p:cNvPr id="5" name="灯片编号占位符 4">
             <a:extLst>
               <a:ext uri="{FF2B5EF4-FFF2-40B4-BE49-F238E27FC236}">
-                <a16:creationId xmlns:p14="http://schemas.microsoft.com/office/powerpoint/2010/main" xmlns:a16="http://schemas.microsoft.com/office/drawing/2014/main" xmlns="" id="{DBA9825E-1876-42AD-ABCF-E0E100F351CA}"/>
+                <a16:creationId xmlns="" xmlns:a16="http://schemas.microsoft.com/office/drawing/2014/main" xmlns:p14="http://schemas.microsoft.com/office/powerpoint/2010/main" id="{DBA9825E-1876-42AD-ABCF-E0E100F351CA}"/>
               </a:ext>
             </a:extLst>
           </p:cNvPr>
@@ -4888,7 +4888,7 @@
           <p:cNvPr id="6" name="标题 5">
             <a:extLst>
               <a:ext uri="{FF2B5EF4-FFF2-40B4-BE49-F238E27FC236}">
-                <a16:creationId xmlns:p14="http://schemas.microsoft.com/office/powerpoint/2010/main" xmlns:a16="http://schemas.microsoft.com/office/drawing/2014/main" xmlns="" id="{D124F9DB-C87A-423F-9657-38C7A2901430}"/>
+                <a16:creationId xmlns="" xmlns:a16="http://schemas.microsoft.com/office/drawing/2014/main" xmlns:p14="http://schemas.microsoft.com/office/powerpoint/2010/main" id="{D124F9DB-C87A-423F-9657-38C7A2901430}"/>
               </a:ext>
             </a:extLst>
           </p:cNvPr>
@@ -4921,7 +4921,7 @@
           <p:cNvPr id="8" name="内容占位符 7">
             <a:extLst>
               <a:ext uri="{FF2B5EF4-FFF2-40B4-BE49-F238E27FC236}">
-                <a16:creationId xmlns:p14="http://schemas.microsoft.com/office/powerpoint/2010/main" xmlns:a16="http://schemas.microsoft.com/office/drawing/2014/main" xmlns="" id="{2070191C-4093-409C-8FD5-7369A79637AD}"/>
+                <a16:creationId xmlns="" xmlns:a16="http://schemas.microsoft.com/office/drawing/2014/main" xmlns:p14="http://schemas.microsoft.com/office/powerpoint/2010/main" id="{2070191C-4093-409C-8FD5-7369A79637AD}"/>
               </a:ext>
             </a:extLst>
           </p:cNvPr>
@@ -5030,7 +5030,7 @@
           <p:cNvPr id="2" name="标题 1">
             <a:extLst>
               <a:ext uri="{FF2B5EF4-FFF2-40B4-BE49-F238E27FC236}">
-                <a16:creationId xmlns="" xmlns:p14="http://schemas.microsoft.com/office/powerpoint/2010/main" xmlns:a16="http://schemas.microsoft.com/office/drawing/2014/main" id="{F21C7A1C-3684-4AAF-A408-C63B6CB64104}"/>
+                <a16:creationId xmlns:a16="http://schemas.microsoft.com/office/drawing/2014/main" xmlns:p14="http://schemas.microsoft.com/office/powerpoint/2010/main" xmlns="" id="{F21C7A1C-3684-4AAF-A408-C63B6CB64104}"/>
               </a:ext>
             </a:extLst>
           </p:cNvPr>
@@ -5063,7 +5063,7 @@
           <p:cNvPr id="3" name="日期占位符 2">
             <a:extLst>
               <a:ext uri="{FF2B5EF4-FFF2-40B4-BE49-F238E27FC236}">
-                <a16:creationId xmlns="" xmlns:p14="http://schemas.microsoft.com/office/powerpoint/2010/main" xmlns:a16="http://schemas.microsoft.com/office/drawing/2014/main" id="{8986EA5F-D77D-4318-90E9-C04AA8ADC0D1}"/>
+                <a16:creationId xmlns:a16="http://schemas.microsoft.com/office/drawing/2014/main" xmlns:p14="http://schemas.microsoft.com/office/powerpoint/2010/main" xmlns="" id="{8986EA5F-D77D-4318-90E9-C04AA8ADC0D1}"/>
               </a:ext>
             </a:extLst>
           </p:cNvPr>
@@ -5088,7 +5088,7 @@
           <p:cNvPr id="4" name="页脚占位符 3">
             <a:extLst>
               <a:ext uri="{FF2B5EF4-FFF2-40B4-BE49-F238E27FC236}">
-                <a16:creationId xmlns="" xmlns:p14="http://schemas.microsoft.com/office/powerpoint/2010/main" xmlns:a16="http://schemas.microsoft.com/office/drawing/2014/main" id="{00832621-D9D9-445E-BFF9-F8348FA1E262}"/>
+                <a16:creationId xmlns:a16="http://schemas.microsoft.com/office/drawing/2014/main" xmlns:p14="http://schemas.microsoft.com/office/powerpoint/2010/main" xmlns="" id="{00832621-D9D9-445E-BFF9-F8348FA1E262}"/>
               </a:ext>
             </a:extLst>
           </p:cNvPr>
@@ -5125,7 +5125,7 @@
           <p:cNvPr id="5" name="灯片编号占位符 4">
             <a:extLst>
               <a:ext uri="{FF2B5EF4-FFF2-40B4-BE49-F238E27FC236}">
-                <a16:creationId xmlns="" xmlns:p14="http://schemas.microsoft.com/office/powerpoint/2010/main" xmlns:a16="http://schemas.microsoft.com/office/drawing/2014/main" id="{8371151B-F790-4A9F-962F-B8718A9560A9}"/>
+                <a16:creationId xmlns:a16="http://schemas.microsoft.com/office/drawing/2014/main" xmlns:p14="http://schemas.microsoft.com/office/powerpoint/2010/main" xmlns="" id="{8371151B-F790-4A9F-962F-B8718A9560A9}"/>
               </a:ext>
             </a:extLst>
           </p:cNvPr>
@@ -5321,7 +5321,7 @@
           <p:cNvPr id="6" name="文本占位符 5">
             <a:extLst>
               <a:ext uri="{FF2B5EF4-FFF2-40B4-BE49-F238E27FC236}">
-                <a16:creationId xmlns:p14="http://schemas.microsoft.com/office/powerpoint/2010/main" xmlns:a16="http://schemas.microsoft.com/office/drawing/2014/main" xmlns="" id="{05EBDA4F-7210-4CAE-8333-80DB24212E78}"/>
+                <a16:creationId xmlns="" xmlns:a16="http://schemas.microsoft.com/office/drawing/2014/main" xmlns:p14="http://schemas.microsoft.com/office/powerpoint/2010/main" id="{05EBDA4F-7210-4CAE-8333-80DB24212E78}"/>
               </a:ext>
             </a:extLst>
           </p:cNvPr>
@@ -5382,7 +5382,7 @@
           <p:cNvPr id="7" name="组合 6">
             <a:extLst>
               <a:ext uri="{FF2B5EF4-FFF2-40B4-BE49-F238E27FC236}">
-                <a16:creationId xmlns:p14="http://schemas.microsoft.com/office/powerpoint/2010/main" xmlns:a16="http://schemas.microsoft.com/office/drawing/2014/main" xmlns="" id="{5B77603F-656A-4E2F-9228-E30568A2F1D6}"/>
+                <a16:creationId xmlns="" xmlns:a16="http://schemas.microsoft.com/office/drawing/2014/main" xmlns:p14="http://schemas.microsoft.com/office/powerpoint/2010/main" id="{5B77603F-656A-4E2F-9228-E30568A2F1D6}"/>
               </a:ext>
             </a:extLst>
           </p:cNvPr>
@@ -5402,7 +5402,7 @@
             <p:cNvPr id="8" name="îSḻïḍè">
               <a:extLst>
                 <a:ext uri="{FF2B5EF4-FFF2-40B4-BE49-F238E27FC236}">
-                  <a16:creationId xmlns:p14="http://schemas.microsoft.com/office/powerpoint/2010/main" xmlns:a16="http://schemas.microsoft.com/office/drawing/2014/main" xmlns="" id="{61BDFEB9-90AA-43E9-A12B-EFFF9287F99D}"/>
+                  <a16:creationId xmlns="" xmlns:a16="http://schemas.microsoft.com/office/drawing/2014/main" xmlns:p14="http://schemas.microsoft.com/office/powerpoint/2010/main" id="{61BDFEB9-90AA-43E9-A12B-EFFF9287F99D}"/>
                 </a:ext>
               </a:extLst>
             </p:cNvPr>
@@ -5486,7 +5486,7 @@
             <p:cNvPr id="9" name="iṧ1îďè">
               <a:extLst>
                 <a:ext uri="{FF2B5EF4-FFF2-40B4-BE49-F238E27FC236}">
-                  <a16:creationId xmlns:p14="http://schemas.microsoft.com/office/powerpoint/2010/main" xmlns:a16="http://schemas.microsoft.com/office/drawing/2014/main" xmlns="" id="{D6E33435-E28A-463E-9EC6-4FEF1432AC96}"/>
+                  <a16:creationId xmlns="" xmlns:a16="http://schemas.microsoft.com/office/drawing/2014/main" xmlns:p14="http://schemas.microsoft.com/office/powerpoint/2010/main" id="{D6E33435-E28A-463E-9EC6-4FEF1432AC96}"/>
                 </a:ext>
               </a:extLst>
             </p:cNvPr>
@@ -5579,7 +5579,7 @@
             <p:cNvPr id="10" name="íŝ1îḑê">
               <a:extLst>
                 <a:ext uri="{FF2B5EF4-FFF2-40B4-BE49-F238E27FC236}">
-                  <a16:creationId xmlns:p14="http://schemas.microsoft.com/office/powerpoint/2010/main" xmlns:a16="http://schemas.microsoft.com/office/drawing/2014/main" xmlns="" id="{9304A826-F780-4CF2-AEA1-5EB7122B87CE}"/>
+                  <a16:creationId xmlns="" xmlns:a16="http://schemas.microsoft.com/office/drawing/2014/main" xmlns:p14="http://schemas.microsoft.com/office/powerpoint/2010/main" id="{9304A826-F780-4CF2-AEA1-5EB7122B87CE}"/>
                 </a:ext>
               </a:extLst>
             </p:cNvPr>
@@ -5664,7 +5664,7 @@
             <p:cNvPr id="11" name="îṩľîḋè">
               <a:extLst>
                 <a:ext uri="{FF2B5EF4-FFF2-40B4-BE49-F238E27FC236}">
-                  <a16:creationId xmlns:p14="http://schemas.microsoft.com/office/powerpoint/2010/main" xmlns:a16="http://schemas.microsoft.com/office/drawing/2014/main" xmlns="" id="{276A2E36-748D-419C-9EE2-5DF2A51BE0C6}"/>
+                  <a16:creationId xmlns="" xmlns:a16="http://schemas.microsoft.com/office/drawing/2014/main" xmlns:p14="http://schemas.microsoft.com/office/powerpoint/2010/main" id="{276A2E36-748D-419C-9EE2-5DF2A51BE0C6}"/>
                 </a:ext>
               </a:extLst>
             </p:cNvPr>
@@ -5749,7 +5749,7 @@
             <p:cNvPr id="12" name="íṡ1ïḓe">
               <a:extLst>
                 <a:ext uri="{FF2B5EF4-FFF2-40B4-BE49-F238E27FC236}">
-                  <a16:creationId xmlns:p14="http://schemas.microsoft.com/office/powerpoint/2010/main" xmlns:a16="http://schemas.microsoft.com/office/drawing/2014/main" xmlns="" id="{20A4A09F-DE16-4168-819D-7F31D973EC1A}"/>
+                  <a16:creationId xmlns="" xmlns:a16="http://schemas.microsoft.com/office/drawing/2014/main" xmlns:p14="http://schemas.microsoft.com/office/powerpoint/2010/main" id="{20A4A09F-DE16-4168-819D-7F31D973EC1A}"/>
                 </a:ext>
               </a:extLst>
             </p:cNvPr>
@@ -5814,7 +5814,7 @@
             <p:cNvPr id="14" name="ïŝlîḍê">
               <a:extLst>
                 <a:ext uri="{FF2B5EF4-FFF2-40B4-BE49-F238E27FC236}">
-                  <a16:creationId xmlns:p14="http://schemas.microsoft.com/office/powerpoint/2010/main" xmlns:a16="http://schemas.microsoft.com/office/drawing/2014/main" xmlns="" id="{F8657E4E-B533-4A5A-9F5F-E5BE8ACB5AD2}"/>
+                  <a16:creationId xmlns="" xmlns:a16="http://schemas.microsoft.com/office/drawing/2014/main" xmlns:p14="http://schemas.microsoft.com/office/powerpoint/2010/main" id="{F8657E4E-B533-4A5A-9F5F-E5BE8ACB5AD2}"/>
                 </a:ext>
               </a:extLst>
             </p:cNvPr>
@@ -5879,7 +5879,7 @@
             <p:cNvPr id="16" name="íṧlîḓé">
               <a:extLst>
                 <a:ext uri="{FF2B5EF4-FFF2-40B4-BE49-F238E27FC236}">
-                  <a16:creationId xmlns:p14="http://schemas.microsoft.com/office/powerpoint/2010/main" xmlns:a16="http://schemas.microsoft.com/office/drawing/2014/main" xmlns="" id="{FD71861F-C75F-4733-AFC9-3907B077276A}"/>
+                  <a16:creationId xmlns="" xmlns:a16="http://schemas.microsoft.com/office/drawing/2014/main" xmlns:p14="http://schemas.microsoft.com/office/powerpoint/2010/main" id="{FD71861F-C75F-4733-AFC9-3907B077276A}"/>
                 </a:ext>
               </a:extLst>
             </p:cNvPr>
@@ -5974,7 +5974,7 @@
             <p:cNvPr id="17" name="îṡľiḑè">
               <a:extLst>
                 <a:ext uri="{FF2B5EF4-FFF2-40B4-BE49-F238E27FC236}">
-                  <a16:creationId xmlns:p14="http://schemas.microsoft.com/office/powerpoint/2010/main" xmlns:a16="http://schemas.microsoft.com/office/drawing/2014/main" xmlns="" id="{C5F246DD-0425-467A-8E23-DF1922ED4240}"/>
+                  <a16:creationId xmlns="" xmlns:a16="http://schemas.microsoft.com/office/drawing/2014/main" xmlns:p14="http://schemas.microsoft.com/office/powerpoint/2010/main" id="{C5F246DD-0425-467A-8E23-DF1922ED4240}"/>
                 </a:ext>
               </a:extLst>
             </p:cNvPr>
@@ -6049,7 +6049,7 @@
             <p:cNvPr id="18" name="íš1ïḑé">
               <a:extLst>
                 <a:ext uri="{FF2B5EF4-FFF2-40B4-BE49-F238E27FC236}">
-                  <a16:creationId xmlns:p14="http://schemas.microsoft.com/office/powerpoint/2010/main" xmlns:a16="http://schemas.microsoft.com/office/drawing/2014/main" xmlns="" id="{EB196468-BCAE-4BF5-B491-B37AF459C2E0}"/>
+                  <a16:creationId xmlns="" xmlns:a16="http://schemas.microsoft.com/office/drawing/2014/main" xmlns:p14="http://schemas.microsoft.com/office/powerpoint/2010/main" id="{EB196468-BCAE-4BF5-B491-B37AF459C2E0}"/>
                 </a:ext>
               </a:extLst>
             </p:cNvPr>
@@ -6124,7 +6124,7 @@
             <p:cNvPr id="19" name="ïṧḷîḍe">
               <a:extLst>
                 <a:ext uri="{FF2B5EF4-FFF2-40B4-BE49-F238E27FC236}">
-                  <a16:creationId xmlns:p14="http://schemas.microsoft.com/office/powerpoint/2010/main" xmlns:a16="http://schemas.microsoft.com/office/drawing/2014/main" xmlns="" id="{9A980BB4-0B9C-4CE7-B965-86D1DCCFF04C}"/>
+                  <a16:creationId xmlns="" xmlns:a16="http://schemas.microsoft.com/office/drawing/2014/main" xmlns:p14="http://schemas.microsoft.com/office/powerpoint/2010/main" id="{9A980BB4-0B9C-4CE7-B965-86D1DCCFF04C}"/>
                 </a:ext>
               </a:extLst>
             </p:cNvPr>
@@ -6199,7 +6199,7 @@
             <p:cNvPr id="20" name="iṡḻïḑe">
               <a:extLst>
                 <a:ext uri="{FF2B5EF4-FFF2-40B4-BE49-F238E27FC236}">
-                  <a16:creationId xmlns:p14="http://schemas.microsoft.com/office/powerpoint/2010/main" xmlns:a16="http://schemas.microsoft.com/office/drawing/2014/main" xmlns="" id="{D932A797-F983-471B-BFA8-F7F77258FAF6}"/>
+                  <a16:creationId xmlns="" xmlns:a16="http://schemas.microsoft.com/office/drawing/2014/main" xmlns:p14="http://schemas.microsoft.com/office/powerpoint/2010/main" id="{D932A797-F983-471B-BFA8-F7F77258FAF6}"/>
                 </a:ext>
               </a:extLst>
             </p:cNvPr>
@@ -6264,7 +6264,7 @@
             <p:cNvPr id="21" name="iṣliḋê">
               <a:extLst>
                 <a:ext uri="{FF2B5EF4-FFF2-40B4-BE49-F238E27FC236}">
-                  <a16:creationId xmlns:p14="http://schemas.microsoft.com/office/powerpoint/2010/main" xmlns:a16="http://schemas.microsoft.com/office/drawing/2014/main" xmlns="" id="{14E4C1FF-2C4A-414E-B7C1-76FC09803579}"/>
+                  <a16:creationId xmlns="" xmlns:a16="http://schemas.microsoft.com/office/drawing/2014/main" xmlns:p14="http://schemas.microsoft.com/office/powerpoint/2010/main" id="{14E4C1FF-2C4A-414E-B7C1-76FC09803579}"/>
                 </a:ext>
               </a:extLst>
             </p:cNvPr>
@@ -6329,7 +6329,7 @@
             <p:cNvPr id="22" name="îsḷïdê">
               <a:extLst>
                 <a:ext uri="{FF2B5EF4-FFF2-40B4-BE49-F238E27FC236}">
-                  <a16:creationId xmlns:p14="http://schemas.microsoft.com/office/powerpoint/2010/main" xmlns:a16="http://schemas.microsoft.com/office/drawing/2014/main" xmlns="" id="{22AC134A-B7EA-4D73-BF21-DE75251C3AB3}"/>
+                  <a16:creationId xmlns="" xmlns:a16="http://schemas.microsoft.com/office/drawing/2014/main" xmlns:p14="http://schemas.microsoft.com/office/powerpoint/2010/main" id="{22AC134A-B7EA-4D73-BF21-DE75251C3AB3}"/>
                 </a:ext>
               </a:extLst>
             </p:cNvPr>
@@ -6391,7 +6391,7 @@
             <p:cNvPr id="23" name="i$ḻïḍê">
               <a:extLst>
                 <a:ext uri="{FF2B5EF4-FFF2-40B4-BE49-F238E27FC236}">
-                  <a16:creationId xmlns:p14="http://schemas.microsoft.com/office/powerpoint/2010/main" xmlns:a16="http://schemas.microsoft.com/office/drawing/2014/main" xmlns="" id="{B2525ADC-09FA-43DB-8CDF-85CDAC67D7D6}"/>
+                  <a16:creationId xmlns="" xmlns:a16="http://schemas.microsoft.com/office/drawing/2014/main" xmlns:p14="http://schemas.microsoft.com/office/powerpoint/2010/main" id="{B2525ADC-09FA-43DB-8CDF-85CDAC67D7D6}"/>
                 </a:ext>
               </a:extLst>
             </p:cNvPr>
@@ -6453,7 +6453,7 @@
             <p:cNvPr id="24" name="iş1îďé">
               <a:extLst>
                 <a:ext uri="{FF2B5EF4-FFF2-40B4-BE49-F238E27FC236}">
-                  <a16:creationId xmlns:p14="http://schemas.microsoft.com/office/powerpoint/2010/main" xmlns:a16="http://schemas.microsoft.com/office/drawing/2014/main" xmlns="" id="{5797D739-E4EF-4020-8521-6BC146B06A4D}"/>
+                  <a16:creationId xmlns="" xmlns:a16="http://schemas.microsoft.com/office/drawing/2014/main" xmlns:p14="http://schemas.microsoft.com/office/powerpoint/2010/main" id="{5797D739-E4EF-4020-8521-6BC146B06A4D}"/>
                 </a:ext>
               </a:extLst>
             </p:cNvPr>
@@ -6515,7 +6515,7 @@
             <p:cNvPr id="25" name="iṧľiḍè">
               <a:extLst>
                 <a:ext uri="{FF2B5EF4-FFF2-40B4-BE49-F238E27FC236}">
-                  <a16:creationId xmlns:p14="http://schemas.microsoft.com/office/powerpoint/2010/main" xmlns:a16="http://schemas.microsoft.com/office/drawing/2014/main" xmlns="" id="{420139AB-8C14-45D0-B524-2B38E2B5CC4C}"/>
+                  <a16:creationId xmlns="" xmlns:a16="http://schemas.microsoft.com/office/drawing/2014/main" xmlns:p14="http://schemas.microsoft.com/office/powerpoint/2010/main" id="{420139AB-8C14-45D0-B524-2B38E2B5CC4C}"/>
                 </a:ext>
               </a:extLst>
             </p:cNvPr>
@@ -6577,7 +6577,7 @@
             <p:cNvPr id="26" name="îŝḷiďê">
               <a:extLst>
                 <a:ext uri="{FF2B5EF4-FFF2-40B4-BE49-F238E27FC236}">
-                  <a16:creationId xmlns:p14="http://schemas.microsoft.com/office/powerpoint/2010/main" xmlns:a16="http://schemas.microsoft.com/office/drawing/2014/main" xmlns="" id="{C2086326-1FF1-4885-9F22-89D180415FAD}"/>
+                  <a16:creationId xmlns="" xmlns:a16="http://schemas.microsoft.com/office/drawing/2014/main" xmlns:p14="http://schemas.microsoft.com/office/powerpoint/2010/main" id="{C2086326-1FF1-4885-9F22-89D180415FAD}"/>
                 </a:ext>
               </a:extLst>
             </p:cNvPr>
@@ -6673,7 +6673,7 @@
             <p:cNvPr id="27" name="ï$ḷiḍé">
               <a:extLst>
                 <a:ext uri="{FF2B5EF4-FFF2-40B4-BE49-F238E27FC236}">
-                  <a16:creationId xmlns:p14="http://schemas.microsoft.com/office/powerpoint/2010/main" xmlns:a16="http://schemas.microsoft.com/office/drawing/2014/main" xmlns="" id="{6DB36021-5313-40A9-920B-CBDED876EF45}"/>
+                  <a16:creationId xmlns="" xmlns:a16="http://schemas.microsoft.com/office/drawing/2014/main" xmlns:p14="http://schemas.microsoft.com/office/powerpoint/2010/main" id="{6DB36021-5313-40A9-920B-CBDED876EF45}"/>
                 </a:ext>
               </a:extLst>
             </p:cNvPr>
@@ -6735,7 +6735,7 @@
             <p:cNvPr id="28" name="ïşḷïḍe">
               <a:extLst>
                 <a:ext uri="{FF2B5EF4-FFF2-40B4-BE49-F238E27FC236}">
-                  <a16:creationId xmlns:p14="http://schemas.microsoft.com/office/powerpoint/2010/main" xmlns:a16="http://schemas.microsoft.com/office/drawing/2014/main" xmlns="" id="{6E199C5B-BAA8-49E4-BEB5-B476BF8BC2B1}"/>
+                  <a16:creationId xmlns="" xmlns:a16="http://schemas.microsoft.com/office/drawing/2014/main" xmlns:p14="http://schemas.microsoft.com/office/powerpoint/2010/main" id="{6E199C5B-BAA8-49E4-BEB5-B476BF8BC2B1}"/>
                 </a:ext>
               </a:extLst>
             </p:cNvPr>
@@ -6797,7 +6797,7 @@
             <p:cNvPr id="29" name="i$ḻïďé">
               <a:extLst>
                 <a:ext uri="{FF2B5EF4-FFF2-40B4-BE49-F238E27FC236}">
-                  <a16:creationId xmlns:p14="http://schemas.microsoft.com/office/powerpoint/2010/main" xmlns:a16="http://schemas.microsoft.com/office/drawing/2014/main" xmlns="" id="{6D1C2096-6C60-4112-830E-BF0A8DBC9AFC}"/>
+                  <a16:creationId xmlns="" xmlns:a16="http://schemas.microsoft.com/office/drawing/2014/main" xmlns:p14="http://schemas.microsoft.com/office/powerpoint/2010/main" id="{6D1C2096-6C60-4112-830E-BF0A8DBC9AFC}"/>
                 </a:ext>
               </a:extLst>
             </p:cNvPr>
@@ -6859,7 +6859,7 @@
             <p:cNvPr id="30" name="iṩḷîďè">
               <a:extLst>
                 <a:ext uri="{FF2B5EF4-FFF2-40B4-BE49-F238E27FC236}">
-                  <a16:creationId xmlns:p14="http://schemas.microsoft.com/office/powerpoint/2010/main" xmlns:a16="http://schemas.microsoft.com/office/drawing/2014/main" xmlns="" id="{8E2F55A0-1F8B-4DF8-9692-0E52FB38C449}"/>
+                  <a16:creationId xmlns="" xmlns:a16="http://schemas.microsoft.com/office/drawing/2014/main" xmlns:p14="http://schemas.microsoft.com/office/powerpoint/2010/main" id="{8E2F55A0-1F8B-4DF8-9692-0E52FB38C449}"/>
                 </a:ext>
               </a:extLst>
             </p:cNvPr>
@@ -6921,7 +6921,7 @@
             <p:cNvPr id="31" name="îśḷiḋè">
               <a:extLst>
                 <a:ext uri="{FF2B5EF4-FFF2-40B4-BE49-F238E27FC236}">
-                  <a16:creationId xmlns:p14="http://schemas.microsoft.com/office/powerpoint/2010/main" xmlns:a16="http://schemas.microsoft.com/office/drawing/2014/main" xmlns="" id="{FAEFDB25-C311-444C-8211-CA9D0D3E76C7}"/>
+                  <a16:creationId xmlns="" xmlns:a16="http://schemas.microsoft.com/office/drawing/2014/main" xmlns:p14="http://schemas.microsoft.com/office/powerpoint/2010/main" id="{FAEFDB25-C311-444C-8211-CA9D0D3E76C7}"/>
                 </a:ext>
               </a:extLst>
             </p:cNvPr>
@@ -6983,7 +6983,7 @@
             <p:cNvPr id="32" name="işlïďe">
               <a:extLst>
                 <a:ext uri="{FF2B5EF4-FFF2-40B4-BE49-F238E27FC236}">
-                  <a16:creationId xmlns:p14="http://schemas.microsoft.com/office/powerpoint/2010/main" xmlns:a16="http://schemas.microsoft.com/office/drawing/2014/main" xmlns="" id="{6F7FE01D-44F0-4E78-AA22-48B1A54F44A8}"/>
+                  <a16:creationId xmlns="" xmlns:a16="http://schemas.microsoft.com/office/drawing/2014/main" xmlns:p14="http://schemas.microsoft.com/office/powerpoint/2010/main" id="{6F7FE01D-44F0-4E78-AA22-48B1A54F44A8}"/>
                 </a:ext>
               </a:extLst>
             </p:cNvPr>
@@ -7045,7 +7045,7 @@
             <p:cNvPr id="33" name="iṧļîďê">
               <a:extLst>
                 <a:ext uri="{FF2B5EF4-FFF2-40B4-BE49-F238E27FC236}">
-                  <a16:creationId xmlns:p14="http://schemas.microsoft.com/office/powerpoint/2010/main" xmlns:a16="http://schemas.microsoft.com/office/drawing/2014/main" xmlns="" id="{E43ABFED-9DCE-4780-A17B-F275913025D6}"/>
+                  <a16:creationId xmlns="" xmlns:a16="http://schemas.microsoft.com/office/drawing/2014/main" xmlns:p14="http://schemas.microsoft.com/office/powerpoint/2010/main" id="{E43ABFED-9DCE-4780-A17B-F275913025D6}"/>
                 </a:ext>
               </a:extLst>
             </p:cNvPr>
@@ -7107,7 +7107,7 @@
             <p:cNvPr id="34" name="ïśľide">
               <a:extLst>
                 <a:ext uri="{FF2B5EF4-FFF2-40B4-BE49-F238E27FC236}">
-                  <a16:creationId xmlns:p14="http://schemas.microsoft.com/office/powerpoint/2010/main" xmlns:a16="http://schemas.microsoft.com/office/drawing/2014/main" xmlns="" id="{764B5643-59A7-4278-9C6C-C0772E988BD1}"/>
+                  <a16:creationId xmlns="" xmlns:a16="http://schemas.microsoft.com/office/drawing/2014/main" xmlns:p14="http://schemas.microsoft.com/office/powerpoint/2010/main" id="{764B5643-59A7-4278-9C6C-C0772E988BD1}"/>
                 </a:ext>
               </a:extLst>
             </p:cNvPr>
@@ -7169,7 +7169,7 @@
             <p:cNvPr id="35" name="îṣḷiďè">
               <a:extLst>
                 <a:ext uri="{FF2B5EF4-FFF2-40B4-BE49-F238E27FC236}">
-                  <a16:creationId xmlns:p14="http://schemas.microsoft.com/office/powerpoint/2010/main" xmlns:a16="http://schemas.microsoft.com/office/drawing/2014/main" xmlns="" id="{A35CCFB0-B280-422B-A372-F1E8A7B37BB7}"/>
+                  <a16:creationId xmlns="" xmlns:a16="http://schemas.microsoft.com/office/drawing/2014/main" xmlns:p14="http://schemas.microsoft.com/office/powerpoint/2010/main" id="{A35CCFB0-B280-422B-A372-F1E8A7B37BB7}"/>
                 </a:ext>
               </a:extLst>
             </p:cNvPr>
@@ -7265,7 +7265,7 @@
             <p:cNvPr id="36" name="i$líḓe">
               <a:extLst>
                 <a:ext uri="{FF2B5EF4-FFF2-40B4-BE49-F238E27FC236}">
-                  <a16:creationId xmlns:p14="http://schemas.microsoft.com/office/powerpoint/2010/main" xmlns:a16="http://schemas.microsoft.com/office/drawing/2014/main" xmlns="" id="{7F0DCF35-E893-4225-90D5-FBFE48B4C496}"/>
+                  <a16:creationId xmlns="" xmlns:a16="http://schemas.microsoft.com/office/drawing/2014/main" xmlns:p14="http://schemas.microsoft.com/office/powerpoint/2010/main" id="{7F0DCF35-E893-4225-90D5-FBFE48B4C496}"/>
                 </a:ext>
               </a:extLst>
             </p:cNvPr>
@@ -7330,7 +7330,7 @@
             <p:cNvPr id="37" name="ïṣḷíḓè">
               <a:extLst>
                 <a:ext uri="{FF2B5EF4-FFF2-40B4-BE49-F238E27FC236}">
-                  <a16:creationId xmlns:p14="http://schemas.microsoft.com/office/powerpoint/2010/main" xmlns:a16="http://schemas.microsoft.com/office/drawing/2014/main" xmlns="" id="{A4220D05-442F-428F-ACAE-0BDB7327EE45}"/>
+                  <a16:creationId xmlns="" xmlns:a16="http://schemas.microsoft.com/office/drawing/2014/main" xmlns:p14="http://schemas.microsoft.com/office/powerpoint/2010/main" id="{A4220D05-442F-428F-ACAE-0BDB7327EE45}"/>
                 </a:ext>
               </a:extLst>
             </p:cNvPr>
@@ -7470,7 +7470,7 @@
             <p:cNvPr id="38" name="ïślîḓe">
               <a:extLst>
                 <a:ext uri="{FF2B5EF4-FFF2-40B4-BE49-F238E27FC236}">
-                  <a16:creationId xmlns:p14="http://schemas.microsoft.com/office/powerpoint/2010/main" xmlns:a16="http://schemas.microsoft.com/office/drawing/2014/main" xmlns="" id="{CA00A810-C422-493F-8762-928602E1666F}"/>
+                  <a16:creationId xmlns="" xmlns:a16="http://schemas.microsoft.com/office/drawing/2014/main" xmlns:p14="http://schemas.microsoft.com/office/powerpoint/2010/main" id="{CA00A810-C422-493F-8762-928602E1666F}"/>
                 </a:ext>
               </a:extLst>
             </p:cNvPr>
@@ -7532,7 +7532,7 @@
             <p:cNvPr id="39" name="iṥļïďé">
               <a:extLst>
                 <a:ext uri="{FF2B5EF4-FFF2-40B4-BE49-F238E27FC236}">
-                  <a16:creationId xmlns:p14="http://schemas.microsoft.com/office/powerpoint/2010/main" xmlns:a16="http://schemas.microsoft.com/office/drawing/2014/main" xmlns="" id="{8731F971-066B-40AA-B136-58B67564B7ED}"/>
+                  <a16:creationId xmlns="" xmlns:a16="http://schemas.microsoft.com/office/drawing/2014/main" xmlns:p14="http://schemas.microsoft.com/office/powerpoint/2010/main" id="{8731F971-066B-40AA-B136-58B67564B7ED}"/>
                 </a:ext>
               </a:extLst>
             </p:cNvPr>
@@ -7594,7 +7594,7 @@
             <p:cNvPr id="40" name="iślíḓé">
               <a:extLst>
                 <a:ext uri="{FF2B5EF4-FFF2-40B4-BE49-F238E27FC236}">
-                  <a16:creationId xmlns:p14="http://schemas.microsoft.com/office/powerpoint/2010/main" xmlns:a16="http://schemas.microsoft.com/office/drawing/2014/main" xmlns="" id="{2AABD586-6310-40FF-82C3-735CEE851897}"/>
+                  <a16:creationId xmlns="" xmlns:a16="http://schemas.microsoft.com/office/drawing/2014/main" xmlns:p14="http://schemas.microsoft.com/office/powerpoint/2010/main" id="{2AABD586-6310-40FF-82C3-735CEE851897}"/>
                 </a:ext>
               </a:extLst>
             </p:cNvPr>
@@ -7656,7 +7656,7 @@
             <p:cNvPr id="41" name="îşḻïḑé">
               <a:extLst>
                 <a:ext uri="{FF2B5EF4-FFF2-40B4-BE49-F238E27FC236}">
-                  <a16:creationId xmlns:p14="http://schemas.microsoft.com/office/powerpoint/2010/main" xmlns:a16="http://schemas.microsoft.com/office/drawing/2014/main" xmlns="" id="{0BDE1E9B-62A3-46F4-AB87-D02F1D6E213F}"/>
+                  <a16:creationId xmlns="" xmlns:a16="http://schemas.microsoft.com/office/drawing/2014/main" xmlns:p14="http://schemas.microsoft.com/office/powerpoint/2010/main" id="{0BDE1E9B-62A3-46F4-AB87-D02F1D6E213F}"/>
                 </a:ext>
               </a:extLst>
             </p:cNvPr>
@@ -7718,7 +7718,7 @@
             <p:cNvPr id="42" name="iš1îḓe">
               <a:extLst>
                 <a:ext uri="{FF2B5EF4-FFF2-40B4-BE49-F238E27FC236}">
-                  <a16:creationId xmlns:p14="http://schemas.microsoft.com/office/powerpoint/2010/main" xmlns:a16="http://schemas.microsoft.com/office/drawing/2014/main" xmlns="" id="{1846F9CF-B441-4677-B6B7-A82071C6A24C}"/>
+                  <a16:creationId xmlns="" xmlns:a16="http://schemas.microsoft.com/office/drawing/2014/main" xmlns:p14="http://schemas.microsoft.com/office/powerpoint/2010/main" id="{1846F9CF-B441-4677-B6B7-A82071C6A24C}"/>
                 </a:ext>
               </a:extLst>
             </p:cNvPr>
@@ -7780,7 +7780,7 @@
             <p:cNvPr id="43" name="iṣļïḋê">
               <a:extLst>
                 <a:ext uri="{FF2B5EF4-FFF2-40B4-BE49-F238E27FC236}">
-                  <a16:creationId xmlns:p14="http://schemas.microsoft.com/office/powerpoint/2010/main" xmlns:a16="http://schemas.microsoft.com/office/drawing/2014/main" xmlns="" id="{E6025A34-46AE-457E-AC6F-3CE06D5B4606}"/>
+                  <a16:creationId xmlns="" xmlns:a16="http://schemas.microsoft.com/office/drawing/2014/main" xmlns:p14="http://schemas.microsoft.com/office/powerpoint/2010/main" id="{E6025A34-46AE-457E-AC6F-3CE06D5B4606}"/>
                 </a:ext>
               </a:extLst>
             </p:cNvPr>
@@ -7842,7 +7842,7 @@
             <p:cNvPr id="44" name="ïṧḻîdè">
               <a:extLst>
                 <a:ext uri="{FF2B5EF4-FFF2-40B4-BE49-F238E27FC236}">
-                  <a16:creationId xmlns:p14="http://schemas.microsoft.com/office/powerpoint/2010/main" xmlns:a16="http://schemas.microsoft.com/office/drawing/2014/main" xmlns="" id="{B3B1207A-F631-4D74-AF71-25164BFA4732}"/>
+                  <a16:creationId xmlns="" xmlns:a16="http://schemas.microsoft.com/office/drawing/2014/main" xmlns:p14="http://schemas.microsoft.com/office/powerpoint/2010/main" id="{B3B1207A-F631-4D74-AF71-25164BFA4732}"/>
                 </a:ext>
               </a:extLst>
             </p:cNvPr>
@@ -7904,7 +7904,7 @@
             <p:cNvPr id="45" name="ïṩlîḋè">
               <a:extLst>
                 <a:ext uri="{FF2B5EF4-FFF2-40B4-BE49-F238E27FC236}">
-                  <a16:creationId xmlns:p14="http://schemas.microsoft.com/office/powerpoint/2010/main" xmlns:a16="http://schemas.microsoft.com/office/drawing/2014/main" xmlns="" id="{BD4629EF-6FD7-495B-BABC-2117635C362D}"/>
+                  <a16:creationId xmlns="" xmlns:a16="http://schemas.microsoft.com/office/drawing/2014/main" xmlns:p14="http://schemas.microsoft.com/office/powerpoint/2010/main" id="{BD4629EF-6FD7-495B-BABC-2117635C362D}"/>
                 </a:ext>
               </a:extLst>
             </p:cNvPr>
@@ -7975,7 +7975,7 @@
             <p:cNvPr id="46" name="îśḻiḑê">
               <a:extLst>
                 <a:ext uri="{FF2B5EF4-FFF2-40B4-BE49-F238E27FC236}">
-                  <a16:creationId xmlns:p14="http://schemas.microsoft.com/office/powerpoint/2010/main" xmlns:a16="http://schemas.microsoft.com/office/drawing/2014/main" xmlns="" id="{CEEE656F-2B58-452E-8C4C-A5DC9C34C5FE}"/>
+                  <a16:creationId xmlns="" xmlns:a16="http://schemas.microsoft.com/office/drawing/2014/main" xmlns:p14="http://schemas.microsoft.com/office/powerpoint/2010/main" id="{CEEE656F-2B58-452E-8C4C-A5DC9C34C5FE}"/>
                 </a:ext>
               </a:extLst>
             </p:cNvPr>
@@ -8046,7 +8046,7 @@
             <p:cNvPr id="47" name="ísļîḓê">
               <a:extLst>
                 <a:ext uri="{FF2B5EF4-FFF2-40B4-BE49-F238E27FC236}">
-                  <a16:creationId xmlns:p14="http://schemas.microsoft.com/office/powerpoint/2010/main" xmlns:a16="http://schemas.microsoft.com/office/drawing/2014/main" xmlns="" id="{30046525-C92C-4D8E-AA3B-B52FFA1759D5}"/>
+                  <a16:creationId xmlns="" xmlns:a16="http://schemas.microsoft.com/office/drawing/2014/main" xmlns:p14="http://schemas.microsoft.com/office/powerpoint/2010/main" id="{30046525-C92C-4D8E-AA3B-B52FFA1759D5}"/>
                 </a:ext>
               </a:extLst>
             </p:cNvPr>
@@ -8384,7 +8384,7 @@
           <p:cNvPr id="8" name="日期占位符 7">
             <a:extLst>
               <a:ext uri="{FF2B5EF4-FFF2-40B4-BE49-F238E27FC236}">
-                <a16:creationId xmlns:p14="http://schemas.microsoft.com/office/powerpoint/2010/main" xmlns:p15="http://schemas.microsoft.com/office/powerpoint/2012/main" xmlns:a16="http://schemas.microsoft.com/office/drawing/2014/main" xmlns="" id="{04388434-9949-479C-A9C3-67A953F6A939}"/>
+                <a16:creationId xmlns="" xmlns:a16="http://schemas.microsoft.com/office/drawing/2014/main" xmlns:p15="http://schemas.microsoft.com/office/powerpoint/2012/main" xmlns:p14="http://schemas.microsoft.com/office/powerpoint/2010/main" id="{04388434-9949-479C-A9C3-67A953F6A939}"/>
               </a:ext>
             </a:extLst>
           </p:cNvPr>
@@ -8428,7 +8428,7 @@
           <p:cNvPr id="9" name="页脚占位符 8">
             <a:extLst>
               <a:ext uri="{FF2B5EF4-FFF2-40B4-BE49-F238E27FC236}">
-                <a16:creationId xmlns:p14="http://schemas.microsoft.com/office/powerpoint/2010/main" xmlns:p15="http://schemas.microsoft.com/office/powerpoint/2012/main" xmlns:a16="http://schemas.microsoft.com/office/drawing/2014/main" xmlns="" id="{50A5656E-7A33-4865-A262-1F96263BAA16}"/>
+                <a16:creationId xmlns="" xmlns:a16="http://schemas.microsoft.com/office/drawing/2014/main" xmlns:p15="http://schemas.microsoft.com/office/powerpoint/2012/main" xmlns:p14="http://schemas.microsoft.com/office/powerpoint/2010/main" id="{50A5656E-7A33-4865-A262-1F96263BAA16}"/>
               </a:ext>
             </a:extLst>
           </p:cNvPr>
@@ -8484,7 +8484,7 @@
           <p:cNvPr id="10" name="灯片编号占位符 9">
             <a:extLst>
               <a:ext uri="{FF2B5EF4-FFF2-40B4-BE49-F238E27FC236}">
-                <a16:creationId xmlns:p14="http://schemas.microsoft.com/office/powerpoint/2010/main" xmlns:p15="http://schemas.microsoft.com/office/powerpoint/2012/main" xmlns:a16="http://schemas.microsoft.com/office/drawing/2014/main" xmlns="" id="{5BF52F79-380E-4278-8B67-588AFE5840F9}"/>
+                <a16:creationId xmlns="" xmlns:a16="http://schemas.microsoft.com/office/drawing/2014/main" xmlns:p15="http://schemas.microsoft.com/office/powerpoint/2012/main" xmlns:p14="http://schemas.microsoft.com/office/powerpoint/2010/main" id="{5BF52F79-380E-4278-8B67-588AFE5840F9}"/>
               </a:ext>
             </a:extLst>
           </p:cNvPr>
@@ -8827,7 +8827,7 @@
   </p:txStyles>
   <p:extLst>
     <p:ext uri="{27BBF7A9-308A-43DC-89C8-2F10F3537804}">
-      <p15:sldGuideLst xmlns:p15="http://schemas.microsoft.com/office/powerpoint/2012/main" xmlns:p14="http://schemas.microsoft.com/office/powerpoint/2010/main" xmlns:a16="http://schemas.microsoft.com/office/drawing/2014/main" xmlns="">
+      <p15:sldGuideLst xmlns="" xmlns:a16="http://schemas.microsoft.com/office/drawing/2014/main" xmlns:p14="http://schemas.microsoft.com/office/powerpoint/2010/main" xmlns:p15="http://schemas.microsoft.com/office/powerpoint/2012/main">
         <p15:guide id="1" pos="422" userDrawn="1">
           <p15:clr>
             <a:srgbClr val="F26B43"/>
@@ -8886,7 +8886,7 @@
           <p:cNvPr id="3" name="ïṩḷiḑé" hidden="1">
             <a:extLst>
               <a:ext uri="{FF2B5EF4-FFF2-40B4-BE49-F238E27FC236}">
-                <a16:creationId xmlns:p14="http://schemas.microsoft.com/office/powerpoint/2010/main" xmlns:mc="http://schemas.openxmlformats.org/markup-compatibility/2006" xmlns:v="urn:schemas-microsoft-com:vml" xmlns:a16="http://schemas.microsoft.com/office/drawing/2014/main" xmlns="" id="{3C326D0B-7DAB-41B6-8030-2E4A18CC949B}"/>
+                <a16:creationId xmlns="" xmlns:a16="http://schemas.microsoft.com/office/drawing/2014/main" xmlns:v="urn:schemas-microsoft-com:vml" xmlns:mc="http://schemas.openxmlformats.org/markup-compatibility/2006" xmlns:p14="http://schemas.microsoft.com/office/powerpoint/2010/main" id="{3C326D0B-7DAB-41B6-8030-2E4A18CC949B}"/>
               </a:ext>
             </a:extLst>
           </p:cNvPr>
@@ -8909,7 +8909,7 @@
           <a:graphicData uri="http://schemas.openxmlformats.org/presentationml/2006/ole">
             <mc:AlternateContent xmlns:mc="http://schemas.openxmlformats.org/markup-compatibility/2006">
               <mc:Choice xmlns:v="urn:schemas-microsoft-com:vml" Requires="v">
-                <p:oleObj spid="_x0000_s1065" name="think-cell Slide" r:id="rId5" imgW="347" imgH="348" progId="TCLayout.ActiveDocument.1">
+                <p:oleObj spid="_x0000_s1068" name="think-cell Slide" r:id="rId5" imgW="347" imgH="348" progId="TCLayout.ActiveDocument.1">
                   <p:embed/>
                 </p:oleObj>
               </mc:Choice>
@@ -8921,7 +8921,7 @@
                       <p:cNvPr id="3" name="iş1iďé" hidden="1">
                         <a:extLst>
                           <a:ext uri="{FF2B5EF4-FFF2-40B4-BE49-F238E27FC236}">
-                            <a16:creationId xmlns:p14="http://schemas.microsoft.com/office/powerpoint/2010/main" xmlns:v="urn:schemas-microsoft-com:vml" xmlns:a16="http://schemas.microsoft.com/office/drawing/2014/main" xmlns="" id="{3C326D0B-7DAB-41B6-8030-2E4A18CC949B}"/>
+                            <a16:creationId xmlns="" xmlns:a16="http://schemas.microsoft.com/office/drawing/2014/main" xmlns:v="urn:schemas-microsoft-com:vml" xmlns:p14="http://schemas.microsoft.com/office/powerpoint/2010/main" id="{3C326D0B-7DAB-41B6-8030-2E4A18CC949B}"/>
                           </a:ext>
                         </a:extLst>
                       </p:cNvPr>
@@ -8955,7 +8955,7 @@
           <p:cNvPr id="2" name="ïsľîḑè" hidden="1">
             <a:extLst>
               <a:ext uri="{FF2B5EF4-FFF2-40B4-BE49-F238E27FC236}">
-                <a16:creationId xmlns:p14="http://schemas.microsoft.com/office/powerpoint/2010/main" xmlns:mc="http://schemas.openxmlformats.org/markup-compatibility/2006" xmlns:v="urn:schemas-microsoft-com:vml" xmlns:a16="http://schemas.microsoft.com/office/drawing/2014/main" xmlns="" id="{EC933494-1B63-4A32-964F-D05236799BAA}"/>
+                <a16:creationId xmlns="" xmlns:a16="http://schemas.microsoft.com/office/drawing/2014/main" xmlns:v="urn:schemas-microsoft-com:vml" xmlns:mc="http://schemas.openxmlformats.org/markup-compatibility/2006" xmlns:p14="http://schemas.microsoft.com/office/powerpoint/2010/main" id="{EC933494-1B63-4A32-964F-D05236799BAA}"/>
               </a:ext>
             </a:extLst>
           </p:cNvPr>
@@ -9308,6 +9308,638 @@
           <a:p>
             <a:r>
               <a:rPr lang="zh-CN" altLang="en-US" dirty="0"/>
+              <a:t>在实际应用中，我们还会遇到很多序列形的数据，如： </a:t>
+            </a:r>
+          </a:p>
+          <a:p>
+            <a:r>
+              <a:rPr lang="zh-CN" altLang="en-US" dirty="0"/>
+              <a:t>自然语言处理问题。</a:t>
+            </a:r>
+            <a:r>
+              <a:rPr lang="en-US" altLang="zh-CN" dirty="0"/>
+              <a:t>x1</a:t>
+            </a:r>
+            <a:r>
+              <a:rPr lang="zh-CN" altLang="en-US" dirty="0"/>
+              <a:t>可以看做是第一个单词，</a:t>
+            </a:r>
+            <a:r>
+              <a:rPr lang="en-US" altLang="zh-CN" dirty="0"/>
+              <a:t>x2</a:t>
+            </a:r>
+            <a:r>
+              <a:rPr lang="zh-CN" altLang="en-US" dirty="0"/>
+              <a:t>可以看做是第二个单词，依次类推。 </a:t>
+            </a:r>
+          </a:p>
+          <a:p>
+            <a:r>
+              <a:rPr lang="zh-CN" altLang="en-US" dirty="0"/>
+              <a:t>语音处理。此时，</a:t>
+            </a:r>
+            <a:r>
+              <a:rPr lang="en-US" altLang="zh-CN" dirty="0"/>
+              <a:t>x1</a:t>
+            </a:r>
+            <a:r>
+              <a:rPr lang="zh-CN" altLang="en-US" dirty="0"/>
+              <a:t>、</a:t>
+            </a:r>
+            <a:r>
+              <a:rPr lang="en-US" altLang="zh-CN" dirty="0"/>
+              <a:t>x2</a:t>
+            </a:r>
+            <a:r>
+              <a:rPr lang="zh-CN" altLang="en-US" dirty="0"/>
+              <a:t>、</a:t>
+            </a:r>
+            <a:r>
+              <a:rPr lang="en-US" altLang="zh-CN" dirty="0"/>
+              <a:t>x3……</a:t>
+            </a:r>
+            <a:r>
+              <a:rPr lang="zh-CN" altLang="en-US" dirty="0"/>
+              <a:t>是每帧的声音信号。 </a:t>
+            </a:r>
+          </a:p>
+          <a:p>
+            <a:r>
+              <a:rPr lang="zh-CN" altLang="en-US" dirty="0"/>
+              <a:t>时间序列问题。例如每天的股票价格等等</a:t>
+            </a:r>
+            <a:r>
+              <a:rPr lang="zh-CN" altLang="en-US" dirty="0" smtClean="0"/>
+              <a:t>。 </a:t>
+            </a:r>
+            <a:endParaRPr lang="en-US" altLang="zh-CN" dirty="0" smtClean="0"/>
+          </a:p>
+          <a:p>
+            <a:r>
+              <a:rPr lang="zh-CN" altLang="en-US" dirty="0" smtClean="0"/>
+              <a:t>其单个序列如下图所示：</a:t>
+            </a:r>
+          </a:p>
+          <a:p>
+            <a:endParaRPr lang="zh-TW" altLang="en-US" dirty="0"/>
+          </a:p>
+        </p:txBody>
+      </p:sp>
+      <p:pic>
+        <p:nvPicPr>
+          <p:cNvPr id="7170" name="Picture 2" descr="E:\Delete\git_r\two_month_report\202011_2021_1\11_16_to_11_20_third\img\rnn6.2.jpg"/>
+          <p:cNvPicPr>
+            <a:picLocks noChangeAspect="1" noChangeArrowheads="1"/>
+          </p:cNvPicPr>
+          <p:nvPr/>
+        </p:nvPicPr>
+        <p:blipFill>
+          <a:blip r:embed="rId2">
+            <a:extLst>
+              <a:ext uri="{28A0092B-C50C-407E-A947-70E740481C1C}">
+                <a14:useLocalDpi xmlns:a14="http://schemas.microsoft.com/office/drawing/2010/main" val="0"/>
+              </a:ext>
+            </a:extLst>
+          </a:blip>
+          <a:srcRect/>
+          <a:stretch>
+            <a:fillRect/>
+          </a:stretch>
+        </p:blipFill>
+        <p:spPr bwMode="auto">
+          <a:xfrm>
+            <a:off x="990600" y="3419475"/>
+            <a:ext cx="6858000" cy="1219200"/>
+          </a:xfrm>
+          <a:prstGeom prst="rect">
+            <a:avLst/>
+          </a:prstGeom>
+          <a:noFill/>
+          <a:extLst>
+            <a:ext uri="{909E8E84-426E-40DD-AFC4-6F175D3DCCD1}">
+              <a14:hiddenFill xmlns:a14="http://schemas.microsoft.com/office/drawing/2010/main">
+                <a:solidFill>
+                  <a:srgbClr val="FFFFFF"/>
+                </a:solidFill>
+              </a14:hiddenFill>
+            </a:ext>
+          </a:extLst>
+        </p:spPr>
+      </p:pic>
+    </p:spTree>
+    <p:extLst>
+      <p:ext uri="{BB962C8B-B14F-4D97-AF65-F5344CB8AC3E}">
+        <p14:creationId xmlns:p14="http://schemas.microsoft.com/office/powerpoint/2010/main" val="3506225245"/>
+      </p:ext>
+    </p:extLst>
+  </p:cSld>
+  <p:clrMapOvr>
+    <a:masterClrMapping/>
+  </p:clrMapOvr>
+  <p:timing>
+    <p:tnLst>
+      <p:par>
+        <p:cTn id="1" dur="indefinite" restart="never" nodeType="tmRoot">
+          <p:childTnLst>
+            <p:seq concurrent="1" nextAc="seek">
+              <p:cTn id="2" dur="indefinite" nodeType="mainSeq">
+                <p:childTnLst>
+                  <p:par>
+                    <p:cTn id="3" fill="hold">
+                      <p:stCondLst>
+                        <p:cond delay="indefinite"/>
+                      </p:stCondLst>
+                      <p:childTnLst>
+                        <p:par>
+                          <p:cTn id="4" fill="hold">
+                            <p:stCondLst>
+                              <p:cond delay="0"/>
+                            </p:stCondLst>
+                            <p:childTnLst>
+                              <p:par>
+                                <p:cTn id="5" presetID="26" presetClass="entr" presetSubtype="0" fill="hold" nodeType="clickEffect">
+                                  <p:stCondLst>
+                                    <p:cond delay="0"/>
+                                  </p:stCondLst>
+                                  <p:childTnLst>
+                                    <p:set>
+                                      <p:cBhvr>
+                                        <p:cTn id="6" dur="1" fill="hold">
+                                          <p:stCondLst>
+                                            <p:cond delay="0"/>
+                                          </p:stCondLst>
+                                        </p:cTn>
+                                        <p:tgtEl>
+                                          <p:spTgt spid="5">
+                                            <p:txEl>
+                                              <p:pRg st="4" end="4"/>
+                                            </p:txEl>
+                                          </p:spTgt>
+                                        </p:tgtEl>
+                                        <p:attrNameLst>
+                                          <p:attrName>style.visibility</p:attrName>
+                                        </p:attrNameLst>
+                                      </p:cBhvr>
+                                      <p:to>
+                                        <p:strVal val="visible"/>
+                                      </p:to>
+                                    </p:set>
+                                    <p:animEffect transition="in" filter="wipe(down)">
+                                      <p:cBhvr>
+                                        <p:cTn id="7" dur="580">
+                                          <p:stCondLst>
+                                            <p:cond delay="0"/>
+                                          </p:stCondLst>
+                                        </p:cTn>
+                                        <p:tgtEl>
+                                          <p:spTgt spid="5">
+                                            <p:txEl>
+                                              <p:pRg st="4" end="4"/>
+                                            </p:txEl>
+                                          </p:spTgt>
+                                        </p:tgtEl>
+                                      </p:cBhvr>
+                                    </p:animEffect>
+                                    <p:anim calcmode="lin" valueType="num">
+                                      <p:cBhvr>
+                                        <p:cTn id="8" dur="1822" tmFilter="0,0; 0.14,0.36; 0.43,0.73; 0.71,0.91; 1.0,1.0">
+                                          <p:stCondLst>
+                                            <p:cond delay="0"/>
+                                          </p:stCondLst>
+                                        </p:cTn>
+                                        <p:tgtEl>
+                                          <p:spTgt spid="5">
+                                            <p:txEl>
+                                              <p:pRg st="4" end="4"/>
+                                            </p:txEl>
+                                          </p:spTgt>
+                                        </p:tgtEl>
+                                        <p:attrNameLst>
+                                          <p:attrName>ppt_x</p:attrName>
+                                        </p:attrNameLst>
+                                      </p:cBhvr>
+                                      <p:tavLst>
+                                        <p:tav tm="0">
+                                          <p:val>
+                                            <p:strVal val="#ppt_x-0.25"/>
+                                          </p:val>
+                                        </p:tav>
+                                        <p:tav tm="100000">
+                                          <p:val>
+                                            <p:strVal val="#ppt_x"/>
+                                          </p:val>
+                                        </p:tav>
+                                      </p:tavLst>
+                                    </p:anim>
+                                    <p:anim calcmode="lin" valueType="num">
+                                      <p:cBhvr>
+                                        <p:cTn id="9" dur="664" tmFilter="0.0,0.0; 0.25,0.07; 0.50,0.2; 0.75,0.467; 1.0,1.0">
+                                          <p:stCondLst>
+                                            <p:cond delay="0"/>
+                                          </p:stCondLst>
+                                        </p:cTn>
+                                        <p:tgtEl>
+                                          <p:spTgt spid="5">
+                                            <p:txEl>
+                                              <p:pRg st="4" end="4"/>
+                                            </p:txEl>
+                                          </p:spTgt>
+                                        </p:tgtEl>
+                                        <p:attrNameLst>
+                                          <p:attrName>ppt_y</p:attrName>
+                                        </p:attrNameLst>
+                                      </p:cBhvr>
+                                      <p:tavLst>
+                                        <p:tav tm="0" fmla="#ppt_y-sin(pi*$)/3">
+                                          <p:val>
+                                            <p:fltVal val="0.5"/>
+                                          </p:val>
+                                        </p:tav>
+                                        <p:tav tm="100000">
+                                          <p:val>
+                                            <p:fltVal val="1"/>
+                                          </p:val>
+                                        </p:tav>
+                                      </p:tavLst>
+                                    </p:anim>
+                                    <p:anim calcmode="lin" valueType="num">
+                                      <p:cBhvr>
+                                        <p:cTn id="10" dur="664" tmFilter="0, 0; 0.125,0.2665; 0.25,0.4; 0.375,0.465; 0.5,0.5;  0.625,0.535; 0.75,0.6; 0.875,0.7335; 1,1">
+                                          <p:stCondLst>
+                                            <p:cond delay="664"/>
+                                          </p:stCondLst>
+                                        </p:cTn>
+                                        <p:tgtEl>
+                                          <p:spTgt spid="5">
+                                            <p:txEl>
+                                              <p:pRg st="4" end="4"/>
+                                            </p:txEl>
+                                          </p:spTgt>
+                                        </p:tgtEl>
+                                        <p:attrNameLst>
+                                          <p:attrName>ppt_y</p:attrName>
+                                        </p:attrNameLst>
+                                      </p:cBhvr>
+                                      <p:tavLst>
+                                        <p:tav tm="0" fmla="#ppt_y-sin(pi*$)/9">
+                                          <p:val>
+                                            <p:fltVal val="0"/>
+                                          </p:val>
+                                        </p:tav>
+                                        <p:tav tm="100000">
+                                          <p:val>
+                                            <p:fltVal val="1"/>
+                                          </p:val>
+                                        </p:tav>
+                                      </p:tavLst>
+                                    </p:anim>
+                                    <p:anim calcmode="lin" valueType="num">
+                                      <p:cBhvr>
+                                        <p:cTn id="11" dur="332" tmFilter="0, 0; 0.125,0.2665; 0.25,0.4; 0.375,0.465; 0.5,0.5;  0.625,0.535; 0.75,0.6; 0.875,0.7335; 1,1">
+                                          <p:stCondLst>
+                                            <p:cond delay="1324"/>
+                                          </p:stCondLst>
+                                        </p:cTn>
+                                        <p:tgtEl>
+                                          <p:spTgt spid="5">
+                                            <p:txEl>
+                                              <p:pRg st="4" end="4"/>
+                                            </p:txEl>
+                                          </p:spTgt>
+                                        </p:tgtEl>
+                                        <p:attrNameLst>
+                                          <p:attrName>ppt_y</p:attrName>
+                                        </p:attrNameLst>
+                                      </p:cBhvr>
+                                      <p:tavLst>
+                                        <p:tav tm="0" fmla="#ppt_y-sin(pi*$)/27">
+                                          <p:val>
+                                            <p:fltVal val="0"/>
+                                          </p:val>
+                                        </p:tav>
+                                        <p:tav tm="100000">
+                                          <p:val>
+                                            <p:fltVal val="1"/>
+                                          </p:val>
+                                        </p:tav>
+                                      </p:tavLst>
+                                    </p:anim>
+                                    <p:anim calcmode="lin" valueType="num">
+                                      <p:cBhvr>
+                                        <p:cTn id="12" dur="164" tmFilter="0, 0; 0.125,0.2665; 0.25,0.4; 0.375,0.465; 0.5,0.5;  0.625,0.535; 0.75,0.6; 0.875,0.7335; 1,1">
+                                          <p:stCondLst>
+                                            <p:cond delay="1656"/>
+                                          </p:stCondLst>
+                                        </p:cTn>
+                                        <p:tgtEl>
+                                          <p:spTgt spid="5">
+                                            <p:txEl>
+                                              <p:pRg st="4" end="4"/>
+                                            </p:txEl>
+                                          </p:spTgt>
+                                        </p:tgtEl>
+                                        <p:attrNameLst>
+                                          <p:attrName>ppt_y</p:attrName>
+                                        </p:attrNameLst>
+                                      </p:cBhvr>
+                                      <p:tavLst>
+                                        <p:tav tm="0" fmla="#ppt_y-sin(pi*$)/81">
+                                          <p:val>
+                                            <p:fltVal val="0"/>
+                                          </p:val>
+                                        </p:tav>
+                                        <p:tav tm="100000">
+                                          <p:val>
+                                            <p:fltVal val="1"/>
+                                          </p:val>
+                                        </p:tav>
+                                      </p:tavLst>
+                                    </p:anim>
+                                    <p:animScale>
+                                      <p:cBhvr>
+                                        <p:cTn id="13" dur="26">
+                                          <p:stCondLst>
+                                            <p:cond delay="650"/>
+                                          </p:stCondLst>
+                                        </p:cTn>
+                                        <p:tgtEl>
+                                          <p:spTgt spid="5">
+                                            <p:txEl>
+                                              <p:pRg st="4" end="4"/>
+                                            </p:txEl>
+                                          </p:spTgt>
+                                        </p:tgtEl>
+                                      </p:cBhvr>
+                                      <p:to x="100000" y="60000"/>
+                                    </p:animScale>
+                                    <p:animScale>
+                                      <p:cBhvr>
+                                        <p:cTn id="14" dur="166" decel="50000">
+                                          <p:stCondLst>
+                                            <p:cond delay="676"/>
+                                          </p:stCondLst>
+                                        </p:cTn>
+                                        <p:tgtEl>
+                                          <p:spTgt spid="5">
+                                            <p:txEl>
+                                              <p:pRg st="4" end="4"/>
+                                            </p:txEl>
+                                          </p:spTgt>
+                                        </p:tgtEl>
+                                      </p:cBhvr>
+                                      <p:to x="100000" y="100000"/>
+                                    </p:animScale>
+                                    <p:animScale>
+                                      <p:cBhvr>
+                                        <p:cTn id="15" dur="26">
+                                          <p:stCondLst>
+                                            <p:cond delay="1312"/>
+                                          </p:stCondLst>
+                                        </p:cTn>
+                                        <p:tgtEl>
+                                          <p:spTgt spid="5">
+                                            <p:txEl>
+                                              <p:pRg st="4" end="4"/>
+                                            </p:txEl>
+                                          </p:spTgt>
+                                        </p:tgtEl>
+                                      </p:cBhvr>
+                                      <p:to x="100000" y="80000"/>
+                                    </p:animScale>
+                                    <p:animScale>
+                                      <p:cBhvr>
+                                        <p:cTn id="16" dur="166" decel="50000">
+                                          <p:stCondLst>
+                                            <p:cond delay="1338"/>
+                                          </p:stCondLst>
+                                        </p:cTn>
+                                        <p:tgtEl>
+                                          <p:spTgt spid="5">
+                                            <p:txEl>
+                                              <p:pRg st="4" end="4"/>
+                                            </p:txEl>
+                                          </p:spTgt>
+                                        </p:tgtEl>
+                                      </p:cBhvr>
+                                      <p:to x="100000" y="100000"/>
+                                    </p:animScale>
+                                    <p:animScale>
+                                      <p:cBhvr>
+                                        <p:cTn id="17" dur="26">
+                                          <p:stCondLst>
+                                            <p:cond delay="1642"/>
+                                          </p:stCondLst>
+                                        </p:cTn>
+                                        <p:tgtEl>
+                                          <p:spTgt spid="5">
+                                            <p:txEl>
+                                              <p:pRg st="4" end="4"/>
+                                            </p:txEl>
+                                          </p:spTgt>
+                                        </p:tgtEl>
+                                      </p:cBhvr>
+                                      <p:to x="100000" y="90000"/>
+                                    </p:animScale>
+                                    <p:animScale>
+                                      <p:cBhvr>
+                                        <p:cTn id="18" dur="166" decel="50000">
+                                          <p:stCondLst>
+                                            <p:cond delay="1668"/>
+                                          </p:stCondLst>
+                                        </p:cTn>
+                                        <p:tgtEl>
+                                          <p:spTgt spid="5">
+                                            <p:txEl>
+                                              <p:pRg st="4" end="4"/>
+                                            </p:txEl>
+                                          </p:spTgt>
+                                        </p:tgtEl>
+                                      </p:cBhvr>
+                                      <p:to x="100000" y="100000"/>
+                                    </p:animScale>
+                                    <p:animScale>
+                                      <p:cBhvr>
+                                        <p:cTn id="19" dur="26">
+                                          <p:stCondLst>
+                                            <p:cond delay="1808"/>
+                                          </p:stCondLst>
+                                        </p:cTn>
+                                        <p:tgtEl>
+                                          <p:spTgt spid="5">
+                                            <p:txEl>
+                                              <p:pRg st="4" end="4"/>
+                                            </p:txEl>
+                                          </p:spTgt>
+                                        </p:tgtEl>
+                                      </p:cBhvr>
+                                      <p:to x="100000" y="95000"/>
+                                    </p:animScale>
+                                    <p:animScale>
+                                      <p:cBhvr>
+                                        <p:cTn id="20" dur="166" decel="50000">
+                                          <p:stCondLst>
+                                            <p:cond delay="1834"/>
+                                          </p:stCondLst>
+                                        </p:cTn>
+                                        <p:tgtEl>
+                                          <p:spTgt spid="5">
+                                            <p:txEl>
+                                              <p:pRg st="4" end="4"/>
+                                            </p:txEl>
+                                          </p:spTgt>
+                                        </p:tgtEl>
+                                      </p:cBhvr>
+                                      <p:to x="100000" y="100000"/>
+                                    </p:animScale>
+                                  </p:childTnLst>
+                                </p:cTn>
+                              </p:par>
+                            </p:childTnLst>
+                          </p:cTn>
+                        </p:par>
+                      </p:childTnLst>
+                    </p:cTn>
+                  </p:par>
+                </p:childTnLst>
+              </p:cTn>
+              <p:prevCondLst>
+                <p:cond evt="onPrev" delay="0">
+                  <p:tgtEl>
+                    <p:sldTgt/>
+                  </p:tgtEl>
+                </p:cond>
+              </p:prevCondLst>
+              <p:nextCondLst>
+                <p:cond evt="onNext" delay="0">
+                  <p:tgtEl>
+                    <p:sldTgt/>
+                  </p:tgtEl>
+                </p:cond>
+              </p:nextCondLst>
+            </p:seq>
+          </p:childTnLst>
+        </p:cTn>
+      </p:par>
+    </p:tnLst>
+  </p:timing>
+</p:sld>
+</file>
+
+<file path=ppt/slides/slide11.xml><?xml version="1.0" encoding="utf-8"?>
+<p:sld xmlns:a="http://schemas.openxmlformats.org/drawingml/2006/main" xmlns:r="http://schemas.openxmlformats.org/officeDocument/2006/relationships" xmlns:p="http://schemas.openxmlformats.org/presentationml/2006/main">
+  <p:cSld>
+    <p:spTree>
+      <p:nvGrpSpPr>
+        <p:cNvPr id="1" name=""/>
+        <p:cNvGrpSpPr/>
+        <p:nvPr/>
+      </p:nvGrpSpPr>
+      <p:grpSpPr>
+        <a:xfrm>
+          <a:off x="0" y="0"/>
+          <a:ext cx="0" cy="0"/>
+          <a:chOff x="0" y="0"/>
+          <a:chExt cx="0" cy="0"/>
+        </a:xfrm>
+      </p:grpSpPr>
+      <p:sp>
+        <p:nvSpPr>
+          <p:cNvPr id="2" name="頁尾版面配置區 1"/>
+          <p:cNvSpPr>
+            <a:spLocks noGrp="1"/>
+          </p:cNvSpPr>
+          <p:nvPr>
+            <p:ph type="ftr" sz="quarter" idx="11"/>
+          </p:nvPr>
+        </p:nvSpPr>
+        <p:spPr/>
+        <p:txBody>
+          <a:bodyPr/>
+          <a:lstStyle/>
+          <a:p>
+            <a:r>
+              <a:rPr lang="zh-CN" altLang="en-US" smtClean="0"/>
+              <a:t>请在插入菜单</a:t>
+            </a:r>
+            <a:r>
+              <a:rPr lang="en-US" altLang="zh-CN" smtClean="0"/>
+              <a:t>—</a:t>
+            </a:r>
+            <a:r>
+              <a:rPr lang="zh-CN" altLang="en-US" smtClean="0"/>
+              <a:t>页眉和页脚中修改此文本</a:t>
+            </a:r>
+            <a:endParaRPr lang="zh-CN" altLang="en-US" dirty="0"/>
+          </a:p>
+        </p:txBody>
+      </p:sp>
+      <p:sp>
+        <p:nvSpPr>
+          <p:cNvPr id="3" name="投影片編號版面配置區 2"/>
+          <p:cNvSpPr>
+            <a:spLocks noGrp="1"/>
+          </p:cNvSpPr>
+          <p:nvPr>
+            <p:ph type="sldNum" sz="quarter" idx="12"/>
+          </p:nvPr>
+        </p:nvSpPr>
+        <p:spPr/>
+        <p:txBody>
+          <a:bodyPr/>
+          <a:lstStyle/>
+          <a:p>
+            <a:fld id="{5DD3DB80-B894-403A-B48E-6FDC1A72010E}" type="slidenum">
+              <a:rPr lang="zh-CN" altLang="en-US" smtClean="0"/>
+              <a:pPr/>
+              <a:t>11</a:t>
+            </a:fld>
+            <a:endParaRPr lang="zh-CN" altLang="en-US"/>
+          </a:p>
+        </p:txBody>
+      </p:sp>
+      <p:sp>
+        <p:nvSpPr>
+          <p:cNvPr id="4" name="標題 3"/>
+          <p:cNvSpPr>
+            <a:spLocks noGrp="1"/>
+          </p:cNvSpPr>
+          <p:nvPr>
+            <p:ph type="title"/>
+          </p:nvPr>
+        </p:nvSpPr>
+        <p:spPr/>
+        <p:txBody>
+          <a:bodyPr/>
+          <a:lstStyle/>
+          <a:p>
+            <a:r>
+              <a:rPr lang="en-US" altLang="zh-TW" dirty="0"/>
+              <a:t>RNN </a:t>
+            </a:r>
+            <a:r>
+              <a:rPr lang="zh-TW" altLang="en-US" dirty="0"/>
+              <a:t>圖解</a:t>
+            </a:r>
+          </a:p>
+        </p:txBody>
+      </p:sp>
+      <p:sp>
+        <p:nvSpPr>
+          <p:cNvPr id="5" name="內容版面配置區 4"/>
+          <p:cNvSpPr>
+            <a:spLocks noGrp="1"/>
+          </p:cNvSpPr>
+          <p:nvPr>
+            <p:ph sz="quarter" idx="13"/>
+          </p:nvPr>
+        </p:nvSpPr>
+        <p:spPr/>
+        <p:txBody>
+          <a:bodyPr/>
+          <a:lstStyle/>
+          <a:p>
+            <a:r>
+              <a:rPr lang="zh-CN" altLang="en-US" dirty="0"/>
               <a:t> </a:t>
             </a:r>
             <a:r>
@@ -9452,7 +10084,7 @@
 </p:sld>
 </file>
 
-<file path=ppt/slides/slide11.xml><?xml version="1.0" encoding="utf-8"?>
+<file path=ppt/slides/slide12.xml><?xml version="1.0" encoding="utf-8"?>
 <p:sld xmlns:a="http://schemas.openxmlformats.org/drawingml/2006/main" xmlns:r="http://schemas.openxmlformats.org/officeDocument/2006/relationships" xmlns:p="http://schemas.openxmlformats.org/presentationml/2006/main">
   <p:cSld>
     <p:spTree>
@@ -9518,7 +10150,7 @@
             <a:fld id="{5DD3DB80-B894-403A-B48E-6FDC1A72010E}" type="slidenum">
               <a:rPr lang="zh-CN" altLang="en-US" smtClean="0"/>
               <a:pPr/>
-              <a:t>11</a:t>
+              <a:t>12</a:t>
             </a:fld>
             <a:endParaRPr lang="zh-CN" altLang="en-US"/>
           </a:p>
@@ -10003,7 +10635,7 @@
 </p:sld>
 </file>
 
-<file path=ppt/slides/slide12.xml><?xml version="1.0" encoding="utf-8"?>
+<file path=ppt/slides/slide13.xml><?xml version="1.0" encoding="utf-8"?>
 <p:sld xmlns:a="http://schemas.openxmlformats.org/drawingml/2006/main" xmlns:r="http://schemas.openxmlformats.org/officeDocument/2006/relationships" xmlns:p="http://schemas.openxmlformats.org/presentationml/2006/main">
   <p:cSld>
     <p:spTree>
@@ -10069,7 +10701,7 @@
             <a:fld id="{5DD3DB80-B894-403A-B48E-6FDC1A72010E}" type="slidenum">
               <a:rPr lang="zh-CN" altLang="en-US" smtClean="0"/>
               <a:pPr/>
-              <a:t>12</a:t>
+              <a:t>13</a:t>
             </a:fld>
             <a:endParaRPr lang="zh-CN" altLang="en-US"/>
           </a:p>
@@ -10193,7 +10825,7 @@
 </p:sld>
 </file>
 
-<file path=ppt/slides/slide13.xml><?xml version="1.0" encoding="utf-8"?>
+<file path=ppt/slides/slide14.xml><?xml version="1.0" encoding="utf-8"?>
 <p:sld xmlns:a="http://schemas.openxmlformats.org/drawingml/2006/main" xmlns:r="http://schemas.openxmlformats.org/officeDocument/2006/relationships" xmlns:p="http://schemas.openxmlformats.org/presentationml/2006/main">
   <p:cSld>
     <p:spTree>
@@ -10259,7 +10891,7 @@
             <a:fld id="{5DD3DB80-B894-403A-B48E-6FDC1A72010E}" type="slidenum">
               <a:rPr lang="zh-CN" altLang="en-US" smtClean="0"/>
               <a:pPr/>
-              <a:t>13</a:t>
+              <a:t>14</a:t>
             </a:fld>
             <a:endParaRPr lang="zh-CN" altLang="en-US"/>
           </a:p>
@@ -10600,7 +11232,7 @@
 </p:sld>
 </file>
 
-<file path=ppt/slides/slide14.xml><?xml version="1.0" encoding="utf-8"?>
+<file path=ppt/slides/slide15.xml><?xml version="1.0" encoding="utf-8"?>
 <p:sld xmlns:a="http://schemas.openxmlformats.org/drawingml/2006/main" xmlns:r="http://schemas.openxmlformats.org/officeDocument/2006/relationships" xmlns:p="http://schemas.openxmlformats.org/presentationml/2006/main">
   <p:cSld>
     <p:spTree>
@@ -10666,7 +11298,7 @@
             <a:fld id="{5DD3DB80-B894-403A-B48E-6FDC1A72010E}" type="slidenum">
               <a:rPr lang="zh-CN" altLang="en-US" smtClean="0"/>
               <a:pPr/>
-              <a:t>14</a:t>
+              <a:t>15</a:t>
             </a:fld>
             <a:endParaRPr lang="zh-CN" altLang="en-US"/>
           </a:p>
@@ -11097,7 +11729,7 @@
 </p:sld>
 </file>
 
-<file path=ppt/slides/slide15.xml><?xml version="1.0" encoding="utf-8"?>
+<file path=ppt/slides/slide16.xml><?xml version="1.0" encoding="utf-8"?>
 <p:sld xmlns:a="http://schemas.openxmlformats.org/drawingml/2006/main" xmlns:r="http://schemas.openxmlformats.org/officeDocument/2006/relationships" xmlns:p="http://schemas.openxmlformats.org/presentationml/2006/main">
   <p:cSld>
     <p:spTree>
@@ -11163,7 +11795,7 @@
             <a:fld id="{5DD3DB80-B894-403A-B48E-6FDC1A72010E}" type="slidenum">
               <a:rPr lang="zh-CN" altLang="en-US" smtClean="0"/>
               <a:pPr/>
-              <a:t>15</a:t>
+              <a:t>16</a:t>
             </a:fld>
             <a:endParaRPr lang="zh-CN" altLang="en-US"/>
           </a:p>
@@ -11243,154 +11875,6 @@
     <p:extLst>
       <p:ext uri="{BB962C8B-B14F-4D97-AF65-F5344CB8AC3E}">
         <p14:creationId xmlns:p14="http://schemas.microsoft.com/office/powerpoint/2010/main" val="671896490"/>
-      </p:ext>
-    </p:extLst>
-  </p:cSld>
-  <p:clrMapOvr>
-    <a:masterClrMapping/>
-  </p:clrMapOvr>
-  <p:timing>
-    <p:tnLst>
-      <p:par>
-        <p:cTn id="1" dur="indefinite" restart="never" nodeType="tmRoot"/>
-      </p:par>
-    </p:tnLst>
-  </p:timing>
-</p:sld>
-</file>
-
-<file path=ppt/slides/slide16.xml><?xml version="1.0" encoding="utf-8"?>
-<p:sld xmlns:a="http://schemas.openxmlformats.org/drawingml/2006/main" xmlns:r="http://schemas.openxmlformats.org/officeDocument/2006/relationships" xmlns:p="http://schemas.openxmlformats.org/presentationml/2006/main">
-  <p:cSld>
-    <p:spTree>
-      <p:nvGrpSpPr>
-        <p:cNvPr id="1" name=""/>
-        <p:cNvGrpSpPr/>
-        <p:nvPr/>
-      </p:nvGrpSpPr>
-      <p:grpSpPr>
-        <a:xfrm>
-          <a:off x="0" y="0"/>
-          <a:ext cx="0" cy="0"/>
-          <a:chOff x="0" y="0"/>
-          <a:chExt cx="0" cy="0"/>
-        </a:xfrm>
-      </p:grpSpPr>
-      <p:sp>
-        <p:nvSpPr>
-          <p:cNvPr id="2" name="頁尾版面配置區 1"/>
-          <p:cNvSpPr>
-            <a:spLocks noGrp="1"/>
-          </p:cNvSpPr>
-          <p:nvPr>
-            <p:ph type="ftr" sz="quarter" idx="11"/>
-          </p:nvPr>
-        </p:nvSpPr>
-        <p:spPr/>
-        <p:txBody>
-          <a:bodyPr/>
-          <a:lstStyle/>
-          <a:p>
-            <a:r>
-              <a:rPr lang="zh-CN" altLang="en-US" dirty="0" smtClean="0"/>
-              <a:t>请在插入菜单</a:t>
-            </a:r>
-            <a:r>
-              <a:rPr lang="en-US" altLang="zh-CN" dirty="0" smtClean="0"/>
-              <a:t>—</a:t>
-            </a:r>
-            <a:r>
-              <a:rPr lang="zh-CN" altLang="en-US" dirty="0" smtClean="0"/>
-              <a:t>页眉和页脚中修改此文本</a:t>
-            </a:r>
-            <a:endParaRPr lang="zh-CN" altLang="en-US" dirty="0"/>
-          </a:p>
-        </p:txBody>
-      </p:sp>
-      <p:sp>
-        <p:nvSpPr>
-          <p:cNvPr id="3" name="投影片編號版面配置區 2"/>
-          <p:cNvSpPr>
-            <a:spLocks noGrp="1"/>
-          </p:cNvSpPr>
-          <p:nvPr>
-            <p:ph type="sldNum" sz="quarter" idx="12"/>
-          </p:nvPr>
-        </p:nvSpPr>
-        <p:spPr/>
-        <p:txBody>
-          <a:bodyPr/>
-          <a:lstStyle/>
-          <a:p>
-            <a:fld id="{5DD3DB80-B894-403A-B48E-6FDC1A72010E}" type="slidenum">
-              <a:rPr lang="zh-CN" altLang="en-US" smtClean="0"/>
-              <a:pPr/>
-              <a:t>16</a:t>
-            </a:fld>
-            <a:endParaRPr lang="zh-CN" altLang="en-US"/>
-          </a:p>
-        </p:txBody>
-      </p:sp>
-      <p:sp>
-        <p:nvSpPr>
-          <p:cNvPr id="4" name="標題 3"/>
-          <p:cNvSpPr>
-            <a:spLocks noGrp="1"/>
-          </p:cNvSpPr>
-          <p:nvPr>
-            <p:ph type="title"/>
-          </p:nvPr>
-        </p:nvSpPr>
-        <p:spPr/>
-        <p:txBody>
-          <a:bodyPr/>
-          <a:lstStyle/>
-          <a:p>
-            <a:r>
-              <a:rPr lang="en-US" altLang="zh-TW" dirty="0"/>
-              <a:t>RNN </a:t>
-            </a:r>
-            <a:r>
-              <a:rPr lang="zh-TW" altLang="en-US" dirty="0"/>
-              <a:t>圖解</a:t>
-            </a:r>
-          </a:p>
-        </p:txBody>
-      </p:sp>
-      <p:pic>
-        <p:nvPicPr>
-          <p:cNvPr id="5" name="圖片 4"/>
-          <p:cNvPicPr>
-            <a:picLocks noChangeAspect="1"/>
-          </p:cNvPicPr>
-          <p:nvPr/>
-        </p:nvPicPr>
-        <p:blipFill>
-          <a:blip r:embed="rId2">
-            <a:extLst>
-              <a:ext uri="{28A0092B-C50C-407E-A947-70E740481C1C}">
-                <a14:useLocalDpi xmlns:a14="http://schemas.microsoft.com/office/drawing/2010/main" val="0"/>
-              </a:ext>
-            </a:extLst>
-          </a:blip>
-          <a:stretch>
-            <a:fillRect/>
-          </a:stretch>
-        </p:blipFill>
-        <p:spPr>
-          <a:xfrm>
-            <a:off x="1010259" y="1605190"/>
-            <a:ext cx="9752382" cy="3647619"/>
-          </a:xfrm>
-          <a:prstGeom prst="rect">
-            <a:avLst/>
-          </a:prstGeom>
-        </p:spPr>
-      </p:pic>
-    </p:spTree>
-    <p:extLst>
-      <p:ext uri="{BB962C8B-B14F-4D97-AF65-F5344CB8AC3E}">
-        <p14:creationId xmlns:p14="http://schemas.microsoft.com/office/powerpoint/2010/main" val="2298892199"/>
       </p:ext>
     </p:extLst>
   </p:cSld>
@@ -11881,7 +12365,7 @@
           <p:cNvPr id="9" name="î$ḷíḋé">
             <a:extLst>
               <a:ext uri="{FF2B5EF4-FFF2-40B4-BE49-F238E27FC236}">
-                <a16:creationId xmlns:p14="http://schemas.microsoft.com/office/powerpoint/2010/main" xmlns:a16="http://schemas.microsoft.com/office/drawing/2014/main" xmlns="" id="{04F69230-F3A6-4586-9371-A858F4763E9F}"/>
+                <a16:creationId xmlns="" xmlns:a16="http://schemas.microsoft.com/office/drawing/2014/main" xmlns:p14="http://schemas.microsoft.com/office/powerpoint/2010/main" id="{04F69230-F3A6-4586-9371-A858F4763E9F}"/>
               </a:ext>
             </a:extLst>
           </p:cNvPr>
@@ -12014,7 +12498,7 @@
           <p:cNvPr id="2" name="íSliḓè">
             <a:extLst>
               <a:ext uri="{FF2B5EF4-FFF2-40B4-BE49-F238E27FC236}">
-                <a16:creationId xmlns:p14="http://schemas.microsoft.com/office/powerpoint/2010/main" xmlns:a16="http://schemas.microsoft.com/office/drawing/2014/main" xmlns="" id="{C0498D3A-B738-48EC-A39C-94C58B88932B}"/>
+                <a16:creationId xmlns="" xmlns:a16="http://schemas.microsoft.com/office/drawing/2014/main" xmlns:p14="http://schemas.microsoft.com/office/powerpoint/2010/main" id="{C0498D3A-B738-48EC-A39C-94C58B88932B}"/>
               </a:ext>
             </a:extLst>
           </p:cNvPr>
@@ -12034,7 +12518,7 @@
             <p:cNvPr id="6" name="íSļïdè" descr="本素材由iSlide™ 提供&#10;iSlide™尊重知识产权并注重保护用户享有的各项权利。郑重提醒您：&#10;iSlide™插件中提供的任何信息内容的所有权、知识产权归其原始权利人或权利受让人所有，您免费/购买获得的是信息内容的使用权，并受下述条款的约束；&#10;1. 您仅可以个人非商业用途使用该等信息内容，不可将信息内容的全部或部分用于出售，或以出租、出借、转让、分销、发布等其他任何方式供他人使用；&#10;2. 禁止在接入互联网或移动互联网的任何网站、平台、应用或程序上以任何方式为他人提供iSlide™插件资源内容的下载。&#10;The resource is supplied by iSlide™.&#10;iSlide™ respects all intellectual property rights and protects all the rights its users acquired.Solemnly remind you:&#10;The ownership and intellectual property of the resources supplied in iSlide Add-in belongs to its owner or the assignee of this ownership.you only acquired the usage of the resources supplied in iSlide Add-in, as well as respected the following restrain terms:&#10;1.You are only allowed to use such resource for personal and non-commercial aim, not allowed to use such resource or part of it for the sale; or rent, lend, transfer to others; or distribution or release it in any way.&#10;2.You are not permitted to provide the resource of iSlide Add-in in any website, platform, application access to the Internet or mobile Internet." title="iSlide™ 版权声明  COPYRIGHT NOTICE">
               <a:extLst>
                 <a:ext uri="{FF2B5EF4-FFF2-40B4-BE49-F238E27FC236}">
-                  <a16:creationId xmlns:p14="http://schemas.microsoft.com/office/powerpoint/2010/main" xmlns:a16="http://schemas.microsoft.com/office/drawing/2014/main" xmlns="" id="{A759C196-DA28-4241-ABB5-975367026FE9}"/>
+                  <a16:creationId xmlns="" xmlns:a16="http://schemas.microsoft.com/office/drawing/2014/main" xmlns:p14="http://schemas.microsoft.com/office/powerpoint/2010/main" id="{A759C196-DA28-4241-ABB5-975367026FE9}"/>
                 </a:ext>
               </a:extLst>
             </p:cNvPr>
@@ -12056,7 +12540,7 @@
               <p:cNvPr id="7" name="îṩḷiḓè">
                 <a:extLst>
                   <a:ext uri="{FF2B5EF4-FFF2-40B4-BE49-F238E27FC236}">
-                    <a16:creationId xmlns:p14="http://schemas.microsoft.com/office/powerpoint/2010/main" xmlns:a16="http://schemas.microsoft.com/office/drawing/2014/main" xmlns="" id="{48F70259-7598-4270-874A-6F50772D10F6}"/>
+                    <a16:creationId xmlns="" xmlns:a16="http://schemas.microsoft.com/office/drawing/2014/main" xmlns:p14="http://schemas.microsoft.com/office/powerpoint/2010/main" id="{48F70259-7598-4270-874A-6F50772D10F6}"/>
                   </a:ext>
                 </a:extLst>
               </p:cNvPr>
@@ -12324,7 +12808,7 @@
               <p:cNvPr id="8" name="îŝľiḋê">
                 <a:extLst>
                   <a:ext uri="{FF2B5EF4-FFF2-40B4-BE49-F238E27FC236}">
-                    <a16:creationId xmlns:p14="http://schemas.microsoft.com/office/powerpoint/2010/main" xmlns:a16="http://schemas.microsoft.com/office/drawing/2014/main" xmlns="" id="{DA1FB18E-FA01-4588-BEF9-FB96A98A84D4}"/>
+                    <a16:creationId xmlns="" xmlns:a16="http://schemas.microsoft.com/office/drawing/2014/main" xmlns:p14="http://schemas.microsoft.com/office/powerpoint/2010/main" id="{DA1FB18E-FA01-4588-BEF9-FB96A98A84D4}"/>
                   </a:ext>
                 </a:extLst>
               </p:cNvPr>
@@ -12363,7 +12847,7 @@
               <p:cNvPr id="9" name="ïsľiďé">
                 <a:extLst>
                   <a:ext uri="{FF2B5EF4-FFF2-40B4-BE49-F238E27FC236}">
-                    <a16:creationId xmlns:p14="http://schemas.microsoft.com/office/powerpoint/2010/main" xmlns:a16="http://schemas.microsoft.com/office/drawing/2014/main" xmlns="" id="{0DB1D0A1-2667-455C-9387-D7ABF0A00B8C}"/>
+                    <a16:creationId xmlns="" xmlns:a16="http://schemas.microsoft.com/office/drawing/2014/main" xmlns:p14="http://schemas.microsoft.com/office/powerpoint/2010/main" id="{0DB1D0A1-2667-455C-9387-D7ABF0A00B8C}"/>
                   </a:ext>
                 </a:extLst>
               </p:cNvPr>
@@ -12435,7 +12919,7 @@
             <p:cNvPr id="10" name="ïṩļiḋe">
               <a:extLst>
                 <a:ext uri="{FF2B5EF4-FFF2-40B4-BE49-F238E27FC236}">
-                  <a16:creationId xmlns:p14="http://schemas.microsoft.com/office/powerpoint/2010/main" xmlns:a16="http://schemas.microsoft.com/office/drawing/2014/main" xmlns="" id="{ADAD6BE3-DC11-4582-9F68-50D831ADD001}"/>
+                  <a16:creationId xmlns="" xmlns:a16="http://schemas.microsoft.com/office/drawing/2014/main" xmlns:p14="http://schemas.microsoft.com/office/powerpoint/2010/main" id="{ADAD6BE3-DC11-4582-9F68-50D831ADD001}"/>
                 </a:ext>
               </a:extLst>
             </p:cNvPr>
@@ -13735,7 +14219,7 @@
           <p:cNvPr id="9" name="î$ḷíḋé">
             <a:extLst>
               <a:ext uri="{FF2B5EF4-FFF2-40B4-BE49-F238E27FC236}">
-                <a16:creationId xmlns:p14="http://schemas.microsoft.com/office/powerpoint/2010/main" xmlns:a16="http://schemas.microsoft.com/office/drawing/2014/main" xmlns="" id="{04F69230-F3A6-4586-9371-A858F4763E9F}"/>
+                <a16:creationId xmlns="" xmlns:a16="http://schemas.microsoft.com/office/drawing/2014/main" xmlns:p14="http://schemas.microsoft.com/office/powerpoint/2010/main" id="{04F69230-F3A6-4586-9371-A858F4763E9F}"/>
               </a:ext>
             </a:extLst>
           </p:cNvPr>
@@ -14002,7 +14486,7 @@
           <p:cNvPr id="3" name="íṡḻiḓé" hidden="1">
             <a:extLst>
               <a:ext uri="{FF2B5EF4-FFF2-40B4-BE49-F238E27FC236}">
-                <a16:creationId xmlns:p14="http://schemas.microsoft.com/office/powerpoint/2010/main" xmlns:mc="http://schemas.openxmlformats.org/markup-compatibility/2006" xmlns:v="urn:schemas-microsoft-com:vml" xmlns:a16="http://schemas.microsoft.com/office/drawing/2014/main" xmlns="" id="{A6A819F1-33AF-45D7-8BF6-2B0A9769CAD4}"/>
+                <a16:creationId xmlns="" xmlns:a16="http://schemas.microsoft.com/office/drawing/2014/main" xmlns:v="urn:schemas-microsoft-com:vml" xmlns:mc="http://schemas.openxmlformats.org/markup-compatibility/2006" xmlns:p14="http://schemas.microsoft.com/office/powerpoint/2010/main" id="{A6A819F1-33AF-45D7-8BF6-2B0A9769CAD4}"/>
               </a:ext>
             </a:extLst>
           </p:cNvPr>
@@ -14025,7 +14509,7 @@
           <a:graphicData uri="http://schemas.openxmlformats.org/presentationml/2006/ole">
             <mc:AlternateContent xmlns:mc="http://schemas.openxmlformats.org/markup-compatibility/2006">
               <mc:Choice xmlns:v="urn:schemas-microsoft-com:vml" Requires="v">
-                <p:oleObj spid="_x0000_s3113" name="think-cell Slide" r:id="rId5" imgW="347" imgH="348" progId="TCLayout.ActiveDocument.1">
+                <p:oleObj spid="_x0000_s3116" name="think-cell Slide" r:id="rId5" imgW="347" imgH="348" progId="TCLayout.ActiveDocument.1">
                   <p:embed/>
                 </p:oleObj>
               </mc:Choice>
@@ -14037,7 +14521,7 @@
                       <p:cNvPr id="3" name="íṩ1iḑé" hidden="1">
                         <a:extLst>
                           <a:ext uri="{FF2B5EF4-FFF2-40B4-BE49-F238E27FC236}">
-                            <a16:creationId xmlns:p14="http://schemas.microsoft.com/office/powerpoint/2010/main" xmlns:v="urn:schemas-microsoft-com:vml" xmlns:a16="http://schemas.microsoft.com/office/drawing/2014/main" xmlns="" id="{A6A819F1-33AF-45D7-8BF6-2B0A9769CAD4}"/>
+                            <a16:creationId xmlns="" xmlns:a16="http://schemas.microsoft.com/office/drawing/2014/main" xmlns:v="urn:schemas-microsoft-com:vml" xmlns:p14="http://schemas.microsoft.com/office/powerpoint/2010/main" id="{A6A819F1-33AF-45D7-8BF6-2B0A9769CAD4}"/>
                           </a:ext>
                         </a:extLst>
                       </p:cNvPr>
@@ -14071,7 +14555,7 @@
           <p:cNvPr id="2" name="išľïďe" hidden="1">
             <a:extLst>
               <a:ext uri="{FF2B5EF4-FFF2-40B4-BE49-F238E27FC236}">
-                <a16:creationId xmlns:p14="http://schemas.microsoft.com/office/powerpoint/2010/main" xmlns:mc="http://schemas.openxmlformats.org/markup-compatibility/2006" xmlns:v="urn:schemas-microsoft-com:vml" xmlns:a16="http://schemas.microsoft.com/office/drawing/2014/main" xmlns="" id="{FF51F16D-1BAD-46EE-A6F4-B8B94C9DF628}"/>
+                <a16:creationId xmlns="" xmlns:a16="http://schemas.microsoft.com/office/drawing/2014/main" xmlns:v="urn:schemas-microsoft-com:vml" xmlns:mc="http://schemas.openxmlformats.org/markup-compatibility/2006" xmlns:p14="http://schemas.microsoft.com/office/powerpoint/2010/main" id="{FF51F16D-1BAD-46EE-A6F4-B8B94C9DF628}"/>
               </a:ext>
             </a:extLst>
           </p:cNvPr>
@@ -14236,7 +14720,7 @@
           <p:cNvPr id="13" name="îṣlíḍe">
             <a:extLst>
               <a:ext uri="{FF2B5EF4-FFF2-40B4-BE49-F238E27FC236}">
-                <a16:creationId xmlns:p14="http://schemas.microsoft.com/office/powerpoint/2010/main" xmlns:mc="http://schemas.openxmlformats.org/markup-compatibility/2006" xmlns:v="urn:schemas-microsoft-com:vml" xmlns:a16="http://schemas.microsoft.com/office/drawing/2014/main" xmlns="" id="{394FC8CD-4FAD-452B-A6ED-A378816FAA36}"/>
+                <a16:creationId xmlns="" xmlns:a16="http://schemas.microsoft.com/office/drawing/2014/main" xmlns:v="urn:schemas-microsoft-com:vml" xmlns:mc="http://schemas.openxmlformats.org/markup-compatibility/2006" xmlns:p14="http://schemas.microsoft.com/office/powerpoint/2010/main" id="{394FC8CD-4FAD-452B-A6ED-A378816FAA36}"/>
               </a:ext>
             </a:extLst>
           </p:cNvPr>
@@ -14279,7 +14763,7 @@
           <p:cNvPr id="14" name="ïSḻíďê">
             <a:extLst>
               <a:ext uri="{FF2B5EF4-FFF2-40B4-BE49-F238E27FC236}">
-                <a16:creationId xmlns:p14="http://schemas.microsoft.com/office/powerpoint/2010/main" xmlns:mc="http://schemas.openxmlformats.org/markup-compatibility/2006" xmlns:v="urn:schemas-microsoft-com:vml" xmlns:a16="http://schemas.microsoft.com/office/drawing/2014/main" xmlns="" id="{7C549D2A-4C2D-40D9-B2D1-E96901BFF877}"/>
+                <a16:creationId xmlns="" xmlns:a16="http://schemas.microsoft.com/office/drawing/2014/main" xmlns:v="urn:schemas-microsoft-com:vml" xmlns:mc="http://schemas.openxmlformats.org/markup-compatibility/2006" xmlns:p14="http://schemas.microsoft.com/office/powerpoint/2010/main" id="{7C549D2A-4C2D-40D9-B2D1-E96901BFF877}"/>
               </a:ext>
             </a:extLst>
           </p:cNvPr>
@@ -14389,7 +14873,7 @@
           <p:cNvPr id="9" name="î$ḷíḋé">
             <a:extLst>
               <a:ext uri="{FF2B5EF4-FFF2-40B4-BE49-F238E27FC236}">
-                <a16:creationId xmlns:p14="http://schemas.microsoft.com/office/powerpoint/2010/main" xmlns:a16="http://schemas.microsoft.com/office/drawing/2014/main" xmlns="" id="{04F69230-F3A6-4586-9371-A858F4763E9F}"/>
+                <a16:creationId xmlns="" xmlns:a16="http://schemas.microsoft.com/office/drawing/2014/main" xmlns:p14="http://schemas.microsoft.com/office/powerpoint/2010/main" id="{04F69230-F3A6-4586-9371-A858F4763E9F}"/>
               </a:ext>
             </a:extLst>
           </p:cNvPr>
@@ -14896,11 +15380,11 @@
               <a:t>(</a:t>
             </a:r>
             <a:r>
-              <a:rPr lang="zh-TW" altLang="en-US" smtClean="0"/>
+              <a:rPr lang="zh-TW" altLang="en-US" dirty="0" smtClean="0"/>
               <a:t>單個神經元展開</a:t>
             </a:r>
             <a:r>
-              <a:rPr lang="en-US" altLang="zh-TW" smtClean="0"/>
+              <a:rPr lang="en-US" altLang="zh-TW" dirty="0" smtClean="0"/>
               <a:t>)</a:t>
             </a:r>
             <a:endParaRPr lang="zh-TW" altLang="en-US" dirty="0"/>
@@ -15249,15 +15733,15 @@
           <a:lstStyle/>
           <a:p>
             <a:r>
-              <a:rPr lang="zh-CN" altLang="en-US" smtClean="0"/>
+              <a:rPr lang="zh-CN" altLang="en-US" dirty="0" smtClean="0"/>
               <a:t>请在插入菜单</a:t>
             </a:r>
             <a:r>
-              <a:rPr lang="en-US" altLang="zh-CN" smtClean="0"/>
+              <a:rPr lang="en-US" altLang="zh-CN" dirty="0" smtClean="0"/>
               <a:t>—</a:t>
             </a:r>
             <a:r>
-              <a:rPr lang="zh-CN" altLang="en-US" smtClean="0"/>
+              <a:rPr lang="zh-CN" altLang="en-US" dirty="0" smtClean="0"/>
               <a:t>页眉和页脚中修改此文本</a:t>
             </a:r>
             <a:endParaRPr lang="zh-CN" altLang="en-US" dirty="0"/>
@@ -15283,6 +15767,167 @@
               <a:rPr lang="zh-CN" altLang="en-US" smtClean="0"/>
               <a:pPr/>
               <a:t>6</a:t>
+            </a:fld>
+            <a:endParaRPr lang="zh-CN" altLang="en-US"/>
+          </a:p>
+        </p:txBody>
+      </p:sp>
+      <p:sp>
+        <p:nvSpPr>
+          <p:cNvPr id="4" name="標題 3"/>
+          <p:cNvSpPr>
+            <a:spLocks noGrp="1"/>
+          </p:cNvSpPr>
+          <p:nvPr>
+            <p:ph type="title"/>
+          </p:nvPr>
+        </p:nvSpPr>
+        <p:spPr/>
+        <p:txBody>
+          <a:bodyPr/>
+          <a:lstStyle/>
+          <a:p>
+            <a:r>
+              <a:rPr lang="en-US" altLang="zh-TW" dirty="0"/>
+              <a:t>RNN </a:t>
+            </a:r>
+            <a:r>
+              <a:rPr lang="zh-TW" altLang="en-US" dirty="0"/>
+              <a:t>簡介</a:t>
+            </a:r>
+            <a:r>
+              <a:rPr lang="en-US" altLang="zh-TW" dirty="0"/>
+              <a:t>(</a:t>
+            </a:r>
+            <a:r>
+              <a:rPr lang="zh-TW" altLang="en-US" dirty="0"/>
+              <a:t>單個神經元展開</a:t>
+            </a:r>
+            <a:r>
+              <a:rPr lang="en-US" altLang="zh-TW"/>
+              <a:t>)</a:t>
+            </a:r>
+            <a:endParaRPr lang="zh-TW" altLang="en-US" dirty="0"/>
+          </a:p>
+        </p:txBody>
+      </p:sp>
+      <p:pic>
+        <p:nvPicPr>
+          <p:cNvPr id="5" name="圖片 4"/>
+          <p:cNvPicPr>
+            <a:picLocks noChangeAspect="1"/>
+          </p:cNvPicPr>
+          <p:nvPr/>
+        </p:nvPicPr>
+        <p:blipFill>
+          <a:blip r:embed="rId2">
+            <a:extLst>
+              <a:ext uri="{28A0092B-C50C-407E-A947-70E740481C1C}">
+                <a14:useLocalDpi xmlns:a14="http://schemas.microsoft.com/office/drawing/2010/main" val="0"/>
+              </a:ext>
+            </a:extLst>
+          </a:blip>
+          <a:stretch>
+            <a:fillRect/>
+          </a:stretch>
+        </p:blipFill>
+        <p:spPr>
+          <a:xfrm>
+            <a:off x="1010259" y="1605190"/>
+            <a:ext cx="9752382" cy="3647619"/>
+          </a:xfrm>
+          <a:prstGeom prst="rect">
+            <a:avLst/>
+          </a:prstGeom>
+        </p:spPr>
+      </p:pic>
+    </p:spTree>
+    <p:extLst>
+      <p:ext uri="{BB962C8B-B14F-4D97-AF65-F5344CB8AC3E}">
+        <p14:creationId xmlns:p14="http://schemas.microsoft.com/office/powerpoint/2010/main" val="4200236450"/>
+      </p:ext>
+    </p:extLst>
+  </p:cSld>
+  <p:clrMapOvr>
+    <a:masterClrMapping/>
+  </p:clrMapOvr>
+  <p:timing>
+    <p:tnLst>
+      <p:par>
+        <p:cTn id="1" dur="indefinite" restart="never" nodeType="tmRoot"/>
+      </p:par>
+    </p:tnLst>
+  </p:timing>
+</p:sld>
+</file>
+
+<file path=ppt/slides/slide7.xml><?xml version="1.0" encoding="utf-8"?>
+<p:sld xmlns:a="http://schemas.openxmlformats.org/drawingml/2006/main" xmlns:r="http://schemas.openxmlformats.org/officeDocument/2006/relationships" xmlns:p="http://schemas.openxmlformats.org/presentationml/2006/main">
+  <p:cSld>
+    <p:spTree>
+      <p:nvGrpSpPr>
+        <p:cNvPr id="1" name=""/>
+        <p:cNvGrpSpPr/>
+        <p:nvPr/>
+      </p:nvGrpSpPr>
+      <p:grpSpPr>
+        <a:xfrm>
+          <a:off x="0" y="0"/>
+          <a:ext cx="0" cy="0"/>
+          <a:chOff x="0" y="0"/>
+          <a:chExt cx="0" cy="0"/>
+        </a:xfrm>
+      </p:grpSpPr>
+      <p:sp>
+        <p:nvSpPr>
+          <p:cNvPr id="2" name="頁尾版面配置區 1"/>
+          <p:cNvSpPr>
+            <a:spLocks noGrp="1"/>
+          </p:cNvSpPr>
+          <p:nvPr>
+            <p:ph type="ftr" sz="quarter" idx="11"/>
+          </p:nvPr>
+        </p:nvSpPr>
+        <p:spPr/>
+        <p:txBody>
+          <a:bodyPr/>
+          <a:lstStyle/>
+          <a:p>
+            <a:r>
+              <a:rPr lang="zh-CN" altLang="en-US" smtClean="0"/>
+              <a:t>请在插入菜单</a:t>
+            </a:r>
+            <a:r>
+              <a:rPr lang="en-US" altLang="zh-CN" smtClean="0"/>
+              <a:t>—</a:t>
+            </a:r>
+            <a:r>
+              <a:rPr lang="zh-CN" altLang="en-US" smtClean="0"/>
+              <a:t>页眉和页脚中修改此文本</a:t>
+            </a:r>
+            <a:endParaRPr lang="zh-CN" altLang="en-US" dirty="0"/>
+          </a:p>
+        </p:txBody>
+      </p:sp>
+      <p:sp>
+        <p:nvSpPr>
+          <p:cNvPr id="3" name="投影片編號版面配置區 2"/>
+          <p:cNvSpPr>
+            <a:spLocks noGrp="1"/>
+          </p:cNvSpPr>
+          <p:nvPr>
+            <p:ph type="sldNum" sz="quarter" idx="12"/>
+          </p:nvPr>
+        </p:nvSpPr>
+        <p:spPr/>
+        <p:txBody>
+          <a:bodyPr/>
+          <a:lstStyle/>
+          <a:p>
+            <a:fld id="{5DD3DB80-B894-403A-B48E-6FDC1A72010E}" type="slidenum">
+              <a:rPr lang="zh-CN" altLang="en-US" smtClean="0"/>
+              <a:pPr/>
+              <a:t>7</a:t>
             </a:fld>
             <a:endParaRPr lang="zh-CN" altLang="en-US"/>
           </a:p>
@@ -15636,7 +16281,7 @@
 </p:sld>
 </file>
 
-<file path=ppt/slides/slide7.xml><?xml version="1.0" encoding="utf-8"?>
+<file path=ppt/slides/slide8.xml><?xml version="1.0" encoding="utf-8"?>
 <p:sld xmlns:a="http://schemas.openxmlformats.org/drawingml/2006/main" xmlns:r="http://schemas.openxmlformats.org/officeDocument/2006/relationships" xmlns:p="http://schemas.openxmlformats.org/presentationml/2006/main">
   <p:cSld>
     <p:spTree>
@@ -15685,7 +16330,7 @@
           <p:cNvPr id="9" name="î$ḷíḋé">
             <a:extLst>
               <a:ext uri="{FF2B5EF4-FFF2-40B4-BE49-F238E27FC236}">
-                <a16:creationId xmlns:p14="http://schemas.microsoft.com/office/powerpoint/2010/main" xmlns:a16="http://schemas.microsoft.com/office/drawing/2014/main" xmlns="" id="{04F69230-F3A6-4586-9371-A858F4763E9F}"/>
+                <a16:creationId xmlns="" xmlns:a16="http://schemas.microsoft.com/office/drawing/2014/main" xmlns:p14="http://schemas.microsoft.com/office/powerpoint/2010/main" id="{04F69230-F3A6-4586-9371-A858F4763E9F}"/>
               </a:ext>
             </a:extLst>
           </p:cNvPr>
@@ -15796,7 +16441,7 @@
 </p:sld>
 </file>
 
-<file path=ppt/slides/slide8.xml><?xml version="1.0" encoding="utf-8"?>
+<file path=ppt/slides/slide9.xml><?xml version="1.0" encoding="utf-8"?>
 <p:sld xmlns:a="http://schemas.openxmlformats.org/drawingml/2006/main" xmlns:r="http://schemas.openxmlformats.org/officeDocument/2006/relationships" xmlns:p="http://schemas.openxmlformats.org/presentationml/2006/main">
   <p:cSld>
     <p:spTree>
@@ -16282,638 +16927,6 @@
 </p:sld>
 </file>
 
-<file path=ppt/slides/slide9.xml><?xml version="1.0" encoding="utf-8"?>
-<p:sld xmlns:a="http://schemas.openxmlformats.org/drawingml/2006/main" xmlns:r="http://schemas.openxmlformats.org/officeDocument/2006/relationships" xmlns:p="http://schemas.openxmlformats.org/presentationml/2006/main">
-  <p:cSld>
-    <p:spTree>
-      <p:nvGrpSpPr>
-        <p:cNvPr id="1" name=""/>
-        <p:cNvGrpSpPr/>
-        <p:nvPr/>
-      </p:nvGrpSpPr>
-      <p:grpSpPr>
-        <a:xfrm>
-          <a:off x="0" y="0"/>
-          <a:ext cx="0" cy="0"/>
-          <a:chOff x="0" y="0"/>
-          <a:chExt cx="0" cy="0"/>
-        </a:xfrm>
-      </p:grpSpPr>
-      <p:sp>
-        <p:nvSpPr>
-          <p:cNvPr id="2" name="頁尾版面配置區 1"/>
-          <p:cNvSpPr>
-            <a:spLocks noGrp="1"/>
-          </p:cNvSpPr>
-          <p:nvPr>
-            <p:ph type="ftr" sz="quarter" idx="11"/>
-          </p:nvPr>
-        </p:nvSpPr>
-        <p:spPr/>
-        <p:txBody>
-          <a:bodyPr/>
-          <a:lstStyle/>
-          <a:p>
-            <a:r>
-              <a:rPr lang="zh-CN" altLang="en-US" smtClean="0"/>
-              <a:t>请在插入菜单</a:t>
-            </a:r>
-            <a:r>
-              <a:rPr lang="en-US" altLang="zh-CN" smtClean="0"/>
-              <a:t>—</a:t>
-            </a:r>
-            <a:r>
-              <a:rPr lang="zh-CN" altLang="en-US" smtClean="0"/>
-              <a:t>页眉和页脚中修改此文本</a:t>
-            </a:r>
-            <a:endParaRPr lang="zh-CN" altLang="en-US" dirty="0"/>
-          </a:p>
-        </p:txBody>
-      </p:sp>
-      <p:sp>
-        <p:nvSpPr>
-          <p:cNvPr id="3" name="投影片編號版面配置區 2"/>
-          <p:cNvSpPr>
-            <a:spLocks noGrp="1"/>
-          </p:cNvSpPr>
-          <p:nvPr>
-            <p:ph type="sldNum" sz="quarter" idx="12"/>
-          </p:nvPr>
-        </p:nvSpPr>
-        <p:spPr/>
-        <p:txBody>
-          <a:bodyPr/>
-          <a:lstStyle/>
-          <a:p>
-            <a:fld id="{5DD3DB80-B894-403A-B48E-6FDC1A72010E}" type="slidenum">
-              <a:rPr lang="zh-CN" altLang="en-US" smtClean="0"/>
-              <a:pPr/>
-              <a:t>9</a:t>
-            </a:fld>
-            <a:endParaRPr lang="zh-CN" altLang="en-US"/>
-          </a:p>
-        </p:txBody>
-      </p:sp>
-      <p:sp>
-        <p:nvSpPr>
-          <p:cNvPr id="4" name="標題 3"/>
-          <p:cNvSpPr>
-            <a:spLocks noGrp="1"/>
-          </p:cNvSpPr>
-          <p:nvPr>
-            <p:ph type="title"/>
-          </p:nvPr>
-        </p:nvSpPr>
-        <p:spPr/>
-        <p:txBody>
-          <a:bodyPr/>
-          <a:lstStyle/>
-          <a:p>
-            <a:r>
-              <a:rPr lang="en-US" altLang="zh-TW" dirty="0"/>
-              <a:t>RNN </a:t>
-            </a:r>
-            <a:r>
-              <a:rPr lang="zh-TW" altLang="en-US" dirty="0"/>
-              <a:t>圖解</a:t>
-            </a:r>
-          </a:p>
-        </p:txBody>
-      </p:sp>
-      <p:sp>
-        <p:nvSpPr>
-          <p:cNvPr id="5" name="內容版面配置區 4"/>
-          <p:cNvSpPr>
-            <a:spLocks noGrp="1"/>
-          </p:cNvSpPr>
-          <p:nvPr>
-            <p:ph sz="quarter" idx="13"/>
-          </p:nvPr>
-        </p:nvSpPr>
-        <p:spPr/>
-        <p:txBody>
-          <a:bodyPr/>
-          <a:lstStyle/>
-          <a:p>
-            <a:r>
-              <a:rPr lang="zh-CN" altLang="en-US" dirty="0"/>
-              <a:t>在实际应用中，我们还会遇到很多序列形的数据，如： </a:t>
-            </a:r>
-          </a:p>
-          <a:p>
-            <a:r>
-              <a:rPr lang="zh-CN" altLang="en-US" dirty="0"/>
-              <a:t>自然语言处理问题。</a:t>
-            </a:r>
-            <a:r>
-              <a:rPr lang="en-US" altLang="zh-CN" dirty="0"/>
-              <a:t>x1</a:t>
-            </a:r>
-            <a:r>
-              <a:rPr lang="zh-CN" altLang="en-US" dirty="0"/>
-              <a:t>可以看做是第一个单词，</a:t>
-            </a:r>
-            <a:r>
-              <a:rPr lang="en-US" altLang="zh-CN" dirty="0"/>
-              <a:t>x2</a:t>
-            </a:r>
-            <a:r>
-              <a:rPr lang="zh-CN" altLang="en-US" dirty="0"/>
-              <a:t>可以看做是第二个单词，依次类推。 </a:t>
-            </a:r>
-          </a:p>
-          <a:p>
-            <a:r>
-              <a:rPr lang="zh-CN" altLang="en-US" dirty="0"/>
-              <a:t>语音处理。此时，</a:t>
-            </a:r>
-            <a:r>
-              <a:rPr lang="en-US" altLang="zh-CN" dirty="0"/>
-              <a:t>x1</a:t>
-            </a:r>
-            <a:r>
-              <a:rPr lang="zh-CN" altLang="en-US" dirty="0"/>
-              <a:t>、</a:t>
-            </a:r>
-            <a:r>
-              <a:rPr lang="en-US" altLang="zh-CN" dirty="0"/>
-              <a:t>x2</a:t>
-            </a:r>
-            <a:r>
-              <a:rPr lang="zh-CN" altLang="en-US" dirty="0"/>
-              <a:t>、</a:t>
-            </a:r>
-            <a:r>
-              <a:rPr lang="en-US" altLang="zh-CN" dirty="0"/>
-              <a:t>x3……</a:t>
-            </a:r>
-            <a:r>
-              <a:rPr lang="zh-CN" altLang="en-US" dirty="0"/>
-              <a:t>是每帧的声音信号。 </a:t>
-            </a:r>
-          </a:p>
-          <a:p>
-            <a:r>
-              <a:rPr lang="zh-CN" altLang="en-US" dirty="0"/>
-              <a:t>时间序列问题。例如每天的股票价格等等</a:t>
-            </a:r>
-            <a:r>
-              <a:rPr lang="zh-CN" altLang="en-US" dirty="0" smtClean="0"/>
-              <a:t>。 </a:t>
-            </a:r>
-            <a:endParaRPr lang="en-US" altLang="zh-CN" dirty="0" smtClean="0"/>
-          </a:p>
-          <a:p>
-            <a:r>
-              <a:rPr lang="zh-CN" altLang="en-US" dirty="0" smtClean="0"/>
-              <a:t>其单个序列如下图所示：</a:t>
-            </a:r>
-          </a:p>
-          <a:p>
-            <a:endParaRPr lang="zh-TW" altLang="en-US" dirty="0"/>
-          </a:p>
-        </p:txBody>
-      </p:sp>
-      <p:pic>
-        <p:nvPicPr>
-          <p:cNvPr id="7170" name="Picture 2" descr="E:\Delete\git_r\two_month_report\202011_2021_1\11_16_to_11_20_third\img\rnn6.2.jpg"/>
-          <p:cNvPicPr>
-            <a:picLocks noChangeAspect="1" noChangeArrowheads="1"/>
-          </p:cNvPicPr>
-          <p:nvPr/>
-        </p:nvPicPr>
-        <p:blipFill>
-          <a:blip r:embed="rId2">
-            <a:extLst>
-              <a:ext uri="{28A0092B-C50C-407E-A947-70E740481C1C}">
-                <a14:useLocalDpi xmlns:a14="http://schemas.microsoft.com/office/drawing/2010/main" val="0"/>
-              </a:ext>
-            </a:extLst>
-          </a:blip>
-          <a:srcRect/>
-          <a:stretch>
-            <a:fillRect/>
-          </a:stretch>
-        </p:blipFill>
-        <p:spPr bwMode="auto">
-          <a:xfrm>
-            <a:off x="990600" y="3419475"/>
-            <a:ext cx="6858000" cy="1219200"/>
-          </a:xfrm>
-          <a:prstGeom prst="rect">
-            <a:avLst/>
-          </a:prstGeom>
-          <a:noFill/>
-          <a:extLst>
-            <a:ext uri="{909E8E84-426E-40DD-AFC4-6F175D3DCCD1}">
-              <a14:hiddenFill xmlns:a14="http://schemas.microsoft.com/office/drawing/2010/main">
-                <a:solidFill>
-                  <a:srgbClr val="FFFFFF"/>
-                </a:solidFill>
-              </a14:hiddenFill>
-            </a:ext>
-          </a:extLst>
-        </p:spPr>
-      </p:pic>
-    </p:spTree>
-    <p:extLst>
-      <p:ext uri="{BB962C8B-B14F-4D97-AF65-F5344CB8AC3E}">
-        <p14:creationId xmlns:p14="http://schemas.microsoft.com/office/powerpoint/2010/main" val="3506225245"/>
-      </p:ext>
-    </p:extLst>
-  </p:cSld>
-  <p:clrMapOvr>
-    <a:masterClrMapping/>
-  </p:clrMapOvr>
-  <p:timing>
-    <p:tnLst>
-      <p:par>
-        <p:cTn id="1" dur="indefinite" restart="never" nodeType="tmRoot">
-          <p:childTnLst>
-            <p:seq concurrent="1" nextAc="seek">
-              <p:cTn id="2" dur="indefinite" nodeType="mainSeq">
-                <p:childTnLst>
-                  <p:par>
-                    <p:cTn id="3" fill="hold">
-                      <p:stCondLst>
-                        <p:cond delay="indefinite"/>
-                      </p:stCondLst>
-                      <p:childTnLst>
-                        <p:par>
-                          <p:cTn id="4" fill="hold">
-                            <p:stCondLst>
-                              <p:cond delay="0"/>
-                            </p:stCondLst>
-                            <p:childTnLst>
-                              <p:par>
-                                <p:cTn id="5" presetID="26" presetClass="entr" presetSubtype="0" fill="hold" nodeType="clickEffect">
-                                  <p:stCondLst>
-                                    <p:cond delay="0"/>
-                                  </p:stCondLst>
-                                  <p:childTnLst>
-                                    <p:set>
-                                      <p:cBhvr>
-                                        <p:cTn id="6" dur="1" fill="hold">
-                                          <p:stCondLst>
-                                            <p:cond delay="0"/>
-                                          </p:stCondLst>
-                                        </p:cTn>
-                                        <p:tgtEl>
-                                          <p:spTgt spid="5">
-                                            <p:txEl>
-                                              <p:pRg st="4" end="4"/>
-                                            </p:txEl>
-                                          </p:spTgt>
-                                        </p:tgtEl>
-                                        <p:attrNameLst>
-                                          <p:attrName>style.visibility</p:attrName>
-                                        </p:attrNameLst>
-                                      </p:cBhvr>
-                                      <p:to>
-                                        <p:strVal val="visible"/>
-                                      </p:to>
-                                    </p:set>
-                                    <p:animEffect transition="in" filter="wipe(down)">
-                                      <p:cBhvr>
-                                        <p:cTn id="7" dur="580">
-                                          <p:stCondLst>
-                                            <p:cond delay="0"/>
-                                          </p:stCondLst>
-                                        </p:cTn>
-                                        <p:tgtEl>
-                                          <p:spTgt spid="5">
-                                            <p:txEl>
-                                              <p:pRg st="4" end="4"/>
-                                            </p:txEl>
-                                          </p:spTgt>
-                                        </p:tgtEl>
-                                      </p:cBhvr>
-                                    </p:animEffect>
-                                    <p:anim calcmode="lin" valueType="num">
-                                      <p:cBhvr>
-                                        <p:cTn id="8" dur="1822" tmFilter="0,0; 0.14,0.36; 0.43,0.73; 0.71,0.91; 1.0,1.0">
-                                          <p:stCondLst>
-                                            <p:cond delay="0"/>
-                                          </p:stCondLst>
-                                        </p:cTn>
-                                        <p:tgtEl>
-                                          <p:spTgt spid="5">
-                                            <p:txEl>
-                                              <p:pRg st="4" end="4"/>
-                                            </p:txEl>
-                                          </p:spTgt>
-                                        </p:tgtEl>
-                                        <p:attrNameLst>
-                                          <p:attrName>ppt_x</p:attrName>
-                                        </p:attrNameLst>
-                                      </p:cBhvr>
-                                      <p:tavLst>
-                                        <p:tav tm="0">
-                                          <p:val>
-                                            <p:strVal val="#ppt_x-0.25"/>
-                                          </p:val>
-                                        </p:tav>
-                                        <p:tav tm="100000">
-                                          <p:val>
-                                            <p:strVal val="#ppt_x"/>
-                                          </p:val>
-                                        </p:tav>
-                                      </p:tavLst>
-                                    </p:anim>
-                                    <p:anim calcmode="lin" valueType="num">
-                                      <p:cBhvr>
-                                        <p:cTn id="9" dur="664" tmFilter="0.0,0.0; 0.25,0.07; 0.50,0.2; 0.75,0.467; 1.0,1.0">
-                                          <p:stCondLst>
-                                            <p:cond delay="0"/>
-                                          </p:stCondLst>
-                                        </p:cTn>
-                                        <p:tgtEl>
-                                          <p:spTgt spid="5">
-                                            <p:txEl>
-                                              <p:pRg st="4" end="4"/>
-                                            </p:txEl>
-                                          </p:spTgt>
-                                        </p:tgtEl>
-                                        <p:attrNameLst>
-                                          <p:attrName>ppt_y</p:attrName>
-                                        </p:attrNameLst>
-                                      </p:cBhvr>
-                                      <p:tavLst>
-                                        <p:tav tm="0" fmla="#ppt_y-sin(pi*$)/3">
-                                          <p:val>
-                                            <p:fltVal val="0.5"/>
-                                          </p:val>
-                                        </p:tav>
-                                        <p:tav tm="100000">
-                                          <p:val>
-                                            <p:fltVal val="1"/>
-                                          </p:val>
-                                        </p:tav>
-                                      </p:tavLst>
-                                    </p:anim>
-                                    <p:anim calcmode="lin" valueType="num">
-                                      <p:cBhvr>
-                                        <p:cTn id="10" dur="664" tmFilter="0, 0; 0.125,0.2665; 0.25,0.4; 0.375,0.465; 0.5,0.5;  0.625,0.535; 0.75,0.6; 0.875,0.7335; 1,1">
-                                          <p:stCondLst>
-                                            <p:cond delay="664"/>
-                                          </p:stCondLst>
-                                        </p:cTn>
-                                        <p:tgtEl>
-                                          <p:spTgt spid="5">
-                                            <p:txEl>
-                                              <p:pRg st="4" end="4"/>
-                                            </p:txEl>
-                                          </p:spTgt>
-                                        </p:tgtEl>
-                                        <p:attrNameLst>
-                                          <p:attrName>ppt_y</p:attrName>
-                                        </p:attrNameLst>
-                                      </p:cBhvr>
-                                      <p:tavLst>
-                                        <p:tav tm="0" fmla="#ppt_y-sin(pi*$)/9">
-                                          <p:val>
-                                            <p:fltVal val="0"/>
-                                          </p:val>
-                                        </p:tav>
-                                        <p:tav tm="100000">
-                                          <p:val>
-                                            <p:fltVal val="1"/>
-                                          </p:val>
-                                        </p:tav>
-                                      </p:tavLst>
-                                    </p:anim>
-                                    <p:anim calcmode="lin" valueType="num">
-                                      <p:cBhvr>
-                                        <p:cTn id="11" dur="332" tmFilter="0, 0; 0.125,0.2665; 0.25,0.4; 0.375,0.465; 0.5,0.5;  0.625,0.535; 0.75,0.6; 0.875,0.7335; 1,1">
-                                          <p:stCondLst>
-                                            <p:cond delay="1324"/>
-                                          </p:stCondLst>
-                                        </p:cTn>
-                                        <p:tgtEl>
-                                          <p:spTgt spid="5">
-                                            <p:txEl>
-                                              <p:pRg st="4" end="4"/>
-                                            </p:txEl>
-                                          </p:spTgt>
-                                        </p:tgtEl>
-                                        <p:attrNameLst>
-                                          <p:attrName>ppt_y</p:attrName>
-                                        </p:attrNameLst>
-                                      </p:cBhvr>
-                                      <p:tavLst>
-                                        <p:tav tm="0" fmla="#ppt_y-sin(pi*$)/27">
-                                          <p:val>
-                                            <p:fltVal val="0"/>
-                                          </p:val>
-                                        </p:tav>
-                                        <p:tav tm="100000">
-                                          <p:val>
-                                            <p:fltVal val="1"/>
-                                          </p:val>
-                                        </p:tav>
-                                      </p:tavLst>
-                                    </p:anim>
-                                    <p:anim calcmode="lin" valueType="num">
-                                      <p:cBhvr>
-                                        <p:cTn id="12" dur="164" tmFilter="0, 0; 0.125,0.2665; 0.25,0.4; 0.375,0.465; 0.5,0.5;  0.625,0.535; 0.75,0.6; 0.875,0.7335; 1,1">
-                                          <p:stCondLst>
-                                            <p:cond delay="1656"/>
-                                          </p:stCondLst>
-                                        </p:cTn>
-                                        <p:tgtEl>
-                                          <p:spTgt spid="5">
-                                            <p:txEl>
-                                              <p:pRg st="4" end="4"/>
-                                            </p:txEl>
-                                          </p:spTgt>
-                                        </p:tgtEl>
-                                        <p:attrNameLst>
-                                          <p:attrName>ppt_y</p:attrName>
-                                        </p:attrNameLst>
-                                      </p:cBhvr>
-                                      <p:tavLst>
-                                        <p:tav tm="0" fmla="#ppt_y-sin(pi*$)/81">
-                                          <p:val>
-                                            <p:fltVal val="0"/>
-                                          </p:val>
-                                        </p:tav>
-                                        <p:tav tm="100000">
-                                          <p:val>
-                                            <p:fltVal val="1"/>
-                                          </p:val>
-                                        </p:tav>
-                                      </p:tavLst>
-                                    </p:anim>
-                                    <p:animScale>
-                                      <p:cBhvr>
-                                        <p:cTn id="13" dur="26">
-                                          <p:stCondLst>
-                                            <p:cond delay="650"/>
-                                          </p:stCondLst>
-                                        </p:cTn>
-                                        <p:tgtEl>
-                                          <p:spTgt spid="5">
-                                            <p:txEl>
-                                              <p:pRg st="4" end="4"/>
-                                            </p:txEl>
-                                          </p:spTgt>
-                                        </p:tgtEl>
-                                      </p:cBhvr>
-                                      <p:to x="100000" y="60000"/>
-                                    </p:animScale>
-                                    <p:animScale>
-                                      <p:cBhvr>
-                                        <p:cTn id="14" dur="166" decel="50000">
-                                          <p:stCondLst>
-                                            <p:cond delay="676"/>
-                                          </p:stCondLst>
-                                        </p:cTn>
-                                        <p:tgtEl>
-                                          <p:spTgt spid="5">
-                                            <p:txEl>
-                                              <p:pRg st="4" end="4"/>
-                                            </p:txEl>
-                                          </p:spTgt>
-                                        </p:tgtEl>
-                                      </p:cBhvr>
-                                      <p:to x="100000" y="100000"/>
-                                    </p:animScale>
-                                    <p:animScale>
-                                      <p:cBhvr>
-                                        <p:cTn id="15" dur="26">
-                                          <p:stCondLst>
-                                            <p:cond delay="1312"/>
-                                          </p:stCondLst>
-                                        </p:cTn>
-                                        <p:tgtEl>
-                                          <p:spTgt spid="5">
-                                            <p:txEl>
-                                              <p:pRg st="4" end="4"/>
-                                            </p:txEl>
-                                          </p:spTgt>
-                                        </p:tgtEl>
-                                      </p:cBhvr>
-                                      <p:to x="100000" y="80000"/>
-                                    </p:animScale>
-                                    <p:animScale>
-                                      <p:cBhvr>
-                                        <p:cTn id="16" dur="166" decel="50000">
-                                          <p:stCondLst>
-                                            <p:cond delay="1338"/>
-                                          </p:stCondLst>
-                                        </p:cTn>
-                                        <p:tgtEl>
-                                          <p:spTgt spid="5">
-                                            <p:txEl>
-                                              <p:pRg st="4" end="4"/>
-                                            </p:txEl>
-                                          </p:spTgt>
-                                        </p:tgtEl>
-                                      </p:cBhvr>
-                                      <p:to x="100000" y="100000"/>
-                                    </p:animScale>
-                                    <p:animScale>
-                                      <p:cBhvr>
-                                        <p:cTn id="17" dur="26">
-                                          <p:stCondLst>
-                                            <p:cond delay="1642"/>
-                                          </p:stCondLst>
-                                        </p:cTn>
-                                        <p:tgtEl>
-                                          <p:spTgt spid="5">
-                                            <p:txEl>
-                                              <p:pRg st="4" end="4"/>
-                                            </p:txEl>
-                                          </p:spTgt>
-                                        </p:tgtEl>
-                                      </p:cBhvr>
-                                      <p:to x="100000" y="90000"/>
-                                    </p:animScale>
-                                    <p:animScale>
-                                      <p:cBhvr>
-                                        <p:cTn id="18" dur="166" decel="50000">
-                                          <p:stCondLst>
-                                            <p:cond delay="1668"/>
-                                          </p:stCondLst>
-                                        </p:cTn>
-                                        <p:tgtEl>
-                                          <p:spTgt spid="5">
-                                            <p:txEl>
-                                              <p:pRg st="4" end="4"/>
-                                            </p:txEl>
-                                          </p:spTgt>
-                                        </p:tgtEl>
-                                      </p:cBhvr>
-                                      <p:to x="100000" y="100000"/>
-                                    </p:animScale>
-                                    <p:animScale>
-                                      <p:cBhvr>
-                                        <p:cTn id="19" dur="26">
-                                          <p:stCondLst>
-                                            <p:cond delay="1808"/>
-                                          </p:stCondLst>
-                                        </p:cTn>
-                                        <p:tgtEl>
-                                          <p:spTgt spid="5">
-                                            <p:txEl>
-                                              <p:pRg st="4" end="4"/>
-                                            </p:txEl>
-                                          </p:spTgt>
-                                        </p:tgtEl>
-                                      </p:cBhvr>
-                                      <p:to x="100000" y="95000"/>
-                                    </p:animScale>
-                                    <p:animScale>
-                                      <p:cBhvr>
-                                        <p:cTn id="20" dur="166" decel="50000">
-                                          <p:stCondLst>
-                                            <p:cond delay="1834"/>
-                                          </p:stCondLst>
-                                        </p:cTn>
-                                        <p:tgtEl>
-                                          <p:spTgt spid="5">
-                                            <p:txEl>
-                                              <p:pRg st="4" end="4"/>
-                                            </p:txEl>
-                                          </p:spTgt>
-                                        </p:tgtEl>
-                                      </p:cBhvr>
-                                      <p:to x="100000" y="100000"/>
-                                    </p:animScale>
-                                  </p:childTnLst>
-                                </p:cTn>
-                              </p:par>
-                            </p:childTnLst>
-                          </p:cTn>
-                        </p:par>
-                      </p:childTnLst>
-                    </p:cTn>
-                  </p:par>
-                </p:childTnLst>
-              </p:cTn>
-              <p:prevCondLst>
-                <p:cond evt="onPrev" delay="0">
-                  <p:tgtEl>
-                    <p:sldTgt/>
-                  </p:tgtEl>
-                </p:cond>
-              </p:prevCondLst>
-              <p:nextCondLst>
-                <p:cond evt="onNext" delay="0">
-                  <p:tgtEl>
-                    <p:sldTgt/>
-                  </p:tgtEl>
-                </p:cond>
-              </p:nextCondLst>
-            </p:seq>
-          </p:childTnLst>
-        </p:cTn>
-      </p:par>
-    </p:tnLst>
-  </p:timing>
-</p:sld>
-</file>
-
 <file path=ppt/tags/tag1.xml><?xml version="1.0" encoding="utf-8"?>
 <p:tagLst xmlns:a="http://schemas.openxmlformats.org/drawingml/2006/main" xmlns:r="http://schemas.openxmlformats.org/officeDocument/2006/relationships" xmlns:p="http://schemas.openxmlformats.org/presentationml/2006/main">
   <p:tag name="ISLIDE.THEME" val="#296265"/>
@@ -17189,7 +17202,7 @@
   <a:extraClrSchemeLst/>
   <a:extLst>
     <a:ext uri="{05A4C25C-085E-4340-85A3-A5531E510DB2}">
-      <thm15:themeFamily xmlns:thm15="http://schemas.microsoft.com/office/thememl/2012/main" xmlns="" name="主题5" id="{B8EDB911-D765-4A7B-BBC7-40DBB672FBA6}" vid="{AECAB1C0-5DF6-436C-85E8-20094DBE11C0}"/>
+      <thm15:themeFamily xmlns="" xmlns:thm15="http://schemas.microsoft.com/office/thememl/2012/main" name="主题5" id="{B8EDB911-D765-4A7B-BBC7-40DBB672FBA6}" vid="{AECAB1C0-5DF6-436C-85E8-20094DBE11C0}"/>
     </a:ext>
   </a:extLst>
 </a:theme>
@@ -17450,7 +17463,7 @@
   <a:extraClrSchemeLst/>
   <a:extLst>
     <a:ext uri="{05A4C25C-085E-4340-85A3-A5531E510DB2}">
-      <thm15:themeFamily xmlns:thm15="http://schemas.microsoft.com/office/thememl/2012/main" xmlns="" name="Office Theme" id="{62F939B6-93AF-4DB8-9C6B-D6C7DFDC589F}" vid="{4A3C46E8-61CC-4603-A589-7422A47A8E4A}"/>
+      <thm15:themeFamily xmlns="" xmlns:thm15="http://schemas.microsoft.com/office/thememl/2012/main" name="Office Theme" id="{62F939B6-93AF-4DB8-9C6B-D6C7DFDC589F}" vid="{4A3C46E8-61CC-4603-A589-7422A47A8E4A}"/>
     </a:ext>
   </a:extLst>
 </a:theme>
@@ -17745,7 +17758,7 @@
   <a:extraClrSchemeLst/>
   <a:extLst>
     <a:ext uri="{05A4C25C-085E-4340-85A3-A5531E510DB2}">
-      <thm15:themeFamily xmlns:thm15="http://schemas.microsoft.com/office/thememl/2012/main" xmlns="" name="Office Theme" id="{62F939B6-93AF-4DB8-9C6B-D6C7DFDC589F}" vid="{4A3C46E8-61CC-4603-A589-7422A47A8E4A}"/>
+      <thm15:themeFamily xmlns="" xmlns:thm15="http://schemas.microsoft.com/office/thememl/2012/main" name="Office Theme" id="{62F939B6-93AF-4DB8-9C6B-D6C7DFDC589F}" vid="{4A3C46E8-61CC-4603-A589-7422A47A8E4A}"/>
     </a:ext>
   </a:extLst>
 </a:theme>

--- a/11_16_to_11_20_third/3.RNN.pptx
+++ b/11_16_to_11_20_third/3.RNN.pptx
@@ -138,10 +138,10 @@
   </p:defaultTextStyle>
   <p:extLst>
     <p:ext uri="{EFAFB233-063F-42B5-8137-9DF3F51BA10A}">
-      <p15:sldGuideLst xmlns="" xmlns:p15="http://schemas.microsoft.com/office/powerpoint/2012/main"/>
+      <p15:sldGuideLst xmlns:p15="http://schemas.microsoft.com/office/powerpoint/2012/main" xmlns=""/>
     </p:ext>
     <p:ext uri="{2D200454-40CA-4A62-9FC3-DE9A4176ACB9}">
-      <p15:notesGuideLst xmlns="" xmlns:p15="http://schemas.microsoft.com/office/powerpoint/2012/main"/>
+      <p15:notesGuideLst xmlns:p15="http://schemas.microsoft.com/office/powerpoint/2012/main" xmlns=""/>
     </p:ext>
   </p:extLst>
 </p:presentation>
@@ -367,7 +367,7 @@
           <p:cNvPr id="2" name="页眉占位符 1">
             <a:extLst>
               <a:ext uri="{FF2B5EF4-FFF2-40B4-BE49-F238E27FC236}">
-                <a16:creationId xmlns="" xmlns:a16="http://schemas.microsoft.com/office/drawing/2014/main" id="{B9A56829-66AA-42AA-918E-5C6DB1AE50A7}"/>
+                <a16:creationId xmlns:a16="http://schemas.microsoft.com/office/drawing/2014/main" xmlns="" id="{B9A56829-66AA-42AA-918E-5C6DB1AE50A7}"/>
               </a:ext>
             </a:extLst>
           </p:cNvPr>
@@ -404,7 +404,7 @@
           <p:cNvPr id="3" name="日期占位符 2">
             <a:extLst>
               <a:ext uri="{FF2B5EF4-FFF2-40B4-BE49-F238E27FC236}">
-                <a16:creationId xmlns="" xmlns:a16="http://schemas.microsoft.com/office/drawing/2014/main" id="{241084A9-BC5C-4420-B17C-51E328D45576}"/>
+                <a16:creationId xmlns:a16="http://schemas.microsoft.com/office/drawing/2014/main" xmlns="" id="{241084A9-BC5C-4420-B17C-51E328D45576}"/>
               </a:ext>
             </a:extLst>
           </p:cNvPr>
@@ -445,7 +445,7 @@
           <p:cNvPr id="4" name="页脚占位符 3">
             <a:extLst>
               <a:ext uri="{FF2B5EF4-FFF2-40B4-BE49-F238E27FC236}">
-                <a16:creationId xmlns="" xmlns:a16="http://schemas.microsoft.com/office/drawing/2014/main" id="{0D6F2124-7B35-4E59-B9E8-DB09EE1408A4}"/>
+                <a16:creationId xmlns:a16="http://schemas.microsoft.com/office/drawing/2014/main" xmlns="" id="{0D6F2124-7B35-4E59-B9E8-DB09EE1408A4}"/>
               </a:ext>
             </a:extLst>
           </p:cNvPr>
@@ -482,7 +482,7 @@
           <p:cNvPr id="5" name="灯片编号占位符 4">
             <a:extLst>
               <a:ext uri="{FF2B5EF4-FFF2-40B4-BE49-F238E27FC236}">
-                <a16:creationId xmlns="" xmlns:a16="http://schemas.microsoft.com/office/drawing/2014/main" id="{F2BF8FFE-D997-4E34-9A01-CD2014B95241}"/>
+                <a16:creationId xmlns:a16="http://schemas.microsoft.com/office/drawing/2014/main" xmlns="" id="{F2BF8FFE-D997-4E34-9A01-CD2014B95241}"/>
               </a:ext>
             </a:extLst>
           </p:cNvPr>
@@ -900,7 +900,7 @@
           <p:cNvPr id="2" name="îṩ1ïdê">
             <a:extLst>
               <a:ext uri="{FF2B5EF4-FFF2-40B4-BE49-F238E27FC236}">
-                <a16:creationId xmlns="" xmlns:a16="http://schemas.microsoft.com/office/drawing/2014/main" xmlns:p14="http://schemas.microsoft.com/office/powerpoint/2010/main" id="{B165F2F7-32E4-4AF8-8657-36AC30D78579}"/>
+                <a16:creationId xmlns:p14="http://schemas.microsoft.com/office/powerpoint/2010/main" xmlns:a16="http://schemas.microsoft.com/office/drawing/2014/main" xmlns="" id="{B165F2F7-32E4-4AF8-8657-36AC30D78579}"/>
               </a:ext>
             </a:extLst>
           </p:cNvPr>
@@ -1060,7 +1060,7 @@
           <p:cNvPr id="7" name="组合 6">
             <a:extLst>
               <a:ext uri="{FF2B5EF4-FFF2-40B4-BE49-F238E27FC236}">
-                <a16:creationId xmlns="" xmlns:a16="http://schemas.microsoft.com/office/drawing/2014/main" xmlns:p14="http://schemas.microsoft.com/office/powerpoint/2010/main" id="{3491D0C5-E57C-45B4-AFE5-02F7704CDCF6}"/>
+                <a16:creationId xmlns:p14="http://schemas.microsoft.com/office/powerpoint/2010/main" xmlns:a16="http://schemas.microsoft.com/office/drawing/2014/main" xmlns="" id="{3491D0C5-E57C-45B4-AFE5-02F7704CDCF6}"/>
               </a:ext>
             </a:extLst>
           </p:cNvPr>
@@ -1080,7 +1080,7 @@
             <p:cNvPr id="11" name="ïş1ïḓe">
               <a:extLst>
                 <a:ext uri="{FF2B5EF4-FFF2-40B4-BE49-F238E27FC236}">
-                  <a16:creationId xmlns="" xmlns:a16="http://schemas.microsoft.com/office/drawing/2014/main" xmlns:p14="http://schemas.microsoft.com/office/powerpoint/2010/main" id="{AAEF8C50-AF93-4B64-9F64-BC188B9CC986}"/>
+                  <a16:creationId xmlns:p14="http://schemas.microsoft.com/office/powerpoint/2010/main" xmlns:a16="http://schemas.microsoft.com/office/drawing/2014/main" xmlns="" id="{AAEF8C50-AF93-4B64-9F64-BC188B9CC986}"/>
                 </a:ext>
               </a:extLst>
             </p:cNvPr>
@@ -1164,7 +1164,7 @@
             <p:cNvPr id="14" name="ïş1îḓé">
               <a:extLst>
                 <a:ext uri="{FF2B5EF4-FFF2-40B4-BE49-F238E27FC236}">
-                  <a16:creationId xmlns="" xmlns:a16="http://schemas.microsoft.com/office/drawing/2014/main" xmlns:p14="http://schemas.microsoft.com/office/powerpoint/2010/main" id="{D1034528-61F0-451C-8439-59044CBBC42D}"/>
+                  <a16:creationId xmlns:p14="http://schemas.microsoft.com/office/powerpoint/2010/main" xmlns:a16="http://schemas.microsoft.com/office/drawing/2014/main" xmlns="" id="{D1034528-61F0-451C-8439-59044CBBC42D}"/>
                 </a:ext>
               </a:extLst>
             </p:cNvPr>
@@ -1257,7 +1257,7 @@
             <p:cNvPr id="15" name="íṡ1íḑè">
               <a:extLst>
                 <a:ext uri="{FF2B5EF4-FFF2-40B4-BE49-F238E27FC236}">
-                  <a16:creationId xmlns="" xmlns:a16="http://schemas.microsoft.com/office/drawing/2014/main" xmlns:p14="http://schemas.microsoft.com/office/powerpoint/2010/main" id="{443590D7-CA87-4478-AB6B-8DA2AC5C485A}"/>
+                  <a16:creationId xmlns:p14="http://schemas.microsoft.com/office/powerpoint/2010/main" xmlns:a16="http://schemas.microsoft.com/office/drawing/2014/main" xmlns="" id="{443590D7-CA87-4478-AB6B-8DA2AC5C485A}"/>
                 </a:ext>
               </a:extLst>
             </p:cNvPr>
@@ -1342,7 +1342,7 @@
             <p:cNvPr id="16" name="îṥḻiḍê">
               <a:extLst>
                 <a:ext uri="{FF2B5EF4-FFF2-40B4-BE49-F238E27FC236}">
-                  <a16:creationId xmlns="" xmlns:a16="http://schemas.microsoft.com/office/drawing/2014/main" xmlns:p14="http://schemas.microsoft.com/office/powerpoint/2010/main" id="{FD92C89C-9731-46F9-9B6E-376810BFF18B}"/>
+                  <a16:creationId xmlns:p14="http://schemas.microsoft.com/office/powerpoint/2010/main" xmlns:a16="http://schemas.microsoft.com/office/drawing/2014/main" xmlns="" id="{FD92C89C-9731-46F9-9B6E-376810BFF18B}"/>
                 </a:ext>
               </a:extLst>
             </p:cNvPr>
@@ -1427,7 +1427,7 @@
             <p:cNvPr id="17" name="iṥḷiḑè">
               <a:extLst>
                 <a:ext uri="{FF2B5EF4-FFF2-40B4-BE49-F238E27FC236}">
-                  <a16:creationId xmlns="" xmlns:a16="http://schemas.microsoft.com/office/drawing/2014/main" xmlns:p14="http://schemas.microsoft.com/office/powerpoint/2010/main" id="{A8591A9D-5538-4DEC-B405-54C510558903}"/>
+                  <a16:creationId xmlns:p14="http://schemas.microsoft.com/office/powerpoint/2010/main" xmlns:a16="http://schemas.microsoft.com/office/drawing/2014/main" xmlns="" id="{A8591A9D-5538-4DEC-B405-54C510558903}"/>
                 </a:ext>
               </a:extLst>
             </p:cNvPr>
@@ -1492,7 +1492,7 @@
             <p:cNvPr id="18" name="íṥḻíḑé">
               <a:extLst>
                 <a:ext uri="{FF2B5EF4-FFF2-40B4-BE49-F238E27FC236}">
-                  <a16:creationId xmlns="" xmlns:a16="http://schemas.microsoft.com/office/drawing/2014/main" xmlns:p14="http://schemas.microsoft.com/office/powerpoint/2010/main" id="{FC116EBF-5653-4BA4-837E-95BEB302B1FC}"/>
+                  <a16:creationId xmlns:p14="http://schemas.microsoft.com/office/powerpoint/2010/main" xmlns:a16="http://schemas.microsoft.com/office/drawing/2014/main" xmlns="" id="{FC116EBF-5653-4BA4-837E-95BEB302B1FC}"/>
                 </a:ext>
               </a:extLst>
             </p:cNvPr>
@@ -1557,7 +1557,7 @@
             <p:cNvPr id="19" name="ïsḷiďê">
               <a:extLst>
                 <a:ext uri="{FF2B5EF4-FFF2-40B4-BE49-F238E27FC236}">
-                  <a16:creationId xmlns="" xmlns:a16="http://schemas.microsoft.com/office/drawing/2014/main" xmlns:p14="http://schemas.microsoft.com/office/powerpoint/2010/main" id="{D7181733-982F-4ADC-B787-E92C178D9BE9}"/>
+                  <a16:creationId xmlns:p14="http://schemas.microsoft.com/office/powerpoint/2010/main" xmlns:a16="http://schemas.microsoft.com/office/drawing/2014/main" xmlns="" id="{D7181733-982F-4ADC-B787-E92C178D9BE9}"/>
                 </a:ext>
               </a:extLst>
             </p:cNvPr>
@@ -1652,7 +1652,7 @@
             <p:cNvPr id="20" name="îs1iḓê">
               <a:extLst>
                 <a:ext uri="{FF2B5EF4-FFF2-40B4-BE49-F238E27FC236}">
-                  <a16:creationId xmlns="" xmlns:a16="http://schemas.microsoft.com/office/drawing/2014/main" xmlns:p14="http://schemas.microsoft.com/office/powerpoint/2010/main" id="{75B1573A-D6DA-4E40-B952-FC6A6E899942}"/>
+                  <a16:creationId xmlns:p14="http://schemas.microsoft.com/office/powerpoint/2010/main" xmlns:a16="http://schemas.microsoft.com/office/drawing/2014/main" xmlns="" id="{75B1573A-D6DA-4E40-B952-FC6A6E899942}"/>
                 </a:ext>
               </a:extLst>
             </p:cNvPr>
@@ -1727,7 +1727,7 @@
             <p:cNvPr id="21" name="íṡḻïdé">
               <a:extLst>
                 <a:ext uri="{FF2B5EF4-FFF2-40B4-BE49-F238E27FC236}">
-                  <a16:creationId xmlns="" xmlns:a16="http://schemas.microsoft.com/office/drawing/2014/main" xmlns:p14="http://schemas.microsoft.com/office/powerpoint/2010/main" id="{A3C16CC0-0D98-42C3-ACDA-6C6B1AAA14CB}"/>
+                  <a16:creationId xmlns:p14="http://schemas.microsoft.com/office/powerpoint/2010/main" xmlns:a16="http://schemas.microsoft.com/office/drawing/2014/main" xmlns="" id="{A3C16CC0-0D98-42C3-ACDA-6C6B1AAA14CB}"/>
                 </a:ext>
               </a:extLst>
             </p:cNvPr>
@@ -1802,7 +1802,7 @@
             <p:cNvPr id="22" name="ïṧľiḑè">
               <a:extLst>
                 <a:ext uri="{FF2B5EF4-FFF2-40B4-BE49-F238E27FC236}">
-                  <a16:creationId xmlns="" xmlns:a16="http://schemas.microsoft.com/office/drawing/2014/main" xmlns:p14="http://schemas.microsoft.com/office/powerpoint/2010/main" id="{2EEC5EF2-9731-49D2-8E01-4BAE06CF1807}"/>
+                  <a16:creationId xmlns:p14="http://schemas.microsoft.com/office/powerpoint/2010/main" xmlns:a16="http://schemas.microsoft.com/office/drawing/2014/main" xmlns="" id="{2EEC5EF2-9731-49D2-8E01-4BAE06CF1807}"/>
                 </a:ext>
               </a:extLst>
             </p:cNvPr>
@@ -1877,7 +1877,7 @@
             <p:cNvPr id="23" name="íşľîḋè">
               <a:extLst>
                 <a:ext uri="{FF2B5EF4-FFF2-40B4-BE49-F238E27FC236}">
-                  <a16:creationId xmlns="" xmlns:a16="http://schemas.microsoft.com/office/drawing/2014/main" xmlns:p14="http://schemas.microsoft.com/office/powerpoint/2010/main" id="{07D33D98-ECF4-43C9-8F9B-502B76AA375A}"/>
+                  <a16:creationId xmlns:p14="http://schemas.microsoft.com/office/powerpoint/2010/main" xmlns:a16="http://schemas.microsoft.com/office/drawing/2014/main" xmlns="" id="{07D33D98-ECF4-43C9-8F9B-502B76AA375A}"/>
                 </a:ext>
               </a:extLst>
             </p:cNvPr>
@@ -1942,7 +1942,7 @@
             <p:cNvPr id="24" name="îšḷîḍè">
               <a:extLst>
                 <a:ext uri="{FF2B5EF4-FFF2-40B4-BE49-F238E27FC236}">
-                  <a16:creationId xmlns="" xmlns:a16="http://schemas.microsoft.com/office/drawing/2014/main" xmlns:p14="http://schemas.microsoft.com/office/powerpoint/2010/main" id="{06AFAADD-E47D-403A-8BCE-6B991B488491}"/>
+                  <a16:creationId xmlns:p14="http://schemas.microsoft.com/office/powerpoint/2010/main" xmlns:a16="http://schemas.microsoft.com/office/drawing/2014/main" xmlns="" id="{06AFAADD-E47D-403A-8BCE-6B991B488491}"/>
                 </a:ext>
               </a:extLst>
             </p:cNvPr>
@@ -2007,7 +2007,7 @@
             <p:cNvPr id="25" name="îŝļiḑè">
               <a:extLst>
                 <a:ext uri="{FF2B5EF4-FFF2-40B4-BE49-F238E27FC236}">
-                  <a16:creationId xmlns="" xmlns:a16="http://schemas.microsoft.com/office/drawing/2014/main" xmlns:p14="http://schemas.microsoft.com/office/powerpoint/2010/main" id="{F20679ED-F04B-48C0-86C1-4F4678D0EF44}"/>
+                  <a16:creationId xmlns:p14="http://schemas.microsoft.com/office/powerpoint/2010/main" xmlns:a16="http://schemas.microsoft.com/office/drawing/2014/main" xmlns="" id="{F20679ED-F04B-48C0-86C1-4F4678D0EF44}"/>
                 </a:ext>
               </a:extLst>
             </p:cNvPr>
@@ -2069,7 +2069,7 @@
             <p:cNvPr id="26" name="ïsḻïḓe">
               <a:extLst>
                 <a:ext uri="{FF2B5EF4-FFF2-40B4-BE49-F238E27FC236}">
-                  <a16:creationId xmlns="" xmlns:a16="http://schemas.microsoft.com/office/drawing/2014/main" xmlns:p14="http://schemas.microsoft.com/office/powerpoint/2010/main" id="{178FE26C-EAE2-489E-9818-2AD90604A6E7}"/>
+                  <a16:creationId xmlns:p14="http://schemas.microsoft.com/office/powerpoint/2010/main" xmlns:a16="http://schemas.microsoft.com/office/drawing/2014/main" xmlns="" id="{178FE26C-EAE2-489E-9818-2AD90604A6E7}"/>
                 </a:ext>
               </a:extLst>
             </p:cNvPr>
@@ -2131,7 +2131,7 @@
             <p:cNvPr id="27" name="îṥľíḑê">
               <a:extLst>
                 <a:ext uri="{FF2B5EF4-FFF2-40B4-BE49-F238E27FC236}">
-                  <a16:creationId xmlns="" xmlns:a16="http://schemas.microsoft.com/office/drawing/2014/main" xmlns:p14="http://schemas.microsoft.com/office/powerpoint/2010/main" id="{54C937FE-182B-4B4C-8B56-94274EF8727A}"/>
+                  <a16:creationId xmlns:p14="http://schemas.microsoft.com/office/powerpoint/2010/main" xmlns:a16="http://schemas.microsoft.com/office/drawing/2014/main" xmlns="" id="{54C937FE-182B-4B4C-8B56-94274EF8727A}"/>
                 </a:ext>
               </a:extLst>
             </p:cNvPr>
@@ -2193,7 +2193,7 @@
             <p:cNvPr id="28" name="iṧľíḑe">
               <a:extLst>
                 <a:ext uri="{FF2B5EF4-FFF2-40B4-BE49-F238E27FC236}">
-                  <a16:creationId xmlns="" xmlns:a16="http://schemas.microsoft.com/office/drawing/2014/main" xmlns:p14="http://schemas.microsoft.com/office/powerpoint/2010/main" id="{9EC454E6-4E34-40A0-B134-E27356DF1BD3}"/>
+                  <a16:creationId xmlns:p14="http://schemas.microsoft.com/office/powerpoint/2010/main" xmlns:a16="http://schemas.microsoft.com/office/drawing/2014/main" xmlns="" id="{9EC454E6-4E34-40A0-B134-E27356DF1BD3}"/>
                 </a:ext>
               </a:extLst>
             </p:cNvPr>
@@ -2255,7 +2255,7 @@
             <p:cNvPr id="29" name="íşḻïḑê">
               <a:extLst>
                 <a:ext uri="{FF2B5EF4-FFF2-40B4-BE49-F238E27FC236}">
-                  <a16:creationId xmlns="" xmlns:a16="http://schemas.microsoft.com/office/drawing/2014/main" xmlns:p14="http://schemas.microsoft.com/office/powerpoint/2010/main" id="{F02A9D5E-CFB2-42AA-A5C5-5E5778C6FCBE}"/>
+                  <a16:creationId xmlns:p14="http://schemas.microsoft.com/office/powerpoint/2010/main" xmlns:a16="http://schemas.microsoft.com/office/drawing/2014/main" xmlns="" id="{F02A9D5E-CFB2-42AA-A5C5-5E5778C6FCBE}"/>
                 </a:ext>
               </a:extLst>
             </p:cNvPr>
@@ -2351,7 +2351,7 @@
             <p:cNvPr id="30" name="išḻîḋè">
               <a:extLst>
                 <a:ext uri="{FF2B5EF4-FFF2-40B4-BE49-F238E27FC236}">
-                  <a16:creationId xmlns="" xmlns:a16="http://schemas.microsoft.com/office/drawing/2014/main" xmlns:p14="http://schemas.microsoft.com/office/powerpoint/2010/main" id="{2B76FEBA-B0C4-4066-ABF2-E33CBD44C45F}"/>
+                  <a16:creationId xmlns:p14="http://schemas.microsoft.com/office/powerpoint/2010/main" xmlns:a16="http://schemas.microsoft.com/office/drawing/2014/main" xmlns="" id="{2B76FEBA-B0C4-4066-ABF2-E33CBD44C45F}"/>
                 </a:ext>
               </a:extLst>
             </p:cNvPr>
@@ -2413,7 +2413,7 @@
             <p:cNvPr id="31" name="ïšliḋé">
               <a:extLst>
                 <a:ext uri="{FF2B5EF4-FFF2-40B4-BE49-F238E27FC236}">
-                  <a16:creationId xmlns="" xmlns:a16="http://schemas.microsoft.com/office/drawing/2014/main" xmlns:p14="http://schemas.microsoft.com/office/powerpoint/2010/main" id="{17F7742C-0E9E-453F-BF74-0A1870F594D9}"/>
+                  <a16:creationId xmlns:p14="http://schemas.microsoft.com/office/powerpoint/2010/main" xmlns:a16="http://schemas.microsoft.com/office/drawing/2014/main" xmlns="" id="{17F7742C-0E9E-453F-BF74-0A1870F594D9}"/>
                 </a:ext>
               </a:extLst>
             </p:cNvPr>
@@ -2475,7 +2475,7 @@
             <p:cNvPr id="32" name="íṣlídé">
               <a:extLst>
                 <a:ext uri="{FF2B5EF4-FFF2-40B4-BE49-F238E27FC236}">
-                  <a16:creationId xmlns="" xmlns:a16="http://schemas.microsoft.com/office/drawing/2014/main" xmlns:p14="http://schemas.microsoft.com/office/powerpoint/2010/main" id="{3B98F7CF-64A1-4A5B-B8EC-9178705C9901}"/>
+                  <a16:creationId xmlns:p14="http://schemas.microsoft.com/office/powerpoint/2010/main" xmlns:a16="http://schemas.microsoft.com/office/drawing/2014/main" xmlns="" id="{3B98F7CF-64A1-4A5B-B8EC-9178705C9901}"/>
                 </a:ext>
               </a:extLst>
             </p:cNvPr>
@@ -2537,7 +2537,7 @@
             <p:cNvPr id="33" name="ï$ľïḍé">
               <a:extLst>
                 <a:ext uri="{FF2B5EF4-FFF2-40B4-BE49-F238E27FC236}">
-                  <a16:creationId xmlns="" xmlns:a16="http://schemas.microsoft.com/office/drawing/2014/main" xmlns:p14="http://schemas.microsoft.com/office/powerpoint/2010/main" id="{8EB33BF9-35EF-4068-A574-8FBC5EEAC895}"/>
+                  <a16:creationId xmlns:p14="http://schemas.microsoft.com/office/powerpoint/2010/main" xmlns:a16="http://schemas.microsoft.com/office/drawing/2014/main" xmlns="" id="{8EB33BF9-35EF-4068-A574-8FBC5EEAC895}"/>
                 </a:ext>
               </a:extLst>
             </p:cNvPr>
@@ -2599,7 +2599,7 @@
             <p:cNvPr id="34" name="ï$1îḑé">
               <a:extLst>
                 <a:ext uri="{FF2B5EF4-FFF2-40B4-BE49-F238E27FC236}">
-                  <a16:creationId xmlns="" xmlns:a16="http://schemas.microsoft.com/office/drawing/2014/main" xmlns:p14="http://schemas.microsoft.com/office/powerpoint/2010/main" id="{66235EE7-FC71-4720-94D6-AE9E5A6E3B32}"/>
+                  <a16:creationId xmlns:p14="http://schemas.microsoft.com/office/powerpoint/2010/main" xmlns:a16="http://schemas.microsoft.com/office/drawing/2014/main" xmlns="" id="{66235EE7-FC71-4720-94D6-AE9E5A6E3B32}"/>
                 </a:ext>
               </a:extLst>
             </p:cNvPr>
@@ -2661,7 +2661,7 @@
             <p:cNvPr id="35" name="íşļiḓê">
               <a:extLst>
                 <a:ext uri="{FF2B5EF4-FFF2-40B4-BE49-F238E27FC236}">
-                  <a16:creationId xmlns="" xmlns:a16="http://schemas.microsoft.com/office/drawing/2014/main" xmlns:p14="http://schemas.microsoft.com/office/powerpoint/2010/main" id="{464E50F4-2AD9-4646-95B0-C615F448F8D7}"/>
+                  <a16:creationId xmlns:p14="http://schemas.microsoft.com/office/powerpoint/2010/main" xmlns:a16="http://schemas.microsoft.com/office/drawing/2014/main" xmlns="" id="{464E50F4-2AD9-4646-95B0-C615F448F8D7}"/>
                 </a:ext>
               </a:extLst>
             </p:cNvPr>
@@ -2723,7 +2723,7 @@
             <p:cNvPr id="36" name="iSliḍé">
               <a:extLst>
                 <a:ext uri="{FF2B5EF4-FFF2-40B4-BE49-F238E27FC236}">
-                  <a16:creationId xmlns="" xmlns:a16="http://schemas.microsoft.com/office/drawing/2014/main" xmlns:p14="http://schemas.microsoft.com/office/powerpoint/2010/main" id="{08FD15B7-89FA-4BA0-832E-9B9D9FF852D5}"/>
+                  <a16:creationId xmlns:p14="http://schemas.microsoft.com/office/powerpoint/2010/main" xmlns:a16="http://schemas.microsoft.com/office/drawing/2014/main" xmlns="" id="{08FD15B7-89FA-4BA0-832E-9B9D9FF852D5}"/>
                 </a:ext>
               </a:extLst>
             </p:cNvPr>
@@ -2785,7 +2785,7 @@
             <p:cNvPr id="37" name="îşļïde">
               <a:extLst>
                 <a:ext uri="{FF2B5EF4-FFF2-40B4-BE49-F238E27FC236}">
-                  <a16:creationId xmlns="" xmlns:a16="http://schemas.microsoft.com/office/drawing/2014/main" xmlns:p14="http://schemas.microsoft.com/office/powerpoint/2010/main" id="{4DACA41F-DADA-4149-8933-31488F26C8AD}"/>
+                  <a16:creationId xmlns:p14="http://schemas.microsoft.com/office/powerpoint/2010/main" xmlns:a16="http://schemas.microsoft.com/office/drawing/2014/main" xmlns="" id="{4DACA41F-DADA-4149-8933-31488F26C8AD}"/>
                 </a:ext>
               </a:extLst>
             </p:cNvPr>
@@ -2847,7 +2847,7 @@
             <p:cNvPr id="38" name="ï$ḻídè">
               <a:extLst>
                 <a:ext uri="{FF2B5EF4-FFF2-40B4-BE49-F238E27FC236}">
-                  <a16:creationId xmlns="" xmlns:a16="http://schemas.microsoft.com/office/drawing/2014/main" xmlns:p14="http://schemas.microsoft.com/office/powerpoint/2010/main" id="{C28E4710-C2A1-4505-AD75-E91E319AE73A}"/>
+                  <a16:creationId xmlns:p14="http://schemas.microsoft.com/office/powerpoint/2010/main" xmlns:a16="http://schemas.microsoft.com/office/drawing/2014/main" xmlns="" id="{C28E4710-C2A1-4505-AD75-E91E319AE73A}"/>
                 </a:ext>
               </a:extLst>
             </p:cNvPr>
@@ -2943,7 +2943,7 @@
             <p:cNvPr id="39" name="ísľíḑe">
               <a:extLst>
                 <a:ext uri="{FF2B5EF4-FFF2-40B4-BE49-F238E27FC236}">
-                  <a16:creationId xmlns="" xmlns:a16="http://schemas.microsoft.com/office/drawing/2014/main" xmlns:p14="http://schemas.microsoft.com/office/powerpoint/2010/main" id="{C323CC97-7CC7-4FA5-A665-16F8A2FDB29A}"/>
+                  <a16:creationId xmlns:p14="http://schemas.microsoft.com/office/powerpoint/2010/main" xmlns:a16="http://schemas.microsoft.com/office/drawing/2014/main" xmlns="" id="{C323CC97-7CC7-4FA5-A665-16F8A2FDB29A}"/>
                 </a:ext>
               </a:extLst>
             </p:cNvPr>
@@ -3008,7 +3008,7 @@
             <p:cNvPr id="40" name="íṩlîḑè">
               <a:extLst>
                 <a:ext uri="{FF2B5EF4-FFF2-40B4-BE49-F238E27FC236}">
-                  <a16:creationId xmlns="" xmlns:a16="http://schemas.microsoft.com/office/drawing/2014/main" xmlns:p14="http://schemas.microsoft.com/office/powerpoint/2010/main" id="{26A96D82-53D7-454D-B8F0-08C85B54A508}"/>
+                  <a16:creationId xmlns:p14="http://schemas.microsoft.com/office/powerpoint/2010/main" xmlns:a16="http://schemas.microsoft.com/office/drawing/2014/main" xmlns="" id="{26A96D82-53D7-454D-B8F0-08C85B54A508}"/>
                 </a:ext>
               </a:extLst>
             </p:cNvPr>
@@ -3148,7 +3148,7 @@
             <p:cNvPr id="41" name="iṡḻídê">
               <a:extLst>
                 <a:ext uri="{FF2B5EF4-FFF2-40B4-BE49-F238E27FC236}">
-                  <a16:creationId xmlns="" xmlns:a16="http://schemas.microsoft.com/office/drawing/2014/main" xmlns:p14="http://schemas.microsoft.com/office/powerpoint/2010/main" id="{00A55C22-40A5-4BCE-AB5C-0DBD7B43CF15}"/>
+                  <a16:creationId xmlns:p14="http://schemas.microsoft.com/office/powerpoint/2010/main" xmlns:a16="http://schemas.microsoft.com/office/drawing/2014/main" xmlns="" id="{00A55C22-40A5-4BCE-AB5C-0DBD7B43CF15}"/>
                 </a:ext>
               </a:extLst>
             </p:cNvPr>
@@ -3210,7 +3210,7 @@
             <p:cNvPr id="42" name="íŝḷîḋè">
               <a:extLst>
                 <a:ext uri="{FF2B5EF4-FFF2-40B4-BE49-F238E27FC236}">
-                  <a16:creationId xmlns="" xmlns:a16="http://schemas.microsoft.com/office/drawing/2014/main" xmlns:p14="http://schemas.microsoft.com/office/powerpoint/2010/main" id="{1E7E1B5A-4BA7-4930-AB12-641C32CB9B5D}"/>
+                  <a16:creationId xmlns:p14="http://schemas.microsoft.com/office/powerpoint/2010/main" xmlns:a16="http://schemas.microsoft.com/office/drawing/2014/main" xmlns="" id="{1E7E1B5A-4BA7-4930-AB12-641C32CB9B5D}"/>
                 </a:ext>
               </a:extLst>
             </p:cNvPr>
@@ -3272,7 +3272,7 @@
             <p:cNvPr id="43" name="işliḓè">
               <a:extLst>
                 <a:ext uri="{FF2B5EF4-FFF2-40B4-BE49-F238E27FC236}">
-                  <a16:creationId xmlns="" xmlns:a16="http://schemas.microsoft.com/office/drawing/2014/main" xmlns:p14="http://schemas.microsoft.com/office/powerpoint/2010/main" id="{463C39C0-BA97-46C8-947C-6A6BB4E7C9D1}"/>
+                  <a16:creationId xmlns:p14="http://schemas.microsoft.com/office/powerpoint/2010/main" xmlns:a16="http://schemas.microsoft.com/office/drawing/2014/main" xmlns="" id="{463C39C0-BA97-46C8-947C-6A6BB4E7C9D1}"/>
                 </a:ext>
               </a:extLst>
             </p:cNvPr>
@@ -3334,7 +3334,7 @@
             <p:cNvPr id="44" name="îsḻiḑé">
               <a:extLst>
                 <a:ext uri="{FF2B5EF4-FFF2-40B4-BE49-F238E27FC236}">
-                  <a16:creationId xmlns="" xmlns:a16="http://schemas.microsoft.com/office/drawing/2014/main" xmlns:p14="http://schemas.microsoft.com/office/powerpoint/2010/main" id="{DF04E304-5F07-4415-828B-0989704C8FE6}"/>
+                  <a16:creationId xmlns:p14="http://schemas.microsoft.com/office/powerpoint/2010/main" xmlns:a16="http://schemas.microsoft.com/office/drawing/2014/main" xmlns="" id="{DF04E304-5F07-4415-828B-0989704C8FE6}"/>
                 </a:ext>
               </a:extLst>
             </p:cNvPr>
@@ -3396,7 +3396,7 @@
             <p:cNvPr id="45" name="íṧľiḓê">
               <a:extLst>
                 <a:ext uri="{FF2B5EF4-FFF2-40B4-BE49-F238E27FC236}">
-                  <a16:creationId xmlns="" xmlns:a16="http://schemas.microsoft.com/office/drawing/2014/main" xmlns:p14="http://schemas.microsoft.com/office/powerpoint/2010/main" id="{9DE34A69-BC75-47AD-8DE0-15FDFEF5D179}"/>
+                  <a16:creationId xmlns:p14="http://schemas.microsoft.com/office/powerpoint/2010/main" xmlns:a16="http://schemas.microsoft.com/office/drawing/2014/main" xmlns="" id="{9DE34A69-BC75-47AD-8DE0-15FDFEF5D179}"/>
                 </a:ext>
               </a:extLst>
             </p:cNvPr>
@@ -3458,7 +3458,7 @@
             <p:cNvPr id="46" name="íSlíďé">
               <a:extLst>
                 <a:ext uri="{FF2B5EF4-FFF2-40B4-BE49-F238E27FC236}">
-                  <a16:creationId xmlns="" xmlns:a16="http://schemas.microsoft.com/office/drawing/2014/main" xmlns:p14="http://schemas.microsoft.com/office/powerpoint/2010/main" id="{F19E1891-22A9-4238-9A0E-D54742EB9A67}"/>
+                  <a16:creationId xmlns:p14="http://schemas.microsoft.com/office/powerpoint/2010/main" xmlns:a16="http://schemas.microsoft.com/office/drawing/2014/main" xmlns="" id="{F19E1891-22A9-4238-9A0E-D54742EB9A67}"/>
                 </a:ext>
               </a:extLst>
             </p:cNvPr>
@@ -3520,7 +3520,7 @@
             <p:cNvPr id="47" name="iś1ïdè">
               <a:extLst>
                 <a:ext uri="{FF2B5EF4-FFF2-40B4-BE49-F238E27FC236}">
-                  <a16:creationId xmlns="" xmlns:a16="http://schemas.microsoft.com/office/drawing/2014/main" xmlns:p14="http://schemas.microsoft.com/office/powerpoint/2010/main" id="{26F87FC7-C5C8-4289-A0E2-8F0511BE4D0F}"/>
+                  <a16:creationId xmlns:p14="http://schemas.microsoft.com/office/powerpoint/2010/main" xmlns:a16="http://schemas.microsoft.com/office/drawing/2014/main" xmlns="" id="{26F87FC7-C5C8-4289-A0E2-8F0511BE4D0F}"/>
                 </a:ext>
               </a:extLst>
             </p:cNvPr>
@@ -3582,7 +3582,7 @@
             <p:cNvPr id="48" name="îŝḷïḍé">
               <a:extLst>
                 <a:ext uri="{FF2B5EF4-FFF2-40B4-BE49-F238E27FC236}">
-                  <a16:creationId xmlns="" xmlns:a16="http://schemas.microsoft.com/office/drawing/2014/main" xmlns:p14="http://schemas.microsoft.com/office/powerpoint/2010/main" id="{AF3C94AB-652D-4CCA-BFC8-3BC7A5181E1F}"/>
+                  <a16:creationId xmlns:p14="http://schemas.microsoft.com/office/powerpoint/2010/main" xmlns:a16="http://schemas.microsoft.com/office/drawing/2014/main" xmlns="" id="{AF3C94AB-652D-4CCA-BFC8-3BC7A5181E1F}"/>
                 </a:ext>
               </a:extLst>
             </p:cNvPr>
@@ -3653,7 +3653,7 @@
             <p:cNvPr id="49" name="ïśļïďé">
               <a:extLst>
                 <a:ext uri="{FF2B5EF4-FFF2-40B4-BE49-F238E27FC236}">
-                  <a16:creationId xmlns="" xmlns:a16="http://schemas.microsoft.com/office/drawing/2014/main" xmlns:p14="http://schemas.microsoft.com/office/powerpoint/2010/main" id="{10BC1FCD-F8F1-411F-8B4C-46E128380494}"/>
+                  <a16:creationId xmlns:p14="http://schemas.microsoft.com/office/powerpoint/2010/main" xmlns:a16="http://schemas.microsoft.com/office/drawing/2014/main" xmlns="" id="{10BC1FCD-F8F1-411F-8B4C-46E128380494}"/>
                 </a:ext>
               </a:extLst>
             </p:cNvPr>
@@ -3724,7 +3724,7 @@
             <p:cNvPr id="50" name="íṧḷídè">
               <a:extLst>
                 <a:ext uri="{FF2B5EF4-FFF2-40B4-BE49-F238E27FC236}">
-                  <a16:creationId xmlns="" xmlns:a16="http://schemas.microsoft.com/office/drawing/2014/main" xmlns:p14="http://schemas.microsoft.com/office/powerpoint/2010/main" id="{D6954D73-841B-4674-94DA-57899B5C83FA}"/>
+                  <a16:creationId xmlns:p14="http://schemas.microsoft.com/office/powerpoint/2010/main" xmlns:a16="http://schemas.microsoft.com/office/drawing/2014/main" xmlns="" id="{D6954D73-841B-4674-94DA-57899B5C83FA}"/>
                 </a:ext>
               </a:extLst>
             </p:cNvPr>
@@ -4195,7 +4195,7 @@
           <p:cNvPr id="3" name="组合 2">
             <a:extLst>
               <a:ext uri="{FF2B5EF4-FFF2-40B4-BE49-F238E27FC236}">
-                <a16:creationId xmlns="" xmlns:a16="http://schemas.microsoft.com/office/drawing/2014/main" xmlns:p14="http://schemas.microsoft.com/office/powerpoint/2010/main" id="{C629003E-14DA-4608-82C8-F702B03C8C62}"/>
+                <a16:creationId xmlns:p14="http://schemas.microsoft.com/office/powerpoint/2010/main" xmlns:a16="http://schemas.microsoft.com/office/drawing/2014/main" xmlns="" id="{C629003E-14DA-4608-82C8-F702B03C8C62}"/>
               </a:ext>
             </a:extLst>
           </p:cNvPr>
@@ -4221,7 +4221,7 @@
             <p:cNvPr id="34" name="iSliḓê">
               <a:extLst>
                 <a:ext uri="{FF2B5EF4-FFF2-40B4-BE49-F238E27FC236}">
-                  <a16:creationId xmlns="" xmlns:a16="http://schemas.microsoft.com/office/drawing/2014/main" xmlns:p14="http://schemas.microsoft.com/office/powerpoint/2010/main" id="{80A47D5A-673E-4EDC-8FB1-C2A2486C802A}"/>
+                  <a16:creationId xmlns:p14="http://schemas.microsoft.com/office/powerpoint/2010/main" xmlns:a16="http://schemas.microsoft.com/office/drawing/2014/main" xmlns="" id="{80A47D5A-673E-4EDC-8FB1-C2A2486C802A}"/>
                 </a:ext>
               </a:extLst>
             </p:cNvPr>
@@ -4359,7 +4359,7 @@
             <p:cNvPr id="38" name="ïṣlîḓê">
               <a:extLst>
                 <a:ext uri="{FF2B5EF4-FFF2-40B4-BE49-F238E27FC236}">
-                  <a16:creationId xmlns="" xmlns:a16="http://schemas.microsoft.com/office/drawing/2014/main" xmlns:p14="http://schemas.microsoft.com/office/powerpoint/2010/main" id="{DCD89878-3878-44CD-816E-D1DB497D642B}"/>
+                  <a16:creationId xmlns:p14="http://schemas.microsoft.com/office/powerpoint/2010/main" xmlns:a16="http://schemas.microsoft.com/office/drawing/2014/main" xmlns="" id="{DCD89878-3878-44CD-816E-D1DB497D642B}"/>
                 </a:ext>
               </a:extLst>
             </p:cNvPr>
@@ -4425,7 +4425,7 @@
             <p:cNvPr id="39" name="îṧḻiďê">
               <a:extLst>
                 <a:ext uri="{FF2B5EF4-FFF2-40B4-BE49-F238E27FC236}">
-                  <a16:creationId xmlns="" xmlns:a16="http://schemas.microsoft.com/office/drawing/2014/main" xmlns:p14="http://schemas.microsoft.com/office/powerpoint/2010/main" id="{927A350C-74E8-4289-AD50-D152B2F20760}"/>
+                  <a16:creationId xmlns:p14="http://schemas.microsoft.com/office/powerpoint/2010/main" xmlns:a16="http://schemas.microsoft.com/office/drawing/2014/main" xmlns="" id="{927A350C-74E8-4289-AD50-D152B2F20760}"/>
                 </a:ext>
               </a:extLst>
             </p:cNvPr>
@@ -4491,7 +4491,7 @@
             <p:cNvPr id="40" name="îsļiďé">
               <a:extLst>
                 <a:ext uri="{FF2B5EF4-FFF2-40B4-BE49-F238E27FC236}">
-                  <a16:creationId xmlns="" xmlns:a16="http://schemas.microsoft.com/office/drawing/2014/main" xmlns:p14="http://schemas.microsoft.com/office/powerpoint/2010/main" id="{FA1565F5-351B-46F7-94BA-8DE2B624E1D4}"/>
+                  <a16:creationId xmlns:p14="http://schemas.microsoft.com/office/powerpoint/2010/main" xmlns:a16="http://schemas.microsoft.com/office/drawing/2014/main" xmlns="" id="{FA1565F5-351B-46F7-94BA-8DE2B624E1D4}"/>
                 </a:ext>
               </a:extLst>
             </p:cNvPr>
@@ -4557,7 +4557,7 @@
             <p:cNvPr id="41" name="ísľîḑê">
               <a:extLst>
                 <a:ext uri="{FF2B5EF4-FFF2-40B4-BE49-F238E27FC236}">
-                  <a16:creationId xmlns="" xmlns:a16="http://schemas.microsoft.com/office/drawing/2014/main" xmlns:p14="http://schemas.microsoft.com/office/powerpoint/2010/main" id="{F46A0CCC-6110-407E-8E6D-A1E655B7B10A}"/>
+                  <a16:creationId xmlns:p14="http://schemas.microsoft.com/office/powerpoint/2010/main" xmlns:a16="http://schemas.microsoft.com/office/drawing/2014/main" xmlns="" id="{F46A0CCC-6110-407E-8E6D-A1E655B7B10A}"/>
                 </a:ext>
               </a:extLst>
             </p:cNvPr>
@@ -4623,7 +4623,7 @@
             <p:cNvPr id="42" name="iṥlïďé">
               <a:extLst>
                 <a:ext uri="{FF2B5EF4-FFF2-40B4-BE49-F238E27FC236}">
-                  <a16:creationId xmlns="" xmlns:a16="http://schemas.microsoft.com/office/drawing/2014/main" xmlns:p14="http://schemas.microsoft.com/office/powerpoint/2010/main" id="{D83D0A40-C194-4C9B-8119-3AA087712412}"/>
+                  <a16:creationId xmlns:p14="http://schemas.microsoft.com/office/powerpoint/2010/main" xmlns:a16="http://schemas.microsoft.com/office/drawing/2014/main" xmlns="" id="{D83D0A40-C194-4C9B-8119-3AA087712412}"/>
                 </a:ext>
               </a:extLst>
             </p:cNvPr>
@@ -4694,7 +4694,7 @@
             <p:cNvPr id="43" name="îşḷiḍè">
               <a:extLst>
                 <a:ext uri="{FF2B5EF4-FFF2-40B4-BE49-F238E27FC236}">
-                  <a16:creationId xmlns="" xmlns:a16="http://schemas.microsoft.com/office/drawing/2014/main" xmlns:p14="http://schemas.microsoft.com/office/powerpoint/2010/main" id="{DE854E02-9D47-4D10-A040-E952102AC62D}"/>
+                  <a16:creationId xmlns:p14="http://schemas.microsoft.com/office/powerpoint/2010/main" xmlns:a16="http://schemas.microsoft.com/office/drawing/2014/main" xmlns="" id="{DE854E02-9D47-4D10-A040-E952102AC62D}"/>
                 </a:ext>
               </a:extLst>
             </p:cNvPr>
@@ -4796,7 +4796,7 @@
           <p:cNvPr id="3" name="日期占位符 2">
             <a:extLst>
               <a:ext uri="{FF2B5EF4-FFF2-40B4-BE49-F238E27FC236}">
-                <a16:creationId xmlns="" xmlns:a16="http://schemas.microsoft.com/office/drawing/2014/main" xmlns:p14="http://schemas.microsoft.com/office/powerpoint/2010/main" id="{9888B6D7-9D3F-49D7-BACE-73A9D1149A74}"/>
+                <a16:creationId xmlns:p14="http://schemas.microsoft.com/office/powerpoint/2010/main" xmlns:a16="http://schemas.microsoft.com/office/drawing/2014/main" xmlns="" id="{9888B6D7-9D3F-49D7-BACE-73A9D1149A74}"/>
               </a:ext>
             </a:extLst>
           </p:cNvPr>
@@ -4821,7 +4821,7 @@
           <p:cNvPr id="4" name="页脚占位符 3">
             <a:extLst>
               <a:ext uri="{FF2B5EF4-FFF2-40B4-BE49-F238E27FC236}">
-                <a16:creationId xmlns="" xmlns:a16="http://schemas.microsoft.com/office/drawing/2014/main" xmlns:p14="http://schemas.microsoft.com/office/powerpoint/2010/main" id="{7AC997A4-1DD8-4731-B9FD-42398A20FF85}"/>
+                <a16:creationId xmlns:p14="http://schemas.microsoft.com/office/powerpoint/2010/main" xmlns:a16="http://schemas.microsoft.com/office/drawing/2014/main" xmlns="" id="{7AC997A4-1DD8-4731-B9FD-42398A20FF85}"/>
               </a:ext>
             </a:extLst>
           </p:cNvPr>
@@ -4858,7 +4858,7 @@
           <p:cNvPr id="5" name="灯片编号占位符 4">
             <a:extLst>
               <a:ext uri="{FF2B5EF4-FFF2-40B4-BE49-F238E27FC236}">
-                <a16:creationId xmlns="" xmlns:a16="http://schemas.microsoft.com/office/drawing/2014/main" xmlns:p14="http://schemas.microsoft.com/office/powerpoint/2010/main" id="{DBA9825E-1876-42AD-ABCF-E0E100F351CA}"/>
+                <a16:creationId xmlns:p14="http://schemas.microsoft.com/office/powerpoint/2010/main" xmlns:a16="http://schemas.microsoft.com/office/drawing/2014/main" xmlns="" id="{DBA9825E-1876-42AD-ABCF-E0E100F351CA}"/>
               </a:ext>
             </a:extLst>
           </p:cNvPr>
@@ -4888,7 +4888,7 @@
           <p:cNvPr id="6" name="标题 5">
             <a:extLst>
               <a:ext uri="{FF2B5EF4-FFF2-40B4-BE49-F238E27FC236}">
-                <a16:creationId xmlns="" xmlns:a16="http://schemas.microsoft.com/office/drawing/2014/main" xmlns:p14="http://schemas.microsoft.com/office/powerpoint/2010/main" id="{D124F9DB-C87A-423F-9657-38C7A2901430}"/>
+                <a16:creationId xmlns:p14="http://schemas.microsoft.com/office/powerpoint/2010/main" xmlns:a16="http://schemas.microsoft.com/office/drawing/2014/main" xmlns="" id="{D124F9DB-C87A-423F-9657-38C7A2901430}"/>
               </a:ext>
             </a:extLst>
           </p:cNvPr>
@@ -4921,7 +4921,7 @@
           <p:cNvPr id="8" name="内容占位符 7">
             <a:extLst>
               <a:ext uri="{FF2B5EF4-FFF2-40B4-BE49-F238E27FC236}">
-                <a16:creationId xmlns="" xmlns:a16="http://schemas.microsoft.com/office/drawing/2014/main" xmlns:p14="http://schemas.microsoft.com/office/powerpoint/2010/main" id="{2070191C-4093-409C-8FD5-7369A79637AD}"/>
+                <a16:creationId xmlns:p14="http://schemas.microsoft.com/office/powerpoint/2010/main" xmlns:a16="http://schemas.microsoft.com/office/drawing/2014/main" xmlns="" id="{2070191C-4093-409C-8FD5-7369A79637AD}"/>
               </a:ext>
             </a:extLst>
           </p:cNvPr>
@@ -5030,7 +5030,7 @@
           <p:cNvPr id="2" name="标题 1">
             <a:extLst>
               <a:ext uri="{FF2B5EF4-FFF2-40B4-BE49-F238E27FC236}">
-                <a16:creationId xmlns:a16="http://schemas.microsoft.com/office/drawing/2014/main" xmlns:p14="http://schemas.microsoft.com/office/powerpoint/2010/main" xmlns="" id="{F21C7A1C-3684-4AAF-A408-C63B6CB64104}"/>
+                <a16:creationId xmlns="" xmlns:p14="http://schemas.microsoft.com/office/powerpoint/2010/main" xmlns:a16="http://schemas.microsoft.com/office/drawing/2014/main" id="{F21C7A1C-3684-4AAF-A408-C63B6CB64104}"/>
               </a:ext>
             </a:extLst>
           </p:cNvPr>
@@ -5063,7 +5063,7 @@
           <p:cNvPr id="3" name="日期占位符 2">
             <a:extLst>
               <a:ext uri="{FF2B5EF4-FFF2-40B4-BE49-F238E27FC236}">
-                <a16:creationId xmlns:a16="http://schemas.microsoft.com/office/drawing/2014/main" xmlns:p14="http://schemas.microsoft.com/office/powerpoint/2010/main" xmlns="" id="{8986EA5F-D77D-4318-90E9-C04AA8ADC0D1}"/>
+                <a16:creationId xmlns="" xmlns:p14="http://schemas.microsoft.com/office/powerpoint/2010/main" xmlns:a16="http://schemas.microsoft.com/office/drawing/2014/main" id="{8986EA5F-D77D-4318-90E9-C04AA8ADC0D1}"/>
               </a:ext>
             </a:extLst>
           </p:cNvPr>
@@ -5088,7 +5088,7 @@
           <p:cNvPr id="4" name="页脚占位符 3">
             <a:extLst>
               <a:ext uri="{FF2B5EF4-FFF2-40B4-BE49-F238E27FC236}">
-                <a16:creationId xmlns:a16="http://schemas.microsoft.com/office/drawing/2014/main" xmlns:p14="http://schemas.microsoft.com/office/powerpoint/2010/main" xmlns="" id="{00832621-D9D9-445E-BFF9-F8348FA1E262}"/>
+                <a16:creationId xmlns="" xmlns:p14="http://schemas.microsoft.com/office/powerpoint/2010/main" xmlns:a16="http://schemas.microsoft.com/office/drawing/2014/main" id="{00832621-D9D9-445E-BFF9-F8348FA1E262}"/>
               </a:ext>
             </a:extLst>
           </p:cNvPr>
@@ -5125,7 +5125,7 @@
           <p:cNvPr id="5" name="灯片编号占位符 4">
             <a:extLst>
               <a:ext uri="{FF2B5EF4-FFF2-40B4-BE49-F238E27FC236}">
-                <a16:creationId xmlns:a16="http://schemas.microsoft.com/office/drawing/2014/main" xmlns:p14="http://schemas.microsoft.com/office/powerpoint/2010/main" xmlns="" id="{8371151B-F790-4A9F-962F-B8718A9560A9}"/>
+                <a16:creationId xmlns="" xmlns:p14="http://schemas.microsoft.com/office/powerpoint/2010/main" xmlns:a16="http://schemas.microsoft.com/office/drawing/2014/main" id="{8371151B-F790-4A9F-962F-B8718A9560A9}"/>
               </a:ext>
             </a:extLst>
           </p:cNvPr>
@@ -5321,7 +5321,7 @@
           <p:cNvPr id="6" name="文本占位符 5">
             <a:extLst>
               <a:ext uri="{FF2B5EF4-FFF2-40B4-BE49-F238E27FC236}">
-                <a16:creationId xmlns="" xmlns:a16="http://schemas.microsoft.com/office/drawing/2014/main" xmlns:p14="http://schemas.microsoft.com/office/powerpoint/2010/main" id="{05EBDA4F-7210-4CAE-8333-80DB24212E78}"/>
+                <a16:creationId xmlns:p14="http://schemas.microsoft.com/office/powerpoint/2010/main" xmlns:a16="http://schemas.microsoft.com/office/drawing/2014/main" xmlns="" id="{05EBDA4F-7210-4CAE-8333-80DB24212E78}"/>
               </a:ext>
             </a:extLst>
           </p:cNvPr>
@@ -5382,7 +5382,7 @@
           <p:cNvPr id="7" name="组合 6">
             <a:extLst>
               <a:ext uri="{FF2B5EF4-FFF2-40B4-BE49-F238E27FC236}">
-                <a16:creationId xmlns="" xmlns:a16="http://schemas.microsoft.com/office/drawing/2014/main" xmlns:p14="http://schemas.microsoft.com/office/powerpoint/2010/main" id="{5B77603F-656A-4E2F-9228-E30568A2F1D6}"/>
+                <a16:creationId xmlns:p14="http://schemas.microsoft.com/office/powerpoint/2010/main" xmlns:a16="http://schemas.microsoft.com/office/drawing/2014/main" xmlns="" id="{5B77603F-656A-4E2F-9228-E30568A2F1D6}"/>
               </a:ext>
             </a:extLst>
           </p:cNvPr>
@@ -5402,7 +5402,7 @@
             <p:cNvPr id="8" name="îSḻïḍè">
               <a:extLst>
                 <a:ext uri="{FF2B5EF4-FFF2-40B4-BE49-F238E27FC236}">
-                  <a16:creationId xmlns="" xmlns:a16="http://schemas.microsoft.com/office/drawing/2014/main" xmlns:p14="http://schemas.microsoft.com/office/powerpoint/2010/main" id="{61BDFEB9-90AA-43E9-A12B-EFFF9287F99D}"/>
+                  <a16:creationId xmlns:p14="http://schemas.microsoft.com/office/powerpoint/2010/main" xmlns:a16="http://schemas.microsoft.com/office/drawing/2014/main" xmlns="" id="{61BDFEB9-90AA-43E9-A12B-EFFF9287F99D}"/>
                 </a:ext>
               </a:extLst>
             </p:cNvPr>
@@ -5486,7 +5486,7 @@
             <p:cNvPr id="9" name="iṧ1îďè">
               <a:extLst>
                 <a:ext uri="{FF2B5EF4-FFF2-40B4-BE49-F238E27FC236}">
-                  <a16:creationId xmlns="" xmlns:a16="http://schemas.microsoft.com/office/drawing/2014/main" xmlns:p14="http://schemas.microsoft.com/office/powerpoint/2010/main" id="{D6E33435-E28A-463E-9EC6-4FEF1432AC96}"/>
+                  <a16:creationId xmlns:p14="http://schemas.microsoft.com/office/powerpoint/2010/main" xmlns:a16="http://schemas.microsoft.com/office/drawing/2014/main" xmlns="" id="{D6E33435-E28A-463E-9EC6-4FEF1432AC96}"/>
                 </a:ext>
               </a:extLst>
             </p:cNvPr>
@@ -5579,7 +5579,7 @@
             <p:cNvPr id="10" name="íŝ1îḑê">
               <a:extLst>
                 <a:ext uri="{FF2B5EF4-FFF2-40B4-BE49-F238E27FC236}">
-                  <a16:creationId xmlns="" xmlns:a16="http://schemas.microsoft.com/office/drawing/2014/main" xmlns:p14="http://schemas.microsoft.com/office/powerpoint/2010/main" id="{9304A826-F780-4CF2-AEA1-5EB7122B87CE}"/>
+                  <a16:creationId xmlns:p14="http://schemas.microsoft.com/office/powerpoint/2010/main" xmlns:a16="http://schemas.microsoft.com/office/drawing/2014/main" xmlns="" id="{9304A826-F780-4CF2-AEA1-5EB7122B87CE}"/>
                 </a:ext>
               </a:extLst>
             </p:cNvPr>
@@ -5664,7 +5664,7 @@
             <p:cNvPr id="11" name="îṩľîḋè">
               <a:extLst>
                 <a:ext uri="{FF2B5EF4-FFF2-40B4-BE49-F238E27FC236}">
-                  <a16:creationId xmlns="" xmlns:a16="http://schemas.microsoft.com/office/drawing/2014/main" xmlns:p14="http://schemas.microsoft.com/office/powerpoint/2010/main" id="{276A2E36-748D-419C-9EE2-5DF2A51BE0C6}"/>
+                  <a16:creationId xmlns:p14="http://schemas.microsoft.com/office/powerpoint/2010/main" xmlns:a16="http://schemas.microsoft.com/office/drawing/2014/main" xmlns="" id="{276A2E36-748D-419C-9EE2-5DF2A51BE0C6}"/>
                 </a:ext>
               </a:extLst>
             </p:cNvPr>
@@ -5749,7 +5749,7 @@
             <p:cNvPr id="12" name="íṡ1ïḓe">
               <a:extLst>
                 <a:ext uri="{FF2B5EF4-FFF2-40B4-BE49-F238E27FC236}">
-                  <a16:creationId xmlns="" xmlns:a16="http://schemas.microsoft.com/office/drawing/2014/main" xmlns:p14="http://schemas.microsoft.com/office/powerpoint/2010/main" id="{20A4A09F-DE16-4168-819D-7F31D973EC1A}"/>
+                  <a16:creationId xmlns:p14="http://schemas.microsoft.com/office/powerpoint/2010/main" xmlns:a16="http://schemas.microsoft.com/office/drawing/2014/main" xmlns="" id="{20A4A09F-DE16-4168-819D-7F31D973EC1A}"/>
                 </a:ext>
               </a:extLst>
             </p:cNvPr>
@@ -5814,7 +5814,7 @@
             <p:cNvPr id="14" name="ïŝlîḍê">
               <a:extLst>
                 <a:ext uri="{FF2B5EF4-FFF2-40B4-BE49-F238E27FC236}">
-                  <a16:creationId xmlns="" xmlns:a16="http://schemas.microsoft.com/office/drawing/2014/main" xmlns:p14="http://schemas.microsoft.com/office/powerpoint/2010/main" id="{F8657E4E-B533-4A5A-9F5F-E5BE8ACB5AD2}"/>
+                  <a16:creationId xmlns:p14="http://schemas.microsoft.com/office/powerpoint/2010/main" xmlns:a16="http://schemas.microsoft.com/office/drawing/2014/main" xmlns="" id="{F8657E4E-B533-4A5A-9F5F-E5BE8ACB5AD2}"/>
                 </a:ext>
               </a:extLst>
             </p:cNvPr>
@@ -5879,7 +5879,7 @@
             <p:cNvPr id="16" name="íṧlîḓé">
               <a:extLst>
                 <a:ext uri="{FF2B5EF4-FFF2-40B4-BE49-F238E27FC236}">
-                  <a16:creationId xmlns="" xmlns:a16="http://schemas.microsoft.com/office/drawing/2014/main" xmlns:p14="http://schemas.microsoft.com/office/powerpoint/2010/main" id="{FD71861F-C75F-4733-AFC9-3907B077276A}"/>
+                  <a16:creationId xmlns:p14="http://schemas.microsoft.com/office/powerpoint/2010/main" xmlns:a16="http://schemas.microsoft.com/office/drawing/2014/main" xmlns="" id="{FD71861F-C75F-4733-AFC9-3907B077276A}"/>
                 </a:ext>
               </a:extLst>
             </p:cNvPr>
@@ -5974,7 +5974,7 @@
             <p:cNvPr id="17" name="îṡľiḑè">
               <a:extLst>
                 <a:ext uri="{FF2B5EF4-FFF2-40B4-BE49-F238E27FC236}">
-                  <a16:creationId xmlns="" xmlns:a16="http://schemas.microsoft.com/office/drawing/2014/main" xmlns:p14="http://schemas.microsoft.com/office/powerpoint/2010/main" id="{C5F246DD-0425-467A-8E23-DF1922ED4240}"/>
+                  <a16:creationId xmlns:p14="http://schemas.microsoft.com/office/powerpoint/2010/main" xmlns:a16="http://schemas.microsoft.com/office/drawing/2014/main" xmlns="" id="{C5F246DD-0425-467A-8E23-DF1922ED4240}"/>
                 </a:ext>
               </a:extLst>
             </p:cNvPr>
@@ -6049,7 +6049,7 @@
             <p:cNvPr id="18" name="íš1ïḑé">
               <a:extLst>
                 <a:ext uri="{FF2B5EF4-FFF2-40B4-BE49-F238E27FC236}">
-                  <a16:creationId xmlns="" xmlns:a16="http://schemas.microsoft.com/office/drawing/2014/main" xmlns:p14="http://schemas.microsoft.com/office/powerpoint/2010/main" id="{EB196468-BCAE-4BF5-B491-B37AF459C2E0}"/>
+                  <a16:creationId xmlns:p14="http://schemas.microsoft.com/office/powerpoint/2010/main" xmlns:a16="http://schemas.microsoft.com/office/drawing/2014/main" xmlns="" id="{EB196468-BCAE-4BF5-B491-B37AF459C2E0}"/>
                 </a:ext>
               </a:extLst>
             </p:cNvPr>
@@ -6124,7 +6124,7 @@
             <p:cNvPr id="19" name="ïṧḷîḍe">
               <a:extLst>
                 <a:ext uri="{FF2B5EF4-FFF2-40B4-BE49-F238E27FC236}">
-                  <a16:creationId xmlns="" xmlns:a16="http://schemas.microsoft.com/office/drawing/2014/main" xmlns:p14="http://schemas.microsoft.com/office/powerpoint/2010/main" id="{9A980BB4-0B9C-4CE7-B965-86D1DCCFF04C}"/>
+                  <a16:creationId xmlns:p14="http://schemas.microsoft.com/office/powerpoint/2010/main" xmlns:a16="http://schemas.microsoft.com/office/drawing/2014/main" xmlns="" id="{9A980BB4-0B9C-4CE7-B965-86D1DCCFF04C}"/>
                 </a:ext>
               </a:extLst>
             </p:cNvPr>
@@ -6199,7 +6199,7 @@
             <p:cNvPr id="20" name="iṡḻïḑe">
               <a:extLst>
                 <a:ext uri="{FF2B5EF4-FFF2-40B4-BE49-F238E27FC236}">
-                  <a16:creationId xmlns="" xmlns:a16="http://schemas.microsoft.com/office/drawing/2014/main" xmlns:p14="http://schemas.microsoft.com/office/powerpoint/2010/main" id="{D932A797-F983-471B-BFA8-F7F77258FAF6}"/>
+                  <a16:creationId xmlns:p14="http://schemas.microsoft.com/office/powerpoint/2010/main" xmlns:a16="http://schemas.microsoft.com/office/drawing/2014/main" xmlns="" id="{D932A797-F983-471B-BFA8-F7F77258FAF6}"/>
                 </a:ext>
               </a:extLst>
             </p:cNvPr>
@@ -6264,7 +6264,7 @@
             <p:cNvPr id="21" name="iṣliḋê">
               <a:extLst>
                 <a:ext uri="{FF2B5EF4-FFF2-40B4-BE49-F238E27FC236}">
-                  <a16:creationId xmlns="" xmlns:a16="http://schemas.microsoft.com/office/drawing/2014/main" xmlns:p14="http://schemas.microsoft.com/office/powerpoint/2010/main" id="{14E4C1FF-2C4A-414E-B7C1-76FC09803579}"/>
+                  <a16:creationId xmlns:p14="http://schemas.microsoft.com/office/powerpoint/2010/main" xmlns:a16="http://schemas.microsoft.com/office/drawing/2014/main" xmlns="" id="{14E4C1FF-2C4A-414E-B7C1-76FC09803579}"/>
                 </a:ext>
               </a:extLst>
             </p:cNvPr>
@@ -6329,7 +6329,7 @@
             <p:cNvPr id="22" name="îsḷïdê">
               <a:extLst>
                 <a:ext uri="{FF2B5EF4-FFF2-40B4-BE49-F238E27FC236}">
-                  <a16:creationId xmlns="" xmlns:a16="http://schemas.microsoft.com/office/drawing/2014/main" xmlns:p14="http://schemas.microsoft.com/office/powerpoint/2010/main" id="{22AC134A-B7EA-4D73-BF21-DE75251C3AB3}"/>
+                  <a16:creationId xmlns:p14="http://schemas.microsoft.com/office/powerpoint/2010/main" xmlns:a16="http://schemas.microsoft.com/office/drawing/2014/main" xmlns="" id="{22AC134A-B7EA-4D73-BF21-DE75251C3AB3}"/>
                 </a:ext>
               </a:extLst>
             </p:cNvPr>
@@ -6391,7 +6391,7 @@
             <p:cNvPr id="23" name="i$ḻïḍê">
               <a:extLst>
                 <a:ext uri="{FF2B5EF4-FFF2-40B4-BE49-F238E27FC236}">
-                  <a16:creationId xmlns="" xmlns:a16="http://schemas.microsoft.com/office/drawing/2014/main" xmlns:p14="http://schemas.microsoft.com/office/powerpoint/2010/main" id="{B2525ADC-09FA-43DB-8CDF-85CDAC67D7D6}"/>
+                  <a16:creationId xmlns:p14="http://schemas.microsoft.com/office/powerpoint/2010/main" xmlns:a16="http://schemas.microsoft.com/office/drawing/2014/main" xmlns="" id="{B2525ADC-09FA-43DB-8CDF-85CDAC67D7D6}"/>
                 </a:ext>
               </a:extLst>
             </p:cNvPr>
@@ -6453,7 +6453,7 @@
             <p:cNvPr id="24" name="iş1îďé">
               <a:extLst>
                 <a:ext uri="{FF2B5EF4-FFF2-40B4-BE49-F238E27FC236}">
-                  <a16:creationId xmlns="" xmlns:a16="http://schemas.microsoft.com/office/drawing/2014/main" xmlns:p14="http://schemas.microsoft.com/office/powerpoint/2010/main" id="{5797D739-E4EF-4020-8521-6BC146B06A4D}"/>
+                  <a16:creationId xmlns:p14="http://schemas.microsoft.com/office/powerpoint/2010/main" xmlns:a16="http://schemas.microsoft.com/office/drawing/2014/main" xmlns="" id="{5797D739-E4EF-4020-8521-6BC146B06A4D}"/>
                 </a:ext>
               </a:extLst>
             </p:cNvPr>
@@ -6515,7 +6515,7 @@
             <p:cNvPr id="25" name="iṧľiḍè">
               <a:extLst>
                 <a:ext uri="{FF2B5EF4-FFF2-40B4-BE49-F238E27FC236}">
-                  <a16:creationId xmlns="" xmlns:a16="http://schemas.microsoft.com/office/drawing/2014/main" xmlns:p14="http://schemas.microsoft.com/office/powerpoint/2010/main" id="{420139AB-8C14-45D0-B524-2B38E2B5CC4C}"/>
+                  <a16:creationId xmlns:p14="http://schemas.microsoft.com/office/powerpoint/2010/main" xmlns:a16="http://schemas.microsoft.com/office/drawing/2014/main" xmlns="" id="{420139AB-8C14-45D0-B524-2B38E2B5CC4C}"/>
                 </a:ext>
               </a:extLst>
             </p:cNvPr>
@@ -6577,7 +6577,7 @@
             <p:cNvPr id="26" name="îŝḷiďê">
               <a:extLst>
                 <a:ext uri="{FF2B5EF4-FFF2-40B4-BE49-F238E27FC236}">
-                  <a16:creationId xmlns="" xmlns:a16="http://schemas.microsoft.com/office/drawing/2014/main" xmlns:p14="http://schemas.microsoft.com/office/powerpoint/2010/main" id="{C2086326-1FF1-4885-9F22-89D180415FAD}"/>
+                  <a16:creationId xmlns:p14="http://schemas.microsoft.com/office/powerpoint/2010/main" xmlns:a16="http://schemas.microsoft.com/office/drawing/2014/main" xmlns="" id="{C2086326-1FF1-4885-9F22-89D180415FAD}"/>
                 </a:ext>
               </a:extLst>
             </p:cNvPr>
@@ -6673,7 +6673,7 @@
             <p:cNvPr id="27" name="ï$ḷiḍé">
               <a:extLst>
                 <a:ext uri="{FF2B5EF4-FFF2-40B4-BE49-F238E27FC236}">
-                  <a16:creationId xmlns="" xmlns:a16="http://schemas.microsoft.com/office/drawing/2014/main" xmlns:p14="http://schemas.microsoft.com/office/powerpoint/2010/main" id="{6DB36021-5313-40A9-920B-CBDED876EF45}"/>
+                  <a16:creationId xmlns:p14="http://schemas.microsoft.com/office/powerpoint/2010/main" xmlns:a16="http://schemas.microsoft.com/office/drawing/2014/main" xmlns="" id="{6DB36021-5313-40A9-920B-CBDED876EF45}"/>
                 </a:ext>
               </a:extLst>
             </p:cNvPr>
@@ -6735,7 +6735,7 @@
             <p:cNvPr id="28" name="ïşḷïḍe">
               <a:extLst>
                 <a:ext uri="{FF2B5EF4-FFF2-40B4-BE49-F238E27FC236}">
-                  <a16:creationId xmlns="" xmlns:a16="http://schemas.microsoft.com/office/drawing/2014/main" xmlns:p14="http://schemas.microsoft.com/office/powerpoint/2010/main" id="{6E199C5B-BAA8-49E4-BEB5-B476BF8BC2B1}"/>
+                  <a16:creationId xmlns:p14="http://schemas.microsoft.com/office/powerpoint/2010/main" xmlns:a16="http://schemas.microsoft.com/office/drawing/2014/main" xmlns="" id="{6E199C5B-BAA8-49E4-BEB5-B476BF8BC2B1}"/>
                 </a:ext>
               </a:extLst>
             </p:cNvPr>
@@ -6797,7 +6797,7 @@
             <p:cNvPr id="29" name="i$ḻïďé">
               <a:extLst>
                 <a:ext uri="{FF2B5EF4-FFF2-40B4-BE49-F238E27FC236}">
-                  <a16:creationId xmlns="" xmlns:a16="http://schemas.microsoft.com/office/drawing/2014/main" xmlns:p14="http://schemas.microsoft.com/office/powerpoint/2010/main" id="{6D1C2096-6C60-4112-830E-BF0A8DBC9AFC}"/>
+                  <a16:creationId xmlns:p14="http://schemas.microsoft.com/office/powerpoint/2010/main" xmlns:a16="http://schemas.microsoft.com/office/drawing/2014/main" xmlns="" id="{6D1C2096-6C60-4112-830E-BF0A8DBC9AFC}"/>
                 </a:ext>
               </a:extLst>
             </p:cNvPr>
@@ -6859,7 +6859,7 @@
             <p:cNvPr id="30" name="iṩḷîďè">
               <a:extLst>
                 <a:ext uri="{FF2B5EF4-FFF2-40B4-BE49-F238E27FC236}">
-                  <a16:creationId xmlns="" xmlns:a16="http://schemas.microsoft.com/office/drawing/2014/main" xmlns:p14="http://schemas.microsoft.com/office/powerpoint/2010/main" id="{8E2F55A0-1F8B-4DF8-9692-0E52FB38C449}"/>
+                  <a16:creationId xmlns:p14="http://schemas.microsoft.com/office/powerpoint/2010/main" xmlns:a16="http://schemas.microsoft.com/office/drawing/2014/main" xmlns="" id="{8E2F55A0-1F8B-4DF8-9692-0E52FB38C449}"/>
                 </a:ext>
               </a:extLst>
             </p:cNvPr>
@@ -6921,7 +6921,7 @@
             <p:cNvPr id="31" name="îśḷiḋè">
               <a:extLst>
                 <a:ext uri="{FF2B5EF4-FFF2-40B4-BE49-F238E27FC236}">
-                  <a16:creationId xmlns="" xmlns:a16="http://schemas.microsoft.com/office/drawing/2014/main" xmlns:p14="http://schemas.microsoft.com/office/powerpoint/2010/main" id="{FAEFDB25-C311-444C-8211-CA9D0D3E76C7}"/>
+                  <a16:creationId xmlns:p14="http://schemas.microsoft.com/office/powerpoint/2010/main" xmlns:a16="http://schemas.microsoft.com/office/drawing/2014/main" xmlns="" id="{FAEFDB25-C311-444C-8211-CA9D0D3E76C7}"/>
                 </a:ext>
               </a:extLst>
             </p:cNvPr>
@@ -6983,7 +6983,7 @@
             <p:cNvPr id="32" name="işlïďe">
               <a:extLst>
                 <a:ext uri="{FF2B5EF4-FFF2-40B4-BE49-F238E27FC236}">
-                  <a16:creationId xmlns="" xmlns:a16="http://schemas.microsoft.com/office/drawing/2014/main" xmlns:p14="http://schemas.microsoft.com/office/powerpoint/2010/main" id="{6F7FE01D-44F0-4E78-AA22-48B1A54F44A8}"/>
+                  <a16:creationId xmlns:p14="http://schemas.microsoft.com/office/powerpoint/2010/main" xmlns:a16="http://schemas.microsoft.com/office/drawing/2014/main" xmlns="" id="{6F7FE01D-44F0-4E78-AA22-48B1A54F44A8}"/>
                 </a:ext>
               </a:extLst>
             </p:cNvPr>
@@ -7045,7 +7045,7 @@
             <p:cNvPr id="33" name="iṧļîďê">
               <a:extLst>
                 <a:ext uri="{FF2B5EF4-FFF2-40B4-BE49-F238E27FC236}">
-                  <a16:creationId xmlns="" xmlns:a16="http://schemas.microsoft.com/office/drawing/2014/main" xmlns:p14="http://schemas.microsoft.com/office/powerpoint/2010/main" id="{E43ABFED-9DCE-4780-A17B-F275913025D6}"/>
+                  <a16:creationId xmlns:p14="http://schemas.microsoft.com/office/powerpoint/2010/main" xmlns:a16="http://schemas.microsoft.com/office/drawing/2014/main" xmlns="" id="{E43ABFED-9DCE-4780-A17B-F275913025D6}"/>
                 </a:ext>
               </a:extLst>
             </p:cNvPr>
@@ -7107,7 +7107,7 @@
             <p:cNvPr id="34" name="ïśľide">
               <a:extLst>
                 <a:ext uri="{FF2B5EF4-FFF2-40B4-BE49-F238E27FC236}">
-                  <a16:creationId xmlns="" xmlns:a16="http://schemas.microsoft.com/office/drawing/2014/main" xmlns:p14="http://schemas.microsoft.com/office/powerpoint/2010/main" id="{764B5643-59A7-4278-9C6C-C0772E988BD1}"/>
+                  <a16:creationId xmlns:p14="http://schemas.microsoft.com/office/powerpoint/2010/main" xmlns:a16="http://schemas.microsoft.com/office/drawing/2014/main" xmlns="" id="{764B5643-59A7-4278-9C6C-C0772E988BD1}"/>
                 </a:ext>
               </a:extLst>
             </p:cNvPr>
@@ -7169,7 +7169,7 @@
             <p:cNvPr id="35" name="îṣḷiďè">
               <a:extLst>
                 <a:ext uri="{FF2B5EF4-FFF2-40B4-BE49-F238E27FC236}">
-                  <a16:creationId xmlns="" xmlns:a16="http://schemas.microsoft.com/office/drawing/2014/main" xmlns:p14="http://schemas.microsoft.com/office/powerpoint/2010/main" id="{A35CCFB0-B280-422B-A372-F1E8A7B37BB7}"/>
+                  <a16:creationId xmlns:p14="http://schemas.microsoft.com/office/powerpoint/2010/main" xmlns:a16="http://schemas.microsoft.com/office/drawing/2014/main" xmlns="" id="{A35CCFB0-B280-422B-A372-F1E8A7B37BB7}"/>
                 </a:ext>
               </a:extLst>
             </p:cNvPr>
@@ -7265,7 +7265,7 @@
             <p:cNvPr id="36" name="i$líḓe">
               <a:extLst>
                 <a:ext uri="{FF2B5EF4-FFF2-40B4-BE49-F238E27FC236}">
-                  <a16:creationId xmlns="" xmlns:a16="http://schemas.microsoft.com/office/drawing/2014/main" xmlns:p14="http://schemas.microsoft.com/office/powerpoint/2010/main" id="{7F0DCF35-E893-4225-90D5-FBFE48B4C496}"/>
+                  <a16:creationId xmlns:p14="http://schemas.microsoft.com/office/powerpoint/2010/main" xmlns:a16="http://schemas.microsoft.com/office/drawing/2014/main" xmlns="" id="{7F0DCF35-E893-4225-90D5-FBFE48B4C496}"/>
                 </a:ext>
               </a:extLst>
             </p:cNvPr>
@@ -7330,7 +7330,7 @@
             <p:cNvPr id="37" name="ïṣḷíḓè">
               <a:extLst>
                 <a:ext uri="{FF2B5EF4-FFF2-40B4-BE49-F238E27FC236}">
-                  <a16:creationId xmlns="" xmlns:a16="http://schemas.microsoft.com/office/drawing/2014/main" xmlns:p14="http://schemas.microsoft.com/office/powerpoint/2010/main" id="{A4220D05-442F-428F-ACAE-0BDB7327EE45}"/>
+                  <a16:creationId xmlns:p14="http://schemas.microsoft.com/office/powerpoint/2010/main" xmlns:a16="http://schemas.microsoft.com/office/drawing/2014/main" xmlns="" id="{A4220D05-442F-428F-ACAE-0BDB7327EE45}"/>
                 </a:ext>
               </a:extLst>
             </p:cNvPr>
@@ -7470,7 +7470,7 @@
             <p:cNvPr id="38" name="ïślîḓe">
               <a:extLst>
                 <a:ext uri="{FF2B5EF4-FFF2-40B4-BE49-F238E27FC236}">
-                  <a16:creationId xmlns="" xmlns:a16="http://schemas.microsoft.com/office/drawing/2014/main" xmlns:p14="http://schemas.microsoft.com/office/powerpoint/2010/main" id="{CA00A810-C422-493F-8762-928602E1666F}"/>
+                  <a16:creationId xmlns:p14="http://schemas.microsoft.com/office/powerpoint/2010/main" xmlns:a16="http://schemas.microsoft.com/office/drawing/2014/main" xmlns="" id="{CA00A810-C422-493F-8762-928602E1666F}"/>
                 </a:ext>
               </a:extLst>
             </p:cNvPr>
@@ -7532,7 +7532,7 @@
             <p:cNvPr id="39" name="iṥļïďé">
               <a:extLst>
                 <a:ext uri="{FF2B5EF4-FFF2-40B4-BE49-F238E27FC236}">
-                  <a16:creationId xmlns="" xmlns:a16="http://schemas.microsoft.com/office/drawing/2014/main" xmlns:p14="http://schemas.microsoft.com/office/powerpoint/2010/main" id="{8731F971-066B-40AA-B136-58B67564B7ED}"/>
+                  <a16:creationId xmlns:p14="http://schemas.microsoft.com/office/powerpoint/2010/main" xmlns:a16="http://schemas.microsoft.com/office/drawing/2014/main" xmlns="" id="{8731F971-066B-40AA-B136-58B67564B7ED}"/>
                 </a:ext>
               </a:extLst>
             </p:cNvPr>
@@ -7594,7 +7594,7 @@
             <p:cNvPr id="40" name="iślíḓé">
               <a:extLst>
                 <a:ext uri="{FF2B5EF4-FFF2-40B4-BE49-F238E27FC236}">
-                  <a16:creationId xmlns="" xmlns:a16="http://schemas.microsoft.com/office/drawing/2014/main" xmlns:p14="http://schemas.microsoft.com/office/powerpoint/2010/main" id="{2AABD586-6310-40FF-82C3-735CEE851897}"/>
+                  <a16:creationId xmlns:p14="http://schemas.microsoft.com/office/powerpoint/2010/main" xmlns:a16="http://schemas.microsoft.com/office/drawing/2014/main" xmlns="" id="{2AABD586-6310-40FF-82C3-735CEE851897}"/>
                 </a:ext>
               </a:extLst>
             </p:cNvPr>
@@ -7656,7 +7656,7 @@
             <p:cNvPr id="41" name="îşḻïḑé">
               <a:extLst>
                 <a:ext uri="{FF2B5EF4-FFF2-40B4-BE49-F238E27FC236}">
-                  <a16:creationId xmlns="" xmlns:a16="http://schemas.microsoft.com/office/drawing/2014/main" xmlns:p14="http://schemas.microsoft.com/office/powerpoint/2010/main" id="{0BDE1E9B-62A3-46F4-AB87-D02F1D6E213F}"/>
+                  <a16:creationId xmlns:p14="http://schemas.microsoft.com/office/powerpoint/2010/main" xmlns:a16="http://schemas.microsoft.com/office/drawing/2014/main" xmlns="" id="{0BDE1E9B-62A3-46F4-AB87-D02F1D6E213F}"/>
                 </a:ext>
               </a:extLst>
             </p:cNvPr>
@@ -7718,7 +7718,7 @@
             <p:cNvPr id="42" name="iš1îḓe">
               <a:extLst>
                 <a:ext uri="{FF2B5EF4-FFF2-40B4-BE49-F238E27FC236}">
-                  <a16:creationId xmlns="" xmlns:a16="http://schemas.microsoft.com/office/drawing/2014/main" xmlns:p14="http://schemas.microsoft.com/office/powerpoint/2010/main" id="{1846F9CF-B441-4677-B6B7-A82071C6A24C}"/>
+                  <a16:creationId xmlns:p14="http://schemas.microsoft.com/office/powerpoint/2010/main" xmlns:a16="http://schemas.microsoft.com/office/drawing/2014/main" xmlns="" id="{1846F9CF-B441-4677-B6B7-A82071C6A24C}"/>
                 </a:ext>
               </a:extLst>
             </p:cNvPr>
@@ -7780,7 +7780,7 @@
             <p:cNvPr id="43" name="iṣļïḋê">
               <a:extLst>
                 <a:ext uri="{FF2B5EF4-FFF2-40B4-BE49-F238E27FC236}">
-                  <a16:creationId xmlns="" xmlns:a16="http://schemas.microsoft.com/office/drawing/2014/main" xmlns:p14="http://schemas.microsoft.com/office/powerpoint/2010/main" id="{E6025A34-46AE-457E-AC6F-3CE06D5B4606}"/>
+                  <a16:creationId xmlns:p14="http://schemas.microsoft.com/office/powerpoint/2010/main" xmlns:a16="http://schemas.microsoft.com/office/drawing/2014/main" xmlns="" id="{E6025A34-46AE-457E-AC6F-3CE06D5B4606}"/>
                 </a:ext>
               </a:extLst>
             </p:cNvPr>
@@ -7842,7 +7842,7 @@
             <p:cNvPr id="44" name="ïṧḻîdè">
               <a:extLst>
                 <a:ext uri="{FF2B5EF4-FFF2-40B4-BE49-F238E27FC236}">
-                  <a16:creationId xmlns="" xmlns:a16="http://schemas.microsoft.com/office/drawing/2014/main" xmlns:p14="http://schemas.microsoft.com/office/powerpoint/2010/main" id="{B3B1207A-F631-4D74-AF71-25164BFA4732}"/>
+                  <a16:creationId xmlns:p14="http://schemas.microsoft.com/office/powerpoint/2010/main" xmlns:a16="http://schemas.microsoft.com/office/drawing/2014/main" xmlns="" id="{B3B1207A-F631-4D74-AF71-25164BFA4732}"/>
                 </a:ext>
               </a:extLst>
             </p:cNvPr>
@@ -7904,7 +7904,7 @@
             <p:cNvPr id="45" name="ïṩlîḋè">
               <a:extLst>
                 <a:ext uri="{FF2B5EF4-FFF2-40B4-BE49-F238E27FC236}">
-                  <a16:creationId xmlns="" xmlns:a16="http://schemas.microsoft.com/office/drawing/2014/main" xmlns:p14="http://schemas.microsoft.com/office/powerpoint/2010/main" id="{BD4629EF-6FD7-495B-BABC-2117635C362D}"/>
+                  <a16:creationId xmlns:p14="http://schemas.microsoft.com/office/powerpoint/2010/main" xmlns:a16="http://schemas.microsoft.com/office/drawing/2014/main" xmlns="" id="{BD4629EF-6FD7-495B-BABC-2117635C362D}"/>
                 </a:ext>
               </a:extLst>
             </p:cNvPr>
@@ -7975,7 +7975,7 @@
             <p:cNvPr id="46" name="îśḻiḑê">
               <a:extLst>
                 <a:ext uri="{FF2B5EF4-FFF2-40B4-BE49-F238E27FC236}">
-                  <a16:creationId xmlns="" xmlns:a16="http://schemas.microsoft.com/office/drawing/2014/main" xmlns:p14="http://schemas.microsoft.com/office/powerpoint/2010/main" id="{CEEE656F-2B58-452E-8C4C-A5DC9C34C5FE}"/>
+                  <a16:creationId xmlns:p14="http://schemas.microsoft.com/office/powerpoint/2010/main" xmlns:a16="http://schemas.microsoft.com/office/drawing/2014/main" xmlns="" id="{CEEE656F-2B58-452E-8C4C-A5DC9C34C5FE}"/>
                 </a:ext>
               </a:extLst>
             </p:cNvPr>
@@ -8046,7 +8046,7 @@
             <p:cNvPr id="47" name="ísļîḓê">
               <a:extLst>
                 <a:ext uri="{FF2B5EF4-FFF2-40B4-BE49-F238E27FC236}">
-                  <a16:creationId xmlns="" xmlns:a16="http://schemas.microsoft.com/office/drawing/2014/main" xmlns:p14="http://schemas.microsoft.com/office/powerpoint/2010/main" id="{30046525-C92C-4D8E-AA3B-B52FFA1759D5}"/>
+                  <a16:creationId xmlns:p14="http://schemas.microsoft.com/office/powerpoint/2010/main" xmlns:a16="http://schemas.microsoft.com/office/drawing/2014/main" xmlns="" id="{30046525-C92C-4D8E-AA3B-B52FFA1759D5}"/>
                 </a:ext>
               </a:extLst>
             </p:cNvPr>
@@ -8384,7 +8384,7 @@
           <p:cNvPr id="8" name="日期占位符 7">
             <a:extLst>
               <a:ext uri="{FF2B5EF4-FFF2-40B4-BE49-F238E27FC236}">
-                <a16:creationId xmlns="" xmlns:a16="http://schemas.microsoft.com/office/drawing/2014/main" xmlns:p15="http://schemas.microsoft.com/office/powerpoint/2012/main" xmlns:p14="http://schemas.microsoft.com/office/powerpoint/2010/main" id="{04388434-9949-479C-A9C3-67A953F6A939}"/>
+                <a16:creationId xmlns:p14="http://schemas.microsoft.com/office/powerpoint/2010/main" xmlns:p15="http://schemas.microsoft.com/office/powerpoint/2012/main" xmlns:a16="http://schemas.microsoft.com/office/drawing/2014/main" xmlns="" id="{04388434-9949-479C-A9C3-67A953F6A939}"/>
               </a:ext>
             </a:extLst>
           </p:cNvPr>
@@ -8428,7 +8428,7 @@
           <p:cNvPr id="9" name="页脚占位符 8">
             <a:extLst>
               <a:ext uri="{FF2B5EF4-FFF2-40B4-BE49-F238E27FC236}">
-                <a16:creationId xmlns="" xmlns:a16="http://schemas.microsoft.com/office/drawing/2014/main" xmlns:p15="http://schemas.microsoft.com/office/powerpoint/2012/main" xmlns:p14="http://schemas.microsoft.com/office/powerpoint/2010/main" id="{50A5656E-7A33-4865-A262-1F96263BAA16}"/>
+                <a16:creationId xmlns:p14="http://schemas.microsoft.com/office/powerpoint/2010/main" xmlns:p15="http://schemas.microsoft.com/office/powerpoint/2012/main" xmlns:a16="http://schemas.microsoft.com/office/drawing/2014/main" xmlns="" id="{50A5656E-7A33-4865-A262-1F96263BAA16}"/>
               </a:ext>
             </a:extLst>
           </p:cNvPr>
@@ -8484,7 +8484,7 @@
           <p:cNvPr id="10" name="灯片编号占位符 9">
             <a:extLst>
               <a:ext uri="{FF2B5EF4-FFF2-40B4-BE49-F238E27FC236}">
-                <a16:creationId xmlns="" xmlns:a16="http://schemas.microsoft.com/office/drawing/2014/main" xmlns:p15="http://schemas.microsoft.com/office/powerpoint/2012/main" xmlns:p14="http://schemas.microsoft.com/office/powerpoint/2010/main" id="{5BF52F79-380E-4278-8B67-588AFE5840F9}"/>
+                <a16:creationId xmlns:p14="http://schemas.microsoft.com/office/powerpoint/2010/main" xmlns:p15="http://schemas.microsoft.com/office/powerpoint/2012/main" xmlns:a16="http://schemas.microsoft.com/office/drawing/2014/main" xmlns="" id="{5BF52F79-380E-4278-8B67-588AFE5840F9}"/>
               </a:ext>
             </a:extLst>
           </p:cNvPr>
@@ -8827,7 +8827,7 @@
   </p:txStyles>
   <p:extLst>
     <p:ext uri="{27BBF7A9-308A-43DC-89C8-2F10F3537804}">
-      <p15:sldGuideLst xmlns="" xmlns:a16="http://schemas.microsoft.com/office/drawing/2014/main" xmlns:p14="http://schemas.microsoft.com/office/powerpoint/2010/main" xmlns:p15="http://schemas.microsoft.com/office/powerpoint/2012/main">
+      <p15:sldGuideLst xmlns:p15="http://schemas.microsoft.com/office/powerpoint/2012/main" xmlns:p14="http://schemas.microsoft.com/office/powerpoint/2010/main" xmlns:a16="http://schemas.microsoft.com/office/drawing/2014/main" xmlns="">
         <p15:guide id="1" pos="422" userDrawn="1">
           <p15:clr>
             <a:srgbClr val="F26B43"/>
@@ -8886,7 +8886,7 @@
           <p:cNvPr id="3" name="ïṩḷiḑé" hidden="1">
             <a:extLst>
               <a:ext uri="{FF2B5EF4-FFF2-40B4-BE49-F238E27FC236}">
-                <a16:creationId xmlns="" xmlns:a16="http://schemas.microsoft.com/office/drawing/2014/main" xmlns:v="urn:schemas-microsoft-com:vml" xmlns:mc="http://schemas.openxmlformats.org/markup-compatibility/2006" xmlns:p14="http://schemas.microsoft.com/office/powerpoint/2010/main" id="{3C326D0B-7DAB-41B6-8030-2E4A18CC949B}"/>
+                <a16:creationId xmlns:p14="http://schemas.microsoft.com/office/powerpoint/2010/main" xmlns:mc="http://schemas.openxmlformats.org/markup-compatibility/2006" xmlns:v="urn:schemas-microsoft-com:vml" xmlns:a16="http://schemas.microsoft.com/office/drawing/2014/main" xmlns="" id="{3C326D0B-7DAB-41B6-8030-2E4A18CC949B}"/>
               </a:ext>
             </a:extLst>
           </p:cNvPr>
@@ -8909,7 +8909,7 @@
           <a:graphicData uri="http://schemas.openxmlformats.org/presentationml/2006/ole">
             <mc:AlternateContent xmlns:mc="http://schemas.openxmlformats.org/markup-compatibility/2006">
               <mc:Choice xmlns:v="urn:schemas-microsoft-com:vml" Requires="v">
-                <p:oleObj spid="_x0000_s1068" name="think-cell Slide" r:id="rId5" imgW="347" imgH="348" progId="TCLayout.ActiveDocument.1">
+                <p:oleObj spid="_x0000_s1074" name="think-cell Slide" r:id="rId5" imgW="347" imgH="348" progId="TCLayout.ActiveDocument.1">
                   <p:embed/>
                 </p:oleObj>
               </mc:Choice>
@@ -8921,7 +8921,7 @@
                       <p:cNvPr id="3" name="iş1iďé" hidden="1">
                         <a:extLst>
                           <a:ext uri="{FF2B5EF4-FFF2-40B4-BE49-F238E27FC236}">
-                            <a16:creationId xmlns="" xmlns:a16="http://schemas.microsoft.com/office/drawing/2014/main" xmlns:v="urn:schemas-microsoft-com:vml" xmlns:p14="http://schemas.microsoft.com/office/powerpoint/2010/main" id="{3C326D0B-7DAB-41B6-8030-2E4A18CC949B}"/>
+                            <a16:creationId xmlns:p14="http://schemas.microsoft.com/office/powerpoint/2010/main" xmlns:v="urn:schemas-microsoft-com:vml" xmlns:a16="http://schemas.microsoft.com/office/drawing/2014/main" xmlns="" id="{3C326D0B-7DAB-41B6-8030-2E4A18CC949B}"/>
                           </a:ext>
                         </a:extLst>
                       </p:cNvPr>
@@ -8955,7 +8955,7 @@
           <p:cNvPr id="2" name="ïsľîḑè" hidden="1">
             <a:extLst>
               <a:ext uri="{FF2B5EF4-FFF2-40B4-BE49-F238E27FC236}">
-                <a16:creationId xmlns="" xmlns:a16="http://schemas.microsoft.com/office/drawing/2014/main" xmlns:v="urn:schemas-microsoft-com:vml" xmlns:mc="http://schemas.openxmlformats.org/markup-compatibility/2006" xmlns:p14="http://schemas.microsoft.com/office/powerpoint/2010/main" id="{EC933494-1B63-4A32-964F-D05236799BAA}"/>
+                <a16:creationId xmlns:p14="http://schemas.microsoft.com/office/powerpoint/2010/main" xmlns:mc="http://schemas.openxmlformats.org/markup-compatibility/2006" xmlns:v="urn:schemas-microsoft-com:vml" xmlns:a16="http://schemas.microsoft.com/office/drawing/2014/main" xmlns="" id="{EC933494-1B63-4A32-964F-D05236799BAA}"/>
               </a:ext>
             </a:extLst>
           </p:cNvPr>
@@ -12365,7 +12365,7 @@
           <p:cNvPr id="9" name="î$ḷíḋé">
             <a:extLst>
               <a:ext uri="{FF2B5EF4-FFF2-40B4-BE49-F238E27FC236}">
-                <a16:creationId xmlns="" xmlns:a16="http://schemas.microsoft.com/office/drawing/2014/main" xmlns:p14="http://schemas.microsoft.com/office/powerpoint/2010/main" id="{04F69230-F3A6-4586-9371-A858F4763E9F}"/>
+                <a16:creationId xmlns:p14="http://schemas.microsoft.com/office/powerpoint/2010/main" xmlns:a16="http://schemas.microsoft.com/office/drawing/2014/main" xmlns="" id="{04F69230-F3A6-4586-9371-A858F4763E9F}"/>
               </a:ext>
             </a:extLst>
           </p:cNvPr>
@@ -12498,7 +12498,7 @@
           <p:cNvPr id="2" name="íSliḓè">
             <a:extLst>
               <a:ext uri="{FF2B5EF4-FFF2-40B4-BE49-F238E27FC236}">
-                <a16:creationId xmlns="" xmlns:a16="http://schemas.microsoft.com/office/drawing/2014/main" xmlns:p14="http://schemas.microsoft.com/office/powerpoint/2010/main" id="{C0498D3A-B738-48EC-A39C-94C58B88932B}"/>
+                <a16:creationId xmlns:p14="http://schemas.microsoft.com/office/powerpoint/2010/main" xmlns:a16="http://schemas.microsoft.com/office/drawing/2014/main" xmlns="" id="{C0498D3A-B738-48EC-A39C-94C58B88932B}"/>
               </a:ext>
             </a:extLst>
           </p:cNvPr>
@@ -12518,7 +12518,7 @@
             <p:cNvPr id="6" name="íSļïdè" descr="本素材由iSlide™ 提供&#10;iSlide™尊重知识产权并注重保护用户享有的各项权利。郑重提醒您：&#10;iSlide™插件中提供的任何信息内容的所有权、知识产权归其原始权利人或权利受让人所有，您免费/购买获得的是信息内容的使用权，并受下述条款的约束；&#10;1. 您仅可以个人非商业用途使用该等信息内容，不可将信息内容的全部或部分用于出售，或以出租、出借、转让、分销、发布等其他任何方式供他人使用；&#10;2. 禁止在接入互联网或移动互联网的任何网站、平台、应用或程序上以任何方式为他人提供iSlide™插件资源内容的下载。&#10;The resource is supplied by iSlide™.&#10;iSlide™ respects all intellectual property rights and protects all the rights its users acquired.Solemnly remind you:&#10;The ownership and intellectual property of the resources supplied in iSlide Add-in belongs to its owner or the assignee of this ownership.you only acquired the usage of the resources supplied in iSlide Add-in, as well as respected the following restrain terms:&#10;1.You are only allowed to use such resource for personal and non-commercial aim, not allowed to use such resource or part of it for the sale; or rent, lend, transfer to others; or distribution or release it in any way.&#10;2.You are not permitted to provide the resource of iSlide Add-in in any website, platform, application access to the Internet or mobile Internet." title="iSlide™ 版权声明  COPYRIGHT NOTICE">
               <a:extLst>
                 <a:ext uri="{FF2B5EF4-FFF2-40B4-BE49-F238E27FC236}">
-                  <a16:creationId xmlns="" xmlns:a16="http://schemas.microsoft.com/office/drawing/2014/main" xmlns:p14="http://schemas.microsoft.com/office/powerpoint/2010/main" id="{A759C196-DA28-4241-ABB5-975367026FE9}"/>
+                  <a16:creationId xmlns:p14="http://schemas.microsoft.com/office/powerpoint/2010/main" xmlns:a16="http://schemas.microsoft.com/office/drawing/2014/main" xmlns="" id="{A759C196-DA28-4241-ABB5-975367026FE9}"/>
                 </a:ext>
               </a:extLst>
             </p:cNvPr>
@@ -12540,7 +12540,7 @@
               <p:cNvPr id="7" name="îṩḷiḓè">
                 <a:extLst>
                   <a:ext uri="{FF2B5EF4-FFF2-40B4-BE49-F238E27FC236}">
-                    <a16:creationId xmlns="" xmlns:a16="http://schemas.microsoft.com/office/drawing/2014/main" xmlns:p14="http://schemas.microsoft.com/office/powerpoint/2010/main" id="{48F70259-7598-4270-874A-6F50772D10F6}"/>
+                    <a16:creationId xmlns:p14="http://schemas.microsoft.com/office/powerpoint/2010/main" xmlns:a16="http://schemas.microsoft.com/office/drawing/2014/main" xmlns="" id="{48F70259-7598-4270-874A-6F50772D10F6}"/>
                   </a:ext>
                 </a:extLst>
               </p:cNvPr>
@@ -12808,7 +12808,7 @@
               <p:cNvPr id="8" name="îŝľiḋê">
                 <a:extLst>
                   <a:ext uri="{FF2B5EF4-FFF2-40B4-BE49-F238E27FC236}">
-                    <a16:creationId xmlns="" xmlns:a16="http://schemas.microsoft.com/office/drawing/2014/main" xmlns:p14="http://schemas.microsoft.com/office/powerpoint/2010/main" id="{DA1FB18E-FA01-4588-BEF9-FB96A98A84D4}"/>
+                    <a16:creationId xmlns:p14="http://schemas.microsoft.com/office/powerpoint/2010/main" xmlns:a16="http://schemas.microsoft.com/office/drawing/2014/main" xmlns="" id="{DA1FB18E-FA01-4588-BEF9-FB96A98A84D4}"/>
                   </a:ext>
                 </a:extLst>
               </p:cNvPr>
@@ -12847,7 +12847,7 @@
               <p:cNvPr id="9" name="ïsľiďé">
                 <a:extLst>
                   <a:ext uri="{FF2B5EF4-FFF2-40B4-BE49-F238E27FC236}">
-                    <a16:creationId xmlns="" xmlns:a16="http://schemas.microsoft.com/office/drawing/2014/main" xmlns:p14="http://schemas.microsoft.com/office/powerpoint/2010/main" id="{0DB1D0A1-2667-455C-9387-D7ABF0A00B8C}"/>
+                    <a16:creationId xmlns:p14="http://schemas.microsoft.com/office/powerpoint/2010/main" xmlns:a16="http://schemas.microsoft.com/office/drawing/2014/main" xmlns="" id="{0DB1D0A1-2667-455C-9387-D7ABF0A00B8C}"/>
                   </a:ext>
                 </a:extLst>
               </p:cNvPr>
@@ -12919,7 +12919,7 @@
             <p:cNvPr id="10" name="ïṩļiḋe">
               <a:extLst>
                 <a:ext uri="{FF2B5EF4-FFF2-40B4-BE49-F238E27FC236}">
-                  <a16:creationId xmlns="" xmlns:a16="http://schemas.microsoft.com/office/drawing/2014/main" xmlns:p14="http://schemas.microsoft.com/office/powerpoint/2010/main" id="{ADAD6BE3-DC11-4582-9F68-50D831ADD001}"/>
+                  <a16:creationId xmlns:p14="http://schemas.microsoft.com/office/powerpoint/2010/main" xmlns:a16="http://schemas.microsoft.com/office/drawing/2014/main" xmlns="" id="{ADAD6BE3-DC11-4582-9F68-50D831ADD001}"/>
                 </a:ext>
               </a:extLst>
             </p:cNvPr>
@@ -14219,7 +14219,7 @@
           <p:cNvPr id="9" name="î$ḷíḋé">
             <a:extLst>
               <a:ext uri="{FF2B5EF4-FFF2-40B4-BE49-F238E27FC236}">
-                <a16:creationId xmlns="" xmlns:a16="http://schemas.microsoft.com/office/drawing/2014/main" xmlns:p14="http://schemas.microsoft.com/office/powerpoint/2010/main" id="{04F69230-F3A6-4586-9371-A858F4763E9F}"/>
+                <a16:creationId xmlns:p14="http://schemas.microsoft.com/office/powerpoint/2010/main" xmlns:a16="http://schemas.microsoft.com/office/drawing/2014/main" xmlns="" id="{04F69230-F3A6-4586-9371-A858F4763E9F}"/>
               </a:ext>
             </a:extLst>
           </p:cNvPr>
@@ -14349,37 +14349,6 @@
       </p:grpSpPr>
       <p:sp>
         <p:nvSpPr>
-          <p:cNvPr id="2" name="ïṥlîḍé"/>
-          <p:cNvSpPr>
-            <a:spLocks noGrp="1"/>
-          </p:cNvSpPr>
-          <p:nvPr>
-            <p:ph type="title"/>
-          </p:nvPr>
-        </p:nvSpPr>
-        <p:spPr/>
-        <p:txBody>
-          <a:bodyPr/>
-          <a:lstStyle/>
-          <a:p>
-            <a:r>
-              <a:rPr lang="en-US" altLang="zh-CN" smtClean="0"/>
-              <a:t>Use "Title Only"</a:t>
-            </a:r>
-            <a:r>
-              <a:rPr lang="en-US" altLang="zh-CN" sz="100" smtClean="0"/>
-              <a:t> </a:t>
-            </a:r>
-            <a:r>
-              <a:rPr lang="en-US" altLang="zh-CN" smtClean="0"/>
-              <a:t> Layout</a:t>
-            </a:r>
-            <a:endParaRPr lang="zh-CN" altLang="en-US"/>
-          </a:p>
-        </p:txBody>
-      </p:sp>
-      <p:sp>
-        <p:nvSpPr>
           <p:cNvPr id="3" name="îşḻïḑê"/>
           <p:cNvSpPr>
             <a:spLocks noGrp="1"/>
@@ -14438,6 +14407,93 @@
               <a:t>23</a:t>
             </a:fld>
             <a:endParaRPr lang="zh-CN" altLang="en-US"/>
+          </a:p>
+        </p:txBody>
+      </p:sp>
+      <p:sp>
+        <p:nvSpPr>
+          <p:cNvPr id="2" name="ïṥlîḍé"/>
+          <p:cNvSpPr>
+            <a:spLocks noGrp="1"/>
+          </p:cNvSpPr>
+          <p:nvPr>
+            <p:ph type="title"/>
+          </p:nvPr>
+        </p:nvSpPr>
+        <p:spPr/>
+        <p:txBody>
+          <a:bodyPr/>
+          <a:lstStyle/>
+          <a:p>
+            <a:r>
+              <a:rPr lang="en-US" altLang="zh-CN" dirty="0" smtClean="0"/>
+              <a:t>RNN Demo</a:t>
+            </a:r>
+            <a:endParaRPr lang="zh-CN" altLang="en-US" dirty="0"/>
+          </a:p>
+        </p:txBody>
+      </p:sp>
+      <p:sp>
+        <p:nvSpPr>
+          <p:cNvPr id="5" name="內容版面配置區 4"/>
+          <p:cNvSpPr>
+            <a:spLocks noGrp="1"/>
+          </p:cNvSpPr>
+          <p:nvPr>
+            <p:ph sz="quarter" idx="13"/>
+          </p:nvPr>
+        </p:nvSpPr>
+        <p:spPr/>
+        <p:txBody>
+          <a:bodyPr/>
+          <a:lstStyle/>
+          <a:p>
+            <a:r>
+              <a:rPr lang="en-US" altLang="zh-TW" dirty="0">
+                <a:hlinkClick r:id="rId3"/>
+              </a:rPr>
+              <a:t>http://</a:t>
+            </a:r>
+            <a:r>
+              <a:rPr lang="en-US" altLang="zh-TW" dirty="0" smtClean="0">
+                <a:hlinkClick r:id="rId3"/>
+              </a:rPr>
+              <a:t>www.gunniliang.com/notebooks/Delete/git_r/two_month_report/202011_2021_1/11_16_to_11_20_third/code/RNN_Keras.ipynb</a:t>
+            </a:r>
+            <a:endParaRPr lang="en-US" altLang="zh-TW" dirty="0" smtClean="0"/>
+          </a:p>
+          <a:p>
+            <a:endParaRPr lang="en-US" altLang="zh-TW" dirty="0"/>
+          </a:p>
+          <a:p>
+            <a:r>
+              <a:rPr lang="en-US" altLang="zh-TW" dirty="0">
+                <a:hlinkClick r:id="rId4"/>
+              </a:rPr>
+              <a:t>http://</a:t>
+            </a:r>
+            <a:r>
+              <a:rPr lang="en-US" altLang="zh-TW" dirty="0" smtClean="0">
+                <a:hlinkClick r:id="rId4"/>
+              </a:rPr>
+              <a:t>www.gunniliang.com/notebooks/Delete/git_r/two_month_report/202011_2021_1/11_16_to_11_20_third/code/RNN_Scratch.ipynb</a:t>
+            </a:r>
+            <a:endParaRPr lang="en-US" altLang="zh-TW" dirty="0" smtClean="0"/>
+          </a:p>
+          <a:p>
+            <a:r>
+              <a:rPr lang="en-US" altLang="zh-TW" dirty="0" smtClean="0"/>
+              <a:t>(</a:t>
+            </a:r>
+            <a:r>
+              <a:rPr lang="zh-TW" altLang="en-US" smtClean="0"/>
+              <a:t>代碼部分 有些部分尚待整理解修正</a:t>
+            </a:r>
+            <a:r>
+              <a:rPr lang="en-US" altLang="zh-TW" smtClean="0"/>
+              <a:t>)</a:t>
+            </a:r>
+            <a:endParaRPr lang="zh-TW" altLang="en-US" dirty="0"/>
           </a:p>
         </p:txBody>
       </p:sp>
@@ -14486,7 +14542,7 @@
           <p:cNvPr id="3" name="íṡḻiḓé" hidden="1">
             <a:extLst>
               <a:ext uri="{FF2B5EF4-FFF2-40B4-BE49-F238E27FC236}">
-                <a16:creationId xmlns="" xmlns:a16="http://schemas.microsoft.com/office/drawing/2014/main" xmlns:v="urn:schemas-microsoft-com:vml" xmlns:mc="http://schemas.openxmlformats.org/markup-compatibility/2006" xmlns:p14="http://schemas.microsoft.com/office/powerpoint/2010/main" id="{A6A819F1-33AF-45D7-8BF6-2B0A9769CAD4}"/>
+                <a16:creationId xmlns:p14="http://schemas.microsoft.com/office/powerpoint/2010/main" xmlns:mc="http://schemas.openxmlformats.org/markup-compatibility/2006" xmlns:v="urn:schemas-microsoft-com:vml" xmlns:a16="http://schemas.microsoft.com/office/drawing/2014/main" xmlns="" id="{A6A819F1-33AF-45D7-8BF6-2B0A9769CAD4}"/>
               </a:ext>
             </a:extLst>
           </p:cNvPr>
@@ -14509,7 +14565,7 @@
           <a:graphicData uri="http://schemas.openxmlformats.org/presentationml/2006/ole">
             <mc:AlternateContent xmlns:mc="http://schemas.openxmlformats.org/markup-compatibility/2006">
               <mc:Choice xmlns:v="urn:schemas-microsoft-com:vml" Requires="v">
-                <p:oleObj spid="_x0000_s3116" name="think-cell Slide" r:id="rId5" imgW="347" imgH="348" progId="TCLayout.ActiveDocument.1">
+                <p:oleObj spid="_x0000_s3122" name="think-cell Slide" r:id="rId5" imgW="347" imgH="348" progId="TCLayout.ActiveDocument.1">
                   <p:embed/>
                 </p:oleObj>
               </mc:Choice>
@@ -14521,7 +14577,7 @@
                       <p:cNvPr id="3" name="íṩ1iḑé" hidden="1">
                         <a:extLst>
                           <a:ext uri="{FF2B5EF4-FFF2-40B4-BE49-F238E27FC236}">
-                            <a16:creationId xmlns="" xmlns:a16="http://schemas.microsoft.com/office/drawing/2014/main" xmlns:v="urn:schemas-microsoft-com:vml" xmlns:p14="http://schemas.microsoft.com/office/powerpoint/2010/main" id="{A6A819F1-33AF-45D7-8BF6-2B0A9769CAD4}"/>
+                            <a16:creationId xmlns:p14="http://schemas.microsoft.com/office/powerpoint/2010/main" xmlns:v="urn:schemas-microsoft-com:vml" xmlns:a16="http://schemas.microsoft.com/office/drawing/2014/main" xmlns="" id="{A6A819F1-33AF-45D7-8BF6-2B0A9769CAD4}"/>
                           </a:ext>
                         </a:extLst>
                       </p:cNvPr>
@@ -14555,7 +14611,7 @@
           <p:cNvPr id="2" name="išľïďe" hidden="1">
             <a:extLst>
               <a:ext uri="{FF2B5EF4-FFF2-40B4-BE49-F238E27FC236}">
-                <a16:creationId xmlns="" xmlns:a16="http://schemas.microsoft.com/office/drawing/2014/main" xmlns:v="urn:schemas-microsoft-com:vml" xmlns:mc="http://schemas.openxmlformats.org/markup-compatibility/2006" xmlns:p14="http://schemas.microsoft.com/office/powerpoint/2010/main" id="{FF51F16D-1BAD-46EE-A6F4-B8B94C9DF628}"/>
+                <a16:creationId xmlns:p14="http://schemas.microsoft.com/office/powerpoint/2010/main" xmlns:mc="http://schemas.openxmlformats.org/markup-compatibility/2006" xmlns:v="urn:schemas-microsoft-com:vml" xmlns:a16="http://schemas.microsoft.com/office/drawing/2014/main" xmlns="" id="{FF51F16D-1BAD-46EE-A6F4-B8B94C9DF628}"/>
               </a:ext>
             </a:extLst>
           </p:cNvPr>
@@ -14720,7 +14776,7 @@
           <p:cNvPr id="13" name="îṣlíḍe">
             <a:extLst>
               <a:ext uri="{FF2B5EF4-FFF2-40B4-BE49-F238E27FC236}">
-                <a16:creationId xmlns="" xmlns:a16="http://schemas.microsoft.com/office/drawing/2014/main" xmlns:v="urn:schemas-microsoft-com:vml" xmlns:mc="http://schemas.openxmlformats.org/markup-compatibility/2006" xmlns:p14="http://schemas.microsoft.com/office/powerpoint/2010/main" id="{394FC8CD-4FAD-452B-A6ED-A378816FAA36}"/>
+                <a16:creationId xmlns:p14="http://schemas.microsoft.com/office/powerpoint/2010/main" xmlns:mc="http://schemas.openxmlformats.org/markup-compatibility/2006" xmlns:v="urn:schemas-microsoft-com:vml" xmlns:a16="http://schemas.microsoft.com/office/drawing/2014/main" xmlns="" id="{394FC8CD-4FAD-452B-A6ED-A378816FAA36}"/>
               </a:ext>
             </a:extLst>
           </p:cNvPr>
@@ -14763,7 +14819,7 @@
           <p:cNvPr id="14" name="ïSḻíďê">
             <a:extLst>
               <a:ext uri="{FF2B5EF4-FFF2-40B4-BE49-F238E27FC236}">
-                <a16:creationId xmlns="" xmlns:a16="http://schemas.microsoft.com/office/drawing/2014/main" xmlns:v="urn:schemas-microsoft-com:vml" xmlns:mc="http://schemas.openxmlformats.org/markup-compatibility/2006" xmlns:p14="http://schemas.microsoft.com/office/powerpoint/2010/main" id="{7C549D2A-4C2D-40D9-B2D1-E96901BFF877}"/>
+                <a16:creationId xmlns:p14="http://schemas.microsoft.com/office/powerpoint/2010/main" xmlns:mc="http://schemas.openxmlformats.org/markup-compatibility/2006" xmlns:v="urn:schemas-microsoft-com:vml" xmlns:a16="http://schemas.microsoft.com/office/drawing/2014/main" xmlns="" id="{7C549D2A-4C2D-40D9-B2D1-E96901BFF877}"/>
               </a:ext>
             </a:extLst>
           </p:cNvPr>
@@ -14873,7 +14929,7 @@
           <p:cNvPr id="9" name="î$ḷíḋé">
             <a:extLst>
               <a:ext uri="{FF2B5EF4-FFF2-40B4-BE49-F238E27FC236}">
-                <a16:creationId xmlns="" xmlns:a16="http://schemas.microsoft.com/office/drawing/2014/main" xmlns:p14="http://schemas.microsoft.com/office/powerpoint/2010/main" id="{04F69230-F3A6-4586-9371-A858F4763E9F}"/>
+                <a16:creationId xmlns:p14="http://schemas.microsoft.com/office/powerpoint/2010/main" xmlns:a16="http://schemas.microsoft.com/office/drawing/2014/main" xmlns="" id="{04F69230-F3A6-4586-9371-A858F4763E9F}"/>
               </a:ext>
             </a:extLst>
           </p:cNvPr>
@@ -16330,7 +16386,7 @@
           <p:cNvPr id="9" name="î$ḷíḋé">
             <a:extLst>
               <a:ext uri="{FF2B5EF4-FFF2-40B4-BE49-F238E27FC236}">
-                <a16:creationId xmlns="" xmlns:a16="http://schemas.microsoft.com/office/drawing/2014/main" xmlns:p14="http://schemas.microsoft.com/office/powerpoint/2010/main" id="{04F69230-F3A6-4586-9371-A858F4763E9F}"/>
+                <a16:creationId xmlns:p14="http://schemas.microsoft.com/office/powerpoint/2010/main" xmlns:a16="http://schemas.microsoft.com/office/drawing/2014/main" xmlns="" id="{04F69230-F3A6-4586-9371-A858F4763E9F}"/>
               </a:ext>
             </a:extLst>
           </p:cNvPr>
@@ -17202,7 +17258,7 @@
   <a:extraClrSchemeLst/>
   <a:extLst>
     <a:ext uri="{05A4C25C-085E-4340-85A3-A5531E510DB2}">
-      <thm15:themeFamily xmlns="" xmlns:thm15="http://schemas.microsoft.com/office/thememl/2012/main" name="主题5" id="{B8EDB911-D765-4A7B-BBC7-40DBB672FBA6}" vid="{AECAB1C0-5DF6-436C-85E8-20094DBE11C0}"/>
+      <thm15:themeFamily xmlns:thm15="http://schemas.microsoft.com/office/thememl/2012/main" xmlns="" name="主题5" id="{B8EDB911-D765-4A7B-BBC7-40DBB672FBA6}" vid="{AECAB1C0-5DF6-436C-85E8-20094DBE11C0}"/>
     </a:ext>
   </a:extLst>
 </a:theme>
@@ -17463,7 +17519,7 @@
   <a:extraClrSchemeLst/>
   <a:extLst>
     <a:ext uri="{05A4C25C-085E-4340-85A3-A5531E510DB2}">
-      <thm15:themeFamily xmlns="" xmlns:thm15="http://schemas.microsoft.com/office/thememl/2012/main" name="Office Theme" id="{62F939B6-93AF-4DB8-9C6B-D6C7DFDC589F}" vid="{4A3C46E8-61CC-4603-A589-7422A47A8E4A}"/>
+      <thm15:themeFamily xmlns:thm15="http://schemas.microsoft.com/office/thememl/2012/main" xmlns="" name="Office Theme" id="{62F939B6-93AF-4DB8-9C6B-D6C7DFDC589F}" vid="{4A3C46E8-61CC-4603-A589-7422A47A8E4A}"/>
     </a:ext>
   </a:extLst>
 </a:theme>
@@ -17758,7 +17814,7 @@
   <a:extraClrSchemeLst/>
   <a:extLst>
     <a:ext uri="{05A4C25C-085E-4340-85A3-A5531E510DB2}">
-      <thm15:themeFamily xmlns="" xmlns:thm15="http://schemas.microsoft.com/office/thememl/2012/main" name="Office Theme" id="{62F939B6-93AF-4DB8-9C6B-D6C7DFDC589F}" vid="{4A3C46E8-61CC-4603-A589-7422A47A8E4A}"/>
+      <thm15:themeFamily xmlns:thm15="http://schemas.microsoft.com/office/thememl/2012/main" xmlns="" name="Office Theme" id="{62F939B6-93AF-4DB8-9C6B-D6C7DFDC589F}" vid="{4A3C46E8-61CC-4603-A589-7422A47A8E4A}"/>
     </a:ext>
   </a:extLst>
 </a:theme>

--- a/11_16_to_11_20_third/3.RNN.pptx
+++ b/11_16_to_11_20_third/3.RNN.pptx
@@ -5,10 +5,10 @@
     <p:sldMasterId id="2147483648" r:id="rId1"/>
   </p:sldMasterIdLst>
   <p:notesMasterIdLst>
-    <p:notesMasterId r:id="rId26"/>
+    <p:notesMasterId r:id="rId27"/>
   </p:notesMasterIdLst>
   <p:handoutMasterIdLst>
-    <p:handoutMasterId r:id="rId27"/>
+    <p:handoutMasterId r:id="rId28"/>
   </p:handoutMasterIdLst>
   <p:sldIdLst>
     <p:sldId id="256" r:id="rId2"/>
@@ -33,13 +33,14 @@
     <p:sldId id="294" r:id="rId21"/>
     <p:sldId id="295" r:id="rId22"/>
     <p:sldId id="280" r:id="rId23"/>
-    <p:sldId id="270" r:id="rId24"/>
-    <p:sldId id="261" r:id="rId25"/>
+    <p:sldId id="299" r:id="rId24"/>
+    <p:sldId id="270" r:id="rId25"/>
+    <p:sldId id="261" r:id="rId26"/>
   </p:sldIdLst>
   <p:sldSz cx="12192000" cy="6858000"/>
   <p:notesSz cx="6858000" cy="9144000"/>
   <p:custDataLst>
-    <p:tags r:id="rId28"/>
+    <p:tags r:id="rId29"/>
   </p:custDataLst>
   <p:defaultTextStyle>
     <a:defPPr>
@@ -138,10 +139,21 @@
   </p:defaultTextStyle>
   <p:extLst>
     <p:ext uri="{EFAFB233-063F-42B5-8137-9DF3F51BA10A}">
-      <p15:sldGuideLst xmlns:p15="http://schemas.microsoft.com/office/powerpoint/2012/main" xmlns=""/>
+      <p15:sldGuideLst xmlns:p15="http://schemas.microsoft.com/office/powerpoint/2012/main">
+        <p15:guide id="1" orient="horz" pos="2160">
+          <p15:clr>
+            <a:srgbClr val="A4A3A4"/>
+          </p15:clr>
+        </p15:guide>
+        <p15:guide id="2" pos="3840">
+          <p15:clr>
+            <a:srgbClr val="A4A3A4"/>
+          </p15:clr>
+        </p15:guide>
+      </p15:sldGuideLst>
     </p:ext>
     <p:ext uri="{2D200454-40CA-4A62-9FC3-DE9A4176ACB9}">
-      <p15:notesGuideLst xmlns:p15="http://schemas.microsoft.com/office/powerpoint/2012/main" xmlns=""/>
+      <p15:notesGuideLst xmlns:p15="http://schemas.microsoft.com/office/powerpoint/2012/main"/>
     </p:ext>
   </p:extLst>
 </p:presentation>
@@ -367,7 +379,7 @@
           <p:cNvPr id="2" name="页眉占位符 1">
             <a:extLst>
               <a:ext uri="{FF2B5EF4-FFF2-40B4-BE49-F238E27FC236}">
-                <a16:creationId xmlns:a16="http://schemas.microsoft.com/office/drawing/2014/main" xmlns="" id="{B9A56829-66AA-42AA-918E-5C6DB1AE50A7}"/>
+                <a16:creationId xmlns:a16="http://schemas.microsoft.com/office/drawing/2014/main" id="{B9A56829-66AA-42AA-918E-5C6DB1AE50A7}"/>
               </a:ext>
             </a:extLst>
           </p:cNvPr>
@@ -404,7 +416,7 @@
           <p:cNvPr id="3" name="日期占位符 2">
             <a:extLst>
               <a:ext uri="{FF2B5EF4-FFF2-40B4-BE49-F238E27FC236}">
-                <a16:creationId xmlns:a16="http://schemas.microsoft.com/office/drawing/2014/main" xmlns="" id="{241084A9-BC5C-4420-B17C-51E328D45576}"/>
+                <a16:creationId xmlns:a16="http://schemas.microsoft.com/office/drawing/2014/main" id="{241084A9-BC5C-4420-B17C-51E328D45576}"/>
               </a:ext>
             </a:extLst>
           </p:cNvPr>
@@ -434,7 +446,7 @@
           <a:p>
             <a:fld id="{B478E0E4-DC06-4041-AFA7-BB6F527FFA3F}" type="datetimeFigureOut">
               <a:rPr lang="zh-CN" altLang="en-US" smtClean="0"/>
-              <a:t>2020/11/16</a:t>
+              <a:t>2020/11/20</a:t>
             </a:fld>
             <a:endParaRPr lang="zh-CN" altLang="en-US"/>
           </a:p>
@@ -445,7 +457,7 @@
           <p:cNvPr id="4" name="页脚占位符 3">
             <a:extLst>
               <a:ext uri="{FF2B5EF4-FFF2-40B4-BE49-F238E27FC236}">
-                <a16:creationId xmlns:a16="http://schemas.microsoft.com/office/drawing/2014/main" xmlns="" id="{0D6F2124-7B35-4E59-B9E8-DB09EE1408A4}"/>
+                <a16:creationId xmlns:a16="http://schemas.microsoft.com/office/drawing/2014/main" id="{0D6F2124-7B35-4E59-B9E8-DB09EE1408A4}"/>
               </a:ext>
             </a:extLst>
           </p:cNvPr>
@@ -482,7 +494,7 @@
           <p:cNvPr id="5" name="灯片编号占位符 4">
             <a:extLst>
               <a:ext uri="{FF2B5EF4-FFF2-40B4-BE49-F238E27FC236}">
-                <a16:creationId xmlns:a16="http://schemas.microsoft.com/office/drawing/2014/main" xmlns="" id="{F2BF8FFE-D997-4E34-9A01-CD2014B95241}"/>
+                <a16:creationId xmlns:a16="http://schemas.microsoft.com/office/drawing/2014/main" id="{F2BF8FFE-D997-4E34-9A01-CD2014B95241}"/>
               </a:ext>
             </a:extLst>
           </p:cNvPr>
@@ -611,7 +623,7 @@
           <a:p>
             <a:fld id="{E86D8963-CFCD-4740-AF60-049850373CDF}" type="datetimeFigureOut">
               <a:rPr lang="zh-CN" altLang="en-US" smtClean="0"/>
-              <a:t>2020/11/16</a:t>
+              <a:t>2020/11/20</a:t>
             </a:fld>
             <a:endParaRPr lang="zh-CN" altLang="en-US"/>
           </a:p>
@@ -900,7 +912,7 @@
           <p:cNvPr id="2" name="îṩ1ïdê">
             <a:extLst>
               <a:ext uri="{FF2B5EF4-FFF2-40B4-BE49-F238E27FC236}">
-                <a16:creationId xmlns:p14="http://schemas.microsoft.com/office/powerpoint/2010/main" xmlns:a16="http://schemas.microsoft.com/office/drawing/2014/main" xmlns="" id="{B165F2F7-32E4-4AF8-8657-36AC30D78579}"/>
+                <a16:creationId xmlns:a16="http://schemas.microsoft.com/office/drawing/2014/main" id="{B165F2F7-32E4-4AF8-8657-36AC30D78579}"/>
               </a:ext>
             </a:extLst>
           </p:cNvPr>
@@ -1060,7 +1072,7 @@
           <p:cNvPr id="7" name="组合 6">
             <a:extLst>
               <a:ext uri="{FF2B5EF4-FFF2-40B4-BE49-F238E27FC236}">
-                <a16:creationId xmlns:p14="http://schemas.microsoft.com/office/powerpoint/2010/main" xmlns:a16="http://schemas.microsoft.com/office/drawing/2014/main" xmlns="" id="{3491D0C5-E57C-45B4-AFE5-02F7704CDCF6}"/>
+                <a16:creationId xmlns:a16="http://schemas.microsoft.com/office/drawing/2014/main" id="{3491D0C5-E57C-45B4-AFE5-02F7704CDCF6}"/>
               </a:ext>
             </a:extLst>
           </p:cNvPr>
@@ -1080,7 +1092,7 @@
             <p:cNvPr id="11" name="ïş1ïḓe">
               <a:extLst>
                 <a:ext uri="{FF2B5EF4-FFF2-40B4-BE49-F238E27FC236}">
-                  <a16:creationId xmlns:p14="http://schemas.microsoft.com/office/powerpoint/2010/main" xmlns:a16="http://schemas.microsoft.com/office/drawing/2014/main" xmlns="" id="{AAEF8C50-AF93-4B64-9F64-BC188B9CC986}"/>
+                  <a16:creationId xmlns:a16="http://schemas.microsoft.com/office/drawing/2014/main" id="{AAEF8C50-AF93-4B64-9F64-BC188B9CC986}"/>
                 </a:ext>
               </a:extLst>
             </p:cNvPr>
@@ -1164,7 +1176,7 @@
             <p:cNvPr id="14" name="ïş1îḓé">
               <a:extLst>
                 <a:ext uri="{FF2B5EF4-FFF2-40B4-BE49-F238E27FC236}">
-                  <a16:creationId xmlns:p14="http://schemas.microsoft.com/office/powerpoint/2010/main" xmlns:a16="http://schemas.microsoft.com/office/drawing/2014/main" xmlns="" id="{D1034528-61F0-451C-8439-59044CBBC42D}"/>
+                  <a16:creationId xmlns:a16="http://schemas.microsoft.com/office/drawing/2014/main" id="{D1034528-61F0-451C-8439-59044CBBC42D}"/>
                 </a:ext>
               </a:extLst>
             </p:cNvPr>
@@ -1257,7 +1269,7 @@
             <p:cNvPr id="15" name="íṡ1íḑè">
               <a:extLst>
                 <a:ext uri="{FF2B5EF4-FFF2-40B4-BE49-F238E27FC236}">
-                  <a16:creationId xmlns:p14="http://schemas.microsoft.com/office/powerpoint/2010/main" xmlns:a16="http://schemas.microsoft.com/office/drawing/2014/main" xmlns="" id="{443590D7-CA87-4478-AB6B-8DA2AC5C485A}"/>
+                  <a16:creationId xmlns:a16="http://schemas.microsoft.com/office/drawing/2014/main" id="{443590D7-CA87-4478-AB6B-8DA2AC5C485A}"/>
                 </a:ext>
               </a:extLst>
             </p:cNvPr>
@@ -1342,7 +1354,7 @@
             <p:cNvPr id="16" name="îṥḻiḍê">
               <a:extLst>
                 <a:ext uri="{FF2B5EF4-FFF2-40B4-BE49-F238E27FC236}">
-                  <a16:creationId xmlns:p14="http://schemas.microsoft.com/office/powerpoint/2010/main" xmlns:a16="http://schemas.microsoft.com/office/drawing/2014/main" xmlns="" id="{FD92C89C-9731-46F9-9B6E-376810BFF18B}"/>
+                  <a16:creationId xmlns:a16="http://schemas.microsoft.com/office/drawing/2014/main" id="{FD92C89C-9731-46F9-9B6E-376810BFF18B}"/>
                 </a:ext>
               </a:extLst>
             </p:cNvPr>
@@ -1427,7 +1439,7 @@
             <p:cNvPr id="17" name="iṥḷiḑè">
               <a:extLst>
                 <a:ext uri="{FF2B5EF4-FFF2-40B4-BE49-F238E27FC236}">
-                  <a16:creationId xmlns:p14="http://schemas.microsoft.com/office/powerpoint/2010/main" xmlns:a16="http://schemas.microsoft.com/office/drawing/2014/main" xmlns="" id="{A8591A9D-5538-4DEC-B405-54C510558903}"/>
+                  <a16:creationId xmlns:a16="http://schemas.microsoft.com/office/drawing/2014/main" id="{A8591A9D-5538-4DEC-B405-54C510558903}"/>
                 </a:ext>
               </a:extLst>
             </p:cNvPr>
@@ -1492,7 +1504,7 @@
             <p:cNvPr id="18" name="íṥḻíḑé">
               <a:extLst>
                 <a:ext uri="{FF2B5EF4-FFF2-40B4-BE49-F238E27FC236}">
-                  <a16:creationId xmlns:p14="http://schemas.microsoft.com/office/powerpoint/2010/main" xmlns:a16="http://schemas.microsoft.com/office/drawing/2014/main" xmlns="" id="{FC116EBF-5653-4BA4-837E-95BEB302B1FC}"/>
+                  <a16:creationId xmlns:a16="http://schemas.microsoft.com/office/drawing/2014/main" id="{FC116EBF-5653-4BA4-837E-95BEB302B1FC}"/>
                 </a:ext>
               </a:extLst>
             </p:cNvPr>
@@ -1557,7 +1569,7 @@
             <p:cNvPr id="19" name="ïsḷiďê">
               <a:extLst>
                 <a:ext uri="{FF2B5EF4-FFF2-40B4-BE49-F238E27FC236}">
-                  <a16:creationId xmlns:p14="http://schemas.microsoft.com/office/powerpoint/2010/main" xmlns:a16="http://schemas.microsoft.com/office/drawing/2014/main" xmlns="" id="{D7181733-982F-4ADC-B787-E92C178D9BE9}"/>
+                  <a16:creationId xmlns:a16="http://schemas.microsoft.com/office/drawing/2014/main" id="{D7181733-982F-4ADC-B787-E92C178D9BE9}"/>
                 </a:ext>
               </a:extLst>
             </p:cNvPr>
@@ -1652,7 +1664,7 @@
             <p:cNvPr id="20" name="îs1iḓê">
               <a:extLst>
                 <a:ext uri="{FF2B5EF4-FFF2-40B4-BE49-F238E27FC236}">
-                  <a16:creationId xmlns:p14="http://schemas.microsoft.com/office/powerpoint/2010/main" xmlns:a16="http://schemas.microsoft.com/office/drawing/2014/main" xmlns="" id="{75B1573A-D6DA-4E40-B952-FC6A6E899942}"/>
+                  <a16:creationId xmlns:a16="http://schemas.microsoft.com/office/drawing/2014/main" id="{75B1573A-D6DA-4E40-B952-FC6A6E899942}"/>
                 </a:ext>
               </a:extLst>
             </p:cNvPr>
@@ -1727,7 +1739,7 @@
             <p:cNvPr id="21" name="íṡḻïdé">
               <a:extLst>
                 <a:ext uri="{FF2B5EF4-FFF2-40B4-BE49-F238E27FC236}">
-                  <a16:creationId xmlns:p14="http://schemas.microsoft.com/office/powerpoint/2010/main" xmlns:a16="http://schemas.microsoft.com/office/drawing/2014/main" xmlns="" id="{A3C16CC0-0D98-42C3-ACDA-6C6B1AAA14CB}"/>
+                  <a16:creationId xmlns:a16="http://schemas.microsoft.com/office/drawing/2014/main" id="{A3C16CC0-0D98-42C3-ACDA-6C6B1AAA14CB}"/>
                 </a:ext>
               </a:extLst>
             </p:cNvPr>
@@ -1802,7 +1814,7 @@
             <p:cNvPr id="22" name="ïṧľiḑè">
               <a:extLst>
                 <a:ext uri="{FF2B5EF4-FFF2-40B4-BE49-F238E27FC236}">
-                  <a16:creationId xmlns:p14="http://schemas.microsoft.com/office/powerpoint/2010/main" xmlns:a16="http://schemas.microsoft.com/office/drawing/2014/main" xmlns="" id="{2EEC5EF2-9731-49D2-8E01-4BAE06CF1807}"/>
+                  <a16:creationId xmlns:a16="http://schemas.microsoft.com/office/drawing/2014/main" id="{2EEC5EF2-9731-49D2-8E01-4BAE06CF1807}"/>
                 </a:ext>
               </a:extLst>
             </p:cNvPr>
@@ -1877,7 +1889,7 @@
             <p:cNvPr id="23" name="íşľîḋè">
               <a:extLst>
                 <a:ext uri="{FF2B5EF4-FFF2-40B4-BE49-F238E27FC236}">
-                  <a16:creationId xmlns:p14="http://schemas.microsoft.com/office/powerpoint/2010/main" xmlns:a16="http://schemas.microsoft.com/office/drawing/2014/main" xmlns="" id="{07D33D98-ECF4-43C9-8F9B-502B76AA375A}"/>
+                  <a16:creationId xmlns:a16="http://schemas.microsoft.com/office/drawing/2014/main" id="{07D33D98-ECF4-43C9-8F9B-502B76AA375A}"/>
                 </a:ext>
               </a:extLst>
             </p:cNvPr>
@@ -1942,7 +1954,7 @@
             <p:cNvPr id="24" name="îšḷîḍè">
               <a:extLst>
                 <a:ext uri="{FF2B5EF4-FFF2-40B4-BE49-F238E27FC236}">
-                  <a16:creationId xmlns:p14="http://schemas.microsoft.com/office/powerpoint/2010/main" xmlns:a16="http://schemas.microsoft.com/office/drawing/2014/main" xmlns="" id="{06AFAADD-E47D-403A-8BCE-6B991B488491}"/>
+                  <a16:creationId xmlns:a16="http://schemas.microsoft.com/office/drawing/2014/main" id="{06AFAADD-E47D-403A-8BCE-6B991B488491}"/>
                 </a:ext>
               </a:extLst>
             </p:cNvPr>
@@ -2007,7 +2019,7 @@
             <p:cNvPr id="25" name="îŝļiḑè">
               <a:extLst>
                 <a:ext uri="{FF2B5EF4-FFF2-40B4-BE49-F238E27FC236}">
-                  <a16:creationId xmlns:p14="http://schemas.microsoft.com/office/powerpoint/2010/main" xmlns:a16="http://schemas.microsoft.com/office/drawing/2014/main" xmlns="" id="{F20679ED-F04B-48C0-86C1-4F4678D0EF44}"/>
+                  <a16:creationId xmlns:a16="http://schemas.microsoft.com/office/drawing/2014/main" id="{F20679ED-F04B-48C0-86C1-4F4678D0EF44}"/>
                 </a:ext>
               </a:extLst>
             </p:cNvPr>
@@ -2069,7 +2081,7 @@
             <p:cNvPr id="26" name="ïsḻïḓe">
               <a:extLst>
                 <a:ext uri="{FF2B5EF4-FFF2-40B4-BE49-F238E27FC236}">
-                  <a16:creationId xmlns:p14="http://schemas.microsoft.com/office/powerpoint/2010/main" xmlns:a16="http://schemas.microsoft.com/office/drawing/2014/main" xmlns="" id="{178FE26C-EAE2-489E-9818-2AD90604A6E7}"/>
+                  <a16:creationId xmlns:a16="http://schemas.microsoft.com/office/drawing/2014/main" id="{178FE26C-EAE2-489E-9818-2AD90604A6E7}"/>
                 </a:ext>
               </a:extLst>
             </p:cNvPr>
@@ -2131,7 +2143,7 @@
             <p:cNvPr id="27" name="îṥľíḑê">
               <a:extLst>
                 <a:ext uri="{FF2B5EF4-FFF2-40B4-BE49-F238E27FC236}">
-                  <a16:creationId xmlns:p14="http://schemas.microsoft.com/office/powerpoint/2010/main" xmlns:a16="http://schemas.microsoft.com/office/drawing/2014/main" xmlns="" id="{54C937FE-182B-4B4C-8B56-94274EF8727A}"/>
+                  <a16:creationId xmlns:a16="http://schemas.microsoft.com/office/drawing/2014/main" id="{54C937FE-182B-4B4C-8B56-94274EF8727A}"/>
                 </a:ext>
               </a:extLst>
             </p:cNvPr>
@@ -2193,7 +2205,7 @@
             <p:cNvPr id="28" name="iṧľíḑe">
               <a:extLst>
                 <a:ext uri="{FF2B5EF4-FFF2-40B4-BE49-F238E27FC236}">
-                  <a16:creationId xmlns:p14="http://schemas.microsoft.com/office/powerpoint/2010/main" xmlns:a16="http://schemas.microsoft.com/office/drawing/2014/main" xmlns="" id="{9EC454E6-4E34-40A0-B134-E27356DF1BD3}"/>
+                  <a16:creationId xmlns:a16="http://schemas.microsoft.com/office/drawing/2014/main" id="{9EC454E6-4E34-40A0-B134-E27356DF1BD3}"/>
                 </a:ext>
               </a:extLst>
             </p:cNvPr>
@@ -2255,7 +2267,7 @@
             <p:cNvPr id="29" name="íşḻïḑê">
               <a:extLst>
                 <a:ext uri="{FF2B5EF4-FFF2-40B4-BE49-F238E27FC236}">
-                  <a16:creationId xmlns:p14="http://schemas.microsoft.com/office/powerpoint/2010/main" xmlns:a16="http://schemas.microsoft.com/office/drawing/2014/main" xmlns="" id="{F02A9D5E-CFB2-42AA-A5C5-5E5778C6FCBE}"/>
+                  <a16:creationId xmlns:a16="http://schemas.microsoft.com/office/drawing/2014/main" id="{F02A9D5E-CFB2-42AA-A5C5-5E5778C6FCBE}"/>
                 </a:ext>
               </a:extLst>
             </p:cNvPr>
@@ -2351,7 +2363,7 @@
             <p:cNvPr id="30" name="išḻîḋè">
               <a:extLst>
                 <a:ext uri="{FF2B5EF4-FFF2-40B4-BE49-F238E27FC236}">
-                  <a16:creationId xmlns:p14="http://schemas.microsoft.com/office/powerpoint/2010/main" xmlns:a16="http://schemas.microsoft.com/office/drawing/2014/main" xmlns="" id="{2B76FEBA-B0C4-4066-ABF2-E33CBD44C45F}"/>
+                  <a16:creationId xmlns:a16="http://schemas.microsoft.com/office/drawing/2014/main" id="{2B76FEBA-B0C4-4066-ABF2-E33CBD44C45F}"/>
                 </a:ext>
               </a:extLst>
             </p:cNvPr>
@@ -2413,7 +2425,7 @@
             <p:cNvPr id="31" name="ïšliḋé">
               <a:extLst>
                 <a:ext uri="{FF2B5EF4-FFF2-40B4-BE49-F238E27FC236}">
-                  <a16:creationId xmlns:p14="http://schemas.microsoft.com/office/powerpoint/2010/main" xmlns:a16="http://schemas.microsoft.com/office/drawing/2014/main" xmlns="" id="{17F7742C-0E9E-453F-BF74-0A1870F594D9}"/>
+                  <a16:creationId xmlns:a16="http://schemas.microsoft.com/office/drawing/2014/main" id="{17F7742C-0E9E-453F-BF74-0A1870F594D9}"/>
                 </a:ext>
               </a:extLst>
             </p:cNvPr>
@@ -2475,7 +2487,7 @@
             <p:cNvPr id="32" name="íṣlídé">
               <a:extLst>
                 <a:ext uri="{FF2B5EF4-FFF2-40B4-BE49-F238E27FC236}">
-                  <a16:creationId xmlns:p14="http://schemas.microsoft.com/office/powerpoint/2010/main" xmlns:a16="http://schemas.microsoft.com/office/drawing/2014/main" xmlns="" id="{3B98F7CF-64A1-4A5B-B8EC-9178705C9901}"/>
+                  <a16:creationId xmlns:a16="http://schemas.microsoft.com/office/drawing/2014/main" id="{3B98F7CF-64A1-4A5B-B8EC-9178705C9901}"/>
                 </a:ext>
               </a:extLst>
             </p:cNvPr>
@@ -2537,7 +2549,7 @@
             <p:cNvPr id="33" name="ï$ľïḍé">
               <a:extLst>
                 <a:ext uri="{FF2B5EF4-FFF2-40B4-BE49-F238E27FC236}">
-                  <a16:creationId xmlns:p14="http://schemas.microsoft.com/office/powerpoint/2010/main" xmlns:a16="http://schemas.microsoft.com/office/drawing/2014/main" xmlns="" id="{8EB33BF9-35EF-4068-A574-8FBC5EEAC895}"/>
+                  <a16:creationId xmlns:a16="http://schemas.microsoft.com/office/drawing/2014/main" id="{8EB33BF9-35EF-4068-A574-8FBC5EEAC895}"/>
                 </a:ext>
               </a:extLst>
             </p:cNvPr>
@@ -2599,7 +2611,7 @@
             <p:cNvPr id="34" name="ï$1îḑé">
               <a:extLst>
                 <a:ext uri="{FF2B5EF4-FFF2-40B4-BE49-F238E27FC236}">
-                  <a16:creationId xmlns:p14="http://schemas.microsoft.com/office/powerpoint/2010/main" xmlns:a16="http://schemas.microsoft.com/office/drawing/2014/main" xmlns="" id="{66235EE7-FC71-4720-94D6-AE9E5A6E3B32}"/>
+                  <a16:creationId xmlns:a16="http://schemas.microsoft.com/office/drawing/2014/main" id="{66235EE7-FC71-4720-94D6-AE9E5A6E3B32}"/>
                 </a:ext>
               </a:extLst>
             </p:cNvPr>
@@ -2661,7 +2673,7 @@
             <p:cNvPr id="35" name="íşļiḓê">
               <a:extLst>
                 <a:ext uri="{FF2B5EF4-FFF2-40B4-BE49-F238E27FC236}">
-                  <a16:creationId xmlns:p14="http://schemas.microsoft.com/office/powerpoint/2010/main" xmlns:a16="http://schemas.microsoft.com/office/drawing/2014/main" xmlns="" id="{464E50F4-2AD9-4646-95B0-C615F448F8D7}"/>
+                  <a16:creationId xmlns:a16="http://schemas.microsoft.com/office/drawing/2014/main" id="{464E50F4-2AD9-4646-95B0-C615F448F8D7}"/>
                 </a:ext>
               </a:extLst>
             </p:cNvPr>
@@ -2723,7 +2735,7 @@
             <p:cNvPr id="36" name="iSliḍé">
               <a:extLst>
                 <a:ext uri="{FF2B5EF4-FFF2-40B4-BE49-F238E27FC236}">
-                  <a16:creationId xmlns:p14="http://schemas.microsoft.com/office/powerpoint/2010/main" xmlns:a16="http://schemas.microsoft.com/office/drawing/2014/main" xmlns="" id="{08FD15B7-89FA-4BA0-832E-9B9D9FF852D5}"/>
+                  <a16:creationId xmlns:a16="http://schemas.microsoft.com/office/drawing/2014/main" id="{08FD15B7-89FA-4BA0-832E-9B9D9FF852D5}"/>
                 </a:ext>
               </a:extLst>
             </p:cNvPr>
@@ -2785,7 +2797,7 @@
             <p:cNvPr id="37" name="îşļïde">
               <a:extLst>
                 <a:ext uri="{FF2B5EF4-FFF2-40B4-BE49-F238E27FC236}">
-                  <a16:creationId xmlns:p14="http://schemas.microsoft.com/office/powerpoint/2010/main" xmlns:a16="http://schemas.microsoft.com/office/drawing/2014/main" xmlns="" id="{4DACA41F-DADA-4149-8933-31488F26C8AD}"/>
+                  <a16:creationId xmlns:a16="http://schemas.microsoft.com/office/drawing/2014/main" id="{4DACA41F-DADA-4149-8933-31488F26C8AD}"/>
                 </a:ext>
               </a:extLst>
             </p:cNvPr>
@@ -2847,7 +2859,7 @@
             <p:cNvPr id="38" name="ï$ḻídè">
               <a:extLst>
                 <a:ext uri="{FF2B5EF4-FFF2-40B4-BE49-F238E27FC236}">
-                  <a16:creationId xmlns:p14="http://schemas.microsoft.com/office/powerpoint/2010/main" xmlns:a16="http://schemas.microsoft.com/office/drawing/2014/main" xmlns="" id="{C28E4710-C2A1-4505-AD75-E91E319AE73A}"/>
+                  <a16:creationId xmlns:a16="http://schemas.microsoft.com/office/drawing/2014/main" id="{C28E4710-C2A1-4505-AD75-E91E319AE73A}"/>
                 </a:ext>
               </a:extLst>
             </p:cNvPr>
@@ -2943,7 +2955,7 @@
             <p:cNvPr id="39" name="ísľíḑe">
               <a:extLst>
                 <a:ext uri="{FF2B5EF4-FFF2-40B4-BE49-F238E27FC236}">
-                  <a16:creationId xmlns:p14="http://schemas.microsoft.com/office/powerpoint/2010/main" xmlns:a16="http://schemas.microsoft.com/office/drawing/2014/main" xmlns="" id="{C323CC97-7CC7-4FA5-A665-16F8A2FDB29A}"/>
+                  <a16:creationId xmlns:a16="http://schemas.microsoft.com/office/drawing/2014/main" id="{C323CC97-7CC7-4FA5-A665-16F8A2FDB29A}"/>
                 </a:ext>
               </a:extLst>
             </p:cNvPr>
@@ -3008,7 +3020,7 @@
             <p:cNvPr id="40" name="íṩlîḑè">
               <a:extLst>
                 <a:ext uri="{FF2B5EF4-FFF2-40B4-BE49-F238E27FC236}">
-                  <a16:creationId xmlns:p14="http://schemas.microsoft.com/office/powerpoint/2010/main" xmlns:a16="http://schemas.microsoft.com/office/drawing/2014/main" xmlns="" id="{26A96D82-53D7-454D-B8F0-08C85B54A508}"/>
+                  <a16:creationId xmlns:a16="http://schemas.microsoft.com/office/drawing/2014/main" id="{26A96D82-53D7-454D-B8F0-08C85B54A508}"/>
                 </a:ext>
               </a:extLst>
             </p:cNvPr>
@@ -3148,7 +3160,7 @@
             <p:cNvPr id="41" name="iṡḻídê">
               <a:extLst>
                 <a:ext uri="{FF2B5EF4-FFF2-40B4-BE49-F238E27FC236}">
-                  <a16:creationId xmlns:p14="http://schemas.microsoft.com/office/powerpoint/2010/main" xmlns:a16="http://schemas.microsoft.com/office/drawing/2014/main" xmlns="" id="{00A55C22-40A5-4BCE-AB5C-0DBD7B43CF15}"/>
+                  <a16:creationId xmlns:a16="http://schemas.microsoft.com/office/drawing/2014/main" id="{00A55C22-40A5-4BCE-AB5C-0DBD7B43CF15}"/>
                 </a:ext>
               </a:extLst>
             </p:cNvPr>
@@ -3210,7 +3222,7 @@
             <p:cNvPr id="42" name="íŝḷîḋè">
               <a:extLst>
                 <a:ext uri="{FF2B5EF4-FFF2-40B4-BE49-F238E27FC236}">
-                  <a16:creationId xmlns:p14="http://schemas.microsoft.com/office/powerpoint/2010/main" xmlns:a16="http://schemas.microsoft.com/office/drawing/2014/main" xmlns="" id="{1E7E1B5A-4BA7-4930-AB12-641C32CB9B5D}"/>
+                  <a16:creationId xmlns:a16="http://schemas.microsoft.com/office/drawing/2014/main" id="{1E7E1B5A-4BA7-4930-AB12-641C32CB9B5D}"/>
                 </a:ext>
               </a:extLst>
             </p:cNvPr>
@@ -3272,7 +3284,7 @@
             <p:cNvPr id="43" name="işliḓè">
               <a:extLst>
                 <a:ext uri="{FF2B5EF4-FFF2-40B4-BE49-F238E27FC236}">
-                  <a16:creationId xmlns:p14="http://schemas.microsoft.com/office/powerpoint/2010/main" xmlns:a16="http://schemas.microsoft.com/office/drawing/2014/main" xmlns="" id="{463C39C0-BA97-46C8-947C-6A6BB4E7C9D1}"/>
+                  <a16:creationId xmlns:a16="http://schemas.microsoft.com/office/drawing/2014/main" id="{463C39C0-BA97-46C8-947C-6A6BB4E7C9D1}"/>
                 </a:ext>
               </a:extLst>
             </p:cNvPr>
@@ -3334,7 +3346,7 @@
             <p:cNvPr id="44" name="îsḻiḑé">
               <a:extLst>
                 <a:ext uri="{FF2B5EF4-FFF2-40B4-BE49-F238E27FC236}">
-                  <a16:creationId xmlns:p14="http://schemas.microsoft.com/office/powerpoint/2010/main" xmlns:a16="http://schemas.microsoft.com/office/drawing/2014/main" xmlns="" id="{DF04E304-5F07-4415-828B-0989704C8FE6}"/>
+                  <a16:creationId xmlns:a16="http://schemas.microsoft.com/office/drawing/2014/main" id="{DF04E304-5F07-4415-828B-0989704C8FE6}"/>
                 </a:ext>
               </a:extLst>
             </p:cNvPr>
@@ -3396,7 +3408,7 @@
             <p:cNvPr id="45" name="íṧľiḓê">
               <a:extLst>
                 <a:ext uri="{FF2B5EF4-FFF2-40B4-BE49-F238E27FC236}">
-                  <a16:creationId xmlns:p14="http://schemas.microsoft.com/office/powerpoint/2010/main" xmlns:a16="http://schemas.microsoft.com/office/drawing/2014/main" xmlns="" id="{9DE34A69-BC75-47AD-8DE0-15FDFEF5D179}"/>
+                  <a16:creationId xmlns:a16="http://schemas.microsoft.com/office/drawing/2014/main" id="{9DE34A69-BC75-47AD-8DE0-15FDFEF5D179}"/>
                 </a:ext>
               </a:extLst>
             </p:cNvPr>
@@ -3458,7 +3470,7 @@
             <p:cNvPr id="46" name="íSlíďé">
               <a:extLst>
                 <a:ext uri="{FF2B5EF4-FFF2-40B4-BE49-F238E27FC236}">
-                  <a16:creationId xmlns:p14="http://schemas.microsoft.com/office/powerpoint/2010/main" xmlns:a16="http://schemas.microsoft.com/office/drawing/2014/main" xmlns="" id="{F19E1891-22A9-4238-9A0E-D54742EB9A67}"/>
+                  <a16:creationId xmlns:a16="http://schemas.microsoft.com/office/drawing/2014/main" id="{F19E1891-22A9-4238-9A0E-D54742EB9A67}"/>
                 </a:ext>
               </a:extLst>
             </p:cNvPr>
@@ -3520,7 +3532,7 @@
             <p:cNvPr id="47" name="iś1ïdè">
               <a:extLst>
                 <a:ext uri="{FF2B5EF4-FFF2-40B4-BE49-F238E27FC236}">
-                  <a16:creationId xmlns:p14="http://schemas.microsoft.com/office/powerpoint/2010/main" xmlns:a16="http://schemas.microsoft.com/office/drawing/2014/main" xmlns="" id="{26F87FC7-C5C8-4289-A0E2-8F0511BE4D0F}"/>
+                  <a16:creationId xmlns:a16="http://schemas.microsoft.com/office/drawing/2014/main" id="{26F87FC7-C5C8-4289-A0E2-8F0511BE4D0F}"/>
                 </a:ext>
               </a:extLst>
             </p:cNvPr>
@@ -3582,7 +3594,7 @@
             <p:cNvPr id="48" name="îŝḷïḍé">
               <a:extLst>
                 <a:ext uri="{FF2B5EF4-FFF2-40B4-BE49-F238E27FC236}">
-                  <a16:creationId xmlns:p14="http://schemas.microsoft.com/office/powerpoint/2010/main" xmlns:a16="http://schemas.microsoft.com/office/drawing/2014/main" xmlns="" id="{AF3C94AB-652D-4CCA-BFC8-3BC7A5181E1F}"/>
+                  <a16:creationId xmlns:a16="http://schemas.microsoft.com/office/drawing/2014/main" id="{AF3C94AB-652D-4CCA-BFC8-3BC7A5181E1F}"/>
                 </a:ext>
               </a:extLst>
             </p:cNvPr>
@@ -3653,7 +3665,7 @@
             <p:cNvPr id="49" name="ïśļïďé">
               <a:extLst>
                 <a:ext uri="{FF2B5EF4-FFF2-40B4-BE49-F238E27FC236}">
-                  <a16:creationId xmlns:p14="http://schemas.microsoft.com/office/powerpoint/2010/main" xmlns:a16="http://schemas.microsoft.com/office/drawing/2014/main" xmlns="" id="{10BC1FCD-F8F1-411F-8B4C-46E128380494}"/>
+                  <a16:creationId xmlns:a16="http://schemas.microsoft.com/office/drawing/2014/main" id="{10BC1FCD-F8F1-411F-8B4C-46E128380494}"/>
                 </a:ext>
               </a:extLst>
             </p:cNvPr>
@@ -3724,7 +3736,7 @@
             <p:cNvPr id="50" name="íṧḷídè">
               <a:extLst>
                 <a:ext uri="{FF2B5EF4-FFF2-40B4-BE49-F238E27FC236}">
-                  <a16:creationId xmlns:p14="http://schemas.microsoft.com/office/powerpoint/2010/main" xmlns:a16="http://schemas.microsoft.com/office/drawing/2014/main" xmlns="" id="{D6954D73-841B-4674-94DA-57899B5C83FA}"/>
+                  <a16:creationId xmlns:a16="http://schemas.microsoft.com/office/drawing/2014/main" id="{D6954D73-841B-4674-94DA-57899B5C83FA}"/>
                 </a:ext>
               </a:extLst>
             </p:cNvPr>
@@ -4195,7 +4207,7 @@
           <p:cNvPr id="3" name="组合 2">
             <a:extLst>
               <a:ext uri="{FF2B5EF4-FFF2-40B4-BE49-F238E27FC236}">
-                <a16:creationId xmlns:p14="http://schemas.microsoft.com/office/powerpoint/2010/main" xmlns:a16="http://schemas.microsoft.com/office/drawing/2014/main" xmlns="" id="{C629003E-14DA-4608-82C8-F702B03C8C62}"/>
+                <a16:creationId xmlns:a16="http://schemas.microsoft.com/office/drawing/2014/main" id="{C629003E-14DA-4608-82C8-F702B03C8C62}"/>
               </a:ext>
             </a:extLst>
           </p:cNvPr>
@@ -4221,7 +4233,7 @@
             <p:cNvPr id="34" name="iSliḓê">
               <a:extLst>
                 <a:ext uri="{FF2B5EF4-FFF2-40B4-BE49-F238E27FC236}">
-                  <a16:creationId xmlns:p14="http://schemas.microsoft.com/office/powerpoint/2010/main" xmlns:a16="http://schemas.microsoft.com/office/drawing/2014/main" xmlns="" id="{80A47D5A-673E-4EDC-8FB1-C2A2486C802A}"/>
+                  <a16:creationId xmlns:a16="http://schemas.microsoft.com/office/drawing/2014/main" id="{80A47D5A-673E-4EDC-8FB1-C2A2486C802A}"/>
                 </a:ext>
               </a:extLst>
             </p:cNvPr>
@@ -4359,7 +4371,7 @@
             <p:cNvPr id="38" name="ïṣlîḓê">
               <a:extLst>
                 <a:ext uri="{FF2B5EF4-FFF2-40B4-BE49-F238E27FC236}">
-                  <a16:creationId xmlns:p14="http://schemas.microsoft.com/office/powerpoint/2010/main" xmlns:a16="http://schemas.microsoft.com/office/drawing/2014/main" xmlns="" id="{DCD89878-3878-44CD-816E-D1DB497D642B}"/>
+                  <a16:creationId xmlns:a16="http://schemas.microsoft.com/office/drawing/2014/main" id="{DCD89878-3878-44CD-816E-D1DB497D642B}"/>
                 </a:ext>
               </a:extLst>
             </p:cNvPr>
@@ -4425,7 +4437,7 @@
             <p:cNvPr id="39" name="îṧḻiďê">
               <a:extLst>
                 <a:ext uri="{FF2B5EF4-FFF2-40B4-BE49-F238E27FC236}">
-                  <a16:creationId xmlns:p14="http://schemas.microsoft.com/office/powerpoint/2010/main" xmlns:a16="http://schemas.microsoft.com/office/drawing/2014/main" xmlns="" id="{927A350C-74E8-4289-AD50-D152B2F20760}"/>
+                  <a16:creationId xmlns:a16="http://schemas.microsoft.com/office/drawing/2014/main" id="{927A350C-74E8-4289-AD50-D152B2F20760}"/>
                 </a:ext>
               </a:extLst>
             </p:cNvPr>
@@ -4491,7 +4503,7 @@
             <p:cNvPr id="40" name="îsļiďé">
               <a:extLst>
                 <a:ext uri="{FF2B5EF4-FFF2-40B4-BE49-F238E27FC236}">
-                  <a16:creationId xmlns:p14="http://schemas.microsoft.com/office/powerpoint/2010/main" xmlns:a16="http://schemas.microsoft.com/office/drawing/2014/main" xmlns="" id="{FA1565F5-351B-46F7-94BA-8DE2B624E1D4}"/>
+                  <a16:creationId xmlns:a16="http://schemas.microsoft.com/office/drawing/2014/main" id="{FA1565F5-351B-46F7-94BA-8DE2B624E1D4}"/>
                 </a:ext>
               </a:extLst>
             </p:cNvPr>
@@ -4557,7 +4569,7 @@
             <p:cNvPr id="41" name="ísľîḑê">
               <a:extLst>
                 <a:ext uri="{FF2B5EF4-FFF2-40B4-BE49-F238E27FC236}">
-                  <a16:creationId xmlns:p14="http://schemas.microsoft.com/office/powerpoint/2010/main" xmlns:a16="http://schemas.microsoft.com/office/drawing/2014/main" xmlns="" id="{F46A0CCC-6110-407E-8E6D-A1E655B7B10A}"/>
+                  <a16:creationId xmlns:a16="http://schemas.microsoft.com/office/drawing/2014/main" id="{F46A0CCC-6110-407E-8E6D-A1E655B7B10A}"/>
                 </a:ext>
               </a:extLst>
             </p:cNvPr>
@@ -4623,7 +4635,7 @@
             <p:cNvPr id="42" name="iṥlïďé">
               <a:extLst>
                 <a:ext uri="{FF2B5EF4-FFF2-40B4-BE49-F238E27FC236}">
-                  <a16:creationId xmlns:p14="http://schemas.microsoft.com/office/powerpoint/2010/main" xmlns:a16="http://schemas.microsoft.com/office/drawing/2014/main" xmlns="" id="{D83D0A40-C194-4C9B-8119-3AA087712412}"/>
+                  <a16:creationId xmlns:a16="http://schemas.microsoft.com/office/drawing/2014/main" id="{D83D0A40-C194-4C9B-8119-3AA087712412}"/>
                 </a:ext>
               </a:extLst>
             </p:cNvPr>
@@ -4694,7 +4706,7 @@
             <p:cNvPr id="43" name="îşḷiḍè">
               <a:extLst>
                 <a:ext uri="{FF2B5EF4-FFF2-40B4-BE49-F238E27FC236}">
-                  <a16:creationId xmlns:p14="http://schemas.microsoft.com/office/powerpoint/2010/main" xmlns:a16="http://schemas.microsoft.com/office/drawing/2014/main" xmlns="" id="{DE854E02-9D47-4D10-A040-E952102AC62D}"/>
+                  <a16:creationId xmlns:a16="http://schemas.microsoft.com/office/drawing/2014/main" id="{DE854E02-9D47-4D10-A040-E952102AC62D}"/>
                 </a:ext>
               </a:extLst>
             </p:cNvPr>
@@ -4796,7 +4808,7 @@
           <p:cNvPr id="3" name="日期占位符 2">
             <a:extLst>
               <a:ext uri="{FF2B5EF4-FFF2-40B4-BE49-F238E27FC236}">
-                <a16:creationId xmlns:p14="http://schemas.microsoft.com/office/powerpoint/2010/main" xmlns:a16="http://schemas.microsoft.com/office/drawing/2014/main" xmlns="" id="{9888B6D7-9D3F-49D7-BACE-73A9D1149A74}"/>
+                <a16:creationId xmlns:a16="http://schemas.microsoft.com/office/drawing/2014/main" id="{9888B6D7-9D3F-49D7-BACE-73A9D1149A74}"/>
               </a:ext>
             </a:extLst>
           </p:cNvPr>
@@ -4821,7 +4833,7 @@
           <p:cNvPr id="4" name="页脚占位符 3">
             <a:extLst>
               <a:ext uri="{FF2B5EF4-FFF2-40B4-BE49-F238E27FC236}">
-                <a16:creationId xmlns:p14="http://schemas.microsoft.com/office/powerpoint/2010/main" xmlns:a16="http://schemas.microsoft.com/office/drawing/2014/main" xmlns="" id="{7AC997A4-1DD8-4731-B9FD-42398A20FF85}"/>
+                <a16:creationId xmlns:a16="http://schemas.microsoft.com/office/drawing/2014/main" id="{7AC997A4-1DD8-4731-B9FD-42398A20FF85}"/>
               </a:ext>
             </a:extLst>
           </p:cNvPr>
@@ -4858,7 +4870,7 @@
           <p:cNvPr id="5" name="灯片编号占位符 4">
             <a:extLst>
               <a:ext uri="{FF2B5EF4-FFF2-40B4-BE49-F238E27FC236}">
-                <a16:creationId xmlns:p14="http://schemas.microsoft.com/office/powerpoint/2010/main" xmlns:a16="http://schemas.microsoft.com/office/drawing/2014/main" xmlns="" id="{DBA9825E-1876-42AD-ABCF-E0E100F351CA}"/>
+                <a16:creationId xmlns:a16="http://schemas.microsoft.com/office/drawing/2014/main" id="{DBA9825E-1876-42AD-ABCF-E0E100F351CA}"/>
               </a:ext>
             </a:extLst>
           </p:cNvPr>
@@ -4888,7 +4900,7 @@
           <p:cNvPr id="6" name="标题 5">
             <a:extLst>
               <a:ext uri="{FF2B5EF4-FFF2-40B4-BE49-F238E27FC236}">
-                <a16:creationId xmlns:p14="http://schemas.microsoft.com/office/powerpoint/2010/main" xmlns:a16="http://schemas.microsoft.com/office/drawing/2014/main" xmlns="" id="{D124F9DB-C87A-423F-9657-38C7A2901430}"/>
+                <a16:creationId xmlns:a16="http://schemas.microsoft.com/office/drawing/2014/main" id="{D124F9DB-C87A-423F-9657-38C7A2901430}"/>
               </a:ext>
             </a:extLst>
           </p:cNvPr>
@@ -4921,7 +4933,7 @@
           <p:cNvPr id="8" name="内容占位符 7">
             <a:extLst>
               <a:ext uri="{FF2B5EF4-FFF2-40B4-BE49-F238E27FC236}">
-                <a16:creationId xmlns:p14="http://schemas.microsoft.com/office/powerpoint/2010/main" xmlns:a16="http://schemas.microsoft.com/office/drawing/2014/main" xmlns="" id="{2070191C-4093-409C-8FD5-7369A79637AD}"/>
+                <a16:creationId xmlns:a16="http://schemas.microsoft.com/office/drawing/2014/main" id="{2070191C-4093-409C-8FD5-7369A79637AD}"/>
               </a:ext>
             </a:extLst>
           </p:cNvPr>
@@ -5030,7 +5042,7 @@
           <p:cNvPr id="2" name="标题 1">
             <a:extLst>
               <a:ext uri="{FF2B5EF4-FFF2-40B4-BE49-F238E27FC236}">
-                <a16:creationId xmlns="" xmlns:p14="http://schemas.microsoft.com/office/powerpoint/2010/main" xmlns:a16="http://schemas.microsoft.com/office/drawing/2014/main" id="{F21C7A1C-3684-4AAF-A408-C63B6CB64104}"/>
+                <a16:creationId xmlns:a16="http://schemas.microsoft.com/office/drawing/2014/main" id="{F21C7A1C-3684-4AAF-A408-C63B6CB64104}"/>
               </a:ext>
             </a:extLst>
           </p:cNvPr>
@@ -5063,7 +5075,7 @@
           <p:cNvPr id="3" name="日期占位符 2">
             <a:extLst>
               <a:ext uri="{FF2B5EF4-FFF2-40B4-BE49-F238E27FC236}">
-                <a16:creationId xmlns="" xmlns:p14="http://schemas.microsoft.com/office/powerpoint/2010/main" xmlns:a16="http://schemas.microsoft.com/office/drawing/2014/main" id="{8986EA5F-D77D-4318-90E9-C04AA8ADC0D1}"/>
+                <a16:creationId xmlns:a16="http://schemas.microsoft.com/office/drawing/2014/main" id="{8986EA5F-D77D-4318-90E9-C04AA8ADC0D1}"/>
               </a:ext>
             </a:extLst>
           </p:cNvPr>
@@ -5088,7 +5100,7 @@
           <p:cNvPr id="4" name="页脚占位符 3">
             <a:extLst>
               <a:ext uri="{FF2B5EF4-FFF2-40B4-BE49-F238E27FC236}">
-                <a16:creationId xmlns="" xmlns:p14="http://schemas.microsoft.com/office/powerpoint/2010/main" xmlns:a16="http://schemas.microsoft.com/office/drawing/2014/main" id="{00832621-D9D9-445E-BFF9-F8348FA1E262}"/>
+                <a16:creationId xmlns:a16="http://schemas.microsoft.com/office/drawing/2014/main" id="{00832621-D9D9-445E-BFF9-F8348FA1E262}"/>
               </a:ext>
             </a:extLst>
           </p:cNvPr>
@@ -5125,7 +5137,7 @@
           <p:cNvPr id="5" name="灯片编号占位符 4">
             <a:extLst>
               <a:ext uri="{FF2B5EF4-FFF2-40B4-BE49-F238E27FC236}">
-                <a16:creationId xmlns="" xmlns:p14="http://schemas.microsoft.com/office/powerpoint/2010/main" xmlns:a16="http://schemas.microsoft.com/office/drawing/2014/main" id="{8371151B-F790-4A9F-962F-B8718A9560A9}"/>
+                <a16:creationId xmlns:a16="http://schemas.microsoft.com/office/drawing/2014/main" id="{8371151B-F790-4A9F-962F-B8718A9560A9}"/>
               </a:ext>
             </a:extLst>
           </p:cNvPr>
@@ -5321,7 +5333,7 @@
           <p:cNvPr id="6" name="文本占位符 5">
             <a:extLst>
               <a:ext uri="{FF2B5EF4-FFF2-40B4-BE49-F238E27FC236}">
-                <a16:creationId xmlns:p14="http://schemas.microsoft.com/office/powerpoint/2010/main" xmlns:a16="http://schemas.microsoft.com/office/drawing/2014/main" xmlns="" id="{05EBDA4F-7210-4CAE-8333-80DB24212E78}"/>
+                <a16:creationId xmlns:a16="http://schemas.microsoft.com/office/drawing/2014/main" id="{05EBDA4F-7210-4CAE-8333-80DB24212E78}"/>
               </a:ext>
             </a:extLst>
           </p:cNvPr>
@@ -5382,7 +5394,7 @@
           <p:cNvPr id="7" name="组合 6">
             <a:extLst>
               <a:ext uri="{FF2B5EF4-FFF2-40B4-BE49-F238E27FC236}">
-                <a16:creationId xmlns:p14="http://schemas.microsoft.com/office/powerpoint/2010/main" xmlns:a16="http://schemas.microsoft.com/office/drawing/2014/main" xmlns="" id="{5B77603F-656A-4E2F-9228-E30568A2F1D6}"/>
+                <a16:creationId xmlns:a16="http://schemas.microsoft.com/office/drawing/2014/main" id="{5B77603F-656A-4E2F-9228-E30568A2F1D6}"/>
               </a:ext>
             </a:extLst>
           </p:cNvPr>
@@ -5402,7 +5414,7 @@
             <p:cNvPr id="8" name="îSḻïḍè">
               <a:extLst>
                 <a:ext uri="{FF2B5EF4-FFF2-40B4-BE49-F238E27FC236}">
-                  <a16:creationId xmlns:p14="http://schemas.microsoft.com/office/powerpoint/2010/main" xmlns:a16="http://schemas.microsoft.com/office/drawing/2014/main" xmlns="" id="{61BDFEB9-90AA-43E9-A12B-EFFF9287F99D}"/>
+                  <a16:creationId xmlns:a16="http://schemas.microsoft.com/office/drawing/2014/main" id="{61BDFEB9-90AA-43E9-A12B-EFFF9287F99D}"/>
                 </a:ext>
               </a:extLst>
             </p:cNvPr>
@@ -5486,7 +5498,7 @@
             <p:cNvPr id="9" name="iṧ1îďè">
               <a:extLst>
                 <a:ext uri="{FF2B5EF4-FFF2-40B4-BE49-F238E27FC236}">
-                  <a16:creationId xmlns:p14="http://schemas.microsoft.com/office/powerpoint/2010/main" xmlns:a16="http://schemas.microsoft.com/office/drawing/2014/main" xmlns="" id="{D6E33435-E28A-463E-9EC6-4FEF1432AC96}"/>
+                  <a16:creationId xmlns:a16="http://schemas.microsoft.com/office/drawing/2014/main" id="{D6E33435-E28A-463E-9EC6-4FEF1432AC96}"/>
                 </a:ext>
               </a:extLst>
             </p:cNvPr>
@@ -5579,7 +5591,7 @@
             <p:cNvPr id="10" name="íŝ1îḑê">
               <a:extLst>
                 <a:ext uri="{FF2B5EF4-FFF2-40B4-BE49-F238E27FC236}">
-                  <a16:creationId xmlns:p14="http://schemas.microsoft.com/office/powerpoint/2010/main" xmlns:a16="http://schemas.microsoft.com/office/drawing/2014/main" xmlns="" id="{9304A826-F780-4CF2-AEA1-5EB7122B87CE}"/>
+                  <a16:creationId xmlns:a16="http://schemas.microsoft.com/office/drawing/2014/main" id="{9304A826-F780-4CF2-AEA1-5EB7122B87CE}"/>
                 </a:ext>
               </a:extLst>
             </p:cNvPr>
@@ -5664,7 +5676,7 @@
             <p:cNvPr id="11" name="îṩľîḋè">
               <a:extLst>
                 <a:ext uri="{FF2B5EF4-FFF2-40B4-BE49-F238E27FC236}">
-                  <a16:creationId xmlns:p14="http://schemas.microsoft.com/office/powerpoint/2010/main" xmlns:a16="http://schemas.microsoft.com/office/drawing/2014/main" xmlns="" id="{276A2E36-748D-419C-9EE2-5DF2A51BE0C6}"/>
+                  <a16:creationId xmlns:a16="http://schemas.microsoft.com/office/drawing/2014/main" id="{276A2E36-748D-419C-9EE2-5DF2A51BE0C6}"/>
                 </a:ext>
               </a:extLst>
             </p:cNvPr>
@@ -5749,7 +5761,7 @@
             <p:cNvPr id="12" name="íṡ1ïḓe">
               <a:extLst>
                 <a:ext uri="{FF2B5EF4-FFF2-40B4-BE49-F238E27FC236}">
-                  <a16:creationId xmlns:p14="http://schemas.microsoft.com/office/powerpoint/2010/main" xmlns:a16="http://schemas.microsoft.com/office/drawing/2014/main" xmlns="" id="{20A4A09F-DE16-4168-819D-7F31D973EC1A}"/>
+                  <a16:creationId xmlns:a16="http://schemas.microsoft.com/office/drawing/2014/main" id="{20A4A09F-DE16-4168-819D-7F31D973EC1A}"/>
                 </a:ext>
               </a:extLst>
             </p:cNvPr>
@@ -5814,7 +5826,7 @@
             <p:cNvPr id="14" name="ïŝlîḍê">
               <a:extLst>
                 <a:ext uri="{FF2B5EF4-FFF2-40B4-BE49-F238E27FC236}">
-                  <a16:creationId xmlns:p14="http://schemas.microsoft.com/office/powerpoint/2010/main" xmlns:a16="http://schemas.microsoft.com/office/drawing/2014/main" xmlns="" id="{F8657E4E-B533-4A5A-9F5F-E5BE8ACB5AD2}"/>
+                  <a16:creationId xmlns:a16="http://schemas.microsoft.com/office/drawing/2014/main" id="{F8657E4E-B533-4A5A-9F5F-E5BE8ACB5AD2}"/>
                 </a:ext>
               </a:extLst>
             </p:cNvPr>
@@ -5879,7 +5891,7 @@
             <p:cNvPr id="16" name="íṧlîḓé">
               <a:extLst>
                 <a:ext uri="{FF2B5EF4-FFF2-40B4-BE49-F238E27FC236}">
-                  <a16:creationId xmlns:p14="http://schemas.microsoft.com/office/powerpoint/2010/main" xmlns:a16="http://schemas.microsoft.com/office/drawing/2014/main" xmlns="" id="{FD71861F-C75F-4733-AFC9-3907B077276A}"/>
+                  <a16:creationId xmlns:a16="http://schemas.microsoft.com/office/drawing/2014/main" id="{FD71861F-C75F-4733-AFC9-3907B077276A}"/>
                 </a:ext>
               </a:extLst>
             </p:cNvPr>
@@ -5974,7 +5986,7 @@
             <p:cNvPr id="17" name="îṡľiḑè">
               <a:extLst>
                 <a:ext uri="{FF2B5EF4-FFF2-40B4-BE49-F238E27FC236}">
-                  <a16:creationId xmlns:p14="http://schemas.microsoft.com/office/powerpoint/2010/main" xmlns:a16="http://schemas.microsoft.com/office/drawing/2014/main" xmlns="" id="{C5F246DD-0425-467A-8E23-DF1922ED4240}"/>
+                  <a16:creationId xmlns:a16="http://schemas.microsoft.com/office/drawing/2014/main" id="{C5F246DD-0425-467A-8E23-DF1922ED4240}"/>
                 </a:ext>
               </a:extLst>
             </p:cNvPr>
@@ -6049,7 +6061,7 @@
             <p:cNvPr id="18" name="íš1ïḑé">
               <a:extLst>
                 <a:ext uri="{FF2B5EF4-FFF2-40B4-BE49-F238E27FC236}">
-                  <a16:creationId xmlns:p14="http://schemas.microsoft.com/office/powerpoint/2010/main" xmlns:a16="http://schemas.microsoft.com/office/drawing/2014/main" xmlns="" id="{EB196468-BCAE-4BF5-B491-B37AF459C2E0}"/>
+                  <a16:creationId xmlns:a16="http://schemas.microsoft.com/office/drawing/2014/main" id="{EB196468-BCAE-4BF5-B491-B37AF459C2E0}"/>
                 </a:ext>
               </a:extLst>
             </p:cNvPr>
@@ -6124,7 +6136,7 @@
             <p:cNvPr id="19" name="ïṧḷîḍe">
               <a:extLst>
                 <a:ext uri="{FF2B5EF4-FFF2-40B4-BE49-F238E27FC236}">
-                  <a16:creationId xmlns:p14="http://schemas.microsoft.com/office/powerpoint/2010/main" xmlns:a16="http://schemas.microsoft.com/office/drawing/2014/main" xmlns="" id="{9A980BB4-0B9C-4CE7-B965-86D1DCCFF04C}"/>
+                  <a16:creationId xmlns:a16="http://schemas.microsoft.com/office/drawing/2014/main" id="{9A980BB4-0B9C-4CE7-B965-86D1DCCFF04C}"/>
                 </a:ext>
               </a:extLst>
             </p:cNvPr>
@@ -6199,7 +6211,7 @@
             <p:cNvPr id="20" name="iṡḻïḑe">
               <a:extLst>
                 <a:ext uri="{FF2B5EF4-FFF2-40B4-BE49-F238E27FC236}">
-                  <a16:creationId xmlns:p14="http://schemas.microsoft.com/office/powerpoint/2010/main" xmlns:a16="http://schemas.microsoft.com/office/drawing/2014/main" xmlns="" id="{D932A797-F983-471B-BFA8-F7F77258FAF6}"/>
+                  <a16:creationId xmlns:a16="http://schemas.microsoft.com/office/drawing/2014/main" id="{D932A797-F983-471B-BFA8-F7F77258FAF6}"/>
                 </a:ext>
               </a:extLst>
             </p:cNvPr>
@@ -6264,7 +6276,7 @@
             <p:cNvPr id="21" name="iṣliḋê">
               <a:extLst>
                 <a:ext uri="{FF2B5EF4-FFF2-40B4-BE49-F238E27FC236}">
-                  <a16:creationId xmlns:p14="http://schemas.microsoft.com/office/powerpoint/2010/main" xmlns:a16="http://schemas.microsoft.com/office/drawing/2014/main" xmlns="" id="{14E4C1FF-2C4A-414E-B7C1-76FC09803579}"/>
+                  <a16:creationId xmlns:a16="http://schemas.microsoft.com/office/drawing/2014/main" id="{14E4C1FF-2C4A-414E-B7C1-76FC09803579}"/>
                 </a:ext>
               </a:extLst>
             </p:cNvPr>
@@ -6329,7 +6341,7 @@
             <p:cNvPr id="22" name="îsḷïdê">
               <a:extLst>
                 <a:ext uri="{FF2B5EF4-FFF2-40B4-BE49-F238E27FC236}">
-                  <a16:creationId xmlns:p14="http://schemas.microsoft.com/office/powerpoint/2010/main" xmlns:a16="http://schemas.microsoft.com/office/drawing/2014/main" xmlns="" id="{22AC134A-B7EA-4D73-BF21-DE75251C3AB3}"/>
+                  <a16:creationId xmlns:a16="http://schemas.microsoft.com/office/drawing/2014/main" id="{22AC134A-B7EA-4D73-BF21-DE75251C3AB3}"/>
                 </a:ext>
               </a:extLst>
             </p:cNvPr>
@@ -6391,7 +6403,7 @@
             <p:cNvPr id="23" name="i$ḻïḍê">
               <a:extLst>
                 <a:ext uri="{FF2B5EF4-FFF2-40B4-BE49-F238E27FC236}">
-                  <a16:creationId xmlns:p14="http://schemas.microsoft.com/office/powerpoint/2010/main" xmlns:a16="http://schemas.microsoft.com/office/drawing/2014/main" xmlns="" id="{B2525ADC-09FA-43DB-8CDF-85CDAC67D7D6}"/>
+                  <a16:creationId xmlns:a16="http://schemas.microsoft.com/office/drawing/2014/main" id="{B2525ADC-09FA-43DB-8CDF-85CDAC67D7D6}"/>
                 </a:ext>
               </a:extLst>
             </p:cNvPr>
@@ -6453,7 +6465,7 @@
             <p:cNvPr id="24" name="iş1îďé">
               <a:extLst>
                 <a:ext uri="{FF2B5EF4-FFF2-40B4-BE49-F238E27FC236}">
-                  <a16:creationId xmlns:p14="http://schemas.microsoft.com/office/powerpoint/2010/main" xmlns:a16="http://schemas.microsoft.com/office/drawing/2014/main" xmlns="" id="{5797D739-E4EF-4020-8521-6BC146B06A4D}"/>
+                  <a16:creationId xmlns:a16="http://schemas.microsoft.com/office/drawing/2014/main" id="{5797D739-E4EF-4020-8521-6BC146B06A4D}"/>
                 </a:ext>
               </a:extLst>
             </p:cNvPr>
@@ -6515,7 +6527,7 @@
             <p:cNvPr id="25" name="iṧľiḍè">
               <a:extLst>
                 <a:ext uri="{FF2B5EF4-FFF2-40B4-BE49-F238E27FC236}">
-                  <a16:creationId xmlns:p14="http://schemas.microsoft.com/office/powerpoint/2010/main" xmlns:a16="http://schemas.microsoft.com/office/drawing/2014/main" xmlns="" id="{420139AB-8C14-45D0-B524-2B38E2B5CC4C}"/>
+                  <a16:creationId xmlns:a16="http://schemas.microsoft.com/office/drawing/2014/main" id="{420139AB-8C14-45D0-B524-2B38E2B5CC4C}"/>
                 </a:ext>
               </a:extLst>
             </p:cNvPr>
@@ -6577,7 +6589,7 @@
             <p:cNvPr id="26" name="îŝḷiďê">
               <a:extLst>
                 <a:ext uri="{FF2B5EF4-FFF2-40B4-BE49-F238E27FC236}">
-                  <a16:creationId xmlns:p14="http://schemas.microsoft.com/office/powerpoint/2010/main" xmlns:a16="http://schemas.microsoft.com/office/drawing/2014/main" xmlns="" id="{C2086326-1FF1-4885-9F22-89D180415FAD}"/>
+                  <a16:creationId xmlns:a16="http://schemas.microsoft.com/office/drawing/2014/main" id="{C2086326-1FF1-4885-9F22-89D180415FAD}"/>
                 </a:ext>
               </a:extLst>
             </p:cNvPr>
@@ -6673,7 +6685,7 @@
             <p:cNvPr id="27" name="ï$ḷiḍé">
               <a:extLst>
                 <a:ext uri="{FF2B5EF4-FFF2-40B4-BE49-F238E27FC236}">
-                  <a16:creationId xmlns:p14="http://schemas.microsoft.com/office/powerpoint/2010/main" xmlns:a16="http://schemas.microsoft.com/office/drawing/2014/main" xmlns="" id="{6DB36021-5313-40A9-920B-CBDED876EF45}"/>
+                  <a16:creationId xmlns:a16="http://schemas.microsoft.com/office/drawing/2014/main" id="{6DB36021-5313-40A9-920B-CBDED876EF45}"/>
                 </a:ext>
               </a:extLst>
             </p:cNvPr>
@@ -6735,7 +6747,7 @@
             <p:cNvPr id="28" name="ïşḷïḍe">
               <a:extLst>
                 <a:ext uri="{FF2B5EF4-FFF2-40B4-BE49-F238E27FC236}">
-                  <a16:creationId xmlns:p14="http://schemas.microsoft.com/office/powerpoint/2010/main" xmlns:a16="http://schemas.microsoft.com/office/drawing/2014/main" xmlns="" id="{6E199C5B-BAA8-49E4-BEB5-B476BF8BC2B1}"/>
+                  <a16:creationId xmlns:a16="http://schemas.microsoft.com/office/drawing/2014/main" id="{6E199C5B-BAA8-49E4-BEB5-B476BF8BC2B1}"/>
                 </a:ext>
               </a:extLst>
             </p:cNvPr>
@@ -6797,7 +6809,7 @@
             <p:cNvPr id="29" name="i$ḻïďé">
               <a:extLst>
                 <a:ext uri="{FF2B5EF4-FFF2-40B4-BE49-F238E27FC236}">
-                  <a16:creationId xmlns:p14="http://schemas.microsoft.com/office/powerpoint/2010/main" xmlns:a16="http://schemas.microsoft.com/office/drawing/2014/main" xmlns="" id="{6D1C2096-6C60-4112-830E-BF0A8DBC9AFC}"/>
+                  <a16:creationId xmlns:a16="http://schemas.microsoft.com/office/drawing/2014/main" id="{6D1C2096-6C60-4112-830E-BF0A8DBC9AFC}"/>
                 </a:ext>
               </a:extLst>
             </p:cNvPr>
@@ -6859,7 +6871,7 @@
             <p:cNvPr id="30" name="iṩḷîďè">
               <a:extLst>
                 <a:ext uri="{FF2B5EF4-FFF2-40B4-BE49-F238E27FC236}">
-                  <a16:creationId xmlns:p14="http://schemas.microsoft.com/office/powerpoint/2010/main" xmlns:a16="http://schemas.microsoft.com/office/drawing/2014/main" xmlns="" id="{8E2F55A0-1F8B-4DF8-9692-0E52FB38C449}"/>
+                  <a16:creationId xmlns:a16="http://schemas.microsoft.com/office/drawing/2014/main" id="{8E2F55A0-1F8B-4DF8-9692-0E52FB38C449}"/>
                 </a:ext>
               </a:extLst>
             </p:cNvPr>
@@ -6921,7 +6933,7 @@
             <p:cNvPr id="31" name="îśḷiḋè">
               <a:extLst>
                 <a:ext uri="{FF2B5EF4-FFF2-40B4-BE49-F238E27FC236}">
-                  <a16:creationId xmlns:p14="http://schemas.microsoft.com/office/powerpoint/2010/main" xmlns:a16="http://schemas.microsoft.com/office/drawing/2014/main" xmlns="" id="{FAEFDB25-C311-444C-8211-CA9D0D3E76C7}"/>
+                  <a16:creationId xmlns:a16="http://schemas.microsoft.com/office/drawing/2014/main" id="{FAEFDB25-C311-444C-8211-CA9D0D3E76C7}"/>
                 </a:ext>
               </a:extLst>
             </p:cNvPr>
@@ -6983,7 +6995,7 @@
             <p:cNvPr id="32" name="işlïďe">
               <a:extLst>
                 <a:ext uri="{FF2B5EF4-FFF2-40B4-BE49-F238E27FC236}">
-                  <a16:creationId xmlns:p14="http://schemas.microsoft.com/office/powerpoint/2010/main" xmlns:a16="http://schemas.microsoft.com/office/drawing/2014/main" xmlns="" id="{6F7FE01D-44F0-4E78-AA22-48B1A54F44A8}"/>
+                  <a16:creationId xmlns:a16="http://schemas.microsoft.com/office/drawing/2014/main" id="{6F7FE01D-44F0-4E78-AA22-48B1A54F44A8}"/>
                 </a:ext>
               </a:extLst>
             </p:cNvPr>
@@ -7045,7 +7057,7 @@
             <p:cNvPr id="33" name="iṧļîďê">
               <a:extLst>
                 <a:ext uri="{FF2B5EF4-FFF2-40B4-BE49-F238E27FC236}">
-                  <a16:creationId xmlns:p14="http://schemas.microsoft.com/office/powerpoint/2010/main" xmlns:a16="http://schemas.microsoft.com/office/drawing/2014/main" xmlns="" id="{E43ABFED-9DCE-4780-A17B-F275913025D6}"/>
+                  <a16:creationId xmlns:a16="http://schemas.microsoft.com/office/drawing/2014/main" id="{E43ABFED-9DCE-4780-A17B-F275913025D6}"/>
                 </a:ext>
               </a:extLst>
             </p:cNvPr>
@@ -7107,7 +7119,7 @@
             <p:cNvPr id="34" name="ïśľide">
               <a:extLst>
                 <a:ext uri="{FF2B5EF4-FFF2-40B4-BE49-F238E27FC236}">
-                  <a16:creationId xmlns:p14="http://schemas.microsoft.com/office/powerpoint/2010/main" xmlns:a16="http://schemas.microsoft.com/office/drawing/2014/main" xmlns="" id="{764B5643-59A7-4278-9C6C-C0772E988BD1}"/>
+                  <a16:creationId xmlns:a16="http://schemas.microsoft.com/office/drawing/2014/main" id="{764B5643-59A7-4278-9C6C-C0772E988BD1}"/>
                 </a:ext>
               </a:extLst>
             </p:cNvPr>
@@ -7169,7 +7181,7 @@
             <p:cNvPr id="35" name="îṣḷiďè">
               <a:extLst>
                 <a:ext uri="{FF2B5EF4-FFF2-40B4-BE49-F238E27FC236}">
-                  <a16:creationId xmlns:p14="http://schemas.microsoft.com/office/powerpoint/2010/main" xmlns:a16="http://schemas.microsoft.com/office/drawing/2014/main" xmlns="" id="{A35CCFB0-B280-422B-A372-F1E8A7B37BB7}"/>
+                  <a16:creationId xmlns:a16="http://schemas.microsoft.com/office/drawing/2014/main" id="{A35CCFB0-B280-422B-A372-F1E8A7B37BB7}"/>
                 </a:ext>
               </a:extLst>
             </p:cNvPr>
@@ -7265,7 +7277,7 @@
             <p:cNvPr id="36" name="i$líḓe">
               <a:extLst>
                 <a:ext uri="{FF2B5EF4-FFF2-40B4-BE49-F238E27FC236}">
-                  <a16:creationId xmlns:p14="http://schemas.microsoft.com/office/powerpoint/2010/main" xmlns:a16="http://schemas.microsoft.com/office/drawing/2014/main" xmlns="" id="{7F0DCF35-E893-4225-90D5-FBFE48B4C496}"/>
+                  <a16:creationId xmlns:a16="http://schemas.microsoft.com/office/drawing/2014/main" id="{7F0DCF35-E893-4225-90D5-FBFE48B4C496}"/>
                 </a:ext>
               </a:extLst>
             </p:cNvPr>
@@ -7330,7 +7342,7 @@
             <p:cNvPr id="37" name="ïṣḷíḓè">
               <a:extLst>
                 <a:ext uri="{FF2B5EF4-FFF2-40B4-BE49-F238E27FC236}">
-                  <a16:creationId xmlns:p14="http://schemas.microsoft.com/office/powerpoint/2010/main" xmlns:a16="http://schemas.microsoft.com/office/drawing/2014/main" xmlns="" id="{A4220D05-442F-428F-ACAE-0BDB7327EE45}"/>
+                  <a16:creationId xmlns:a16="http://schemas.microsoft.com/office/drawing/2014/main" id="{A4220D05-442F-428F-ACAE-0BDB7327EE45}"/>
                 </a:ext>
               </a:extLst>
             </p:cNvPr>
@@ -7470,7 +7482,7 @@
             <p:cNvPr id="38" name="ïślîḓe">
               <a:extLst>
                 <a:ext uri="{FF2B5EF4-FFF2-40B4-BE49-F238E27FC236}">
-                  <a16:creationId xmlns:p14="http://schemas.microsoft.com/office/powerpoint/2010/main" xmlns:a16="http://schemas.microsoft.com/office/drawing/2014/main" xmlns="" id="{CA00A810-C422-493F-8762-928602E1666F}"/>
+                  <a16:creationId xmlns:a16="http://schemas.microsoft.com/office/drawing/2014/main" id="{CA00A810-C422-493F-8762-928602E1666F}"/>
                 </a:ext>
               </a:extLst>
             </p:cNvPr>
@@ -7532,7 +7544,7 @@
             <p:cNvPr id="39" name="iṥļïďé">
               <a:extLst>
                 <a:ext uri="{FF2B5EF4-FFF2-40B4-BE49-F238E27FC236}">
-                  <a16:creationId xmlns:p14="http://schemas.microsoft.com/office/powerpoint/2010/main" xmlns:a16="http://schemas.microsoft.com/office/drawing/2014/main" xmlns="" id="{8731F971-066B-40AA-B136-58B67564B7ED}"/>
+                  <a16:creationId xmlns:a16="http://schemas.microsoft.com/office/drawing/2014/main" id="{8731F971-066B-40AA-B136-58B67564B7ED}"/>
                 </a:ext>
               </a:extLst>
             </p:cNvPr>
@@ -7594,7 +7606,7 @@
             <p:cNvPr id="40" name="iślíḓé">
               <a:extLst>
                 <a:ext uri="{FF2B5EF4-FFF2-40B4-BE49-F238E27FC236}">
-                  <a16:creationId xmlns:p14="http://schemas.microsoft.com/office/powerpoint/2010/main" xmlns:a16="http://schemas.microsoft.com/office/drawing/2014/main" xmlns="" id="{2AABD586-6310-40FF-82C3-735CEE851897}"/>
+                  <a16:creationId xmlns:a16="http://schemas.microsoft.com/office/drawing/2014/main" id="{2AABD586-6310-40FF-82C3-735CEE851897}"/>
                 </a:ext>
               </a:extLst>
             </p:cNvPr>
@@ -7656,7 +7668,7 @@
             <p:cNvPr id="41" name="îşḻïḑé">
               <a:extLst>
                 <a:ext uri="{FF2B5EF4-FFF2-40B4-BE49-F238E27FC236}">
-                  <a16:creationId xmlns:p14="http://schemas.microsoft.com/office/powerpoint/2010/main" xmlns:a16="http://schemas.microsoft.com/office/drawing/2014/main" xmlns="" id="{0BDE1E9B-62A3-46F4-AB87-D02F1D6E213F}"/>
+                  <a16:creationId xmlns:a16="http://schemas.microsoft.com/office/drawing/2014/main" id="{0BDE1E9B-62A3-46F4-AB87-D02F1D6E213F}"/>
                 </a:ext>
               </a:extLst>
             </p:cNvPr>
@@ -7718,7 +7730,7 @@
             <p:cNvPr id="42" name="iš1îḓe">
               <a:extLst>
                 <a:ext uri="{FF2B5EF4-FFF2-40B4-BE49-F238E27FC236}">
-                  <a16:creationId xmlns:p14="http://schemas.microsoft.com/office/powerpoint/2010/main" xmlns:a16="http://schemas.microsoft.com/office/drawing/2014/main" xmlns="" id="{1846F9CF-B441-4677-B6B7-A82071C6A24C}"/>
+                  <a16:creationId xmlns:a16="http://schemas.microsoft.com/office/drawing/2014/main" id="{1846F9CF-B441-4677-B6B7-A82071C6A24C}"/>
                 </a:ext>
               </a:extLst>
             </p:cNvPr>
@@ -7780,7 +7792,7 @@
             <p:cNvPr id="43" name="iṣļïḋê">
               <a:extLst>
                 <a:ext uri="{FF2B5EF4-FFF2-40B4-BE49-F238E27FC236}">
-                  <a16:creationId xmlns:p14="http://schemas.microsoft.com/office/powerpoint/2010/main" xmlns:a16="http://schemas.microsoft.com/office/drawing/2014/main" xmlns="" id="{E6025A34-46AE-457E-AC6F-3CE06D5B4606}"/>
+                  <a16:creationId xmlns:a16="http://schemas.microsoft.com/office/drawing/2014/main" id="{E6025A34-46AE-457E-AC6F-3CE06D5B4606}"/>
                 </a:ext>
               </a:extLst>
             </p:cNvPr>
@@ -7842,7 +7854,7 @@
             <p:cNvPr id="44" name="ïṧḻîdè">
               <a:extLst>
                 <a:ext uri="{FF2B5EF4-FFF2-40B4-BE49-F238E27FC236}">
-                  <a16:creationId xmlns:p14="http://schemas.microsoft.com/office/powerpoint/2010/main" xmlns:a16="http://schemas.microsoft.com/office/drawing/2014/main" xmlns="" id="{B3B1207A-F631-4D74-AF71-25164BFA4732}"/>
+                  <a16:creationId xmlns:a16="http://schemas.microsoft.com/office/drawing/2014/main" id="{B3B1207A-F631-4D74-AF71-25164BFA4732}"/>
                 </a:ext>
               </a:extLst>
             </p:cNvPr>
@@ -7904,7 +7916,7 @@
             <p:cNvPr id="45" name="ïṩlîḋè">
               <a:extLst>
                 <a:ext uri="{FF2B5EF4-FFF2-40B4-BE49-F238E27FC236}">
-                  <a16:creationId xmlns:p14="http://schemas.microsoft.com/office/powerpoint/2010/main" xmlns:a16="http://schemas.microsoft.com/office/drawing/2014/main" xmlns="" id="{BD4629EF-6FD7-495B-BABC-2117635C362D}"/>
+                  <a16:creationId xmlns:a16="http://schemas.microsoft.com/office/drawing/2014/main" id="{BD4629EF-6FD7-495B-BABC-2117635C362D}"/>
                 </a:ext>
               </a:extLst>
             </p:cNvPr>
@@ -7975,7 +7987,7 @@
             <p:cNvPr id="46" name="îśḻiḑê">
               <a:extLst>
                 <a:ext uri="{FF2B5EF4-FFF2-40B4-BE49-F238E27FC236}">
-                  <a16:creationId xmlns:p14="http://schemas.microsoft.com/office/powerpoint/2010/main" xmlns:a16="http://schemas.microsoft.com/office/drawing/2014/main" xmlns="" id="{CEEE656F-2B58-452E-8C4C-A5DC9C34C5FE}"/>
+                  <a16:creationId xmlns:a16="http://schemas.microsoft.com/office/drawing/2014/main" id="{CEEE656F-2B58-452E-8C4C-A5DC9C34C5FE}"/>
                 </a:ext>
               </a:extLst>
             </p:cNvPr>
@@ -8046,7 +8058,7 @@
             <p:cNvPr id="47" name="ísļîḓê">
               <a:extLst>
                 <a:ext uri="{FF2B5EF4-FFF2-40B4-BE49-F238E27FC236}">
-                  <a16:creationId xmlns:p14="http://schemas.microsoft.com/office/powerpoint/2010/main" xmlns:a16="http://schemas.microsoft.com/office/drawing/2014/main" xmlns="" id="{30046525-C92C-4D8E-AA3B-B52FFA1759D5}"/>
+                  <a16:creationId xmlns:a16="http://schemas.microsoft.com/office/drawing/2014/main" id="{30046525-C92C-4D8E-AA3B-B52FFA1759D5}"/>
                 </a:ext>
               </a:extLst>
             </p:cNvPr>
@@ -8384,7 +8396,7 @@
           <p:cNvPr id="8" name="日期占位符 7">
             <a:extLst>
               <a:ext uri="{FF2B5EF4-FFF2-40B4-BE49-F238E27FC236}">
-                <a16:creationId xmlns:p14="http://schemas.microsoft.com/office/powerpoint/2010/main" xmlns:p15="http://schemas.microsoft.com/office/powerpoint/2012/main" xmlns:a16="http://schemas.microsoft.com/office/drawing/2014/main" xmlns="" id="{04388434-9949-479C-A9C3-67A953F6A939}"/>
+                <a16:creationId xmlns:a16="http://schemas.microsoft.com/office/drawing/2014/main" id="{04388434-9949-479C-A9C3-67A953F6A939}"/>
               </a:ext>
             </a:extLst>
           </p:cNvPr>
@@ -8428,7 +8440,7 @@
           <p:cNvPr id="9" name="页脚占位符 8">
             <a:extLst>
               <a:ext uri="{FF2B5EF4-FFF2-40B4-BE49-F238E27FC236}">
-                <a16:creationId xmlns:p14="http://schemas.microsoft.com/office/powerpoint/2010/main" xmlns:p15="http://schemas.microsoft.com/office/powerpoint/2012/main" xmlns:a16="http://schemas.microsoft.com/office/drawing/2014/main" xmlns="" id="{50A5656E-7A33-4865-A262-1F96263BAA16}"/>
+                <a16:creationId xmlns:a16="http://schemas.microsoft.com/office/drawing/2014/main" id="{50A5656E-7A33-4865-A262-1F96263BAA16}"/>
               </a:ext>
             </a:extLst>
           </p:cNvPr>
@@ -8484,7 +8496,7 @@
           <p:cNvPr id="10" name="灯片编号占位符 9">
             <a:extLst>
               <a:ext uri="{FF2B5EF4-FFF2-40B4-BE49-F238E27FC236}">
-                <a16:creationId xmlns:p14="http://schemas.microsoft.com/office/powerpoint/2010/main" xmlns:p15="http://schemas.microsoft.com/office/powerpoint/2012/main" xmlns:a16="http://schemas.microsoft.com/office/drawing/2014/main" xmlns="" id="{5BF52F79-380E-4278-8B67-588AFE5840F9}"/>
+                <a16:creationId xmlns:a16="http://schemas.microsoft.com/office/drawing/2014/main" id="{5BF52F79-380E-4278-8B67-588AFE5840F9}"/>
               </a:ext>
             </a:extLst>
           </p:cNvPr>
@@ -8827,7 +8839,7 @@
   </p:txStyles>
   <p:extLst>
     <p:ext uri="{27BBF7A9-308A-43DC-89C8-2F10F3537804}">
-      <p15:sldGuideLst xmlns:p15="http://schemas.microsoft.com/office/powerpoint/2012/main" xmlns:p14="http://schemas.microsoft.com/office/powerpoint/2010/main" xmlns:a16="http://schemas.microsoft.com/office/drawing/2014/main" xmlns="">
+      <p15:sldGuideLst xmlns:p15="http://schemas.microsoft.com/office/powerpoint/2012/main">
         <p15:guide id="1" pos="422" userDrawn="1">
           <p15:clr>
             <a:srgbClr val="F26B43"/>
@@ -8886,7 +8898,7 @@
           <p:cNvPr id="3" name="ïṩḷiḑé" hidden="1">
             <a:extLst>
               <a:ext uri="{FF2B5EF4-FFF2-40B4-BE49-F238E27FC236}">
-                <a16:creationId xmlns:p14="http://schemas.microsoft.com/office/powerpoint/2010/main" xmlns:mc="http://schemas.openxmlformats.org/markup-compatibility/2006" xmlns:v="urn:schemas-microsoft-com:vml" xmlns:a16="http://schemas.microsoft.com/office/drawing/2014/main" xmlns="" id="{3C326D0B-7DAB-41B6-8030-2E4A18CC949B}"/>
+                <a16:creationId xmlns:a16="http://schemas.microsoft.com/office/drawing/2014/main" id="{3C326D0B-7DAB-41B6-8030-2E4A18CC949B}"/>
               </a:ext>
             </a:extLst>
           </p:cNvPr>
@@ -8909,7 +8921,7 @@
           <a:graphicData uri="http://schemas.openxmlformats.org/presentationml/2006/ole">
             <mc:AlternateContent xmlns:mc="http://schemas.openxmlformats.org/markup-compatibility/2006">
               <mc:Choice xmlns:v="urn:schemas-microsoft-com:vml" Requires="v">
-                <p:oleObj spid="_x0000_s1074" name="think-cell Slide" r:id="rId5" imgW="347" imgH="348" progId="TCLayout.ActiveDocument.1">
+                <p:oleObj spid="_x0000_s1075" name="think-cell Slide" r:id="rId5" imgW="347" imgH="348" progId="TCLayout.ActiveDocument.1">
                   <p:embed/>
                 </p:oleObj>
               </mc:Choice>
@@ -8921,7 +8933,7 @@
                       <p:cNvPr id="3" name="iş1iďé" hidden="1">
                         <a:extLst>
                           <a:ext uri="{FF2B5EF4-FFF2-40B4-BE49-F238E27FC236}">
-                            <a16:creationId xmlns:p14="http://schemas.microsoft.com/office/powerpoint/2010/main" xmlns:v="urn:schemas-microsoft-com:vml" xmlns:a16="http://schemas.microsoft.com/office/drawing/2014/main" xmlns="" id="{3C326D0B-7DAB-41B6-8030-2E4A18CC949B}"/>
+                            <a16:creationId xmlns:a16="http://schemas.microsoft.com/office/drawing/2014/main" id="{3C326D0B-7DAB-41B6-8030-2E4A18CC949B}"/>
                           </a:ext>
                         </a:extLst>
                       </p:cNvPr>
@@ -8955,7 +8967,7 @@
           <p:cNvPr id="2" name="ïsľîḑè" hidden="1">
             <a:extLst>
               <a:ext uri="{FF2B5EF4-FFF2-40B4-BE49-F238E27FC236}">
-                <a16:creationId xmlns:p14="http://schemas.microsoft.com/office/powerpoint/2010/main" xmlns:mc="http://schemas.openxmlformats.org/markup-compatibility/2006" xmlns:v="urn:schemas-microsoft-com:vml" xmlns:a16="http://schemas.microsoft.com/office/drawing/2014/main" xmlns="" id="{EC933494-1B63-4A32-964F-D05236799BAA}"/>
+                <a16:creationId xmlns:a16="http://schemas.microsoft.com/office/drawing/2014/main" id="{EC933494-1B63-4A32-964F-D05236799BAA}"/>
               </a:ext>
             </a:extLst>
           </p:cNvPr>
@@ -9034,20 +9046,12 @@
               <a:rPr lang="zh-TW" altLang="en-US" sz="6000" dirty="0"/>
               <a:t>循環神經網路 </a:t>
             </a:r>
-            <a:r>
-              <a:rPr lang="en-US" altLang="zh-TW" sz="6000" dirty="0" smtClean="0"/>
-              <a:t/>
-            </a:r>
             <a:br>
-              <a:rPr lang="en-US" altLang="zh-TW" sz="6000" dirty="0" smtClean="0"/>
+              <a:rPr lang="en-US" altLang="zh-TW" sz="6000" dirty="0"/>
             </a:br>
             <a:r>
-              <a:rPr lang="zh-TW" altLang="en-US" sz="6000" dirty="0" smtClean="0"/>
+              <a:rPr lang="zh-TW" altLang="en-US" sz="6000" dirty="0"/>
               <a:t>介紹</a:t>
-            </a:r>
-            <a:r>
-              <a:rPr lang="en-US" altLang="zh-CN" sz="6000" dirty="0"/>
-              <a:t/>
             </a:r>
             <a:br>
               <a:rPr lang="en-US" altLang="zh-CN" sz="6000" dirty="0"/>
@@ -9072,10 +9076,9 @@
           <a:lstStyle/>
           <a:p>
             <a:r>
-              <a:rPr lang="en-US" altLang="zh-CN" dirty="0" smtClean="0"/>
+              <a:rPr lang="en-US" altLang="zh-CN" dirty="0"/>
               <a:t>Sean, 23742</a:t>
             </a:r>
-            <a:endParaRPr lang="en-US" altLang="zh-CN" dirty="0"/>
           </a:p>
         </p:txBody>
       </p:sp>
@@ -9095,10 +9098,9 @@
           <a:lstStyle/>
           <a:p>
             <a:r>
-              <a:rPr lang="en-US" altLang="en-US" dirty="0" smtClean="0"/>
+              <a:rPr lang="en-US" altLang="en-US" dirty="0"/>
               <a:t>2020/11/20</a:t>
             </a:r>
-            <a:endParaRPr lang="en-US" altLang="en-US" dirty="0"/>
           </a:p>
         </p:txBody>
       </p:sp>
@@ -9134,27 +9136,8 @@
               </a:rPr>
               <a:t>Recurrent </a:t>
             </a:r>
-            <a:endParaRPr lang="en-US" altLang="zh-TW" sz="4800" b="1" dirty="0" smtClean="0">
-              <a:solidFill>
-                <a:schemeClr val="accent2">
-                  <a:lumMod val="60000"/>
-                  <a:lumOff val="40000"/>
-                </a:schemeClr>
-              </a:solidFill>
-            </a:endParaRPr>
           </a:p>
           <a:p>
-            <a:r>
-              <a:rPr lang="en-US" altLang="zh-TW" sz="4800" b="1" dirty="0" smtClean="0">
-                <a:solidFill>
-                  <a:schemeClr val="accent2">
-                    <a:lumMod val="60000"/>
-                    <a:lumOff val="40000"/>
-                  </a:schemeClr>
-                </a:solidFill>
-              </a:rPr>
-              <a:t>Neural </a:t>
-            </a:r>
             <a:r>
               <a:rPr lang="en-US" altLang="zh-TW" sz="4800" b="1" dirty="0">
                 <a:solidFill>
@@ -9164,7 +9147,7 @@
                   </a:schemeClr>
                 </a:solidFill>
               </a:rPr>
-              <a:t>Network</a:t>
+              <a:t>Neural Network</a:t>
             </a:r>
             <a:endParaRPr lang="zh-TW" altLang="en-US" sz="4800" b="1" dirty="0">
               <a:solidFill>
@@ -9226,15 +9209,15 @@
           <a:lstStyle/>
           <a:p>
             <a:r>
-              <a:rPr lang="zh-CN" altLang="en-US" smtClean="0"/>
+              <a:rPr lang="zh-CN" altLang="en-US"/>
               <a:t>请在插入菜单</a:t>
             </a:r>
             <a:r>
-              <a:rPr lang="en-US" altLang="zh-CN" smtClean="0"/>
+              <a:rPr lang="en-US" altLang="zh-CN"/>
               <a:t>—</a:t>
             </a:r>
             <a:r>
-              <a:rPr lang="zh-CN" altLang="en-US" smtClean="0"/>
+              <a:rPr lang="zh-CN" altLang="en-US"/>
               <a:t>页眉和页脚中修改此文本</a:t>
             </a:r>
             <a:endParaRPr lang="zh-CN" altLang="en-US" dirty="0"/>
@@ -9366,17 +9349,13 @@
           <a:p>
             <a:r>
               <a:rPr lang="zh-CN" altLang="en-US" dirty="0"/>
-              <a:t>时间序列问题。例如每天的股票价格等等</a:t>
-            </a:r>
-            <a:r>
-              <a:rPr lang="zh-CN" altLang="en-US" dirty="0" smtClean="0"/>
-              <a:t>。 </a:t>
-            </a:r>
-            <a:endParaRPr lang="en-US" altLang="zh-CN" dirty="0" smtClean="0"/>
+              <a:t>时间序列问题。例如每天的股票价格等等。 </a:t>
+            </a:r>
+            <a:endParaRPr lang="en-US" altLang="zh-CN" dirty="0"/>
           </a:p>
           <a:p>
             <a:r>
-              <a:rPr lang="zh-CN" altLang="en-US" dirty="0" smtClean="0"/>
+              <a:rPr lang="zh-CN" altLang="en-US" dirty="0"/>
               <a:t>其单个序列如下图所示：</a:t>
             </a:r>
           </a:p>
@@ -9858,15 +9837,15 @@
           <a:lstStyle/>
           <a:p>
             <a:r>
-              <a:rPr lang="zh-CN" altLang="en-US" smtClean="0"/>
+              <a:rPr lang="zh-CN" altLang="en-US"/>
               <a:t>请在插入菜单</a:t>
             </a:r>
             <a:r>
-              <a:rPr lang="en-US" altLang="zh-CN" smtClean="0"/>
+              <a:rPr lang="en-US" altLang="zh-CN"/>
               <a:t>—</a:t>
             </a:r>
             <a:r>
-              <a:rPr lang="zh-CN" altLang="en-US" smtClean="0"/>
+              <a:rPr lang="zh-CN" altLang="en-US"/>
               <a:t>页眉和页脚中修改此文本</a:t>
             </a:r>
             <a:endParaRPr lang="zh-CN" altLang="en-US" dirty="0"/>
@@ -9940,30 +9919,14 @@
           <a:p>
             <a:r>
               <a:rPr lang="zh-CN" altLang="en-US" dirty="0"/>
-              <a:t> </a:t>
-            </a:r>
-            <a:r>
-              <a:rPr lang="zh-CN" altLang="en-US" dirty="0" smtClean="0"/>
-              <a:t>诸</a:t>
-            </a:r>
-            <a:r>
-              <a:rPr lang="zh-CN" altLang="en-US" dirty="0"/>
-              <a:t>如此类的序列数据用原始的神经网络难以建模</a:t>
-            </a:r>
-            <a:r>
-              <a:rPr lang="zh-CN" altLang="en-US" dirty="0" smtClean="0"/>
-              <a:t>，</a:t>
-            </a:r>
-            <a:endParaRPr lang="en-US" altLang="zh-CN" dirty="0" smtClean="0"/>
+              <a:t> 诸如此类的序列数据用原始的神经网络难以建模，</a:t>
+            </a:r>
+            <a:endParaRPr lang="en-US" altLang="zh-CN" dirty="0"/>
           </a:p>
           <a:p>
             <a:r>
-              <a:rPr lang="zh-CN" altLang="en-US" dirty="0" smtClean="0"/>
-              <a:t>基</a:t>
-            </a:r>
-            <a:r>
               <a:rPr lang="zh-CN" altLang="en-US" dirty="0"/>
-              <a:t>于此，</a:t>
+              <a:t>基于此，</a:t>
             </a:r>
             <a:r>
               <a:rPr lang="en-US" altLang="zh-CN" dirty="0"/>
@@ -9987,17 +9950,13 @@
             </a:r>
             <a:r>
               <a:rPr lang="zh-CN" altLang="en-US" dirty="0"/>
-              <a:t>）</a:t>
-            </a:r>
-            <a:r>
-              <a:rPr lang="zh-CN" altLang="en-US" dirty="0" smtClean="0"/>
-              <a:t>，</a:t>
-            </a:r>
-            <a:endParaRPr lang="en-US" altLang="zh-CN" dirty="0" smtClean="0"/>
+              <a:t>），</a:t>
+            </a:r>
+            <a:endParaRPr lang="en-US" altLang="zh-CN" dirty="0"/>
           </a:p>
           <a:p>
             <a:r>
-              <a:rPr lang="zh-CN" altLang="en-US" dirty="0" smtClean="0"/>
+              <a:rPr lang="zh-CN" altLang="en-US" dirty="0"/>
               <a:t>*</a:t>
             </a:r>
             <a:r>
@@ -10016,7 +9975,7 @@
               <a:rPr lang="zh-CN" altLang="en-US" dirty="0"/>
               <a:t>： </a:t>
             </a:r>
-            <a:endParaRPr lang="en-US" altLang="zh-CN" dirty="0" smtClean="0"/>
+            <a:endParaRPr lang="en-US" altLang="zh-CN" dirty="0"/>
           </a:p>
           <a:p>
             <a:endParaRPr lang="zh-TW" altLang="en-US" dirty="0"/>
@@ -10074,13 +10033,6 @@
   <p:clrMapOvr>
     <a:masterClrMapping/>
   </p:clrMapOvr>
-  <p:timing>
-    <p:tnLst>
-      <p:par>
-        <p:cTn id="1" dur="indefinite" restart="never" nodeType="tmRoot"/>
-      </p:par>
-    </p:tnLst>
-  </p:timing>
 </p:sld>
 </file>
 
@@ -10117,15 +10069,15 @@
           <a:lstStyle/>
           <a:p>
             <a:r>
-              <a:rPr lang="zh-CN" altLang="en-US" smtClean="0"/>
+              <a:rPr lang="zh-CN" altLang="en-US"/>
               <a:t>请在插入菜单</a:t>
             </a:r>
             <a:r>
-              <a:rPr lang="en-US" altLang="zh-CN" smtClean="0"/>
+              <a:rPr lang="en-US" altLang="zh-CN"/>
               <a:t>—</a:t>
             </a:r>
             <a:r>
-              <a:rPr lang="zh-CN" altLang="en-US" smtClean="0"/>
+              <a:rPr lang="zh-CN" altLang="en-US"/>
               <a:t>页眉和页脚中修改此文本</a:t>
             </a:r>
             <a:endParaRPr lang="zh-CN" altLang="en-US" dirty="0"/>
@@ -10201,11 +10153,11 @@
               <a:rPr lang="zh-CN" altLang="en-US" dirty="0"/>
               <a:t>图中的圆圈表示向量，箭头表示对向量做变换。 </a:t>
             </a:r>
-            <a:endParaRPr lang="en-US" altLang="zh-CN" dirty="0" smtClean="0"/>
+            <a:endParaRPr lang="en-US" altLang="zh-CN" dirty="0"/>
           </a:p>
           <a:p>
             <a:r>
-              <a:rPr lang="en-US" altLang="zh-CN" dirty="0" smtClean="0"/>
+              <a:rPr lang="en-US" altLang="zh-CN" dirty="0"/>
               <a:t>RNN</a:t>
             </a:r>
             <a:r>
@@ -10213,30 +10165,26 @@
               <a:t>中，每个步骤使用的参数</a:t>
             </a:r>
             <a:r>
-              <a:rPr lang="en-US" altLang="zh-CN" dirty="0" smtClean="0"/>
+              <a:rPr lang="en-US" altLang="zh-CN" dirty="0"/>
               <a:t>`</a:t>
             </a:r>
             <a:r>
-              <a:rPr lang="en-US" altLang="zh-CN" dirty="0" err="1" smtClean="0"/>
+              <a:rPr lang="en-US" altLang="zh-CN" dirty="0" err="1"/>
               <a:t>U,W,b</a:t>
             </a:r>
             <a:r>
-              <a:rPr lang="en-US" altLang="zh-CN" dirty="0" smtClean="0"/>
+              <a:rPr lang="en-US" altLang="zh-CN" dirty="0"/>
               <a:t>`•</a:t>
             </a:r>
             <a:r>
               <a:rPr lang="zh-CN" altLang="en-US" dirty="0"/>
-              <a:t>相同</a:t>
-            </a:r>
-            <a:r>
-              <a:rPr lang="zh-CN" altLang="en-US" dirty="0" smtClean="0"/>
-              <a:t>，</a:t>
-            </a:r>
-            <a:endParaRPr lang="en-US" altLang="zh-CN" dirty="0" smtClean="0"/>
+              <a:t>相同，</a:t>
+            </a:r>
+            <a:endParaRPr lang="en-US" altLang="zh-CN" dirty="0"/>
           </a:p>
           <a:p>
             <a:r>
-              <a:rPr lang="en-US" altLang="zh-CN" dirty="0" smtClean="0"/>
+              <a:rPr lang="en-US" altLang="zh-CN" dirty="0"/>
               <a:t>`h_2`</a:t>
             </a:r>
             <a:r>
@@ -10244,7 +10192,7 @@
               <a:t>的计算方式和</a:t>
             </a:r>
             <a:r>
-              <a:rPr lang="en-US" altLang="zh-CN" dirty="0" smtClean="0"/>
+              <a:rPr lang="en-US" altLang="zh-CN" dirty="0"/>
               <a:t>`h_1•`</a:t>
             </a:r>
             <a:r>
@@ -10668,15 +10616,15 @@
           <a:lstStyle/>
           <a:p>
             <a:r>
-              <a:rPr lang="zh-CN" altLang="en-US" smtClean="0"/>
+              <a:rPr lang="zh-CN" altLang="en-US"/>
               <a:t>请在插入菜单</a:t>
             </a:r>
             <a:r>
-              <a:rPr lang="en-US" altLang="zh-CN" smtClean="0"/>
+              <a:rPr lang="en-US" altLang="zh-CN"/>
               <a:t>—</a:t>
             </a:r>
             <a:r>
-              <a:rPr lang="zh-CN" altLang="en-US" smtClean="0"/>
+              <a:rPr lang="zh-CN" altLang="en-US"/>
               <a:t>页眉和页脚中修改此文本</a:t>
             </a:r>
             <a:endParaRPr lang="zh-CN" altLang="en-US" dirty="0"/>
@@ -10815,13 +10763,6 @@
   <p:clrMapOvr>
     <a:masterClrMapping/>
   </p:clrMapOvr>
-  <p:timing>
-    <p:tnLst>
-      <p:par>
-        <p:cTn id="1" dur="indefinite" restart="never" nodeType="tmRoot"/>
-      </p:par>
-    </p:tnLst>
-  </p:timing>
 </p:sld>
 </file>
 
@@ -10858,15 +10799,15 @@
           <a:lstStyle/>
           <a:p>
             <a:r>
-              <a:rPr lang="zh-CN" altLang="en-US" smtClean="0"/>
+              <a:rPr lang="zh-CN" altLang="en-US"/>
               <a:t>请在插入菜单</a:t>
             </a:r>
             <a:r>
-              <a:rPr lang="en-US" altLang="zh-CN" smtClean="0"/>
+              <a:rPr lang="en-US" altLang="zh-CN"/>
               <a:t>—</a:t>
             </a:r>
             <a:r>
-              <a:rPr lang="zh-CN" altLang="en-US" smtClean="0"/>
+              <a:rPr lang="zh-CN" altLang="en-US"/>
               <a:t>页眉和页脚中修改此文本</a:t>
             </a:r>
             <a:endParaRPr lang="zh-CN" altLang="en-US" dirty="0"/>
@@ -10992,22 +10933,14 @@
             </a:r>
             <a:r>
               <a:rPr lang="zh-CN" altLang="en-US" dirty="0"/>
-              <a:t>作为激活函数</a:t>
-            </a:r>
-            <a:r>
-              <a:rPr lang="zh-CN" altLang="en-US" dirty="0" smtClean="0"/>
-              <a:t>，</a:t>
-            </a:r>
-            <a:endParaRPr lang="en-US" altLang="zh-CN" dirty="0" smtClean="0"/>
+              <a:t>作为激活函数，</a:t>
+            </a:r>
+            <a:endParaRPr lang="en-US" altLang="zh-CN" dirty="0"/>
           </a:p>
           <a:p>
             <a:r>
-              <a:rPr lang="zh-CN" altLang="en-US" dirty="0" smtClean="0"/>
-              <a:t>根</a:t>
-            </a:r>
-            <a:r>
               <a:rPr lang="zh-CN" altLang="en-US" dirty="0"/>
-              <a:t>据</a:t>
+              <a:t>根据</a:t>
             </a:r>
             <a:r>
               <a:rPr lang="zh-CN" altLang="en-US" i="1" dirty="0"/>
@@ -11265,18 +11198,17 @@
           <a:lstStyle/>
           <a:p>
             <a:r>
-              <a:rPr lang="zh-CN" altLang="en-US" dirty="0" smtClean="0"/>
+              <a:rPr lang="zh-CN" altLang="en-US" dirty="0"/>
               <a:t>请在插入菜单</a:t>
             </a:r>
             <a:r>
-              <a:rPr lang="en-US" altLang="zh-CN" dirty="0" smtClean="0"/>
+              <a:rPr lang="en-US" altLang="zh-CN" dirty="0"/>
               <a:t>—</a:t>
             </a:r>
             <a:r>
-              <a:rPr lang="zh-CN" altLang="en-US" dirty="0" smtClean="0"/>
+              <a:rPr lang="zh-CN" altLang="en-US" dirty="0"/>
               <a:t>页眉和页脚中修改此文本</a:t>
             </a:r>
-            <a:endParaRPr lang="zh-CN" altLang="en-US" dirty="0"/>
           </a:p>
         </p:txBody>
       </p:sp>
@@ -11561,19 +11493,15 @@
               <a:t>𝑦**𝑛</a:t>
             </a:r>
             <a:r>
-              <a:rPr lang="zh-CN" altLang="en-US" dirty="0" smtClean="0"/>
+              <a:rPr lang="zh-CN" altLang="en-US" dirty="0"/>
               <a:t>，</a:t>
             </a:r>
-            <a:endParaRPr lang="en-US" altLang="zh-CN" dirty="0" smtClean="0"/>
+            <a:endParaRPr lang="en-US" altLang="zh-CN" dirty="0"/>
           </a:p>
           <a:p>
             <a:r>
-              <a:rPr lang="zh-CN" altLang="en-US" dirty="0" smtClean="0"/>
-              <a:t>这</a:t>
-            </a:r>
-            <a:r>
               <a:rPr lang="zh-CN" altLang="en-US" dirty="0"/>
-              <a:t>里为了便于理解和展示，只计算</a:t>
+              <a:t>这里为了便于理解和展示，只计算</a:t>
             </a:r>
             <a:r>
               <a:rPr lang="en-US" altLang="zh-CN" dirty="0"/>
@@ -11762,18 +11690,17 @@
           <a:lstStyle/>
           <a:p>
             <a:r>
-              <a:rPr lang="zh-CN" altLang="en-US" dirty="0" smtClean="0"/>
+              <a:rPr lang="zh-CN" altLang="en-US" dirty="0"/>
               <a:t>请在插入菜单</a:t>
             </a:r>
             <a:r>
-              <a:rPr lang="en-US" altLang="zh-CN" dirty="0" smtClean="0"/>
+              <a:rPr lang="en-US" altLang="zh-CN" dirty="0"/>
               <a:t>—</a:t>
             </a:r>
             <a:r>
-              <a:rPr lang="zh-CN" altLang="en-US" dirty="0" smtClean="0"/>
+              <a:rPr lang="zh-CN" altLang="en-US" dirty="0"/>
               <a:t>页眉和页脚中修改此文本</a:t>
             </a:r>
-            <a:endParaRPr lang="zh-CN" altLang="en-US" dirty="0"/>
           </a:p>
         </p:txBody>
       </p:sp>
@@ -11881,13 +11808,6 @@
   <p:clrMapOvr>
     <a:masterClrMapping/>
   </p:clrMapOvr>
-  <p:timing>
-    <p:tnLst>
-      <p:par>
-        <p:cTn id="1" dur="indefinite" restart="never" nodeType="tmRoot"/>
-      </p:par>
-    </p:tnLst>
-  </p:timing>
 </p:sld>
 </file>
 
@@ -11924,15 +11844,15 @@
           <a:lstStyle/>
           <a:p>
             <a:r>
-              <a:rPr lang="zh-CN" altLang="en-US" smtClean="0"/>
+              <a:rPr lang="zh-CN" altLang="en-US"/>
               <a:t>请在插入菜单</a:t>
             </a:r>
             <a:r>
-              <a:rPr lang="en-US" altLang="zh-CN" smtClean="0"/>
+              <a:rPr lang="en-US" altLang="zh-CN"/>
               <a:t>—</a:t>
             </a:r>
             <a:r>
-              <a:rPr lang="zh-CN" altLang="en-US" smtClean="0"/>
+              <a:rPr lang="zh-CN" altLang="en-US"/>
               <a:t>页眉和页脚中修改此文本</a:t>
             </a:r>
             <a:endParaRPr lang="zh-CN" altLang="en-US" dirty="0"/>
@@ -12010,13 +11930,9 @@
             </a:r>
             <a:r>
               <a:rPr lang="zh-CN" altLang="en-US" dirty="0"/>
-              <a:t>主要用于处理序列数据。对于传统神经网络模型，从输入层到隐含层再到输出层，层与层之间一般为全连接，每层之间神经元是无连接的。但是传统神经网络无法处理数据间的前后关联问题。例如，为了预测句子的下一个单词，一般需要该词之前的语义信息。这是因为一个句子中前后单词是存在语义联系的</a:t>
-            </a:r>
-            <a:r>
-              <a:rPr lang="zh-CN" altLang="en-US" dirty="0" smtClean="0"/>
-              <a:t>。</a:t>
-            </a:r>
-            <a:endParaRPr lang="en-US" altLang="zh-CN" dirty="0" smtClean="0"/>
+              <a:t>主要用于处理序列数据。对于传统神经网络模型，从输入层到隐含层再到输出层，层与层之间一般为全连接，每层之间神经元是无连接的。但是传统神经网络无法处理数据间的前后关联问题。例如，为了预测句子的下一个单词，一般需要该词之前的语义信息。这是因为一个句子中前后单词是存在语义联系的。</a:t>
+            </a:r>
+            <a:endParaRPr lang="en-US" altLang="zh-CN" dirty="0"/>
           </a:p>
           <a:p>
             <a:endParaRPr lang="zh-CN" altLang="en-US" dirty="0"/>
@@ -12028,13 +11944,9 @@
             </a:r>
             <a:r>
               <a:rPr lang="zh-CN" altLang="en-US" dirty="0"/>
-              <a:t>中当前单元的输出与之前步骤输出也有关，因此称之为循环神经网络。具体的表现形式为当前单元会对之前步骤信息进行储存并应用于当前输出的计算中。隐藏层之间的节点连接起来，隐藏层当前输出由当前时刻输入向量和之前时刻隐藏层状态共同决定</a:t>
-            </a:r>
-            <a:r>
-              <a:rPr lang="zh-CN" altLang="en-US" dirty="0" smtClean="0"/>
-              <a:t>。</a:t>
-            </a:r>
-            <a:endParaRPr lang="en-US" altLang="zh-CN" dirty="0" smtClean="0"/>
+              <a:t>中当前单元的输出与之前步骤输出也有关，因此称之为循环神经网络。具体的表现形式为当前单元会对之前步骤信息进行储存并应用于当前输出的计算中。隐藏层之间的节点连接起来，隐藏层当前输出由当前时刻输入向量和之前时刻隐藏层状态共同决定。</a:t>
+            </a:r>
+            <a:endParaRPr lang="en-US" altLang="zh-CN" dirty="0"/>
           </a:p>
           <a:p>
             <a:endParaRPr lang="zh-CN" altLang="en-US" dirty="0"/>
@@ -12054,13 +11966,9 @@
             </a:r>
             <a:r>
               <a:rPr lang="zh-CN" altLang="en-US" dirty="0"/>
-              <a:t>结构图，图中每个箭头代表做一次变换，也就是说箭头连接带有权值</a:t>
-            </a:r>
-            <a:r>
-              <a:rPr lang="zh-CN" altLang="en-US" dirty="0" smtClean="0"/>
-              <a:t>。</a:t>
-            </a:r>
-            <a:endParaRPr lang="en-US" altLang="zh-CN" dirty="0" smtClean="0"/>
+              <a:t>结构图，图中每个箭头代表做一次变换，也就是说箭头连接带有权值。</a:t>
+            </a:r>
+            <a:endParaRPr lang="en-US" altLang="zh-CN" dirty="0"/>
           </a:p>
           <a:p>
             <a:endParaRPr lang="zh-CN" altLang="en-US" dirty="0"/>
@@ -12080,13 +11988,9 @@
             </a:r>
             <a:r>
               <a:rPr lang="zh-CN" altLang="en-US" dirty="0"/>
-              <a:t>结构中，隐层的神经元之间也是带有权值的，且权值共享</a:t>
-            </a:r>
-            <a:r>
-              <a:rPr lang="zh-CN" altLang="en-US" dirty="0" smtClean="0"/>
-              <a:t>。</a:t>
-            </a:r>
-            <a:endParaRPr lang="en-US" altLang="zh-CN" dirty="0" smtClean="0"/>
+              <a:t>结构中，隐层的神经元之间也是带有权值的，且权值共享。</a:t>
+            </a:r>
+            <a:endParaRPr lang="en-US" altLang="zh-CN" dirty="0"/>
           </a:p>
           <a:p>
             <a:endParaRPr lang="zh-CN" altLang="en-US" dirty="0"/>
@@ -12124,13 +12028,6 @@
   <p:clrMapOvr>
     <a:masterClrMapping/>
   </p:clrMapOvr>
-  <p:timing>
-    <p:tnLst>
-      <p:par>
-        <p:cTn id="1" dur="indefinite" restart="never" nodeType="tmRoot"/>
-      </p:par>
-    </p:tnLst>
-  </p:timing>
 </p:sld>
 </file>
 
@@ -12167,15 +12064,15 @@
           <a:lstStyle/>
           <a:p>
             <a:r>
-              <a:rPr lang="zh-CN" altLang="en-US" smtClean="0"/>
+              <a:rPr lang="zh-CN" altLang="en-US"/>
               <a:t>请在插入菜单</a:t>
             </a:r>
             <a:r>
-              <a:rPr lang="en-US" altLang="zh-CN" smtClean="0"/>
+              <a:rPr lang="en-US" altLang="zh-CN"/>
               <a:t>—</a:t>
             </a:r>
             <a:r>
-              <a:rPr lang="zh-CN" altLang="en-US" smtClean="0"/>
+              <a:rPr lang="zh-CN" altLang="en-US"/>
               <a:t>页眉和页脚中修改此文本</a:t>
             </a:r>
             <a:endParaRPr lang="zh-CN" altLang="en-US" dirty="0"/>
@@ -12306,13 +12203,6 @@
   <p:clrMapOvr>
     <a:masterClrMapping/>
   </p:clrMapOvr>
-  <p:timing>
-    <p:tnLst>
-      <p:par>
-        <p:cTn id="1" dur="indefinite" restart="never" nodeType="tmRoot"/>
-      </p:par>
-    </p:tnLst>
-  </p:timing>
 </p:sld>
 </file>
 
@@ -12365,7 +12255,7 @@
           <p:cNvPr id="9" name="î$ḷíḋé">
             <a:extLst>
               <a:ext uri="{FF2B5EF4-FFF2-40B4-BE49-F238E27FC236}">
-                <a16:creationId xmlns:p14="http://schemas.microsoft.com/office/powerpoint/2010/main" xmlns:a16="http://schemas.microsoft.com/office/drawing/2014/main" xmlns="" id="{04F69230-F3A6-4586-9371-A858F4763E9F}"/>
+                <a16:creationId xmlns:a16="http://schemas.microsoft.com/office/drawing/2014/main" id="{04F69230-F3A6-4586-9371-A858F4763E9F}"/>
               </a:ext>
             </a:extLst>
           </p:cNvPr>
@@ -12395,7 +12285,7 @@
           <a:lstStyle/>
           <a:p>
             <a:r>
-              <a:rPr lang="en-US" altLang="zh-CN" spc="100" dirty="0" smtClean="0">
+              <a:rPr lang="en-US" altLang="zh-CN" spc="100" dirty="0">
                 <a:solidFill>
                   <a:schemeClr val="accent4"/>
                 </a:solidFill>
@@ -12405,7 +12295,7 @@
               <a:t>/</a:t>
             </a:r>
             <a:r>
-              <a:rPr lang="en-US" altLang="zh-CN" sz="100" spc="100" dirty="0" smtClean="0">
+              <a:rPr lang="en-US" altLang="zh-CN" sz="100" spc="100" dirty="0">
                 <a:solidFill>
                   <a:schemeClr val="accent4"/>
                 </a:solidFill>
@@ -12415,7 +12305,7 @@
               <a:t> </a:t>
             </a:r>
             <a:r>
-              <a:rPr lang="en-US" altLang="zh-CN" spc="100" dirty="0" smtClean="0">
+              <a:rPr lang="en-US" altLang="zh-CN" spc="100" dirty="0">
                 <a:solidFill>
                   <a:schemeClr val="accent4"/>
                 </a:solidFill>
@@ -12466,13 +12356,6 @@
   <p:clrMapOvr>
     <a:masterClrMapping/>
   </p:clrMapOvr>
-  <p:timing>
-    <p:tnLst>
-      <p:par>
-        <p:cTn id="1" dur="indefinite" restart="never" nodeType="tmRoot"/>
-      </p:par>
-    </p:tnLst>
-  </p:timing>
 </p:sld>
 </file>
 
@@ -12498,7 +12381,7 @@
           <p:cNvPr id="2" name="íSliḓè">
             <a:extLst>
               <a:ext uri="{FF2B5EF4-FFF2-40B4-BE49-F238E27FC236}">
-                <a16:creationId xmlns:p14="http://schemas.microsoft.com/office/powerpoint/2010/main" xmlns:a16="http://schemas.microsoft.com/office/drawing/2014/main" xmlns="" id="{C0498D3A-B738-48EC-A39C-94C58B88932B}"/>
+                <a16:creationId xmlns:a16="http://schemas.microsoft.com/office/drawing/2014/main" id="{C0498D3A-B738-48EC-A39C-94C58B88932B}"/>
               </a:ext>
             </a:extLst>
           </p:cNvPr>
@@ -12518,7 +12401,7 @@
             <p:cNvPr id="6" name="íSļïdè" descr="本素材由iSlide™ 提供&#10;iSlide™尊重知识产权并注重保护用户享有的各项权利。郑重提醒您：&#10;iSlide™插件中提供的任何信息内容的所有权、知识产权归其原始权利人或权利受让人所有，您免费/购买获得的是信息内容的使用权，并受下述条款的约束；&#10;1. 您仅可以个人非商业用途使用该等信息内容，不可将信息内容的全部或部分用于出售，或以出租、出借、转让、分销、发布等其他任何方式供他人使用；&#10;2. 禁止在接入互联网或移动互联网的任何网站、平台、应用或程序上以任何方式为他人提供iSlide™插件资源内容的下载。&#10;The resource is supplied by iSlide™.&#10;iSlide™ respects all intellectual property rights and protects all the rights its users acquired.Solemnly remind you:&#10;The ownership and intellectual property of the resources supplied in iSlide Add-in belongs to its owner or the assignee of this ownership.you only acquired the usage of the resources supplied in iSlide Add-in, as well as respected the following restrain terms:&#10;1.You are only allowed to use such resource for personal and non-commercial aim, not allowed to use such resource or part of it for the sale; or rent, lend, transfer to others; or distribution or release it in any way.&#10;2.You are not permitted to provide the resource of iSlide Add-in in any website, platform, application access to the Internet or mobile Internet." title="iSlide™ 版权声明  COPYRIGHT NOTICE">
               <a:extLst>
                 <a:ext uri="{FF2B5EF4-FFF2-40B4-BE49-F238E27FC236}">
-                  <a16:creationId xmlns:p14="http://schemas.microsoft.com/office/powerpoint/2010/main" xmlns:a16="http://schemas.microsoft.com/office/drawing/2014/main" xmlns="" id="{A759C196-DA28-4241-ABB5-975367026FE9}"/>
+                  <a16:creationId xmlns:a16="http://schemas.microsoft.com/office/drawing/2014/main" id="{A759C196-DA28-4241-ABB5-975367026FE9}"/>
                 </a:ext>
               </a:extLst>
             </p:cNvPr>
@@ -12540,7 +12423,7 @@
               <p:cNvPr id="7" name="îṩḷiḓè">
                 <a:extLst>
                   <a:ext uri="{FF2B5EF4-FFF2-40B4-BE49-F238E27FC236}">
-                    <a16:creationId xmlns:p14="http://schemas.microsoft.com/office/powerpoint/2010/main" xmlns:a16="http://schemas.microsoft.com/office/drawing/2014/main" xmlns="" id="{48F70259-7598-4270-874A-6F50772D10F6}"/>
+                    <a16:creationId xmlns:a16="http://schemas.microsoft.com/office/drawing/2014/main" id="{48F70259-7598-4270-874A-6F50772D10F6}"/>
                   </a:ext>
                 </a:extLst>
               </p:cNvPr>
@@ -12686,7 +12569,7 @@
                   <a:t>RNN </a:t>
                 </a:r>
                 <a:r>
-                  <a:rPr lang="zh-TW" altLang="en-US" b="0" dirty="0" smtClean="0">
+                  <a:rPr lang="zh-TW" altLang="en-US" b="0" dirty="0">
                     <a:latin typeface="+mn-lt"/>
                     <a:ea typeface="+mn-ea"/>
                     <a:sym typeface="+mn-lt"/>
@@ -12751,15 +12634,7 @@
                     <a:ea typeface="+mn-ea"/>
                     <a:sym typeface="+mn-lt"/>
                   </a:rPr>
-                  <a:t> </a:t>
-                </a:r>
-                <a:r>
-                  <a:rPr lang="en-US" altLang="zh-CN" b="0" dirty="0" smtClean="0">
-                    <a:latin typeface="+mn-lt"/>
-                    <a:ea typeface="+mn-ea"/>
-                    <a:sym typeface="+mn-lt"/>
-                  </a:rPr>
-                  <a:t>function</a:t>
+                  <a:t> function</a:t>
                 </a:r>
               </a:p>
               <a:p>
@@ -12776,15 +12651,7 @@
                     <a:ea typeface="+mn-ea"/>
                     <a:sym typeface="+mn-lt"/>
                   </a:rPr>
-                  <a:t>RNN </a:t>
-                </a:r>
-                <a:r>
-                  <a:rPr lang="en-US" altLang="zh-CN" b="0" dirty="0" smtClean="0">
-                    <a:latin typeface="+mn-lt"/>
-                    <a:ea typeface="+mn-ea"/>
-                    <a:sym typeface="+mn-lt"/>
-                  </a:rPr>
-                  <a:t>Demo</a:t>
+                  <a:t>RNN Demo</a:t>
                 </a:r>
               </a:p>
               <a:p>
@@ -12808,7 +12675,7 @@
               <p:cNvPr id="8" name="îŝľiḋê">
                 <a:extLst>
                   <a:ext uri="{FF2B5EF4-FFF2-40B4-BE49-F238E27FC236}">
-                    <a16:creationId xmlns:p14="http://schemas.microsoft.com/office/powerpoint/2010/main" xmlns:a16="http://schemas.microsoft.com/office/drawing/2014/main" xmlns="" id="{DA1FB18E-FA01-4588-BEF9-FB96A98A84D4}"/>
+                    <a16:creationId xmlns:a16="http://schemas.microsoft.com/office/drawing/2014/main" id="{DA1FB18E-FA01-4588-BEF9-FB96A98A84D4}"/>
                   </a:ext>
                 </a:extLst>
               </p:cNvPr>
@@ -12847,7 +12714,7 @@
               <p:cNvPr id="9" name="ïsľiďé">
                 <a:extLst>
                   <a:ext uri="{FF2B5EF4-FFF2-40B4-BE49-F238E27FC236}">
-                    <a16:creationId xmlns:p14="http://schemas.microsoft.com/office/powerpoint/2010/main" xmlns:a16="http://schemas.microsoft.com/office/drawing/2014/main" xmlns="" id="{0DB1D0A1-2667-455C-9387-D7ABF0A00B8C}"/>
+                    <a16:creationId xmlns:a16="http://schemas.microsoft.com/office/drawing/2014/main" id="{0DB1D0A1-2667-455C-9387-D7ABF0A00B8C}"/>
                   </a:ext>
                 </a:extLst>
               </p:cNvPr>
@@ -12874,7 +12741,7 @@
               <a:p>
                 <a:pPr algn="r"/>
                 <a:r>
-                  <a:rPr lang="tr-TR" sz="2800" b="1" smtClean="0">
+                  <a:rPr lang="tr-TR" sz="2800" b="1">
                     <a:solidFill>
                       <a:schemeClr val="accent1"/>
                     </a:solidFill>
@@ -12884,7 +12751,7 @@
                   <a:t>CONTE</a:t>
                 </a:r>
                 <a:r>
-                  <a:rPr lang="tr-TR" sz="100" b="1" smtClean="0">
+                  <a:rPr lang="tr-TR" sz="100" b="1">
                     <a:solidFill>
                       <a:schemeClr val="accent1"/>
                     </a:solidFill>
@@ -12894,7 +12761,7 @@
                   <a:t> </a:t>
                 </a:r>
                 <a:r>
-                  <a:rPr lang="tr-TR" sz="2800" b="1" smtClean="0">
+                  <a:rPr lang="tr-TR" sz="2800" b="1">
                     <a:solidFill>
                       <a:schemeClr val="accent1"/>
                     </a:solidFill>
@@ -12919,7 +12786,7 @@
             <p:cNvPr id="10" name="ïṩļiḋe">
               <a:extLst>
                 <a:ext uri="{FF2B5EF4-FFF2-40B4-BE49-F238E27FC236}">
-                  <a16:creationId xmlns:p14="http://schemas.microsoft.com/office/powerpoint/2010/main" xmlns:a16="http://schemas.microsoft.com/office/drawing/2014/main" xmlns="" id="{ADAD6BE3-DC11-4582-9F68-50D831ADD001}"/>
+                  <a16:creationId xmlns:a16="http://schemas.microsoft.com/office/drawing/2014/main" id="{ADAD6BE3-DC11-4582-9F68-50D831ADD001}"/>
                 </a:ext>
               </a:extLst>
             </p:cNvPr>
@@ -13670,15 +13537,15 @@
           <a:lstStyle/>
           <a:p>
             <a:r>
-              <a:rPr lang="zh-CN" altLang="en-US" smtClean="0"/>
+              <a:rPr lang="zh-CN" altLang="en-US"/>
               <a:t>请在插入菜单</a:t>
             </a:r>
             <a:r>
-              <a:rPr lang="en-US" altLang="zh-CN" smtClean="0"/>
+              <a:rPr lang="en-US" altLang="zh-CN"/>
               <a:t>—</a:t>
             </a:r>
             <a:r>
-              <a:rPr lang="zh-CN" altLang="en-US" smtClean="0"/>
+              <a:rPr lang="zh-CN" altLang="en-US"/>
               <a:t>页眉和页脚中修改此文本</a:t>
             </a:r>
             <a:endParaRPr lang="zh-CN" altLang="en-US" dirty="0"/>
@@ -13725,11 +13592,11 @@
           <a:lstStyle/>
           <a:p>
             <a:r>
-              <a:rPr lang="en-US" altLang="zh-TW" dirty="0" err="1" smtClean="0"/>
+              <a:rPr lang="en-US" altLang="zh-TW" dirty="0" err="1"/>
               <a:t>Softmax</a:t>
             </a:r>
             <a:r>
-              <a:rPr lang="en-US" altLang="zh-TW" dirty="0" smtClean="0"/>
+              <a:rPr lang="en-US" altLang="zh-TW" dirty="0"/>
               <a:t> function</a:t>
             </a:r>
             <a:endParaRPr lang="zh-TW" altLang="en-US" dirty="0"/>
@@ -13761,40 +13628,24 @@
             </a:r>
             <a:r>
               <a:rPr lang="zh-CN" altLang="en-US" dirty="0"/>
-              <a:t>是个非常常用而且比较重要的函数</a:t>
-            </a:r>
-            <a:r>
-              <a:rPr lang="zh-CN" altLang="en-US" dirty="0" smtClean="0"/>
-              <a:t>，</a:t>
-            </a:r>
-            <a:endParaRPr lang="en-US" altLang="zh-CN" dirty="0" smtClean="0"/>
+              <a:t>是个非常常用而且比较重要的函数，</a:t>
+            </a:r>
+            <a:endParaRPr lang="en-US" altLang="zh-CN" dirty="0"/>
           </a:p>
           <a:p>
             <a:pPr marL="0" indent="0">
               <a:buNone/>
             </a:pPr>
             <a:r>
-              <a:rPr lang="zh-CN" altLang="en-US" dirty="0" smtClean="0"/>
-              <a:t>尤其</a:t>
-            </a:r>
-            <a:r>
               <a:rPr lang="zh-CN" altLang="en-US" dirty="0"/>
-              <a:t>在多分类的场景中使用广泛</a:t>
-            </a:r>
-            <a:r>
-              <a:rPr lang="zh-CN" altLang="en-US" dirty="0" smtClean="0"/>
-              <a:t>。</a:t>
-            </a:r>
-            <a:endParaRPr lang="en-US" altLang="zh-CN" dirty="0" smtClean="0"/>
+              <a:t>尤其在多分类的场景中使用广泛。</a:t>
+            </a:r>
+            <a:endParaRPr lang="en-US" altLang="zh-CN" dirty="0"/>
           </a:p>
           <a:p>
             <a:r>
-              <a:rPr lang="zh-CN" altLang="en-US" dirty="0" smtClean="0"/>
-              <a:t>他</a:t>
-            </a:r>
-            <a:r>
               <a:rPr lang="zh-CN" altLang="en-US" dirty="0"/>
-              <a:t>把一些输入映射为</a:t>
+              <a:t>他把一些输入映射为</a:t>
             </a:r>
             <a:r>
               <a:rPr lang="en-US" altLang="zh-CN" dirty="0"/>
@@ -14028,15 +13879,15 @@
           <a:lstStyle/>
           <a:p>
             <a:r>
-              <a:rPr lang="zh-CN" altLang="en-US" smtClean="0"/>
+              <a:rPr lang="zh-CN" altLang="en-US"/>
               <a:t>请在插入菜单</a:t>
             </a:r>
             <a:r>
-              <a:rPr lang="en-US" altLang="zh-CN" smtClean="0"/>
+              <a:rPr lang="en-US" altLang="zh-CN"/>
               <a:t>—</a:t>
             </a:r>
             <a:r>
-              <a:rPr lang="zh-CN" altLang="en-US" smtClean="0"/>
+              <a:rPr lang="zh-CN" altLang="en-US"/>
               <a:t>页眉和页脚中修改此文本</a:t>
             </a:r>
             <a:endParaRPr lang="zh-CN" altLang="en-US" dirty="0"/>
@@ -14083,11 +13934,11 @@
           <a:lstStyle/>
           <a:p>
             <a:r>
-              <a:rPr lang="en-US" altLang="zh-TW" dirty="0" err="1" smtClean="0"/>
+              <a:rPr lang="en-US" altLang="zh-TW" dirty="0" err="1"/>
               <a:t>Softmax</a:t>
             </a:r>
             <a:r>
-              <a:rPr lang="en-US" altLang="zh-TW" dirty="0" smtClean="0"/>
+              <a:rPr lang="en-US" altLang="zh-TW" dirty="0"/>
               <a:t> function</a:t>
             </a:r>
             <a:endParaRPr lang="zh-TW" altLang="en-US" dirty="0"/>
@@ -14164,13 +14015,6 @@
   <p:clrMapOvr>
     <a:masterClrMapping/>
   </p:clrMapOvr>
-  <p:timing>
-    <p:tnLst>
-      <p:par>
-        <p:cTn id="1" dur="indefinite" restart="never" nodeType="tmRoot"/>
-      </p:par>
-    </p:tnLst>
-  </p:timing>
 </p:sld>
 </file>
 
@@ -14219,7 +14063,7 @@
           <p:cNvPr id="9" name="î$ḷíḋé">
             <a:extLst>
               <a:ext uri="{FF2B5EF4-FFF2-40B4-BE49-F238E27FC236}">
-                <a16:creationId xmlns:p14="http://schemas.microsoft.com/office/powerpoint/2010/main" xmlns:a16="http://schemas.microsoft.com/office/drawing/2014/main" xmlns="" id="{04F69230-F3A6-4586-9371-A858F4763E9F}"/>
+                <a16:creationId xmlns:a16="http://schemas.microsoft.com/office/drawing/2014/main" id="{04F69230-F3A6-4586-9371-A858F4763E9F}"/>
               </a:ext>
             </a:extLst>
           </p:cNvPr>
@@ -14249,7 +14093,7 @@
           <a:lstStyle/>
           <a:p>
             <a:r>
-              <a:rPr lang="en-US" altLang="zh-CN" spc="100" dirty="0" smtClean="0">
+              <a:rPr lang="en-US" altLang="zh-CN" spc="100" dirty="0">
                 <a:solidFill>
                   <a:schemeClr val="accent4"/>
                 </a:solidFill>
@@ -14259,7 +14103,7 @@
               <a:t>/</a:t>
             </a:r>
             <a:r>
-              <a:rPr lang="en-US" altLang="zh-CN" sz="100" spc="100" dirty="0" smtClean="0">
+              <a:rPr lang="en-US" altLang="zh-CN" sz="100" spc="100" dirty="0">
                 <a:solidFill>
                   <a:schemeClr val="accent4"/>
                 </a:solidFill>
@@ -14269,7 +14113,7 @@
               <a:t> </a:t>
             </a:r>
             <a:r>
-              <a:rPr lang="en-US" altLang="zh-CN" spc="100" dirty="0" smtClean="0">
+              <a:rPr lang="en-US" altLang="zh-CN" spc="100" dirty="0">
                 <a:solidFill>
                   <a:schemeClr val="accent4"/>
                 </a:solidFill>
@@ -14320,17 +14164,107 @@
   <p:clrMapOvr>
     <a:masterClrMapping/>
   </p:clrMapOvr>
-  <p:timing>
-    <p:tnLst>
-      <p:par>
-        <p:cTn id="1" dur="indefinite" restart="never" nodeType="tmRoot"/>
-      </p:par>
-    </p:tnLst>
-  </p:timing>
 </p:sld>
 </file>
 
 <file path=ppt/slides/slide23.xml><?xml version="1.0" encoding="utf-8"?>
+<p:sld xmlns:a="http://schemas.openxmlformats.org/drawingml/2006/main" xmlns:r="http://schemas.openxmlformats.org/officeDocument/2006/relationships" xmlns:p="http://schemas.openxmlformats.org/presentationml/2006/main">
+  <p:cSld>
+    <p:spTree>
+      <p:nvGrpSpPr>
+        <p:cNvPr id="1" name=""/>
+        <p:cNvGrpSpPr/>
+        <p:nvPr/>
+      </p:nvGrpSpPr>
+      <p:grpSpPr>
+        <a:xfrm>
+          <a:off x="0" y="0"/>
+          <a:ext cx="0" cy="0"/>
+          <a:chOff x="0" y="0"/>
+          <a:chExt cx="0" cy="0"/>
+        </a:xfrm>
+      </p:grpSpPr>
+      <p:sp>
+        <p:nvSpPr>
+          <p:cNvPr id="4" name="標題 3">
+            <a:extLst>
+              <a:ext uri="{FF2B5EF4-FFF2-40B4-BE49-F238E27FC236}">
+                <a16:creationId xmlns:a16="http://schemas.microsoft.com/office/drawing/2014/main" id="{DBF93AE9-6C3C-43A2-A10D-A15C50A25746}"/>
+              </a:ext>
+            </a:extLst>
+          </p:cNvPr>
+          <p:cNvSpPr>
+            <a:spLocks noGrp="1"/>
+          </p:cNvSpPr>
+          <p:nvPr>
+            <p:ph type="title"/>
+          </p:nvPr>
+        </p:nvSpPr>
+        <p:spPr/>
+        <p:txBody>
+          <a:bodyPr/>
+          <a:lstStyle/>
+          <a:p>
+            <a:r>
+              <a:rPr lang="en-US" altLang="zh-TW" dirty="0"/>
+              <a:t>RNN Demo	</a:t>
+            </a:r>
+            <a:endParaRPr lang="zh-TW" altLang="en-US" dirty="0"/>
+          </a:p>
+        </p:txBody>
+      </p:sp>
+      <p:pic>
+        <p:nvPicPr>
+          <p:cNvPr id="7" name="內容版面配置區 6">
+            <a:extLst>
+              <a:ext uri="{FF2B5EF4-FFF2-40B4-BE49-F238E27FC236}">
+                <a16:creationId xmlns:a16="http://schemas.microsoft.com/office/drawing/2014/main" id="{E7D68A11-0594-451B-B564-C1C4E791DF02}"/>
+              </a:ext>
+            </a:extLst>
+          </p:cNvPr>
+          <p:cNvPicPr>
+            <a:picLocks noGrp="1" noChangeAspect="1"/>
+          </p:cNvPicPr>
+          <p:nvPr>
+            <p:ph sz="quarter" idx="13"/>
+          </p:nvPr>
+        </p:nvPicPr>
+        <p:blipFill>
+          <a:blip r:embed="rId2">
+            <a:extLst>
+              <a:ext uri="{28A0092B-C50C-407E-A947-70E740481C1C}">
+                <a14:useLocalDpi xmlns:a14="http://schemas.microsoft.com/office/drawing/2010/main" val="0"/>
+              </a:ext>
+              <a:ext uri="{96DAC541-7B7A-43D3-8B79-37D633B846F1}">
+                <asvg:svgBlip xmlns:asvg="http://schemas.microsoft.com/office/drawing/2016/SVG/main" r:embed="rId3"/>
+              </a:ext>
+            </a:extLst>
+          </a:blip>
+          <a:stretch>
+            <a:fillRect/>
+          </a:stretch>
+        </p:blipFill>
+        <p:spPr>
+          <a:xfrm>
+            <a:off x="1542491" y="1736959"/>
+            <a:ext cx="8803424" cy="4525545"/>
+          </a:xfrm>
+        </p:spPr>
+      </p:pic>
+    </p:spTree>
+    <p:extLst>
+      <p:ext uri="{BB962C8B-B14F-4D97-AF65-F5344CB8AC3E}">
+        <p14:creationId xmlns:p14="http://schemas.microsoft.com/office/powerpoint/2010/main" val="351347546"/>
+      </p:ext>
+    </p:extLst>
+  </p:cSld>
+  <p:clrMapOvr>
+    <a:masterClrMapping/>
+  </p:clrMapOvr>
+</p:sld>
+</file>
+
+<file path=ppt/slides/slide24.xml><?xml version="1.0" encoding="utf-8"?>
 <p:sld xmlns:a="http://schemas.openxmlformats.org/drawingml/2006/main" xmlns:r="http://schemas.openxmlformats.org/officeDocument/2006/relationships" xmlns:p="http://schemas.openxmlformats.org/presentationml/2006/main">
   <p:cSld>
     <p:spTree>
@@ -14363,23 +14297,23 @@
           <a:lstStyle/>
           <a:p>
             <a:r>
-              <a:rPr lang="zh-CN" altLang="en-US" smtClean="0"/>
+              <a:rPr lang="zh-CN" altLang="en-US"/>
               <a:t>请在插入菜单</a:t>
             </a:r>
             <a:r>
-              <a:rPr lang="en-US" altLang="zh-CN" smtClean="0"/>
+              <a:rPr lang="en-US" altLang="zh-CN"/>
               <a:t>—</a:t>
             </a:r>
             <a:r>
-              <a:rPr lang="zh-CN" altLang="en-US" smtClean="0"/>
+              <a:rPr lang="zh-CN" altLang="en-US"/>
               <a:t>页眉和页脚</a:t>
             </a:r>
             <a:r>
-              <a:rPr lang="zh-CN" altLang="en-US" sz="100" smtClean="0"/>
+              <a:rPr lang="zh-CN" altLang="en-US" sz="100"/>
               <a:t> </a:t>
             </a:r>
             <a:r>
-              <a:rPr lang="zh-CN" altLang="en-US" smtClean="0"/>
+              <a:rPr lang="zh-CN" altLang="en-US"/>
               <a:t>中修改此文本</a:t>
             </a:r>
             <a:endParaRPr lang="zh-CN" altLang="en-US" dirty="0"/>
@@ -14404,7 +14338,7 @@
             <a:fld id="{5DD3DB80-B894-403A-B48E-6FDC1A72010E}" type="slidenum">
               <a:rPr lang="zh-CN" altLang="en-US" smtClean="0"/>
               <a:pPr/>
-              <a:t>23</a:t>
+              <a:t>24</a:t>
             </a:fld>
             <a:endParaRPr lang="zh-CN" altLang="en-US"/>
           </a:p>
@@ -14426,7 +14360,7 @@
           <a:lstStyle/>
           <a:p>
             <a:r>
-              <a:rPr lang="en-US" altLang="zh-CN" dirty="0" smtClean="0"/>
+              <a:rPr lang="en-US" altLang="zh-CN" dirty="0"/>
               <a:t>RNN Demo</a:t>
             </a:r>
             <a:endParaRPr lang="zh-CN" altLang="en-US" dirty="0"/>
@@ -14452,15 +14386,9 @@
               <a:rPr lang="en-US" altLang="zh-TW" dirty="0">
                 <a:hlinkClick r:id="rId3"/>
               </a:rPr>
-              <a:t>http://</a:t>
-            </a:r>
-            <a:r>
-              <a:rPr lang="en-US" altLang="zh-TW" dirty="0" smtClean="0">
-                <a:hlinkClick r:id="rId3"/>
-              </a:rPr>
-              <a:t>www.gunniliang.com/notebooks/Delete/git_r/two_month_report/202011_2021_1/11_16_to_11_20_third/code/RNN_Keras.ipynb</a:t>
-            </a:r>
-            <a:endParaRPr lang="en-US" altLang="zh-TW" dirty="0" smtClean="0"/>
+              <a:t>http://www.gunniliang.com/notebooks/Delete/git_r/two_month_report/202011_2021_1/11_16_to_11_20_third/code/RNN_Keras.ipynb</a:t>
+            </a:r>
+            <a:endParaRPr lang="en-US" altLang="zh-TW" dirty="0"/>
           </a:p>
           <a:p>
             <a:endParaRPr lang="en-US" altLang="zh-TW" dirty="0"/>
@@ -14470,27 +14398,21 @@
               <a:rPr lang="en-US" altLang="zh-TW" dirty="0">
                 <a:hlinkClick r:id="rId4"/>
               </a:rPr>
-              <a:t>http://</a:t>
-            </a:r>
-            <a:r>
-              <a:rPr lang="en-US" altLang="zh-TW" dirty="0" smtClean="0">
-                <a:hlinkClick r:id="rId4"/>
-              </a:rPr>
-              <a:t>www.gunniliang.com/notebooks/Delete/git_r/two_month_report/202011_2021_1/11_16_to_11_20_third/code/RNN_Scratch.ipynb</a:t>
-            </a:r>
-            <a:endParaRPr lang="en-US" altLang="zh-TW" dirty="0" smtClean="0"/>
+              <a:t>http://www.gunniliang.com/notebooks/Delete/git_r/two_month_report/202011_2021_1/11_16_to_11_20_third/code/RNN_Scratch.ipynb</a:t>
+            </a:r>
+            <a:endParaRPr lang="en-US" altLang="zh-TW" dirty="0"/>
           </a:p>
           <a:p>
             <a:r>
-              <a:rPr lang="en-US" altLang="zh-TW" dirty="0" smtClean="0"/>
+              <a:rPr lang="en-US" altLang="zh-TW" dirty="0"/>
               <a:t>(</a:t>
             </a:r>
             <a:r>
-              <a:rPr lang="zh-TW" altLang="en-US" smtClean="0"/>
+              <a:rPr lang="zh-TW" altLang="en-US"/>
               <a:t>代碼部分 有些部分尚待整理解修正</a:t>
             </a:r>
             <a:r>
-              <a:rPr lang="en-US" altLang="zh-TW" smtClean="0"/>
+              <a:rPr lang="en-US" altLang="zh-TW"/>
               <a:t>)</a:t>
             </a:r>
             <a:endParaRPr lang="zh-TW" altLang="en-US" dirty="0"/>
@@ -14510,17 +14432,10 @@
   <p:clrMapOvr>
     <a:masterClrMapping/>
   </p:clrMapOvr>
-  <p:timing>
-    <p:tnLst>
-      <p:par>
-        <p:cTn id="1" dur="indefinite" restart="never" nodeType="tmRoot"/>
-      </p:par>
-    </p:tnLst>
-  </p:timing>
 </p:sld>
 </file>
 
-<file path=ppt/slides/slide24.xml><?xml version="1.0" encoding="utf-8"?>
+<file path=ppt/slides/slide25.xml><?xml version="1.0" encoding="utf-8"?>
 <p:sld xmlns:a="http://schemas.openxmlformats.org/drawingml/2006/main" xmlns:r="http://schemas.openxmlformats.org/officeDocument/2006/relationships" xmlns:p="http://schemas.openxmlformats.org/presentationml/2006/main">
   <p:cSld>
     <p:spTree>
@@ -14542,7 +14457,7 @@
           <p:cNvPr id="3" name="íṡḻiḓé" hidden="1">
             <a:extLst>
               <a:ext uri="{FF2B5EF4-FFF2-40B4-BE49-F238E27FC236}">
-                <a16:creationId xmlns:p14="http://schemas.microsoft.com/office/powerpoint/2010/main" xmlns:mc="http://schemas.openxmlformats.org/markup-compatibility/2006" xmlns:v="urn:schemas-microsoft-com:vml" xmlns:a16="http://schemas.microsoft.com/office/drawing/2014/main" xmlns="" id="{A6A819F1-33AF-45D7-8BF6-2B0A9769CAD4}"/>
+                <a16:creationId xmlns:a16="http://schemas.microsoft.com/office/drawing/2014/main" id="{A6A819F1-33AF-45D7-8BF6-2B0A9769CAD4}"/>
               </a:ext>
             </a:extLst>
           </p:cNvPr>
@@ -14565,7 +14480,7 @@
           <a:graphicData uri="http://schemas.openxmlformats.org/presentationml/2006/ole">
             <mc:AlternateContent xmlns:mc="http://schemas.openxmlformats.org/markup-compatibility/2006">
               <mc:Choice xmlns:v="urn:schemas-microsoft-com:vml" Requires="v">
-                <p:oleObj spid="_x0000_s3122" name="think-cell Slide" r:id="rId5" imgW="347" imgH="348" progId="TCLayout.ActiveDocument.1">
+                <p:oleObj spid="_x0000_s3123" name="think-cell Slide" r:id="rId5" imgW="347" imgH="348" progId="TCLayout.ActiveDocument.1">
                   <p:embed/>
                 </p:oleObj>
               </mc:Choice>
@@ -14577,7 +14492,7 @@
                       <p:cNvPr id="3" name="íṩ1iḑé" hidden="1">
                         <a:extLst>
                           <a:ext uri="{FF2B5EF4-FFF2-40B4-BE49-F238E27FC236}">
-                            <a16:creationId xmlns:p14="http://schemas.microsoft.com/office/powerpoint/2010/main" xmlns:v="urn:schemas-microsoft-com:vml" xmlns:a16="http://schemas.microsoft.com/office/drawing/2014/main" xmlns="" id="{A6A819F1-33AF-45D7-8BF6-2B0A9769CAD4}"/>
+                            <a16:creationId xmlns:a16="http://schemas.microsoft.com/office/drawing/2014/main" id="{A6A819F1-33AF-45D7-8BF6-2B0A9769CAD4}"/>
                           </a:ext>
                         </a:extLst>
                       </p:cNvPr>
@@ -14611,7 +14526,7 @@
           <p:cNvPr id="2" name="išľïďe" hidden="1">
             <a:extLst>
               <a:ext uri="{FF2B5EF4-FFF2-40B4-BE49-F238E27FC236}">
-                <a16:creationId xmlns:p14="http://schemas.microsoft.com/office/powerpoint/2010/main" xmlns:mc="http://schemas.openxmlformats.org/markup-compatibility/2006" xmlns:v="urn:schemas-microsoft-com:vml" xmlns:a16="http://schemas.microsoft.com/office/drawing/2014/main" xmlns="" id="{FF51F16D-1BAD-46EE-A6F4-B8B94C9DF628}"/>
+                <a16:creationId xmlns:a16="http://schemas.microsoft.com/office/drawing/2014/main" id="{FF51F16D-1BAD-46EE-A6F4-B8B94C9DF628}"/>
               </a:ext>
             </a:extLst>
           </p:cNvPr>
@@ -14687,30 +14602,26 @@
           <a:lstStyle/>
           <a:p>
             <a:r>
-              <a:rPr lang="en-US" altLang="zh-CN" sz="9600" dirty="0" err="1" smtClean="0"/>
+              <a:rPr lang="en-US" altLang="zh-CN" sz="9600" dirty="0" err="1"/>
               <a:t>tha</a:t>
             </a:r>
             <a:r>
-              <a:rPr lang="en-US" altLang="zh-CN" sz="100" dirty="0" smtClean="0"/>
+              <a:rPr lang="en-US" altLang="zh-CN" sz="100" dirty="0"/>
               <a:t> </a:t>
             </a:r>
             <a:r>
-              <a:rPr lang="en-US" altLang="zh-CN" sz="9600" dirty="0" err="1" smtClean="0"/>
+              <a:rPr lang="en-US" altLang="zh-CN" sz="9600" dirty="0" err="1"/>
               <a:t>nks</a:t>
             </a:r>
             <a:r>
               <a:rPr lang="en-US" altLang="zh-CN" sz="9600" dirty="0"/>
               <a:t>!</a:t>
-            </a:r>
-            <a:r>
-              <a:rPr lang="en-US" altLang="zh-CN" dirty="0"/>
-              <a:t/>
             </a:r>
             <a:br>
               <a:rPr lang="en-US" altLang="zh-CN" dirty="0"/>
             </a:br>
             <a:r>
-              <a:rPr lang="en-US" altLang="zh-CN" dirty="0" smtClean="0"/>
+              <a:rPr lang="en-US" altLang="zh-CN" dirty="0"/>
               <a:t>Complicated to be Simple</a:t>
             </a:r>
             <a:endParaRPr lang="zh-CN" altLang="en-US" dirty="0"/>
@@ -14733,15 +14644,15 @@
           <a:lstStyle/>
           <a:p>
             <a:r>
-              <a:rPr lang="en-US" altLang="zh-CN" smtClean="0"/>
+              <a:rPr lang="en-US" altLang="zh-CN"/>
               <a:t>ww</a:t>
             </a:r>
             <a:r>
-              <a:rPr lang="en-US" altLang="zh-CN" sz="100" smtClean="0"/>
+              <a:rPr lang="en-US" altLang="zh-CN" sz="100"/>
               <a:t> </a:t>
             </a:r>
             <a:r>
-              <a:rPr lang="en-US" altLang="zh-CN" smtClean="0"/>
+              <a:rPr lang="en-US" altLang="zh-CN"/>
               <a:t>w.islide.cc</a:t>
             </a:r>
             <a:endParaRPr lang="en-US" altLang="en-US" dirty="0"/>
@@ -14764,10 +14675,9 @@
           <a:lstStyle/>
           <a:p>
             <a:r>
-              <a:rPr lang="en-US" altLang="zh-CN" dirty="0" smtClean="0"/>
+              <a:rPr lang="en-US" altLang="zh-CN" dirty="0"/>
               <a:t>Sean,23742</a:t>
             </a:r>
-            <a:endParaRPr lang="en-US" altLang="zh-CN" dirty="0"/>
           </a:p>
         </p:txBody>
       </p:sp>
@@ -14776,7 +14686,7 @@
           <p:cNvPr id="13" name="îṣlíḍe">
             <a:extLst>
               <a:ext uri="{FF2B5EF4-FFF2-40B4-BE49-F238E27FC236}">
-                <a16:creationId xmlns:p14="http://schemas.microsoft.com/office/powerpoint/2010/main" xmlns:mc="http://schemas.openxmlformats.org/markup-compatibility/2006" xmlns:v="urn:schemas-microsoft-com:vml" xmlns:a16="http://schemas.microsoft.com/office/drawing/2014/main" xmlns="" id="{394FC8CD-4FAD-452B-A6ED-A378816FAA36}"/>
+                <a16:creationId xmlns:a16="http://schemas.microsoft.com/office/drawing/2014/main" id="{394FC8CD-4FAD-452B-A6ED-A378816FAA36}"/>
               </a:ext>
             </a:extLst>
           </p:cNvPr>
@@ -14819,7 +14729,7 @@
           <p:cNvPr id="14" name="ïSḻíďê">
             <a:extLst>
               <a:ext uri="{FF2B5EF4-FFF2-40B4-BE49-F238E27FC236}">
-                <a16:creationId xmlns:p14="http://schemas.microsoft.com/office/powerpoint/2010/main" xmlns:mc="http://schemas.openxmlformats.org/markup-compatibility/2006" xmlns:v="urn:schemas-microsoft-com:vml" xmlns:a16="http://schemas.microsoft.com/office/drawing/2014/main" xmlns="" id="{7C549D2A-4C2D-40D9-B2D1-E96901BFF877}"/>
+                <a16:creationId xmlns:a16="http://schemas.microsoft.com/office/drawing/2014/main" id="{7C549D2A-4C2D-40D9-B2D1-E96901BFF877}"/>
               </a:ext>
             </a:extLst>
           </p:cNvPr>
@@ -14870,13 +14780,6 @@
   <p:clrMapOvr>
     <a:masterClrMapping/>
   </p:clrMapOvr>
-  <p:timing>
-    <p:tnLst>
-      <p:par>
-        <p:cTn id="1" dur="indefinite" restart="never" nodeType="tmRoot"/>
-      </p:par>
-    </p:tnLst>
-  </p:timing>
 </p:sld>
 </file>
 
@@ -14929,7 +14832,7 @@
           <p:cNvPr id="9" name="î$ḷíḋé">
             <a:extLst>
               <a:ext uri="{FF2B5EF4-FFF2-40B4-BE49-F238E27FC236}">
-                <a16:creationId xmlns:p14="http://schemas.microsoft.com/office/powerpoint/2010/main" xmlns:a16="http://schemas.microsoft.com/office/drawing/2014/main" xmlns="" id="{04F69230-F3A6-4586-9371-A858F4763E9F}"/>
+                <a16:creationId xmlns:a16="http://schemas.microsoft.com/office/drawing/2014/main" id="{04F69230-F3A6-4586-9371-A858F4763E9F}"/>
               </a:ext>
             </a:extLst>
           </p:cNvPr>
@@ -14959,7 +14862,7 @@
           <a:lstStyle/>
           <a:p>
             <a:r>
-              <a:rPr lang="en-US" altLang="zh-CN" spc="100" smtClean="0">
+              <a:rPr lang="en-US" altLang="zh-CN" spc="100">
                 <a:solidFill>
                   <a:schemeClr val="accent4"/>
                 </a:solidFill>
@@ -14969,7 +14872,7 @@
               <a:t>/</a:t>
             </a:r>
             <a:r>
-              <a:rPr lang="en-US" altLang="zh-CN" sz="100" spc="100" smtClean="0">
+              <a:rPr lang="en-US" altLang="zh-CN" sz="100" spc="100">
                 <a:solidFill>
                   <a:schemeClr val="accent4"/>
                 </a:solidFill>
@@ -14979,7 +14882,7 @@
               <a:t> </a:t>
             </a:r>
             <a:r>
-              <a:rPr lang="en-US" altLang="zh-CN" spc="100" smtClean="0">
+              <a:rPr lang="en-US" altLang="zh-CN" spc="100">
                 <a:solidFill>
                   <a:schemeClr val="accent4"/>
                 </a:solidFill>
@@ -15030,13 +14933,6 @@
   <p:clrMapOvr>
     <a:masterClrMapping/>
   </p:clrMapOvr>
-  <p:timing>
-    <p:tnLst>
-      <p:par>
-        <p:cTn id="1" dur="indefinite" restart="never" nodeType="tmRoot"/>
-      </p:par>
-    </p:tnLst>
-  </p:timing>
 </p:sld>
 </file>
 
@@ -15100,15 +14996,7 @@
           <a:p>
             <a:r>
               <a:rPr lang="zh-TW" altLang="en-US" dirty="0"/>
-              <a:t>語言通常要考慮前言後語，以免斷章取義，也就是說，建立語言的相關模型</a:t>
-            </a:r>
-            <a:r>
-              <a:rPr lang="zh-TW" altLang="en-US" dirty="0" smtClean="0"/>
-              <a:t>，如果</a:t>
-            </a:r>
-            <a:r>
-              <a:rPr lang="zh-TW" altLang="en-US" dirty="0"/>
-              <a:t>能額外考慮上下文的關係，準確率就會顯著提高，因此，學者提出</a:t>
+              <a:t>語言通常要考慮前言後語，以免斷章取義，也就是說，建立語言的相關模型，如果能額外考慮上下文的關係，準確率就會顯著提高，因此，學者提出</a:t>
             </a:r>
             <a:r>
               <a:rPr lang="en-US" altLang="zh-TW" dirty="0"/>
@@ -15185,12 +15073,8 @@
               <a:t>) </a:t>
             </a:r>
             <a:r>
-              <a:rPr lang="zh-TW" altLang="en-US" dirty="0" smtClean="0"/>
-              <a:t>，改</a:t>
-            </a:r>
-            <a:r>
               <a:rPr lang="zh-TW" altLang="en-US" dirty="0"/>
-              <a:t>為下列公式，其中</a:t>
+              <a:t>，改為下列公式，其中</a:t>
             </a:r>
             <a:r>
               <a:rPr lang="en-US" altLang="zh-TW" dirty="0"/>
@@ -15326,13 +15210,6 @@
   <p:clrMapOvr>
     <a:masterClrMapping/>
   </p:clrMapOvr>
-  <p:timing>
-    <p:tnLst>
-      <p:par>
-        <p:cTn id="1" dur="indefinite" restart="never" nodeType="tmRoot"/>
-      </p:par>
-    </p:tnLst>
-  </p:timing>
 </p:sld>
 </file>
 
@@ -15369,15 +15246,15 @@
           <a:lstStyle/>
           <a:p>
             <a:r>
-              <a:rPr lang="zh-CN" altLang="en-US" smtClean="0"/>
+              <a:rPr lang="zh-CN" altLang="en-US"/>
               <a:t>请在插入菜单</a:t>
             </a:r>
             <a:r>
-              <a:rPr lang="en-US" altLang="zh-CN" smtClean="0"/>
+              <a:rPr lang="en-US" altLang="zh-CN"/>
               <a:t>—</a:t>
             </a:r>
             <a:r>
-              <a:rPr lang="zh-CN" altLang="en-US" smtClean="0"/>
+              <a:rPr lang="zh-CN" altLang="en-US"/>
               <a:t>页眉和页脚中修改此文本</a:t>
             </a:r>
             <a:endParaRPr lang="zh-CN" altLang="en-US" dirty="0"/>
@@ -15428,19 +15305,19 @@
               <a:t>RNN </a:t>
             </a:r>
             <a:r>
-              <a:rPr lang="zh-TW" altLang="en-US" dirty="0" smtClean="0"/>
+              <a:rPr lang="zh-TW" altLang="en-US" dirty="0"/>
               <a:t>簡介</a:t>
             </a:r>
             <a:r>
-              <a:rPr lang="en-US" altLang="zh-TW" dirty="0" smtClean="0"/>
+              <a:rPr lang="en-US" altLang="zh-TW" dirty="0"/>
               <a:t>(</a:t>
             </a:r>
             <a:r>
-              <a:rPr lang="zh-TW" altLang="en-US" dirty="0" smtClean="0"/>
+              <a:rPr lang="zh-TW" altLang="en-US" dirty="0"/>
               <a:t>單個神經元展開</a:t>
             </a:r>
             <a:r>
-              <a:rPr lang="en-US" altLang="zh-TW" dirty="0" smtClean="0"/>
+              <a:rPr lang="en-US" altLang="zh-TW" dirty="0"/>
               <a:t>)</a:t>
             </a:r>
             <a:endParaRPr lang="zh-TW" altLang="en-US" dirty="0"/>
@@ -15533,7 +15410,7 @@
           <a:lstStyle/>
           <a:p>
             <a:r>
-              <a:rPr lang="zh-TW" altLang="en-US" dirty="0" smtClean="0"/>
+              <a:rPr lang="zh-TW" altLang="en-US" dirty="0"/>
               <a:t>當前 </a:t>
             </a:r>
             <a:r>
@@ -15578,11 +15455,7 @@
             </a:r>
             <a:r>
               <a:rPr lang="en-US" altLang="zh-TW" dirty="0"/>
-              <a:t>』(Time Series</a:t>
-            </a:r>
-            <a:r>
-              <a:rPr lang="en-US" altLang="zh-TW" dirty="0" smtClean="0"/>
-              <a:t>)</a:t>
+              <a:t>』(Time Series)</a:t>
             </a:r>
             <a:endParaRPr lang="zh-TW" altLang="en-US" dirty="0"/>
           </a:p>
@@ -15789,18 +15662,17 @@
           <a:lstStyle/>
           <a:p>
             <a:r>
-              <a:rPr lang="zh-CN" altLang="en-US" dirty="0" smtClean="0"/>
+              <a:rPr lang="zh-CN" altLang="en-US" dirty="0"/>
               <a:t>请在插入菜单</a:t>
             </a:r>
             <a:r>
-              <a:rPr lang="en-US" altLang="zh-CN" dirty="0" smtClean="0"/>
+              <a:rPr lang="en-US" altLang="zh-CN" dirty="0"/>
               <a:t>—</a:t>
             </a:r>
             <a:r>
-              <a:rPr lang="zh-CN" altLang="en-US" dirty="0" smtClean="0"/>
+              <a:rPr lang="zh-CN" altLang="en-US" dirty="0"/>
               <a:t>页眉和页脚中修改此文本</a:t>
             </a:r>
-            <a:endParaRPr lang="zh-CN" altLang="en-US" dirty="0"/>
           </a:p>
         </p:txBody>
       </p:sp>
@@ -15907,13 +15779,6 @@
   <p:clrMapOvr>
     <a:masterClrMapping/>
   </p:clrMapOvr>
-  <p:timing>
-    <p:tnLst>
-      <p:par>
-        <p:cTn id="1" dur="indefinite" restart="never" nodeType="tmRoot"/>
-      </p:par>
-    </p:tnLst>
-  </p:timing>
 </p:sld>
 </file>
 
@@ -15950,15 +15815,15 @@
           <a:lstStyle/>
           <a:p>
             <a:r>
-              <a:rPr lang="zh-CN" altLang="en-US" smtClean="0"/>
+              <a:rPr lang="zh-CN" altLang="en-US"/>
               <a:t>请在插入菜单</a:t>
             </a:r>
             <a:r>
-              <a:rPr lang="en-US" altLang="zh-CN" smtClean="0"/>
+              <a:rPr lang="en-US" altLang="zh-CN"/>
               <a:t>—</a:t>
             </a:r>
             <a:r>
-              <a:rPr lang="zh-CN" altLang="en-US" smtClean="0"/>
+              <a:rPr lang="zh-CN" altLang="en-US"/>
               <a:t>页眉和页脚中修改此文本</a:t>
             </a:r>
             <a:endParaRPr lang="zh-CN" altLang="en-US" dirty="0"/>
@@ -16009,19 +15874,19 @@
               <a:t>RNN </a:t>
             </a:r>
             <a:r>
-              <a:rPr lang="zh-TW" altLang="en-US" dirty="0" smtClean="0"/>
+              <a:rPr lang="zh-TW" altLang="en-US" dirty="0"/>
               <a:t>簡介</a:t>
             </a:r>
             <a:r>
-              <a:rPr lang="en-US" altLang="zh-TW" dirty="0" smtClean="0"/>
+              <a:rPr lang="en-US" altLang="zh-TW" dirty="0"/>
               <a:t>(</a:t>
             </a:r>
             <a:r>
-              <a:rPr lang="zh-TW" altLang="en-US" smtClean="0"/>
+              <a:rPr lang="zh-TW" altLang="en-US"/>
               <a:t>單個神經元展開</a:t>
             </a:r>
             <a:r>
-              <a:rPr lang="en-US" altLang="zh-TW" smtClean="0"/>
+              <a:rPr lang="en-US" altLang="zh-TW"/>
               <a:t>)</a:t>
             </a:r>
             <a:endParaRPr lang="zh-TW" altLang="en-US" dirty="0"/>
@@ -16073,7 +15938,7 @@
           <a:lstStyle/>
           <a:p>
             <a:r>
-              <a:rPr lang="zh-TW" altLang="en-US" dirty="0" smtClean="0"/>
+              <a:rPr lang="zh-TW" altLang="en-US" dirty="0"/>
               <a:t>當前 </a:t>
             </a:r>
             <a:r>
@@ -16118,11 +15983,7 @@
             </a:r>
             <a:r>
               <a:rPr lang="en-US" altLang="zh-TW" dirty="0"/>
-              <a:t>』(Time Series</a:t>
-            </a:r>
-            <a:r>
-              <a:rPr lang="en-US" altLang="zh-TW" dirty="0" smtClean="0"/>
-              <a:t>)</a:t>
+              <a:t>』(Time Series)</a:t>
             </a:r>
             <a:endParaRPr lang="zh-TW" altLang="en-US" dirty="0"/>
           </a:p>
@@ -16386,7 +16247,7 @@
           <p:cNvPr id="9" name="î$ḷíḋé">
             <a:extLst>
               <a:ext uri="{FF2B5EF4-FFF2-40B4-BE49-F238E27FC236}">
-                <a16:creationId xmlns:p14="http://schemas.microsoft.com/office/powerpoint/2010/main" xmlns:a16="http://schemas.microsoft.com/office/drawing/2014/main" xmlns="" id="{04F69230-F3A6-4586-9371-A858F4763E9F}"/>
+                <a16:creationId xmlns:a16="http://schemas.microsoft.com/office/drawing/2014/main" id="{04F69230-F3A6-4586-9371-A858F4763E9F}"/>
               </a:ext>
             </a:extLst>
           </p:cNvPr>
@@ -16416,7 +16277,7 @@
           <a:lstStyle/>
           <a:p>
             <a:r>
-              <a:rPr lang="en-US" altLang="zh-CN" spc="100" dirty="0" smtClean="0">
+              <a:rPr lang="en-US" altLang="zh-CN" spc="100" dirty="0">
                 <a:solidFill>
                   <a:schemeClr val="accent4"/>
                 </a:solidFill>
@@ -16426,7 +16287,7 @@
               <a:t>/</a:t>
             </a:r>
             <a:r>
-              <a:rPr lang="en-US" altLang="zh-CN" sz="100" spc="100" dirty="0" smtClean="0">
+              <a:rPr lang="en-US" altLang="zh-CN" sz="100" spc="100" dirty="0">
                 <a:solidFill>
                   <a:schemeClr val="accent4"/>
                 </a:solidFill>
@@ -16436,7 +16297,7 @@
               <a:t> </a:t>
             </a:r>
             <a:r>
-              <a:rPr lang="en-US" altLang="zh-CN" spc="100" dirty="0" smtClean="0">
+              <a:rPr lang="en-US" altLang="zh-CN" spc="100" dirty="0">
                 <a:solidFill>
                   <a:schemeClr val="accent4"/>
                 </a:solidFill>
@@ -16487,13 +16348,6 @@
   <p:clrMapOvr>
     <a:masterClrMapping/>
   </p:clrMapOvr>
-  <p:timing>
-    <p:tnLst>
-      <p:par>
-        <p:cTn id="1" dur="indefinite" restart="never" nodeType="tmRoot"/>
-      </p:par>
-    </p:tnLst>
-  </p:timing>
 </p:sld>
 </file>
 
@@ -16557,23 +16411,15 @@
           <a:p>
             <a:r>
               <a:rPr lang="zh-CN" altLang="en-US" dirty="0"/>
-              <a:t>最基本的单层网络结构，输入</a:t>
-            </a:r>
-            <a:r>
-              <a:rPr lang="zh-CN" altLang="en-US" dirty="0" smtClean="0"/>
-              <a:t>是</a:t>
-            </a:r>
-            <a:r>
-              <a:rPr lang="en-US" altLang="zh-CN" dirty="0" smtClean="0"/>
+              <a:t>最基本的单层网络结构，输入是</a:t>
+            </a:r>
+            <a:r>
+              <a:rPr lang="en-US" altLang="zh-CN" dirty="0"/>
               <a:t>x</a:t>
             </a:r>
             <a:r>
-              <a:rPr lang="zh-CN" altLang="en-US" dirty="0" smtClean="0"/>
-              <a:t>，</a:t>
-            </a:r>
-            <a:r>
               <a:rPr lang="zh-CN" altLang="en-US" dirty="0"/>
-              <a:t>经过变换</a:t>
+              <a:t>，经过变换</a:t>
             </a:r>
             <a:r>
               <a:rPr lang="en-US" altLang="zh-CN" dirty="0" err="1"/>
@@ -17258,7 +17104,7 @@
   <a:extraClrSchemeLst/>
   <a:extLst>
     <a:ext uri="{05A4C25C-085E-4340-85A3-A5531E510DB2}">
-      <thm15:themeFamily xmlns:thm15="http://schemas.microsoft.com/office/thememl/2012/main" xmlns="" name="主题5" id="{B8EDB911-D765-4A7B-BBC7-40DBB672FBA6}" vid="{AECAB1C0-5DF6-436C-85E8-20094DBE11C0}"/>
+      <thm15:themeFamily xmlns:thm15="http://schemas.microsoft.com/office/thememl/2012/main" name="主题5" id="{B8EDB911-D765-4A7B-BBC7-40DBB672FBA6}" vid="{AECAB1C0-5DF6-436C-85E8-20094DBE11C0}"/>
     </a:ext>
   </a:extLst>
 </a:theme>
@@ -17519,7 +17365,7 @@
   <a:extraClrSchemeLst/>
   <a:extLst>
     <a:ext uri="{05A4C25C-085E-4340-85A3-A5531E510DB2}">
-      <thm15:themeFamily xmlns:thm15="http://schemas.microsoft.com/office/thememl/2012/main" xmlns="" name="Office Theme" id="{62F939B6-93AF-4DB8-9C6B-D6C7DFDC589F}" vid="{4A3C46E8-61CC-4603-A589-7422A47A8E4A}"/>
+      <thm15:themeFamily xmlns:thm15="http://schemas.microsoft.com/office/thememl/2012/main" name="Office Theme" id="{62F939B6-93AF-4DB8-9C6B-D6C7DFDC589F}" vid="{4A3C46E8-61CC-4603-A589-7422A47A8E4A}"/>
     </a:ext>
   </a:extLst>
 </a:theme>
@@ -17814,7 +17660,7 @@
   <a:extraClrSchemeLst/>
   <a:extLst>
     <a:ext uri="{05A4C25C-085E-4340-85A3-A5531E510DB2}">
-      <thm15:themeFamily xmlns:thm15="http://schemas.microsoft.com/office/thememl/2012/main" xmlns="" name="Office Theme" id="{62F939B6-93AF-4DB8-9C6B-D6C7DFDC589F}" vid="{4A3C46E8-61CC-4603-A589-7422A47A8E4A}"/>
+      <thm15:themeFamily xmlns:thm15="http://schemas.microsoft.com/office/thememl/2012/main" name="Office Theme" id="{62F939B6-93AF-4DB8-9C6B-D6C7DFDC589F}" vid="{4A3C46E8-61CC-4603-A589-7422A47A8E4A}"/>
     </a:ext>
   </a:extLst>
 </a:theme>

--- a/11_16_to_11_20_third/3.RNN.pptx
+++ b/11_16_to_11_20_third/3.RNN.pptx
@@ -139,7 +139,7 @@
   </p:defaultTextStyle>
   <p:extLst>
     <p:ext uri="{EFAFB233-063F-42B5-8137-9DF3F51BA10A}">
-      <p15:sldGuideLst xmlns:p15="http://schemas.microsoft.com/office/powerpoint/2012/main">
+      <p15:sldGuideLst xmlns:p15="http://schemas.microsoft.com/office/powerpoint/2012/main" xmlns="">
         <p15:guide id="1" orient="horz" pos="2160">
           <p15:clr>
             <a:srgbClr val="A4A3A4"/>
@@ -153,7 +153,7 @@
       </p15:sldGuideLst>
     </p:ext>
     <p:ext uri="{2D200454-40CA-4A62-9FC3-DE9A4176ACB9}">
-      <p15:notesGuideLst xmlns:p15="http://schemas.microsoft.com/office/powerpoint/2012/main"/>
+      <p15:notesGuideLst xmlns:p15="http://schemas.microsoft.com/office/powerpoint/2012/main" xmlns=""/>
     </p:ext>
   </p:extLst>
 </p:presentation>
@@ -379,7 +379,7 @@
           <p:cNvPr id="2" name="页眉占位符 1">
             <a:extLst>
               <a:ext uri="{FF2B5EF4-FFF2-40B4-BE49-F238E27FC236}">
-                <a16:creationId xmlns:a16="http://schemas.microsoft.com/office/drawing/2014/main" id="{B9A56829-66AA-42AA-918E-5C6DB1AE50A7}"/>
+                <a16:creationId xmlns:a16="http://schemas.microsoft.com/office/drawing/2014/main" xmlns="" id="{B9A56829-66AA-42AA-918E-5C6DB1AE50A7}"/>
               </a:ext>
             </a:extLst>
           </p:cNvPr>
@@ -416,7 +416,7 @@
           <p:cNvPr id="3" name="日期占位符 2">
             <a:extLst>
               <a:ext uri="{FF2B5EF4-FFF2-40B4-BE49-F238E27FC236}">
-                <a16:creationId xmlns:a16="http://schemas.microsoft.com/office/drawing/2014/main" id="{241084A9-BC5C-4420-B17C-51E328D45576}"/>
+                <a16:creationId xmlns:a16="http://schemas.microsoft.com/office/drawing/2014/main" xmlns="" id="{241084A9-BC5C-4420-B17C-51E328D45576}"/>
               </a:ext>
             </a:extLst>
           </p:cNvPr>
@@ -446,7 +446,7 @@
           <a:p>
             <a:fld id="{B478E0E4-DC06-4041-AFA7-BB6F527FFA3F}" type="datetimeFigureOut">
               <a:rPr lang="zh-CN" altLang="en-US" smtClean="0"/>
-              <a:t>2020/11/20</a:t>
+              <a:t>2020/11/21</a:t>
             </a:fld>
             <a:endParaRPr lang="zh-CN" altLang="en-US"/>
           </a:p>
@@ -457,7 +457,7 @@
           <p:cNvPr id="4" name="页脚占位符 3">
             <a:extLst>
               <a:ext uri="{FF2B5EF4-FFF2-40B4-BE49-F238E27FC236}">
-                <a16:creationId xmlns:a16="http://schemas.microsoft.com/office/drawing/2014/main" id="{0D6F2124-7B35-4E59-B9E8-DB09EE1408A4}"/>
+                <a16:creationId xmlns:a16="http://schemas.microsoft.com/office/drawing/2014/main" xmlns="" id="{0D6F2124-7B35-4E59-B9E8-DB09EE1408A4}"/>
               </a:ext>
             </a:extLst>
           </p:cNvPr>
@@ -494,7 +494,7 @@
           <p:cNvPr id="5" name="灯片编号占位符 4">
             <a:extLst>
               <a:ext uri="{FF2B5EF4-FFF2-40B4-BE49-F238E27FC236}">
-                <a16:creationId xmlns:a16="http://schemas.microsoft.com/office/drawing/2014/main" id="{F2BF8FFE-D997-4E34-9A01-CD2014B95241}"/>
+                <a16:creationId xmlns:a16="http://schemas.microsoft.com/office/drawing/2014/main" xmlns="" id="{F2BF8FFE-D997-4E34-9A01-CD2014B95241}"/>
               </a:ext>
             </a:extLst>
           </p:cNvPr>
@@ -623,7 +623,7 @@
           <a:p>
             <a:fld id="{E86D8963-CFCD-4740-AF60-049850373CDF}" type="datetimeFigureOut">
               <a:rPr lang="zh-CN" altLang="en-US" smtClean="0"/>
-              <a:t>2020/11/20</a:t>
+              <a:t>2020/11/21</a:t>
             </a:fld>
             <a:endParaRPr lang="zh-CN" altLang="en-US"/>
           </a:p>
@@ -912,7 +912,7 @@
           <p:cNvPr id="2" name="îṩ1ïdê">
             <a:extLst>
               <a:ext uri="{FF2B5EF4-FFF2-40B4-BE49-F238E27FC236}">
-                <a16:creationId xmlns:a16="http://schemas.microsoft.com/office/drawing/2014/main" id="{B165F2F7-32E4-4AF8-8657-36AC30D78579}"/>
+                <a16:creationId xmlns:a16="http://schemas.microsoft.com/office/drawing/2014/main" xmlns="" id="{B165F2F7-32E4-4AF8-8657-36AC30D78579}"/>
               </a:ext>
             </a:extLst>
           </p:cNvPr>
@@ -1072,7 +1072,7 @@
           <p:cNvPr id="7" name="组合 6">
             <a:extLst>
               <a:ext uri="{FF2B5EF4-FFF2-40B4-BE49-F238E27FC236}">
-                <a16:creationId xmlns:a16="http://schemas.microsoft.com/office/drawing/2014/main" id="{3491D0C5-E57C-45B4-AFE5-02F7704CDCF6}"/>
+                <a16:creationId xmlns:a16="http://schemas.microsoft.com/office/drawing/2014/main" xmlns="" id="{3491D0C5-E57C-45B4-AFE5-02F7704CDCF6}"/>
               </a:ext>
             </a:extLst>
           </p:cNvPr>
@@ -1092,7 +1092,7 @@
             <p:cNvPr id="11" name="ïş1ïḓe">
               <a:extLst>
                 <a:ext uri="{FF2B5EF4-FFF2-40B4-BE49-F238E27FC236}">
-                  <a16:creationId xmlns:a16="http://schemas.microsoft.com/office/drawing/2014/main" id="{AAEF8C50-AF93-4B64-9F64-BC188B9CC986}"/>
+                  <a16:creationId xmlns:a16="http://schemas.microsoft.com/office/drawing/2014/main" xmlns="" id="{AAEF8C50-AF93-4B64-9F64-BC188B9CC986}"/>
                 </a:ext>
               </a:extLst>
             </p:cNvPr>
@@ -1176,7 +1176,7 @@
             <p:cNvPr id="14" name="ïş1îḓé">
               <a:extLst>
                 <a:ext uri="{FF2B5EF4-FFF2-40B4-BE49-F238E27FC236}">
-                  <a16:creationId xmlns:a16="http://schemas.microsoft.com/office/drawing/2014/main" id="{D1034528-61F0-451C-8439-59044CBBC42D}"/>
+                  <a16:creationId xmlns:a16="http://schemas.microsoft.com/office/drawing/2014/main" xmlns="" id="{D1034528-61F0-451C-8439-59044CBBC42D}"/>
                 </a:ext>
               </a:extLst>
             </p:cNvPr>
@@ -1269,7 +1269,7 @@
             <p:cNvPr id="15" name="íṡ1íḑè">
               <a:extLst>
                 <a:ext uri="{FF2B5EF4-FFF2-40B4-BE49-F238E27FC236}">
-                  <a16:creationId xmlns:a16="http://schemas.microsoft.com/office/drawing/2014/main" id="{443590D7-CA87-4478-AB6B-8DA2AC5C485A}"/>
+                  <a16:creationId xmlns:a16="http://schemas.microsoft.com/office/drawing/2014/main" xmlns="" id="{443590D7-CA87-4478-AB6B-8DA2AC5C485A}"/>
                 </a:ext>
               </a:extLst>
             </p:cNvPr>
@@ -1354,7 +1354,7 @@
             <p:cNvPr id="16" name="îṥḻiḍê">
               <a:extLst>
                 <a:ext uri="{FF2B5EF4-FFF2-40B4-BE49-F238E27FC236}">
-                  <a16:creationId xmlns:a16="http://schemas.microsoft.com/office/drawing/2014/main" id="{FD92C89C-9731-46F9-9B6E-376810BFF18B}"/>
+                  <a16:creationId xmlns:a16="http://schemas.microsoft.com/office/drawing/2014/main" xmlns="" id="{FD92C89C-9731-46F9-9B6E-376810BFF18B}"/>
                 </a:ext>
               </a:extLst>
             </p:cNvPr>
@@ -1439,7 +1439,7 @@
             <p:cNvPr id="17" name="iṥḷiḑè">
               <a:extLst>
                 <a:ext uri="{FF2B5EF4-FFF2-40B4-BE49-F238E27FC236}">
-                  <a16:creationId xmlns:a16="http://schemas.microsoft.com/office/drawing/2014/main" id="{A8591A9D-5538-4DEC-B405-54C510558903}"/>
+                  <a16:creationId xmlns:a16="http://schemas.microsoft.com/office/drawing/2014/main" xmlns="" id="{A8591A9D-5538-4DEC-B405-54C510558903}"/>
                 </a:ext>
               </a:extLst>
             </p:cNvPr>
@@ -1504,7 +1504,7 @@
             <p:cNvPr id="18" name="íṥḻíḑé">
               <a:extLst>
                 <a:ext uri="{FF2B5EF4-FFF2-40B4-BE49-F238E27FC236}">
-                  <a16:creationId xmlns:a16="http://schemas.microsoft.com/office/drawing/2014/main" id="{FC116EBF-5653-4BA4-837E-95BEB302B1FC}"/>
+                  <a16:creationId xmlns:a16="http://schemas.microsoft.com/office/drawing/2014/main" xmlns="" id="{FC116EBF-5653-4BA4-837E-95BEB302B1FC}"/>
                 </a:ext>
               </a:extLst>
             </p:cNvPr>
@@ -1569,7 +1569,7 @@
             <p:cNvPr id="19" name="ïsḷiďê">
               <a:extLst>
                 <a:ext uri="{FF2B5EF4-FFF2-40B4-BE49-F238E27FC236}">
-                  <a16:creationId xmlns:a16="http://schemas.microsoft.com/office/drawing/2014/main" id="{D7181733-982F-4ADC-B787-E92C178D9BE9}"/>
+                  <a16:creationId xmlns:a16="http://schemas.microsoft.com/office/drawing/2014/main" xmlns="" id="{D7181733-982F-4ADC-B787-E92C178D9BE9}"/>
                 </a:ext>
               </a:extLst>
             </p:cNvPr>
@@ -1664,7 +1664,7 @@
             <p:cNvPr id="20" name="îs1iḓê">
               <a:extLst>
                 <a:ext uri="{FF2B5EF4-FFF2-40B4-BE49-F238E27FC236}">
-                  <a16:creationId xmlns:a16="http://schemas.microsoft.com/office/drawing/2014/main" id="{75B1573A-D6DA-4E40-B952-FC6A6E899942}"/>
+                  <a16:creationId xmlns:a16="http://schemas.microsoft.com/office/drawing/2014/main" xmlns="" id="{75B1573A-D6DA-4E40-B952-FC6A6E899942}"/>
                 </a:ext>
               </a:extLst>
             </p:cNvPr>
@@ -1739,7 +1739,7 @@
             <p:cNvPr id="21" name="íṡḻïdé">
               <a:extLst>
                 <a:ext uri="{FF2B5EF4-FFF2-40B4-BE49-F238E27FC236}">
-                  <a16:creationId xmlns:a16="http://schemas.microsoft.com/office/drawing/2014/main" id="{A3C16CC0-0D98-42C3-ACDA-6C6B1AAA14CB}"/>
+                  <a16:creationId xmlns:a16="http://schemas.microsoft.com/office/drawing/2014/main" xmlns="" id="{A3C16CC0-0D98-42C3-ACDA-6C6B1AAA14CB}"/>
                 </a:ext>
               </a:extLst>
             </p:cNvPr>
@@ -1814,7 +1814,7 @@
             <p:cNvPr id="22" name="ïṧľiḑè">
               <a:extLst>
                 <a:ext uri="{FF2B5EF4-FFF2-40B4-BE49-F238E27FC236}">
-                  <a16:creationId xmlns:a16="http://schemas.microsoft.com/office/drawing/2014/main" id="{2EEC5EF2-9731-49D2-8E01-4BAE06CF1807}"/>
+                  <a16:creationId xmlns:a16="http://schemas.microsoft.com/office/drawing/2014/main" xmlns="" id="{2EEC5EF2-9731-49D2-8E01-4BAE06CF1807}"/>
                 </a:ext>
               </a:extLst>
             </p:cNvPr>
@@ -1889,7 +1889,7 @@
             <p:cNvPr id="23" name="íşľîḋè">
               <a:extLst>
                 <a:ext uri="{FF2B5EF4-FFF2-40B4-BE49-F238E27FC236}">
-                  <a16:creationId xmlns:a16="http://schemas.microsoft.com/office/drawing/2014/main" id="{07D33D98-ECF4-43C9-8F9B-502B76AA375A}"/>
+                  <a16:creationId xmlns:a16="http://schemas.microsoft.com/office/drawing/2014/main" xmlns="" id="{07D33D98-ECF4-43C9-8F9B-502B76AA375A}"/>
                 </a:ext>
               </a:extLst>
             </p:cNvPr>
@@ -1954,7 +1954,7 @@
             <p:cNvPr id="24" name="îšḷîḍè">
               <a:extLst>
                 <a:ext uri="{FF2B5EF4-FFF2-40B4-BE49-F238E27FC236}">
-                  <a16:creationId xmlns:a16="http://schemas.microsoft.com/office/drawing/2014/main" id="{06AFAADD-E47D-403A-8BCE-6B991B488491}"/>
+                  <a16:creationId xmlns:a16="http://schemas.microsoft.com/office/drawing/2014/main" xmlns="" id="{06AFAADD-E47D-403A-8BCE-6B991B488491}"/>
                 </a:ext>
               </a:extLst>
             </p:cNvPr>
@@ -2019,7 +2019,7 @@
             <p:cNvPr id="25" name="îŝļiḑè">
               <a:extLst>
                 <a:ext uri="{FF2B5EF4-FFF2-40B4-BE49-F238E27FC236}">
-                  <a16:creationId xmlns:a16="http://schemas.microsoft.com/office/drawing/2014/main" id="{F20679ED-F04B-48C0-86C1-4F4678D0EF44}"/>
+                  <a16:creationId xmlns:a16="http://schemas.microsoft.com/office/drawing/2014/main" xmlns="" id="{F20679ED-F04B-48C0-86C1-4F4678D0EF44}"/>
                 </a:ext>
               </a:extLst>
             </p:cNvPr>
@@ -2081,7 +2081,7 @@
             <p:cNvPr id="26" name="ïsḻïḓe">
               <a:extLst>
                 <a:ext uri="{FF2B5EF4-FFF2-40B4-BE49-F238E27FC236}">
-                  <a16:creationId xmlns:a16="http://schemas.microsoft.com/office/drawing/2014/main" id="{178FE26C-EAE2-489E-9818-2AD90604A6E7}"/>
+                  <a16:creationId xmlns:a16="http://schemas.microsoft.com/office/drawing/2014/main" xmlns="" id="{178FE26C-EAE2-489E-9818-2AD90604A6E7}"/>
                 </a:ext>
               </a:extLst>
             </p:cNvPr>
@@ -2143,7 +2143,7 @@
             <p:cNvPr id="27" name="îṥľíḑê">
               <a:extLst>
                 <a:ext uri="{FF2B5EF4-FFF2-40B4-BE49-F238E27FC236}">
-                  <a16:creationId xmlns:a16="http://schemas.microsoft.com/office/drawing/2014/main" id="{54C937FE-182B-4B4C-8B56-94274EF8727A}"/>
+                  <a16:creationId xmlns:a16="http://schemas.microsoft.com/office/drawing/2014/main" xmlns="" id="{54C937FE-182B-4B4C-8B56-94274EF8727A}"/>
                 </a:ext>
               </a:extLst>
             </p:cNvPr>
@@ -2205,7 +2205,7 @@
             <p:cNvPr id="28" name="iṧľíḑe">
               <a:extLst>
                 <a:ext uri="{FF2B5EF4-FFF2-40B4-BE49-F238E27FC236}">
-                  <a16:creationId xmlns:a16="http://schemas.microsoft.com/office/drawing/2014/main" id="{9EC454E6-4E34-40A0-B134-E27356DF1BD3}"/>
+                  <a16:creationId xmlns:a16="http://schemas.microsoft.com/office/drawing/2014/main" xmlns="" id="{9EC454E6-4E34-40A0-B134-E27356DF1BD3}"/>
                 </a:ext>
               </a:extLst>
             </p:cNvPr>
@@ -2267,7 +2267,7 @@
             <p:cNvPr id="29" name="íşḻïḑê">
               <a:extLst>
                 <a:ext uri="{FF2B5EF4-FFF2-40B4-BE49-F238E27FC236}">
-                  <a16:creationId xmlns:a16="http://schemas.microsoft.com/office/drawing/2014/main" id="{F02A9D5E-CFB2-42AA-A5C5-5E5778C6FCBE}"/>
+                  <a16:creationId xmlns:a16="http://schemas.microsoft.com/office/drawing/2014/main" xmlns="" id="{F02A9D5E-CFB2-42AA-A5C5-5E5778C6FCBE}"/>
                 </a:ext>
               </a:extLst>
             </p:cNvPr>
@@ -2363,7 +2363,7 @@
             <p:cNvPr id="30" name="išḻîḋè">
               <a:extLst>
                 <a:ext uri="{FF2B5EF4-FFF2-40B4-BE49-F238E27FC236}">
-                  <a16:creationId xmlns:a16="http://schemas.microsoft.com/office/drawing/2014/main" id="{2B76FEBA-B0C4-4066-ABF2-E33CBD44C45F}"/>
+                  <a16:creationId xmlns:a16="http://schemas.microsoft.com/office/drawing/2014/main" xmlns="" id="{2B76FEBA-B0C4-4066-ABF2-E33CBD44C45F}"/>
                 </a:ext>
               </a:extLst>
             </p:cNvPr>
@@ -2425,7 +2425,7 @@
             <p:cNvPr id="31" name="ïšliḋé">
               <a:extLst>
                 <a:ext uri="{FF2B5EF4-FFF2-40B4-BE49-F238E27FC236}">
-                  <a16:creationId xmlns:a16="http://schemas.microsoft.com/office/drawing/2014/main" id="{17F7742C-0E9E-453F-BF74-0A1870F594D9}"/>
+                  <a16:creationId xmlns:a16="http://schemas.microsoft.com/office/drawing/2014/main" xmlns="" id="{17F7742C-0E9E-453F-BF74-0A1870F594D9}"/>
                 </a:ext>
               </a:extLst>
             </p:cNvPr>
@@ -2487,7 +2487,7 @@
             <p:cNvPr id="32" name="íṣlídé">
               <a:extLst>
                 <a:ext uri="{FF2B5EF4-FFF2-40B4-BE49-F238E27FC236}">
-                  <a16:creationId xmlns:a16="http://schemas.microsoft.com/office/drawing/2014/main" id="{3B98F7CF-64A1-4A5B-B8EC-9178705C9901}"/>
+                  <a16:creationId xmlns:a16="http://schemas.microsoft.com/office/drawing/2014/main" xmlns="" id="{3B98F7CF-64A1-4A5B-B8EC-9178705C9901}"/>
                 </a:ext>
               </a:extLst>
             </p:cNvPr>
@@ -2549,7 +2549,7 @@
             <p:cNvPr id="33" name="ï$ľïḍé">
               <a:extLst>
                 <a:ext uri="{FF2B5EF4-FFF2-40B4-BE49-F238E27FC236}">
-                  <a16:creationId xmlns:a16="http://schemas.microsoft.com/office/drawing/2014/main" id="{8EB33BF9-35EF-4068-A574-8FBC5EEAC895}"/>
+                  <a16:creationId xmlns:a16="http://schemas.microsoft.com/office/drawing/2014/main" xmlns="" id="{8EB33BF9-35EF-4068-A574-8FBC5EEAC895}"/>
                 </a:ext>
               </a:extLst>
             </p:cNvPr>
@@ -2611,7 +2611,7 @@
             <p:cNvPr id="34" name="ï$1îḑé">
               <a:extLst>
                 <a:ext uri="{FF2B5EF4-FFF2-40B4-BE49-F238E27FC236}">
-                  <a16:creationId xmlns:a16="http://schemas.microsoft.com/office/drawing/2014/main" id="{66235EE7-FC71-4720-94D6-AE9E5A6E3B32}"/>
+                  <a16:creationId xmlns:a16="http://schemas.microsoft.com/office/drawing/2014/main" xmlns="" id="{66235EE7-FC71-4720-94D6-AE9E5A6E3B32}"/>
                 </a:ext>
               </a:extLst>
             </p:cNvPr>
@@ -2673,7 +2673,7 @@
             <p:cNvPr id="35" name="íşļiḓê">
               <a:extLst>
                 <a:ext uri="{FF2B5EF4-FFF2-40B4-BE49-F238E27FC236}">
-                  <a16:creationId xmlns:a16="http://schemas.microsoft.com/office/drawing/2014/main" id="{464E50F4-2AD9-4646-95B0-C615F448F8D7}"/>
+                  <a16:creationId xmlns:a16="http://schemas.microsoft.com/office/drawing/2014/main" xmlns="" id="{464E50F4-2AD9-4646-95B0-C615F448F8D7}"/>
                 </a:ext>
               </a:extLst>
             </p:cNvPr>
@@ -2735,7 +2735,7 @@
             <p:cNvPr id="36" name="iSliḍé">
               <a:extLst>
                 <a:ext uri="{FF2B5EF4-FFF2-40B4-BE49-F238E27FC236}">
-                  <a16:creationId xmlns:a16="http://schemas.microsoft.com/office/drawing/2014/main" id="{08FD15B7-89FA-4BA0-832E-9B9D9FF852D5}"/>
+                  <a16:creationId xmlns:a16="http://schemas.microsoft.com/office/drawing/2014/main" xmlns="" id="{08FD15B7-89FA-4BA0-832E-9B9D9FF852D5}"/>
                 </a:ext>
               </a:extLst>
             </p:cNvPr>
@@ -2797,7 +2797,7 @@
             <p:cNvPr id="37" name="îşļïde">
               <a:extLst>
                 <a:ext uri="{FF2B5EF4-FFF2-40B4-BE49-F238E27FC236}">
-                  <a16:creationId xmlns:a16="http://schemas.microsoft.com/office/drawing/2014/main" id="{4DACA41F-DADA-4149-8933-31488F26C8AD}"/>
+                  <a16:creationId xmlns:a16="http://schemas.microsoft.com/office/drawing/2014/main" xmlns="" id="{4DACA41F-DADA-4149-8933-31488F26C8AD}"/>
                 </a:ext>
               </a:extLst>
             </p:cNvPr>
@@ -2859,7 +2859,7 @@
             <p:cNvPr id="38" name="ï$ḻídè">
               <a:extLst>
                 <a:ext uri="{FF2B5EF4-FFF2-40B4-BE49-F238E27FC236}">
-                  <a16:creationId xmlns:a16="http://schemas.microsoft.com/office/drawing/2014/main" id="{C28E4710-C2A1-4505-AD75-E91E319AE73A}"/>
+                  <a16:creationId xmlns:a16="http://schemas.microsoft.com/office/drawing/2014/main" xmlns="" id="{C28E4710-C2A1-4505-AD75-E91E319AE73A}"/>
                 </a:ext>
               </a:extLst>
             </p:cNvPr>
@@ -2955,7 +2955,7 @@
             <p:cNvPr id="39" name="ísľíḑe">
               <a:extLst>
                 <a:ext uri="{FF2B5EF4-FFF2-40B4-BE49-F238E27FC236}">
-                  <a16:creationId xmlns:a16="http://schemas.microsoft.com/office/drawing/2014/main" id="{C323CC97-7CC7-4FA5-A665-16F8A2FDB29A}"/>
+                  <a16:creationId xmlns:a16="http://schemas.microsoft.com/office/drawing/2014/main" xmlns="" id="{C323CC97-7CC7-4FA5-A665-16F8A2FDB29A}"/>
                 </a:ext>
               </a:extLst>
             </p:cNvPr>
@@ -3020,7 +3020,7 @@
             <p:cNvPr id="40" name="íṩlîḑè">
               <a:extLst>
                 <a:ext uri="{FF2B5EF4-FFF2-40B4-BE49-F238E27FC236}">
-                  <a16:creationId xmlns:a16="http://schemas.microsoft.com/office/drawing/2014/main" id="{26A96D82-53D7-454D-B8F0-08C85B54A508}"/>
+                  <a16:creationId xmlns:a16="http://schemas.microsoft.com/office/drawing/2014/main" xmlns="" id="{26A96D82-53D7-454D-B8F0-08C85B54A508}"/>
                 </a:ext>
               </a:extLst>
             </p:cNvPr>
@@ -3160,7 +3160,7 @@
             <p:cNvPr id="41" name="iṡḻídê">
               <a:extLst>
                 <a:ext uri="{FF2B5EF4-FFF2-40B4-BE49-F238E27FC236}">
-                  <a16:creationId xmlns:a16="http://schemas.microsoft.com/office/drawing/2014/main" id="{00A55C22-40A5-4BCE-AB5C-0DBD7B43CF15}"/>
+                  <a16:creationId xmlns:a16="http://schemas.microsoft.com/office/drawing/2014/main" xmlns="" id="{00A55C22-40A5-4BCE-AB5C-0DBD7B43CF15}"/>
                 </a:ext>
               </a:extLst>
             </p:cNvPr>
@@ -3222,7 +3222,7 @@
             <p:cNvPr id="42" name="íŝḷîḋè">
               <a:extLst>
                 <a:ext uri="{FF2B5EF4-FFF2-40B4-BE49-F238E27FC236}">
-                  <a16:creationId xmlns:a16="http://schemas.microsoft.com/office/drawing/2014/main" id="{1E7E1B5A-4BA7-4930-AB12-641C32CB9B5D}"/>
+                  <a16:creationId xmlns:a16="http://schemas.microsoft.com/office/drawing/2014/main" xmlns="" id="{1E7E1B5A-4BA7-4930-AB12-641C32CB9B5D}"/>
                 </a:ext>
               </a:extLst>
             </p:cNvPr>
@@ -3284,7 +3284,7 @@
             <p:cNvPr id="43" name="işliḓè">
               <a:extLst>
                 <a:ext uri="{FF2B5EF4-FFF2-40B4-BE49-F238E27FC236}">
-                  <a16:creationId xmlns:a16="http://schemas.microsoft.com/office/drawing/2014/main" id="{463C39C0-BA97-46C8-947C-6A6BB4E7C9D1}"/>
+                  <a16:creationId xmlns:a16="http://schemas.microsoft.com/office/drawing/2014/main" xmlns="" id="{463C39C0-BA97-46C8-947C-6A6BB4E7C9D1}"/>
                 </a:ext>
               </a:extLst>
             </p:cNvPr>
@@ -3346,7 +3346,7 @@
             <p:cNvPr id="44" name="îsḻiḑé">
               <a:extLst>
                 <a:ext uri="{FF2B5EF4-FFF2-40B4-BE49-F238E27FC236}">
-                  <a16:creationId xmlns:a16="http://schemas.microsoft.com/office/drawing/2014/main" id="{DF04E304-5F07-4415-828B-0989704C8FE6}"/>
+                  <a16:creationId xmlns:a16="http://schemas.microsoft.com/office/drawing/2014/main" xmlns="" id="{DF04E304-5F07-4415-828B-0989704C8FE6}"/>
                 </a:ext>
               </a:extLst>
             </p:cNvPr>
@@ -3408,7 +3408,7 @@
             <p:cNvPr id="45" name="íṧľiḓê">
               <a:extLst>
                 <a:ext uri="{FF2B5EF4-FFF2-40B4-BE49-F238E27FC236}">
-                  <a16:creationId xmlns:a16="http://schemas.microsoft.com/office/drawing/2014/main" id="{9DE34A69-BC75-47AD-8DE0-15FDFEF5D179}"/>
+                  <a16:creationId xmlns:a16="http://schemas.microsoft.com/office/drawing/2014/main" xmlns="" id="{9DE34A69-BC75-47AD-8DE0-15FDFEF5D179}"/>
                 </a:ext>
               </a:extLst>
             </p:cNvPr>
@@ -3470,7 +3470,7 @@
             <p:cNvPr id="46" name="íSlíďé">
               <a:extLst>
                 <a:ext uri="{FF2B5EF4-FFF2-40B4-BE49-F238E27FC236}">
-                  <a16:creationId xmlns:a16="http://schemas.microsoft.com/office/drawing/2014/main" id="{F19E1891-22A9-4238-9A0E-D54742EB9A67}"/>
+                  <a16:creationId xmlns:a16="http://schemas.microsoft.com/office/drawing/2014/main" xmlns="" id="{F19E1891-22A9-4238-9A0E-D54742EB9A67}"/>
                 </a:ext>
               </a:extLst>
             </p:cNvPr>
@@ -3532,7 +3532,7 @@
             <p:cNvPr id="47" name="iś1ïdè">
               <a:extLst>
                 <a:ext uri="{FF2B5EF4-FFF2-40B4-BE49-F238E27FC236}">
-                  <a16:creationId xmlns:a16="http://schemas.microsoft.com/office/drawing/2014/main" id="{26F87FC7-C5C8-4289-A0E2-8F0511BE4D0F}"/>
+                  <a16:creationId xmlns:a16="http://schemas.microsoft.com/office/drawing/2014/main" xmlns="" id="{26F87FC7-C5C8-4289-A0E2-8F0511BE4D0F}"/>
                 </a:ext>
               </a:extLst>
             </p:cNvPr>
@@ -3594,7 +3594,7 @@
             <p:cNvPr id="48" name="îŝḷïḍé">
               <a:extLst>
                 <a:ext uri="{FF2B5EF4-FFF2-40B4-BE49-F238E27FC236}">
-                  <a16:creationId xmlns:a16="http://schemas.microsoft.com/office/drawing/2014/main" id="{AF3C94AB-652D-4CCA-BFC8-3BC7A5181E1F}"/>
+                  <a16:creationId xmlns:a16="http://schemas.microsoft.com/office/drawing/2014/main" xmlns="" id="{AF3C94AB-652D-4CCA-BFC8-3BC7A5181E1F}"/>
                 </a:ext>
               </a:extLst>
             </p:cNvPr>
@@ -3665,7 +3665,7 @@
             <p:cNvPr id="49" name="ïśļïďé">
               <a:extLst>
                 <a:ext uri="{FF2B5EF4-FFF2-40B4-BE49-F238E27FC236}">
-                  <a16:creationId xmlns:a16="http://schemas.microsoft.com/office/drawing/2014/main" id="{10BC1FCD-F8F1-411F-8B4C-46E128380494}"/>
+                  <a16:creationId xmlns:a16="http://schemas.microsoft.com/office/drawing/2014/main" xmlns="" id="{10BC1FCD-F8F1-411F-8B4C-46E128380494}"/>
                 </a:ext>
               </a:extLst>
             </p:cNvPr>
@@ -3736,7 +3736,7 @@
             <p:cNvPr id="50" name="íṧḷídè">
               <a:extLst>
                 <a:ext uri="{FF2B5EF4-FFF2-40B4-BE49-F238E27FC236}">
-                  <a16:creationId xmlns:a16="http://schemas.microsoft.com/office/drawing/2014/main" id="{D6954D73-841B-4674-94DA-57899B5C83FA}"/>
+                  <a16:creationId xmlns:a16="http://schemas.microsoft.com/office/drawing/2014/main" xmlns="" id="{D6954D73-841B-4674-94DA-57899B5C83FA}"/>
                 </a:ext>
               </a:extLst>
             </p:cNvPr>
@@ -4207,7 +4207,7 @@
           <p:cNvPr id="3" name="组合 2">
             <a:extLst>
               <a:ext uri="{FF2B5EF4-FFF2-40B4-BE49-F238E27FC236}">
-                <a16:creationId xmlns:a16="http://schemas.microsoft.com/office/drawing/2014/main" id="{C629003E-14DA-4608-82C8-F702B03C8C62}"/>
+                <a16:creationId xmlns:a16="http://schemas.microsoft.com/office/drawing/2014/main" xmlns="" id="{C629003E-14DA-4608-82C8-F702B03C8C62}"/>
               </a:ext>
             </a:extLst>
           </p:cNvPr>
@@ -4233,7 +4233,7 @@
             <p:cNvPr id="34" name="iSliḓê">
               <a:extLst>
                 <a:ext uri="{FF2B5EF4-FFF2-40B4-BE49-F238E27FC236}">
-                  <a16:creationId xmlns:a16="http://schemas.microsoft.com/office/drawing/2014/main" id="{80A47D5A-673E-4EDC-8FB1-C2A2486C802A}"/>
+                  <a16:creationId xmlns:a16="http://schemas.microsoft.com/office/drawing/2014/main" xmlns="" id="{80A47D5A-673E-4EDC-8FB1-C2A2486C802A}"/>
                 </a:ext>
               </a:extLst>
             </p:cNvPr>
@@ -4371,7 +4371,7 @@
             <p:cNvPr id="38" name="ïṣlîḓê">
               <a:extLst>
                 <a:ext uri="{FF2B5EF4-FFF2-40B4-BE49-F238E27FC236}">
-                  <a16:creationId xmlns:a16="http://schemas.microsoft.com/office/drawing/2014/main" id="{DCD89878-3878-44CD-816E-D1DB497D642B}"/>
+                  <a16:creationId xmlns:a16="http://schemas.microsoft.com/office/drawing/2014/main" xmlns="" id="{DCD89878-3878-44CD-816E-D1DB497D642B}"/>
                 </a:ext>
               </a:extLst>
             </p:cNvPr>
@@ -4437,7 +4437,7 @@
             <p:cNvPr id="39" name="îṧḻiďê">
               <a:extLst>
                 <a:ext uri="{FF2B5EF4-FFF2-40B4-BE49-F238E27FC236}">
-                  <a16:creationId xmlns:a16="http://schemas.microsoft.com/office/drawing/2014/main" id="{927A350C-74E8-4289-AD50-D152B2F20760}"/>
+                  <a16:creationId xmlns:a16="http://schemas.microsoft.com/office/drawing/2014/main" xmlns="" id="{927A350C-74E8-4289-AD50-D152B2F20760}"/>
                 </a:ext>
               </a:extLst>
             </p:cNvPr>
@@ -4503,7 +4503,7 @@
             <p:cNvPr id="40" name="îsļiďé">
               <a:extLst>
                 <a:ext uri="{FF2B5EF4-FFF2-40B4-BE49-F238E27FC236}">
-                  <a16:creationId xmlns:a16="http://schemas.microsoft.com/office/drawing/2014/main" id="{FA1565F5-351B-46F7-94BA-8DE2B624E1D4}"/>
+                  <a16:creationId xmlns:a16="http://schemas.microsoft.com/office/drawing/2014/main" xmlns="" id="{FA1565F5-351B-46F7-94BA-8DE2B624E1D4}"/>
                 </a:ext>
               </a:extLst>
             </p:cNvPr>
@@ -4569,7 +4569,7 @@
             <p:cNvPr id="41" name="ísľîḑê">
               <a:extLst>
                 <a:ext uri="{FF2B5EF4-FFF2-40B4-BE49-F238E27FC236}">
-                  <a16:creationId xmlns:a16="http://schemas.microsoft.com/office/drawing/2014/main" id="{F46A0CCC-6110-407E-8E6D-A1E655B7B10A}"/>
+                  <a16:creationId xmlns:a16="http://schemas.microsoft.com/office/drawing/2014/main" xmlns="" id="{F46A0CCC-6110-407E-8E6D-A1E655B7B10A}"/>
                 </a:ext>
               </a:extLst>
             </p:cNvPr>
@@ -4635,7 +4635,7 @@
             <p:cNvPr id="42" name="iṥlïďé">
               <a:extLst>
                 <a:ext uri="{FF2B5EF4-FFF2-40B4-BE49-F238E27FC236}">
-                  <a16:creationId xmlns:a16="http://schemas.microsoft.com/office/drawing/2014/main" id="{D83D0A40-C194-4C9B-8119-3AA087712412}"/>
+                  <a16:creationId xmlns:a16="http://schemas.microsoft.com/office/drawing/2014/main" xmlns="" id="{D83D0A40-C194-4C9B-8119-3AA087712412}"/>
                 </a:ext>
               </a:extLst>
             </p:cNvPr>
@@ -4706,7 +4706,7 @@
             <p:cNvPr id="43" name="îşḷiḍè">
               <a:extLst>
                 <a:ext uri="{FF2B5EF4-FFF2-40B4-BE49-F238E27FC236}">
-                  <a16:creationId xmlns:a16="http://schemas.microsoft.com/office/drawing/2014/main" id="{DE854E02-9D47-4D10-A040-E952102AC62D}"/>
+                  <a16:creationId xmlns:a16="http://schemas.microsoft.com/office/drawing/2014/main" xmlns="" id="{DE854E02-9D47-4D10-A040-E952102AC62D}"/>
                 </a:ext>
               </a:extLst>
             </p:cNvPr>
@@ -4808,7 +4808,7 @@
           <p:cNvPr id="3" name="日期占位符 2">
             <a:extLst>
               <a:ext uri="{FF2B5EF4-FFF2-40B4-BE49-F238E27FC236}">
-                <a16:creationId xmlns:a16="http://schemas.microsoft.com/office/drawing/2014/main" id="{9888B6D7-9D3F-49D7-BACE-73A9D1149A74}"/>
+                <a16:creationId xmlns:a16="http://schemas.microsoft.com/office/drawing/2014/main" xmlns="" id="{9888B6D7-9D3F-49D7-BACE-73A9D1149A74}"/>
               </a:ext>
             </a:extLst>
           </p:cNvPr>
@@ -4833,7 +4833,7 @@
           <p:cNvPr id="4" name="页脚占位符 3">
             <a:extLst>
               <a:ext uri="{FF2B5EF4-FFF2-40B4-BE49-F238E27FC236}">
-                <a16:creationId xmlns:a16="http://schemas.microsoft.com/office/drawing/2014/main" id="{7AC997A4-1DD8-4731-B9FD-42398A20FF85}"/>
+                <a16:creationId xmlns:a16="http://schemas.microsoft.com/office/drawing/2014/main" xmlns="" id="{7AC997A4-1DD8-4731-B9FD-42398A20FF85}"/>
               </a:ext>
             </a:extLst>
           </p:cNvPr>
@@ -4870,7 +4870,7 @@
           <p:cNvPr id="5" name="灯片编号占位符 4">
             <a:extLst>
               <a:ext uri="{FF2B5EF4-FFF2-40B4-BE49-F238E27FC236}">
-                <a16:creationId xmlns:a16="http://schemas.microsoft.com/office/drawing/2014/main" id="{DBA9825E-1876-42AD-ABCF-E0E100F351CA}"/>
+                <a16:creationId xmlns:a16="http://schemas.microsoft.com/office/drawing/2014/main" xmlns="" id="{DBA9825E-1876-42AD-ABCF-E0E100F351CA}"/>
               </a:ext>
             </a:extLst>
           </p:cNvPr>
@@ -4900,7 +4900,7 @@
           <p:cNvPr id="6" name="标题 5">
             <a:extLst>
               <a:ext uri="{FF2B5EF4-FFF2-40B4-BE49-F238E27FC236}">
-                <a16:creationId xmlns:a16="http://schemas.microsoft.com/office/drawing/2014/main" id="{D124F9DB-C87A-423F-9657-38C7A2901430}"/>
+                <a16:creationId xmlns:a16="http://schemas.microsoft.com/office/drawing/2014/main" xmlns="" id="{D124F9DB-C87A-423F-9657-38C7A2901430}"/>
               </a:ext>
             </a:extLst>
           </p:cNvPr>
@@ -4933,7 +4933,7 @@
           <p:cNvPr id="8" name="内容占位符 7">
             <a:extLst>
               <a:ext uri="{FF2B5EF4-FFF2-40B4-BE49-F238E27FC236}">
-                <a16:creationId xmlns:a16="http://schemas.microsoft.com/office/drawing/2014/main" id="{2070191C-4093-409C-8FD5-7369A79637AD}"/>
+                <a16:creationId xmlns:a16="http://schemas.microsoft.com/office/drawing/2014/main" xmlns="" id="{2070191C-4093-409C-8FD5-7369A79637AD}"/>
               </a:ext>
             </a:extLst>
           </p:cNvPr>
@@ -5042,7 +5042,7 @@
           <p:cNvPr id="2" name="标题 1">
             <a:extLst>
               <a:ext uri="{FF2B5EF4-FFF2-40B4-BE49-F238E27FC236}">
-                <a16:creationId xmlns:a16="http://schemas.microsoft.com/office/drawing/2014/main" id="{F21C7A1C-3684-4AAF-A408-C63B6CB64104}"/>
+                <a16:creationId xmlns:a16="http://schemas.microsoft.com/office/drawing/2014/main" xmlns="" id="{F21C7A1C-3684-4AAF-A408-C63B6CB64104}"/>
               </a:ext>
             </a:extLst>
           </p:cNvPr>
@@ -5075,7 +5075,7 @@
           <p:cNvPr id="3" name="日期占位符 2">
             <a:extLst>
               <a:ext uri="{FF2B5EF4-FFF2-40B4-BE49-F238E27FC236}">
-                <a16:creationId xmlns:a16="http://schemas.microsoft.com/office/drawing/2014/main" id="{8986EA5F-D77D-4318-90E9-C04AA8ADC0D1}"/>
+                <a16:creationId xmlns:a16="http://schemas.microsoft.com/office/drawing/2014/main" xmlns="" id="{8986EA5F-D77D-4318-90E9-C04AA8ADC0D1}"/>
               </a:ext>
             </a:extLst>
           </p:cNvPr>
@@ -5100,7 +5100,7 @@
           <p:cNvPr id="4" name="页脚占位符 3">
             <a:extLst>
               <a:ext uri="{FF2B5EF4-FFF2-40B4-BE49-F238E27FC236}">
-                <a16:creationId xmlns:a16="http://schemas.microsoft.com/office/drawing/2014/main" id="{00832621-D9D9-445E-BFF9-F8348FA1E262}"/>
+                <a16:creationId xmlns:a16="http://schemas.microsoft.com/office/drawing/2014/main" xmlns="" id="{00832621-D9D9-445E-BFF9-F8348FA1E262}"/>
               </a:ext>
             </a:extLst>
           </p:cNvPr>
@@ -5137,7 +5137,7 @@
           <p:cNvPr id="5" name="灯片编号占位符 4">
             <a:extLst>
               <a:ext uri="{FF2B5EF4-FFF2-40B4-BE49-F238E27FC236}">
-                <a16:creationId xmlns:a16="http://schemas.microsoft.com/office/drawing/2014/main" id="{8371151B-F790-4A9F-962F-B8718A9560A9}"/>
+                <a16:creationId xmlns:a16="http://schemas.microsoft.com/office/drawing/2014/main" xmlns="" id="{8371151B-F790-4A9F-962F-B8718A9560A9}"/>
               </a:ext>
             </a:extLst>
           </p:cNvPr>
@@ -5333,7 +5333,7 @@
           <p:cNvPr id="6" name="文本占位符 5">
             <a:extLst>
               <a:ext uri="{FF2B5EF4-FFF2-40B4-BE49-F238E27FC236}">
-                <a16:creationId xmlns:a16="http://schemas.microsoft.com/office/drawing/2014/main" id="{05EBDA4F-7210-4CAE-8333-80DB24212E78}"/>
+                <a16:creationId xmlns:a16="http://schemas.microsoft.com/office/drawing/2014/main" xmlns="" id="{05EBDA4F-7210-4CAE-8333-80DB24212E78}"/>
               </a:ext>
             </a:extLst>
           </p:cNvPr>
@@ -5394,7 +5394,7 @@
           <p:cNvPr id="7" name="组合 6">
             <a:extLst>
               <a:ext uri="{FF2B5EF4-FFF2-40B4-BE49-F238E27FC236}">
-                <a16:creationId xmlns:a16="http://schemas.microsoft.com/office/drawing/2014/main" id="{5B77603F-656A-4E2F-9228-E30568A2F1D6}"/>
+                <a16:creationId xmlns:a16="http://schemas.microsoft.com/office/drawing/2014/main" xmlns="" id="{5B77603F-656A-4E2F-9228-E30568A2F1D6}"/>
               </a:ext>
             </a:extLst>
           </p:cNvPr>
@@ -5414,7 +5414,7 @@
             <p:cNvPr id="8" name="îSḻïḍè">
               <a:extLst>
                 <a:ext uri="{FF2B5EF4-FFF2-40B4-BE49-F238E27FC236}">
-                  <a16:creationId xmlns:a16="http://schemas.microsoft.com/office/drawing/2014/main" id="{61BDFEB9-90AA-43E9-A12B-EFFF9287F99D}"/>
+                  <a16:creationId xmlns:a16="http://schemas.microsoft.com/office/drawing/2014/main" xmlns="" id="{61BDFEB9-90AA-43E9-A12B-EFFF9287F99D}"/>
                 </a:ext>
               </a:extLst>
             </p:cNvPr>
@@ -5498,7 +5498,7 @@
             <p:cNvPr id="9" name="iṧ1îďè">
               <a:extLst>
                 <a:ext uri="{FF2B5EF4-FFF2-40B4-BE49-F238E27FC236}">
-                  <a16:creationId xmlns:a16="http://schemas.microsoft.com/office/drawing/2014/main" id="{D6E33435-E28A-463E-9EC6-4FEF1432AC96}"/>
+                  <a16:creationId xmlns:a16="http://schemas.microsoft.com/office/drawing/2014/main" xmlns="" id="{D6E33435-E28A-463E-9EC6-4FEF1432AC96}"/>
                 </a:ext>
               </a:extLst>
             </p:cNvPr>
@@ -5591,7 +5591,7 @@
             <p:cNvPr id="10" name="íŝ1îḑê">
               <a:extLst>
                 <a:ext uri="{FF2B5EF4-FFF2-40B4-BE49-F238E27FC236}">
-                  <a16:creationId xmlns:a16="http://schemas.microsoft.com/office/drawing/2014/main" id="{9304A826-F780-4CF2-AEA1-5EB7122B87CE}"/>
+                  <a16:creationId xmlns:a16="http://schemas.microsoft.com/office/drawing/2014/main" xmlns="" id="{9304A826-F780-4CF2-AEA1-5EB7122B87CE}"/>
                 </a:ext>
               </a:extLst>
             </p:cNvPr>
@@ -5676,7 +5676,7 @@
             <p:cNvPr id="11" name="îṩľîḋè">
               <a:extLst>
                 <a:ext uri="{FF2B5EF4-FFF2-40B4-BE49-F238E27FC236}">
-                  <a16:creationId xmlns:a16="http://schemas.microsoft.com/office/drawing/2014/main" id="{276A2E36-748D-419C-9EE2-5DF2A51BE0C6}"/>
+                  <a16:creationId xmlns:a16="http://schemas.microsoft.com/office/drawing/2014/main" xmlns="" id="{276A2E36-748D-419C-9EE2-5DF2A51BE0C6}"/>
                 </a:ext>
               </a:extLst>
             </p:cNvPr>
@@ -5761,7 +5761,7 @@
             <p:cNvPr id="12" name="íṡ1ïḓe">
               <a:extLst>
                 <a:ext uri="{FF2B5EF4-FFF2-40B4-BE49-F238E27FC236}">
-                  <a16:creationId xmlns:a16="http://schemas.microsoft.com/office/drawing/2014/main" id="{20A4A09F-DE16-4168-819D-7F31D973EC1A}"/>
+                  <a16:creationId xmlns:a16="http://schemas.microsoft.com/office/drawing/2014/main" xmlns="" id="{20A4A09F-DE16-4168-819D-7F31D973EC1A}"/>
                 </a:ext>
               </a:extLst>
             </p:cNvPr>
@@ -5826,7 +5826,7 @@
             <p:cNvPr id="14" name="ïŝlîḍê">
               <a:extLst>
                 <a:ext uri="{FF2B5EF4-FFF2-40B4-BE49-F238E27FC236}">
-                  <a16:creationId xmlns:a16="http://schemas.microsoft.com/office/drawing/2014/main" id="{F8657E4E-B533-4A5A-9F5F-E5BE8ACB5AD2}"/>
+                  <a16:creationId xmlns:a16="http://schemas.microsoft.com/office/drawing/2014/main" xmlns="" id="{F8657E4E-B533-4A5A-9F5F-E5BE8ACB5AD2}"/>
                 </a:ext>
               </a:extLst>
             </p:cNvPr>
@@ -5891,7 +5891,7 @@
             <p:cNvPr id="16" name="íṧlîḓé">
               <a:extLst>
                 <a:ext uri="{FF2B5EF4-FFF2-40B4-BE49-F238E27FC236}">
-                  <a16:creationId xmlns:a16="http://schemas.microsoft.com/office/drawing/2014/main" id="{FD71861F-C75F-4733-AFC9-3907B077276A}"/>
+                  <a16:creationId xmlns:a16="http://schemas.microsoft.com/office/drawing/2014/main" xmlns="" id="{FD71861F-C75F-4733-AFC9-3907B077276A}"/>
                 </a:ext>
               </a:extLst>
             </p:cNvPr>
@@ -5986,7 +5986,7 @@
             <p:cNvPr id="17" name="îṡľiḑè">
               <a:extLst>
                 <a:ext uri="{FF2B5EF4-FFF2-40B4-BE49-F238E27FC236}">
-                  <a16:creationId xmlns:a16="http://schemas.microsoft.com/office/drawing/2014/main" id="{C5F246DD-0425-467A-8E23-DF1922ED4240}"/>
+                  <a16:creationId xmlns:a16="http://schemas.microsoft.com/office/drawing/2014/main" xmlns="" id="{C5F246DD-0425-467A-8E23-DF1922ED4240}"/>
                 </a:ext>
               </a:extLst>
             </p:cNvPr>
@@ -6061,7 +6061,7 @@
             <p:cNvPr id="18" name="íš1ïḑé">
               <a:extLst>
                 <a:ext uri="{FF2B5EF4-FFF2-40B4-BE49-F238E27FC236}">
-                  <a16:creationId xmlns:a16="http://schemas.microsoft.com/office/drawing/2014/main" id="{EB196468-BCAE-4BF5-B491-B37AF459C2E0}"/>
+                  <a16:creationId xmlns:a16="http://schemas.microsoft.com/office/drawing/2014/main" xmlns="" id="{EB196468-BCAE-4BF5-B491-B37AF459C2E0}"/>
                 </a:ext>
               </a:extLst>
             </p:cNvPr>
@@ -6136,7 +6136,7 @@
             <p:cNvPr id="19" name="ïṧḷîḍe">
               <a:extLst>
                 <a:ext uri="{FF2B5EF4-FFF2-40B4-BE49-F238E27FC236}">
-                  <a16:creationId xmlns:a16="http://schemas.microsoft.com/office/drawing/2014/main" id="{9A980BB4-0B9C-4CE7-B965-86D1DCCFF04C}"/>
+                  <a16:creationId xmlns:a16="http://schemas.microsoft.com/office/drawing/2014/main" xmlns="" id="{9A980BB4-0B9C-4CE7-B965-86D1DCCFF04C}"/>
                 </a:ext>
               </a:extLst>
             </p:cNvPr>
@@ -6211,7 +6211,7 @@
             <p:cNvPr id="20" name="iṡḻïḑe">
               <a:extLst>
                 <a:ext uri="{FF2B5EF4-FFF2-40B4-BE49-F238E27FC236}">
-                  <a16:creationId xmlns:a16="http://schemas.microsoft.com/office/drawing/2014/main" id="{D932A797-F983-471B-BFA8-F7F77258FAF6}"/>
+                  <a16:creationId xmlns:a16="http://schemas.microsoft.com/office/drawing/2014/main" xmlns="" id="{D932A797-F983-471B-BFA8-F7F77258FAF6}"/>
                 </a:ext>
               </a:extLst>
             </p:cNvPr>
@@ -6276,7 +6276,7 @@
             <p:cNvPr id="21" name="iṣliḋê">
               <a:extLst>
                 <a:ext uri="{FF2B5EF4-FFF2-40B4-BE49-F238E27FC236}">
-                  <a16:creationId xmlns:a16="http://schemas.microsoft.com/office/drawing/2014/main" id="{14E4C1FF-2C4A-414E-B7C1-76FC09803579}"/>
+                  <a16:creationId xmlns:a16="http://schemas.microsoft.com/office/drawing/2014/main" xmlns="" id="{14E4C1FF-2C4A-414E-B7C1-76FC09803579}"/>
                 </a:ext>
               </a:extLst>
             </p:cNvPr>
@@ -6341,7 +6341,7 @@
             <p:cNvPr id="22" name="îsḷïdê">
               <a:extLst>
                 <a:ext uri="{FF2B5EF4-FFF2-40B4-BE49-F238E27FC236}">
-                  <a16:creationId xmlns:a16="http://schemas.microsoft.com/office/drawing/2014/main" id="{22AC134A-B7EA-4D73-BF21-DE75251C3AB3}"/>
+                  <a16:creationId xmlns:a16="http://schemas.microsoft.com/office/drawing/2014/main" xmlns="" id="{22AC134A-B7EA-4D73-BF21-DE75251C3AB3}"/>
                 </a:ext>
               </a:extLst>
             </p:cNvPr>
@@ -6403,7 +6403,7 @@
             <p:cNvPr id="23" name="i$ḻïḍê">
               <a:extLst>
                 <a:ext uri="{FF2B5EF4-FFF2-40B4-BE49-F238E27FC236}">
-                  <a16:creationId xmlns:a16="http://schemas.microsoft.com/office/drawing/2014/main" id="{B2525ADC-09FA-43DB-8CDF-85CDAC67D7D6}"/>
+                  <a16:creationId xmlns:a16="http://schemas.microsoft.com/office/drawing/2014/main" xmlns="" id="{B2525ADC-09FA-43DB-8CDF-85CDAC67D7D6}"/>
                 </a:ext>
               </a:extLst>
             </p:cNvPr>
@@ -6465,7 +6465,7 @@
             <p:cNvPr id="24" name="iş1îďé">
               <a:extLst>
                 <a:ext uri="{FF2B5EF4-FFF2-40B4-BE49-F238E27FC236}">
-                  <a16:creationId xmlns:a16="http://schemas.microsoft.com/office/drawing/2014/main" id="{5797D739-E4EF-4020-8521-6BC146B06A4D}"/>
+                  <a16:creationId xmlns:a16="http://schemas.microsoft.com/office/drawing/2014/main" xmlns="" id="{5797D739-E4EF-4020-8521-6BC146B06A4D}"/>
                 </a:ext>
               </a:extLst>
             </p:cNvPr>
@@ -6527,7 +6527,7 @@
             <p:cNvPr id="25" name="iṧľiḍè">
               <a:extLst>
                 <a:ext uri="{FF2B5EF4-FFF2-40B4-BE49-F238E27FC236}">
-                  <a16:creationId xmlns:a16="http://schemas.microsoft.com/office/drawing/2014/main" id="{420139AB-8C14-45D0-B524-2B38E2B5CC4C}"/>
+                  <a16:creationId xmlns:a16="http://schemas.microsoft.com/office/drawing/2014/main" xmlns="" id="{420139AB-8C14-45D0-B524-2B38E2B5CC4C}"/>
                 </a:ext>
               </a:extLst>
             </p:cNvPr>
@@ -6589,7 +6589,7 @@
             <p:cNvPr id="26" name="îŝḷiďê">
               <a:extLst>
                 <a:ext uri="{FF2B5EF4-FFF2-40B4-BE49-F238E27FC236}">
-                  <a16:creationId xmlns:a16="http://schemas.microsoft.com/office/drawing/2014/main" id="{C2086326-1FF1-4885-9F22-89D180415FAD}"/>
+                  <a16:creationId xmlns:a16="http://schemas.microsoft.com/office/drawing/2014/main" xmlns="" id="{C2086326-1FF1-4885-9F22-89D180415FAD}"/>
                 </a:ext>
               </a:extLst>
             </p:cNvPr>
@@ -6685,7 +6685,7 @@
             <p:cNvPr id="27" name="ï$ḷiḍé">
               <a:extLst>
                 <a:ext uri="{FF2B5EF4-FFF2-40B4-BE49-F238E27FC236}">
-                  <a16:creationId xmlns:a16="http://schemas.microsoft.com/office/drawing/2014/main" id="{6DB36021-5313-40A9-920B-CBDED876EF45}"/>
+                  <a16:creationId xmlns:a16="http://schemas.microsoft.com/office/drawing/2014/main" xmlns="" id="{6DB36021-5313-40A9-920B-CBDED876EF45}"/>
                 </a:ext>
               </a:extLst>
             </p:cNvPr>
@@ -6747,7 +6747,7 @@
             <p:cNvPr id="28" name="ïşḷïḍe">
               <a:extLst>
                 <a:ext uri="{FF2B5EF4-FFF2-40B4-BE49-F238E27FC236}">
-                  <a16:creationId xmlns:a16="http://schemas.microsoft.com/office/drawing/2014/main" id="{6E199C5B-BAA8-49E4-BEB5-B476BF8BC2B1}"/>
+                  <a16:creationId xmlns:a16="http://schemas.microsoft.com/office/drawing/2014/main" xmlns="" id="{6E199C5B-BAA8-49E4-BEB5-B476BF8BC2B1}"/>
                 </a:ext>
               </a:extLst>
             </p:cNvPr>
@@ -6809,7 +6809,7 @@
             <p:cNvPr id="29" name="i$ḻïďé">
               <a:extLst>
                 <a:ext uri="{FF2B5EF4-FFF2-40B4-BE49-F238E27FC236}">
-                  <a16:creationId xmlns:a16="http://schemas.microsoft.com/office/drawing/2014/main" id="{6D1C2096-6C60-4112-830E-BF0A8DBC9AFC}"/>
+                  <a16:creationId xmlns:a16="http://schemas.microsoft.com/office/drawing/2014/main" xmlns="" id="{6D1C2096-6C60-4112-830E-BF0A8DBC9AFC}"/>
                 </a:ext>
               </a:extLst>
             </p:cNvPr>
@@ -6871,7 +6871,7 @@
             <p:cNvPr id="30" name="iṩḷîďè">
               <a:extLst>
                 <a:ext uri="{FF2B5EF4-FFF2-40B4-BE49-F238E27FC236}">
-                  <a16:creationId xmlns:a16="http://schemas.microsoft.com/office/drawing/2014/main" id="{8E2F55A0-1F8B-4DF8-9692-0E52FB38C449}"/>
+                  <a16:creationId xmlns:a16="http://schemas.microsoft.com/office/drawing/2014/main" xmlns="" id="{8E2F55A0-1F8B-4DF8-9692-0E52FB38C449}"/>
                 </a:ext>
               </a:extLst>
             </p:cNvPr>
@@ -6933,7 +6933,7 @@
             <p:cNvPr id="31" name="îśḷiḋè">
               <a:extLst>
                 <a:ext uri="{FF2B5EF4-FFF2-40B4-BE49-F238E27FC236}">
-                  <a16:creationId xmlns:a16="http://schemas.microsoft.com/office/drawing/2014/main" id="{FAEFDB25-C311-444C-8211-CA9D0D3E76C7}"/>
+                  <a16:creationId xmlns:a16="http://schemas.microsoft.com/office/drawing/2014/main" xmlns="" id="{FAEFDB25-C311-444C-8211-CA9D0D3E76C7}"/>
                 </a:ext>
               </a:extLst>
             </p:cNvPr>
@@ -6995,7 +6995,7 @@
             <p:cNvPr id="32" name="işlïďe">
               <a:extLst>
                 <a:ext uri="{FF2B5EF4-FFF2-40B4-BE49-F238E27FC236}">
-                  <a16:creationId xmlns:a16="http://schemas.microsoft.com/office/drawing/2014/main" id="{6F7FE01D-44F0-4E78-AA22-48B1A54F44A8}"/>
+                  <a16:creationId xmlns:a16="http://schemas.microsoft.com/office/drawing/2014/main" xmlns="" id="{6F7FE01D-44F0-4E78-AA22-48B1A54F44A8}"/>
                 </a:ext>
               </a:extLst>
             </p:cNvPr>
@@ -7057,7 +7057,7 @@
             <p:cNvPr id="33" name="iṧļîďê">
               <a:extLst>
                 <a:ext uri="{FF2B5EF4-FFF2-40B4-BE49-F238E27FC236}">
-                  <a16:creationId xmlns:a16="http://schemas.microsoft.com/office/drawing/2014/main" id="{E43ABFED-9DCE-4780-A17B-F275913025D6}"/>
+                  <a16:creationId xmlns:a16="http://schemas.microsoft.com/office/drawing/2014/main" xmlns="" id="{E43ABFED-9DCE-4780-A17B-F275913025D6}"/>
                 </a:ext>
               </a:extLst>
             </p:cNvPr>
@@ -7119,7 +7119,7 @@
             <p:cNvPr id="34" name="ïśľide">
               <a:extLst>
                 <a:ext uri="{FF2B5EF4-FFF2-40B4-BE49-F238E27FC236}">
-                  <a16:creationId xmlns:a16="http://schemas.microsoft.com/office/drawing/2014/main" id="{764B5643-59A7-4278-9C6C-C0772E988BD1}"/>
+                  <a16:creationId xmlns:a16="http://schemas.microsoft.com/office/drawing/2014/main" xmlns="" id="{764B5643-59A7-4278-9C6C-C0772E988BD1}"/>
                 </a:ext>
               </a:extLst>
             </p:cNvPr>
@@ -7181,7 +7181,7 @@
             <p:cNvPr id="35" name="îṣḷiďè">
               <a:extLst>
                 <a:ext uri="{FF2B5EF4-FFF2-40B4-BE49-F238E27FC236}">
-                  <a16:creationId xmlns:a16="http://schemas.microsoft.com/office/drawing/2014/main" id="{A35CCFB0-B280-422B-A372-F1E8A7B37BB7}"/>
+                  <a16:creationId xmlns:a16="http://schemas.microsoft.com/office/drawing/2014/main" xmlns="" id="{A35CCFB0-B280-422B-A372-F1E8A7B37BB7}"/>
                 </a:ext>
               </a:extLst>
             </p:cNvPr>
@@ -7277,7 +7277,7 @@
             <p:cNvPr id="36" name="i$líḓe">
               <a:extLst>
                 <a:ext uri="{FF2B5EF4-FFF2-40B4-BE49-F238E27FC236}">
-                  <a16:creationId xmlns:a16="http://schemas.microsoft.com/office/drawing/2014/main" id="{7F0DCF35-E893-4225-90D5-FBFE48B4C496}"/>
+                  <a16:creationId xmlns:a16="http://schemas.microsoft.com/office/drawing/2014/main" xmlns="" id="{7F0DCF35-E893-4225-90D5-FBFE48B4C496}"/>
                 </a:ext>
               </a:extLst>
             </p:cNvPr>
@@ -7342,7 +7342,7 @@
             <p:cNvPr id="37" name="ïṣḷíḓè">
               <a:extLst>
                 <a:ext uri="{FF2B5EF4-FFF2-40B4-BE49-F238E27FC236}">
-                  <a16:creationId xmlns:a16="http://schemas.microsoft.com/office/drawing/2014/main" id="{A4220D05-442F-428F-ACAE-0BDB7327EE45}"/>
+                  <a16:creationId xmlns:a16="http://schemas.microsoft.com/office/drawing/2014/main" xmlns="" id="{A4220D05-442F-428F-ACAE-0BDB7327EE45}"/>
                 </a:ext>
               </a:extLst>
             </p:cNvPr>
@@ -7482,7 +7482,7 @@
             <p:cNvPr id="38" name="ïślîḓe">
               <a:extLst>
                 <a:ext uri="{FF2B5EF4-FFF2-40B4-BE49-F238E27FC236}">
-                  <a16:creationId xmlns:a16="http://schemas.microsoft.com/office/drawing/2014/main" id="{CA00A810-C422-493F-8762-928602E1666F}"/>
+                  <a16:creationId xmlns:a16="http://schemas.microsoft.com/office/drawing/2014/main" xmlns="" id="{CA00A810-C422-493F-8762-928602E1666F}"/>
                 </a:ext>
               </a:extLst>
             </p:cNvPr>
@@ -7544,7 +7544,7 @@
             <p:cNvPr id="39" name="iṥļïďé">
               <a:extLst>
                 <a:ext uri="{FF2B5EF4-FFF2-40B4-BE49-F238E27FC236}">
-                  <a16:creationId xmlns:a16="http://schemas.microsoft.com/office/drawing/2014/main" id="{8731F971-066B-40AA-B136-58B67564B7ED}"/>
+                  <a16:creationId xmlns:a16="http://schemas.microsoft.com/office/drawing/2014/main" xmlns="" id="{8731F971-066B-40AA-B136-58B67564B7ED}"/>
                 </a:ext>
               </a:extLst>
             </p:cNvPr>
@@ -7606,7 +7606,7 @@
             <p:cNvPr id="40" name="iślíḓé">
               <a:extLst>
                 <a:ext uri="{FF2B5EF4-FFF2-40B4-BE49-F238E27FC236}">
-                  <a16:creationId xmlns:a16="http://schemas.microsoft.com/office/drawing/2014/main" id="{2AABD586-6310-40FF-82C3-735CEE851897}"/>
+                  <a16:creationId xmlns:a16="http://schemas.microsoft.com/office/drawing/2014/main" xmlns="" id="{2AABD586-6310-40FF-82C3-735CEE851897}"/>
                 </a:ext>
               </a:extLst>
             </p:cNvPr>
@@ -7668,7 +7668,7 @@
             <p:cNvPr id="41" name="îşḻïḑé">
               <a:extLst>
                 <a:ext uri="{FF2B5EF4-FFF2-40B4-BE49-F238E27FC236}">
-                  <a16:creationId xmlns:a16="http://schemas.microsoft.com/office/drawing/2014/main" id="{0BDE1E9B-62A3-46F4-AB87-D02F1D6E213F}"/>
+                  <a16:creationId xmlns:a16="http://schemas.microsoft.com/office/drawing/2014/main" xmlns="" id="{0BDE1E9B-62A3-46F4-AB87-D02F1D6E213F}"/>
                 </a:ext>
               </a:extLst>
             </p:cNvPr>
@@ -7730,7 +7730,7 @@
             <p:cNvPr id="42" name="iš1îḓe">
               <a:extLst>
                 <a:ext uri="{FF2B5EF4-FFF2-40B4-BE49-F238E27FC236}">
-                  <a16:creationId xmlns:a16="http://schemas.microsoft.com/office/drawing/2014/main" id="{1846F9CF-B441-4677-B6B7-A82071C6A24C}"/>
+                  <a16:creationId xmlns:a16="http://schemas.microsoft.com/office/drawing/2014/main" xmlns="" id="{1846F9CF-B441-4677-B6B7-A82071C6A24C}"/>
                 </a:ext>
               </a:extLst>
             </p:cNvPr>
@@ -7792,7 +7792,7 @@
             <p:cNvPr id="43" name="iṣļïḋê">
               <a:extLst>
                 <a:ext uri="{FF2B5EF4-FFF2-40B4-BE49-F238E27FC236}">
-                  <a16:creationId xmlns:a16="http://schemas.microsoft.com/office/drawing/2014/main" id="{E6025A34-46AE-457E-AC6F-3CE06D5B4606}"/>
+                  <a16:creationId xmlns:a16="http://schemas.microsoft.com/office/drawing/2014/main" xmlns="" id="{E6025A34-46AE-457E-AC6F-3CE06D5B4606}"/>
                 </a:ext>
               </a:extLst>
             </p:cNvPr>
@@ -7854,7 +7854,7 @@
             <p:cNvPr id="44" name="ïṧḻîdè">
               <a:extLst>
                 <a:ext uri="{FF2B5EF4-FFF2-40B4-BE49-F238E27FC236}">
-                  <a16:creationId xmlns:a16="http://schemas.microsoft.com/office/drawing/2014/main" id="{B3B1207A-F631-4D74-AF71-25164BFA4732}"/>
+                  <a16:creationId xmlns:a16="http://schemas.microsoft.com/office/drawing/2014/main" xmlns="" id="{B3B1207A-F631-4D74-AF71-25164BFA4732}"/>
                 </a:ext>
               </a:extLst>
             </p:cNvPr>
@@ -7916,7 +7916,7 @@
             <p:cNvPr id="45" name="ïṩlîḋè">
               <a:extLst>
                 <a:ext uri="{FF2B5EF4-FFF2-40B4-BE49-F238E27FC236}">
-                  <a16:creationId xmlns:a16="http://schemas.microsoft.com/office/drawing/2014/main" id="{BD4629EF-6FD7-495B-BABC-2117635C362D}"/>
+                  <a16:creationId xmlns:a16="http://schemas.microsoft.com/office/drawing/2014/main" xmlns="" id="{BD4629EF-6FD7-495B-BABC-2117635C362D}"/>
                 </a:ext>
               </a:extLst>
             </p:cNvPr>
@@ -7987,7 +7987,7 @@
             <p:cNvPr id="46" name="îśḻiḑê">
               <a:extLst>
                 <a:ext uri="{FF2B5EF4-FFF2-40B4-BE49-F238E27FC236}">
-                  <a16:creationId xmlns:a16="http://schemas.microsoft.com/office/drawing/2014/main" id="{CEEE656F-2B58-452E-8C4C-A5DC9C34C5FE}"/>
+                  <a16:creationId xmlns:a16="http://schemas.microsoft.com/office/drawing/2014/main" xmlns="" id="{CEEE656F-2B58-452E-8C4C-A5DC9C34C5FE}"/>
                 </a:ext>
               </a:extLst>
             </p:cNvPr>
@@ -8058,7 +8058,7 @@
             <p:cNvPr id="47" name="ísļîḓê">
               <a:extLst>
                 <a:ext uri="{FF2B5EF4-FFF2-40B4-BE49-F238E27FC236}">
-                  <a16:creationId xmlns:a16="http://schemas.microsoft.com/office/drawing/2014/main" id="{30046525-C92C-4D8E-AA3B-B52FFA1759D5}"/>
+                  <a16:creationId xmlns:a16="http://schemas.microsoft.com/office/drawing/2014/main" xmlns="" id="{30046525-C92C-4D8E-AA3B-B52FFA1759D5}"/>
                 </a:ext>
               </a:extLst>
             </p:cNvPr>
@@ -8396,7 +8396,7 @@
           <p:cNvPr id="8" name="日期占位符 7">
             <a:extLst>
               <a:ext uri="{FF2B5EF4-FFF2-40B4-BE49-F238E27FC236}">
-                <a16:creationId xmlns:a16="http://schemas.microsoft.com/office/drawing/2014/main" id="{04388434-9949-479C-A9C3-67A953F6A939}"/>
+                <a16:creationId xmlns:a16="http://schemas.microsoft.com/office/drawing/2014/main" xmlns="" id="{04388434-9949-479C-A9C3-67A953F6A939}"/>
               </a:ext>
             </a:extLst>
           </p:cNvPr>
@@ -8440,7 +8440,7 @@
           <p:cNvPr id="9" name="页脚占位符 8">
             <a:extLst>
               <a:ext uri="{FF2B5EF4-FFF2-40B4-BE49-F238E27FC236}">
-                <a16:creationId xmlns:a16="http://schemas.microsoft.com/office/drawing/2014/main" id="{50A5656E-7A33-4865-A262-1F96263BAA16}"/>
+                <a16:creationId xmlns:a16="http://schemas.microsoft.com/office/drawing/2014/main" xmlns="" id="{50A5656E-7A33-4865-A262-1F96263BAA16}"/>
               </a:ext>
             </a:extLst>
           </p:cNvPr>
@@ -8496,7 +8496,7 @@
           <p:cNvPr id="10" name="灯片编号占位符 9">
             <a:extLst>
               <a:ext uri="{FF2B5EF4-FFF2-40B4-BE49-F238E27FC236}">
-                <a16:creationId xmlns:a16="http://schemas.microsoft.com/office/drawing/2014/main" id="{5BF52F79-380E-4278-8B67-588AFE5840F9}"/>
+                <a16:creationId xmlns:a16="http://schemas.microsoft.com/office/drawing/2014/main" xmlns="" id="{5BF52F79-380E-4278-8B67-588AFE5840F9}"/>
               </a:ext>
             </a:extLst>
           </p:cNvPr>
@@ -8839,7 +8839,7 @@
   </p:txStyles>
   <p:extLst>
     <p:ext uri="{27BBF7A9-308A-43DC-89C8-2F10F3537804}">
-      <p15:sldGuideLst xmlns:p15="http://schemas.microsoft.com/office/powerpoint/2012/main">
+      <p15:sldGuideLst xmlns:p15="http://schemas.microsoft.com/office/powerpoint/2012/main" xmlns="">
         <p15:guide id="1" pos="422" userDrawn="1">
           <p15:clr>
             <a:srgbClr val="F26B43"/>
@@ -8898,7 +8898,7 @@
           <p:cNvPr id="3" name="ïṩḷiḑé" hidden="1">
             <a:extLst>
               <a:ext uri="{FF2B5EF4-FFF2-40B4-BE49-F238E27FC236}">
-                <a16:creationId xmlns:a16="http://schemas.microsoft.com/office/drawing/2014/main" id="{3C326D0B-7DAB-41B6-8030-2E4A18CC949B}"/>
+                <a16:creationId xmlns:a16="http://schemas.microsoft.com/office/drawing/2014/main" xmlns="" id="{3C326D0B-7DAB-41B6-8030-2E4A18CC949B}"/>
               </a:ext>
             </a:extLst>
           </p:cNvPr>
@@ -8921,7 +8921,7 @@
           <a:graphicData uri="http://schemas.openxmlformats.org/presentationml/2006/ole">
             <mc:AlternateContent xmlns:mc="http://schemas.openxmlformats.org/markup-compatibility/2006">
               <mc:Choice xmlns:v="urn:schemas-microsoft-com:vml" Requires="v">
-                <p:oleObj spid="_x0000_s1075" name="think-cell Slide" r:id="rId5" imgW="347" imgH="348" progId="TCLayout.ActiveDocument.1">
+                <p:oleObj spid="_x0000_s1076" name="think-cell Slide" r:id="rId5" imgW="347" imgH="348" progId="TCLayout.ActiveDocument.1">
                   <p:embed/>
                 </p:oleObj>
               </mc:Choice>
@@ -8933,7 +8933,7 @@
                       <p:cNvPr id="3" name="iş1iďé" hidden="1">
                         <a:extLst>
                           <a:ext uri="{FF2B5EF4-FFF2-40B4-BE49-F238E27FC236}">
-                            <a16:creationId xmlns:a16="http://schemas.microsoft.com/office/drawing/2014/main" id="{3C326D0B-7DAB-41B6-8030-2E4A18CC949B}"/>
+                            <a16:creationId xmlns:a16="http://schemas.microsoft.com/office/drawing/2014/main" xmlns="" id="{3C326D0B-7DAB-41B6-8030-2E4A18CC949B}"/>
                           </a:ext>
                         </a:extLst>
                       </p:cNvPr>
@@ -8967,7 +8967,7 @@
           <p:cNvPr id="2" name="ïsľîḑè" hidden="1">
             <a:extLst>
               <a:ext uri="{FF2B5EF4-FFF2-40B4-BE49-F238E27FC236}">
-                <a16:creationId xmlns:a16="http://schemas.microsoft.com/office/drawing/2014/main" id="{EC933494-1B63-4A32-964F-D05236799BAA}"/>
+                <a16:creationId xmlns:a16="http://schemas.microsoft.com/office/drawing/2014/main" xmlns="" id="{EC933494-1B63-4A32-964F-D05236799BAA}"/>
               </a:ext>
             </a:extLst>
           </p:cNvPr>
@@ -9046,12 +9046,20 @@
               <a:rPr lang="zh-TW" altLang="en-US" sz="6000" dirty="0"/>
               <a:t>循環神經網路 </a:t>
             </a:r>
+            <a:r>
+              <a:rPr lang="en-US" altLang="zh-TW" sz="6000" dirty="0"/>
+              <a:t/>
+            </a:r>
             <a:br>
               <a:rPr lang="en-US" altLang="zh-TW" sz="6000" dirty="0"/>
             </a:br>
             <a:r>
               <a:rPr lang="zh-TW" altLang="en-US" sz="6000" dirty="0"/>
               <a:t>介紹</a:t>
+            </a:r>
+            <a:r>
+              <a:rPr lang="en-US" altLang="zh-CN" sz="6000" dirty="0"/>
+              <a:t/>
             </a:r>
             <a:br>
               <a:rPr lang="en-US" altLang="zh-CN" sz="6000" dirty="0"/>
@@ -12255,7 +12263,7 @@
           <p:cNvPr id="9" name="î$ḷíḋé">
             <a:extLst>
               <a:ext uri="{FF2B5EF4-FFF2-40B4-BE49-F238E27FC236}">
-                <a16:creationId xmlns:a16="http://schemas.microsoft.com/office/drawing/2014/main" id="{04F69230-F3A6-4586-9371-A858F4763E9F}"/>
+                <a16:creationId xmlns:a16="http://schemas.microsoft.com/office/drawing/2014/main" xmlns="" id="{04F69230-F3A6-4586-9371-A858F4763E9F}"/>
               </a:ext>
             </a:extLst>
           </p:cNvPr>
@@ -12381,7 +12389,7 @@
           <p:cNvPr id="2" name="íSliḓè">
             <a:extLst>
               <a:ext uri="{FF2B5EF4-FFF2-40B4-BE49-F238E27FC236}">
-                <a16:creationId xmlns:a16="http://schemas.microsoft.com/office/drawing/2014/main" id="{C0498D3A-B738-48EC-A39C-94C58B88932B}"/>
+                <a16:creationId xmlns:a16="http://schemas.microsoft.com/office/drawing/2014/main" xmlns="" id="{C0498D3A-B738-48EC-A39C-94C58B88932B}"/>
               </a:ext>
             </a:extLst>
           </p:cNvPr>
@@ -12401,7 +12409,7 @@
             <p:cNvPr id="6" name="íSļïdè" descr="本素材由iSlide™ 提供&#10;iSlide™尊重知识产权并注重保护用户享有的各项权利。郑重提醒您：&#10;iSlide™插件中提供的任何信息内容的所有权、知识产权归其原始权利人或权利受让人所有，您免费/购买获得的是信息内容的使用权，并受下述条款的约束；&#10;1. 您仅可以个人非商业用途使用该等信息内容，不可将信息内容的全部或部分用于出售，或以出租、出借、转让、分销、发布等其他任何方式供他人使用；&#10;2. 禁止在接入互联网或移动互联网的任何网站、平台、应用或程序上以任何方式为他人提供iSlide™插件资源内容的下载。&#10;The resource is supplied by iSlide™.&#10;iSlide™ respects all intellectual property rights and protects all the rights its users acquired.Solemnly remind you:&#10;The ownership and intellectual property of the resources supplied in iSlide Add-in belongs to its owner or the assignee of this ownership.you only acquired the usage of the resources supplied in iSlide Add-in, as well as respected the following restrain terms:&#10;1.You are only allowed to use such resource for personal and non-commercial aim, not allowed to use such resource or part of it for the sale; or rent, lend, transfer to others; or distribution or release it in any way.&#10;2.You are not permitted to provide the resource of iSlide Add-in in any website, platform, application access to the Internet or mobile Internet." title="iSlide™ 版权声明  COPYRIGHT NOTICE">
               <a:extLst>
                 <a:ext uri="{FF2B5EF4-FFF2-40B4-BE49-F238E27FC236}">
-                  <a16:creationId xmlns:a16="http://schemas.microsoft.com/office/drawing/2014/main" id="{A759C196-DA28-4241-ABB5-975367026FE9}"/>
+                  <a16:creationId xmlns:a16="http://schemas.microsoft.com/office/drawing/2014/main" xmlns="" id="{A759C196-DA28-4241-ABB5-975367026FE9}"/>
                 </a:ext>
               </a:extLst>
             </p:cNvPr>
@@ -12423,7 +12431,7 @@
               <p:cNvPr id="7" name="îṩḷiḓè">
                 <a:extLst>
                   <a:ext uri="{FF2B5EF4-FFF2-40B4-BE49-F238E27FC236}">
-                    <a16:creationId xmlns:a16="http://schemas.microsoft.com/office/drawing/2014/main" id="{48F70259-7598-4270-874A-6F50772D10F6}"/>
+                    <a16:creationId xmlns:a16="http://schemas.microsoft.com/office/drawing/2014/main" xmlns="" id="{48F70259-7598-4270-874A-6F50772D10F6}"/>
                   </a:ext>
                 </a:extLst>
               </p:cNvPr>
@@ -12675,7 +12683,7 @@
               <p:cNvPr id="8" name="îŝľiḋê">
                 <a:extLst>
                   <a:ext uri="{FF2B5EF4-FFF2-40B4-BE49-F238E27FC236}">
-                    <a16:creationId xmlns:a16="http://schemas.microsoft.com/office/drawing/2014/main" id="{DA1FB18E-FA01-4588-BEF9-FB96A98A84D4}"/>
+                    <a16:creationId xmlns:a16="http://schemas.microsoft.com/office/drawing/2014/main" xmlns="" id="{DA1FB18E-FA01-4588-BEF9-FB96A98A84D4}"/>
                   </a:ext>
                 </a:extLst>
               </p:cNvPr>
@@ -12714,7 +12722,7 @@
               <p:cNvPr id="9" name="ïsľiďé">
                 <a:extLst>
                   <a:ext uri="{FF2B5EF4-FFF2-40B4-BE49-F238E27FC236}">
-                    <a16:creationId xmlns:a16="http://schemas.microsoft.com/office/drawing/2014/main" id="{0DB1D0A1-2667-455C-9387-D7ABF0A00B8C}"/>
+                    <a16:creationId xmlns:a16="http://schemas.microsoft.com/office/drawing/2014/main" xmlns="" id="{0DB1D0A1-2667-455C-9387-D7ABF0A00B8C}"/>
                   </a:ext>
                 </a:extLst>
               </p:cNvPr>
@@ -12786,7 +12794,7 @@
             <p:cNvPr id="10" name="ïṩļiḋe">
               <a:extLst>
                 <a:ext uri="{FF2B5EF4-FFF2-40B4-BE49-F238E27FC236}">
-                  <a16:creationId xmlns:a16="http://schemas.microsoft.com/office/drawing/2014/main" id="{ADAD6BE3-DC11-4582-9F68-50D831ADD001}"/>
+                  <a16:creationId xmlns:a16="http://schemas.microsoft.com/office/drawing/2014/main" xmlns="" id="{ADAD6BE3-DC11-4582-9F68-50D831ADD001}"/>
                 </a:ext>
               </a:extLst>
             </p:cNvPr>
@@ -14063,7 +14071,7 @@
           <p:cNvPr id="9" name="î$ḷíḋé">
             <a:extLst>
               <a:ext uri="{FF2B5EF4-FFF2-40B4-BE49-F238E27FC236}">
-                <a16:creationId xmlns:a16="http://schemas.microsoft.com/office/drawing/2014/main" id="{04F69230-F3A6-4586-9371-A858F4763E9F}"/>
+                <a16:creationId xmlns:a16="http://schemas.microsoft.com/office/drawing/2014/main" xmlns="" id="{04F69230-F3A6-4586-9371-A858F4763E9F}"/>
               </a:ext>
             </a:extLst>
           </p:cNvPr>
@@ -14189,7 +14197,7 @@
           <p:cNvPr id="4" name="標題 3">
             <a:extLst>
               <a:ext uri="{FF2B5EF4-FFF2-40B4-BE49-F238E27FC236}">
-                <a16:creationId xmlns:a16="http://schemas.microsoft.com/office/drawing/2014/main" id="{DBF93AE9-6C3C-43A2-A10D-A15C50A25746}"/>
+                <a16:creationId xmlns:a16="http://schemas.microsoft.com/office/drawing/2014/main" xmlns="" id="{DBF93AE9-6C3C-43A2-A10D-A15C50A25746}"/>
               </a:ext>
             </a:extLst>
           </p:cNvPr>
@@ -14218,7 +14226,7 @@
           <p:cNvPr id="7" name="內容版面配置區 6">
             <a:extLst>
               <a:ext uri="{FF2B5EF4-FFF2-40B4-BE49-F238E27FC236}">
-                <a16:creationId xmlns:a16="http://schemas.microsoft.com/office/drawing/2014/main" id="{E7D68A11-0594-451B-B564-C1C4E791DF02}"/>
+                <a16:creationId xmlns:a16="http://schemas.microsoft.com/office/drawing/2014/main" xmlns="" id="{E7D68A11-0594-451B-B564-C1C4E791DF02}"/>
               </a:ext>
             </a:extLst>
           </p:cNvPr>
@@ -14236,7 +14244,7 @@
                 <a14:useLocalDpi xmlns:a14="http://schemas.microsoft.com/office/drawing/2010/main" val="0"/>
               </a:ext>
               <a:ext uri="{96DAC541-7B7A-43D3-8B79-37D633B846F1}">
-                <asvg:svgBlip xmlns:asvg="http://schemas.microsoft.com/office/drawing/2016/SVG/main" r:embed="rId3"/>
+                <asvg:svgBlip xmlns:asvg="http://schemas.microsoft.com/office/drawing/2016/SVG/main" xmlns="" r:embed="rId3"/>
               </a:ext>
             </a:extLst>
           </a:blip>
@@ -14457,7 +14465,7 @@
           <p:cNvPr id="3" name="íṡḻiḓé" hidden="1">
             <a:extLst>
               <a:ext uri="{FF2B5EF4-FFF2-40B4-BE49-F238E27FC236}">
-                <a16:creationId xmlns:a16="http://schemas.microsoft.com/office/drawing/2014/main" id="{A6A819F1-33AF-45D7-8BF6-2B0A9769CAD4}"/>
+                <a16:creationId xmlns:a16="http://schemas.microsoft.com/office/drawing/2014/main" xmlns="" id="{A6A819F1-33AF-45D7-8BF6-2B0A9769CAD4}"/>
               </a:ext>
             </a:extLst>
           </p:cNvPr>
@@ -14480,7 +14488,7 @@
           <a:graphicData uri="http://schemas.openxmlformats.org/presentationml/2006/ole">
             <mc:AlternateContent xmlns:mc="http://schemas.openxmlformats.org/markup-compatibility/2006">
               <mc:Choice xmlns:v="urn:schemas-microsoft-com:vml" Requires="v">
-                <p:oleObj spid="_x0000_s3123" name="think-cell Slide" r:id="rId5" imgW="347" imgH="348" progId="TCLayout.ActiveDocument.1">
+                <p:oleObj spid="_x0000_s3124" name="think-cell Slide" r:id="rId5" imgW="347" imgH="348" progId="TCLayout.ActiveDocument.1">
                   <p:embed/>
                 </p:oleObj>
               </mc:Choice>
@@ -14492,7 +14500,7 @@
                       <p:cNvPr id="3" name="íṩ1iḑé" hidden="1">
                         <a:extLst>
                           <a:ext uri="{FF2B5EF4-FFF2-40B4-BE49-F238E27FC236}">
-                            <a16:creationId xmlns:a16="http://schemas.microsoft.com/office/drawing/2014/main" id="{A6A819F1-33AF-45D7-8BF6-2B0A9769CAD4}"/>
+                            <a16:creationId xmlns:a16="http://schemas.microsoft.com/office/drawing/2014/main" xmlns="" id="{A6A819F1-33AF-45D7-8BF6-2B0A9769CAD4}"/>
                           </a:ext>
                         </a:extLst>
                       </p:cNvPr>
@@ -14526,7 +14534,7 @@
           <p:cNvPr id="2" name="išľïďe" hidden="1">
             <a:extLst>
               <a:ext uri="{FF2B5EF4-FFF2-40B4-BE49-F238E27FC236}">
-                <a16:creationId xmlns:a16="http://schemas.microsoft.com/office/drawing/2014/main" id="{FF51F16D-1BAD-46EE-A6F4-B8B94C9DF628}"/>
+                <a16:creationId xmlns:a16="http://schemas.microsoft.com/office/drawing/2014/main" xmlns="" id="{FF51F16D-1BAD-46EE-A6F4-B8B94C9DF628}"/>
               </a:ext>
             </a:extLst>
           </p:cNvPr>
@@ -14617,6 +14625,10 @@
               <a:rPr lang="en-US" altLang="zh-CN" sz="9600" dirty="0"/>
               <a:t>!</a:t>
             </a:r>
+            <a:r>
+              <a:rPr lang="en-US" altLang="zh-CN" dirty="0"/>
+              <a:t/>
+            </a:r>
             <a:br>
               <a:rPr lang="en-US" altLang="zh-CN" dirty="0"/>
             </a:br>
@@ -14686,7 +14698,7 @@
           <p:cNvPr id="13" name="îṣlíḍe">
             <a:extLst>
               <a:ext uri="{FF2B5EF4-FFF2-40B4-BE49-F238E27FC236}">
-                <a16:creationId xmlns:a16="http://schemas.microsoft.com/office/drawing/2014/main" id="{394FC8CD-4FAD-452B-A6ED-A378816FAA36}"/>
+                <a16:creationId xmlns:a16="http://schemas.microsoft.com/office/drawing/2014/main" xmlns="" id="{394FC8CD-4FAD-452B-A6ED-A378816FAA36}"/>
               </a:ext>
             </a:extLst>
           </p:cNvPr>
@@ -14729,7 +14741,7 @@
           <p:cNvPr id="14" name="ïSḻíďê">
             <a:extLst>
               <a:ext uri="{FF2B5EF4-FFF2-40B4-BE49-F238E27FC236}">
-                <a16:creationId xmlns:a16="http://schemas.microsoft.com/office/drawing/2014/main" id="{7C549D2A-4C2D-40D9-B2D1-E96901BFF877}"/>
+                <a16:creationId xmlns:a16="http://schemas.microsoft.com/office/drawing/2014/main" xmlns="" id="{7C549D2A-4C2D-40D9-B2D1-E96901BFF877}"/>
               </a:ext>
             </a:extLst>
           </p:cNvPr>
@@ -14832,7 +14844,7 @@
           <p:cNvPr id="9" name="î$ḷíḋé">
             <a:extLst>
               <a:ext uri="{FF2B5EF4-FFF2-40B4-BE49-F238E27FC236}">
-                <a16:creationId xmlns:a16="http://schemas.microsoft.com/office/drawing/2014/main" id="{04F69230-F3A6-4586-9371-A858F4763E9F}"/>
+                <a16:creationId xmlns:a16="http://schemas.microsoft.com/office/drawing/2014/main" xmlns="" id="{04F69230-F3A6-4586-9371-A858F4763E9F}"/>
               </a:ext>
             </a:extLst>
           </p:cNvPr>
@@ -16247,7 +16259,7 @@
           <p:cNvPr id="9" name="î$ḷíḋé">
             <a:extLst>
               <a:ext uri="{FF2B5EF4-FFF2-40B4-BE49-F238E27FC236}">
-                <a16:creationId xmlns:a16="http://schemas.microsoft.com/office/drawing/2014/main" id="{04F69230-F3A6-4586-9371-A858F4763E9F}"/>
+                <a16:creationId xmlns:a16="http://schemas.microsoft.com/office/drawing/2014/main" xmlns="" id="{04F69230-F3A6-4586-9371-A858F4763E9F}"/>
               </a:ext>
             </a:extLst>
           </p:cNvPr>
@@ -17104,7 +17116,7 @@
   <a:extraClrSchemeLst/>
   <a:extLst>
     <a:ext uri="{05A4C25C-085E-4340-85A3-A5531E510DB2}">
-      <thm15:themeFamily xmlns:thm15="http://schemas.microsoft.com/office/thememl/2012/main" name="主题5" id="{B8EDB911-D765-4A7B-BBC7-40DBB672FBA6}" vid="{AECAB1C0-5DF6-436C-85E8-20094DBE11C0}"/>
+      <thm15:themeFamily xmlns:thm15="http://schemas.microsoft.com/office/thememl/2012/main" xmlns="" name="主题5" id="{B8EDB911-D765-4A7B-BBC7-40DBB672FBA6}" vid="{AECAB1C0-5DF6-436C-85E8-20094DBE11C0}"/>
     </a:ext>
   </a:extLst>
 </a:theme>
@@ -17365,7 +17377,7 @@
   <a:extraClrSchemeLst/>
   <a:extLst>
     <a:ext uri="{05A4C25C-085E-4340-85A3-A5531E510DB2}">
-      <thm15:themeFamily xmlns:thm15="http://schemas.microsoft.com/office/thememl/2012/main" name="Office Theme" id="{62F939B6-93AF-4DB8-9C6B-D6C7DFDC589F}" vid="{4A3C46E8-61CC-4603-A589-7422A47A8E4A}"/>
+      <thm15:themeFamily xmlns:thm15="http://schemas.microsoft.com/office/thememl/2012/main" xmlns="" name="Office Theme" id="{62F939B6-93AF-4DB8-9C6B-D6C7DFDC589F}" vid="{4A3C46E8-61CC-4603-A589-7422A47A8E4A}"/>
     </a:ext>
   </a:extLst>
 </a:theme>
@@ -17660,7 +17672,7 @@
   <a:extraClrSchemeLst/>
   <a:extLst>
     <a:ext uri="{05A4C25C-085E-4340-85A3-A5531E510DB2}">
-      <thm15:themeFamily xmlns:thm15="http://schemas.microsoft.com/office/thememl/2012/main" name="Office Theme" id="{62F939B6-93AF-4DB8-9C6B-D6C7DFDC589F}" vid="{4A3C46E8-61CC-4603-A589-7422A47A8E4A}"/>
+      <thm15:themeFamily xmlns:thm15="http://schemas.microsoft.com/office/thememl/2012/main" xmlns="" name="Office Theme" id="{62F939B6-93AF-4DB8-9C6B-D6C7DFDC589F}" vid="{4A3C46E8-61CC-4603-A589-7422A47A8E4A}"/>
     </a:ext>
   </a:extLst>
 </a:theme>

--- a/11_16_to_11_20_third/3.RNN.pptx
+++ b/11_16_to_11_20_third/3.RNN.pptx
@@ -5,10 +5,10 @@
     <p:sldMasterId id="2147483648" r:id="rId1"/>
   </p:sldMasterIdLst>
   <p:notesMasterIdLst>
-    <p:notesMasterId r:id="rId27"/>
+    <p:notesMasterId r:id="rId29"/>
   </p:notesMasterIdLst>
   <p:handoutMasterIdLst>
-    <p:handoutMasterId r:id="rId28"/>
+    <p:handoutMasterId r:id="rId30"/>
   </p:handoutMasterIdLst>
   <p:sldIdLst>
     <p:sldId id="256" r:id="rId2"/>
@@ -26,21 +26,23 @@
     <p:sldId id="286" r:id="rId14"/>
     <p:sldId id="288" r:id="rId15"/>
     <p:sldId id="290" r:id="rId16"/>
-    <p:sldId id="296" r:id="rId17"/>
-    <p:sldId id="292" r:id="rId18"/>
-    <p:sldId id="293" r:id="rId19"/>
-    <p:sldId id="279" r:id="rId20"/>
-    <p:sldId id="294" r:id="rId21"/>
-    <p:sldId id="295" r:id="rId22"/>
-    <p:sldId id="280" r:id="rId23"/>
-    <p:sldId id="299" r:id="rId24"/>
-    <p:sldId id="270" r:id="rId25"/>
-    <p:sldId id="261" r:id="rId26"/>
+    <p:sldId id="300" r:id="rId17"/>
+    <p:sldId id="301" r:id="rId18"/>
+    <p:sldId id="296" r:id="rId19"/>
+    <p:sldId id="292" r:id="rId20"/>
+    <p:sldId id="293" r:id="rId21"/>
+    <p:sldId id="279" r:id="rId22"/>
+    <p:sldId id="294" r:id="rId23"/>
+    <p:sldId id="295" r:id="rId24"/>
+    <p:sldId id="280" r:id="rId25"/>
+    <p:sldId id="299" r:id="rId26"/>
+    <p:sldId id="270" r:id="rId27"/>
+    <p:sldId id="261" r:id="rId28"/>
   </p:sldIdLst>
   <p:sldSz cx="12192000" cy="6858000"/>
   <p:notesSz cx="6858000" cy="9144000"/>
   <p:custDataLst>
-    <p:tags r:id="rId29"/>
+    <p:tags r:id="rId31"/>
   </p:custDataLst>
   <p:defaultTextStyle>
     <a:defPPr>
@@ -139,7 +141,7 @@
   </p:defaultTextStyle>
   <p:extLst>
     <p:ext uri="{EFAFB233-063F-42B5-8137-9DF3F51BA10A}">
-      <p15:sldGuideLst xmlns:p15="http://schemas.microsoft.com/office/powerpoint/2012/main" xmlns="">
+      <p15:sldGuideLst xmlns="" xmlns:p15="http://schemas.microsoft.com/office/powerpoint/2012/main">
         <p15:guide id="1" orient="horz" pos="2160">
           <p15:clr>
             <a:srgbClr val="A4A3A4"/>
@@ -153,7 +155,7 @@
       </p15:sldGuideLst>
     </p:ext>
     <p:ext uri="{2D200454-40CA-4A62-9FC3-DE9A4176ACB9}">
-      <p15:notesGuideLst xmlns:p15="http://schemas.microsoft.com/office/powerpoint/2012/main" xmlns=""/>
+      <p15:notesGuideLst xmlns="" xmlns:p15="http://schemas.microsoft.com/office/powerpoint/2012/main"/>
     </p:ext>
   </p:extLst>
 </p:presentation>
@@ -379,7 +381,7 @@
           <p:cNvPr id="2" name="页眉占位符 1">
             <a:extLst>
               <a:ext uri="{FF2B5EF4-FFF2-40B4-BE49-F238E27FC236}">
-                <a16:creationId xmlns:a16="http://schemas.microsoft.com/office/drawing/2014/main" xmlns="" id="{B9A56829-66AA-42AA-918E-5C6DB1AE50A7}"/>
+                <a16:creationId xmlns="" xmlns:a16="http://schemas.microsoft.com/office/drawing/2014/main" id="{B9A56829-66AA-42AA-918E-5C6DB1AE50A7}"/>
               </a:ext>
             </a:extLst>
           </p:cNvPr>
@@ -416,7 +418,7 @@
           <p:cNvPr id="3" name="日期占位符 2">
             <a:extLst>
               <a:ext uri="{FF2B5EF4-FFF2-40B4-BE49-F238E27FC236}">
-                <a16:creationId xmlns:a16="http://schemas.microsoft.com/office/drawing/2014/main" xmlns="" id="{241084A9-BC5C-4420-B17C-51E328D45576}"/>
+                <a16:creationId xmlns="" xmlns:a16="http://schemas.microsoft.com/office/drawing/2014/main" id="{241084A9-BC5C-4420-B17C-51E328D45576}"/>
               </a:ext>
             </a:extLst>
           </p:cNvPr>
@@ -446,7 +448,7 @@
           <a:p>
             <a:fld id="{B478E0E4-DC06-4041-AFA7-BB6F527FFA3F}" type="datetimeFigureOut">
               <a:rPr lang="zh-CN" altLang="en-US" smtClean="0"/>
-              <a:t>2020/11/21</a:t>
+              <a:t>2020/11/23</a:t>
             </a:fld>
             <a:endParaRPr lang="zh-CN" altLang="en-US"/>
           </a:p>
@@ -457,7 +459,7 @@
           <p:cNvPr id="4" name="页脚占位符 3">
             <a:extLst>
               <a:ext uri="{FF2B5EF4-FFF2-40B4-BE49-F238E27FC236}">
-                <a16:creationId xmlns:a16="http://schemas.microsoft.com/office/drawing/2014/main" xmlns="" id="{0D6F2124-7B35-4E59-B9E8-DB09EE1408A4}"/>
+                <a16:creationId xmlns="" xmlns:a16="http://schemas.microsoft.com/office/drawing/2014/main" id="{0D6F2124-7B35-4E59-B9E8-DB09EE1408A4}"/>
               </a:ext>
             </a:extLst>
           </p:cNvPr>
@@ -494,7 +496,7 @@
           <p:cNvPr id="5" name="灯片编号占位符 4">
             <a:extLst>
               <a:ext uri="{FF2B5EF4-FFF2-40B4-BE49-F238E27FC236}">
-                <a16:creationId xmlns:a16="http://schemas.microsoft.com/office/drawing/2014/main" xmlns="" id="{F2BF8FFE-D997-4E34-9A01-CD2014B95241}"/>
+                <a16:creationId xmlns="" xmlns:a16="http://schemas.microsoft.com/office/drawing/2014/main" id="{F2BF8FFE-D997-4E34-9A01-CD2014B95241}"/>
               </a:ext>
             </a:extLst>
           </p:cNvPr>
@@ -623,7 +625,7 @@
           <a:p>
             <a:fld id="{E86D8963-CFCD-4740-AF60-049850373CDF}" type="datetimeFigureOut">
               <a:rPr lang="zh-CN" altLang="en-US" smtClean="0"/>
-              <a:t>2020/11/21</a:t>
+              <a:t>2020/11/23</a:t>
             </a:fld>
             <a:endParaRPr lang="zh-CN" altLang="en-US"/>
           </a:p>
@@ -912,7 +914,7 @@
           <p:cNvPr id="2" name="îṩ1ïdê">
             <a:extLst>
               <a:ext uri="{FF2B5EF4-FFF2-40B4-BE49-F238E27FC236}">
-                <a16:creationId xmlns:a16="http://schemas.microsoft.com/office/drawing/2014/main" xmlns="" id="{B165F2F7-32E4-4AF8-8657-36AC30D78579}"/>
+                <a16:creationId xmlns="" xmlns:a16="http://schemas.microsoft.com/office/drawing/2014/main" id="{B165F2F7-32E4-4AF8-8657-36AC30D78579}"/>
               </a:ext>
             </a:extLst>
           </p:cNvPr>
@@ -1072,7 +1074,7 @@
           <p:cNvPr id="7" name="组合 6">
             <a:extLst>
               <a:ext uri="{FF2B5EF4-FFF2-40B4-BE49-F238E27FC236}">
-                <a16:creationId xmlns:a16="http://schemas.microsoft.com/office/drawing/2014/main" xmlns="" id="{3491D0C5-E57C-45B4-AFE5-02F7704CDCF6}"/>
+                <a16:creationId xmlns="" xmlns:a16="http://schemas.microsoft.com/office/drawing/2014/main" id="{3491D0C5-E57C-45B4-AFE5-02F7704CDCF6}"/>
               </a:ext>
             </a:extLst>
           </p:cNvPr>
@@ -1092,7 +1094,7 @@
             <p:cNvPr id="11" name="ïş1ïḓe">
               <a:extLst>
                 <a:ext uri="{FF2B5EF4-FFF2-40B4-BE49-F238E27FC236}">
-                  <a16:creationId xmlns:a16="http://schemas.microsoft.com/office/drawing/2014/main" xmlns="" id="{AAEF8C50-AF93-4B64-9F64-BC188B9CC986}"/>
+                  <a16:creationId xmlns="" xmlns:a16="http://schemas.microsoft.com/office/drawing/2014/main" id="{AAEF8C50-AF93-4B64-9F64-BC188B9CC986}"/>
                 </a:ext>
               </a:extLst>
             </p:cNvPr>
@@ -1176,7 +1178,7 @@
             <p:cNvPr id="14" name="ïş1îḓé">
               <a:extLst>
                 <a:ext uri="{FF2B5EF4-FFF2-40B4-BE49-F238E27FC236}">
-                  <a16:creationId xmlns:a16="http://schemas.microsoft.com/office/drawing/2014/main" xmlns="" id="{D1034528-61F0-451C-8439-59044CBBC42D}"/>
+                  <a16:creationId xmlns="" xmlns:a16="http://schemas.microsoft.com/office/drawing/2014/main" id="{D1034528-61F0-451C-8439-59044CBBC42D}"/>
                 </a:ext>
               </a:extLst>
             </p:cNvPr>
@@ -1269,7 +1271,7 @@
             <p:cNvPr id="15" name="íṡ1íḑè">
               <a:extLst>
                 <a:ext uri="{FF2B5EF4-FFF2-40B4-BE49-F238E27FC236}">
-                  <a16:creationId xmlns:a16="http://schemas.microsoft.com/office/drawing/2014/main" xmlns="" id="{443590D7-CA87-4478-AB6B-8DA2AC5C485A}"/>
+                  <a16:creationId xmlns="" xmlns:a16="http://schemas.microsoft.com/office/drawing/2014/main" id="{443590D7-CA87-4478-AB6B-8DA2AC5C485A}"/>
                 </a:ext>
               </a:extLst>
             </p:cNvPr>
@@ -1354,7 +1356,7 @@
             <p:cNvPr id="16" name="îṥḻiḍê">
               <a:extLst>
                 <a:ext uri="{FF2B5EF4-FFF2-40B4-BE49-F238E27FC236}">
-                  <a16:creationId xmlns:a16="http://schemas.microsoft.com/office/drawing/2014/main" xmlns="" id="{FD92C89C-9731-46F9-9B6E-376810BFF18B}"/>
+                  <a16:creationId xmlns="" xmlns:a16="http://schemas.microsoft.com/office/drawing/2014/main" id="{FD92C89C-9731-46F9-9B6E-376810BFF18B}"/>
                 </a:ext>
               </a:extLst>
             </p:cNvPr>
@@ -1439,7 +1441,7 @@
             <p:cNvPr id="17" name="iṥḷiḑè">
               <a:extLst>
                 <a:ext uri="{FF2B5EF4-FFF2-40B4-BE49-F238E27FC236}">
-                  <a16:creationId xmlns:a16="http://schemas.microsoft.com/office/drawing/2014/main" xmlns="" id="{A8591A9D-5538-4DEC-B405-54C510558903}"/>
+                  <a16:creationId xmlns="" xmlns:a16="http://schemas.microsoft.com/office/drawing/2014/main" id="{A8591A9D-5538-4DEC-B405-54C510558903}"/>
                 </a:ext>
               </a:extLst>
             </p:cNvPr>
@@ -1504,7 +1506,7 @@
             <p:cNvPr id="18" name="íṥḻíḑé">
               <a:extLst>
                 <a:ext uri="{FF2B5EF4-FFF2-40B4-BE49-F238E27FC236}">
-                  <a16:creationId xmlns:a16="http://schemas.microsoft.com/office/drawing/2014/main" xmlns="" id="{FC116EBF-5653-4BA4-837E-95BEB302B1FC}"/>
+                  <a16:creationId xmlns="" xmlns:a16="http://schemas.microsoft.com/office/drawing/2014/main" id="{FC116EBF-5653-4BA4-837E-95BEB302B1FC}"/>
                 </a:ext>
               </a:extLst>
             </p:cNvPr>
@@ -1569,7 +1571,7 @@
             <p:cNvPr id="19" name="ïsḷiďê">
               <a:extLst>
                 <a:ext uri="{FF2B5EF4-FFF2-40B4-BE49-F238E27FC236}">
-                  <a16:creationId xmlns:a16="http://schemas.microsoft.com/office/drawing/2014/main" xmlns="" id="{D7181733-982F-4ADC-B787-E92C178D9BE9}"/>
+                  <a16:creationId xmlns="" xmlns:a16="http://schemas.microsoft.com/office/drawing/2014/main" id="{D7181733-982F-4ADC-B787-E92C178D9BE9}"/>
                 </a:ext>
               </a:extLst>
             </p:cNvPr>
@@ -1664,7 +1666,7 @@
             <p:cNvPr id="20" name="îs1iḓê">
               <a:extLst>
                 <a:ext uri="{FF2B5EF4-FFF2-40B4-BE49-F238E27FC236}">
-                  <a16:creationId xmlns:a16="http://schemas.microsoft.com/office/drawing/2014/main" xmlns="" id="{75B1573A-D6DA-4E40-B952-FC6A6E899942}"/>
+                  <a16:creationId xmlns="" xmlns:a16="http://schemas.microsoft.com/office/drawing/2014/main" id="{75B1573A-D6DA-4E40-B952-FC6A6E899942}"/>
                 </a:ext>
               </a:extLst>
             </p:cNvPr>
@@ -1739,7 +1741,7 @@
             <p:cNvPr id="21" name="íṡḻïdé">
               <a:extLst>
                 <a:ext uri="{FF2B5EF4-FFF2-40B4-BE49-F238E27FC236}">
-                  <a16:creationId xmlns:a16="http://schemas.microsoft.com/office/drawing/2014/main" xmlns="" id="{A3C16CC0-0D98-42C3-ACDA-6C6B1AAA14CB}"/>
+                  <a16:creationId xmlns="" xmlns:a16="http://schemas.microsoft.com/office/drawing/2014/main" id="{A3C16CC0-0D98-42C3-ACDA-6C6B1AAA14CB}"/>
                 </a:ext>
               </a:extLst>
             </p:cNvPr>
@@ -1814,7 +1816,7 @@
             <p:cNvPr id="22" name="ïṧľiḑè">
               <a:extLst>
                 <a:ext uri="{FF2B5EF4-FFF2-40B4-BE49-F238E27FC236}">
-                  <a16:creationId xmlns:a16="http://schemas.microsoft.com/office/drawing/2014/main" xmlns="" id="{2EEC5EF2-9731-49D2-8E01-4BAE06CF1807}"/>
+                  <a16:creationId xmlns="" xmlns:a16="http://schemas.microsoft.com/office/drawing/2014/main" id="{2EEC5EF2-9731-49D2-8E01-4BAE06CF1807}"/>
                 </a:ext>
               </a:extLst>
             </p:cNvPr>
@@ -1889,7 +1891,7 @@
             <p:cNvPr id="23" name="íşľîḋè">
               <a:extLst>
                 <a:ext uri="{FF2B5EF4-FFF2-40B4-BE49-F238E27FC236}">
-                  <a16:creationId xmlns:a16="http://schemas.microsoft.com/office/drawing/2014/main" xmlns="" id="{07D33D98-ECF4-43C9-8F9B-502B76AA375A}"/>
+                  <a16:creationId xmlns="" xmlns:a16="http://schemas.microsoft.com/office/drawing/2014/main" id="{07D33D98-ECF4-43C9-8F9B-502B76AA375A}"/>
                 </a:ext>
               </a:extLst>
             </p:cNvPr>
@@ -1954,7 +1956,7 @@
             <p:cNvPr id="24" name="îšḷîḍè">
               <a:extLst>
                 <a:ext uri="{FF2B5EF4-FFF2-40B4-BE49-F238E27FC236}">
-                  <a16:creationId xmlns:a16="http://schemas.microsoft.com/office/drawing/2014/main" xmlns="" id="{06AFAADD-E47D-403A-8BCE-6B991B488491}"/>
+                  <a16:creationId xmlns="" xmlns:a16="http://schemas.microsoft.com/office/drawing/2014/main" id="{06AFAADD-E47D-403A-8BCE-6B991B488491}"/>
                 </a:ext>
               </a:extLst>
             </p:cNvPr>
@@ -2019,7 +2021,7 @@
             <p:cNvPr id="25" name="îŝļiḑè">
               <a:extLst>
                 <a:ext uri="{FF2B5EF4-FFF2-40B4-BE49-F238E27FC236}">
-                  <a16:creationId xmlns:a16="http://schemas.microsoft.com/office/drawing/2014/main" xmlns="" id="{F20679ED-F04B-48C0-86C1-4F4678D0EF44}"/>
+                  <a16:creationId xmlns="" xmlns:a16="http://schemas.microsoft.com/office/drawing/2014/main" id="{F20679ED-F04B-48C0-86C1-4F4678D0EF44}"/>
                 </a:ext>
               </a:extLst>
             </p:cNvPr>
@@ -2081,7 +2083,7 @@
             <p:cNvPr id="26" name="ïsḻïḓe">
               <a:extLst>
                 <a:ext uri="{FF2B5EF4-FFF2-40B4-BE49-F238E27FC236}">
-                  <a16:creationId xmlns:a16="http://schemas.microsoft.com/office/drawing/2014/main" xmlns="" id="{178FE26C-EAE2-489E-9818-2AD90604A6E7}"/>
+                  <a16:creationId xmlns="" xmlns:a16="http://schemas.microsoft.com/office/drawing/2014/main" id="{178FE26C-EAE2-489E-9818-2AD90604A6E7}"/>
                 </a:ext>
               </a:extLst>
             </p:cNvPr>
@@ -2143,7 +2145,7 @@
             <p:cNvPr id="27" name="îṥľíḑê">
               <a:extLst>
                 <a:ext uri="{FF2B5EF4-FFF2-40B4-BE49-F238E27FC236}">
-                  <a16:creationId xmlns:a16="http://schemas.microsoft.com/office/drawing/2014/main" xmlns="" id="{54C937FE-182B-4B4C-8B56-94274EF8727A}"/>
+                  <a16:creationId xmlns="" xmlns:a16="http://schemas.microsoft.com/office/drawing/2014/main" id="{54C937FE-182B-4B4C-8B56-94274EF8727A}"/>
                 </a:ext>
               </a:extLst>
             </p:cNvPr>
@@ -2205,7 +2207,7 @@
             <p:cNvPr id="28" name="iṧľíḑe">
               <a:extLst>
                 <a:ext uri="{FF2B5EF4-FFF2-40B4-BE49-F238E27FC236}">
-                  <a16:creationId xmlns:a16="http://schemas.microsoft.com/office/drawing/2014/main" xmlns="" id="{9EC454E6-4E34-40A0-B134-E27356DF1BD3}"/>
+                  <a16:creationId xmlns="" xmlns:a16="http://schemas.microsoft.com/office/drawing/2014/main" id="{9EC454E6-4E34-40A0-B134-E27356DF1BD3}"/>
                 </a:ext>
               </a:extLst>
             </p:cNvPr>
@@ -2267,7 +2269,7 @@
             <p:cNvPr id="29" name="íşḻïḑê">
               <a:extLst>
                 <a:ext uri="{FF2B5EF4-FFF2-40B4-BE49-F238E27FC236}">
-                  <a16:creationId xmlns:a16="http://schemas.microsoft.com/office/drawing/2014/main" xmlns="" id="{F02A9D5E-CFB2-42AA-A5C5-5E5778C6FCBE}"/>
+                  <a16:creationId xmlns="" xmlns:a16="http://schemas.microsoft.com/office/drawing/2014/main" id="{F02A9D5E-CFB2-42AA-A5C5-5E5778C6FCBE}"/>
                 </a:ext>
               </a:extLst>
             </p:cNvPr>
@@ -2363,7 +2365,7 @@
             <p:cNvPr id="30" name="išḻîḋè">
               <a:extLst>
                 <a:ext uri="{FF2B5EF4-FFF2-40B4-BE49-F238E27FC236}">
-                  <a16:creationId xmlns:a16="http://schemas.microsoft.com/office/drawing/2014/main" xmlns="" id="{2B76FEBA-B0C4-4066-ABF2-E33CBD44C45F}"/>
+                  <a16:creationId xmlns="" xmlns:a16="http://schemas.microsoft.com/office/drawing/2014/main" id="{2B76FEBA-B0C4-4066-ABF2-E33CBD44C45F}"/>
                 </a:ext>
               </a:extLst>
             </p:cNvPr>
@@ -2425,7 +2427,7 @@
             <p:cNvPr id="31" name="ïšliḋé">
               <a:extLst>
                 <a:ext uri="{FF2B5EF4-FFF2-40B4-BE49-F238E27FC236}">
-                  <a16:creationId xmlns:a16="http://schemas.microsoft.com/office/drawing/2014/main" xmlns="" id="{17F7742C-0E9E-453F-BF74-0A1870F594D9}"/>
+                  <a16:creationId xmlns="" xmlns:a16="http://schemas.microsoft.com/office/drawing/2014/main" id="{17F7742C-0E9E-453F-BF74-0A1870F594D9}"/>
                 </a:ext>
               </a:extLst>
             </p:cNvPr>
@@ -2487,7 +2489,7 @@
             <p:cNvPr id="32" name="íṣlídé">
               <a:extLst>
                 <a:ext uri="{FF2B5EF4-FFF2-40B4-BE49-F238E27FC236}">
-                  <a16:creationId xmlns:a16="http://schemas.microsoft.com/office/drawing/2014/main" xmlns="" id="{3B98F7CF-64A1-4A5B-B8EC-9178705C9901}"/>
+                  <a16:creationId xmlns="" xmlns:a16="http://schemas.microsoft.com/office/drawing/2014/main" id="{3B98F7CF-64A1-4A5B-B8EC-9178705C9901}"/>
                 </a:ext>
               </a:extLst>
             </p:cNvPr>
@@ -2549,7 +2551,7 @@
             <p:cNvPr id="33" name="ï$ľïḍé">
               <a:extLst>
                 <a:ext uri="{FF2B5EF4-FFF2-40B4-BE49-F238E27FC236}">
-                  <a16:creationId xmlns:a16="http://schemas.microsoft.com/office/drawing/2014/main" xmlns="" id="{8EB33BF9-35EF-4068-A574-8FBC5EEAC895}"/>
+                  <a16:creationId xmlns="" xmlns:a16="http://schemas.microsoft.com/office/drawing/2014/main" id="{8EB33BF9-35EF-4068-A574-8FBC5EEAC895}"/>
                 </a:ext>
               </a:extLst>
             </p:cNvPr>
@@ -2611,7 +2613,7 @@
             <p:cNvPr id="34" name="ï$1îḑé">
               <a:extLst>
                 <a:ext uri="{FF2B5EF4-FFF2-40B4-BE49-F238E27FC236}">
-                  <a16:creationId xmlns:a16="http://schemas.microsoft.com/office/drawing/2014/main" xmlns="" id="{66235EE7-FC71-4720-94D6-AE9E5A6E3B32}"/>
+                  <a16:creationId xmlns="" xmlns:a16="http://schemas.microsoft.com/office/drawing/2014/main" id="{66235EE7-FC71-4720-94D6-AE9E5A6E3B32}"/>
                 </a:ext>
               </a:extLst>
             </p:cNvPr>
@@ -2673,7 +2675,7 @@
             <p:cNvPr id="35" name="íşļiḓê">
               <a:extLst>
                 <a:ext uri="{FF2B5EF4-FFF2-40B4-BE49-F238E27FC236}">
-                  <a16:creationId xmlns:a16="http://schemas.microsoft.com/office/drawing/2014/main" xmlns="" id="{464E50F4-2AD9-4646-95B0-C615F448F8D7}"/>
+                  <a16:creationId xmlns="" xmlns:a16="http://schemas.microsoft.com/office/drawing/2014/main" id="{464E50F4-2AD9-4646-95B0-C615F448F8D7}"/>
                 </a:ext>
               </a:extLst>
             </p:cNvPr>
@@ -2735,7 +2737,7 @@
             <p:cNvPr id="36" name="iSliḍé">
               <a:extLst>
                 <a:ext uri="{FF2B5EF4-FFF2-40B4-BE49-F238E27FC236}">
-                  <a16:creationId xmlns:a16="http://schemas.microsoft.com/office/drawing/2014/main" xmlns="" id="{08FD15B7-89FA-4BA0-832E-9B9D9FF852D5}"/>
+                  <a16:creationId xmlns="" xmlns:a16="http://schemas.microsoft.com/office/drawing/2014/main" id="{08FD15B7-89FA-4BA0-832E-9B9D9FF852D5}"/>
                 </a:ext>
               </a:extLst>
             </p:cNvPr>
@@ -2797,7 +2799,7 @@
             <p:cNvPr id="37" name="îşļïde">
               <a:extLst>
                 <a:ext uri="{FF2B5EF4-FFF2-40B4-BE49-F238E27FC236}">
-                  <a16:creationId xmlns:a16="http://schemas.microsoft.com/office/drawing/2014/main" xmlns="" id="{4DACA41F-DADA-4149-8933-31488F26C8AD}"/>
+                  <a16:creationId xmlns="" xmlns:a16="http://schemas.microsoft.com/office/drawing/2014/main" id="{4DACA41F-DADA-4149-8933-31488F26C8AD}"/>
                 </a:ext>
               </a:extLst>
             </p:cNvPr>
@@ -2859,7 +2861,7 @@
             <p:cNvPr id="38" name="ï$ḻídè">
               <a:extLst>
                 <a:ext uri="{FF2B5EF4-FFF2-40B4-BE49-F238E27FC236}">
-                  <a16:creationId xmlns:a16="http://schemas.microsoft.com/office/drawing/2014/main" xmlns="" id="{C28E4710-C2A1-4505-AD75-E91E319AE73A}"/>
+                  <a16:creationId xmlns="" xmlns:a16="http://schemas.microsoft.com/office/drawing/2014/main" id="{C28E4710-C2A1-4505-AD75-E91E319AE73A}"/>
                 </a:ext>
               </a:extLst>
             </p:cNvPr>
@@ -2955,7 +2957,7 @@
             <p:cNvPr id="39" name="ísľíḑe">
               <a:extLst>
                 <a:ext uri="{FF2B5EF4-FFF2-40B4-BE49-F238E27FC236}">
-                  <a16:creationId xmlns:a16="http://schemas.microsoft.com/office/drawing/2014/main" xmlns="" id="{C323CC97-7CC7-4FA5-A665-16F8A2FDB29A}"/>
+                  <a16:creationId xmlns="" xmlns:a16="http://schemas.microsoft.com/office/drawing/2014/main" id="{C323CC97-7CC7-4FA5-A665-16F8A2FDB29A}"/>
                 </a:ext>
               </a:extLst>
             </p:cNvPr>
@@ -3020,7 +3022,7 @@
             <p:cNvPr id="40" name="íṩlîḑè">
               <a:extLst>
                 <a:ext uri="{FF2B5EF4-FFF2-40B4-BE49-F238E27FC236}">
-                  <a16:creationId xmlns:a16="http://schemas.microsoft.com/office/drawing/2014/main" xmlns="" id="{26A96D82-53D7-454D-B8F0-08C85B54A508}"/>
+                  <a16:creationId xmlns="" xmlns:a16="http://schemas.microsoft.com/office/drawing/2014/main" id="{26A96D82-53D7-454D-B8F0-08C85B54A508}"/>
                 </a:ext>
               </a:extLst>
             </p:cNvPr>
@@ -3160,7 +3162,7 @@
             <p:cNvPr id="41" name="iṡḻídê">
               <a:extLst>
                 <a:ext uri="{FF2B5EF4-FFF2-40B4-BE49-F238E27FC236}">
-                  <a16:creationId xmlns:a16="http://schemas.microsoft.com/office/drawing/2014/main" xmlns="" id="{00A55C22-40A5-4BCE-AB5C-0DBD7B43CF15}"/>
+                  <a16:creationId xmlns="" xmlns:a16="http://schemas.microsoft.com/office/drawing/2014/main" id="{00A55C22-40A5-4BCE-AB5C-0DBD7B43CF15}"/>
                 </a:ext>
               </a:extLst>
             </p:cNvPr>
@@ -3222,7 +3224,7 @@
             <p:cNvPr id="42" name="íŝḷîḋè">
               <a:extLst>
                 <a:ext uri="{FF2B5EF4-FFF2-40B4-BE49-F238E27FC236}">
-                  <a16:creationId xmlns:a16="http://schemas.microsoft.com/office/drawing/2014/main" xmlns="" id="{1E7E1B5A-4BA7-4930-AB12-641C32CB9B5D}"/>
+                  <a16:creationId xmlns="" xmlns:a16="http://schemas.microsoft.com/office/drawing/2014/main" id="{1E7E1B5A-4BA7-4930-AB12-641C32CB9B5D}"/>
                 </a:ext>
               </a:extLst>
             </p:cNvPr>
@@ -3284,7 +3286,7 @@
             <p:cNvPr id="43" name="işliḓè">
               <a:extLst>
                 <a:ext uri="{FF2B5EF4-FFF2-40B4-BE49-F238E27FC236}">
-                  <a16:creationId xmlns:a16="http://schemas.microsoft.com/office/drawing/2014/main" xmlns="" id="{463C39C0-BA97-46C8-947C-6A6BB4E7C9D1}"/>
+                  <a16:creationId xmlns="" xmlns:a16="http://schemas.microsoft.com/office/drawing/2014/main" id="{463C39C0-BA97-46C8-947C-6A6BB4E7C9D1}"/>
                 </a:ext>
               </a:extLst>
             </p:cNvPr>
@@ -3346,7 +3348,7 @@
             <p:cNvPr id="44" name="îsḻiḑé">
               <a:extLst>
                 <a:ext uri="{FF2B5EF4-FFF2-40B4-BE49-F238E27FC236}">
-                  <a16:creationId xmlns:a16="http://schemas.microsoft.com/office/drawing/2014/main" xmlns="" id="{DF04E304-5F07-4415-828B-0989704C8FE6}"/>
+                  <a16:creationId xmlns="" xmlns:a16="http://schemas.microsoft.com/office/drawing/2014/main" id="{DF04E304-5F07-4415-828B-0989704C8FE6}"/>
                 </a:ext>
               </a:extLst>
             </p:cNvPr>
@@ -3408,7 +3410,7 @@
             <p:cNvPr id="45" name="íṧľiḓê">
               <a:extLst>
                 <a:ext uri="{FF2B5EF4-FFF2-40B4-BE49-F238E27FC236}">
-                  <a16:creationId xmlns:a16="http://schemas.microsoft.com/office/drawing/2014/main" xmlns="" id="{9DE34A69-BC75-47AD-8DE0-15FDFEF5D179}"/>
+                  <a16:creationId xmlns="" xmlns:a16="http://schemas.microsoft.com/office/drawing/2014/main" id="{9DE34A69-BC75-47AD-8DE0-15FDFEF5D179}"/>
                 </a:ext>
               </a:extLst>
             </p:cNvPr>
@@ -3470,7 +3472,7 @@
             <p:cNvPr id="46" name="íSlíďé">
               <a:extLst>
                 <a:ext uri="{FF2B5EF4-FFF2-40B4-BE49-F238E27FC236}">
-                  <a16:creationId xmlns:a16="http://schemas.microsoft.com/office/drawing/2014/main" xmlns="" id="{F19E1891-22A9-4238-9A0E-D54742EB9A67}"/>
+                  <a16:creationId xmlns="" xmlns:a16="http://schemas.microsoft.com/office/drawing/2014/main" id="{F19E1891-22A9-4238-9A0E-D54742EB9A67}"/>
                 </a:ext>
               </a:extLst>
             </p:cNvPr>
@@ -3532,7 +3534,7 @@
             <p:cNvPr id="47" name="iś1ïdè">
               <a:extLst>
                 <a:ext uri="{FF2B5EF4-FFF2-40B4-BE49-F238E27FC236}">
-                  <a16:creationId xmlns:a16="http://schemas.microsoft.com/office/drawing/2014/main" xmlns="" id="{26F87FC7-C5C8-4289-A0E2-8F0511BE4D0F}"/>
+                  <a16:creationId xmlns="" xmlns:a16="http://schemas.microsoft.com/office/drawing/2014/main" id="{26F87FC7-C5C8-4289-A0E2-8F0511BE4D0F}"/>
                 </a:ext>
               </a:extLst>
             </p:cNvPr>
@@ -3594,7 +3596,7 @@
             <p:cNvPr id="48" name="îŝḷïḍé">
               <a:extLst>
                 <a:ext uri="{FF2B5EF4-FFF2-40B4-BE49-F238E27FC236}">
-                  <a16:creationId xmlns:a16="http://schemas.microsoft.com/office/drawing/2014/main" xmlns="" id="{AF3C94AB-652D-4CCA-BFC8-3BC7A5181E1F}"/>
+                  <a16:creationId xmlns="" xmlns:a16="http://schemas.microsoft.com/office/drawing/2014/main" id="{AF3C94AB-652D-4CCA-BFC8-3BC7A5181E1F}"/>
                 </a:ext>
               </a:extLst>
             </p:cNvPr>
@@ -3665,7 +3667,7 @@
             <p:cNvPr id="49" name="ïśļïďé">
               <a:extLst>
                 <a:ext uri="{FF2B5EF4-FFF2-40B4-BE49-F238E27FC236}">
-                  <a16:creationId xmlns:a16="http://schemas.microsoft.com/office/drawing/2014/main" xmlns="" id="{10BC1FCD-F8F1-411F-8B4C-46E128380494}"/>
+                  <a16:creationId xmlns="" xmlns:a16="http://schemas.microsoft.com/office/drawing/2014/main" id="{10BC1FCD-F8F1-411F-8B4C-46E128380494}"/>
                 </a:ext>
               </a:extLst>
             </p:cNvPr>
@@ -3736,7 +3738,7 @@
             <p:cNvPr id="50" name="íṧḷídè">
               <a:extLst>
                 <a:ext uri="{FF2B5EF4-FFF2-40B4-BE49-F238E27FC236}">
-                  <a16:creationId xmlns:a16="http://schemas.microsoft.com/office/drawing/2014/main" xmlns="" id="{D6954D73-841B-4674-94DA-57899B5C83FA}"/>
+                  <a16:creationId xmlns="" xmlns:a16="http://schemas.microsoft.com/office/drawing/2014/main" id="{D6954D73-841B-4674-94DA-57899B5C83FA}"/>
                 </a:ext>
               </a:extLst>
             </p:cNvPr>
@@ -4207,7 +4209,7 @@
           <p:cNvPr id="3" name="组合 2">
             <a:extLst>
               <a:ext uri="{FF2B5EF4-FFF2-40B4-BE49-F238E27FC236}">
-                <a16:creationId xmlns:a16="http://schemas.microsoft.com/office/drawing/2014/main" xmlns="" id="{C629003E-14DA-4608-82C8-F702B03C8C62}"/>
+                <a16:creationId xmlns="" xmlns:a16="http://schemas.microsoft.com/office/drawing/2014/main" id="{C629003E-14DA-4608-82C8-F702B03C8C62}"/>
               </a:ext>
             </a:extLst>
           </p:cNvPr>
@@ -4233,7 +4235,7 @@
             <p:cNvPr id="34" name="iSliḓê">
               <a:extLst>
                 <a:ext uri="{FF2B5EF4-FFF2-40B4-BE49-F238E27FC236}">
-                  <a16:creationId xmlns:a16="http://schemas.microsoft.com/office/drawing/2014/main" xmlns="" id="{80A47D5A-673E-4EDC-8FB1-C2A2486C802A}"/>
+                  <a16:creationId xmlns="" xmlns:a16="http://schemas.microsoft.com/office/drawing/2014/main" id="{80A47D5A-673E-4EDC-8FB1-C2A2486C802A}"/>
                 </a:ext>
               </a:extLst>
             </p:cNvPr>
@@ -4371,7 +4373,7 @@
             <p:cNvPr id="38" name="ïṣlîḓê">
               <a:extLst>
                 <a:ext uri="{FF2B5EF4-FFF2-40B4-BE49-F238E27FC236}">
-                  <a16:creationId xmlns:a16="http://schemas.microsoft.com/office/drawing/2014/main" xmlns="" id="{DCD89878-3878-44CD-816E-D1DB497D642B}"/>
+                  <a16:creationId xmlns="" xmlns:a16="http://schemas.microsoft.com/office/drawing/2014/main" id="{DCD89878-3878-44CD-816E-D1DB497D642B}"/>
                 </a:ext>
               </a:extLst>
             </p:cNvPr>
@@ -4437,7 +4439,7 @@
             <p:cNvPr id="39" name="îṧḻiďê">
               <a:extLst>
                 <a:ext uri="{FF2B5EF4-FFF2-40B4-BE49-F238E27FC236}">
-                  <a16:creationId xmlns:a16="http://schemas.microsoft.com/office/drawing/2014/main" xmlns="" id="{927A350C-74E8-4289-AD50-D152B2F20760}"/>
+                  <a16:creationId xmlns="" xmlns:a16="http://schemas.microsoft.com/office/drawing/2014/main" id="{927A350C-74E8-4289-AD50-D152B2F20760}"/>
                 </a:ext>
               </a:extLst>
             </p:cNvPr>
@@ -4503,7 +4505,7 @@
             <p:cNvPr id="40" name="îsļiďé">
               <a:extLst>
                 <a:ext uri="{FF2B5EF4-FFF2-40B4-BE49-F238E27FC236}">
-                  <a16:creationId xmlns:a16="http://schemas.microsoft.com/office/drawing/2014/main" xmlns="" id="{FA1565F5-351B-46F7-94BA-8DE2B624E1D4}"/>
+                  <a16:creationId xmlns="" xmlns:a16="http://schemas.microsoft.com/office/drawing/2014/main" id="{FA1565F5-351B-46F7-94BA-8DE2B624E1D4}"/>
                 </a:ext>
               </a:extLst>
             </p:cNvPr>
@@ -4569,7 +4571,7 @@
             <p:cNvPr id="41" name="ísľîḑê">
               <a:extLst>
                 <a:ext uri="{FF2B5EF4-FFF2-40B4-BE49-F238E27FC236}">
-                  <a16:creationId xmlns:a16="http://schemas.microsoft.com/office/drawing/2014/main" xmlns="" id="{F46A0CCC-6110-407E-8E6D-A1E655B7B10A}"/>
+                  <a16:creationId xmlns="" xmlns:a16="http://schemas.microsoft.com/office/drawing/2014/main" id="{F46A0CCC-6110-407E-8E6D-A1E655B7B10A}"/>
                 </a:ext>
               </a:extLst>
             </p:cNvPr>
@@ -4635,7 +4637,7 @@
             <p:cNvPr id="42" name="iṥlïďé">
               <a:extLst>
                 <a:ext uri="{FF2B5EF4-FFF2-40B4-BE49-F238E27FC236}">
-                  <a16:creationId xmlns:a16="http://schemas.microsoft.com/office/drawing/2014/main" xmlns="" id="{D83D0A40-C194-4C9B-8119-3AA087712412}"/>
+                  <a16:creationId xmlns="" xmlns:a16="http://schemas.microsoft.com/office/drawing/2014/main" id="{D83D0A40-C194-4C9B-8119-3AA087712412}"/>
                 </a:ext>
               </a:extLst>
             </p:cNvPr>
@@ -4706,7 +4708,7 @@
             <p:cNvPr id="43" name="îşḷiḍè">
               <a:extLst>
                 <a:ext uri="{FF2B5EF4-FFF2-40B4-BE49-F238E27FC236}">
-                  <a16:creationId xmlns:a16="http://schemas.microsoft.com/office/drawing/2014/main" xmlns="" id="{DE854E02-9D47-4D10-A040-E952102AC62D}"/>
+                  <a16:creationId xmlns="" xmlns:a16="http://schemas.microsoft.com/office/drawing/2014/main" id="{DE854E02-9D47-4D10-A040-E952102AC62D}"/>
                 </a:ext>
               </a:extLst>
             </p:cNvPr>
@@ -4808,7 +4810,7 @@
           <p:cNvPr id="3" name="日期占位符 2">
             <a:extLst>
               <a:ext uri="{FF2B5EF4-FFF2-40B4-BE49-F238E27FC236}">
-                <a16:creationId xmlns:a16="http://schemas.microsoft.com/office/drawing/2014/main" xmlns="" id="{9888B6D7-9D3F-49D7-BACE-73A9D1149A74}"/>
+                <a16:creationId xmlns="" xmlns:a16="http://schemas.microsoft.com/office/drawing/2014/main" id="{9888B6D7-9D3F-49D7-BACE-73A9D1149A74}"/>
               </a:ext>
             </a:extLst>
           </p:cNvPr>
@@ -4833,7 +4835,7 @@
           <p:cNvPr id="4" name="页脚占位符 3">
             <a:extLst>
               <a:ext uri="{FF2B5EF4-FFF2-40B4-BE49-F238E27FC236}">
-                <a16:creationId xmlns:a16="http://schemas.microsoft.com/office/drawing/2014/main" xmlns="" id="{7AC997A4-1DD8-4731-B9FD-42398A20FF85}"/>
+                <a16:creationId xmlns="" xmlns:a16="http://schemas.microsoft.com/office/drawing/2014/main" id="{7AC997A4-1DD8-4731-B9FD-42398A20FF85}"/>
               </a:ext>
             </a:extLst>
           </p:cNvPr>
@@ -4870,7 +4872,7 @@
           <p:cNvPr id="5" name="灯片编号占位符 4">
             <a:extLst>
               <a:ext uri="{FF2B5EF4-FFF2-40B4-BE49-F238E27FC236}">
-                <a16:creationId xmlns:a16="http://schemas.microsoft.com/office/drawing/2014/main" xmlns="" id="{DBA9825E-1876-42AD-ABCF-E0E100F351CA}"/>
+                <a16:creationId xmlns="" xmlns:a16="http://schemas.microsoft.com/office/drawing/2014/main" id="{DBA9825E-1876-42AD-ABCF-E0E100F351CA}"/>
               </a:ext>
             </a:extLst>
           </p:cNvPr>
@@ -4900,7 +4902,7 @@
           <p:cNvPr id="6" name="标题 5">
             <a:extLst>
               <a:ext uri="{FF2B5EF4-FFF2-40B4-BE49-F238E27FC236}">
-                <a16:creationId xmlns:a16="http://schemas.microsoft.com/office/drawing/2014/main" xmlns="" id="{D124F9DB-C87A-423F-9657-38C7A2901430}"/>
+                <a16:creationId xmlns="" xmlns:a16="http://schemas.microsoft.com/office/drawing/2014/main" id="{D124F9DB-C87A-423F-9657-38C7A2901430}"/>
               </a:ext>
             </a:extLst>
           </p:cNvPr>
@@ -4933,7 +4935,7 @@
           <p:cNvPr id="8" name="内容占位符 7">
             <a:extLst>
               <a:ext uri="{FF2B5EF4-FFF2-40B4-BE49-F238E27FC236}">
-                <a16:creationId xmlns:a16="http://schemas.microsoft.com/office/drawing/2014/main" xmlns="" id="{2070191C-4093-409C-8FD5-7369A79637AD}"/>
+                <a16:creationId xmlns="" xmlns:a16="http://schemas.microsoft.com/office/drawing/2014/main" id="{2070191C-4093-409C-8FD5-7369A79637AD}"/>
               </a:ext>
             </a:extLst>
           </p:cNvPr>
@@ -5042,7 +5044,7 @@
           <p:cNvPr id="2" name="标题 1">
             <a:extLst>
               <a:ext uri="{FF2B5EF4-FFF2-40B4-BE49-F238E27FC236}">
-                <a16:creationId xmlns:a16="http://schemas.microsoft.com/office/drawing/2014/main" xmlns="" id="{F21C7A1C-3684-4AAF-A408-C63B6CB64104}"/>
+                <a16:creationId xmlns="" xmlns:a16="http://schemas.microsoft.com/office/drawing/2014/main" id="{F21C7A1C-3684-4AAF-A408-C63B6CB64104}"/>
               </a:ext>
             </a:extLst>
           </p:cNvPr>
@@ -5075,7 +5077,7 @@
           <p:cNvPr id="3" name="日期占位符 2">
             <a:extLst>
               <a:ext uri="{FF2B5EF4-FFF2-40B4-BE49-F238E27FC236}">
-                <a16:creationId xmlns:a16="http://schemas.microsoft.com/office/drawing/2014/main" xmlns="" id="{8986EA5F-D77D-4318-90E9-C04AA8ADC0D1}"/>
+                <a16:creationId xmlns="" xmlns:a16="http://schemas.microsoft.com/office/drawing/2014/main" id="{8986EA5F-D77D-4318-90E9-C04AA8ADC0D1}"/>
               </a:ext>
             </a:extLst>
           </p:cNvPr>
@@ -5100,7 +5102,7 @@
           <p:cNvPr id="4" name="页脚占位符 3">
             <a:extLst>
               <a:ext uri="{FF2B5EF4-FFF2-40B4-BE49-F238E27FC236}">
-                <a16:creationId xmlns:a16="http://schemas.microsoft.com/office/drawing/2014/main" xmlns="" id="{00832621-D9D9-445E-BFF9-F8348FA1E262}"/>
+                <a16:creationId xmlns="" xmlns:a16="http://schemas.microsoft.com/office/drawing/2014/main" id="{00832621-D9D9-445E-BFF9-F8348FA1E262}"/>
               </a:ext>
             </a:extLst>
           </p:cNvPr>
@@ -5137,7 +5139,7 @@
           <p:cNvPr id="5" name="灯片编号占位符 4">
             <a:extLst>
               <a:ext uri="{FF2B5EF4-FFF2-40B4-BE49-F238E27FC236}">
-                <a16:creationId xmlns:a16="http://schemas.microsoft.com/office/drawing/2014/main" xmlns="" id="{8371151B-F790-4A9F-962F-B8718A9560A9}"/>
+                <a16:creationId xmlns="" xmlns:a16="http://schemas.microsoft.com/office/drawing/2014/main" id="{8371151B-F790-4A9F-962F-B8718A9560A9}"/>
               </a:ext>
             </a:extLst>
           </p:cNvPr>
@@ -5333,7 +5335,7 @@
           <p:cNvPr id="6" name="文本占位符 5">
             <a:extLst>
               <a:ext uri="{FF2B5EF4-FFF2-40B4-BE49-F238E27FC236}">
-                <a16:creationId xmlns:a16="http://schemas.microsoft.com/office/drawing/2014/main" xmlns="" id="{05EBDA4F-7210-4CAE-8333-80DB24212E78}"/>
+                <a16:creationId xmlns="" xmlns:a16="http://schemas.microsoft.com/office/drawing/2014/main" id="{05EBDA4F-7210-4CAE-8333-80DB24212E78}"/>
               </a:ext>
             </a:extLst>
           </p:cNvPr>
@@ -5394,7 +5396,7 @@
           <p:cNvPr id="7" name="组合 6">
             <a:extLst>
               <a:ext uri="{FF2B5EF4-FFF2-40B4-BE49-F238E27FC236}">
-                <a16:creationId xmlns:a16="http://schemas.microsoft.com/office/drawing/2014/main" xmlns="" id="{5B77603F-656A-4E2F-9228-E30568A2F1D6}"/>
+                <a16:creationId xmlns="" xmlns:a16="http://schemas.microsoft.com/office/drawing/2014/main" id="{5B77603F-656A-4E2F-9228-E30568A2F1D6}"/>
               </a:ext>
             </a:extLst>
           </p:cNvPr>
@@ -5414,7 +5416,7 @@
             <p:cNvPr id="8" name="îSḻïḍè">
               <a:extLst>
                 <a:ext uri="{FF2B5EF4-FFF2-40B4-BE49-F238E27FC236}">
-                  <a16:creationId xmlns:a16="http://schemas.microsoft.com/office/drawing/2014/main" xmlns="" id="{61BDFEB9-90AA-43E9-A12B-EFFF9287F99D}"/>
+                  <a16:creationId xmlns="" xmlns:a16="http://schemas.microsoft.com/office/drawing/2014/main" id="{61BDFEB9-90AA-43E9-A12B-EFFF9287F99D}"/>
                 </a:ext>
               </a:extLst>
             </p:cNvPr>
@@ -5498,7 +5500,7 @@
             <p:cNvPr id="9" name="iṧ1îďè">
               <a:extLst>
                 <a:ext uri="{FF2B5EF4-FFF2-40B4-BE49-F238E27FC236}">
-                  <a16:creationId xmlns:a16="http://schemas.microsoft.com/office/drawing/2014/main" xmlns="" id="{D6E33435-E28A-463E-9EC6-4FEF1432AC96}"/>
+                  <a16:creationId xmlns="" xmlns:a16="http://schemas.microsoft.com/office/drawing/2014/main" id="{D6E33435-E28A-463E-9EC6-4FEF1432AC96}"/>
                 </a:ext>
               </a:extLst>
             </p:cNvPr>
@@ -5591,7 +5593,7 @@
             <p:cNvPr id="10" name="íŝ1îḑê">
               <a:extLst>
                 <a:ext uri="{FF2B5EF4-FFF2-40B4-BE49-F238E27FC236}">
-                  <a16:creationId xmlns:a16="http://schemas.microsoft.com/office/drawing/2014/main" xmlns="" id="{9304A826-F780-4CF2-AEA1-5EB7122B87CE}"/>
+                  <a16:creationId xmlns="" xmlns:a16="http://schemas.microsoft.com/office/drawing/2014/main" id="{9304A826-F780-4CF2-AEA1-5EB7122B87CE}"/>
                 </a:ext>
               </a:extLst>
             </p:cNvPr>
@@ -5676,7 +5678,7 @@
             <p:cNvPr id="11" name="îṩľîḋè">
               <a:extLst>
                 <a:ext uri="{FF2B5EF4-FFF2-40B4-BE49-F238E27FC236}">
-                  <a16:creationId xmlns:a16="http://schemas.microsoft.com/office/drawing/2014/main" xmlns="" id="{276A2E36-748D-419C-9EE2-5DF2A51BE0C6}"/>
+                  <a16:creationId xmlns="" xmlns:a16="http://schemas.microsoft.com/office/drawing/2014/main" id="{276A2E36-748D-419C-9EE2-5DF2A51BE0C6}"/>
                 </a:ext>
               </a:extLst>
             </p:cNvPr>
@@ -5761,7 +5763,7 @@
             <p:cNvPr id="12" name="íṡ1ïḓe">
               <a:extLst>
                 <a:ext uri="{FF2B5EF4-FFF2-40B4-BE49-F238E27FC236}">
-                  <a16:creationId xmlns:a16="http://schemas.microsoft.com/office/drawing/2014/main" xmlns="" id="{20A4A09F-DE16-4168-819D-7F31D973EC1A}"/>
+                  <a16:creationId xmlns="" xmlns:a16="http://schemas.microsoft.com/office/drawing/2014/main" id="{20A4A09F-DE16-4168-819D-7F31D973EC1A}"/>
                 </a:ext>
               </a:extLst>
             </p:cNvPr>
@@ -5826,7 +5828,7 @@
             <p:cNvPr id="14" name="ïŝlîḍê">
               <a:extLst>
                 <a:ext uri="{FF2B5EF4-FFF2-40B4-BE49-F238E27FC236}">
-                  <a16:creationId xmlns:a16="http://schemas.microsoft.com/office/drawing/2014/main" xmlns="" id="{F8657E4E-B533-4A5A-9F5F-E5BE8ACB5AD2}"/>
+                  <a16:creationId xmlns="" xmlns:a16="http://schemas.microsoft.com/office/drawing/2014/main" id="{F8657E4E-B533-4A5A-9F5F-E5BE8ACB5AD2}"/>
                 </a:ext>
               </a:extLst>
             </p:cNvPr>
@@ -5891,7 +5893,7 @@
             <p:cNvPr id="16" name="íṧlîḓé">
               <a:extLst>
                 <a:ext uri="{FF2B5EF4-FFF2-40B4-BE49-F238E27FC236}">
-                  <a16:creationId xmlns:a16="http://schemas.microsoft.com/office/drawing/2014/main" xmlns="" id="{FD71861F-C75F-4733-AFC9-3907B077276A}"/>
+                  <a16:creationId xmlns="" xmlns:a16="http://schemas.microsoft.com/office/drawing/2014/main" id="{FD71861F-C75F-4733-AFC9-3907B077276A}"/>
                 </a:ext>
               </a:extLst>
             </p:cNvPr>
@@ -5986,7 +5988,7 @@
             <p:cNvPr id="17" name="îṡľiḑè">
               <a:extLst>
                 <a:ext uri="{FF2B5EF4-FFF2-40B4-BE49-F238E27FC236}">
-                  <a16:creationId xmlns:a16="http://schemas.microsoft.com/office/drawing/2014/main" xmlns="" id="{C5F246DD-0425-467A-8E23-DF1922ED4240}"/>
+                  <a16:creationId xmlns="" xmlns:a16="http://schemas.microsoft.com/office/drawing/2014/main" id="{C5F246DD-0425-467A-8E23-DF1922ED4240}"/>
                 </a:ext>
               </a:extLst>
             </p:cNvPr>
@@ -6061,7 +6063,7 @@
             <p:cNvPr id="18" name="íš1ïḑé">
               <a:extLst>
                 <a:ext uri="{FF2B5EF4-FFF2-40B4-BE49-F238E27FC236}">
-                  <a16:creationId xmlns:a16="http://schemas.microsoft.com/office/drawing/2014/main" xmlns="" id="{EB196468-BCAE-4BF5-B491-B37AF459C2E0}"/>
+                  <a16:creationId xmlns="" xmlns:a16="http://schemas.microsoft.com/office/drawing/2014/main" id="{EB196468-BCAE-4BF5-B491-B37AF459C2E0}"/>
                 </a:ext>
               </a:extLst>
             </p:cNvPr>
@@ -6136,7 +6138,7 @@
             <p:cNvPr id="19" name="ïṧḷîḍe">
               <a:extLst>
                 <a:ext uri="{FF2B5EF4-FFF2-40B4-BE49-F238E27FC236}">
-                  <a16:creationId xmlns:a16="http://schemas.microsoft.com/office/drawing/2014/main" xmlns="" id="{9A980BB4-0B9C-4CE7-B965-86D1DCCFF04C}"/>
+                  <a16:creationId xmlns="" xmlns:a16="http://schemas.microsoft.com/office/drawing/2014/main" id="{9A980BB4-0B9C-4CE7-B965-86D1DCCFF04C}"/>
                 </a:ext>
               </a:extLst>
             </p:cNvPr>
@@ -6211,7 +6213,7 @@
             <p:cNvPr id="20" name="iṡḻïḑe">
               <a:extLst>
                 <a:ext uri="{FF2B5EF4-FFF2-40B4-BE49-F238E27FC236}">
-                  <a16:creationId xmlns:a16="http://schemas.microsoft.com/office/drawing/2014/main" xmlns="" id="{D932A797-F983-471B-BFA8-F7F77258FAF6}"/>
+                  <a16:creationId xmlns="" xmlns:a16="http://schemas.microsoft.com/office/drawing/2014/main" id="{D932A797-F983-471B-BFA8-F7F77258FAF6}"/>
                 </a:ext>
               </a:extLst>
             </p:cNvPr>
@@ -6276,7 +6278,7 @@
             <p:cNvPr id="21" name="iṣliḋê">
               <a:extLst>
                 <a:ext uri="{FF2B5EF4-FFF2-40B4-BE49-F238E27FC236}">
-                  <a16:creationId xmlns:a16="http://schemas.microsoft.com/office/drawing/2014/main" xmlns="" id="{14E4C1FF-2C4A-414E-B7C1-76FC09803579}"/>
+                  <a16:creationId xmlns="" xmlns:a16="http://schemas.microsoft.com/office/drawing/2014/main" id="{14E4C1FF-2C4A-414E-B7C1-76FC09803579}"/>
                 </a:ext>
               </a:extLst>
             </p:cNvPr>
@@ -6341,7 +6343,7 @@
             <p:cNvPr id="22" name="îsḷïdê">
               <a:extLst>
                 <a:ext uri="{FF2B5EF4-FFF2-40B4-BE49-F238E27FC236}">
-                  <a16:creationId xmlns:a16="http://schemas.microsoft.com/office/drawing/2014/main" xmlns="" id="{22AC134A-B7EA-4D73-BF21-DE75251C3AB3}"/>
+                  <a16:creationId xmlns="" xmlns:a16="http://schemas.microsoft.com/office/drawing/2014/main" id="{22AC134A-B7EA-4D73-BF21-DE75251C3AB3}"/>
                 </a:ext>
               </a:extLst>
             </p:cNvPr>
@@ -6403,7 +6405,7 @@
             <p:cNvPr id="23" name="i$ḻïḍê">
               <a:extLst>
                 <a:ext uri="{FF2B5EF4-FFF2-40B4-BE49-F238E27FC236}">
-                  <a16:creationId xmlns:a16="http://schemas.microsoft.com/office/drawing/2014/main" xmlns="" id="{B2525ADC-09FA-43DB-8CDF-85CDAC67D7D6}"/>
+                  <a16:creationId xmlns="" xmlns:a16="http://schemas.microsoft.com/office/drawing/2014/main" id="{B2525ADC-09FA-43DB-8CDF-85CDAC67D7D6}"/>
                 </a:ext>
               </a:extLst>
             </p:cNvPr>
@@ -6465,7 +6467,7 @@
             <p:cNvPr id="24" name="iş1îďé">
               <a:extLst>
                 <a:ext uri="{FF2B5EF4-FFF2-40B4-BE49-F238E27FC236}">
-                  <a16:creationId xmlns:a16="http://schemas.microsoft.com/office/drawing/2014/main" xmlns="" id="{5797D739-E4EF-4020-8521-6BC146B06A4D}"/>
+                  <a16:creationId xmlns="" xmlns:a16="http://schemas.microsoft.com/office/drawing/2014/main" id="{5797D739-E4EF-4020-8521-6BC146B06A4D}"/>
                 </a:ext>
               </a:extLst>
             </p:cNvPr>
@@ -6527,7 +6529,7 @@
             <p:cNvPr id="25" name="iṧľiḍè">
               <a:extLst>
                 <a:ext uri="{FF2B5EF4-FFF2-40B4-BE49-F238E27FC236}">
-                  <a16:creationId xmlns:a16="http://schemas.microsoft.com/office/drawing/2014/main" xmlns="" id="{420139AB-8C14-45D0-B524-2B38E2B5CC4C}"/>
+                  <a16:creationId xmlns="" xmlns:a16="http://schemas.microsoft.com/office/drawing/2014/main" id="{420139AB-8C14-45D0-B524-2B38E2B5CC4C}"/>
                 </a:ext>
               </a:extLst>
             </p:cNvPr>
@@ -6589,7 +6591,7 @@
             <p:cNvPr id="26" name="îŝḷiďê">
               <a:extLst>
                 <a:ext uri="{FF2B5EF4-FFF2-40B4-BE49-F238E27FC236}">
-                  <a16:creationId xmlns:a16="http://schemas.microsoft.com/office/drawing/2014/main" xmlns="" id="{C2086326-1FF1-4885-9F22-89D180415FAD}"/>
+                  <a16:creationId xmlns="" xmlns:a16="http://schemas.microsoft.com/office/drawing/2014/main" id="{C2086326-1FF1-4885-9F22-89D180415FAD}"/>
                 </a:ext>
               </a:extLst>
             </p:cNvPr>
@@ -6685,7 +6687,7 @@
             <p:cNvPr id="27" name="ï$ḷiḍé">
               <a:extLst>
                 <a:ext uri="{FF2B5EF4-FFF2-40B4-BE49-F238E27FC236}">
-                  <a16:creationId xmlns:a16="http://schemas.microsoft.com/office/drawing/2014/main" xmlns="" id="{6DB36021-5313-40A9-920B-CBDED876EF45}"/>
+                  <a16:creationId xmlns="" xmlns:a16="http://schemas.microsoft.com/office/drawing/2014/main" id="{6DB36021-5313-40A9-920B-CBDED876EF45}"/>
                 </a:ext>
               </a:extLst>
             </p:cNvPr>
@@ -6747,7 +6749,7 @@
             <p:cNvPr id="28" name="ïşḷïḍe">
               <a:extLst>
                 <a:ext uri="{FF2B5EF4-FFF2-40B4-BE49-F238E27FC236}">
-                  <a16:creationId xmlns:a16="http://schemas.microsoft.com/office/drawing/2014/main" xmlns="" id="{6E199C5B-BAA8-49E4-BEB5-B476BF8BC2B1}"/>
+                  <a16:creationId xmlns="" xmlns:a16="http://schemas.microsoft.com/office/drawing/2014/main" id="{6E199C5B-BAA8-49E4-BEB5-B476BF8BC2B1}"/>
                 </a:ext>
               </a:extLst>
             </p:cNvPr>
@@ -6809,7 +6811,7 @@
             <p:cNvPr id="29" name="i$ḻïďé">
               <a:extLst>
                 <a:ext uri="{FF2B5EF4-FFF2-40B4-BE49-F238E27FC236}">
-                  <a16:creationId xmlns:a16="http://schemas.microsoft.com/office/drawing/2014/main" xmlns="" id="{6D1C2096-6C60-4112-830E-BF0A8DBC9AFC}"/>
+                  <a16:creationId xmlns="" xmlns:a16="http://schemas.microsoft.com/office/drawing/2014/main" id="{6D1C2096-6C60-4112-830E-BF0A8DBC9AFC}"/>
                 </a:ext>
               </a:extLst>
             </p:cNvPr>
@@ -6871,7 +6873,7 @@
             <p:cNvPr id="30" name="iṩḷîďè">
               <a:extLst>
                 <a:ext uri="{FF2B5EF4-FFF2-40B4-BE49-F238E27FC236}">
-                  <a16:creationId xmlns:a16="http://schemas.microsoft.com/office/drawing/2014/main" xmlns="" id="{8E2F55A0-1F8B-4DF8-9692-0E52FB38C449}"/>
+                  <a16:creationId xmlns="" xmlns:a16="http://schemas.microsoft.com/office/drawing/2014/main" id="{8E2F55A0-1F8B-4DF8-9692-0E52FB38C449}"/>
                 </a:ext>
               </a:extLst>
             </p:cNvPr>
@@ -6933,7 +6935,7 @@
             <p:cNvPr id="31" name="îśḷiḋè">
               <a:extLst>
                 <a:ext uri="{FF2B5EF4-FFF2-40B4-BE49-F238E27FC236}">
-                  <a16:creationId xmlns:a16="http://schemas.microsoft.com/office/drawing/2014/main" xmlns="" id="{FAEFDB25-C311-444C-8211-CA9D0D3E76C7}"/>
+                  <a16:creationId xmlns="" xmlns:a16="http://schemas.microsoft.com/office/drawing/2014/main" id="{FAEFDB25-C311-444C-8211-CA9D0D3E76C7}"/>
                 </a:ext>
               </a:extLst>
             </p:cNvPr>
@@ -6995,7 +6997,7 @@
             <p:cNvPr id="32" name="işlïďe">
               <a:extLst>
                 <a:ext uri="{FF2B5EF4-FFF2-40B4-BE49-F238E27FC236}">
-                  <a16:creationId xmlns:a16="http://schemas.microsoft.com/office/drawing/2014/main" xmlns="" id="{6F7FE01D-44F0-4E78-AA22-48B1A54F44A8}"/>
+                  <a16:creationId xmlns="" xmlns:a16="http://schemas.microsoft.com/office/drawing/2014/main" id="{6F7FE01D-44F0-4E78-AA22-48B1A54F44A8}"/>
                 </a:ext>
               </a:extLst>
             </p:cNvPr>
@@ -7057,7 +7059,7 @@
             <p:cNvPr id="33" name="iṧļîďê">
               <a:extLst>
                 <a:ext uri="{FF2B5EF4-FFF2-40B4-BE49-F238E27FC236}">
-                  <a16:creationId xmlns:a16="http://schemas.microsoft.com/office/drawing/2014/main" xmlns="" id="{E43ABFED-9DCE-4780-A17B-F275913025D6}"/>
+                  <a16:creationId xmlns="" xmlns:a16="http://schemas.microsoft.com/office/drawing/2014/main" id="{E43ABFED-9DCE-4780-A17B-F275913025D6}"/>
                 </a:ext>
               </a:extLst>
             </p:cNvPr>
@@ -7119,7 +7121,7 @@
             <p:cNvPr id="34" name="ïśľide">
               <a:extLst>
                 <a:ext uri="{FF2B5EF4-FFF2-40B4-BE49-F238E27FC236}">
-                  <a16:creationId xmlns:a16="http://schemas.microsoft.com/office/drawing/2014/main" xmlns="" id="{764B5643-59A7-4278-9C6C-C0772E988BD1}"/>
+                  <a16:creationId xmlns="" xmlns:a16="http://schemas.microsoft.com/office/drawing/2014/main" id="{764B5643-59A7-4278-9C6C-C0772E988BD1}"/>
                 </a:ext>
               </a:extLst>
             </p:cNvPr>
@@ -7181,7 +7183,7 @@
             <p:cNvPr id="35" name="îṣḷiďè">
               <a:extLst>
                 <a:ext uri="{FF2B5EF4-FFF2-40B4-BE49-F238E27FC236}">
-                  <a16:creationId xmlns:a16="http://schemas.microsoft.com/office/drawing/2014/main" xmlns="" id="{A35CCFB0-B280-422B-A372-F1E8A7B37BB7}"/>
+                  <a16:creationId xmlns="" xmlns:a16="http://schemas.microsoft.com/office/drawing/2014/main" id="{A35CCFB0-B280-422B-A372-F1E8A7B37BB7}"/>
                 </a:ext>
               </a:extLst>
             </p:cNvPr>
@@ -7277,7 +7279,7 @@
             <p:cNvPr id="36" name="i$líḓe">
               <a:extLst>
                 <a:ext uri="{FF2B5EF4-FFF2-40B4-BE49-F238E27FC236}">
-                  <a16:creationId xmlns:a16="http://schemas.microsoft.com/office/drawing/2014/main" xmlns="" id="{7F0DCF35-E893-4225-90D5-FBFE48B4C496}"/>
+                  <a16:creationId xmlns="" xmlns:a16="http://schemas.microsoft.com/office/drawing/2014/main" id="{7F0DCF35-E893-4225-90D5-FBFE48B4C496}"/>
                 </a:ext>
               </a:extLst>
             </p:cNvPr>
@@ -7342,7 +7344,7 @@
             <p:cNvPr id="37" name="ïṣḷíḓè">
               <a:extLst>
                 <a:ext uri="{FF2B5EF4-FFF2-40B4-BE49-F238E27FC236}">
-                  <a16:creationId xmlns:a16="http://schemas.microsoft.com/office/drawing/2014/main" xmlns="" id="{A4220D05-442F-428F-ACAE-0BDB7327EE45}"/>
+                  <a16:creationId xmlns="" xmlns:a16="http://schemas.microsoft.com/office/drawing/2014/main" id="{A4220D05-442F-428F-ACAE-0BDB7327EE45}"/>
                 </a:ext>
               </a:extLst>
             </p:cNvPr>
@@ -7482,7 +7484,7 @@
             <p:cNvPr id="38" name="ïślîḓe">
               <a:extLst>
                 <a:ext uri="{FF2B5EF4-FFF2-40B4-BE49-F238E27FC236}">
-                  <a16:creationId xmlns:a16="http://schemas.microsoft.com/office/drawing/2014/main" xmlns="" id="{CA00A810-C422-493F-8762-928602E1666F}"/>
+                  <a16:creationId xmlns="" xmlns:a16="http://schemas.microsoft.com/office/drawing/2014/main" id="{CA00A810-C422-493F-8762-928602E1666F}"/>
                 </a:ext>
               </a:extLst>
             </p:cNvPr>
@@ -7544,7 +7546,7 @@
             <p:cNvPr id="39" name="iṥļïďé">
               <a:extLst>
                 <a:ext uri="{FF2B5EF4-FFF2-40B4-BE49-F238E27FC236}">
-                  <a16:creationId xmlns:a16="http://schemas.microsoft.com/office/drawing/2014/main" xmlns="" id="{8731F971-066B-40AA-B136-58B67564B7ED}"/>
+                  <a16:creationId xmlns="" xmlns:a16="http://schemas.microsoft.com/office/drawing/2014/main" id="{8731F971-066B-40AA-B136-58B67564B7ED}"/>
                 </a:ext>
               </a:extLst>
             </p:cNvPr>
@@ -7606,7 +7608,7 @@
             <p:cNvPr id="40" name="iślíḓé">
               <a:extLst>
                 <a:ext uri="{FF2B5EF4-FFF2-40B4-BE49-F238E27FC236}">
-                  <a16:creationId xmlns:a16="http://schemas.microsoft.com/office/drawing/2014/main" xmlns="" id="{2AABD586-6310-40FF-82C3-735CEE851897}"/>
+                  <a16:creationId xmlns="" xmlns:a16="http://schemas.microsoft.com/office/drawing/2014/main" id="{2AABD586-6310-40FF-82C3-735CEE851897}"/>
                 </a:ext>
               </a:extLst>
             </p:cNvPr>
@@ -7668,7 +7670,7 @@
             <p:cNvPr id="41" name="îşḻïḑé">
               <a:extLst>
                 <a:ext uri="{FF2B5EF4-FFF2-40B4-BE49-F238E27FC236}">
-                  <a16:creationId xmlns:a16="http://schemas.microsoft.com/office/drawing/2014/main" xmlns="" id="{0BDE1E9B-62A3-46F4-AB87-D02F1D6E213F}"/>
+                  <a16:creationId xmlns="" xmlns:a16="http://schemas.microsoft.com/office/drawing/2014/main" id="{0BDE1E9B-62A3-46F4-AB87-D02F1D6E213F}"/>
                 </a:ext>
               </a:extLst>
             </p:cNvPr>
@@ -7730,7 +7732,7 @@
             <p:cNvPr id="42" name="iš1îḓe">
               <a:extLst>
                 <a:ext uri="{FF2B5EF4-FFF2-40B4-BE49-F238E27FC236}">
-                  <a16:creationId xmlns:a16="http://schemas.microsoft.com/office/drawing/2014/main" xmlns="" id="{1846F9CF-B441-4677-B6B7-A82071C6A24C}"/>
+                  <a16:creationId xmlns="" xmlns:a16="http://schemas.microsoft.com/office/drawing/2014/main" id="{1846F9CF-B441-4677-B6B7-A82071C6A24C}"/>
                 </a:ext>
               </a:extLst>
             </p:cNvPr>
@@ -7792,7 +7794,7 @@
             <p:cNvPr id="43" name="iṣļïḋê">
               <a:extLst>
                 <a:ext uri="{FF2B5EF4-FFF2-40B4-BE49-F238E27FC236}">
-                  <a16:creationId xmlns:a16="http://schemas.microsoft.com/office/drawing/2014/main" xmlns="" id="{E6025A34-46AE-457E-AC6F-3CE06D5B4606}"/>
+                  <a16:creationId xmlns="" xmlns:a16="http://schemas.microsoft.com/office/drawing/2014/main" id="{E6025A34-46AE-457E-AC6F-3CE06D5B4606}"/>
                 </a:ext>
               </a:extLst>
             </p:cNvPr>
@@ -7854,7 +7856,7 @@
             <p:cNvPr id="44" name="ïṧḻîdè">
               <a:extLst>
                 <a:ext uri="{FF2B5EF4-FFF2-40B4-BE49-F238E27FC236}">
-                  <a16:creationId xmlns:a16="http://schemas.microsoft.com/office/drawing/2014/main" xmlns="" id="{B3B1207A-F631-4D74-AF71-25164BFA4732}"/>
+                  <a16:creationId xmlns="" xmlns:a16="http://schemas.microsoft.com/office/drawing/2014/main" id="{B3B1207A-F631-4D74-AF71-25164BFA4732}"/>
                 </a:ext>
               </a:extLst>
             </p:cNvPr>
@@ -7916,7 +7918,7 @@
             <p:cNvPr id="45" name="ïṩlîḋè">
               <a:extLst>
                 <a:ext uri="{FF2B5EF4-FFF2-40B4-BE49-F238E27FC236}">
-                  <a16:creationId xmlns:a16="http://schemas.microsoft.com/office/drawing/2014/main" xmlns="" id="{BD4629EF-6FD7-495B-BABC-2117635C362D}"/>
+                  <a16:creationId xmlns="" xmlns:a16="http://schemas.microsoft.com/office/drawing/2014/main" id="{BD4629EF-6FD7-495B-BABC-2117635C362D}"/>
                 </a:ext>
               </a:extLst>
             </p:cNvPr>
@@ -7987,7 +7989,7 @@
             <p:cNvPr id="46" name="îśḻiḑê">
               <a:extLst>
                 <a:ext uri="{FF2B5EF4-FFF2-40B4-BE49-F238E27FC236}">
-                  <a16:creationId xmlns:a16="http://schemas.microsoft.com/office/drawing/2014/main" xmlns="" id="{CEEE656F-2B58-452E-8C4C-A5DC9C34C5FE}"/>
+                  <a16:creationId xmlns="" xmlns:a16="http://schemas.microsoft.com/office/drawing/2014/main" id="{CEEE656F-2B58-452E-8C4C-A5DC9C34C5FE}"/>
                 </a:ext>
               </a:extLst>
             </p:cNvPr>
@@ -8058,7 +8060,7 @@
             <p:cNvPr id="47" name="ísļîḓê">
               <a:extLst>
                 <a:ext uri="{FF2B5EF4-FFF2-40B4-BE49-F238E27FC236}">
-                  <a16:creationId xmlns:a16="http://schemas.microsoft.com/office/drawing/2014/main" xmlns="" id="{30046525-C92C-4D8E-AA3B-B52FFA1759D5}"/>
+                  <a16:creationId xmlns="" xmlns:a16="http://schemas.microsoft.com/office/drawing/2014/main" id="{30046525-C92C-4D8E-AA3B-B52FFA1759D5}"/>
                 </a:ext>
               </a:extLst>
             </p:cNvPr>
@@ -8396,7 +8398,7 @@
           <p:cNvPr id="8" name="日期占位符 7">
             <a:extLst>
               <a:ext uri="{FF2B5EF4-FFF2-40B4-BE49-F238E27FC236}">
-                <a16:creationId xmlns:a16="http://schemas.microsoft.com/office/drawing/2014/main" xmlns="" id="{04388434-9949-479C-A9C3-67A953F6A939}"/>
+                <a16:creationId xmlns="" xmlns:a16="http://schemas.microsoft.com/office/drawing/2014/main" id="{04388434-9949-479C-A9C3-67A953F6A939}"/>
               </a:ext>
             </a:extLst>
           </p:cNvPr>
@@ -8440,7 +8442,7 @@
           <p:cNvPr id="9" name="页脚占位符 8">
             <a:extLst>
               <a:ext uri="{FF2B5EF4-FFF2-40B4-BE49-F238E27FC236}">
-                <a16:creationId xmlns:a16="http://schemas.microsoft.com/office/drawing/2014/main" xmlns="" id="{50A5656E-7A33-4865-A262-1F96263BAA16}"/>
+                <a16:creationId xmlns="" xmlns:a16="http://schemas.microsoft.com/office/drawing/2014/main" id="{50A5656E-7A33-4865-A262-1F96263BAA16}"/>
               </a:ext>
             </a:extLst>
           </p:cNvPr>
@@ -8496,7 +8498,7 @@
           <p:cNvPr id="10" name="灯片编号占位符 9">
             <a:extLst>
               <a:ext uri="{FF2B5EF4-FFF2-40B4-BE49-F238E27FC236}">
-                <a16:creationId xmlns:a16="http://schemas.microsoft.com/office/drawing/2014/main" xmlns="" id="{5BF52F79-380E-4278-8B67-588AFE5840F9}"/>
+                <a16:creationId xmlns="" xmlns:a16="http://schemas.microsoft.com/office/drawing/2014/main" id="{5BF52F79-380E-4278-8B67-588AFE5840F9}"/>
               </a:ext>
             </a:extLst>
           </p:cNvPr>
@@ -8839,7 +8841,7 @@
   </p:txStyles>
   <p:extLst>
     <p:ext uri="{27BBF7A9-308A-43DC-89C8-2F10F3537804}">
-      <p15:sldGuideLst xmlns:p15="http://schemas.microsoft.com/office/powerpoint/2012/main" xmlns="">
+      <p15:sldGuideLst xmlns="" xmlns:p15="http://schemas.microsoft.com/office/powerpoint/2012/main">
         <p15:guide id="1" pos="422" userDrawn="1">
           <p15:clr>
             <a:srgbClr val="F26B43"/>
@@ -8898,7 +8900,7 @@
           <p:cNvPr id="3" name="ïṩḷiḑé" hidden="1">
             <a:extLst>
               <a:ext uri="{FF2B5EF4-FFF2-40B4-BE49-F238E27FC236}">
-                <a16:creationId xmlns:a16="http://schemas.microsoft.com/office/drawing/2014/main" xmlns="" id="{3C326D0B-7DAB-41B6-8030-2E4A18CC949B}"/>
+                <a16:creationId xmlns="" xmlns:a16="http://schemas.microsoft.com/office/drawing/2014/main" id="{3C326D0B-7DAB-41B6-8030-2E4A18CC949B}"/>
               </a:ext>
             </a:extLst>
           </p:cNvPr>
@@ -8921,7 +8923,7 @@
           <a:graphicData uri="http://schemas.openxmlformats.org/presentationml/2006/ole">
             <mc:AlternateContent xmlns:mc="http://schemas.openxmlformats.org/markup-compatibility/2006">
               <mc:Choice xmlns:v="urn:schemas-microsoft-com:vml" Requires="v">
-                <p:oleObj spid="_x0000_s1076" name="think-cell Slide" r:id="rId5" imgW="347" imgH="348" progId="TCLayout.ActiveDocument.1">
+                <p:oleObj spid="_x0000_s1080" name="think-cell Slide" r:id="rId5" imgW="347" imgH="348" progId="TCLayout.ActiveDocument.1">
                   <p:embed/>
                 </p:oleObj>
               </mc:Choice>
@@ -8933,7 +8935,7 @@
                       <p:cNvPr id="3" name="iş1iďé" hidden="1">
                         <a:extLst>
                           <a:ext uri="{FF2B5EF4-FFF2-40B4-BE49-F238E27FC236}">
-                            <a16:creationId xmlns:a16="http://schemas.microsoft.com/office/drawing/2014/main" xmlns="" id="{3C326D0B-7DAB-41B6-8030-2E4A18CC949B}"/>
+                            <a16:creationId xmlns="" xmlns:a16="http://schemas.microsoft.com/office/drawing/2014/main" id="{3C326D0B-7DAB-41B6-8030-2E4A18CC949B}"/>
                           </a:ext>
                         </a:extLst>
                       </p:cNvPr>
@@ -8967,7 +8969,7 @@
           <p:cNvPr id="2" name="ïsľîḑè" hidden="1">
             <a:extLst>
               <a:ext uri="{FF2B5EF4-FFF2-40B4-BE49-F238E27FC236}">
-                <a16:creationId xmlns:a16="http://schemas.microsoft.com/office/drawing/2014/main" xmlns="" id="{EC933494-1B63-4A32-964F-D05236799BAA}"/>
+                <a16:creationId xmlns="" xmlns:a16="http://schemas.microsoft.com/office/drawing/2014/main" id="{EC933494-1B63-4A32-964F-D05236799BAA}"/>
               </a:ext>
             </a:extLst>
           </p:cNvPr>
@@ -11698,17 +11700,18 @@
           <a:lstStyle/>
           <a:p>
             <a:r>
-              <a:rPr lang="zh-CN" altLang="en-US" dirty="0"/>
+              <a:rPr lang="zh-CN" altLang="en-US" smtClean="0"/>
               <a:t>请在插入菜单</a:t>
             </a:r>
             <a:r>
-              <a:rPr lang="en-US" altLang="zh-CN" dirty="0"/>
+              <a:rPr lang="en-US" altLang="zh-CN" smtClean="0"/>
               <a:t>—</a:t>
             </a:r>
             <a:r>
-              <a:rPr lang="zh-CN" altLang="en-US" dirty="0"/>
+              <a:rPr lang="zh-CN" altLang="en-US" smtClean="0"/>
               <a:t>页眉和页脚中修改此文本</a:t>
             </a:r>
+            <a:endParaRPr lang="zh-CN" altLang="en-US" dirty="0"/>
           </a:p>
         </p:txBody>
       </p:sp>
@@ -11731,6 +11734,448 @@
               <a:rPr lang="zh-CN" altLang="en-US" smtClean="0"/>
               <a:pPr/>
               <a:t>16</a:t>
+            </a:fld>
+            <a:endParaRPr lang="zh-CN" altLang="en-US"/>
+          </a:p>
+        </p:txBody>
+      </p:sp>
+      <p:sp>
+        <p:nvSpPr>
+          <p:cNvPr id="4" name="標題 3"/>
+          <p:cNvSpPr>
+            <a:spLocks noGrp="1"/>
+          </p:cNvSpPr>
+          <p:nvPr>
+            <p:ph type="title"/>
+          </p:nvPr>
+        </p:nvSpPr>
+        <p:spPr/>
+        <p:txBody>
+          <a:bodyPr/>
+          <a:lstStyle/>
+          <a:p>
+            <a:r>
+              <a:rPr lang="en-US" altLang="zh-TW" dirty="0"/>
+              <a:t>Encoder-Decoder </a:t>
+            </a:r>
+            <a:r>
+              <a:rPr lang="zh-TW" altLang="en-US" dirty="0"/>
+              <a:t>架構</a:t>
+            </a:r>
+          </a:p>
+        </p:txBody>
+      </p:sp>
+      <p:sp>
+        <p:nvSpPr>
+          <p:cNvPr id="5" name="內容版面配置區 4"/>
+          <p:cNvSpPr>
+            <a:spLocks noGrp="1"/>
+          </p:cNvSpPr>
+          <p:nvPr>
+            <p:ph sz="quarter" idx="13"/>
+          </p:nvPr>
+        </p:nvSpPr>
+        <p:spPr/>
+        <p:txBody>
+          <a:bodyPr/>
+          <a:lstStyle/>
+          <a:p>
+            <a:r>
+              <a:rPr lang="zh-TW" altLang="en-US" dirty="0"/>
+              <a:t>我們遇到的大部分問題序列都是不等長的，如機器翻譯中，源語言和目標語言的句子往往並沒有相同的長度。</a:t>
+            </a:r>
+          </a:p>
+          <a:p>
+            <a:r>
+              <a:rPr lang="zh-TW" altLang="en-US" dirty="0"/>
+              <a:t>其建模步驟如下：</a:t>
+            </a:r>
+          </a:p>
+          <a:p>
+            <a:r>
+              <a:rPr lang="zh-TW" altLang="en-US" dirty="0"/>
+              <a:t>步驟一：將輸入數據編碼成一個上下文向量𝑐，這部分稱為</a:t>
+            </a:r>
+            <a:r>
+              <a:rPr lang="en-US" altLang="zh-TW" dirty="0"/>
+              <a:t>Encoder</a:t>
+            </a:r>
+            <a:r>
+              <a:rPr lang="zh-TW" altLang="en-US" dirty="0"/>
+              <a:t>，得到𝑐有多種方式，最簡單的方法就是把</a:t>
+            </a:r>
+            <a:r>
+              <a:rPr lang="en-US" altLang="zh-TW" dirty="0"/>
+              <a:t>Encoder</a:t>
+            </a:r>
+            <a:r>
+              <a:rPr lang="zh-TW" altLang="en-US" dirty="0"/>
+              <a:t>的最後一個隱狀態賦值給𝑐，還可以對最後的隱狀態做一個變換得到𝑐，也可以對所有的隱狀態做變換。其示意如下所示：</a:t>
+            </a:r>
+          </a:p>
+        </p:txBody>
+      </p:sp>
+      <p:pic>
+        <p:nvPicPr>
+          <p:cNvPr id="4098" name="Picture 2" descr="E:\Delete\git_r\two_month_report\202011_2021_1\11_16_to_11_20_third\img\encoder.jpg"/>
+          <p:cNvPicPr>
+            <a:picLocks noChangeAspect="1" noChangeArrowheads="1"/>
+          </p:cNvPicPr>
+          <p:nvPr/>
+        </p:nvPicPr>
+        <p:blipFill>
+          <a:blip r:embed="rId2">
+            <a:extLst>
+              <a:ext uri="{28A0092B-C50C-407E-A947-70E740481C1C}">
+                <a14:useLocalDpi xmlns:a14="http://schemas.microsoft.com/office/drawing/2010/main" val="0"/>
+              </a:ext>
+            </a:extLst>
+          </a:blip>
+          <a:srcRect/>
+          <a:stretch>
+            <a:fillRect/>
+          </a:stretch>
+        </p:blipFill>
+        <p:spPr bwMode="auto">
+          <a:xfrm>
+            <a:off x="4076700" y="2705135"/>
+            <a:ext cx="6375400" cy="4152865"/>
+          </a:xfrm>
+          <a:prstGeom prst="rect">
+            <a:avLst/>
+          </a:prstGeom>
+          <a:noFill/>
+          <a:extLst>
+            <a:ext uri="{909E8E84-426E-40DD-AFC4-6F175D3DCCD1}">
+              <a14:hiddenFill xmlns:a14="http://schemas.microsoft.com/office/drawing/2010/main">
+                <a:solidFill>
+                  <a:srgbClr val="FFFFFF"/>
+                </a:solidFill>
+              </a14:hiddenFill>
+            </a:ext>
+          </a:extLst>
+        </p:spPr>
+      </p:pic>
+    </p:spTree>
+    <p:extLst>
+      <p:ext uri="{BB962C8B-B14F-4D97-AF65-F5344CB8AC3E}">
+        <p14:creationId xmlns:p14="http://schemas.microsoft.com/office/powerpoint/2010/main" val="3983785648"/>
+      </p:ext>
+    </p:extLst>
+  </p:cSld>
+  <p:clrMapOvr>
+    <a:masterClrMapping/>
+  </p:clrMapOvr>
+</p:sld>
+</file>
+
+<file path=ppt/slides/slide17.xml><?xml version="1.0" encoding="utf-8"?>
+<p:sld xmlns:a="http://schemas.openxmlformats.org/drawingml/2006/main" xmlns:r="http://schemas.openxmlformats.org/officeDocument/2006/relationships" xmlns:p="http://schemas.openxmlformats.org/presentationml/2006/main">
+  <p:cSld>
+    <p:spTree>
+      <p:nvGrpSpPr>
+        <p:cNvPr id="1" name=""/>
+        <p:cNvGrpSpPr/>
+        <p:nvPr/>
+      </p:nvGrpSpPr>
+      <p:grpSpPr>
+        <a:xfrm>
+          <a:off x="0" y="0"/>
+          <a:ext cx="0" cy="0"/>
+          <a:chOff x="0" y="0"/>
+          <a:chExt cx="0" cy="0"/>
+        </a:xfrm>
+      </p:grpSpPr>
+      <p:sp>
+        <p:nvSpPr>
+          <p:cNvPr id="2" name="頁尾版面配置區 1"/>
+          <p:cNvSpPr>
+            <a:spLocks noGrp="1"/>
+          </p:cNvSpPr>
+          <p:nvPr>
+            <p:ph type="ftr" sz="quarter" idx="11"/>
+          </p:nvPr>
+        </p:nvSpPr>
+        <p:spPr/>
+        <p:txBody>
+          <a:bodyPr/>
+          <a:lstStyle/>
+          <a:p>
+            <a:r>
+              <a:rPr lang="zh-CN" altLang="en-US" smtClean="0"/>
+              <a:t>请在插入菜单</a:t>
+            </a:r>
+            <a:r>
+              <a:rPr lang="en-US" altLang="zh-CN" smtClean="0"/>
+              <a:t>—</a:t>
+            </a:r>
+            <a:r>
+              <a:rPr lang="zh-CN" altLang="en-US" smtClean="0"/>
+              <a:t>页眉和页脚中修改此文本</a:t>
+            </a:r>
+            <a:endParaRPr lang="zh-CN" altLang="en-US" dirty="0"/>
+          </a:p>
+        </p:txBody>
+      </p:sp>
+      <p:sp>
+        <p:nvSpPr>
+          <p:cNvPr id="3" name="投影片編號版面配置區 2"/>
+          <p:cNvSpPr>
+            <a:spLocks noGrp="1"/>
+          </p:cNvSpPr>
+          <p:nvPr>
+            <p:ph type="sldNum" sz="quarter" idx="12"/>
+          </p:nvPr>
+        </p:nvSpPr>
+        <p:spPr>
+          <a:xfrm>
+            <a:off x="8280399" y="6088063"/>
+            <a:ext cx="2909888" cy="206381"/>
+          </a:xfrm>
+        </p:spPr>
+        <p:txBody>
+          <a:bodyPr/>
+          <a:lstStyle/>
+          <a:p>
+            <a:fld id="{5DD3DB80-B894-403A-B48E-6FDC1A72010E}" type="slidenum">
+              <a:rPr lang="zh-CN" altLang="en-US" smtClean="0"/>
+              <a:pPr/>
+              <a:t>17</a:t>
+            </a:fld>
+            <a:endParaRPr lang="zh-CN" altLang="en-US"/>
+          </a:p>
+        </p:txBody>
+      </p:sp>
+      <p:sp>
+        <p:nvSpPr>
+          <p:cNvPr id="4" name="標題 3"/>
+          <p:cNvSpPr>
+            <a:spLocks noGrp="1"/>
+          </p:cNvSpPr>
+          <p:nvPr>
+            <p:ph type="title"/>
+          </p:nvPr>
+        </p:nvSpPr>
+        <p:spPr/>
+        <p:txBody>
+          <a:bodyPr/>
+          <a:lstStyle/>
+          <a:p>
+            <a:r>
+              <a:rPr lang="en-US" altLang="zh-TW" dirty="0"/>
+              <a:t>Encoder-Decoder </a:t>
+            </a:r>
+            <a:r>
+              <a:rPr lang="zh-TW" altLang="en-US" dirty="0"/>
+              <a:t>架構</a:t>
+            </a:r>
+          </a:p>
+        </p:txBody>
+      </p:sp>
+      <p:sp>
+        <p:nvSpPr>
+          <p:cNvPr id="5" name="內容版面配置區 4"/>
+          <p:cNvSpPr>
+            <a:spLocks noGrp="1"/>
+          </p:cNvSpPr>
+          <p:nvPr>
+            <p:ph sz="quarter" idx="13"/>
+          </p:nvPr>
+        </p:nvSpPr>
+        <p:spPr/>
+        <p:txBody>
+          <a:bodyPr/>
+          <a:lstStyle/>
+          <a:p>
+            <a:r>
+              <a:rPr lang="zh-TW" altLang="en-US" dirty="0"/>
+              <a:t>步驟二：用另一個</a:t>
+            </a:r>
+            <a:r>
+              <a:rPr lang="en-US" altLang="zh-TW" dirty="0"/>
+              <a:t>RNN</a:t>
+            </a:r>
+            <a:r>
+              <a:rPr lang="zh-TW" altLang="en-US" dirty="0"/>
+              <a:t>網絡（我們將其稱為</a:t>
+            </a:r>
+            <a:r>
+              <a:rPr lang="en-US" altLang="zh-TW" dirty="0"/>
+              <a:t>Decoder</a:t>
+            </a:r>
+            <a:r>
+              <a:rPr lang="zh-TW" altLang="en-US" dirty="0"/>
+              <a:t>）對其進行編碼，方法一是將步驟一中的𝑐</a:t>
+            </a:r>
+            <a:r>
+              <a:rPr lang="en-US" altLang="zh-TW" dirty="0"/>
+              <a:t>•</a:t>
+            </a:r>
+            <a:r>
+              <a:rPr lang="zh-TW" altLang="en-US" dirty="0"/>
+              <a:t>作為初始狀態輸入到</a:t>
+            </a:r>
+            <a:r>
+              <a:rPr lang="en-US" altLang="zh-TW" dirty="0"/>
+              <a:t>Decoder</a:t>
+            </a:r>
+            <a:r>
+              <a:rPr lang="zh-TW" altLang="en-US" dirty="0"/>
+              <a:t>，示意圖如下所示</a:t>
+            </a:r>
+            <a:r>
+              <a:rPr lang="zh-TW" altLang="en-US" dirty="0" smtClean="0"/>
+              <a:t>：</a:t>
+            </a:r>
+            <a:endParaRPr lang="en-US" altLang="zh-TW" dirty="0" smtClean="0"/>
+          </a:p>
+          <a:p>
+            <a:r>
+              <a:rPr lang="zh-TW" altLang="en-US" dirty="0" smtClean="0"/>
+              <a:t> 後續的新的神經網路架構</a:t>
+            </a:r>
+            <a:r>
+              <a:rPr lang="zh-TW" altLang="en-US" dirty="0"/>
+              <a:t>有</a:t>
+            </a:r>
+            <a:r>
+              <a:rPr lang="zh-TW" altLang="en-US" dirty="0" smtClean="0"/>
+              <a:t>個以此為改善做出重大變革的 </a:t>
+            </a:r>
+            <a:r>
+              <a:rPr lang="en-US" altLang="zh-TW" smtClean="0"/>
+              <a:t>transformer model</a:t>
+            </a:r>
+            <a:endParaRPr lang="zh-TW" altLang="en-US" dirty="0"/>
+          </a:p>
+          <a:p>
+            <a:endParaRPr lang="zh-TW" altLang="en-US" dirty="0"/>
+          </a:p>
+          <a:p>
+            <a:endParaRPr lang="zh-TW" altLang="en-US" dirty="0"/>
+          </a:p>
+        </p:txBody>
+      </p:sp>
+      <p:pic>
+        <p:nvPicPr>
+          <p:cNvPr id="5122" name="Picture 2" descr="E:\Delete\git_r\two_month_report\202011_2021_1\11_16_to_11_20_third\img\decoder.jpg"/>
+          <p:cNvPicPr>
+            <a:picLocks noChangeAspect="1" noChangeArrowheads="1"/>
+          </p:cNvPicPr>
+          <p:nvPr/>
+        </p:nvPicPr>
+        <p:blipFill>
+          <a:blip r:embed="rId2">
+            <a:extLst>
+              <a:ext uri="{28A0092B-C50C-407E-A947-70E740481C1C}">
+                <a14:useLocalDpi xmlns:a14="http://schemas.microsoft.com/office/drawing/2010/main" val="0"/>
+              </a:ext>
+            </a:extLst>
+          </a:blip>
+          <a:srcRect/>
+          <a:stretch>
+            <a:fillRect/>
+          </a:stretch>
+        </p:blipFill>
+        <p:spPr bwMode="auto">
+          <a:xfrm>
+            <a:off x="1689098" y="2738438"/>
+            <a:ext cx="8428141" cy="3382962"/>
+          </a:xfrm>
+          <a:prstGeom prst="rect">
+            <a:avLst/>
+          </a:prstGeom>
+          <a:noFill/>
+          <a:extLst>
+            <a:ext uri="{909E8E84-426E-40DD-AFC4-6F175D3DCCD1}">
+              <a14:hiddenFill xmlns:a14="http://schemas.microsoft.com/office/drawing/2010/main">
+                <a:solidFill>
+                  <a:srgbClr val="FFFFFF"/>
+                </a:solidFill>
+              </a14:hiddenFill>
+            </a:ext>
+          </a:extLst>
+        </p:spPr>
+      </p:pic>
+    </p:spTree>
+    <p:extLst>
+      <p:ext uri="{BB962C8B-B14F-4D97-AF65-F5344CB8AC3E}">
+        <p14:creationId xmlns:p14="http://schemas.microsoft.com/office/powerpoint/2010/main" val="1180708939"/>
+      </p:ext>
+    </p:extLst>
+  </p:cSld>
+  <p:clrMapOvr>
+    <a:masterClrMapping/>
+  </p:clrMapOvr>
+</p:sld>
+</file>
+
+<file path=ppt/slides/slide18.xml><?xml version="1.0" encoding="utf-8"?>
+<p:sld xmlns:a="http://schemas.openxmlformats.org/drawingml/2006/main" xmlns:r="http://schemas.openxmlformats.org/officeDocument/2006/relationships" xmlns:p="http://schemas.openxmlformats.org/presentationml/2006/main">
+  <p:cSld>
+    <p:spTree>
+      <p:nvGrpSpPr>
+        <p:cNvPr id="1" name=""/>
+        <p:cNvGrpSpPr/>
+        <p:nvPr/>
+      </p:nvGrpSpPr>
+      <p:grpSpPr>
+        <a:xfrm>
+          <a:off x="0" y="0"/>
+          <a:ext cx="0" cy="0"/>
+          <a:chOff x="0" y="0"/>
+          <a:chExt cx="0" cy="0"/>
+        </a:xfrm>
+      </p:grpSpPr>
+      <p:sp>
+        <p:nvSpPr>
+          <p:cNvPr id="2" name="頁尾版面配置區 1"/>
+          <p:cNvSpPr>
+            <a:spLocks noGrp="1"/>
+          </p:cNvSpPr>
+          <p:nvPr>
+            <p:ph type="ftr" sz="quarter" idx="11"/>
+          </p:nvPr>
+        </p:nvSpPr>
+        <p:spPr/>
+        <p:txBody>
+          <a:bodyPr/>
+          <a:lstStyle/>
+          <a:p>
+            <a:r>
+              <a:rPr lang="zh-CN" altLang="en-US" dirty="0"/>
+              <a:t>请在插入菜单</a:t>
+            </a:r>
+            <a:r>
+              <a:rPr lang="en-US" altLang="zh-CN" dirty="0"/>
+              <a:t>—</a:t>
+            </a:r>
+            <a:r>
+              <a:rPr lang="zh-CN" altLang="en-US" dirty="0"/>
+              <a:t>页眉和页脚中修改此文本</a:t>
+            </a:r>
+          </a:p>
+        </p:txBody>
+      </p:sp>
+      <p:sp>
+        <p:nvSpPr>
+          <p:cNvPr id="3" name="投影片編號版面配置區 2"/>
+          <p:cNvSpPr>
+            <a:spLocks noGrp="1"/>
+          </p:cNvSpPr>
+          <p:nvPr>
+            <p:ph type="sldNum" sz="quarter" idx="12"/>
+          </p:nvPr>
+        </p:nvSpPr>
+        <p:spPr/>
+        <p:txBody>
+          <a:bodyPr/>
+          <a:lstStyle/>
+          <a:p>
+            <a:fld id="{5DD3DB80-B894-403A-B48E-6FDC1A72010E}" type="slidenum">
+              <a:rPr lang="zh-CN" altLang="en-US" smtClean="0"/>
+              <a:pPr/>
+              <a:t>18</a:t>
             </a:fld>
             <a:endParaRPr lang="zh-CN" altLang="en-US"/>
           </a:p>
@@ -11819,7 +12264,7 @@
 </p:sld>
 </file>
 
-<file path=ppt/slides/slide17.xml><?xml version="1.0" encoding="utf-8"?>
+<file path=ppt/slides/slide19.xml><?xml version="1.0" encoding="utf-8"?>
 <p:sld xmlns:a="http://schemas.openxmlformats.org/drawingml/2006/main" xmlns:r="http://schemas.openxmlformats.org/officeDocument/2006/relationships" xmlns:p="http://schemas.openxmlformats.org/presentationml/2006/main">
   <p:cSld>
     <p:spTree>
@@ -11885,7 +12330,7 @@
             <a:fld id="{5DD3DB80-B894-403A-B48E-6FDC1A72010E}" type="slidenum">
               <a:rPr lang="zh-CN" altLang="en-US" smtClean="0"/>
               <a:pPr/>
-              <a:t>17</a:t>
+              <a:t>19</a:t>
             </a:fld>
             <a:endParaRPr lang="zh-CN" altLang="en-US"/>
           </a:p>
@@ -12030,334 +12475,6 @@
     <p:extLst>
       <p:ext uri="{BB962C8B-B14F-4D97-AF65-F5344CB8AC3E}">
         <p14:creationId xmlns:p14="http://schemas.microsoft.com/office/powerpoint/2010/main" val="3151520996"/>
-      </p:ext>
-    </p:extLst>
-  </p:cSld>
-  <p:clrMapOvr>
-    <a:masterClrMapping/>
-  </p:clrMapOvr>
-</p:sld>
-</file>
-
-<file path=ppt/slides/slide18.xml><?xml version="1.0" encoding="utf-8"?>
-<p:sld xmlns:a="http://schemas.openxmlformats.org/drawingml/2006/main" xmlns:r="http://schemas.openxmlformats.org/officeDocument/2006/relationships" xmlns:p="http://schemas.openxmlformats.org/presentationml/2006/main">
-  <p:cSld>
-    <p:spTree>
-      <p:nvGrpSpPr>
-        <p:cNvPr id="1" name=""/>
-        <p:cNvGrpSpPr/>
-        <p:nvPr/>
-      </p:nvGrpSpPr>
-      <p:grpSpPr>
-        <a:xfrm>
-          <a:off x="0" y="0"/>
-          <a:ext cx="0" cy="0"/>
-          <a:chOff x="0" y="0"/>
-          <a:chExt cx="0" cy="0"/>
-        </a:xfrm>
-      </p:grpSpPr>
-      <p:sp>
-        <p:nvSpPr>
-          <p:cNvPr id="2" name="頁尾版面配置區 1"/>
-          <p:cNvSpPr>
-            <a:spLocks noGrp="1"/>
-          </p:cNvSpPr>
-          <p:nvPr>
-            <p:ph type="ftr" sz="quarter" idx="11"/>
-          </p:nvPr>
-        </p:nvSpPr>
-        <p:spPr/>
-        <p:txBody>
-          <a:bodyPr/>
-          <a:lstStyle/>
-          <a:p>
-            <a:r>
-              <a:rPr lang="zh-CN" altLang="en-US"/>
-              <a:t>请在插入菜单</a:t>
-            </a:r>
-            <a:r>
-              <a:rPr lang="en-US" altLang="zh-CN"/>
-              <a:t>—</a:t>
-            </a:r>
-            <a:r>
-              <a:rPr lang="zh-CN" altLang="en-US"/>
-              <a:t>页眉和页脚中修改此文本</a:t>
-            </a:r>
-            <a:endParaRPr lang="zh-CN" altLang="en-US" dirty="0"/>
-          </a:p>
-        </p:txBody>
-      </p:sp>
-      <p:sp>
-        <p:nvSpPr>
-          <p:cNvPr id="3" name="投影片編號版面配置區 2"/>
-          <p:cNvSpPr>
-            <a:spLocks noGrp="1"/>
-          </p:cNvSpPr>
-          <p:nvPr>
-            <p:ph type="sldNum" sz="quarter" idx="12"/>
-          </p:nvPr>
-        </p:nvSpPr>
-        <p:spPr/>
-        <p:txBody>
-          <a:bodyPr/>
-          <a:lstStyle/>
-          <a:p>
-            <a:fld id="{5DD3DB80-B894-403A-B48E-6FDC1A72010E}" type="slidenum">
-              <a:rPr lang="zh-CN" altLang="en-US" smtClean="0"/>
-              <a:pPr/>
-              <a:t>18</a:t>
-            </a:fld>
-            <a:endParaRPr lang="zh-CN" altLang="en-US"/>
-          </a:p>
-        </p:txBody>
-      </p:sp>
-      <p:sp>
-        <p:nvSpPr>
-          <p:cNvPr id="4" name="標題 3"/>
-          <p:cNvSpPr>
-            <a:spLocks noGrp="1"/>
-          </p:cNvSpPr>
-          <p:nvPr>
-            <p:ph type="title"/>
-          </p:nvPr>
-        </p:nvSpPr>
-        <p:spPr/>
-        <p:txBody>
-          <a:bodyPr/>
-          <a:lstStyle/>
-          <a:p>
-            <a:r>
-              <a:rPr lang="zh-TW" altLang="en-US" dirty="0"/>
-              <a:t>典型</a:t>
-            </a:r>
-            <a:r>
-              <a:rPr lang="en-US" altLang="zh-TW" dirty="0"/>
-              <a:t>RNN</a:t>
-            </a:r>
-            <a:r>
-              <a:rPr lang="zh-TW" altLang="en-US" dirty="0"/>
-              <a:t>模型</a:t>
-            </a:r>
-          </a:p>
-        </p:txBody>
-      </p:sp>
-      <p:sp>
-        <p:nvSpPr>
-          <p:cNvPr id="5" name="內容版面配置區 4"/>
-          <p:cNvSpPr>
-            <a:spLocks noGrp="1"/>
-          </p:cNvSpPr>
-          <p:nvPr>
-            <p:ph sz="quarter" idx="13"/>
-          </p:nvPr>
-        </p:nvSpPr>
-        <p:spPr/>
-        <p:txBody>
-          <a:bodyPr/>
-          <a:lstStyle/>
-          <a:p>
-            <a:endParaRPr lang="zh-TW" altLang="en-US" dirty="0"/>
-          </a:p>
-        </p:txBody>
-      </p:sp>
-      <p:pic>
-        <p:nvPicPr>
-          <p:cNvPr id="15362" name="Picture 2" descr="E:\Delete\git_r\two_month_report\202011_2021_1\11_16_to_11_20_third\img\rnn_classic.png"/>
-          <p:cNvPicPr>
-            <a:picLocks noChangeAspect="1" noChangeArrowheads="1"/>
-          </p:cNvPicPr>
-          <p:nvPr/>
-        </p:nvPicPr>
-        <p:blipFill>
-          <a:blip r:embed="rId2" cstate="print">
-            <a:extLst>
-              <a:ext uri="{28A0092B-C50C-407E-A947-70E740481C1C}">
-                <a14:useLocalDpi xmlns:a14="http://schemas.microsoft.com/office/drawing/2010/main" val="0"/>
-              </a:ext>
-            </a:extLst>
-          </a:blip>
-          <a:srcRect/>
-          <a:stretch>
-            <a:fillRect/>
-          </a:stretch>
-        </p:blipFill>
-        <p:spPr bwMode="auto">
-          <a:xfrm>
-            <a:off x="1900238" y="1524000"/>
-            <a:ext cx="7786580" cy="4438650"/>
-          </a:xfrm>
-          <a:prstGeom prst="rect">
-            <a:avLst/>
-          </a:prstGeom>
-          <a:noFill/>
-          <a:extLst>
-            <a:ext uri="{909E8E84-426E-40DD-AFC4-6F175D3DCCD1}">
-              <a14:hiddenFill xmlns:a14="http://schemas.microsoft.com/office/drawing/2010/main">
-                <a:solidFill>
-                  <a:srgbClr val="FFFFFF"/>
-                </a:solidFill>
-              </a14:hiddenFill>
-            </a:ext>
-          </a:extLst>
-        </p:spPr>
-      </p:pic>
-    </p:spTree>
-    <p:extLst>
-      <p:ext uri="{BB962C8B-B14F-4D97-AF65-F5344CB8AC3E}">
-        <p14:creationId xmlns:p14="http://schemas.microsoft.com/office/powerpoint/2010/main" val="2821566931"/>
-      </p:ext>
-    </p:extLst>
-  </p:cSld>
-  <p:clrMapOvr>
-    <a:masterClrMapping/>
-  </p:clrMapOvr>
-</p:sld>
-</file>
-
-<file path=ppt/slides/slide19.xml><?xml version="1.0" encoding="utf-8"?>
-<p:sld xmlns:a="http://schemas.openxmlformats.org/drawingml/2006/main" xmlns:r="http://schemas.openxmlformats.org/officeDocument/2006/relationships" xmlns:p="http://schemas.openxmlformats.org/presentationml/2006/main">
-  <p:cSld>
-    <p:spTree>
-      <p:nvGrpSpPr>
-        <p:cNvPr id="1" name="î$ḷîḓé"/>
-        <p:cNvGrpSpPr/>
-        <p:nvPr/>
-      </p:nvGrpSpPr>
-      <p:grpSpPr>
-        <a:xfrm>
-          <a:off x="0" y="0"/>
-          <a:ext cx="0" cy="0"/>
-          <a:chOff x="0" y="0"/>
-          <a:chExt cx="0" cy="0"/>
-        </a:xfrm>
-      </p:grpSpPr>
-      <p:sp>
-        <p:nvSpPr>
-          <p:cNvPr id="5" name="îśļídè"/>
-          <p:cNvSpPr>
-            <a:spLocks noGrp="1"/>
-          </p:cNvSpPr>
-          <p:nvPr>
-            <p:ph type="title"/>
-          </p:nvPr>
-        </p:nvSpPr>
-        <p:spPr/>
-        <p:txBody>
-          <a:bodyPr/>
-          <a:lstStyle/>
-          <a:p>
-            <a:r>
-              <a:rPr lang="en-US" altLang="zh-CN" dirty="0" err="1"/>
-              <a:t>SoftMax</a:t>
-            </a:r>
-            <a:r>
-              <a:rPr lang="en-US" altLang="zh-CN" dirty="0"/>
-              <a:t> function</a:t>
-            </a:r>
-            <a:endParaRPr lang="zh-CN" altLang="en-US" dirty="0"/>
-          </a:p>
-        </p:txBody>
-      </p:sp>
-      <p:sp>
-        <p:nvSpPr>
-          <p:cNvPr id="9" name="î$ḷíḋé">
-            <a:extLst>
-              <a:ext uri="{FF2B5EF4-FFF2-40B4-BE49-F238E27FC236}">
-                <a16:creationId xmlns:a16="http://schemas.microsoft.com/office/drawing/2014/main" xmlns="" id="{04F69230-F3A6-4586-9371-A858F4763E9F}"/>
-              </a:ext>
-            </a:extLst>
-          </p:cNvPr>
-          <p:cNvSpPr txBox="1"/>
-          <p:nvPr/>
-        </p:nvSpPr>
-        <p:spPr>
-          <a:xfrm>
-            <a:off x="5732004" y="2313213"/>
-            <a:ext cx="1023516" cy="889909"/>
-          </a:xfrm>
-          <a:prstGeom prst="rect">
-            <a:avLst/>
-          </a:prstGeom>
-          <a:noFill/>
-          <a:ln w="117475">
-            <a:noFill/>
-          </a:ln>
-        </p:spPr>
-        <p:txBody>
-          <a:bodyPr wrap="none" rtlCol="0">
-            <a:prstTxWarp prst="textPlain">
-              <a:avLst/>
-            </a:prstTxWarp>
-            <a:spAutoFit/>
-          </a:bodyPr>
-          <a:lstStyle/>
-          <a:p>
-            <a:r>
-              <a:rPr lang="en-US" altLang="zh-CN" spc="100" dirty="0">
-                <a:solidFill>
-                  <a:schemeClr val="accent4"/>
-                </a:solidFill>
-                <a:latin typeface="Impact" panose="020B0806030902050204" pitchFamily="34" charset="0"/>
-                <a:cs typeface="Arial" panose="020B0604020202020204" pitchFamily="34" charset="0"/>
-              </a:rPr>
-              <a:t>/</a:t>
-            </a:r>
-            <a:r>
-              <a:rPr lang="en-US" altLang="zh-CN" sz="100" spc="100" dirty="0">
-                <a:solidFill>
-                  <a:schemeClr val="accent4"/>
-                </a:solidFill>
-                <a:latin typeface="Impact" panose="020B0806030902050204" pitchFamily="34" charset="0"/>
-                <a:cs typeface="Arial" panose="020B0604020202020204" pitchFamily="34" charset="0"/>
-              </a:rPr>
-              <a:t> </a:t>
-            </a:r>
-            <a:r>
-              <a:rPr lang="en-US" altLang="zh-CN" spc="100" dirty="0">
-                <a:solidFill>
-                  <a:schemeClr val="accent4"/>
-                </a:solidFill>
-                <a:latin typeface="Impact" panose="020B0806030902050204" pitchFamily="34" charset="0"/>
-                <a:cs typeface="Arial" panose="020B0604020202020204" pitchFamily="34" charset="0"/>
-              </a:rPr>
-              <a:t>03</a:t>
-            </a:r>
-            <a:endParaRPr lang="zh-CN" altLang="en-US" spc="100" dirty="0">
-              <a:solidFill>
-                <a:schemeClr val="accent4"/>
-              </a:solidFill>
-              <a:latin typeface="Impact" panose="020B0806030902050204" pitchFamily="34" charset="0"/>
-              <a:cs typeface="Arial" panose="020B0604020202020204" pitchFamily="34" charset="0"/>
-            </a:endParaRPr>
-          </a:p>
-        </p:txBody>
-      </p:sp>
-      <p:sp>
-        <p:nvSpPr>
-          <p:cNvPr id="2" name="文字版面配置區 1"/>
-          <p:cNvSpPr>
-            <a:spLocks noGrp="1"/>
-          </p:cNvSpPr>
-          <p:nvPr>
-            <p:ph type="body" idx="1"/>
-          </p:nvPr>
-        </p:nvSpPr>
-        <p:spPr/>
-        <p:txBody>
-          <a:bodyPr/>
-          <a:lstStyle/>
-          <a:p>
-            <a:endParaRPr lang="zh-TW" altLang="en-US"/>
-          </a:p>
-        </p:txBody>
-      </p:sp>
-    </p:spTree>
-    <p:custDataLst>
-      <p:tags r:id="rId2"/>
-    </p:custDataLst>
-    <p:extLst>
-      <p:ext uri="{BB962C8B-B14F-4D97-AF65-F5344CB8AC3E}">
-        <p14:creationId xmlns:p14="http://schemas.microsoft.com/office/powerpoint/2010/main" val="1336051867"/>
       </p:ext>
     </p:extLst>
   </p:cSld>
@@ -12389,7 +12506,7 @@
           <p:cNvPr id="2" name="íSliḓè">
             <a:extLst>
               <a:ext uri="{FF2B5EF4-FFF2-40B4-BE49-F238E27FC236}">
-                <a16:creationId xmlns:a16="http://schemas.microsoft.com/office/drawing/2014/main" xmlns="" id="{C0498D3A-B738-48EC-A39C-94C58B88932B}"/>
+                <a16:creationId xmlns="" xmlns:a16="http://schemas.microsoft.com/office/drawing/2014/main" id="{C0498D3A-B738-48EC-A39C-94C58B88932B}"/>
               </a:ext>
             </a:extLst>
           </p:cNvPr>
@@ -12409,7 +12526,7 @@
             <p:cNvPr id="6" name="íSļïdè" descr="本素材由iSlide™ 提供&#10;iSlide™尊重知识产权并注重保护用户享有的各项权利。郑重提醒您：&#10;iSlide™插件中提供的任何信息内容的所有权、知识产权归其原始权利人或权利受让人所有，您免费/购买获得的是信息内容的使用权，并受下述条款的约束；&#10;1. 您仅可以个人非商业用途使用该等信息内容，不可将信息内容的全部或部分用于出售，或以出租、出借、转让、分销、发布等其他任何方式供他人使用；&#10;2. 禁止在接入互联网或移动互联网的任何网站、平台、应用或程序上以任何方式为他人提供iSlide™插件资源内容的下载。&#10;The resource is supplied by iSlide™.&#10;iSlide™ respects all intellectual property rights and protects all the rights its users acquired.Solemnly remind you:&#10;The ownership and intellectual property of the resources supplied in iSlide Add-in belongs to its owner or the assignee of this ownership.you only acquired the usage of the resources supplied in iSlide Add-in, as well as respected the following restrain terms:&#10;1.You are only allowed to use such resource for personal and non-commercial aim, not allowed to use such resource or part of it for the sale; or rent, lend, transfer to others; or distribution or release it in any way.&#10;2.You are not permitted to provide the resource of iSlide Add-in in any website, platform, application access to the Internet or mobile Internet." title="iSlide™ 版权声明  COPYRIGHT NOTICE">
               <a:extLst>
                 <a:ext uri="{FF2B5EF4-FFF2-40B4-BE49-F238E27FC236}">
-                  <a16:creationId xmlns:a16="http://schemas.microsoft.com/office/drawing/2014/main" xmlns="" id="{A759C196-DA28-4241-ABB5-975367026FE9}"/>
+                  <a16:creationId xmlns="" xmlns:a16="http://schemas.microsoft.com/office/drawing/2014/main" id="{A759C196-DA28-4241-ABB5-975367026FE9}"/>
                 </a:ext>
               </a:extLst>
             </p:cNvPr>
@@ -12431,7 +12548,7 @@
               <p:cNvPr id="7" name="îṩḷiḓè">
                 <a:extLst>
                   <a:ext uri="{FF2B5EF4-FFF2-40B4-BE49-F238E27FC236}">
-                    <a16:creationId xmlns:a16="http://schemas.microsoft.com/office/drawing/2014/main" xmlns="" id="{48F70259-7598-4270-874A-6F50772D10F6}"/>
+                    <a16:creationId xmlns="" xmlns:a16="http://schemas.microsoft.com/office/drawing/2014/main" id="{48F70259-7598-4270-874A-6F50772D10F6}"/>
                   </a:ext>
                 </a:extLst>
               </p:cNvPr>
@@ -12683,7 +12800,7 @@
               <p:cNvPr id="8" name="îŝľiḋê">
                 <a:extLst>
                   <a:ext uri="{FF2B5EF4-FFF2-40B4-BE49-F238E27FC236}">
-                    <a16:creationId xmlns:a16="http://schemas.microsoft.com/office/drawing/2014/main" xmlns="" id="{DA1FB18E-FA01-4588-BEF9-FB96A98A84D4}"/>
+                    <a16:creationId xmlns="" xmlns:a16="http://schemas.microsoft.com/office/drawing/2014/main" id="{DA1FB18E-FA01-4588-BEF9-FB96A98A84D4}"/>
                   </a:ext>
                 </a:extLst>
               </p:cNvPr>
@@ -12722,7 +12839,7 @@
               <p:cNvPr id="9" name="ïsľiďé">
                 <a:extLst>
                   <a:ext uri="{FF2B5EF4-FFF2-40B4-BE49-F238E27FC236}">
-                    <a16:creationId xmlns:a16="http://schemas.microsoft.com/office/drawing/2014/main" xmlns="" id="{0DB1D0A1-2667-455C-9387-D7ABF0A00B8C}"/>
+                    <a16:creationId xmlns="" xmlns:a16="http://schemas.microsoft.com/office/drawing/2014/main" id="{0DB1D0A1-2667-455C-9387-D7ABF0A00B8C}"/>
                   </a:ext>
                 </a:extLst>
               </p:cNvPr>
@@ -12794,7 +12911,7 @@
             <p:cNvPr id="10" name="ïṩļiḋe">
               <a:extLst>
                 <a:ext uri="{FF2B5EF4-FFF2-40B4-BE49-F238E27FC236}">
-                  <a16:creationId xmlns:a16="http://schemas.microsoft.com/office/drawing/2014/main" xmlns="" id="{ADAD6BE3-DC11-4582-9F68-50D831ADD001}"/>
+                  <a16:creationId xmlns="" xmlns:a16="http://schemas.microsoft.com/office/drawing/2014/main" id="{ADAD6BE3-DC11-4582-9F68-50D831ADD001}"/>
                 </a:ext>
               </a:extLst>
             </p:cNvPr>
@@ -13600,6 +13717,334 @@
           <a:lstStyle/>
           <a:p>
             <a:r>
+              <a:rPr lang="zh-TW" altLang="en-US" dirty="0"/>
+              <a:t>典型</a:t>
+            </a:r>
+            <a:r>
+              <a:rPr lang="en-US" altLang="zh-TW" dirty="0"/>
+              <a:t>RNN</a:t>
+            </a:r>
+            <a:r>
+              <a:rPr lang="zh-TW" altLang="en-US" dirty="0"/>
+              <a:t>模型</a:t>
+            </a:r>
+          </a:p>
+        </p:txBody>
+      </p:sp>
+      <p:sp>
+        <p:nvSpPr>
+          <p:cNvPr id="5" name="內容版面配置區 4"/>
+          <p:cNvSpPr>
+            <a:spLocks noGrp="1"/>
+          </p:cNvSpPr>
+          <p:nvPr>
+            <p:ph sz="quarter" idx="13"/>
+          </p:nvPr>
+        </p:nvSpPr>
+        <p:spPr/>
+        <p:txBody>
+          <a:bodyPr/>
+          <a:lstStyle/>
+          <a:p>
+            <a:endParaRPr lang="zh-TW" altLang="en-US" dirty="0"/>
+          </a:p>
+        </p:txBody>
+      </p:sp>
+      <p:pic>
+        <p:nvPicPr>
+          <p:cNvPr id="15362" name="Picture 2" descr="E:\Delete\git_r\two_month_report\202011_2021_1\11_16_to_11_20_third\img\rnn_classic.png"/>
+          <p:cNvPicPr>
+            <a:picLocks noChangeAspect="1" noChangeArrowheads="1"/>
+          </p:cNvPicPr>
+          <p:nvPr/>
+        </p:nvPicPr>
+        <p:blipFill>
+          <a:blip r:embed="rId2" cstate="print">
+            <a:extLst>
+              <a:ext uri="{28A0092B-C50C-407E-A947-70E740481C1C}">
+                <a14:useLocalDpi xmlns:a14="http://schemas.microsoft.com/office/drawing/2010/main" val="0"/>
+              </a:ext>
+            </a:extLst>
+          </a:blip>
+          <a:srcRect/>
+          <a:stretch>
+            <a:fillRect/>
+          </a:stretch>
+        </p:blipFill>
+        <p:spPr bwMode="auto">
+          <a:xfrm>
+            <a:off x="1900238" y="1524000"/>
+            <a:ext cx="7786580" cy="4438650"/>
+          </a:xfrm>
+          <a:prstGeom prst="rect">
+            <a:avLst/>
+          </a:prstGeom>
+          <a:noFill/>
+          <a:extLst>
+            <a:ext uri="{909E8E84-426E-40DD-AFC4-6F175D3DCCD1}">
+              <a14:hiddenFill xmlns:a14="http://schemas.microsoft.com/office/drawing/2010/main">
+                <a:solidFill>
+                  <a:srgbClr val="FFFFFF"/>
+                </a:solidFill>
+              </a14:hiddenFill>
+            </a:ext>
+          </a:extLst>
+        </p:spPr>
+      </p:pic>
+    </p:spTree>
+    <p:extLst>
+      <p:ext uri="{BB962C8B-B14F-4D97-AF65-F5344CB8AC3E}">
+        <p14:creationId xmlns:p14="http://schemas.microsoft.com/office/powerpoint/2010/main" val="2821566931"/>
+      </p:ext>
+    </p:extLst>
+  </p:cSld>
+  <p:clrMapOvr>
+    <a:masterClrMapping/>
+  </p:clrMapOvr>
+</p:sld>
+</file>
+
+<file path=ppt/slides/slide21.xml><?xml version="1.0" encoding="utf-8"?>
+<p:sld xmlns:a="http://schemas.openxmlformats.org/drawingml/2006/main" xmlns:r="http://schemas.openxmlformats.org/officeDocument/2006/relationships" xmlns:p="http://schemas.openxmlformats.org/presentationml/2006/main">
+  <p:cSld>
+    <p:spTree>
+      <p:nvGrpSpPr>
+        <p:cNvPr id="1" name="î$ḷîḓé"/>
+        <p:cNvGrpSpPr/>
+        <p:nvPr/>
+      </p:nvGrpSpPr>
+      <p:grpSpPr>
+        <a:xfrm>
+          <a:off x="0" y="0"/>
+          <a:ext cx="0" cy="0"/>
+          <a:chOff x="0" y="0"/>
+          <a:chExt cx="0" cy="0"/>
+        </a:xfrm>
+      </p:grpSpPr>
+      <p:sp>
+        <p:nvSpPr>
+          <p:cNvPr id="5" name="îśļídè"/>
+          <p:cNvSpPr>
+            <a:spLocks noGrp="1"/>
+          </p:cNvSpPr>
+          <p:nvPr>
+            <p:ph type="title"/>
+          </p:nvPr>
+        </p:nvSpPr>
+        <p:spPr/>
+        <p:txBody>
+          <a:bodyPr/>
+          <a:lstStyle/>
+          <a:p>
+            <a:r>
+              <a:rPr lang="en-US" altLang="zh-CN" dirty="0" err="1"/>
+              <a:t>SoftMax</a:t>
+            </a:r>
+            <a:r>
+              <a:rPr lang="en-US" altLang="zh-CN" dirty="0"/>
+              <a:t> function</a:t>
+            </a:r>
+            <a:endParaRPr lang="zh-CN" altLang="en-US" dirty="0"/>
+          </a:p>
+        </p:txBody>
+      </p:sp>
+      <p:sp>
+        <p:nvSpPr>
+          <p:cNvPr id="9" name="î$ḷíḋé">
+            <a:extLst>
+              <a:ext uri="{FF2B5EF4-FFF2-40B4-BE49-F238E27FC236}">
+                <a16:creationId xmlns="" xmlns:a16="http://schemas.microsoft.com/office/drawing/2014/main" id="{04F69230-F3A6-4586-9371-A858F4763E9F}"/>
+              </a:ext>
+            </a:extLst>
+          </p:cNvPr>
+          <p:cNvSpPr txBox="1"/>
+          <p:nvPr/>
+        </p:nvSpPr>
+        <p:spPr>
+          <a:xfrm>
+            <a:off x="5732004" y="2313213"/>
+            <a:ext cx="1023516" cy="889909"/>
+          </a:xfrm>
+          <a:prstGeom prst="rect">
+            <a:avLst/>
+          </a:prstGeom>
+          <a:noFill/>
+          <a:ln w="117475">
+            <a:noFill/>
+          </a:ln>
+        </p:spPr>
+        <p:txBody>
+          <a:bodyPr wrap="none" rtlCol="0">
+            <a:prstTxWarp prst="textPlain">
+              <a:avLst/>
+            </a:prstTxWarp>
+            <a:spAutoFit/>
+          </a:bodyPr>
+          <a:lstStyle/>
+          <a:p>
+            <a:r>
+              <a:rPr lang="en-US" altLang="zh-CN" spc="100" dirty="0">
+                <a:solidFill>
+                  <a:schemeClr val="accent4"/>
+                </a:solidFill>
+                <a:latin typeface="Impact" panose="020B0806030902050204" pitchFamily="34" charset="0"/>
+                <a:cs typeface="Arial" panose="020B0604020202020204" pitchFamily="34" charset="0"/>
+              </a:rPr>
+              <a:t>/</a:t>
+            </a:r>
+            <a:r>
+              <a:rPr lang="en-US" altLang="zh-CN" sz="100" spc="100" dirty="0">
+                <a:solidFill>
+                  <a:schemeClr val="accent4"/>
+                </a:solidFill>
+                <a:latin typeface="Impact" panose="020B0806030902050204" pitchFamily="34" charset="0"/>
+                <a:cs typeface="Arial" panose="020B0604020202020204" pitchFamily="34" charset="0"/>
+              </a:rPr>
+              <a:t> </a:t>
+            </a:r>
+            <a:r>
+              <a:rPr lang="en-US" altLang="zh-CN" spc="100" dirty="0">
+                <a:solidFill>
+                  <a:schemeClr val="accent4"/>
+                </a:solidFill>
+                <a:latin typeface="Impact" panose="020B0806030902050204" pitchFamily="34" charset="0"/>
+                <a:cs typeface="Arial" panose="020B0604020202020204" pitchFamily="34" charset="0"/>
+              </a:rPr>
+              <a:t>03</a:t>
+            </a:r>
+            <a:endParaRPr lang="zh-CN" altLang="en-US" spc="100" dirty="0">
+              <a:solidFill>
+                <a:schemeClr val="accent4"/>
+              </a:solidFill>
+              <a:latin typeface="Impact" panose="020B0806030902050204" pitchFamily="34" charset="0"/>
+              <a:cs typeface="Arial" panose="020B0604020202020204" pitchFamily="34" charset="0"/>
+            </a:endParaRPr>
+          </a:p>
+        </p:txBody>
+      </p:sp>
+      <p:sp>
+        <p:nvSpPr>
+          <p:cNvPr id="2" name="文字版面配置區 1"/>
+          <p:cNvSpPr>
+            <a:spLocks noGrp="1"/>
+          </p:cNvSpPr>
+          <p:nvPr>
+            <p:ph type="body" idx="1"/>
+          </p:nvPr>
+        </p:nvSpPr>
+        <p:spPr/>
+        <p:txBody>
+          <a:bodyPr/>
+          <a:lstStyle/>
+          <a:p>
+            <a:endParaRPr lang="zh-TW" altLang="en-US"/>
+          </a:p>
+        </p:txBody>
+      </p:sp>
+    </p:spTree>
+    <p:custDataLst>
+      <p:tags r:id="rId2"/>
+    </p:custDataLst>
+    <p:extLst>
+      <p:ext uri="{BB962C8B-B14F-4D97-AF65-F5344CB8AC3E}">
+        <p14:creationId xmlns:p14="http://schemas.microsoft.com/office/powerpoint/2010/main" val="1336051867"/>
+      </p:ext>
+    </p:extLst>
+  </p:cSld>
+  <p:clrMapOvr>
+    <a:masterClrMapping/>
+  </p:clrMapOvr>
+</p:sld>
+</file>
+
+<file path=ppt/slides/slide22.xml><?xml version="1.0" encoding="utf-8"?>
+<p:sld xmlns:a="http://schemas.openxmlformats.org/drawingml/2006/main" xmlns:r="http://schemas.openxmlformats.org/officeDocument/2006/relationships" xmlns:p="http://schemas.openxmlformats.org/presentationml/2006/main">
+  <p:cSld>
+    <p:spTree>
+      <p:nvGrpSpPr>
+        <p:cNvPr id="1" name=""/>
+        <p:cNvGrpSpPr/>
+        <p:nvPr/>
+      </p:nvGrpSpPr>
+      <p:grpSpPr>
+        <a:xfrm>
+          <a:off x="0" y="0"/>
+          <a:ext cx="0" cy="0"/>
+          <a:chOff x="0" y="0"/>
+          <a:chExt cx="0" cy="0"/>
+        </a:xfrm>
+      </p:grpSpPr>
+      <p:sp>
+        <p:nvSpPr>
+          <p:cNvPr id="2" name="頁尾版面配置區 1"/>
+          <p:cNvSpPr>
+            <a:spLocks noGrp="1"/>
+          </p:cNvSpPr>
+          <p:nvPr>
+            <p:ph type="ftr" sz="quarter" idx="11"/>
+          </p:nvPr>
+        </p:nvSpPr>
+        <p:spPr/>
+        <p:txBody>
+          <a:bodyPr/>
+          <a:lstStyle/>
+          <a:p>
+            <a:r>
+              <a:rPr lang="zh-CN" altLang="en-US"/>
+              <a:t>请在插入菜单</a:t>
+            </a:r>
+            <a:r>
+              <a:rPr lang="en-US" altLang="zh-CN"/>
+              <a:t>—</a:t>
+            </a:r>
+            <a:r>
+              <a:rPr lang="zh-CN" altLang="en-US"/>
+              <a:t>页眉和页脚中修改此文本</a:t>
+            </a:r>
+            <a:endParaRPr lang="zh-CN" altLang="en-US" dirty="0"/>
+          </a:p>
+        </p:txBody>
+      </p:sp>
+      <p:sp>
+        <p:nvSpPr>
+          <p:cNvPr id="3" name="投影片編號版面配置區 2"/>
+          <p:cNvSpPr>
+            <a:spLocks noGrp="1"/>
+          </p:cNvSpPr>
+          <p:nvPr>
+            <p:ph type="sldNum" sz="quarter" idx="12"/>
+          </p:nvPr>
+        </p:nvSpPr>
+        <p:spPr/>
+        <p:txBody>
+          <a:bodyPr/>
+          <a:lstStyle/>
+          <a:p>
+            <a:fld id="{5DD3DB80-B894-403A-B48E-6FDC1A72010E}" type="slidenum">
+              <a:rPr lang="zh-CN" altLang="en-US" smtClean="0"/>
+              <a:pPr/>
+              <a:t>22</a:t>
+            </a:fld>
+            <a:endParaRPr lang="zh-CN" altLang="en-US"/>
+          </a:p>
+        </p:txBody>
+      </p:sp>
+      <p:sp>
+        <p:nvSpPr>
+          <p:cNvPr id="4" name="標題 3"/>
+          <p:cNvSpPr>
+            <a:spLocks noGrp="1"/>
+          </p:cNvSpPr>
+          <p:nvPr>
+            <p:ph type="title"/>
+          </p:nvPr>
+        </p:nvSpPr>
+        <p:spPr/>
+        <p:txBody>
+          <a:bodyPr/>
+          <a:lstStyle/>
+          <a:p>
+            <a:r>
               <a:rPr lang="en-US" altLang="zh-TW" dirty="0" err="1"/>
               <a:t>Softmax</a:t>
             </a:r>
@@ -13854,7 +14299,7 @@
 </p:sld>
 </file>
 
-<file path=ppt/slides/slide21.xml><?xml version="1.0" encoding="utf-8"?>
+<file path=ppt/slides/slide23.xml><?xml version="1.0" encoding="utf-8"?>
 <p:sld xmlns:a="http://schemas.openxmlformats.org/drawingml/2006/main" xmlns:r="http://schemas.openxmlformats.org/officeDocument/2006/relationships" xmlns:p="http://schemas.openxmlformats.org/presentationml/2006/main">
   <p:cSld>
     <p:spTree>
@@ -13920,7 +14365,7 @@
             <a:fld id="{5DD3DB80-B894-403A-B48E-6FDC1A72010E}" type="slidenum">
               <a:rPr lang="zh-CN" altLang="en-US" smtClean="0"/>
               <a:pPr/>
-              <a:t>21</a:t>
+              <a:t>23</a:t>
             </a:fld>
             <a:endParaRPr lang="zh-CN" altLang="en-US"/>
           </a:p>
@@ -14026,7 +14471,7 @@
 </p:sld>
 </file>
 
-<file path=ppt/slides/slide22.xml><?xml version="1.0" encoding="utf-8"?>
+<file path=ppt/slides/slide24.xml><?xml version="1.0" encoding="utf-8"?>
 <p:sld xmlns:a="http://schemas.openxmlformats.org/drawingml/2006/main" xmlns:r="http://schemas.openxmlformats.org/officeDocument/2006/relationships" xmlns:p="http://schemas.openxmlformats.org/presentationml/2006/main">
   <p:cSld>
     <p:spTree>
@@ -14071,7 +14516,7 @@
           <p:cNvPr id="9" name="î$ḷíḋé">
             <a:extLst>
               <a:ext uri="{FF2B5EF4-FFF2-40B4-BE49-F238E27FC236}">
-                <a16:creationId xmlns:a16="http://schemas.microsoft.com/office/drawing/2014/main" xmlns="" id="{04F69230-F3A6-4586-9371-A858F4763E9F}"/>
+                <a16:creationId xmlns="" xmlns:a16="http://schemas.microsoft.com/office/drawing/2014/main" id="{04F69230-F3A6-4586-9371-A858F4763E9F}"/>
               </a:ext>
             </a:extLst>
           </p:cNvPr>
@@ -14175,7 +14620,7 @@
 </p:sld>
 </file>
 
-<file path=ppt/slides/slide23.xml><?xml version="1.0" encoding="utf-8"?>
+<file path=ppt/slides/slide25.xml><?xml version="1.0" encoding="utf-8"?>
 <p:sld xmlns:a="http://schemas.openxmlformats.org/drawingml/2006/main" xmlns:r="http://schemas.openxmlformats.org/officeDocument/2006/relationships" xmlns:p="http://schemas.openxmlformats.org/presentationml/2006/main">
   <p:cSld>
     <p:spTree>
@@ -14197,7 +14642,7 @@
           <p:cNvPr id="4" name="標題 3">
             <a:extLst>
               <a:ext uri="{FF2B5EF4-FFF2-40B4-BE49-F238E27FC236}">
-                <a16:creationId xmlns:a16="http://schemas.microsoft.com/office/drawing/2014/main" xmlns="" id="{DBF93AE9-6C3C-43A2-A10D-A15C50A25746}"/>
+                <a16:creationId xmlns="" xmlns:a16="http://schemas.microsoft.com/office/drawing/2014/main" id="{DBF93AE9-6C3C-43A2-A10D-A15C50A25746}"/>
               </a:ext>
             </a:extLst>
           </p:cNvPr>
@@ -14226,7 +14671,7 @@
           <p:cNvPr id="7" name="內容版面配置區 6">
             <a:extLst>
               <a:ext uri="{FF2B5EF4-FFF2-40B4-BE49-F238E27FC236}">
-                <a16:creationId xmlns:a16="http://schemas.microsoft.com/office/drawing/2014/main" xmlns="" id="{E7D68A11-0594-451B-B564-C1C4E791DF02}"/>
+                <a16:creationId xmlns="" xmlns:a16="http://schemas.microsoft.com/office/drawing/2014/main" id="{E7D68A11-0594-451B-B564-C1C4E791DF02}"/>
               </a:ext>
             </a:extLst>
           </p:cNvPr>
@@ -14244,7 +14689,7 @@
                 <a14:useLocalDpi xmlns:a14="http://schemas.microsoft.com/office/drawing/2010/main" val="0"/>
               </a:ext>
               <a:ext uri="{96DAC541-7B7A-43D3-8B79-37D633B846F1}">
-                <asvg:svgBlip xmlns:asvg="http://schemas.microsoft.com/office/drawing/2016/SVG/main" xmlns="" r:embed="rId3"/>
+                <asvg:svgBlip xmlns="" xmlns:asvg="http://schemas.microsoft.com/office/drawing/2016/SVG/main" r:embed="rId3"/>
               </a:ext>
             </a:extLst>
           </a:blip>
@@ -14272,7 +14717,7 @@
 </p:sld>
 </file>
 
-<file path=ppt/slides/slide24.xml><?xml version="1.0" encoding="utf-8"?>
+<file path=ppt/slides/slide26.xml><?xml version="1.0" encoding="utf-8"?>
 <p:sld xmlns:a="http://schemas.openxmlformats.org/drawingml/2006/main" xmlns:r="http://schemas.openxmlformats.org/officeDocument/2006/relationships" xmlns:p="http://schemas.openxmlformats.org/presentationml/2006/main">
   <p:cSld>
     <p:spTree>
@@ -14346,7 +14791,7 @@
             <a:fld id="{5DD3DB80-B894-403A-B48E-6FDC1A72010E}" type="slidenum">
               <a:rPr lang="zh-CN" altLang="en-US" smtClean="0"/>
               <a:pPr/>
-              <a:t>24</a:t>
+              <a:t>26</a:t>
             </a:fld>
             <a:endParaRPr lang="zh-CN" altLang="en-US"/>
           </a:p>
@@ -14443,7 +14888,7 @@
 </p:sld>
 </file>
 
-<file path=ppt/slides/slide25.xml><?xml version="1.0" encoding="utf-8"?>
+<file path=ppt/slides/slide27.xml><?xml version="1.0" encoding="utf-8"?>
 <p:sld xmlns:a="http://schemas.openxmlformats.org/drawingml/2006/main" xmlns:r="http://schemas.openxmlformats.org/officeDocument/2006/relationships" xmlns:p="http://schemas.openxmlformats.org/presentationml/2006/main">
   <p:cSld>
     <p:spTree>
@@ -14465,7 +14910,7 @@
           <p:cNvPr id="3" name="íṡḻiḓé" hidden="1">
             <a:extLst>
               <a:ext uri="{FF2B5EF4-FFF2-40B4-BE49-F238E27FC236}">
-                <a16:creationId xmlns:a16="http://schemas.microsoft.com/office/drawing/2014/main" xmlns="" id="{A6A819F1-33AF-45D7-8BF6-2B0A9769CAD4}"/>
+                <a16:creationId xmlns="" xmlns:a16="http://schemas.microsoft.com/office/drawing/2014/main" id="{A6A819F1-33AF-45D7-8BF6-2B0A9769CAD4}"/>
               </a:ext>
             </a:extLst>
           </p:cNvPr>
@@ -14488,7 +14933,7 @@
           <a:graphicData uri="http://schemas.openxmlformats.org/presentationml/2006/ole">
             <mc:AlternateContent xmlns:mc="http://schemas.openxmlformats.org/markup-compatibility/2006">
               <mc:Choice xmlns:v="urn:schemas-microsoft-com:vml" Requires="v">
-                <p:oleObj spid="_x0000_s3124" name="think-cell Slide" r:id="rId5" imgW="347" imgH="348" progId="TCLayout.ActiveDocument.1">
+                <p:oleObj spid="_x0000_s3128" name="think-cell Slide" r:id="rId5" imgW="347" imgH="348" progId="TCLayout.ActiveDocument.1">
                   <p:embed/>
                 </p:oleObj>
               </mc:Choice>
@@ -14500,7 +14945,7 @@
                       <p:cNvPr id="3" name="íṩ1iḑé" hidden="1">
                         <a:extLst>
                           <a:ext uri="{FF2B5EF4-FFF2-40B4-BE49-F238E27FC236}">
-                            <a16:creationId xmlns:a16="http://schemas.microsoft.com/office/drawing/2014/main" xmlns="" id="{A6A819F1-33AF-45D7-8BF6-2B0A9769CAD4}"/>
+                            <a16:creationId xmlns="" xmlns:a16="http://schemas.microsoft.com/office/drawing/2014/main" id="{A6A819F1-33AF-45D7-8BF6-2B0A9769CAD4}"/>
                           </a:ext>
                         </a:extLst>
                       </p:cNvPr>
@@ -14534,7 +14979,7 @@
           <p:cNvPr id="2" name="išľïďe" hidden="1">
             <a:extLst>
               <a:ext uri="{FF2B5EF4-FFF2-40B4-BE49-F238E27FC236}">
-                <a16:creationId xmlns:a16="http://schemas.microsoft.com/office/drawing/2014/main" xmlns="" id="{FF51F16D-1BAD-46EE-A6F4-B8B94C9DF628}"/>
+                <a16:creationId xmlns="" xmlns:a16="http://schemas.microsoft.com/office/drawing/2014/main" id="{FF51F16D-1BAD-46EE-A6F4-B8B94C9DF628}"/>
               </a:ext>
             </a:extLst>
           </p:cNvPr>
@@ -14698,7 +15143,7 @@
           <p:cNvPr id="13" name="îṣlíḍe">
             <a:extLst>
               <a:ext uri="{FF2B5EF4-FFF2-40B4-BE49-F238E27FC236}">
-                <a16:creationId xmlns:a16="http://schemas.microsoft.com/office/drawing/2014/main" xmlns="" id="{394FC8CD-4FAD-452B-A6ED-A378816FAA36}"/>
+                <a16:creationId xmlns="" xmlns:a16="http://schemas.microsoft.com/office/drawing/2014/main" id="{394FC8CD-4FAD-452B-A6ED-A378816FAA36}"/>
               </a:ext>
             </a:extLst>
           </p:cNvPr>
@@ -14741,7 +15186,7 @@
           <p:cNvPr id="14" name="ïSḻíďê">
             <a:extLst>
               <a:ext uri="{FF2B5EF4-FFF2-40B4-BE49-F238E27FC236}">
-                <a16:creationId xmlns:a16="http://schemas.microsoft.com/office/drawing/2014/main" xmlns="" id="{7C549D2A-4C2D-40D9-B2D1-E96901BFF877}"/>
+                <a16:creationId xmlns="" xmlns:a16="http://schemas.microsoft.com/office/drawing/2014/main" id="{7C549D2A-4C2D-40D9-B2D1-E96901BFF877}"/>
               </a:ext>
             </a:extLst>
           </p:cNvPr>
@@ -14844,7 +15289,7 @@
           <p:cNvPr id="9" name="î$ḷíḋé">
             <a:extLst>
               <a:ext uri="{FF2B5EF4-FFF2-40B4-BE49-F238E27FC236}">
-                <a16:creationId xmlns:a16="http://schemas.microsoft.com/office/drawing/2014/main" xmlns="" id="{04F69230-F3A6-4586-9371-A858F4763E9F}"/>
+                <a16:creationId xmlns="" xmlns:a16="http://schemas.microsoft.com/office/drawing/2014/main" id="{04F69230-F3A6-4586-9371-A858F4763E9F}"/>
               </a:ext>
             </a:extLst>
           </p:cNvPr>
@@ -16259,7 +16704,7 @@
           <p:cNvPr id="9" name="î$ḷíḋé">
             <a:extLst>
               <a:ext uri="{FF2B5EF4-FFF2-40B4-BE49-F238E27FC236}">
-                <a16:creationId xmlns:a16="http://schemas.microsoft.com/office/drawing/2014/main" xmlns="" id="{04F69230-F3A6-4586-9371-A858F4763E9F}"/>
+                <a16:creationId xmlns="" xmlns:a16="http://schemas.microsoft.com/office/drawing/2014/main" id="{04F69230-F3A6-4586-9371-A858F4763E9F}"/>
               </a:ext>
             </a:extLst>
           </p:cNvPr>
@@ -17116,7 +17561,7 @@
   <a:extraClrSchemeLst/>
   <a:extLst>
     <a:ext uri="{05A4C25C-085E-4340-85A3-A5531E510DB2}">
-      <thm15:themeFamily xmlns:thm15="http://schemas.microsoft.com/office/thememl/2012/main" xmlns="" name="主题5" id="{B8EDB911-D765-4A7B-BBC7-40DBB672FBA6}" vid="{AECAB1C0-5DF6-436C-85E8-20094DBE11C0}"/>
+      <thm15:themeFamily xmlns="" xmlns:thm15="http://schemas.microsoft.com/office/thememl/2012/main" name="主题5" id="{B8EDB911-D765-4A7B-BBC7-40DBB672FBA6}" vid="{AECAB1C0-5DF6-436C-85E8-20094DBE11C0}"/>
     </a:ext>
   </a:extLst>
 </a:theme>
@@ -17377,7 +17822,7 @@
   <a:extraClrSchemeLst/>
   <a:extLst>
     <a:ext uri="{05A4C25C-085E-4340-85A3-A5531E510DB2}">
-      <thm15:themeFamily xmlns:thm15="http://schemas.microsoft.com/office/thememl/2012/main" xmlns="" name="Office Theme" id="{62F939B6-93AF-4DB8-9C6B-D6C7DFDC589F}" vid="{4A3C46E8-61CC-4603-A589-7422A47A8E4A}"/>
+      <thm15:themeFamily xmlns="" xmlns:thm15="http://schemas.microsoft.com/office/thememl/2012/main" name="Office Theme" id="{62F939B6-93AF-4DB8-9C6B-D6C7DFDC589F}" vid="{4A3C46E8-61CC-4603-A589-7422A47A8E4A}"/>
     </a:ext>
   </a:extLst>
 </a:theme>
@@ -17672,7 +18117,7 @@
   <a:extraClrSchemeLst/>
   <a:extLst>
     <a:ext uri="{05A4C25C-085E-4340-85A3-A5531E510DB2}">
-      <thm15:themeFamily xmlns:thm15="http://schemas.microsoft.com/office/thememl/2012/main" xmlns="" name="Office Theme" id="{62F939B6-93AF-4DB8-9C6B-D6C7DFDC589F}" vid="{4A3C46E8-61CC-4603-A589-7422A47A8E4A}"/>
+      <thm15:themeFamily xmlns="" xmlns:thm15="http://schemas.microsoft.com/office/thememl/2012/main" name="Office Theme" id="{62F939B6-93AF-4DB8-9C6B-D6C7DFDC589F}" vid="{4A3C46E8-61CC-4603-A589-7422A47A8E4A}"/>
     </a:ext>
   </a:extLst>
 </a:theme>

--- a/11_16_to_11_20_third/3.RNN.pptx
+++ b/11_16_to_11_20_third/3.RNN.pptx
@@ -5,10 +5,10 @@
     <p:sldMasterId id="2147483648" r:id="rId1"/>
   </p:sldMasterIdLst>
   <p:notesMasterIdLst>
-    <p:notesMasterId r:id="rId29"/>
+    <p:notesMasterId r:id="rId30"/>
   </p:notesMasterIdLst>
   <p:handoutMasterIdLst>
-    <p:handoutMasterId r:id="rId30"/>
+    <p:handoutMasterId r:id="rId31"/>
   </p:handoutMasterIdLst>
   <p:sldIdLst>
     <p:sldId id="256" r:id="rId2"/>
@@ -28,21 +28,22 @@
     <p:sldId id="290" r:id="rId16"/>
     <p:sldId id="300" r:id="rId17"/>
     <p:sldId id="301" r:id="rId18"/>
-    <p:sldId id="296" r:id="rId19"/>
-    <p:sldId id="292" r:id="rId20"/>
-    <p:sldId id="293" r:id="rId21"/>
-    <p:sldId id="279" r:id="rId22"/>
-    <p:sldId id="294" r:id="rId23"/>
-    <p:sldId id="295" r:id="rId24"/>
-    <p:sldId id="280" r:id="rId25"/>
-    <p:sldId id="299" r:id="rId26"/>
-    <p:sldId id="270" r:id="rId27"/>
-    <p:sldId id="261" r:id="rId28"/>
+    <p:sldId id="302" r:id="rId19"/>
+    <p:sldId id="296" r:id="rId20"/>
+    <p:sldId id="292" r:id="rId21"/>
+    <p:sldId id="293" r:id="rId22"/>
+    <p:sldId id="279" r:id="rId23"/>
+    <p:sldId id="294" r:id="rId24"/>
+    <p:sldId id="295" r:id="rId25"/>
+    <p:sldId id="280" r:id="rId26"/>
+    <p:sldId id="299" r:id="rId27"/>
+    <p:sldId id="270" r:id="rId28"/>
+    <p:sldId id="261" r:id="rId29"/>
   </p:sldIdLst>
   <p:sldSz cx="12192000" cy="6858000"/>
   <p:notesSz cx="6858000" cy="9144000"/>
   <p:custDataLst>
-    <p:tags r:id="rId31"/>
+    <p:tags r:id="rId32"/>
   </p:custDataLst>
   <p:defaultTextStyle>
     <a:defPPr>
@@ -141,7 +142,7 @@
   </p:defaultTextStyle>
   <p:extLst>
     <p:ext uri="{EFAFB233-063F-42B5-8137-9DF3F51BA10A}">
-      <p15:sldGuideLst xmlns="" xmlns:p15="http://schemas.microsoft.com/office/powerpoint/2012/main">
+      <p15:sldGuideLst xmlns:p15="http://schemas.microsoft.com/office/powerpoint/2012/main" xmlns="">
         <p15:guide id="1" orient="horz" pos="2160">
           <p15:clr>
             <a:srgbClr val="A4A3A4"/>
@@ -155,7 +156,7 @@
       </p15:sldGuideLst>
     </p:ext>
     <p:ext uri="{2D200454-40CA-4A62-9FC3-DE9A4176ACB9}">
-      <p15:notesGuideLst xmlns="" xmlns:p15="http://schemas.microsoft.com/office/powerpoint/2012/main"/>
+      <p15:notesGuideLst xmlns:p15="http://schemas.microsoft.com/office/powerpoint/2012/main" xmlns=""/>
     </p:ext>
   </p:extLst>
 </p:presentation>
@@ -381,7 +382,7 @@
           <p:cNvPr id="2" name="页眉占位符 1">
             <a:extLst>
               <a:ext uri="{FF2B5EF4-FFF2-40B4-BE49-F238E27FC236}">
-                <a16:creationId xmlns="" xmlns:a16="http://schemas.microsoft.com/office/drawing/2014/main" id="{B9A56829-66AA-42AA-918E-5C6DB1AE50A7}"/>
+                <a16:creationId xmlns:a16="http://schemas.microsoft.com/office/drawing/2014/main" xmlns="" id="{B9A56829-66AA-42AA-918E-5C6DB1AE50A7}"/>
               </a:ext>
             </a:extLst>
           </p:cNvPr>
@@ -418,7 +419,7 @@
           <p:cNvPr id="3" name="日期占位符 2">
             <a:extLst>
               <a:ext uri="{FF2B5EF4-FFF2-40B4-BE49-F238E27FC236}">
-                <a16:creationId xmlns="" xmlns:a16="http://schemas.microsoft.com/office/drawing/2014/main" id="{241084A9-BC5C-4420-B17C-51E328D45576}"/>
+                <a16:creationId xmlns:a16="http://schemas.microsoft.com/office/drawing/2014/main" xmlns="" id="{241084A9-BC5C-4420-B17C-51E328D45576}"/>
               </a:ext>
             </a:extLst>
           </p:cNvPr>
@@ -448,7 +449,7 @@
           <a:p>
             <a:fld id="{B478E0E4-DC06-4041-AFA7-BB6F527FFA3F}" type="datetimeFigureOut">
               <a:rPr lang="zh-CN" altLang="en-US" smtClean="0"/>
-              <a:t>2020/11/23</a:t>
+              <a:t>2020/11/24</a:t>
             </a:fld>
             <a:endParaRPr lang="zh-CN" altLang="en-US"/>
           </a:p>
@@ -459,7 +460,7 @@
           <p:cNvPr id="4" name="页脚占位符 3">
             <a:extLst>
               <a:ext uri="{FF2B5EF4-FFF2-40B4-BE49-F238E27FC236}">
-                <a16:creationId xmlns="" xmlns:a16="http://schemas.microsoft.com/office/drawing/2014/main" id="{0D6F2124-7B35-4E59-B9E8-DB09EE1408A4}"/>
+                <a16:creationId xmlns:a16="http://schemas.microsoft.com/office/drawing/2014/main" xmlns="" id="{0D6F2124-7B35-4E59-B9E8-DB09EE1408A4}"/>
               </a:ext>
             </a:extLst>
           </p:cNvPr>
@@ -496,7 +497,7 @@
           <p:cNvPr id="5" name="灯片编号占位符 4">
             <a:extLst>
               <a:ext uri="{FF2B5EF4-FFF2-40B4-BE49-F238E27FC236}">
-                <a16:creationId xmlns="" xmlns:a16="http://schemas.microsoft.com/office/drawing/2014/main" id="{F2BF8FFE-D997-4E34-9A01-CD2014B95241}"/>
+                <a16:creationId xmlns:a16="http://schemas.microsoft.com/office/drawing/2014/main" xmlns="" id="{F2BF8FFE-D997-4E34-9A01-CD2014B95241}"/>
               </a:ext>
             </a:extLst>
           </p:cNvPr>
@@ -625,7 +626,7 @@
           <a:p>
             <a:fld id="{E86D8963-CFCD-4740-AF60-049850373CDF}" type="datetimeFigureOut">
               <a:rPr lang="zh-CN" altLang="en-US" smtClean="0"/>
-              <a:t>2020/11/23</a:t>
+              <a:t>2020/11/24</a:t>
             </a:fld>
             <a:endParaRPr lang="zh-CN" altLang="en-US"/>
           </a:p>
@@ -914,7 +915,7 @@
           <p:cNvPr id="2" name="îṩ1ïdê">
             <a:extLst>
               <a:ext uri="{FF2B5EF4-FFF2-40B4-BE49-F238E27FC236}">
-                <a16:creationId xmlns="" xmlns:a16="http://schemas.microsoft.com/office/drawing/2014/main" id="{B165F2F7-32E4-4AF8-8657-36AC30D78579}"/>
+                <a16:creationId xmlns:a16="http://schemas.microsoft.com/office/drawing/2014/main" xmlns="" id="{B165F2F7-32E4-4AF8-8657-36AC30D78579}"/>
               </a:ext>
             </a:extLst>
           </p:cNvPr>
@@ -1074,7 +1075,7 @@
           <p:cNvPr id="7" name="组合 6">
             <a:extLst>
               <a:ext uri="{FF2B5EF4-FFF2-40B4-BE49-F238E27FC236}">
-                <a16:creationId xmlns="" xmlns:a16="http://schemas.microsoft.com/office/drawing/2014/main" id="{3491D0C5-E57C-45B4-AFE5-02F7704CDCF6}"/>
+                <a16:creationId xmlns:a16="http://schemas.microsoft.com/office/drawing/2014/main" xmlns="" id="{3491D0C5-E57C-45B4-AFE5-02F7704CDCF6}"/>
               </a:ext>
             </a:extLst>
           </p:cNvPr>
@@ -1094,7 +1095,7 @@
             <p:cNvPr id="11" name="ïş1ïḓe">
               <a:extLst>
                 <a:ext uri="{FF2B5EF4-FFF2-40B4-BE49-F238E27FC236}">
-                  <a16:creationId xmlns="" xmlns:a16="http://schemas.microsoft.com/office/drawing/2014/main" id="{AAEF8C50-AF93-4B64-9F64-BC188B9CC986}"/>
+                  <a16:creationId xmlns:a16="http://schemas.microsoft.com/office/drawing/2014/main" xmlns="" id="{AAEF8C50-AF93-4B64-9F64-BC188B9CC986}"/>
                 </a:ext>
               </a:extLst>
             </p:cNvPr>
@@ -1178,7 +1179,7 @@
             <p:cNvPr id="14" name="ïş1îḓé">
               <a:extLst>
                 <a:ext uri="{FF2B5EF4-FFF2-40B4-BE49-F238E27FC236}">
-                  <a16:creationId xmlns="" xmlns:a16="http://schemas.microsoft.com/office/drawing/2014/main" id="{D1034528-61F0-451C-8439-59044CBBC42D}"/>
+                  <a16:creationId xmlns:a16="http://schemas.microsoft.com/office/drawing/2014/main" xmlns="" id="{D1034528-61F0-451C-8439-59044CBBC42D}"/>
                 </a:ext>
               </a:extLst>
             </p:cNvPr>
@@ -1271,7 +1272,7 @@
             <p:cNvPr id="15" name="íṡ1íḑè">
               <a:extLst>
                 <a:ext uri="{FF2B5EF4-FFF2-40B4-BE49-F238E27FC236}">
-                  <a16:creationId xmlns="" xmlns:a16="http://schemas.microsoft.com/office/drawing/2014/main" id="{443590D7-CA87-4478-AB6B-8DA2AC5C485A}"/>
+                  <a16:creationId xmlns:a16="http://schemas.microsoft.com/office/drawing/2014/main" xmlns="" id="{443590D7-CA87-4478-AB6B-8DA2AC5C485A}"/>
                 </a:ext>
               </a:extLst>
             </p:cNvPr>
@@ -1356,7 +1357,7 @@
             <p:cNvPr id="16" name="îṥḻiḍê">
               <a:extLst>
                 <a:ext uri="{FF2B5EF4-FFF2-40B4-BE49-F238E27FC236}">
-                  <a16:creationId xmlns="" xmlns:a16="http://schemas.microsoft.com/office/drawing/2014/main" id="{FD92C89C-9731-46F9-9B6E-376810BFF18B}"/>
+                  <a16:creationId xmlns:a16="http://schemas.microsoft.com/office/drawing/2014/main" xmlns="" id="{FD92C89C-9731-46F9-9B6E-376810BFF18B}"/>
                 </a:ext>
               </a:extLst>
             </p:cNvPr>
@@ -1441,7 +1442,7 @@
             <p:cNvPr id="17" name="iṥḷiḑè">
               <a:extLst>
                 <a:ext uri="{FF2B5EF4-FFF2-40B4-BE49-F238E27FC236}">
-                  <a16:creationId xmlns="" xmlns:a16="http://schemas.microsoft.com/office/drawing/2014/main" id="{A8591A9D-5538-4DEC-B405-54C510558903}"/>
+                  <a16:creationId xmlns:a16="http://schemas.microsoft.com/office/drawing/2014/main" xmlns="" id="{A8591A9D-5538-4DEC-B405-54C510558903}"/>
                 </a:ext>
               </a:extLst>
             </p:cNvPr>
@@ -1506,7 +1507,7 @@
             <p:cNvPr id="18" name="íṥḻíḑé">
               <a:extLst>
                 <a:ext uri="{FF2B5EF4-FFF2-40B4-BE49-F238E27FC236}">
-                  <a16:creationId xmlns="" xmlns:a16="http://schemas.microsoft.com/office/drawing/2014/main" id="{FC116EBF-5653-4BA4-837E-95BEB302B1FC}"/>
+                  <a16:creationId xmlns:a16="http://schemas.microsoft.com/office/drawing/2014/main" xmlns="" id="{FC116EBF-5653-4BA4-837E-95BEB302B1FC}"/>
                 </a:ext>
               </a:extLst>
             </p:cNvPr>
@@ -1571,7 +1572,7 @@
             <p:cNvPr id="19" name="ïsḷiďê">
               <a:extLst>
                 <a:ext uri="{FF2B5EF4-FFF2-40B4-BE49-F238E27FC236}">
-                  <a16:creationId xmlns="" xmlns:a16="http://schemas.microsoft.com/office/drawing/2014/main" id="{D7181733-982F-4ADC-B787-E92C178D9BE9}"/>
+                  <a16:creationId xmlns:a16="http://schemas.microsoft.com/office/drawing/2014/main" xmlns="" id="{D7181733-982F-4ADC-B787-E92C178D9BE9}"/>
                 </a:ext>
               </a:extLst>
             </p:cNvPr>
@@ -1666,7 +1667,7 @@
             <p:cNvPr id="20" name="îs1iḓê">
               <a:extLst>
                 <a:ext uri="{FF2B5EF4-FFF2-40B4-BE49-F238E27FC236}">
-                  <a16:creationId xmlns="" xmlns:a16="http://schemas.microsoft.com/office/drawing/2014/main" id="{75B1573A-D6DA-4E40-B952-FC6A6E899942}"/>
+                  <a16:creationId xmlns:a16="http://schemas.microsoft.com/office/drawing/2014/main" xmlns="" id="{75B1573A-D6DA-4E40-B952-FC6A6E899942}"/>
                 </a:ext>
               </a:extLst>
             </p:cNvPr>
@@ -1741,7 +1742,7 @@
             <p:cNvPr id="21" name="íṡḻïdé">
               <a:extLst>
                 <a:ext uri="{FF2B5EF4-FFF2-40B4-BE49-F238E27FC236}">
-                  <a16:creationId xmlns="" xmlns:a16="http://schemas.microsoft.com/office/drawing/2014/main" id="{A3C16CC0-0D98-42C3-ACDA-6C6B1AAA14CB}"/>
+                  <a16:creationId xmlns:a16="http://schemas.microsoft.com/office/drawing/2014/main" xmlns="" id="{A3C16CC0-0D98-42C3-ACDA-6C6B1AAA14CB}"/>
                 </a:ext>
               </a:extLst>
             </p:cNvPr>
@@ -1816,7 +1817,7 @@
             <p:cNvPr id="22" name="ïṧľiḑè">
               <a:extLst>
                 <a:ext uri="{FF2B5EF4-FFF2-40B4-BE49-F238E27FC236}">
-                  <a16:creationId xmlns="" xmlns:a16="http://schemas.microsoft.com/office/drawing/2014/main" id="{2EEC5EF2-9731-49D2-8E01-4BAE06CF1807}"/>
+                  <a16:creationId xmlns:a16="http://schemas.microsoft.com/office/drawing/2014/main" xmlns="" id="{2EEC5EF2-9731-49D2-8E01-4BAE06CF1807}"/>
                 </a:ext>
               </a:extLst>
             </p:cNvPr>
@@ -1891,7 +1892,7 @@
             <p:cNvPr id="23" name="íşľîḋè">
               <a:extLst>
                 <a:ext uri="{FF2B5EF4-FFF2-40B4-BE49-F238E27FC236}">
-                  <a16:creationId xmlns="" xmlns:a16="http://schemas.microsoft.com/office/drawing/2014/main" id="{07D33D98-ECF4-43C9-8F9B-502B76AA375A}"/>
+                  <a16:creationId xmlns:a16="http://schemas.microsoft.com/office/drawing/2014/main" xmlns="" id="{07D33D98-ECF4-43C9-8F9B-502B76AA375A}"/>
                 </a:ext>
               </a:extLst>
             </p:cNvPr>
@@ -1956,7 +1957,7 @@
             <p:cNvPr id="24" name="îšḷîḍè">
               <a:extLst>
                 <a:ext uri="{FF2B5EF4-FFF2-40B4-BE49-F238E27FC236}">
-                  <a16:creationId xmlns="" xmlns:a16="http://schemas.microsoft.com/office/drawing/2014/main" id="{06AFAADD-E47D-403A-8BCE-6B991B488491}"/>
+                  <a16:creationId xmlns:a16="http://schemas.microsoft.com/office/drawing/2014/main" xmlns="" id="{06AFAADD-E47D-403A-8BCE-6B991B488491}"/>
                 </a:ext>
               </a:extLst>
             </p:cNvPr>
@@ -2021,7 +2022,7 @@
             <p:cNvPr id="25" name="îŝļiḑè">
               <a:extLst>
                 <a:ext uri="{FF2B5EF4-FFF2-40B4-BE49-F238E27FC236}">
-                  <a16:creationId xmlns="" xmlns:a16="http://schemas.microsoft.com/office/drawing/2014/main" id="{F20679ED-F04B-48C0-86C1-4F4678D0EF44}"/>
+                  <a16:creationId xmlns:a16="http://schemas.microsoft.com/office/drawing/2014/main" xmlns="" id="{F20679ED-F04B-48C0-86C1-4F4678D0EF44}"/>
                 </a:ext>
               </a:extLst>
             </p:cNvPr>
@@ -2083,7 +2084,7 @@
             <p:cNvPr id="26" name="ïsḻïḓe">
               <a:extLst>
                 <a:ext uri="{FF2B5EF4-FFF2-40B4-BE49-F238E27FC236}">
-                  <a16:creationId xmlns="" xmlns:a16="http://schemas.microsoft.com/office/drawing/2014/main" id="{178FE26C-EAE2-489E-9818-2AD90604A6E7}"/>
+                  <a16:creationId xmlns:a16="http://schemas.microsoft.com/office/drawing/2014/main" xmlns="" id="{178FE26C-EAE2-489E-9818-2AD90604A6E7}"/>
                 </a:ext>
               </a:extLst>
             </p:cNvPr>
@@ -2145,7 +2146,7 @@
             <p:cNvPr id="27" name="îṥľíḑê">
               <a:extLst>
                 <a:ext uri="{FF2B5EF4-FFF2-40B4-BE49-F238E27FC236}">
-                  <a16:creationId xmlns="" xmlns:a16="http://schemas.microsoft.com/office/drawing/2014/main" id="{54C937FE-182B-4B4C-8B56-94274EF8727A}"/>
+                  <a16:creationId xmlns:a16="http://schemas.microsoft.com/office/drawing/2014/main" xmlns="" id="{54C937FE-182B-4B4C-8B56-94274EF8727A}"/>
                 </a:ext>
               </a:extLst>
             </p:cNvPr>
@@ -2207,7 +2208,7 @@
             <p:cNvPr id="28" name="iṧľíḑe">
               <a:extLst>
                 <a:ext uri="{FF2B5EF4-FFF2-40B4-BE49-F238E27FC236}">
-                  <a16:creationId xmlns="" xmlns:a16="http://schemas.microsoft.com/office/drawing/2014/main" id="{9EC454E6-4E34-40A0-B134-E27356DF1BD3}"/>
+                  <a16:creationId xmlns:a16="http://schemas.microsoft.com/office/drawing/2014/main" xmlns="" id="{9EC454E6-4E34-40A0-B134-E27356DF1BD3}"/>
                 </a:ext>
               </a:extLst>
             </p:cNvPr>
@@ -2269,7 +2270,7 @@
             <p:cNvPr id="29" name="íşḻïḑê">
               <a:extLst>
                 <a:ext uri="{FF2B5EF4-FFF2-40B4-BE49-F238E27FC236}">
-                  <a16:creationId xmlns="" xmlns:a16="http://schemas.microsoft.com/office/drawing/2014/main" id="{F02A9D5E-CFB2-42AA-A5C5-5E5778C6FCBE}"/>
+                  <a16:creationId xmlns:a16="http://schemas.microsoft.com/office/drawing/2014/main" xmlns="" id="{F02A9D5E-CFB2-42AA-A5C5-5E5778C6FCBE}"/>
                 </a:ext>
               </a:extLst>
             </p:cNvPr>
@@ -2365,7 +2366,7 @@
             <p:cNvPr id="30" name="išḻîḋè">
               <a:extLst>
                 <a:ext uri="{FF2B5EF4-FFF2-40B4-BE49-F238E27FC236}">
-                  <a16:creationId xmlns="" xmlns:a16="http://schemas.microsoft.com/office/drawing/2014/main" id="{2B76FEBA-B0C4-4066-ABF2-E33CBD44C45F}"/>
+                  <a16:creationId xmlns:a16="http://schemas.microsoft.com/office/drawing/2014/main" xmlns="" id="{2B76FEBA-B0C4-4066-ABF2-E33CBD44C45F}"/>
                 </a:ext>
               </a:extLst>
             </p:cNvPr>
@@ -2427,7 +2428,7 @@
             <p:cNvPr id="31" name="ïšliḋé">
               <a:extLst>
                 <a:ext uri="{FF2B5EF4-FFF2-40B4-BE49-F238E27FC236}">
-                  <a16:creationId xmlns="" xmlns:a16="http://schemas.microsoft.com/office/drawing/2014/main" id="{17F7742C-0E9E-453F-BF74-0A1870F594D9}"/>
+                  <a16:creationId xmlns:a16="http://schemas.microsoft.com/office/drawing/2014/main" xmlns="" id="{17F7742C-0E9E-453F-BF74-0A1870F594D9}"/>
                 </a:ext>
               </a:extLst>
             </p:cNvPr>
@@ -2489,7 +2490,7 @@
             <p:cNvPr id="32" name="íṣlídé">
               <a:extLst>
                 <a:ext uri="{FF2B5EF4-FFF2-40B4-BE49-F238E27FC236}">
-                  <a16:creationId xmlns="" xmlns:a16="http://schemas.microsoft.com/office/drawing/2014/main" id="{3B98F7CF-64A1-4A5B-B8EC-9178705C9901}"/>
+                  <a16:creationId xmlns:a16="http://schemas.microsoft.com/office/drawing/2014/main" xmlns="" id="{3B98F7CF-64A1-4A5B-B8EC-9178705C9901}"/>
                 </a:ext>
               </a:extLst>
             </p:cNvPr>
@@ -2551,7 +2552,7 @@
             <p:cNvPr id="33" name="ï$ľïḍé">
               <a:extLst>
                 <a:ext uri="{FF2B5EF4-FFF2-40B4-BE49-F238E27FC236}">
-                  <a16:creationId xmlns="" xmlns:a16="http://schemas.microsoft.com/office/drawing/2014/main" id="{8EB33BF9-35EF-4068-A574-8FBC5EEAC895}"/>
+                  <a16:creationId xmlns:a16="http://schemas.microsoft.com/office/drawing/2014/main" xmlns="" id="{8EB33BF9-35EF-4068-A574-8FBC5EEAC895}"/>
                 </a:ext>
               </a:extLst>
             </p:cNvPr>
@@ -2613,7 +2614,7 @@
             <p:cNvPr id="34" name="ï$1îḑé">
               <a:extLst>
                 <a:ext uri="{FF2B5EF4-FFF2-40B4-BE49-F238E27FC236}">
-                  <a16:creationId xmlns="" xmlns:a16="http://schemas.microsoft.com/office/drawing/2014/main" id="{66235EE7-FC71-4720-94D6-AE9E5A6E3B32}"/>
+                  <a16:creationId xmlns:a16="http://schemas.microsoft.com/office/drawing/2014/main" xmlns="" id="{66235EE7-FC71-4720-94D6-AE9E5A6E3B32}"/>
                 </a:ext>
               </a:extLst>
             </p:cNvPr>
@@ -2675,7 +2676,7 @@
             <p:cNvPr id="35" name="íşļiḓê">
               <a:extLst>
                 <a:ext uri="{FF2B5EF4-FFF2-40B4-BE49-F238E27FC236}">
-                  <a16:creationId xmlns="" xmlns:a16="http://schemas.microsoft.com/office/drawing/2014/main" id="{464E50F4-2AD9-4646-95B0-C615F448F8D7}"/>
+                  <a16:creationId xmlns:a16="http://schemas.microsoft.com/office/drawing/2014/main" xmlns="" id="{464E50F4-2AD9-4646-95B0-C615F448F8D7}"/>
                 </a:ext>
               </a:extLst>
             </p:cNvPr>
@@ -2737,7 +2738,7 @@
             <p:cNvPr id="36" name="iSliḍé">
               <a:extLst>
                 <a:ext uri="{FF2B5EF4-FFF2-40B4-BE49-F238E27FC236}">
-                  <a16:creationId xmlns="" xmlns:a16="http://schemas.microsoft.com/office/drawing/2014/main" id="{08FD15B7-89FA-4BA0-832E-9B9D9FF852D5}"/>
+                  <a16:creationId xmlns:a16="http://schemas.microsoft.com/office/drawing/2014/main" xmlns="" id="{08FD15B7-89FA-4BA0-832E-9B9D9FF852D5}"/>
                 </a:ext>
               </a:extLst>
             </p:cNvPr>
@@ -2799,7 +2800,7 @@
             <p:cNvPr id="37" name="îşļïde">
               <a:extLst>
                 <a:ext uri="{FF2B5EF4-FFF2-40B4-BE49-F238E27FC236}">
-                  <a16:creationId xmlns="" xmlns:a16="http://schemas.microsoft.com/office/drawing/2014/main" id="{4DACA41F-DADA-4149-8933-31488F26C8AD}"/>
+                  <a16:creationId xmlns:a16="http://schemas.microsoft.com/office/drawing/2014/main" xmlns="" id="{4DACA41F-DADA-4149-8933-31488F26C8AD}"/>
                 </a:ext>
               </a:extLst>
             </p:cNvPr>
@@ -2861,7 +2862,7 @@
             <p:cNvPr id="38" name="ï$ḻídè">
               <a:extLst>
                 <a:ext uri="{FF2B5EF4-FFF2-40B4-BE49-F238E27FC236}">
-                  <a16:creationId xmlns="" xmlns:a16="http://schemas.microsoft.com/office/drawing/2014/main" id="{C28E4710-C2A1-4505-AD75-E91E319AE73A}"/>
+                  <a16:creationId xmlns:a16="http://schemas.microsoft.com/office/drawing/2014/main" xmlns="" id="{C28E4710-C2A1-4505-AD75-E91E319AE73A}"/>
                 </a:ext>
               </a:extLst>
             </p:cNvPr>
@@ -2957,7 +2958,7 @@
             <p:cNvPr id="39" name="ísľíḑe">
               <a:extLst>
                 <a:ext uri="{FF2B5EF4-FFF2-40B4-BE49-F238E27FC236}">
-                  <a16:creationId xmlns="" xmlns:a16="http://schemas.microsoft.com/office/drawing/2014/main" id="{C323CC97-7CC7-4FA5-A665-16F8A2FDB29A}"/>
+                  <a16:creationId xmlns:a16="http://schemas.microsoft.com/office/drawing/2014/main" xmlns="" id="{C323CC97-7CC7-4FA5-A665-16F8A2FDB29A}"/>
                 </a:ext>
               </a:extLst>
             </p:cNvPr>
@@ -3022,7 +3023,7 @@
             <p:cNvPr id="40" name="íṩlîḑè">
               <a:extLst>
                 <a:ext uri="{FF2B5EF4-FFF2-40B4-BE49-F238E27FC236}">
-                  <a16:creationId xmlns="" xmlns:a16="http://schemas.microsoft.com/office/drawing/2014/main" id="{26A96D82-53D7-454D-B8F0-08C85B54A508}"/>
+                  <a16:creationId xmlns:a16="http://schemas.microsoft.com/office/drawing/2014/main" xmlns="" id="{26A96D82-53D7-454D-B8F0-08C85B54A508}"/>
                 </a:ext>
               </a:extLst>
             </p:cNvPr>
@@ -3162,7 +3163,7 @@
             <p:cNvPr id="41" name="iṡḻídê">
               <a:extLst>
                 <a:ext uri="{FF2B5EF4-FFF2-40B4-BE49-F238E27FC236}">
-                  <a16:creationId xmlns="" xmlns:a16="http://schemas.microsoft.com/office/drawing/2014/main" id="{00A55C22-40A5-4BCE-AB5C-0DBD7B43CF15}"/>
+                  <a16:creationId xmlns:a16="http://schemas.microsoft.com/office/drawing/2014/main" xmlns="" id="{00A55C22-40A5-4BCE-AB5C-0DBD7B43CF15}"/>
                 </a:ext>
               </a:extLst>
             </p:cNvPr>
@@ -3224,7 +3225,7 @@
             <p:cNvPr id="42" name="íŝḷîḋè">
               <a:extLst>
                 <a:ext uri="{FF2B5EF4-FFF2-40B4-BE49-F238E27FC236}">
-                  <a16:creationId xmlns="" xmlns:a16="http://schemas.microsoft.com/office/drawing/2014/main" id="{1E7E1B5A-4BA7-4930-AB12-641C32CB9B5D}"/>
+                  <a16:creationId xmlns:a16="http://schemas.microsoft.com/office/drawing/2014/main" xmlns="" id="{1E7E1B5A-4BA7-4930-AB12-641C32CB9B5D}"/>
                 </a:ext>
               </a:extLst>
             </p:cNvPr>
@@ -3286,7 +3287,7 @@
             <p:cNvPr id="43" name="işliḓè">
               <a:extLst>
                 <a:ext uri="{FF2B5EF4-FFF2-40B4-BE49-F238E27FC236}">
-                  <a16:creationId xmlns="" xmlns:a16="http://schemas.microsoft.com/office/drawing/2014/main" id="{463C39C0-BA97-46C8-947C-6A6BB4E7C9D1}"/>
+                  <a16:creationId xmlns:a16="http://schemas.microsoft.com/office/drawing/2014/main" xmlns="" id="{463C39C0-BA97-46C8-947C-6A6BB4E7C9D1}"/>
                 </a:ext>
               </a:extLst>
             </p:cNvPr>
@@ -3348,7 +3349,7 @@
             <p:cNvPr id="44" name="îsḻiḑé">
               <a:extLst>
                 <a:ext uri="{FF2B5EF4-FFF2-40B4-BE49-F238E27FC236}">
-                  <a16:creationId xmlns="" xmlns:a16="http://schemas.microsoft.com/office/drawing/2014/main" id="{DF04E304-5F07-4415-828B-0989704C8FE6}"/>
+                  <a16:creationId xmlns:a16="http://schemas.microsoft.com/office/drawing/2014/main" xmlns="" id="{DF04E304-5F07-4415-828B-0989704C8FE6}"/>
                 </a:ext>
               </a:extLst>
             </p:cNvPr>
@@ -3410,7 +3411,7 @@
             <p:cNvPr id="45" name="íṧľiḓê">
               <a:extLst>
                 <a:ext uri="{FF2B5EF4-FFF2-40B4-BE49-F238E27FC236}">
-                  <a16:creationId xmlns="" xmlns:a16="http://schemas.microsoft.com/office/drawing/2014/main" id="{9DE34A69-BC75-47AD-8DE0-15FDFEF5D179}"/>
+                  <a16:creationId xmlns:a16="http://schemas.microsoft.com/office/drawing/2014/main" xmlns="" id="{9DE34A69-BC75-47AD-8DE0-15FDFEF5D179}"/>
                 </a:ext>
               </a:extLst>
             </p:cNvPr>
@@ -3472,7 +3473,7 @@
             <p:cNvPr id="46" name="íSlíďé">
               <a:extLst>
                 <a:ext uri="{FF2B5EF4-FFF2-40B4-BE49-F238E27FC236}">
-                  <a16:creationId xmlns="" xmlns:a16="http://schemas.microsoft.com/office/drawing/2014/main" id="{F19E1891-22A9-4238-9A0E-D54742EB9A67}"/>
+                  <a16:creationId xmlns:a16="http://schemas.microsoft.com/office/drawing/2014/main" xmlns="" id="{F19E1891-22A9-4238-9A0E-D54742EB9A67}"/>
                 </a:ext>
               </a:extLst>
             </p:cNvPr>
@@ -3534,7 +3535,7 @@
             <p:cNvPr id="47" name="iś1ïdè">
               <a:extLst>
                 <a:ext uri="{FF2B5EF4-FFF2-40B4-BE49-F238E27FC236}">
-                  <a16:creationId xmlns="" xmlns:a16="http://schemas.microsoft.com/office/drawing/2014/main" id="{26F87FC7-C5C8-4289-A0E2-8F0511BE4D0F}"/>
+                  <a16:creationId xmlns:a16="http://schemas.microsoft.com/office/drawing/2014/main" xmlns="" id="{26F87FC7-C5C8-4289-A0E2-8F0511BE4D0F}"/>
                 </a:ext>
               </a:extLst>
             </p:cNvPr>
@@ -3596,7 +3597,7 @@
             <p:cNvPr id="48" name="îŝḷïḍé">
               <a:extLst>
                 <a:ext uri="{FF2B5EF4-FFF2-40B4-BE49-F238E27FC236}">
-                  <a16:creationId xmlns="" xmlns:a16="http://schemas.microsoft.com/office/drawing/2014/main" id="{AF3C94AB-652D-4CCA-BFC8-3BC7A5181E1F}"/>
+                  <a16:creationId xmlns:a16="http://schemas.microsoft.com/office/drawing/2014/main" xmlns="" id="{AF3C94AB-652D-4CCA-BFC8-3BC7A5181E1F}"/>
                 </a:ext>
               </a:extLst>
             </p:cNvPr>
@@ -3667,7 +3668,7 @@
             <p:cNvPr id="49" name="ïśļïďé">
               <a:extLst>
                 <a:ext uri="{FF2B5EF4-FFF2-40B4-BE49-F238E27FC236}">
-                  <a16:creationId xmlns="" xmlns:a16="http://schemas.microsoft.com/office/drawing/2014/main" id="{10BC1FCD-F8F1-411F-8B4C-46E128380494}"/>
+                  <a16:creationId xmlns:a16="http://schemas.microsoft.com/office/drawing/2014/main" xmlns="" id="{10BC1FCD-F8F1-411F-8B4C-46E128380494}"/>
                 </a:ext>
               </a:extLst>
             </p:cNvPr>
@@ -3738,7 +3739,7 @@
             <p:cNvPr id="50" name="íṧḷídè">
               <a:extLst>
                 <a:ext uri="{FF2B5EF4-FFF2-40B4-BE49-F238E27FC236}">
-                  <a16:creationId xmlns="" xmlns:a16="http://schemas.microsoft.com/office/drawing/2014/main" id="{D6954D73-841B-4674-94DA-57899B5C83FA}"/>
+                  <a16:creationId xmlns:a16="http://schemas.microsoft.com/office/drawing/2014/main" xmlns="" id="{D6954D73-841B-4674-94DA-57899B5C83FA}"/>
                 </a:ext>
               </a:extLst>
             </p:cNvPr>
@@ -4209,7 +4210,7 @@
           <p:cNvPr id="3" name="组合 2">
             <a:extLst>
               <a:ext uri="{FF2B5EF4-FFF2-40B4-BE49-F238E27FC236}">
-                <a16:creationId xmlns="" xmlns:a16="http://schemas.microsoft.com/office/drawing/2014/main" id="{C629003E-14DA-4608-82C8-F702B03C8C62}"/>
+                <a16:creationId xmlns:a16="http://schemas.microsoft.com/office/drawing/2014/main" xmlns="" id="{C629003E-14DA-4608-82C8-F702B03C8C62}"/>
               </a:ext>
             </a:extLst>
           </p:cNvPr>
@@ -4235,7 +4236,7 @@
             <p:cNvPr id="34" name="iSliḓê">
               <a:extLst>
                 <a:ext uri="{FF2B5EF4-FFF2-40B4-BE49-F238E27FC236}">
-                  <a16:creationId xmlns="" xmlns:a16="http://schemas.microsoft.com/office/drawing/2014/main" id="{80A47D5A-673E-4EDC-8FB1-C2A2486C802A}"/>
+                  <a16:creationId xmlns:a16="http://schemas.microsoft.com/office/drawing/2014/main" xmlns="" id="{80A47D5A-673E-4EDC-8FB1-C2A2486C802A}"/>
                 </a:ext>
               </a:extLst>
             </p:cNvPr>
@@ -4373,7 +4374,7 @@
             <p:cNvPr id="38" name="ïṣlîḓê">
               <a:extLst>
                 <a:ext uri="{FF2B5EF4-FFF2-40B4-BE49-F238E27FC236}">
-                  <a16:creationId xmlns="" xmlns:a16="http://schemas.microsoft.com/office/drawing/2014/main" id="{DCD89878-3878-44CD-816E-D1DB497D642B}"/>
+                  <a16:creationId xmlns:a16="http://schemas.microsoft.com/office/drawing/2014/main" xmlns="" id="{DCD89878-3878-44CD-816E-D1DB497D642B}"/>
                 </a:ext>
               </a:extLst>
             </p:cNvPr>
@@ -4439,7 +4440,7 @@
             <p:cNvPr id="39" name="îṧḻiďê">
               <a:extLst>
                 <a:ext uri="{FF2B5EF4-FFF2-40B4-BE49-F238E27FC236}">
-                  <a16:creationId xmlns="" xmlns:a16="http://schemas.microsoft.com/office/drawing/2014/main" id="{927A350C-74E8-4289-AD50-D152B2F20760}"/>
+                  <a16:creationId xmlns:a16="http://schemas.microsoft.com/office/drawing/2014/main" xmlns="" id="{927A350C-74E8-4289-AD50-D152B2F20760}"/>
                 </a:ext>
               </a:extLst>
             </p:cNvPr>
@@ -4505,7 +4506,7 @@
             <p:cNvPr id="40" name="îsļiďé">
               <a:extLst>
                 <a:ext uri="{FF2B5EF4-FFF2-40B4-BE49-F238E27FC236}">
-                  <a16:creationId xmlns="" xmlns:a16="http://schemas.microsoft.com/office/drawing/2014/main" id="{FA1565F5-351B-46F7-94BA-8DE2B624E1D4}"/>
+                  <a16:creationId xmlns:a16="http://schemas.microsoft.com/office/drawing/2014/main" xmlns="" id="{FA1565F5-351B-46F7-94BA-8DE2B624E1D4}"/>
                 </a:ext>
               </a:extLst>
             </p:cNvPr>
@@ -4571,7 +4572,7 @@
             <p:cNvPr id="41" name="ísľîḑê">
               <a:extLst>
                 <a:ext uri="{FF2B5EF4-FFF2-40B4-BE49-F238E27FC236}">
-                  <a16:creationId xmlns="" xmlns:a16="http://schemas.microsoft.com/office/drawing/2014/main" id="{F46A0CCC-6110-407E-8E6D-A1E655B7B10A}"/>
+                  <a16:creationId xmlns:a16="http://schemas.microsoft.com/office/drawing/2014/main" xmlns="" id="{F46A0CCC-6110-407E-8E6D-A1E655B7B10A}"/>
                 </a:ext>
               </a:extLst>
             </p:cNvPr>
@@ -4637,7 +4638,7 @@
             <p:cNvPr id="42" name="iṥlïďé">
               <a:extLst>
                 <a:ext uri="{FF2B5EF4-FFF2-40B4-BE49-F238E27FC236}">
-                  <a16:creationId xmlns="" xmlns:a16="http://schemas.microsoft.com/office/drawing/2014/main" id="{D83D0A40-C194-4C9B-8119-3AA087712412}"/>
+                  <a16:creationId xmlns:a16="http://schemas.microsoft.com/office/drawing/2014/main" xmlns="" id="{D83D0A40-C194-4C9B-8119-3AA087712412}"/>
                 </a:ext>
               </a:extLst>
             </p:cNvPr>
@@ -4708,7 +4709,7 @@
             <p:cNvPr id="43" name="îşḷiḍè">
               <a:extLst>
                 <a:ext uri="{FF2B5EF4-FFF2-40B4-BE49-F238E27FC236}">
-                  <a16:creationId xmlns="" xmlns:a16="http://schemas.microsoft.com/office/drawing/2014/main" id="{DE854E02-9D47-4D10-A040-E952102AC62D}"/>
+                  <a16:creationId xmlns:a16="http://schemas.microsoft.com/office/drawing/2014/main" xmlns="" id="{DE854E02-9D47-4D10-A040-E952102AC62D}"/>
                 </a:ext>
               </a:extLst>
             </p:cNvPr>
@@ -4810,7 +4811,7 @@
           <p:cNvPr id="3" name="日期占位符 2">
             <a:extLst>
               <a:ext uri="{FF2B5EF4-FFF2-40B4-BE49-F238E27FC236}">
-                <a16:creationId xmlns="" xmlns:a16="http://schemas.microsoft.com/office/drawing/2014/main" id="{9888B6D7-9D3F-49D7-BACE-73A9D1149A74}"/>
+                <a16:creationId xmlns:a16="http://schemas.microsoft.com/office/drawing/2014/main" xmlns="" id="{9888B6D7-9D3F-49D7-BACE-73A9D1149A74}"/>
               </a:ext>
             </a:extLst>
           </p:cNvPr>
@@ -4835,7 +4836,7 @@
           <p:cNvPr id="4" name="页脚占位符 3">
             <a:extLst>
               <a:ext uri="{FF2B5EF4-FFF2-40B4-BE49-F238E27FC236}">
-                <a16:creationId xmlns="" xmlns:a16="http://schemas.microsoft.com/office/drawing/2014/main" id="{7AC997A4-1DD8-4731-B9FD-42398A20FF85}"/>
+                <a16:creationId xmlns:a16="http://schemas.microsoft.com/office/drawing/2014/main" xmlns="" id="{7AC997A4-1DD8-4731-B9FD-42398A20FF85}"/>
               </a:ext>
             </a:extLst>
           </p:cNvPr>
@@ -4872,7 +4873,7 @@
           <p:cNvPr id="5" name="灯片编号占位符 4">
             <a:extLst>
               <a:ext uri="{FF2B5EF4-FFF2-40B4-BE49-F238E27FC236}">
-                <a16:creationId xmlns="" xmlns:a16="http://schemas.microsoft.com/office/drawing/2014/main" id="{DBA9825E-1876-42AD-ABCF-E0E100F351CA}"/>
+                <a16:creationId xmlns:a16="http://schemas.microsoft.com/office/drawing/2014/main" xmlns="" id="{DBA9825E-1876-42AD-ABCF-E0E100F351CA}"/>
               </a:ext>
             </a:extLst>
           </p:cNvPr>
@@ -4902,7 +4903,7 @@
           <p:cNvPr id="6" name="标题 5">
             <a:extLst>
               <a:ext uri="{FF2B5EF4-FFF2-40B4-BE49-F238E27FC236}">
-                <a16:creationId xmlns="" xmlns:a16="http://schemas.microsoft.com/office/drawing/2014/main" id="{D124F9DB-C87A-423F-9657-38C7A2901430}"/>
+                <a16:creationId xmlns:a16="http://schemas.microsoft.com/office/drawing/2014/main" xmlns="" id="{D124F9DB-C87A-423F-9657-38C7A2901430}"/>
               </a:ext>
             </a:extLst>
           </p:cNvPr>
@@ -4935,7 +4936,7 @@
           <p:cNvPr id="8" name="内容占位符 7">
             <a:extLst>
               <a:ext uri="{FF2B5EF4-FFF2-40B4-BE49-F238E27FC236}">
-                <a16:creationId xmlns="" xmlns:a16="http://schemas.microsoft.com/office/drawing/2014/main" id="{2070191C-4093-409C-8FD5-7369A79637AD}"/>
+                <a16:creationId xmlns:a16="http://schemas.microsoft.com/office/drawing/2014/main" xmlns="" id="{2070191C-4093-409C-8FD5-7369A79637AD}"/>
               </a:ext>
             </a:extLst>
           </p:cNvPr>
@@ -5044,7 +5045,7 @@
           <p:cNvPr id="2" name="标题 1">
             <a:extLst>
               <a:ext uri="{FF2B5EF4-FFF2-40B4-BE49-F238E27FC236}">
-                <a16:creationId xmlns="" xmlns:a16="http://schemas.microsoft.com/office/drawing/2014/main" id="{F21C7A1C-3684-4AAF-A408-C63B6CB64104}"/>
+                <a16:creationId xmlns:a16="http://schemas.microsoft.com/office/drawing/2014/main" xmlns="" id="{F21C7A1C-3684-4AAF-A408-C63B6CB64104}"/>
               </a:ext>
             </a:extLst>
           </p:cNvPr>
@@ -5077,7 +5078,7 @@
           <p:cNvPr id="3" name="日期占位符 2">
             <a:extLst>
               <a:ext uri="{FF2B5EF4-FFF2-40B4-BE49-F238E27FC236}">
-                <a16:creationId xmlns="" xmlns:a16="http://schemas.microsoft.com/office/drawing/2014/main" id="{8986EA5F-D77D-4318-90E9-C04AA8ADC0D1}"/>
+                <a16:creationId xmlns:a16="http://schemas.microsoft.com/office/drawing/2014/main" xmlns="" id="{8986EA5F-D77D-4318-90E9-C04AA8ADC0D1}"/>
               </a:ext>
             </a:extLst>
           </p:cNvPr>
@@ -5102,7 +5103,7 @@
           <p:cNvPr id="4" name="页脚占位符 3">
             <a:extLst>
               <a:ext uri="{FF2B5EF4-FFF2-40B4-BE49-F238E27FC236}">
-                <a16:creationId xmlns="" xmlns:a16="http://schemas.microsoft.com/office/drawing/2014/main" id="{00832621-D9D9-445E-BFF9-F8348FA1E262}"/>
+                <a16:creationId xmlns:a16="http://schemas.microsoft.com/office/drawing/2014/main" xmlns="" id="{00832621-D9D9-445E-BFF9-F8348FA1E262}"/>
               </a:ext>
             </a:extLst>
           </p:cNvPr>
@@ -5139,7 +5140,7 @@
           <p:cNvPr id="5" name="灯片编号占位符 4">
             <a:extLst>
               <a:ext uri="{FF2B5EF4-FFF2-40B4-BE49-F238E27FC236}">
-                <a16:creationId xmlns="" xmlns:a16="http://schemas.microsoft.com/office/drawing/2014/main" id="{8371151B-F790-4A9F-962F-B8718A9560A9}"/>
+                <a16:creationId xmlns:a16="http://schemas.microsoft.com/office/drawing/2014/main" xmlns="" id="{8371151B-F790-4A9F-962F-B8718A9560A9}"/>
               </a:ext>
             </a:extLst>
           </p:cNvPr>
@@ -5335,7 +5336,7 @@
           <p:cNvPr id="6" name="文本占位符 5">
             <a:extLst>
               <a:ext uri="{FF2B5EF4-FFF2-40B4-BE49-F238E27FC236}">
-                <a16:creationId xmlns="" xmlns:a16="http://schemas.microsoft.com/office/drawing/2014/main" id="{05EBDA4F-7210-4CAE-8333-80DB24212E78}"/>
+                <a16:creationId xmlns:a16="http://schemas.microsoft.com/office/drawing/2014/main" xmlns="" id="{05EBDA4F-7210-4CAE-8333-80DB24212E78}"/>
               </a:ext>
             </a:extLst>
           </p:cNvPr>
@@ -5396,7 +5397,7 @@
           <p:cNvPr id="7" name="组合 6">
             <a:extLst>
               <a:ext uri="{FF2B5EF4-FFF2-40B4-BE49-F238E27FC236}">
-                <a16:creationId xmlns="" xmlns:a16="http://schemas.microsoft.com/office/drawing/2014/main" id="{5B77603F-656A-4E2F-9228-E30568A2F1D6}"/>
+                <a16:creationId xmlns:a16="http://schemas.microsoft.com/office/drawing/2014/main" xmlns="" id="{5B77603F-656A-4E2F-9228-E30568A2F1D6}"/>
               </a:ext>
             </a:extLst>
           </p:cNvPr>
@@ -5416,7 +5417,7 @@
             <p:cNvPr id="8" name="îSḻïḍè">
               <a:extLst>
                 <a:ext uri="{FF2B5EF4-FFF2-40B4-BE49-F238E27FC236}">
-                  <a16:creationId xmlns="" xmlns:a16="http://schemas.microsoft.com/office/drawing/2014/main" id="{61BDFEB9-90AA-43E9-A12B-EFFF9287F99D}"/>
+                  <a16:creationId xmlns:a16="http://schemas.microsoft.com/office/drawing/2014/main" xmlns="" id="{61BDFEB9-90AA-43E9-A12B-EFFF9287F99D}"/>
                 </a:ext>
               </a:extLst>
             </p:cNvPr>
@@ -5500,7 +5501,7 @@
             <p:cNvPr id="9" name="iṧ1îďè">
               <a:extLst>
                 <a:ext uri="{FF2B5EF4-FFF2-40B4-BE49-F238E27FC236}">
-                  <a16:creationId xmlns="" xmlns:a16="http://schemas.microsoft.com/office/drawing/2014/main" id="{D6E33435-E28A-463E-9EC6-4FEF1432AC96}"/>
+                  <a16:creationId xmlns:a16="http://schemas.microsoft.com/office/drawing/2014/main" xmlns="" id="{D6E33435-E28A-463E-9EC6-4FEF1432AC96}"/>
                 </a:ext>
               </a:extLst>
             </p:cNvPr>
@@ -5593,7 +5594,7 @@
             <p:cNvPr id="10" name="íŝ1îḑê">
               <a:extLst>
                 <a:ext uri="{FF2B5EF4-FFF2-40B4-BE49-F238E27FC236}">
-                  <a16:creationId xmlns="" xmlns:a16="http://schemas.microsoft.com/office/drawing/2014/main" id="{9304A826-F780-4CF2-AEA1-5EB7122B87CE}"/>
+                  <a16:creationId xmlns:a16="http://schemas.microsoft.com/office/drawing/2014/main" xmlns="" id="{9304A826-F780-4CF2-AEA1-5EB7122B87CE}"/>
                 </a:ext>
               </a:extLst>
             </p:cNvPr>
@@ -5678,7 +5679,7 @@
             <p:cNvPr id="11" name="îṩľîḋè">
               <a:extLst>
                 <a:ext uri="{FF2B5EF4-FFF2-40B4-BE49-F238E27FC236}">
-                  <a16:creationId xmlns="" xmlns:a16="http://schemas.microsoft.com/office/drawing/2014/main" id="{276A2E36-748D-419C-9EE2-5DF2A51BE0C6}"/>
+                  <a16:creationId xmlns:a16="http://schemas.microsoft.com/office/drawing/2014/main" xmlns="" id="{276A2E36-748D-419C-9EE2-5DF2A51BE0C6}"/>
                 </a:ext>
               </a:extLst>
             </p:cNvPr>
@@ -5763,7 +5764,7 @@
             <p:cNvPr id="12" name="íṡ1ïḓe">
               <a:extLst>
                 <a:ext uri="{FF2B5EF4-FFF2-40B4-BE49-F238E27FC236}">
-                  <a16:creationId xmlns="" xmlns:a16="http://schemas.microsoft.com/office/drawing/2014/main" id="{20A4A09F-DE16-4168-819D-7F31D973EC1A}"/>
+                  <a16:creationId xmlns:a16="http://schemas.microsoft.com/office/drawing/2014/main" xmlns="" id="{20A4A09F-DE16-4168-819D-7F31D973EC1A}"/>
                 </a:ext>
               </a:extLst>
             </p:cNvPr>
@@ -5828,7 +5829,7 @@
             <p:cNvPr id="14" name="ïŝlîḍê">
               <a:extLst>
                 <a:ext uri="{FF2B5EF4-FFF2-40B4-BE49-F238E27FC236}">
-                  <a16:creationId xmlns="" xmlns:a16="http://schemas.microsoft.com/office/drawing/2014/main" id="{F8657E4E-B533-4A5A-9F5F-E5BE8ACB5AD2}"/>
+                  <a16:creationId xmlns:a16="http://schemas.microsoft.com/office/drawing/2014/main" xmlns="" id="{F8657E4E-B533-4A5A-9F5F-E5BE8ACB5AD2}"/>
                 </a:ext>
               </a:extLst>
             </p:cNvPr>
@@ -5893,7 +5894,7 @@
             <p:cNvPr id="16" name="íṧlîḓé">
               <a:extLst>
                 <a:ext uri="{FF2B5EF4-FFF2-40B4-BE49-F238E27FC236}">
-                  <a16:creationId xmlns="" xmlns:a16="http://schemas.microsoft.com/office/drawing/2014/main" id="{FD71861F-C75F-4733-AFC9-3907B077276A}"/>
+                  <a16:creationId xmlns:a16="http://schemas.microsoft.com/office/drawing/2014/main" xmlns="" id="{FD71861F-C75F-4733-AFC9-3907B077276A}"/>
                 </a:ext>
               </a:extLst>
             </p:cNvPr>
@@ -5988,7 +5989,7 @@
             <p:cNvPr id="17" name="îṡľiḑè">
               <a:extLst>
                 <a:ext uri="{FF2B5EF4-FFF2-40B4-BE49-F238E27FC236}">
-                  <a16:creationId xmlns="" xmlns:a16="http://schemas.microsoft.com/office/drawing/2014/main" id="{C5F246DD-0425-467A-8E23-DF1922ED4240}"/>
+                  <a16:creationId xmlns:a16="http://schemas.microsoft.com/office/drawing/2014/main" xmlns="" id="{C5F246DD-0425-467A-8E23-DF1922ED4240}"/>
                 </a:ext>
               </a:extLst>
             </p:cNvPr>
@@ -6063,7 +6064,7 @@
             <p:cNvPr id="18" name="íš1ïḑé">
               <a:extLst>
                 <a:ext uri="{FF2B5EF4-FFF2-40B4-BE49-F238E27FC236}">
-                  <a16:creationId xmlns="" xmlns:a16="http://schemas.microsoft.com/office/drawing/2014/main" id="{EB196468-BCAE-4BF5-B491-B37AF459C2E0}"/>
+                  <a16:creationId xmlns:a16="http://schemas.microsoft.com/office/drawing/2014/main" xmlns="" id="{EB196468-BCAE-4BF5-B491-B37AF459C2E0}"/>
                 </a:ext>
               </a:extLst>
             </p:cNvPr>
@@ -6138,7 +6139,7 @@
             <p:cNvPr id="19" name="ïṧḷîḍe">
               <a:extLst>
                 <a:ext uri="{FF2B5EF4-FFF2-40B4-BE49-F238E27FC236}">
-                  <a16:creationId xmlns="" xmlns:a16="http://schemas.microsoft.com/office/drawing/2014/main" id="{9A980BB4-0B9C-4CE7-B965-86D1DCCFF04C}"/>
+                  <a16:creationId xmlns:a16="http://schemas.microsoft.com/office/drawing/2014/main" xmlns="" id="{9A980BB4-0B9C-4CE7-B965-86D1DCCFF04C}"/>
                 </a:ext>
               </a:extLst>
             </p:cNvPr>
@@ -6213,7 +6214,7 @@
             <p:cNvPr id="20" name="iṡḻïḑe">
               <a:extLst>
                 <a:ext uri="{FF2B5EF4-FFF2-40B4-BE49-F238E27FC236}">
-                  <a16:creationId xmlns="" xmlns:a16="http://schemas.microsoft.com/office/drawing/2014/main" id="{D932A797-F983-471B-BFA8-F7F77258FAF6}"/>
+                  <a16:creationId xmlns:a16="http://schemas.microsoft.com/office/drawing/2014/main" xmlns="" id="{D932A797-F983-471B-BFA8-F7F77258FAF6}"/>
                 </a:ext>
               </a:extLst>
             </p:cNvPr>
@@ -6278,7 +6279,7 @@
             <p:cNvPr id="21" name="iṣliḋê">
               <a:extLst>
                 <a:ext uri="{FF2B5EF4-FFF2-40B4-BE49-F238E27FC236}">
-                  <a16:creationId xmlns="" xmlns:a16="http://schemas.microsoft.com/office/drawing/2014/main" id="{14E4C1FF-2C4A-414E-B7C1-76FC09803579}"/>
+                  <a16:creationId xmlns:a16="http://schemas.microsoft.com/office/drawing/2014/main" xmlns="" id="{14E4C1FF-2C4A-414E-B7C1-76FC09803579}"/>
                 </a:ext>
               </a:extLst>
             </p:cNvPr>
@@ -6343,7 +6344,7 @@
             <p:cNvPr id="22" name="îsḷïdê">
               <a:extLst>
                 <a:ext uri="{FF2B5EF4-FFF2-40B4-BE49-F238E27FC236}">
-                  <a16:creationId xmlns="" xmlns:a16="http://schemas.microsoft.com/office/drawing/2014/main" id="{22AC134A-B7EA-4D73-BF21-DE75251C3AB3}"/>
+                  <a16:creationId xmlns:a16="http://schemas.microsoft.com/office/drawing/2014/main" xmlns="" id="{22AC134A-B7EA-4D73-BF21-DE75251C3AB3}"/>
                 </a:ext>
               </a:extLst>
             </p:cNvPr>
@@ -6405,7 +6406,7 @@
             <p:cNvPr id="23" name="i$ḻïḍê">
               <a:extLst>
                 <a:ext uri="{FF2B5EF4-FFF2-40B4-BE49-F238E27FC236}">
-                  <a16:creationId xmlns="" xmlns:a16="http://schemas.microsoft.com/office/drawing/2014/main" id="{B2525ADC-09FA-43DB-8CDF-85CDAC67D7D6}"/>
+                  <a16:creationId xmlns:a16="http://schemas.microsoft.com/office/drawing/2014/main" xmlns="" id="{B2525ADC-09FA-43DB-8CDF-85CDAC67D7D6}"/>
                 </a:ext>
               </a:extLst>
             </p:cNvPr>
@@ -6467,7 +6468,7 @@
             <p:cNvPr id="24" name="iş1îďé">
               <a:extLst>
                 <a:ext uri="{FF2B5EF4-FFF2-40B4-BE49-F238E27FC236}">
-                  <a16:creationId xmlns="" xmlns:a16="http://schemas.microsoft.com/office/drawing/2014/main" id="{5797D739-E4EF-4020-8521-6BC146B06A4D}"/>
+                  <a16:creationId xmlns:a16="http://schemas.microsoft.com/office/drawing/2014/main" xmlns="" id="{5797D739-E4EF-4020-8521-6BC146B06A4D}"/>
                 </a:ext>
               </a:extLst>
             </p:cNvPr>
@@ -6529,7 +6530,7 @@
             <p:cNvPr id="25" name="iṧľiḍè">
               <a:extLst>
                 <a:ext uri="{FF2B5EF4-FFF2-40B4-BE49-F238E27FC236}">
-                  <a16:creationId xmlns="" xmlns:a16="http://schemas.microsoft.com/office/drawing/2014/main" id="{420139AB-8C14-45D0-B524-2B38E2B5CC4C}"/>
+                  <a16:creationId xmlns:a16="http://schemas.microsoft.com/office/drawing/2014/main" xmlns="" id="{420139AB-8C14-45D0-B524-2B38E2B5CC4C}"/>
                 </a:ext>
               </a:extLst>
             </p:cNvPr>
@@ -6591,7 +6592,7 @@
             <p:cNvPr id="26" name="îŝḷiďê">
               <a:extLst>
                 <a:ext uri="{FF2B5EF4-FFF2-40B4-BE49-F238E27FC236}">
-                  <a16:creationId xmlns="" xmlns:a16="http://schemas.microsoft.com/office/drawing/2014/main" id="{C2086326-1FF1-4885-9F22-89D180415FAD}"/>
+                  <a16:creationId xmlns:a16="http://schemas.microsoft.com/office/drawing/2014/main" xmlns="" id="{C2086326-1FF1-4885-9F22-89D180415FAD}"/>
                 </a:ext>
               </a:extLst>
             </p:cNvPr>
@@ -6687,7 +6688,7 @@
             <p:cNvPr id="27" name="ï$ḷiḍé">
               <a:extLst>
                 <a:ext uri="{FF2B5EF4-FFF2-40B4-BE49-F238E27FC236}">
-                  <a16:creationId xmlns="" xmlns:a16="http://schemas.microsoft.com/office/drawing/2014/main" id="{6DB36021-5313-40A9-920B-CBDED876EF45}"/>
+                  <a16:creationId xmlns:a16="http://schemas.microsoft.com/office/drawing/2014/main" xmlns="" id="{6DB36021-5313-40A9-920B-CBDED876EF45}"/>
                 </a:ext>
               </a:extLst>
             </p:cNvPr>
@@ -6749,7 +6750,7 @@
             <p:cNvPr id="28" name="ïşḷïḍe">
               <a:extLst>
                 <a:ext uri="{FF2B5EF4-FFF2-40B4-BE49-F238E27FC236}">
-                  <a16:creationId xmlns="" xmlns:a16="http://schemas.microsoft.com/office/drawing/2014/main" id="{6E199C5B-BAA8-49E4-BEB5-B476BF8BC2B1}"/>
+                  <a16:creationId xmlns:a16="http://schemas.microsoft.com/office/drawing/2014/main" xmlns="" id="{6E199C5B-BAA8-49E4-BEB5-B476BF8BC2B1}"/>
                 </a:ext>
               </a:extLst>
             </p:cNvPr>
@@ -6811,7 +6812,7 @@
             <p:cNvPr id="29" name="i$ḻïďé">
               <a:extLst>
                 <a:ext uri="{FF2B5EF4-FFF2-40B4-BE49-F238E27FC236}">
-                  <a16:creationId xmlns="" xmlns:a16="http://schemas.microsoft.com/office/drawing/2014/main" id="{6D1C2096-6C60-4112-830E-BF0A8DBC9AFC}"/>
+                  <a16:creationId xmlns:a16="http://schemas.microsoft.com/office/drawing/2014/main" xmlns="" id="{6D1C2096-6C60-4112-830E-BF0A8DBC9AFC}"/>
                 </a:ext>
               </a:extLst>
             </p:cNvPr>
@@ -6873,7 +6874,7 @@
             <p:cNvPr id="30" name="iṩḷîďè">
               <a:extLst>
                 <a:ext uri="{FF2B5EF4-FFF2-40B4-BE49-F238E27FC236}">
-                  <a16:creationId xmlns="" xmlns:a16="http://schemas.microsoft.com/office/drawing/2014/main" id="{8E2F55A0-1F8B-4DF8-9692-0E52FB38C449}"/>
+                  <a16:creationId xmlns:a16="http://schemas.microsoft.com/office/drawing/2014/main" xmlns="" id="{8E2F55A0-1F8B-4DF8-9692-0E52FB38C449}"/>
                 </a:ext>
               </a:extLst>
             </p:cNvPr>
@@ -6935,7 +6936,7 @@
             <p:cNvPr id="31" name="îśḷiḋè">
               <a:extLst>
                 <a:ext uri="{FF2B5EF4-FFF2-40B4-BE49-F238E27FC236}">
-                  <a16:creationId xmlns="" xmlns:a16="http://schemas.microsoft.com/office/drawing/2014/main" id="{FAEFDB25-C311-444C-8211-CA9D0D3E76C7}"/>
+                  <a16:creationId xmlns:a16="http://schemas.microsoft.com/office/drawing/2014/main" xmlns="" id="{FAEFDB25-C311-444C-8211-CA9D0D3E76C7}"/>
                 </a:ext>
               </a:extLst>
             </p:cNvPr>
@@ -6997,7 +6998,7 @@
             <p:cNvPr id="32" name="işlïďe">
               <a:extLst>
                 <a:ext uri="{FF2B5EF4-FFF2-40B4-BE49-F238E27FC236}">
-                  <a16:creationId xmlns="" xmlns:a16="http://schemas.microsoft.com/office/drawing/2014/main" id="{6F7FE01D-44F0-4E78-AA22-48B1A54F44A8}"/>
+                  <a16:creationId xmlns:a16="http://schemas.microsoft.com/office/drawing/2014/main" xmlns="" id="{6F7FE01D-44F0-4E78-AA22-48B1A54F44A8}"/>
                 </a:ext>
               </a:extLst>
             </p:cNvPr>
@@ -7059,7 +7060,7 @@
             <p:cNvPr id="33" name="iṧļîďê">
               <a:extLst>
                 <a:ext uri="{FF2B5EF4-FFF2-40B4-BE49-F238E27FC236}">
-                  <a16:creationId xmlns="" xmlns:a16="http://schemas.microsoft.com/office/drawing/2014/main" id="{E43ABFED-9DCE-4780-A17B-F275913025D6}"/>
+                  <a16:creationId xmlns:a16="http://schemas.microsoft.com/office/drawing/2014/main" xmlns="" id="{E43ABFED-9DCE-4780-A17B-F275913025D6}"/>
                 </a:ext>
               </a:extLst>
             </p:cNvPr>
@@ -7121,7 +7122,7 @@
             <p:cNvPr id="34" name="ïśľide">
               <a:extLst>
                 <a:ext uri="{FF2B5EF4-FFF2-40B4-BE49-F238E27FC236}">
-                  <a16:creationId xmlns="" xmlns:a16="http://schemas.microsoft.com/office/drawing/2014/main" id="{764B5643-59A7-4278-9C6C-C0772E988BD1}"/>
+                  <a16:creationId xmlns:a16="http://schemas.microsoft.com/office/drawing/2014/main" xmlns="" id="{764B5643-59A7-4278-9C6C-C0772E988BD1}"/>
                 </a:ext>
               </a:extLst>
             </p:cNvPr>
@@ -7183,7 +7184,7 @@
             <p:cNvPr id="35" name="îṣḷiďè">
               <a:extLst>
                 <a:ext uri="{FF2B5EF4-FFF2-40B4-BE49-F238E27FC236}">
-                  <a16:creationId xmlns="" xmlns:a16="http://schemas.microsoft.com/office/drawing/2014/main" id="{A35CCFB0-B280-422B-A372-F1E8A7B37BB7}"/>
+                  <a16:creationId xmlns:a16="http://schemas.microsoft.com/office/drawing/2014/main" xmlns="" id="{A35CCFB0-B280-422B-A372-F1E8A7B37BB7}"/>
                 </a:ext>
               </a:extLst>
             </p:cNvPr>
@@ -7279,7 +7280,7 @@
             <p:cNvPr id="36" name="i$líḓe">
               <a:extLst>
                 <a:ext uri="{FF2B5EF4-FFF2-40B4-BE49-F238E27FC236}">
-                  <a16:creationId xmlns="" xmlns:a16="http://schemas.microsoft.com/office/drawing/2014/main" id="{7F0DCF35-E893-4225-90D5-FBFE48B4C496}"/>
+                  <a16:creationId xmlns:a16="http://schemas.microsoft.com/office/drawing/2014/main" xmlns="" id="{7F0DCF35-E893-4225-90D5-FBFE48B4C496}"/>
                 </a:ext>
               </a:extLst>
             </p:cNvPr>
@@ -7344,7 +7345,7 @@
             <p:cNvPr id="37" name="ïṣḷíḓè">
               <a:extLst>
                 <a:ext uri="{FF2B5EF4-FFF2-40B4-BE49-F238E27FC236}">
-                  <a16:creationId xmlns="" xmlns:a16="http://schemas.microsoft.com/office/drawing/2014/main" id="{A4220D05-442F-428F-ACAE-0BDB7327EE45}"/>
+                  <a16:creationId xmlns:a16="http://schemas.microsoft.com/office/drawing/2014/main" xmlns="" id="{A4220D05-442F-428F-ACAE-0BDB7327EE45}"/>
                 </a:ext>
               </a:extLst>
             </p:cNvPr>
@@ -7484,7 +7485,7 @@
             <p:cNvPr id="38" name="ïślîḓe">
               <a:extLst>
                 <a:ext uri="{FF2B5EF4-FFF2-40B4-BE49-F238E27FC236}">
-                  <a16:creationId xmlns="" xmlns:a16="http://schemas.microsoft.com/office/drawing/2014/main" id="{CA00A810-C422-493F-8762-928602E1666F}"/>
+                  <a16:creationId xmlns:a16="http://schemas.microsoft.com/office/drawing/2014/main" xmlns="" id="{CA00A810-C422-493F-8762-928602E1666F}"/>
                 </a:ext>
               </a:extLst>
             </p:cNvPr>
@@ -7546,7 +7547,7 @@
             <p:cNvPr id="39" name="iṥļïďé">
               <a:extLst>
                 <a:ext uri="{FF2B5EF4-FFF2-40B4-BE49-F238E27FC236}">
-                  <a16:creationId xmlns="" xmlns:a16="http://schemas.microsoft.com/office/drawing/2014/main" id="{8731F971-066B-40AA-B136-58B67564B7ED}"/>
+                  <a16:creationId xmlns:a16="http://schemas.microsoft.com/office/drawing/2014/main" xmlns="" id="{8731F971-066B-40AA-B136-58B67564B7ED}"/>
                 </a:ext>
               </a:extLst>
             </p:cNvPr>
@@ -7608,7 +7609,7 @@
             <p:cNvPr id="40" name="iślíḓé">
               <a:extLst>
                 <a:ext uri="{FF2B5EF4-FFF2-40B4-BE49-F238E27FC236}">
-                  <a16:creationId xmlns="" xmlns:a16="http://schemas.microsoft.com/office/drawing/2014/main" id="{2AABD586-6310-40FF-82C3-735CEE851897}"/>
+                  <a16:creationId xmlns:a16="http://schemas.microsoft.com/office/drawing/2014/main" xmlns="" id="{2AABD586-6310-40FF-82C3-735CEE851897}"/>
                 </a:ext>
               </a:extLst>
             </p:cNvPr>
@@ -7670,7 +7671,7 @@
             <p:cNvPr id="41" name="îşḻïḑé">
               <a:extLst>
                 <a:ext uri="{FF2B5EF4-FFF2-40B4-BE49-F238E27FC236}">
-                  <a16:creationId xmlns="" xmlns:a16="http://schemas.microsoft.com/office/drawing/2014/main" id="{0BDE1E9B-62A3-46F4-AB87-D02F1D6E213F}"/>
+                  <a16:creationId xmlns:a16="http://schemas.microsoft.com/office/drawing/2014/main" xmlns="" id="{0BDE1E9B-62A3-46F4-AB87-D02F1D6E213F}"/>
                 </a:ext>
               </a:extLst>
             </p:cNvPr>
@@ -7732,7 +7733,7 @@
             <p:cNvPr id="42" name="iš1îḓe">
               <a:extLst>
                 <a:ext uri="{FF2B5EF4-FFF2-40B4-BE49-F238E27FC236}">
-                  <a16:creationId xmlns="" xmlns:a16="http://schemas.microsoft.com/office/drawing/2014/main" id="{1846F9CF-B441-4677-B6B7-A82071C6A24C}"/>
+                  <a16:creationId xmlns:a16="http://schemas.microsoft.com/office/drawing/2014/main" xmlns="" id="{1846F9CF-B441-4677-B6B7-A82071C6A24C}"/>
                 </a:ext>
               </a:extLst>
             </p:cNvPr>
@@ -7794,7 +7795,7 @@
             <p:cNvPr id="43" name="iṣļïḋê">
               <a:extLst>
                 <a:ext uri="{FF2B5EF4-FFF2-40B4-BE49-F238E27FC236}">
-                  <a16:creationId xmlns="" xmlns:a16="http://schemas.microsoft.com/office/drawing/2014/main" id="{E6025A34-46AE-457E-AC6F-3CE06D5B4606}"/>
+                  <a16:creationId xmlns:a16="http://schemas.microsoft.com/office/drawing/2014/main" xmlns="" id="{E6025A34-46AE-457E-AC6F-3CE06D5B4606}"/>
                 </a:ext>
               </a:extLst>
             </p:cNvPr>
@@ -7856,7 +7857,7 @@
             <p:cNvPr id="44" name="ïṧḻîdè">
               <a:extLst>
                 <a:ext uri="{FF2B5EF4-FFF2-40B4-BE49-F238E27FC236}">
-                  <a16:creationId xmlns="" xmlns:a16="http://schemas.microsoft.com/office/drawing/2014/main" id="{B3B1207A-F631-4D74-AF71-25164BFA4732}"/>
+                  <a16:creationId xmlns:a16="http://schemas.microsoft.com/office/drawing/2014/main" xmlns="" id="{B3B1207A-F631-4D74-AF71-25164BFA4732}"/>
                 </a:ext>
               </a:extLst>
             </p:cNvPr>
@@ -7918,7 +7919,7 @@
             <p:cNvPr id="45" name="ïṩlîḋè">
               <a:extLst>
                 <a:ext uri="{FF2B5EF4-FFF2-40B4-BE49-F238E27FC236}">
-                  <a16:creationId xmlns="" xmlns:a16="http://schemas.microsoft.com/office/drawing/2014/main" id="{BD4629EF-6FD7-495B-BABC-2117635C362D}"/>
+                  <a16:creationId xmlns:a16="http://schemas.microsoft.com/office/drawing/2014/main" xmlns="" id="{BD4629EF-6FD7-495B-BABC-2117635C362D}"/>
                 </a:ext>
               </a:extLst>
             </p:cNvPr>
@@ -7989,7 +7990,7 @@
             <p:cNvPr id="46" name="îśḻiḑê">
               <a:extLst>
                 <a:ext uri="{FF2B5EF4-FFF2-40B4-BE49-F238E27FC236}">
-                  <a16:creationId xmlns="" xmlns:a16="http://schemas.microsoft.com/office/drawing/2014/main" id="{CEEE656F-2B58-452E-8C4C-A5DC9C34C5FE}"/>
+                  <a16:creationId xmlns:a16="http://schemas.microsoft.com/office/drawing/2014/main" xmlns="" id="{CEEE656F-2B58-452E-8C4C-A5DC9C34C5FE}"/>
                 </a:ext>
               </a:extLst>
             </p:cNvPr>
@@ -8060,7 +8061,7 @@
             <p:cNvPr id="47" name="ísļîḓê">
               <a:extLst>
                 <a:ext uri="{FF2B5EF4-FFF2-40B4-BE49-F238E27FC236}">
-                  <a16:creationId xmlns="" xmlns:a16="http://schemas.microsoft.com/office/drawing/2014/main" id="{30046525-C92C-4D8E-AA3B-B52FFA1759D5}"/>
+                  <a16:creationId xmlns:a16="http://schemas.microsoft.com/office/drawing/2014/main" xmlns="" id="{30046525-C92C-4D8E-AA3B-B52FFA1759D5}"/>
                 </a:ext>
               </a:extLst>
             </p:cNvPr>
@@ -8398,7 +8399,7 @@
           <p:cNvPr id="8" name="日期占位符 7">
             <a:extLst>
               <a:ext uri="{FF2B5EF4-FFF2-40B4-BE49-F238E27FC236}">
-                <a16:creationId xmlns="" xmlns:a16="http://schemas.microsoft.com/office/drawing/2014/main" id="{04388434-9949-479C-A9C3-67A953F6A939}"/>
+                <a16:creationId xmlns:a16="http://schemas.microsoft.com/office/drawing/2014/main" xmlns="" id="{04388434-9949-479C-A9C3-67A953F6A939}"/>
               </a:ext>
             </a:extLst>
           </p:cNvPr>
@@ -8442,7 +8443,7 @@
           <p:cNvPr id="9" name="页脚占位符 8">
             <a:extLst>
               <a:ext uri="{FF2B5EF4-FFF2-40B4-BE49-F238E27FC236}">
-                <a16:creationId xmlns="" xmlns:a16="http://schemas.microsoft.com/office/drawing/2014/main" id="{50A5656E-7A33-4865-A262-1F96263BAA16}"/>
+                <a16:creationId xmlns:a16="http://schemas.microsoft.com/office/drawing/2014/main" xmlns="" id="{50A5656E-7A33-4865-A262-1F96263BAA16}"/>
               </a:ext>
             </a:extLst>
           </p:cNvPr>
@@ -8498,7 +8499,7 @@
           <p:cNvPr id="10" name="灯片编号占位符 9">
             <a:extLst>
               <a:ext uri="{FF2B5EF4-FFF2-40B4-BE49-F238E27FC236}">
-                <a16:creationId xmlns="" xmlns:a16="http://schemas.microsoft.com/office/drawing/2014/main" id="{5BF52F79-380E-4278-8B67-588AFE5840F9}"/>
+                <a16:creationId xmlns:a16="http://schemas.microsoft.com/office/drawing/2014/main" xmlns="" id="{5BF52F79-380E-4278-8B67-588AFE5840F9}"/>
               </a:ext>
             </a:extLst>
           </p:cNvPr>
@@ -8841,7 +8842,7 @@
   </p:txStyles>
   <p:extLst>
     <p:ext uri="{27BBF7A9-308A-43DC-89C8-2F10F3537804}">
-      <p15:sldGuideLst xmlns="" xmlns:p15="http://schemas.microsoft.com/office/powerpoint/2012/main">
+      <p15:sldGuideLst xmlns:p15="http://schemas.microsoft.com/office/powerpoint/2012/main" xmlns="">
         <p15:guide id="1" pos="422" userDrawn="1">
           <p15:clr>
             <a:srgbClr val="F26B43"/>
@@ -8900,7 +8901,7 @@
           <p:cNvPr id="3" name="ïṩḷiḑé" hidden="1">
             <a:extLst>
               <a:ext uri="{FF2B5EF4-FFF2-40B4-BE49-F238E27FC236}">
-                <a16:creationId xmlns="" xmlns:a16="http://schemas.microsoft.com/office/drawing/2014/main" id="{3C326D0B-7DAB-41B6-8030-2E4A18CC949B}"/>
+                <a16:creationId xmlns:a16="http://schemas.microsoft.com/office/drawing/2014/main" xmlns="" id="{3C326D0B-7DAB-41B6-8030-2E4A18CC949B}"/>
               </a:ext>
             </a:extLst>
           </p:cNvPr>
@@ -8923,7 +8924,7 @@
           <a:graphicData uri="http://schemas.openxmlformats.org/presentationml/2006/ole">
             <mc:AlternateContent xmlns:mc="http://schemas.openxmlformats.org/markup-compatibility/2006">
               <mc:Choice xmlns:v="urn:schemas-microsoft-com:vml" Requires="v">
-                <p:oleObj spid="_x0000_s1080" name="think-cell Slide" r:id="rId5" imgW="347" imgH="348" progId="TCLayout.ActiveDocument.1">
+                <p:oleObj spid="_x0000_s1082" name="think-cell Slide" r:id="rId5" imgW="347" imgH="348" progId="TCLayout.ActiveDocument.1">
                   <p:embed/>
                 </p:oleObj>
               </mc:Choice>
@@ -8935,7 +8936,7 @@
                       <p:cNvPr id="3" name="iş1iďé" hidden="1">
                         <a:extLst>
                           <a:ext uri="{FF2B5EF4-FFF2-40B4-BE49-F238E27FC236}">
-                            <a16:creationId xmlns="" xmlns:a16="http://schemas.microsoft.com/office/drawing/2014/main" id="{3C326D0B-7DAB-41B6-8030-2E4A18CC949B}"/>
+                            <a16:creationId xmlns:a16="http://schemas.microsoft.com/office/drawing/2014/main" xmlns="" id="{3C326D0B-7DAB-41B6-8030-2E4A18CC949B}"/>
                           </a:ext>
                         </a:extLst>
                       </p:cNvPr>
@@ -8969,7 +8970,7 @@
           <p:cNvPr id="2" name="ïsľîḑè" hidden="1">
             <a:extLst>
               <a:ext uri="{FF2B5EF4-FFF2-40B4-BE49-F238E27FC236}">
-                <a16:creationId xmlns="" xmlns:a16="http://schemas.microsoft.com/office/drawing/2014/main" id="{EC933494-1B63-4A32-964F-D05236799BAA}"/>
+                <a16:creationId xmlns:a16="http://schemas.microsoft.com/office/drawing/2014/main" xmlns="" id="{EC933494-1B63-4A32-964F-D05236799BAA}"/>
               </a:ext>
             </a:extLst>
           </p:cNvPr>
@@ -12143,6 +12144,185 @@
           <a:lstStyle/>
           <a:p>
             <a:r>
+              <a:rPr lang="zh-CN" altLang="en-US" smtClean="0"/>
+              <a:t>请在插入菜单</a:t>
+            </a:r>
+            <a:r>
+              <a:rPr lang="en-US" altLang="zh-CN" smtClean="0"/>
+              <a:t>—</a:t>
+            </a:r>
+            <a:r>
+              <a:rPr lang="zh-CN" altLang="en-US" smtClean="0"/>
+              <a:t>页眉和页脚中修改此文本</a:t>
+            </a:r>
+            <a:endParaRPr lang="zh-CN" altLang="en-US" dirty="0"/>
+          </a:p>
+        </p:txBody>
+      </p:sp>
+      <p:sp>
+        <p:nvSpPr>
+          <p:cNvPr id="3" name="投影片編號版面配置區 2"/>
+          <p:cNvSpPr>
+            <a:spLocks noGrp="1"/>
+          </p:cNvSpPr>
+          <p:nvPr>
+            <p:ph type="sldNum" sz="quarter" idx="12"/>
+          </p:nvPr>
+        </p:nvSpPr>
+        <p:spPr>
+          <a:xfrm>
+            <a:off x="8280399" y="6088063"/>
+            <a:ext cx="2909888" cy="206381"/>
+          </a:xfrm>
+        </p:spPr>
+        <p:txBody>
+          <a:bodyPr/>
+          <a:lstStyle/>
+          <a:p>
+            <a:fld id="{5DD3DB80-B894-403A-B48E-6FDC1A72010E}" type="slidenum">
+              <a:rPr lang="zh-CN" altLang="en-US" smtClean="0"/>
+              <a:pPr/>
+              <a:t>18</a:t>
+            </a:fld>
+            <a:endParaRPr lang="zh-CN" altLang="en-US"/>
+          </a:p>
+        </p:txBody>
+      </p:sp>
+      <p:sp>
+        <p:nvSpPr>
+          <p:cNvPr id="4" name="標題 3"/>
+          <p:cNvSpPr>
+            <a:spLocks noGrp="1"/>
+          </p:cNvSpPr>
+          <p:nvPr>
+            <p:ph type="title"/>
+          </p:nvPr>
+        </p:nvSpPr>
+        <p:spPr/>
+        <p:txBody>
+          <a:bodyPr/>
+          <a:lstStyle/>
+          <a:p>
+            <a:r>
+              <a:rPr lang="en-US" altLang="zh-TW" dirty="0"/>
+              <a:t>Encoder-Decoder </a:t>
+            </a:r>
+            <a:r>
+              <a:rPr lang="zh-TW" altLang="en-US" dirty="0"/>
+              <a:t>架構</a:t>
+            </a:r>
+          </a:p>
+        </p:txBody>
+      </p:sp>
+      <p:sp>
+        <p:nvSpPr>
+          <p:cNvPr id="5" name="內容版面配置區 4"/>
+          <p:cNvSpPr>
+            <a:spLocks noGrp="1"/>
+          </p:cNvSpPr>
+          <p:nvPr>
+            <p:ph sz="quarter" idx="13"/>
+          </p:nvPr>
+        </p:nvSpPr>
+        <p:spPr/>
+        <p:txBody>
+          <a:bodyPr/>
+          <a:lstStyle/>
+          <a:p>
+            <a:endParaRPr lang="zh-TW" altLang="en-US" dirty="0"/>
+          </a:p>
+          <a:p>
+            <a:endParaRPr lang="zh-TW" altLang="en-US" dirty="0"/>
+          </a:p>
+        </p:txBody>
+      </p:sp>
+      <p:pic>
+        <p:nvPicPr>
+          <p:cNvPr id="4098" name="Picture 2" descr="E:\Delete\git_r\two_month_report\202011_2021_1\11_16_to_11_20_third\img\encoder-decoder2.jpg"/>
+          <p:cNvPicPr>
+            <a:picLocks noChangeAspect="1" noChangeArrowheads="1"/>
+          </p:cNvPicPr>
+          <p:nvPr/>
+        </p:nvPicPr>
+        <p:blipFill>
+          <a:blip r:embed="rId2">
+            <a:extLst>
+              <a:ext uri="{28A0092B-C50C-407E-A947-70E740481C1C}">
+                <a14:useLocalDpi xmlns:a14="http://schemas.microsoft.com/office/drawing/2010/main" val="0"/>
+              </a:ext>
+            </a:extLst>
+          </a:blip>
+          <a:srcRect/>
+          <a:stretch>
+            <a:fillRect/>
+          </a:stretch>
+        </p:blipFill>
+        <p:spPr bwMode="auto">
+          <a:xfrm>
+            <a:off x="1689099" y="1390650"/>
+            <a:ext cx="7983769" cy="4413250"/>
+          </a:xfrm>
+          <a:prstGeom prst="rect">
+            <a:avLst/>
+          </a:prstGeom>
+          <a:noFill/>
+          <a:extLst>
+            <a:ext uri="{909E8E84-426E-40DD-AFC4-6F175D3DCCD1}">
+              <a14:hiddenFill xmlns:a14="http://schemas.microsoft.com/office/drawing/2010/main">
+                <a:solidFill>
+                  <a:srgbClr val="FFFFFF"/>
+                </a:solidFill>
+              </a14:hiddenFill>
+            </a:ext>
+          </a:extLst>
+        </p:spPr>
+      </p:pic>
+    </p:spTree>
+    <p:extLst>
+      <p:ext uri="{BB962C8B-B14F-4D97-AF65-F5344CB8AC3E}">
+        <p14:creationId xmlns:p14="http://schemas.microsoft.com/office/powerpoint/2010/main" val="710895874"/>
+      </p:ext>
+    </p:extLst>
+  </p:cSld>
+  <p:clrMapOvr>
+    <a:masterClrMapping/>
+  </p:clrMapOvr>
+</p:sld>
+</file>
+
+<file path=ppt/slides/slide19.xml><?xml version="1.0" encoding="utf-8"?>
+<p:sld xmlns:a="http://schemas.openxmlformats.org/drawingml/2006/main" xmlns:r="http://schemas.openxmlformats.org/officeDocument/2006/relationships" xmlns:p="http://schemas.openxmlformats.org/presentationml/2006/main">
+  <p:cSld>
+    <p:spTree>
+      <p:nvGrpSpPr>
+        <p:cNvPr id="1" name=""/>
+        <p:cNvGrpSpPr/>
+        <p:nvPr/>
+      </p:nvGrpSpPr>
+      <p:grpSpPr>
+        <a:xfrm>
+          <a:off x="0" y="0"/>
+          <a:ext cx="0" cy="0"/>
+          <a:chOff x="0" y="0"/>
+          <a:chExt cx="0" cy="0"/>
+        </a:xfrm>
+      </p:grpSpPr>
+      <p:sp>
+        <p:nvSpPr>
+          <p:cNvPr id="2" name="頁尾版面配置區 1"/>
+          <p:cNvSpPr>
+            <a:spLocks noGrp="1"/>
+          </p:cNvSpPr>
+          <p:nvPr>
+            <p:ph type="ftr" sz="quarter" idx="11"/>
+          </p:nvPr>
+        </p:nvSpPr>
+        <p:spPr/>
+        <p:txBody>
+          <a:bodyPr/>
+          <a:lstStyle/>
+          <a:p>
+            <a:r>
               <a:rPr lang="zh-CN" altLang="en-US" dirty="0"/>
               <a:t>请在插入菜单</a:t>
             </a:r>
@@ -12175,7 +12355,7 @@
             <a:fld id="{5DD3DB80-B894-403A-B48E-6FDC1A72010E}" type="slidenum">
               <a:rPr lang="zh-CN" altLang="en-US" smtClean="0"/>
               <a:pPr/>
-              <a:t>18</a:t>
+              <a:t>19</a:t>
             </a:fld>
             <a:endParaRPr lang="zh-CN" altLang="en-US"/>
           </a:p>
@@ -12264,226 +12444,6 @@
 </p:sld>
 </file>
 
-<file path=ppt/slides/slide19.xml><?xml version="1.0" encoding="utf-8"?>
-<p:sld xmlns:a="http://schemas.openxmlformats.org/drawingml/2006/main" xmlns:r="http://schemas.openxmlformats.org/officeDocument/2006/relationships" xmlns:p="http://schemas.openxmlformats.org/presentationml/2006/main">
-  <p:cSld>
-    <p:spTree>
-      <p:nvGrpSpPr>
-        <p:cNvPr id="1" name=""/>
-        <p:cNvGrpSpPr/>
-        <p:nvPr/>
-      </p:nvGrpSpPr>
-      <p:grpSpPr>
-        <a:xfrm>
-          <a:off x="0" y="0"/>
-          <a:ext cx="0" cy="0"/>
-          <a:chOff x="0" y="0"/>
-          <a:chExt cx="0" cy="0"/>
-        </a:xfrm>
-      </p:grpSpPr>
-      <p:sp>
-        <p:nvSpPr>
-          <p:cNvPr id="2" name="頁尾版面配置區 1"/>
-          <p:cNvSpPr>
-            <a:spLocks noGrp="1"/>
-          </p:cNvSpPr>
-          <p:nvPr>
-            <p:ph type="ftr" sz="quarter" idx="11"/>
-          </p:nvPr>
-        </p:nvSpPr>
-        <p:spPr/>
-        <p:txBody>
-          <a:bodyPr/>
-          <a:lstStyle/>
-          <a:p>
-            <a:r>
-              <a:rPr lang="zh-CN" altLang="en-US"/>
-              <a:t>请在插入菜单</a:t>
-            </a:r>
-            <a:r>
-              <a:rPr lang="en-US" altLang="zh-CN"/>
-              <a:t>—</a:t>
-            </a:r>
-            <a:r>
-              <a:rPr lang="zh-CN" altLang="en-US"/>
-              <a:t>页眉和页脚中修改此文本</a:t>
-            </a:r>
-            <a:endParaRPr lang="zh-CN" altLang="en-US" dirty="0"/>
-          </a:p>
-        </p:txBody>
-      </p:sp>
-      <p:sp>
-        <p:nvSpPr>
-          <p:cNvPr id="3" name="投影片編號版面配置區 2"/>
-          <p:cNvSpPr>
-            <a:spLocks noGrp="1"/>
-          </p:cNvSpPr>
-          <p:nvPr>
-            <p:ph type="sldNum" sz="quarter" idx="12"/>
-          </p:nvPr>
-        </p:nvSpPr>
-        <p:spPr/>
-        <p:txBody>
-          <a:bodyPr/>
-          <a:lstStyle/>
-          <a:p>
-            <a:fld id="{5DD3DB80-B894-403A-B48E-6FDC1A72010E}" type="slidenum">
-              <a:rPr lang="zh-CN" altLang="en-US" smtClean="0"/>
-              <a:pPr/>
-              <a:t>19</a:t>
-            </a:fld>
-            <a:endParaRPr lang="zh-CN" altLang="en-US"/>
-          </a:p>
-        </p:txBody>
-      </p:sp>
-      <p:sp>
-        <p:nvSpPr>
-          <p:cNvPr id="4" name="標題 3"/>
-          <p:cNvSpPr>
-            <a:spLocks noGrp="1"/>
-          </p:cNvSpPr>
-          <p:nvPr>
-            <p:ph type="title"/>
-          </p:nvPr>
-        </p:nvSpPr>
-        <p:spPr/>
-        <p:txBody>
-          <a:bodyPr/>
-          <a:lstStyle/>
-          <a:p>
-            <a:r>
-              <a:rPr lang="en-US" altLang="zh-TW" dirty="0"/>
-              <a:t>RNN</a:t>
-            </a:r>
-            <a:r>
-              <a:rPr lang="zh-TW" altLang="en-US" dirty="0"/>
-              <a:t>特點</a:t>
-            </a:r>
-          </a:p>
-        </p:txBody>
-      </p:sp>
-      <p:sp>
-        <p:nvSpPr>
-          <p:cNvPr id="5" name="內容版面配置區 4"/>
-          <p:cNvSpPr>
-            <a:spLocks noGrp="1"/>
-          </p:cNvSpPr>
-          <p:nvPr>
-            <p:ph sz="quarter" idx="13"/>
-          </p:nvPr>
-        </p:nvSpPr>
-        <p:spPr/>
-        <p:txBody>
-          <a:bodyPr/>
-          <a:lstStyle/>
-          <a:p>
-            <a:r>
-              <a:rPr lang="en-US" altLang="zh-CN" dirty="0"/>
-              <a:t>1.RNNs</a:t>
-            </a:r>
-            <a:r>
-              <a:rPr lang="zh-CN" altLang="en-US" dirty="0"/>
-              <a:t>主要用于处理序列数据。对于传统神经网络模型，从输入层到隐含层再到输出层，层与层之间一般为全连接，每层之间神经元是无连接的。但是传统神经网络无法处理数据间的前后关联问题。例如，为了预测句子的下一个单词，一般需要该词之前的语义信息。这是因为一个句子中前后单词是存在语义联系的。</a:t>
-            </a:r>
-            <a:endParaRPr lang="en-US" altLang="zh-CN" dirty="0"/>
-          </a:p>
-          <a:p>
-            <a:endParaRPr lang="zh-CN" altLang="en-US" dirty="0"/>
-          </a:p>
-          <a:p>
-            <a:r>
-              <a:rPr lang="en-US" altLang="zh-CN" dirty="0"/>
-              <a:t>2.RNNs</a:t>
-            </a:r>
-            <a:r>
-              <a:rPr lang="zh-CN" altLang="en-US" dirty="0"/>
-              <a:t>中当前单元的输出与之前步骤输出也有关，因此称之为循环神经网络。具体的表现形式为当前单元会对之前步骤信息进行储存并应用于当前输出的计算中。隐藏层之间的节点连接起来，隐藏层当前输出由当前时刻输入向量和之前时刻隐藏层状态共同决定。</a:t>
-            </a:r>
-            <a:endParaRPr lang="en-US" altLang="zh-CN" dirty="0"/>
-          </a:p>
-          <a:p>
-            <a:endParaRPr lang="zh-CN" altLang="en-US" dirty="0"/>
-          </a:p>
-          <a:p>
-            <a:r>
-              <a:rPr lang="en-US" altLang="zh-CN" dirty="0"/>
-              <a:t>3.</a:t>
-            </a:r>
-            <a:r>
-              <a:rPr lang="zh-CN" altLang="en-US" dirty="0"/>
-              <a:t>标准的</a:t>
-            </a:r>
-            <a:r>
-              <a:rPr lang="en-US" altLang="zh-CN" dirty="0"/>
-              <a:t>RNNs</a:t>
-            </a:r>
-            <a:r>
-              <a:rPr lang="zh-CN" altLang="en-US" dirty="0"/>
-              <a:t>结构图，图中每个箭头代表做一次变换，也就是说箭头连接带有权值。</a:t>
-            </a:r>
-            <a:endParaRPr lang="en-US" altLang="zh-CN" dirty="0"/>
-          </a:p>
-          <a:p>
-            <a:endParaRPr lang="zh-CN" altLang="en-US" dirty="0"/>
-          </a:p>
-          <a:p>
-            <a:r>
-              <a:rPr lang="en-US" altLang="zh-CN" dirty="0"/>
-              <a:t>4.</a:t>
-            </a:r>
-            <a:r>
-              <a:rPr lang="zh-CN" altLang="en-US" dirty="0"/>
-              <a:t>在标准的</a:t>
-            </a:r>
-            <a:r>
-              <a:rPr lang="en-US" altLang="zh-CN" dirty="0"/>
-              <a:t>RNN</a:t>
-            </a:r>
-            <a:r>
-              <a:rPr lang="zh-CN" altLang="en-US" dirty="0"/>
-              <a:t>结构中，隐层的神经元之间也是带有权值的，且权值共享。</a:t>
-            </a:r>
-            <a:endParaRPr lang="en-US" altLang="zh-CN" dirty="0"/>
-          </a:p>
-          <a:p>
-            <a:endParaRPr lang="zh-CN" altLang="en-US" dirty="0"/>
-          </a:p>
-          <a:p>
-            <a:r>
-              <a:rPr lang="en-US" altLang="zh-CN" dirty="0"/>
-              <a:t>5.</a:t>
-            </a:r>
-            <a:r>
-              <a:rPr lang="zh-CN" altLang="en-US" dirty="0"/>
-              <a:t>理论上，</a:t>
-            </a:r>
-            <a:r>
-              <a:rPr lang="en-US" altLang="zh-CN" dirty="0"/>
-              <a:t>RNNs</a:t>
-            </a:r>
-            <a:r>
-              <a:rPr lang="zh-CN" altLang="en-US" dirty="0"/>
-              <a:t>能够对任何长度序列数据进行处理。但是在实践中，为了降低复杂度往往假设当前的状态只与之前某几个时刻状态相关</a:t>
-            </a:r>
-          </a:p>
-          <a:p>
-            <a:endParaRPr lang="zh-TW" altLang="en-US" dirty="0"/>
-          </a:p>
-        </p:txBody>
-      </p:sp>
-    </p:spTree>
-    <p:extLst>
-      <p:ext uri="{BB962C8B-B14F-4D97-AF65-F5344CB8AC3E}">
-        <p14:creationId xmlns:p14="http://schemas.microsoft.com/office/powerpoint/2010/main" val="3151520996"/>
-      </p:ext>
-    </p:extLst>
-  </p:cSld>
-  <p:clrMapOvr>
-    <a:masterClrMapping/>
-  </p:clrMapOvr>
-</p:sld>
-</file>
-
 <file path=ppt/slides/slide2.xml><?xml version="1.0" encoding="utf-8"?>
 <p:sld xmlns:a="http://schemas.openxmlformats.org/drawingml/2006/main" xmlns:r="http://schemas.openxmlformats.org/officeDocument/2006/relationships" xmlns:p="http://schemas.openxmlformats.org/presentationml/2006/main">
   <p:cSld>
@@ -12506,7 +12466,7 @@
           <p:cNvPr id="2" name="íSliḓè">
             <a:extLst>
               <a:ext uri="{FF2B5EF4-FFF2-40B4-BE49-F238E27FC236}">
-                <a16:creationId xmlns="" xmlns:a16="http://schemas.microsoft.com/office/drawing/2014/main" id="{C0498D3A-B738-48EC-A39C-94C58B88932B}"/>
+                <a16:creationId xmlns:a16="http://schemas.microsoft.com/office/drawing/2014/main" xmlns="" id="{C0498D3A-B738-48EC-A39C-94C58B88932B}"/>
               </a:ext>
             </a:extLst>
           </p:cNvPr>
@@ -12526,7 +12486,7 @@
             <p:cNvPr id="6" name="íSļïdè" descr="本素材由iSlide™ 提供&#10;iSlide™尊重知识产权并注重保护用户享有的各项权利。郑重提醒您：&#10;iSlide™插件中提供的任何信息内容的所有权、知识产权归其原始权利人或权利受让人所有，您免费/购买获得的是信息内容的使用权，并受下述条款的约束；&#10;1. 您仅可以个人非商业用途使用该等信息内容，不可将信息内容的全部或部分用于出售，或以出租、出借、转让、分销、发布等其他任何方式供他人使用；&#10;2. 禁止在接入互联网或移动互联网的任何网站、平台、应用或程序上以任何方式为他人提供iSlide™插件资源内容的下载。&#10;The resource is supplied by iSlide™.&#10;iSlide™ respects all intellectual property rights and protects all the rights its users acquired.Solemnly remind you:&#10;The ownership and intellectual property of the resources supplied in iSlide Add-in belongs to its owner or the assignee of this ownership.you only acquired the usage of the resources supplied in iSlide Add-in, as well as respected the following restrain terms:&#10;1.You are only allowed to use such resource for personal and non-commercial aim, not allowed to use such resource or part of it for the sale; or rent, lend, transfer to others; or distribution or release it in any way.&#10;2.You are not permitted to provide the resource of iSlide Add-in in any website, platform, application access to the Internet or mobile Internet." title="iSlide™ 版权声明  COPYRIGHT NOTICE">
               <a:extLst>
                 <a:ext uri="{FF2B5EF4-FFF2-40B4-BE49-F238E27FC236}">
-                  <a16:creationId xmlns="" xmlns:a16="http://schemas.microsoft.com/office/drawing/2014/main" id="{A759C196-DA28-4241-ABB5-975367026FE9}"/>
+                  <a16:creationId xmlns:a16="http://schemas.microsoft.com/office/drawing/2014/main" xmlns="" id="{A759C196-DA28-4241-ABB5-975367026FE9}"/>
                 </a:ext>
               </a:extLst>
             </p:cNvPr>
@@ -12548,7 +12508,7 @@
               <p:cNvPr id="7" name="îṩḷiḓè">
                 <a:extLst>
                   <a:ext uri="{FF2B5EF4-FFF2-40B4-BE49-F238E27FC236}">
-                    <a16:creationId xmlns="" xmlns:a16="http://schemas.microsoft.com/office/drawing/2014/main" id="{48F70259-7598-4270-874A-6F50772D10F6}"/>
+                    <a16:creationId xmlns:a16="http://schemas.microsoft.com/office/drawing/2014/main" xmlns="" id="{48F70259-7598-4270-874A-6F50772D10F6}"/>
                   </a:ext>
                 </a:extLst>
               </p:cNvPr>
@@ -12800,7 +12760,7 @@
               <p:cNvPr id="8" name="îŝľiḋê">
                 <a:extLst>
                   <a:ext uri="{FF2B5EF4-FFF2-40B4-BE49-F238E27FC236}">
-                    <a16:creationId xmlns="" xmlns:a16="http://schemas.microsoft.com/office/drawing/2014/main" id="{DA1FB18E-FA01-4588-BEF9-FB96A98A84D4}"/>
+                    <a16:creationId xmlns:a16="http://schemas.microsoft.com/office/drawing/2014/main" xmlns="" id="{DA1FB18E-FA01-4588-BEF9-FB96A98A84D4}"/>
                   </a:ext>
                 </a:extLst>
               </p:cNvPr>
@@ -12839,7 +12799,7 @@
               <p:cNvPr id="9" name="ïsľiďé">
                 <a:extLst>
                   <a:ext uri="{FF2B5EF4-FFF2-40B4-BE49-F238E27FC236}">
-                    <a16:creationId xmlns="" xmlns:a16="http://schemas.microsoft.com/office/drawing/2014/main" id="{0DB1D0A1-2667-455C-9387-D7ABF0A00B8C}"/>
+                    <a16:creationId xmlns:a16="http://schemas.microsoft.com/office/drawing/2014/main" xmlns="" id="{0DB1D0A1-2667-455C-9387-D7ABF0A00B8C}"/>
                   </a:ext>
                 </a:extLst>
               </p:cNvPr>
@@ -12911,7 +12871,7 @@
             <p:cNvPr id="10" name="ïṩļiḋe">
               <a:extLst>
                 <a:ext uri="{FF2B5EF4-FFF2-40B4-BE49-F238E27FC236}">
-                  <a16:creationId xmlns="" xmlns:a16="http://schemas.microsoft.com/office/drawing/2014/main" id="{ADAD6BE3-DC11-4582-9F68-50D831ADD001}"/>
+                  <a16:creationId xmlns:a16="http://schemas.microsoft.com/office/drawing/2014/main" xmlns="" id="{ADAD6BE3-DC11-4582-9F68-50D831ADD001}"/>
                 </a:ext>
               </a:extLst>
             </p:cNvPr>
@@ -13717,6 +13677,226 @@
           <a:lstStyle/>
           <a:p>
             <a:r>
+              <a:rPr lang="en-US" altLang="zh-TW" dirty="0"/>
+              <a:t>RNN</a:t>
+            </a:r>
+            <a:r>
+              <a:rPr lang="zh-TW" altLang="en-US" dirty="0"/>
+              <a:t>特點</a:t>
+            </a:r>
+          </a:p>
+        </p:txBody>
+      </p:sp>
+      <p:sp>
+        <p:nvSpPr>
+          <p:cNvPr id="5" name="內容版面配置區 4"/>
+          <p:cNvSpPr>
+            <a:spLocks noGrp="1"/>
+          </p:cNvSpPr>
+          <p:nvPr>
+            <p:ph sz="quarter" idx="13"/>
+          </p:nvPr>
+        </p:nvSpPr>
+        <p:spPr/>
+        <p:txBody>
+          <a:bodyPr/>
+          <a:lstStyle/>
+          <a:p>
+            <a:r>
+              <a:rPr lang="en-US" altLang="zh-CN" dirty="0"/>
+              <a:t>1.RNNs</a:t>
+            </a:r>
+            <a:r>
+              <a:rPr lang="zh-CN" altLang="en-US" dirty="0"/>
+              <a:t>主要用于处理序列数据。对于传统神经网络模型，从输入层到隐含层再到输出层，层与层之间一般为全连接，每层之间神经元是无连接的。但是传统神经网络无法处理数据间的前后关联问题。例如，为了预测句子的下一个单词，一般需要该词之前的语义信息。这是因为一个句子中前后单词是存在语义联系的。</a:t>
+            </a:r>
+            <a:endParaRPr lang="en-US" altLang="zh-CN" dirty="0"/>
+          </a:p>
+          <a:p>
+            <a:endParaRPr lang="zh-CN" altLang="en-US" dirty="0"/>
+          </a:p>
+          <a:p>
+            <a:r>
+              <a:rPr lang="en-US" altLang="zh-CN" dirty="0"/>
+              <a:t>2.RNNs</a:t>
+            </a:r>
+            <a:r>
+              <a:rPr lang="zh-CN" altLang="en-US" dirty="0"/>
+              <a:t>中当前单元的输出与之前步骤输出也有关，因此称之为循环神经网络。具体的表现形式为当前单元会对之前步骤信息进行储存并应用于当前输出的计算中。隐藏层之间的节点连接起来，隐藏层当前输出由当前时刻输入向量和之前时刻隐藏层状态共同决定。</a:t>
+            </a:r>
+            <a:endParaRPr lang="en-US" altLang="zh-CN" dirty="0"/>
+          </a:p>
+          <a:p>
+            <a:endParaRPr lang="zh-CN" altLang="en-US" dirty="0"/>
+          </a:p>
+          <a:p>
+            <a:r>
+              <a:rPr lang="en-US" altLang="zh-CN" dirty="0"/>
+              <a:t>3.</a:t>
+            </a:r>
+            <a:r>
+              <a:rPr lang="zh-CN" altLang="en-US" dirty="0"/>
+              <a:t>标准的</a:t>
+            </a:r>
+            <a:r>
+              <a:rPr lang="en-US" altLang="zh-CN" dirty="0"/>
+              <a:t>RNNs</a:t>
+            </a:r>
+            <a:r>
+              <a:rPr lang="zh-CN" altLang="en-US" dirty="0"/>
+              <a:t>结构图，图中每个箭头代表做一次变换，也就是说箭头连接带有权值。</a:t>
+            </a:r>
+            <a:endParaRPr lang="en-US" altLang="zh-CN" dirty="0"/>
+          </a:p>
+          <a:p>
+            <a:endParaRPr lang="zh-CN" altLang="en-US" dirty="0"/>
+          </a:p>
+          <a:p>
+            <a:r>
+              <a:rPr lang="en-US" altLang="zh-CN" dirty="0"/>
+              <a:t>4.</a:t>
+            </a:r>
+            <a:r>
+              <a:rPr lang="zh-CN" altLang="en-US" dirty="0"/>
+              <a:t>在标准的</a:t>
+            </a:r>
+            <a:r>
+              <a:rPr lang="en-US" altLang="zh-CN" dirty="0"/>
+              <a:t>RNN</a:t>
+            </a:r>
+            <a:r>
+              <a:rPr lang="zh-CN" altLang="en-US" dirty="0"/>
+              <a:t>结构中，隐层的神经元之间也是带有权值的，且权值共享。</a:t>
+            </a:r>
+            <a:endParaRPr lang="en-US" altLang="zh-CN" dirty="0"/>
+          </a:p>
+          <a:p>
+            <a:endParaRPr lang="zh-CN" altLang="en-US" dirty="0"/>
+          </a:p>
+          <a:p>
+            <a:r>
+              <a:rPr lang="en-US" altLang="zh-CN" dirty="0"/>
+              <a:t>5.</a:t>
+            </a:r>
+            <a:r>
+              <a:rPr lang="zh-CN" altLang="en-US" dirty="0"/>
+              <a:t>理论上，</a:t>
+            </a:r>
+            <a:r>
+              <a:rPr lang="en-US" altLang="zh-CN" dirty="0"/>
+              <a:t>RNNs</a:t>
+            </a:r>
+            <a:r>
+              <a:rPr lang="zh-CN" altLang="en-US" dirty="0"/>
+              <a:t>能够对任何长度序列数据进行处理。但是在实践中，为了降低复杂度往往假设当前的状态只与之前某几个时刻状态相关</a:t>
+            </a:r>
+          </a:p>
+          <a:p>
+            <a:endParaRPr lang="zh-TW" altLang="en-US" dirty="0"/>
+          </a:p>
+        </p:txBody>
+      </p:sp>
+    </p:spTree>
+    <p:extLst>
+      <p:ext uri="{BB962C8B-B14F-4D97-AF65-F5344CB8AC3E}">
+        <p14:creationId xmlns:p14="http://schemas.microsoft.com/office/powerpoint/2010/main" val="3151520996"/>
+      </p:ext>
+    </p:extLst>
+  </p:cSld>
+  <p:clrMapOvr>
+    <a:masterClrMapping/>
+  </p:clrMapOvr>
+</p:sld>
+</file>
+
+<file path=ppt/slides/slide21.xml><?xml version="1.0" encoding="utf-8"?>
+<p:sld xmlns:a="http://schemas.openxmlformats.org/drawingml/2006/main" xmlns:r="http://schemas.openxmlformats.org/officeDocument/2006/relationships" xmlns:p="http://schemas.openxmlformats.org/presentationml/2006/main">
+  <p:cSld>
+    <p:spTree>
+      <p:nvGrpSpPr>
+        <p:cNvPr id="1" name=""/>
+        <p:cNvGrpSpPr/>
+        <p:nvPr/>
+      </p:nvGrpSpPr>
+      <p:grpSpPr>
+        <a:xfrm>
+          <a:off x="0" y="0"/>
+          <a:ext cx="0" cy="0"/>
+          <a:chOff x="0" y="0"/>
+          <a:chExt cx="0" cy="0"/>
+        </a:xfrm>
+      </p:grpSpPr>
+      <p:sp>
+        <p:nvSpPr>
+          <p:cNvPr id="2" name="頁尾版面配置區 1"/>
+          <p:cNvSpPr>
+            <a:spLocks noGrp="1"/>
+          </p:cNvSpPr>
+          <p:nvPr>
+            <p:ph type="ftr" sz="quarter" idx="11"/>
+          </p:nvPr>
+        </p:nvSpPr>
+        <p:spPr/>
+        <p:txBody>
+          <a:bodyPr/>
+          <a:lstStyle/>
+          <a:p>
+            <a:r>
+              <a:rPr lang="zh-CN" altLang="en-US"/>
+              <a:t>请在插入菜单</a:t>
+            </a:r>
+            <a:r>
+              <a:rPr lang="en-US" altLang="zh-CN"/>
+              <a:t>—</a:t>
+            </a:r>
+            <a:r>
+              <a:rPr lang="zh-CN" altLang="en-US"/>
+              <a:t>页眉和页脚中修改此文本</a:t>
+            </a:r>
+            <a:endParaRPr lang="zh-CN" altLang="en-US" dirty="0"/>
+          </a:p>
+        </p:txBody>
+      </p:sp>
+      <p:sp>
+        <p:nvSpPr>
+          <p:cNvPr id="3" name="投影片編號版面配置區 2"/>
+          <p:cNvSpPr>
+            <a:spLocks noGrp="1"/>
+          </p:cNvSpPr>
+          <p:nvPr>
+            <p:ph type="sldNum" sz="quarter" idx="12"/>
+          </p:nvPr>
+        </p:nvSpPr>
+        <p:spPr/>
+        <p:txBody>
+          <a:bodyPr/>
+          <a:lstStyle/>
+          <a:p>
+            <a:fld id="{5DD3DB80-B894-403A-B48E-6FDC1A72010E}" type="slidenum">
+              <a:rPr lang="zh-CN" altLang="en-US" smtClean="0"/>
+              <a:pPr/>
+              <a:t>21</a:t>
+            </a:fld>
+            <a:endParaRPr lang="zh-CN" altLang="en-US"/>
+          </a:p>
+        </p:txBody>
+      </p:sp>
+      <p:sp>
+        <p:nvSpPr>
+          <p:cNvPr id="4" name="標題 3"/>
+          <p:cNvSpPr>
+            <a:spLocks noGrp="1"/>
+          </p:cNvSpPr>
+          <p:nvPr>
+            <p:ph type="title"/>
+          </p:nvPr>
+        </p:nvSpPr>
+        <p:spPr/>
+        <p:txBody>
+          <a:bodyPr/>
+          <a:lstStyle/>
+          <a:p>
+            <a:r>
               <a:rPr lang="zh-TW" altLang="en-US" dirty="0"/>
               <a:t>典型</a:t>
             </a:r>
@@ -13804,7 +13984,7 @@
 </p:sld>
 </file>
 
-<file path=ppt/slides/slide21.xml><?xml version="1.0" encoding="utf-8"?>
+<file path=ppt/slides/slide22.xml><?xml version="1.0" encoding="utf-8"?>
 <p:sld xmlns:a="http://schemas.openxmlformats.org/drawingml/2006/main" xmlns:r="http://schemas.openxmlformats.org/officeDocument/2006/relationships" xmlns:p="http://schemas.openxmlformats.org/presentationml/2006/main">
   <p:cSld>
     <p:spTree>
@@ -13853,7 +14033,7 @@
           <p:cNvPr id="9" name="î$ḷíḋé">
             <a:extLst>
               <a:ext uri="{FF2B5EF4-FFF2-40B4-BE49-F238E27FC236}">
-                <a16:creationId xmlns="" xmlns:a16="http://schemas.microsoft.com/office/drawing/2014/main" id="{04F69230-F3A6-4586-9371-A858F4763E9F}"/>
+                <a16:creationId xmlns:a16="http://schemas.microsoft.com/office/drawing/2014/main" xmlns="" id="{04F69230-F3A6-4586-9371-A858F4763E9F}"/>
               </a:ext>
             </a:extLst>
           </p:cNvPr>
@@ -13957,7 +14137,7 @@
 </p:sld>
 </file>
 
-<file path=ppt/slides/slide22.xml><?xml version="1.0" encoding="utf-8"?>
+<file path=ppt/slides/slide23.xml><?xml version="1.0" encoding="utf-8"?>
 <p:sld xmlns:a="http://schemas.openxmlformats.org/drawingml/2006/main" xmlns:r="http://schemas.openxmlformats.org/officeDocument/2006/relationships" xmlns:p="http://schemas.openxmlformats.org/presentationml/2006/main">
   <p:cSld>
     <p:spTree>
@@ -14023,7 +14203,7 @@
             <a:fld id="{5DD3DB80-B894-403A-B48E-6FDC1A72010E}" type="slidenum">
               <a:rPr lang="zh-CN" altLang="en-US" smtClean="0"/>
               <a:pPr/>
-              <a:t>22</a:t>
+              <a:t>23</a:t>
             </a:fld>
             <a:endParaRPr lang="zh-CN" altLang="en-US"/>
           </a:p>
@@ -14299,7 +14479,7 @@
 </p:sld>
 </file>
 
-<file path=ppt/slides/slide23.xml><?xml version="1.0" encoding="utf-8"?>
+<file path=ppt/slides/slide24.xml><?xml version="1.0" encoding="utf-8"?>
 <p:sld xmlns:a="http://schemas.openxmlformats.org/drawingml/2006/main" xmlns:r="http://schemas.openxmlformats.org/officeDocument/2006/relationships" xmlns:p="http://schemas.openxmlformats.org/presentationml/2006/main">
   <p:cSld>
     <p:spTree>
@@ -14365,7 +14545,7 @@
             <a:fld id="{5DD3DB80-B894-403A-B48E-6FDC1A72010E}" type="slidenum">
               <a:rPr lang="zh-CN" altLang="en-US" smtClean="0"/>
               <a:pPr/>
-              <a:t>23</a:t>
+              <a:t>24</a:t>
             </a:fld>
             <a:endParaRPr lang="zh-CN" altLang="en-US"/>
           </a:p>
@@ -14471,7 +14651,7 @@
 </p:sld>
 </file>
 
-<file path=ppt/slides/slide24.xml><?xml version="1.0" encoding="utf-8"?>
+<file path=ppt/slides/slide25.xml><?xml version="1.0" encoding="utf-8"?>
 <p:sld xmlns:a="http://schemas.openxmlformats.org/drawingml/2006/main" xmlns:r="http://schemas.openxmlformats.org/officeDocument/2006/relationships" xmlns:p="http://schemas.openxmlformats.org/presentationml/2006/main">
   <p:cSld>
     <p:spTree>
@@ -14516,7 +14696,7 @@
           <p:cNvPr id="9" name="î$ḷíḋé">
             <a:extLst>
               <a:ext uri="{FF2B5EF4-FFF2-40B4-BE49-F238E27FC236}">
-                <a16:creationId xmlns="" xmlns:a16="http://schemas.microsoft.com/office/drawing/2014/main" id="{04F69230-F3A6-4586-9371-A858F4763E9F}"/>
+                <a16:creationId xmlns:a16="http://schemas.microsoft.com/office/drawing/2014/main" xmlns="" id="{04F69230-F3A6-4586-9371-A858F4763E9F}"/>
               </a:ext>
             </a:extLst>
           </p:cNvPr>
@@ -14620,7 +14800,7 @@
 </p:sld>
 </file>
 
-<file path=ppt/slides/slide25.xml><?xml version="1.0" encoding="utf-8"?>
+<file path=ppt/slides/slide26.xml><?xml version="1.0" encoding="utf-8"?>
 <p:sld xmlns:a="http://schemas.openxmlformats.org/drawingml/2006/main" xmlns:r="http://schemas.openxmlformats.org/officeDocument/2006/relationships" xmlns:p="http://schemas.openxmlformats.org/presentationml/2006/main">
   <p:cSld>
     <p:spTree>
@@ -14642,7 +14822,7 @@
           <p:cNvPr id="4" name="標題 3">
             <a:extLst>
               <a:ext uri="{FF2B5EF4-FFF2-40B4-BE49-F238E27FC236}">
-                <a16:creationId xmlns="" xmlns:a16="http://schemas.microsoft.com/office/drawing/2014/main" id="{DBF93AE9-6C3C-43A2-A10D-A15C50A25746}"/>
+                <a16:creationId xmlns:a16="http://schemas.microsoft.com/office/drawing/2014/main" xmlns="" id="{DBF93AE9-6C3C-43A2-A10D-A15C50A25746}"/>
               </a:ext>
             </a:extLst>
           </p:cNvPr>
@@ -14671,7 +14851,7 @@
           <p:cNvPr id="7" name="內容版面配置區 6">
             <a:extLst>
               <a:ext uri="{FF2B5EF4-FFF2-40B4-BE49-F238E27FC236}">
-                <a16:creationId xmlns="" xmlns:a16="http://schemas.microsoft.com/office/drawing/2014/main" id="{E7D68A11-0594-451B-B564-C1C4E791DF02}"/>
+                <a16:creationId xmlns:a16="http://schemas.microsoft.com/office/drawing/2014/main" xmlns="" id="{E7D68A11-0594-451B-B564-C1C4E791DF02}"/>
               </a:ext>
             </a:extLst>
           </p:cNvPr>
@@ -14689,7 +14869,7 @@
                 <a14:useLocalDpi xmlns:a14="http://schemas.microsoft.com/office/drawing/2010/main" val="0"/>
               </a:ext>
               <a:ext uri="{96DAC541-7B7A-43D3-8B79-37D633B846F1}">
-                <asvg:svgBlip xmlns="" xmlns:asvg="http://schemas.microsoft.com/office/drawing/2016/SVG/main" r:embed="rId3"/>
+                <asvg:svgBlip xmlns:asvg="http://schemas.microsoft.com/office/drawing/2016/SVG/main" xmlns="" r:embed="rId3"/>
               </a:ext>
             </a:extLst>
           </a:blip>
@@ -14717,7 +14897,7 @@
 </p:sld>
 </file>
 
-<file path=ppt/slides/slide26.xml><?xml version="1.0" encoding="utf-8"?>
+<file path=ppt/slides/slide27.xml><?xml version="1.0" encoding="utf-8"?>
 <p:sld xmlns:a="http://schemas.openxmlformats.org/drawingml/2006/main" xmlns:r="http://schemas.openxmlformats.org/officeDocument/2006/relationships" xmlns:p="http://schemas.openxmlformats.org/presentationml/2006/main">
   <p:cSld>
     <p:spTree>
@@ -14791,7 +14971,7 @@
             <a:fld id="{5DD3DB80-B894-403A-B48E-6FDC1A72010E}" type="slidenum">
               <a:rPr lang="zh-CN" altLang="en-US" smtClean="0"/>
               <a:pPr/>
-              <a:t>26</a:t>
+              <a:t>27</a:t>
             </a:fld>
             <a:endParaRPr lang="zh-CN" altLang="en-US"/>
           </a:p>
@@ -14888,7 +15068,7 @@
 </p:sld>
 </file>
 
-<file path=ppt/slides/slide27.xml><?xml version="1.0" encoding="utf-8"?>
+<file path=ppt/slides/slide28.xml><?xml version="1.0" encoding="utf-8"?>
 <p:sld xmlns:a="http://schemas.openxmlformats.org/drawingml/2006/main" xmlns:r="http://schemas.openxmlformats.org/officeDocument/2006/relationships" xmlns:p="http://schemas.openxmlformats.org/presentationml/2006/main">
   <p:cSld>
     <p:spTree>
@@ -14910,7 +15090,7 @@
           <p:cNvPr id="3" name="íṡḻiḓé" hidden="1">
             <a:extLst>
               <a:ext uri="{FF2B5EF4-FFF2-40B4-BE49-F238E27FC236}">
-                <a16:creationId xmlns="" xmlns:a16="http://schemas.microsoft.com/office/drawing/2014/main" id="{A6A819F1-33AF-45D7-8BF6-2B0A9769CAD4}"/>
+                <a16:creationId xmlns:a16="http://schemas.microsoft.com/office/drawing/2014/main" xmlns="" id="{A6A819F1-33AF-45D7-8BF6-2B0A9769CAD4}"/>
               </a:ext>
             </a:extLst>
           </p:cNvPr>
@@ -14933,7 +15113,7 @@
           <a:graphicData uri="http://schemas.openxmlformats.org/presentationml/2006/ole">
             <mc:AlternateContent xmlns:mc="http://schemas.openxmlformats.org/markup-compatibility/2006">
               <mc:Choice xmlns:v="urn:schemas-microsoft-com:vml" Requires="v">
-                <p:oleObj spid="_x0000_s3128" name="think-cell Slide" r:id="rId5" imgW="347" imgH="348" progId="TCLayout.ActiveDocument.1">
+                <p:oleObj spid="_x0000_s3130" name="think-cell Slide" r:id="rId5" imgW="347" imgH="348" progId="TCLayout.ActiveDocument.1">
                   <p:embed/>
                 </p:oleObj>
               </mc:Choice>
@@ -14945,7 +15125,7 @@
                       <p:cNvPr id="3" name="íṩ1iḑé" hidden="1">
                         <a:extLst>
                           <a:ext uri="{FF2B5EF4-FFF2-40B4-BE49-F238E27FC236}">
-                            <a16:creationId xmlns="" xmlns:a16="http://schemas.microsoft.com/office/drawing/2014/main" id="{A6A819F1-33AF-45D7-8BF6-2B0A9769CAD4}"/>
+                            <a16:creationId xmlns:a16="http://schemas.microsoft.com/office/drawing/2014/main" xmlns="" id="{A6A819F1-33AF-45D7-8BF6-2B0A9769CAD4}"/>
                           </a:ext>
                         </a:extLst>
                       </p:cNvPr>
@@ -14979,7 +15159,7 @@
           <p:cNvPr id="2" name="išľïďe" hidden="1">
             <a:extLst>
               <a:ext uri="{FF2B5EF4-FFF2-40B4-BE49-F238E27FC236}">
-                <a16:creationId xmlns="" xmlns:a16="http://schemas.microsoft.com/office/drawing/2014/main" id="{FF51F16D-1BAD-46EE-A6F4-B8B94C9DF628}"/>
+                <a16:creationId xmlns:a16="http://schemas.microsoft.com/office/drawing/2014/main" xmlns="" id="{FF51F16D-1BAD-46EE-A6F4-B8B94C9DF628}"/>
               </a:ext>
             </a:extLst>
           </p:cNvPr>
@@ -15143,7 +15323,7 @@
           <p:cNvPr id="13" name="îṣlíḍe">
             <a:extLst>
               <a:ext uri="{FF2B5EF4-FFF2-40B4-BE49-F238E27FC236}">
-                <a16:creationId xmlns="" xmlns:a16="http://schemas.microsoft.com/office/drawing/2014/main" id="{394FC8CD-4FAD-452B-A6ED-A378816FAA36}"/>
+                <a16:creationId xmlns:a16="http://schemas.microsoft.com/office/drawing/2014/main" xmlns="" id="{394FC8CD-4FAD-452B-A6ED-A378816FAA36}"/>
               </a:ext>
             </a:extLst>
           </p:cNvPr>
@@ -15186,7 +15366,7 @@
           <p:cNvPr id="14" name="ïSḻíďê">
             <a:extLst>
               <a:ext uri="{FF2B5EF4-FFF2-40B4-BE49-F238E27FC236}">
-                <a16:creationId xmlns="" xmlns:a16="http://schemas.microsoft.com/office/drawing/2014/main" id="{7C549D2A-4C2D-40D9-B2D1-E96901BFF877}"/>
+                <a16:creationId xmlns:a16="http://schemas.microsoft.com/office/drawing/2014/main" xmlns="" id="{7C549D2A-4C2D-40D9-B2D1-E96901BFF877}"/>
               </a:ext>
             </a:extLst>
           </p:cNvPr>
@@ -15289,7 +15469,7 @@
           <p:cNvPr id="9" name="î$ḷíḋé">
             <a:extLst>
               <a:ext uri="{FF2B5EF4-FFF2-40B4-BE49-F238E27FC236}">
-                <a16:creationId xmlns="" xmlns:a16="http://schemas.microsoft.com/office/drawing/2014/main" id="{04F69230-F3A6-4586-9371-A858F4763E9F}"/>
+                <a16:creationId xmlns:a16="http://schemas.microsoft.com/office/drawing/2014/main" xmlns="" id="{04F69230-F3A6-4586-9371-A858F4763E9F}"/>
               </a:ext>
             </a:extLst>
           </p:cNvPr>
@@ -16704,7 +16884,7 @@
           <p:cNvPr id="9" name="î$ḷíḋé">
             <a:extLst>
               <a:ext uri="{FF2B5EF4-FFF2-40B4-BE49-F238E27FC236}">
-                <a16:creationId xmlns="" xmlns:a16="http://schemas.microsoft.com/office/drawing/2014/main" id="{04F69230-F3A6-4586-9371-A858F4763E9F}"/>
+                <a16:creationId xmlns:a16="http://schemas.microsoft.com/office/drawing/2014/main" xmlns="" id="{04F69230-F3A6-4586-9371-A858F4763E9F}"/>
               </a:ext>
             </a:extLst>
           </p:cNvPr>
@@ -17561,7 +17741,7 @@
   <a:extraClrSchemeLst/>
   <a:extLst>
     <a:ext uri="{05A4C25C-085E-4340-85A3-A5531E510DB2}">
-      <thm15:themeFamily xmlns="" xmlns:thm15="http://schemas.microsoft.com/office/thememl/2012/main" name="主题5" id="{B8EDB911-D765-4A7B-BBC7-40DBB672FBA6}" vid="{AECAB1C0-5DF6-436C-85E8-20094DBE11C0}"/>
+      <thm15:themeFamily xmlns:thm15="http://schemas.microsoft.com/office/thememl/2012/main" xmlns="" name="主题5" id="{B8EDB911-D765-4A7B-BBC7-40DBB672FBA6}" vid="{AECAB1C0-5DF6-436C-85E8-20094DBE11C0}"/>
     </a:ext>
   </a:extLst>
 </a:theme>
@@ -17822,7 +18002,7 @@
   <a:extraClrSchemeLst/>
   <a:extLst>
     <a:ext uri="{05A4C25C-085E-4340-85A3-A5531E510DB2}">
-      <thm15:themeFamily xmlns="" xmlns:thm15="http://schemas.microsoft.com/office/thememl/2012/main" name="Office Theme" id="{62F939B6-93AF-4DB8-9C6B-D6C7DFDC589F}" vid="{4A3C46E8-61CC-4603-A589-7422A47A8E4A}"/>
+      <thm15:themeFamily xmlns:thm15="http://schemas.microsoft.com/office/thememl/2012/main" xmlns="" name="Office Theme" id="{62F939B6-93AF-4DB8-9C6B-D6C7DFDC589F}" vid="{4A3C46E8-61CC-4603-A589-7422A47A8E4A}"/>
     </a:ext>
   </a:extLst>
 </a:theme>
@@ -18117,7 +18297,7 @@
   <a:extraClrSchemeLst/>
   <a:extLst>
     <a:ext uri="{05A4C25C-085E-4340-85A3-A5531E510DB2}">
-      <thm15:themeFamily xmlns="" xmlns:thm15="http://schemas.microsoft.com/office/thememl/2012/main" name="Office Theme" id="{62F939B6-93AF-4DB8-9C6B-D6C7DFDC589F}" vid="{4A3C46E8-61CC-4603-A589-7422A47A8E4A}"/>
+      <thm15:themeFamily xmlns:thm15="http://schemas.microsoft.com/office/thememl/2012/main" xmlns="" name="Office Theme" id="{62F939B6-93AF-4DB8-9C6B-D6C7DFDC589F}" vid="{4A3C46E8-61CC-4603-A589-7422A47A8E4A}"/>
     </a:ext>
   </a:extLst>
 </a:theme>

--- a/11_16_to_11_20_third/3.RNN.pptx
+++ b/11_16_to_11_20_third/3.RNN.pptx
@@ -26,12 +26,12 @@
     <p:sldId id="286" r:id="rId14"/>
     <p:sldId id="288" r:id="rId15"/>
     <p:sldId id="290" r:id="rId16"/>
-    <p:sldId id="300" r:id="rId17"/>
-    <p:sldId id="301" r:id="rId18"/>
-    <p:sldId id="302" r:id="rId19"/>
-    <p:sldId id="296" r:id="rId20"/>
-    <p:sldId id="292" r:id="rId21"/>
-    <p:sldId id="293" r:id="rId22"/>
+    <p:sldId id="296" r:id="rId17"/>
+    <p:sldId id="293" r:id="rId18"/>
+    <p:sldId id="292" r:id="rId19"/>
+    <p:sldId id="300" r:id="rId20"/>
+    <p:sldId id="301" r:id="rId21"/>
+    <p:sldId id="302" r:id="rId22"/>
     <p:sldId id="279" r:id="rId23"/>
     <p:sldId id="294" r:id="rId24"/>
     <p:sldId id="295" r:id="rId25"/>
@@ -142,7 +142,7 @@
   </p:defaultTextStyle>
   <p:extLst>
     <p:ext uri="{EFAFB233-063F-42B5-8137-9DF3F51BA10A}">
-      <p15:sldGuideLst xmlns:p15="http://schemas.microsoft.com/office/powerpoint/2012/main" xmlns="">
+      <p15:sldGuideLst xmlns="" xmlns:p15="http://schemas.microsoft.com/office/powerpoint/2012/main">
         <p15:guide id="1" orient="horz" pos="2160">
           <p15:clr>
             <a:srgbClr val="A4A3A4"/>
@@ -156,7 +156,7 @@
       </p15:sldGuideLst>
     </p:ext>
     <p:ext uri="{2D200454-40CA-4A62-9FC3-DE9A4176ACB9}">
-      <p15:notesGuideLst xmlns:p15="http://schemas.microsoft.com/office/powerpoint/2012/main" xmlns=""/>
+      <p15:notesGuideLst xmlns="" xmlns:p15="http://schemas.microsoft.com/office/powerpoint/2012/main"/>
     </p:ext>
   </p:extLst>
 </p:presentation>
@@ -382,7 +382,7 @@
           <p:cNvPr id="2" name="页眉占位符 1">
             <a:extLst>
               <a:ext uri="{FF2B5EF4-FFF2-40B4-BE49-F238E27FC236}">
-                <a16:creationId xmlns:a16="http://schemas.microsoft.com/office/drawing/2014/main" xmlns="" id="{B9A56829-66AA-42AA-918E-5C6DB1AE50A7}"/>
+                <a16:creationId xmlns="" xmlns:a16="http://schemas.microsoft.com/office/drawing/2014/main" id="{B9A56829-66AA-42AA-918E-5C6DB1AE50A7}"/>
               </a:ext>
             </a:extLst>
           </p:cNvPr>
@@ -419,7 +419,7 @@
           <p:cNvPr id="3" name="日期占位符 2">
             <a:extLst>
               <a:ext uri="{FF2B5EF4-FFF2-40B4-BE49-F238E27FC236}">
-                <a16:creationId xmlns:a16="http://schemas.microsoft.com/office/drawing/2014/main" xmlns="" id="{241084A9-BC5C-4420-B17C-51E328D45576}"/>
+                <a16:creationId xmlns="" xmlns:a16="http://schemas.microsoft.com/office/drawing/2014/main" id="{241084A9-BC5C-4420-B17C-51E328D45576}"/>
               </a:ext>
             </a:extLst>
           </p:cNvPr>
@@ -449,7 +449,7 @@
           <a:p>
             <a:fld id="{B478E0E4-DC06-4041-AFA7-BB6F527FFA3F}" type="datetimeFigureOut">
               <a:rPr lang="zh-CN" altLang="en-US" smtClean="0"/>
-              <a:t>2020/11/24</a:t>
+              <a:t>2020/11/25</a:t>
             </a:fld>
             <a:endParaRPr lang="zh-CN" altLang="en-US"/>
           </a:p>
@@ -460,7 +460,7 @@
           <p:cNvPr id="4" name="页脚占位符 3">
             <a:extLst>
               <a:ext uri="{FF2B5EF4-FFF2-40B4-BE49-F238E27FC236}">
-                <a16:creationId xmlns:a16="http://schemas.microsoft.com/office/drawing/2014/main" xmlns="" id="{0D6F2124-7B35-4E59-B9E8-DB09EE1408A4}"/>
+                <a16:creationId xmlns="" xmlns:a16="http://schemas.microsoft.com/office/drawing/2014/main" id="{0D6F2124-7B35-4E59-B9E8-DB09EE1408A4}"/>
               </a:ext>
             </a:extLst>
           </p:cNvPr>
@@ -497,7 +497,7 @@
           <p:cNvPr id="5" name="灯片编号占位符 4">
             <a:extLst>
               <a:ext uri="{FF2B5EF4-FFF2-40B4-BE49-F238E27FC236}">
-                <a16:creationId xmlns:a16="http://schemas.microsoft.com/office/drawing/2014/main" xmlns="" id="{F2BF8FFE-D997-4E34-9A01-CD2014B95241}"/>
+                <a16:creationId xmlns="" xmlns:a16="http://schemas.microsoft.com/office/drawing/2014/main" id="{F2BF8FFE-D997-4E34-9A01-CD2014B95241}"/>
               </a:ext>
             </a:extLst>
           </p:cNvPr>
@@ -626,7 +626,7 @@
           <a:p>
             <a:fld id="{E86D8963-CFCD-4740-AF60-049850373CDF}" type="datetimeFigureOut">
               <a:rPr lang="zh-CN" altLang="en-US" smtClean="0"/>
-              <a:t>2020/11/24</a:t>
+              <a:t>2020/11/25</a:t>
             </a:fld>
             <a:endParaRPr lang="zh-CN" altLang="en-US"/>
           </a:p>
@@ -915,7 +915,7 @@
           <p:cNvPr id="2" name="îṩ1ïdê">
             <a:extLst>
               <a:ext uri="{FF2B5EF4-FFF2-40B4-BE49-F238E27FC236}">
-                <a16:creationId xmlns:a16="http://schemas.microsoft.com/office/drawing/2014/main" xmlns="" id="{B165F2F7-32E4-4AF8-8657-36AC30D78579}"/>
+                <a16:creationId xmlns="" xmlns:a16="http://schemas.microsoft.com/office/drawing/2014/main" id="{B165F2F7-32E4-4AF8-8657-36AC30D78579}"/>
               </a:ext>
             </a:extLst>
           </p:cNvPr>
@@ -1075,7 +1075,7 @@
           <p:cNvPr id="7" name="组合 6">
             <a:extLst>
               <a:ext uri="{FF2B5EF4-FFF2-40B4-BE49-F238E27FC236}">
-                <a16:creationId xmlns:a16="http://schemas.microsoft.com/office/drawing/2014/main" xmlns="" id="{3491D0C5-E57C-45B4-AFE5-02F7704CDCF6}"/>
+                <a16:creationId xmlns="" xmlns:a16="http://schemas.microsoft.com/office/drawing/2014/main" id="{3491D0C5-E57C-45B4-AFE5-02F7704CDCF6}"/>
               </a:ext>
             </a:extLst>
           </p:cNvPr>
@@ -1095,7 +1095,7 @@
             <p:cNvPr id="11" name="ïş1ïḓe">
               <a:extLst>
                 <a:ext uri="{FF2B5EF4-FFF2-40B4-BE49-F238E27FC236}">
-                  <a16:creationId xmlns:a16="http://schemas.microsoft.com/office/drawing/2014/main" xmlns="" id="{AAEF8C50-AF93-4B64-9F64-BC188B9CC986}"/>
+                  <a16:creationId xmlns="" xmlns:a16="http://schemas.microsoft.com/office/drawing/2014/main" id="{AAEF8C50-AF93-4B64-9F64-BC188B9CC986}"/>
                 </a:ext>
               </a:extLst>
             </p:cNvPr>
@@ -1179,7 +1179,7 @@
             <p:cNvPr id="14" name="ïş1îḓé">
               <a:extLst>
                 <a:ext uri="{FF2B5EF4-FFF2-40B4-BE49-F238E27FC236}">
-                  <a16:creationId xmlns:a16="http://schemas.microsoft.com/office/drawing/2014/main" xmlns="" id="{D1034528-61F0-451C-8439-59044CBBC42D}"/>
+                  <a16:creationId xmlns="" xmlns:a16="http://schemas.microsoft.com/office/drawing/2014/main" id="{D1034528-61F0-451C-8439-59044CBBC42D}"/>
                 </a:ext>
               </a:extLst>
             </p:cNvPr>
@@ -1272,7 +1272,7 @@
             <p:cNvPr id="15" name="íṡ1íḑè">
               <a:extLst>
                 <a:ext uri="{FF2B5EF4-FFF2-40B4-BE49-F238E27FC236}">
-                  <a16:creationId xmlns:a16="http://schemas.microsoft.com/office/drawing/2014/main" xmlns="" id="{443590D7-CA87-4478-AB6B-8DA2AC5C485A}"/>
+                  <a16:creationId xmlns="" xmlns:a16="http://schemas.microsoft.com/office/drawing/2014/main" id="{443590D7-CA87-4478-AB6B-8DA2AC5C485A}"/>
                 </a:ext>
               </a:extLst>
             </p:cNvPr>
@@ -1357,7 +1357,7 @@
             <p:cNvPr id="16" name="îṥḻiḍê">
               <a:extLst>
                 <a:ext uri="{FF2B5EF4-FFF2-40B4-BE49-F238E27FC236}">
-                  <a16:creationId xmlns:a16="http://schemas.microsoft.com/office/drawing/2014/main" xmlns="" id="{FD92C89C-9731-46F9-9B6E-376810BFF18B}"/>
+                  <a16:creationId xmlns="" xmlns:a16="http://schemas.microsoft.com/office/drawing/2014/main" id="{FD92C89C-9731-46F9-9B6E-376810BFF18B}"/>
                 </a:ext>
               </a:extLst>
             </p:cNvPr>
@@ -1442,7 +1442,7 @@
             <p:cNvPr id="17" name="iṥḷiḑè">
               <a:extLst>
                 <a:ext uri="{FF2B5EF4-FFF2-40B4-BE49-F238E27FC236}">
-                  <a16:creationId xmlns:a16="http://schemas.microsoft.com/office/drawing/2014/main" xmlns="" id="{A8591A9D-5538-4DEC-B405-54C510558903}"/>
+                  <a16:creationId xmlns="" xmlns:a16="http://schemas.microsoft.com/office/drawing/2014/main" id="{A8591A9D-5538-4DEC-B405-54C510558903}"/>
                 </a:ext>
               </a:extLst>
             </p:cNvPr>
@@ -1507,7 +1507,7 @@
             <p:cNvPr id="18" name="íṥḻíḑé">
               <a:extLst>
                 <a:ext uri="{FF2B5EF4-FFF2-40B4-BE49-F238E27FC236}">
-                  <a16:creationId xmlns:a16="http://schemas.microsoft.com/office/drawing/2014/main" xmlns="" id="{FC116EBF-5653-4BA4-837E-95BEB302B1FC}"/>
+                  <a16:creationId xmlns="" xmlns:a16="http://schemas.microsoft.com/office/drawing/2014/main" id="{FC116EBF-5653-4BA4-837E-95BEB302B1FC}"/>
                 </a:ext>
               </a:extLst>
             </p:cNvPr>
@@ -1572,7 +1572,7 @@
             <p:cNvPr id="19" name="ïsḷiďê">
               <a:extLst>
                 <a:ext uri="{FF2B5EF4-FFF2-40B4-BE49-F238E27FC236}">
-                  <a16:creationId xmlns:a16="http://schemas.microsoft.com/office/drawing/2014/main" xmlns="" id="{D7181733-982F-4ADC-B787-E92C178D9BE9}"/>
+                  <a16:creationId xmlns="" xmlns:a16="http://schemas.microsoft.com/office/drawing/2014/main" id="{D7181733-982F-4ADC-B787-E92C178D9BE9}"/>
                 </a:ext>
               </a:extLst>
             </p:cNvPr>
@@ -1667,7 +1667,7 @@
             <p:cNvPr id="20" name="îs1iḓê">
               <a:extLst>
                 <a:ext uri="{FF2B5EF4-FFF2-40B4-BE49-F238E27FC236}">
-                  <a16:creationId xmlns:a16="http://schemas.microsoft.com/office/drawing/2014/main" xmlns="" id="{75B1573A-D6DA-4E40-B952-FC6A6E899942}"/>
+                  <a16:creationId xmlns="" xmlns:a16="http://schemas.microsoft.com/office/drawing/2014/main" id="{75B1573A-D6DA-4E40-B952-FC6A6E899942}"/>
                 </a:ext>
               </a:extLst>
             </p:cNvPr>
@@ -1742,7 +1742,7 @@
             <p:cNvPr id="21" name="íṡḻïdé">
               <a:extLst>
                 <a:ext uri="{FF2B5EF4-FFF2-40B4-BE49-F238E27FC236}">
-                  <a16:creationId xmlns:a16="http://schemas.microsoft.com/office/drawing/2014/main" xmlns="" id="{A3C16CC0-0D98-42C3-ACDA-6C6B1AAA14CB}"/>
+                  <a16:creationId xmlns="" xmlns:a16="http://schemas.microsoft.com/office/drawing/2014/main" id="{A3C16CC0-0D98-42C3-ACDA-6C6B1AAA14CB}"/>
                 </a:ext>
               </a:extLst>
             </p:cNvPr>
@@ -1817,7 +1817,7 @@
             <p:cNvPr id="22" name="ïṧľiḑè">
               <a:extLst>
                 <a:ext uri="{FF2B5EF4-FFF2-40B4-BE49-F238E27FC236}">
-                  <a16:creationId xmlns:a16="http://schemas.microsoft.com/office/drawing/2014/main" xmlns="" id="{2EEC5EF2-9731-49D2-8E01-4BAE06CF1807}"/>
+                  <a16:creationId xmlns="" xmlns:a16="http://schemas.microsoft.com/office/drawing/2014/main" id="{2EEC5EF2-9731-49D2-8E01-4BAE06CF1807}"/>
                 </a:ext>
               </a:extLst>
             </p:cNvPr>
@@ -1892,7 +1892,7 @@
             <p:cNvPr id="23" name="íşľîḋè">
               <a:extLst>
                 <a:ext uri="{FF2B5EF4-FFF2-40B4-BE49-F238E27FC236}">
-                  <a16:creationId xmlns:a16="http://schemas.microsoft.com/office/drawing/2014/main" xmlns="" id="{07D33D98-ECF4-43C9-8F9B-502B76AA375A}"/>
+                  <a16:creationId xmlns="" xmlns:a16="http://schemas.microsoft.com/office/drawing/2014/main" id="{07D33D98-ECF4-43C9-8F9B-502B76AA375A}"/>
                 </a:ext>
               </a:extLst>
             </p:cNvPr>
@@ -1957,7 +1957,7 @@
             <p:cNvPr id="24" name="îšḷîḍè">
               <a:extLst>
                 <a:ext uri="{FF2B5EF4-FFF2-40B4-BE49-F238E27FC236}">
-                  <a16:creationId xmlns:a16="http://schemas.microsoft.com/office/drawing/2014/main" xmlns="" id="{06AFAADD-E47D-403A-8BCE-6B991B488491}"/>
+                  <a16:creationId xmlns="" xmlns:a16="http://schemas.microsoft.com/office/drawing/2014/main" id="{06AFAADD-E47D-403A-8BCE-6B991B488491}"/>
                 </a:ext>
               </a:extLst>
             </p:cNvPr>
@@ -2022,7 +2022,7 @@
             <p:cNvPr id="25" name="îŝļiḑè">
               <a:extLst>
                 <a:ext uri="{FF2B5EF4-FFF2-40B4-BE49-F238E27FC236}">
-                  <a16:creationId xmlns:a16="http://schemas.microsoft.com/office/drawing/2014/main" xmlns="" id="{F20679ED-F04B-48C0-86C1-4F4678D0EF44}"/>
+                  <a16:creationId xmlns="" xmlns:a16="http://schemas.microsoft.com/office/drawing/2014/main" id="{F20679ED-F04B-48C0-86C1-4F4678D0EF44}"/>
                 </a:ext>
               </a:extLst>
             </p:cNvPr>
@@ -2084,7 +2084,7 @@
             <p:cNvPr id="26" name="ïsḻïḓe">
               <a:extLst>
                 <a:ext uri="{FF2B5EF4-FFF2-40B4-BE49-F238E27FC236}">
-                  <a16:creationId xmlns:a16="http://schemas.microsoft.com/office/drawing/2014/main" xmlns="" id="{178FE26C-EAE2-489E-9818-2AD90604A6E7}"/>
+                  <a16:creationId xmlns="" xmlns:a16="http://schemas.microsoft.com/office/drawing/2014/main" id="{178FE26C-EAE2-489E-9818-2AD90604A6E7}"/>
                 </a:ext>
               </a:extLst>
             </p:cNvPr>
@@ -2146,7 +2146,7 @@
             <p:cNvPr id="27" name="îṥľíḑê">
               <a:extLst>
                 <a:ext uri="{FF2B5EF4-FFF2-40B4-BE49-F238E27FC236}">
-                  <a16:creationId xmlns:a16="http://schemas.microsoft.com/office/drawing/2014/main" xmlns="" id="{54C937FE-182B-4B4C-8B56-94274EF8727A}"/>
+                  <a16:creationId xmlns="" xmlns:a16="http://schemas.microsoft.com/office/drawing/2014/main" id="{54C937FE-182B-4B4C-8B56-94274EF8727A}"/>
                 </a:ext>
               </a:extLst>
             </p:cNvPr>
@@ -2208,7 +2208,7 @@
             <p:cNvPr id="28" name="iṧľíḑe">
               <a:extLst>
                 <a:ext uri="{FF2B5EF4-FFF2-40B4-BE49-F238E27FC236}">
-                  <a16:creationId xmlns:a16="http://schemas.microsoft.com/office/drawing/2014/main" xmlns="" id="{9EC454E6-4E34-40A0-B134-E27356DF1BD3}"/>
+                  <a16:creationId xmlns="" xmlns:a16="http://schemas.microsoft.com/office/drawing/2014/main" id="{9EC454E6-4E34-40A0-B134-E27356DF1BD3}"/>
                 </a:ext>
               </a:extLst>
             </p:cNvPr>
@@ -2270,7 +2270,7 @@
             <p:cNvPr id="29" name="íşḻïḑê">
               <a:extLst>
                 <a:ext uri="{FF2B5EF4-FFF2-40B4-BE49-F238E27FC236}">
-                  <a16:creationId xmlns:a16="http://schemas.microsoft.com/office/drawing/2014/main" xmlns="" id="{F02A9D5E-CFB2-42AA-A5C5-5E5778C6FCBE}"/>
+                  <a16:creationId xmlns="" xmlns:a16="http://schemas.microsoft.com/office/drawing/2014/main" id="{F02A9D5E-CFB2-42AA-A5C5-5E5778C6FCBE}"/>
                 </a:ext>
               </a:extLst>
             </p:cNvPr>
@@ -2366,7 +2366,7 @@
             <p:cNvPr id="30" name="išḻîḋè">
               <a:extLst>
                 <a:ext uri="{FF2B5EF4-FFF2-40B4-BE49-F238E27FC236}">
-                  <a16:creationId xmlns:a16="http://schemas.microsoft.com/office/drawing/2014/main" xmlns="" id="{2B76FEBA-B0C4-4066-ABF2-E33CBD44C45F}"/>
+                  <a16:creationId xmlns="" xmlns:a16="http://schemas.microsoft.com/office/drawing/2014/main" id="{2B76FEBA-B0C4-4066-ABF2-E33CBD44C45F}"/>
                 </a:ext>
               </a:extLst>
             </p:cNvPr>
@@ -2428,7 +2428,7 @@
             <p:cNvPr id="31" name="ïšliḋé">
               <a:extLst>
                 <a:ext uri="{FF2B5EF4-FFF2-40B4-BE49-F238E27FC236}">
-                  <a16:creationId xmlns:a16="http://schemas.microsoft.com/office/drawing/2014/main" xmlns="" id="{17F7742C-0E9E-453F-BF74-0A1870F594D9}"/>
+                  <a16:creationId xmlns="" xmlns:a16="http://schemas.microsoft.com/office/drawing/2014/main" id="{17F7742C-0E9E-453F-BF74-0A1870F594D9}"/>
                 </a:ext>
               </a:extLst>
             </p:cNvPr>
@@ -2490,7 +2490,7 @@
             <p:cNvPr id="32" name="íṣlídé">
               <a:extLst>
                 <a:ext uri="{FF2B5EF4-FFF2-40B4-BE49-F238E27FC236}">
-                  <a16:creationId xmlns:a16="http://schemas.microsoft.com/office/drawing/2014/main" xmlns="" id="{3B98F7CF-64A1-4A5B-B8EC-9178705C9901}"/>
+                  <a16:creationId xmlns="" xmlns:a16="http://schemas.microsoft.com/office/drawing/2014/main" id="{3B98F7CF-64A1-4A5B-B8EC-9178705C9901}"/>
                 </a:ext>
               </a:extLst>
             </p:cNvPr>
@@ -2552,7 +2552,7 @@
             <p:cNvPr id="33" name="ï$ľïḍé">
               <a:extLst>
                 <a:ext uri="{FF2B5EF4-FFF2-40B4-BE49-F238E27FC236}">
-                  <a16:creationId xmlns:a16="http://schemas.microsoft.com/office/drawing/2014/main" xmlns="" id="{8EB33BF9-35EF-4068-A574-8FBC5EEAC895}"/>
+                  <a16:creationId xmlns="" xmlns:a16="http://schemas.microsoft.com/office/drawing/2014/main" id="{8EB33BF9-35EF-4068-A574-8FBC5EEAC895}"/>
                 </a:ext>
               </a:extLst>
             </p:cNvPr>
@@ -2614,7 +2614,7 @@
             <p:cNvPr id="34" name="ï$1îḑé">
               <a:extLst>
                 <a:ext uri="{FF2B5EF4-FFF2-40B4-BE49-F238E27FC236}">
-                  <a16:creationId xmlns:a16="http://schemas.microsoft.com/office/drawing/2014/main" xmlns="" id="{66235EE7-FC71-4720-94D6-AE9E5A6E3B32}"/>
+                  <a16:creationId xmlns="" xmlns:a16="http://schemas.microsoft.com/office/drawing/2014/main" id="{66235EE7-FC71-4720-94D6-AE9E5A6E3B32}"/>
                 </a:ext>
               </a:extLst>
             </p:cNvPr>
@@ -2676,7 +2676,7 @@
             <p:cNvPr id="35" name="íşļiḓê">
               <a:extLst>
                 <a:ext uri="{FF2B5EF4-FFF2-40B4-BE49-F238E27FC236}">
-                  <a16:creationId xmlns:a16="http://schemas.microsoft.com/office/drawing/2014/main" xmlns="" id="{464E50F4-2AD9-4646-95B0-C615F448F8D7}"/>
+                  <a16:creationId xmlns="" xmlns:a16="http://schemas.microsoft.com/office/drawing/2014/main" id="{464E50F4-2AD9-4646-95B0-C615F448F8D7}"/>
                 </a:ext>
               </a:extLst>
             </p:cNvPr>
@@ -2738,7 +2738,7 @@
             <p:cNvPr id="36" name="iSliḍé">
               <a:extLst>
                 <a:ext uri="{FF2B5EF4-FFF2-40B4-BE49-F238E27FC236}">
-                  <a16:creationId xmlns:a16="http://schemas.microsoft.com/office/drawing/2014/main" xmlns="" id="{08FD15B7-89FA-4BA0-832E-9B9D9FF852D5}"/>
+                  <a16:creationId xmlns="" xmlns:a16="http://schemas.microsoft.com/office/drawing/2014/main" id="{08FD15B7-89FA-4BA0-832E-9B9D9FF852D5}"/>
                 </a:ext>
               </a:extLst>
             </p:cNvPr>
@@ -2800,7 +2800,7 @@
             <p:cNvPr id="37" name="îşļïde">
               <a:extLst>
                 <a:ext uri="{FF2B5EF4-FFF2-40B4-BE49-F238E27FC236}">
-                  <a16:creationId xmlns:a16="http://schemas.microsoft.com/office/drawing/2014/main" xmlns="" id="{4DACA41F-DADA-4149-8933-31488F26C8AD}"/>
+                  <a16:creationId xmlns="" xmlns:a16="http://schemas.microsoft.com/office/drawing/2014/main" id="{4DACA41F-DADA-4149-8933-31488F26C8AD}"/>
                 </a:ext>
               </a:extLst>
             </p:cNvPr>
@@ -2862,7 +2862,7 @@
             <p:cNvPr id="38" name="ï$ḻídè">
               <a:extLst>
                 <a:ext uri="{FF2B5EF4-FFF2-40B4-BE49-F238E27FC236}">
-                  <a16:creationId xmlns:a16="http://schemas.microsoft.com/office/drawing/2014/main" xmlns="" id="{C28E4710-C2A1-4505-AD75-E91E319AE73A}"/>
+                  <a16:creationId xmlns="" xmlns:a16="http://schemas.microsoft.com/office/drawing/2014/main" id="{C28E4710-C2A1-4505-AD75-E91E319AE73A}"/>
                 </a:ext>
               </a:extLst>
             </p:cNvPr>
@@ -2958,7 +2958,7 @@
             <p:cNvPr id="39" name="ísľíḑe">
               <a:extLst>
                 <a:ext uri="{FF2B5EF4-FFF2-40B4-BE49-F238E27FC236}">
-                  <a16:creationId xmlns:a16="http://schemas.microsoft.com/office/drawing/2014/main" xmlns="" id="{C323CC97-7CC7-4FA5-A665-16F8A2FDB29A}"/>
+                  <a16:creationId xmlns="" xmlns:a16="http://schemas.microsoft.com/office/drawing/2014/main" id="{C323CC97-7CC7-4FA5-A665-16F8A2FDB29A}"/>
                 </a:ext>
               </a:extLst>
             </p:cNvPr>
@@ -3023,7 +3023,7 @@
             <p:cNvPr id="40" name="íṩlîḑè">
               <a:extLst>
                 <a:ext uri="{FF2B5EF4-FFF2-40B4-BE49-F238E27FC236}">
-                  <a16:creationId xmlns:a16="http://schemas.microsoft.com/office/drawing/2014/main" xmlns="" id="{26A96D82-53D7-454D-B8F0-08C85B54A508}"/>
+                  <a16:creationId xmlns="" xmlns:a16="http://schemas.microsoft.com/office/drawing/2014/main" id="{26A96D82-53D7-454D-B8F0-08C85B54A508}"/>
                 </a:ext>
               </a:extLst>
             </p:cNvPr>
@@ -3163,7 +3163,7 @@
             <p:cNvPr id="41" name="iṡḻídê">
               <a:extLst>
                 <a:ext uri="{FF2B5EF4-FFF2-40B4-BE49-F238E27FC236}">
-                  <a16:creationId xmlns:a16="http://schemas.microsoft.com/office/drawing/2014/main" xmlns="" id="{00A55C22-40A5-4BCE-AB5C-0DBD7B43CF15}"/>
+                  <a16:creationId xmlns="" xmlns:a16="http://schemas.microsoft.com/office/drawing/2014/main" id="{00A55C22-40A5-4BCE-AB5C-0DBD7B43CF15}"/>
                 </a:ext>
               </a:extLst>
             </p:cNvPr>
@@ -3225,7 +3225,7 @@
             <p:cNvPr id="42" name="íŝḷîḋè">
               <a:extLst>
                 <a:ext uri="{FF2B5EF4-FFF2-40B4-BE49-F238E27FC236}">
-                  <a16:creationId xmlns:a16="http://schemas.microsoft.com/office/drawing/2014/main" xmlns="" id="{1E7E1B5A-4BA7-4930-AB12-641C32CB9B5D}"/>
+                  <a16:creationId xmlns="" xmlns:a16="http://schemas.microsoft.com/office/drawing/2014/main" id="{1E7E1B5A-4BA7-4930-AB12-641C32CB9B5D}"/>
                 </a:ext>
               </a:extLst>
             </p:cNvPr>
@@ -3287,7 +3287,7 @@
             <p:cNvPr id="43" name="işliḓè">
               <a:extLst>
                 <a:ext uri="{FF2B5EF4-FFF2-40B4-BE49-F238E27FC236}">
-                  <a16:creationId xmlns:a16="http://schemas.microsoft.com/office/drawing/2014/main" xmlns="" id="{463C39C0-BA97-46C8-947C-6A6BB4E7C9D1}"/>
+                  <a16:creationId xmlns="" xmlns:a16="http://schemas.microsoft.com/office/drawing/2014/main" id="{463C39C0-BA97-46C8-947C-6A6BB4E7C9D1}"/>
                 </a:ext>
               </a:extLst>
             </p:cNvPr>
@@ -3349,7 +3349,7 @@
             <p:cNvPr id="44" name="îsḻiḑé">
               <a:extLst>
                 <a:ext uri="{FF2B5EF4-FFF2-40B4-BE49-F238E27FC236}">
-                  <a16:creationId xmlns:a16="http://schemas.microsoft.com/office/drawing/2014/main" xmlns="" id="{DF04E304-5F07-4415-828B-0989704C8FE6}"/>
+                  <a16:creationId xmlns="" xmlns:a16="http://schemas.microsoft.com/office/drawing/2014/main" id="{DF04E304-5F07-4415-828B-0989704C8FE6}"/>
                 </a:ext>
               </a:extLst>
             </p:cNvPr>
@@ -3411,7 +3411,7 @@
             <p:cNvPr id="45" name="íṧľiḓê">
               <a:extLst>
                 <a:ext uri="{FF2B5EF4-FFF2-40B4-BE49-F238E27FC236}">
-                  <a16:creationId xmlns:a16="http://schemas.microsoft.com/office/drawing/2014/main" xmlns="" id="{9DE34A69-BC75-47AD-8DE0-15FDFEF5D179}"/>
+                  <a16:creationId xmlns="" xmlns:a16="http://schemas.microsoft.com/office/drawing/2014/main" id="{9DE34A69-BC75-47AD-8DE0-15FDFEF5D179}"/>
                 </a:ext>
               </a:extLst>
             </p:cNvPr>
@@ -3473,7 +3473,7 @@
             <p:cNvPr id="46" name="íSlíďé">
               <a:extLst>
                 <a:ext uri="{FF2B5EF4-FFF2-40B4-BE49-F238E27FC236}">
-                  <a16:creationId xmlns:a16="http://schemas.microsoft.com/office/drawing/2014/main" xmlns="" id="{F19E1891-22A9-4238-9A0E-D54742EB9A67}"/>
+                  <a16:creationId xmlns="" xmlns:a16="http://schemas.microsoft.com/office/drawing/2014/main" id="{F19E1891-22A9-4238-9A0E-D54742EB9A67}"/>
                 </a:ext>
               </a:extLst>
             </p:cNvPr>
@@ -3535,7 +3535,7 @@
             <p:cNvPr id="47" name="iś1ïdè">
               <a:extLst>
                 <a:ext uri="{FF2B5EF4-FFF2-40B4-BE49-F238E27FC236}">
-                  <a16:creationId xmlns:a16="http://schemas.microsoft.com/office/drawing/2014/main" xmlns="" id="{26F87FC7-C5C8-4289-A0E2-8F0511BE4D0F}"/>
+                  <a16:creationId xmlns="" xmlns:a16="http://schemas.microsoft.com/office/drawing/2014/main" id="{26F87FC7-C5C8-4289-A0E2-8F0511BE4D0F}"/>
                 </a:ext>
               </a:extLst>
             </p:cNvPr>
@@ -3597,7 +3597,7 @@
             <p:cNvPr id="48" name="îŝḷïḍé">
               <a:extLst>
                 <a:ext uri="{FF2B5EF4-FFF2-40B4-BE49-F238E27FC236}">
-                  <a16:creationId xmlns:a16="http://schemas.microsoft.com/office/drawing/2014/main" xmlns="" id="{AF3C94AB-652D-4CCA-BFC8-3BC7A5181E1F}"/>
+                  <a16:creationId xmlns="" xmlns:a16="http://schemas.microsoft.com/office/drawing/2014/main" id="{AF3C94AB-652D-4CCA-BFC8-3BC7A5181E1F}"/>
                 </a:ext>
               </a:extLst>
             </p:cNvPr>
@@ -3668,7 +3668,7 @@
             <p:cNvPr id="49" name="ïśļïďé">
               <a:extLst>
                 <a:ext uri="{FF2B5EF4-FFF2-40B4-BE49-F238E27FC236}">
-                  <a16:creationId xmlns:a16="http://schemas.microsoft.com/office/drawing/2014/main" xmlns="" id="{10BC1FCD-F8F1-411F-8B4C-46E128380494}"/>
+                  <a16:creationId xmlns="" xmlns:a16="http://schemas.microsoft.com/office/drawing/2014/main" id="{10BC1FCD-F8F1-411F-8B4C-46E128380494}"/>
                 </a:ext>
               </a:extLst>
             </p:cNvPr>
@@ -3739,7 +3739,7 @@
             <p:cNvPr id="50" name="íṧḷídè">
               <a:extLst>
                 <a:ext uri="{FF2B5EF4-FFF2-40B4-BE49-F238E27FC236}">
-                  <a16:creationId xmlns:a16="http://schemas.microsoft.com/office/drawing/2014/main" xmlns="" id="{D6954D73-841B-4674-94DA-57899B5C83FA}"/>
+                  <a16:creationId xmlns="" xmlns:a16="http://schemas.microsoft.com/office/drawing/2014/main" id="{D6954D73-841B-4674-94DA-57899B5C83FA}"/>
                 </a:ext>
               </a:extLst>
             </p:cNvPr>
@@ -4210,7 +4210,7 @@
           <p:cNvPr id="3" name="组合 2">
             <a:extLst>
               <a:ext uri="{FF2B5EF4-FFF2-40B4-BE49-F238E27FC236}">
-                <a16:creationId xmlns:a16="http://schemas.microsoft.com/office/drawing/2014/main" xmlns="" id="{C629003E-14DA-4608-82C8-F702B03C8C62}"/>
+                <a16:creationId xmlns="" xmlns:a16="http://schemas.microsoft.com/office/drawing/2014/main" id="{C629003E-14DA-4608-82C8-F702B03C8C62}"/>
               </a:ext>
             </a:extLst>
           </p:cNvPr>
@@ -4236,7 +4236,7 @@
             <p:cNvPr id="34" name="iSliḓê">
               <a:extLst>
                 <a:ext uri="{FF2B5EF4-FFF2-40B4-BE49-F238E27FC236}">
-                  <a16:creationId xmlns:a16="http://schemas.microsoft.com/office/drawing/2014/main" xmlns="" id="{80A47D5A-673E-4EDC-8FB1-C2A2486C802A}"/>
+                  <a16:creationId xmlns="" xmlns:a16="http://schemas.microsoft.com/office/drawing/2014/main" id="{80A47D5A-673E-4EDC-8FB1-C2A2486C802A}"/>
                 </a:ext>
               </a:extLst>
             </p:cNvPr>
@@ -4374,7 +4374,7 @@
             <p:cNvPr id="38" name="ïṣlîḓê">
               <a:extLst>
                 <a:ext uri="{FF2B5EF4-FFF2-40B4-BE49-F238E27FC236}">
-                  <a16:creationId xmlns:a16="http://schemas.microsoft.com/office/drawing/2014/main" xmlns="" id="{DCD89878-3878-44CD-816E-D1DB497D642B}"/>
+                  <a16:creationId xmlns="" xmlns:a16="http://schemas.microsoft.com/office/drawing/2014/main" id="{DCD89878-3878-44CD-816E-D1DB497D642B}"/>
                 </a:ext>
               </a:extLst>
             </p:cNvPr>
@@ -4440,7 +4440,7 @@
             <p:cNvPr id="39" name="îṧḻiďê">
               <a:extLst>
                 <a:ext uri="{FF2B5EF4-FFF2-40B4-BE49-F238E27FC236}">
-                  <a16:creationId xmlns:a16="http://schemas.microsoft.com/office/drawing/2014/main" xmlns="" id="{927A350C-74E8-4289-AD50-D152B2F20760}"/>
+                  <a16:creationId xmlns="" xmlns:a16="http://schemas.microsoft.com/office/drawing/2014/main" id="{927A350C-74E8-4289-AD50-D152B2F20760}"/>
                 </a:ext>
               </a:extLst>
             </p:cNvPr>
@@ -4506,7 +4506,7 @@
             <p:cNvPr id="40" name="îsļiďé">
               <a:extLst>
                 <a:ext uri="{FF2B5EF4-FFF2-40B4-BE49-F238E27FC236}">
-                  <a16:creationId xmlns:a16="http://schemas.microsoft.com/office/drawing/2014/main" xmlns="" id="{FA1565F5-351B-46F7-94BA-8DE2B624E1D4}"/>
+                  <a16:creationId xmlns="" xmlns:a16="http://schemas.microsoft.com/office/drawing/2014/main" id="{FA1565F5-351B-46F7-94BA-8DE2B624E1D4}"/>
                 </a:ext>
               </a:extLst>
             </p:cNvPr>
@@ -4572,7 +4572,7 @@
             <p:cNvPr id="41" name="ísľîḑê">
               <a:extLst>
                 <a:ext uri="{FF2B5EF4-FFF2-40B4-BE49-F238E27FC236}">
-                  <a16:creationId xmlns:a16="http://schemas.microsoft.com/office/drawing/2014/main" xmlns="" id="{F46A0CCC-6110-407E-8E6D-A1E655B7B10A}"/>
+                  <a16:creationId xmlns="" xmlns:a16="http://schemas.microsoft.com/office/drawing/2014/main" id="{F46A0CCC-6110-407E-8E6D-A1E655B7B10A}"/>
                 </a:ext>
               </a:extLst>
             </p:cNvPr>
@@ -4638,7 +4638,7 @@
             <p:cNvPr id="42" name="iṥlïďé">
               <a:extLst>
                 <a:ext uri="{FF2B5EF4-FFF2-40B4-BE49-F238E27FC236}">
-                  <a16:creationId xmlns:a16="http://schemas.microsoft.com/office/drawing/2014/main" xmlns="" id="{D83D0A40-C194-4C9B-8119-3AA087712412}"/>
+                  <a16:creationId xmlns="" xmlns:a16="http://schemas.microsoft.com/office/drawing/2014/main" id="{D83D0A40-C194-4C9B-8119-3AA087712412}"/>
                 </a:ext>
               </a:extLst>
             </p:cNvPr>
@@ -4709,7 +4709,7 @@
             <p:cNvPr id="43" name="îşḷiḍè">
               <a:extLst>
                 <a:ext uri="{FF2B5EF4-FFF2-40B4-BE49-F238E27FC236}">
-                  <a16:creationId xmlns:a16="http://schemas.microsoft.com/office/drawing/2014/main" xmlns="" id="{DE854E02-9D47-4D10-A040-E952102AC62D}"/>
+                  <a16:creationId xmlns="" xmlns:a16="http://schemas.microsoft.com/office/drawing/2014/main" id="{DE854E02-9D47-4D10-A040-E952102AC62D}"/>
                 </a:ext>
               </a:extLst>
             </p:cNvPr>
@@ -4811,7 +4811,7 @@
           <p:cNvPr id="3" name="日期占位符 2">
             <a:extLst>
               <a:ext uri="{FF2B5EF4-FFF2-40B4-BE49-F238E27FC236}">
-                <a16:creationId xmlns:a16="http://schemas.microsoft.com/office/drawing/2014/main" xmlns="" id="{9888B6D7-9D3F-49D7-BACE-73A9D1149A74}"/>
+                <a16:creationId xmlns="" xmlns:a16="http://schemas.microsoft.com/office/drawing/2014/main" id="{9888B6D7-9D3F-49D7-BACE-73A9D1149A74}"/>
               </a:ext>
             </a:extLst>
           </p:cNvPr>
@@ -4836,7 +4836,7 @@
           <p:cNvPr id="4" name="页脚占位符 3">
             <a:extLst>
               <a:ext uri="{FF2B5EF4-FFF2-40B4-BE49-F238E27FC236}">
-                <a16:creationId xmlns:a16="http://schemas.microsoft.com/office/drawing/2014/main" xmlns="" id="{7AC997A4-1DD8-4731-B9FD-42398A20FF85}"/>
+                <a16:creationId xmlns="" xmlns:a16="http://schemas.microsoft.com/office/drawing/2014/main" id="{7AC997A4-1DD8-4731-B9FD-42398A20FF85}"/>
               </a:ext>
             </a:extLst>
           </p:cNvPr>
@@ -4873,7 +4873,7 @@
           <p:cNvPr id="5" name="灯片编号占位符 4">
             <a:extLst>
               <a:ext uri="{FF2B5EF4-FFF2-40B4-BE49-F238E27FC236}">
-                <a16:creationId xmlns:a16="http://schemas.microsoft.com/office/drawing/2014/main" xmlns="" id="{DBA9825E-1876-42AD-ABCF-E0E100F351CA}"/>
+                <a16:creationId xmlns="" xmlns:a16="http://schemas.microsoft.com/office/drawing/2014/main" id="{DBA9825E-1876-42AD-ABCF-E0E100F351CA}"/>
               </a:ext>
             </a:extLst>
           </p:cNvPr>
@@ -4903,7 +4903,7 @@
           <p:cNvPr id="6" name="标题 5">
             <a:extLst>
               <a:ext uri="{FF2B5EF4-FFF2-40B4-BE49-F238E27FC236}">
-                <a16:creationId xmlns:a16="http://schemas.microsoft.com/office/drawing/2014/main" xmlns="" id="{D124F9DB-C87A-423F-9657-38C7A2901430}"/>
+                <a16:creationId xmlns="" xmlns:a16="http://schemas.microsoft.com/office/drawing/2014/main" id="{D124F9DB-C87A-423F-9657-38C7A2901430}"/>
               </a:ext>
             </a:extLst>
           </p:cNvPr>
@@ -4936,7 +4936,7 @@
           <p:cNvPr id="8" name="内容占位符 7">
             <a:extLst>
               <a:ext uri="{FF2B5EF4-FFF2-40B4-BE49-F238E27FC236}">
-                <a16:creationId xmlns:a16="http://schemas.microsoft.com/office/drawing/2014/main" xmlns="" id="{2070191C-4093-409C-8FD5-7369A79637AD}"/>
+                <a16:creationId xmlns="" xmlns:a16="http://schemas.microsoft.com/office/drawing/2014/main" id="{2070191C-4093-409C-8FD5-7369A79637AD}"/>
               </a:ext>
             </a:extLst>
           </p:cNvPr>
@@ -5045,7 +5045,7 @@
           <p:cNvPr id="2" name="标题 1">
             <a:extLst>
               <a:ext uri="{FF2B5EF4-FFF2-40B4-BE49-F238E27FC236}">
-                <a16:creationId xmlns:a16="http://schemas.microsoft.com/office/drawing/2014/main" xmlns="" id="{F21C7A1C-3684-4AAF-A408-C63B6CB64104}"/>
+                <a16:creationId xmlns="" xmlns:a16="http://schemas.microsoft.com/office/drawing/2014/main" id="{F21C7A1C-3684-4AAF-A408-C63B6CB64104}"/>
               </a:ext>
             </a:extLst>
           </p:cNvPr>
@@ -5078,7 +5078,7 @@
           <p:cNvPr id="3" name="日期占位符 2">
             <a:extLst>
               <a:ext uri="{FF2B5EF4-FFF2-40B4-BE49-F238E27FC236}">
-                <a16:creationId xmlns:a16="http://schemas.microsoft.com/office/drawing/2014/main" xmlns="" id="{8986EA5F-D77D-4318-90E9-C04AA8ADC0D1}"/>
+                <a16:creationId xmlns="" xmlns:a16="http://schemas.microsoft.com/office/drawing/2014/main" id="{8986EA5F-D77D-4318-90E9-C04AA8ADC0D1}"/>
               </a:ext>
             </a:extLst>
           </p:cNvPr>
@@ -5103,7 +5103,7 @@
           <p:cNvPr id="4" name="页脚占位符 3">
             <a:extLst>
               <a:ext uri="{FF2B5EF4-FFF2-40B4-BE49-F238E27FC236}">
-                <a16:creationId xmlns:a16="http://schemas.microsoft.com/office/drawing/2014/main" xmlns="" id="{00832621-D9D9-445E-BFF9-F8348FA1E262}"/>
+                <a16:creationId xmlns="" xmlns:a16="http://schemas.microsoft.com/office/drawing/2014/main" id="{00832621-D9D9-445E-BFF9-F8348FA1E262}"/>
               </a:ext>
             </a:extLst>
           </p:cNvPr>
@@ -5140,7 +5140,7 @@
           <p:cNvPr id="5" name="灯片编号占位符 4">
             <a:extLst>
               <a:ext uri="{FF2B5EF4-FFF2-40B4-BE49-F238E27FC236}">
-                <a16:creationId xmlns:a16="http://schemas.microsoft.com/office/drawing/2014/main" xmlns="" id="{8371151B-F790-4A9F-962F-B8718A9560A9}"/>
+                <a16:creationId xmlns="" xmlns:a16="http://schemas.microsoft.com/office/drawing/2014/main" id="{8371151B-F790-4A9F-962F-B8718A9560A9}"/>
               </a:ext>
             </a:extLst>
           </p:cNvPr>
@@ -5336,7 +5336,7 @@
           <p:cNvPr id="6" name="文本占位符 5">
             <a:extLst>
               <a:ext uri="{FF2B5EF4-FFF2-40B4-BE49-F238E27FC236}">
-                <a16:creationId xmlns:a16="http://schemas.microsoft.com/office/drawing/2014/main" xmlns="" id="{05EBDA4F-7210-4CAE-8333-80DB24212E78}"/>
+                <a16:creationId xmlns="" xmlns:a16="http://schemas.microsoft.com/office/drawing/2014/main" id="{05EBDA4F-7210-4CAE-8333-80DB24212E78}"/>
               </a:ext>
             </a:extLst>
           </p:cNvPr>
@@ -5397,7 +5397,7 @@
           <p:cNvPr id="7" name="组合 6">
             <a:extLst>
               <a:ext uri="{FF2B5EF4-FFF2-40B4-BE49-F238E27FC236}">
-                <a16:creationId xmlns:a16="http://schemas.microsoft.com/office/drawing/2014/main" xmlns="" id="{5B77603F-656A-4E2F-9228-E30568A2F1D6}"/>
+                <a16:creationId xmlns="" xmlns:a16="http://schemas.microsoft.com/office/drawing/2014/main" id="{5B77603F-656A-4E2F-9228-E30568A2F1D6}"/>
               </a:ext>
             </a:extLst>
           </p:cNvPr>
@@ -5417,7 +5417,7 @@
             <p:cNvPr id="8" name="îSḻïḍè">
               <a:extLst>
                 <a:ext uri="{FF2B5EF4-FFF2-40B4-BE49-F238E27FC236}">
-                  <a16:creationId xmlns:a16="http://schemas.microsoft.com/office/drawing/2014/main" xmlns="" id="{61BDFEB9-90AA-43E9-A12B-EFFF9287F99D}"/>
+                  <a16:creationId xmlns="" xmlns:a16="http://schemas.microsoft.com/office/drawing/2014/main" id="{61BDFEB9-90AA-43E9-A12B-EFFF9287F99D}"/>
                 </a:ext>
               </a:extLst>
             </p:cNvPr>
@@ -5501,7 +5501,7 @@
             <p:cNvPr id="9" name="iṧ1îďè">
               <a:extLst>
                 <a:ext uri="{FF2B5EF4-FFF2-40B4-BE49-F238E27FC236}">
-                  <a16:creationId xmlns:a16="http://schemas.microsoft.com/office/drawing/2014/main" xmlns="" id="{D6E33435-E28A-463E-9EC6-4FEF1432AC96}"/>
+                  <a16:creationId xmlns="" xmlns:a16="http://schemas.microsoft.com/office/drawing/2014/main" id="{D6E33435-E28A-463E-9EC6-4FEF1432AC96}"/>
                 </a:ext>
               </a:extLst>
             </p:cNvPr>
@@ -5594,7 +5594,7 @@
             <p:cNvPr id="10" name="íŝ1îḑê">
               <a:extLst>
                 <a:ext uri="{FF2B5EF4-FFF2-40B4-BE49-F238E27FC236}">
-                  <a16:creationId xmlns:a16="http://schemas.microsoft.com/office/drawing/2014/main" xmlns="" id="{9304A826-F780-4CF2-AEA1-5EB7122B87CE}"/>
+                  <a16:creationId xmlns="" xmlns:a16="http://schemas.microsoft.com/office/drawing/2014/main" id="{9304A826-F780-4CF2-AEA1-5EB7122B87CE}"/>
                 </a:ext>
               </a:extLst>
             </p:cNvPr>
@@ -5679,7 +5679,7 @@
             <p:cNvPr id="11" name="îṩľîḋè">
               <a:extLst>
                 <a:ext uri="{FF2B5EF4-FFF2-40B4-BE49-F238E27FC236}">
-                  <a16:creationId xmlns:a16="http://schemas.microsoft.com/office/drawing/2014/main" xmlns="" id="{276A2E36-748D-419C-9EE2-5DF2A51BE0C6}"/>
+                  <a16:creationId xmlns="" xmlns:a16="http://schemas.microsoft.com/office/drawing/2014/main" id="{276A2E36-748D-419C-9EE2-5DF2A51BE0C6}"/>
                 </a:ext>
               </a:extLst>
             </p:cNvPr>
@@ -5764,7 +5764,7 @@
             <p:cNvPr id="12" name="íṡ1ïḓe">
               <a:extLst>
                 <a:ext uri="{FF2B5EF4-FFF2-40B4-BE49-F238E27FC236}">
-                  <a16:creationId xmlns:a16="http://schemas.microsoft.com/office/drawing/2014/main" xmlns="" id="{20A4A09F-DE16-4168-819D-7F31D973EC1A}"/>
+                  <a16:creationId xmlns="" xmlns:a16="http://schemas.microsoft.com/office/drawing/2014/main" id="{20A4A09F-DE16-4168-819D-7F31D973EC1A}"/>
                 </a:ext>
               </a:extLst>
             </p:cNvPr>
@@ -5829,7 +5829,7 @@
             <p:cNvPr id="14" name="ïŝlîḍê">
               <a:extLst>
                 <a:ext uri="{FF2B5EF4-FFF2-40B4-BE49-F238E27FC236}">
-                  <a16:creationId xmlns:a16="http://schemas.microsoft.com/office/drawing/2014/main" xmlns="" id="{F8657E4E-B533-4A5A-9F5F-E5BE8ACB5AD2}"/>
+                  <a16:creationId xmlns="" xmlns:a16="http://schemas.microsoft.com/office/drawing/2014/main" id="{F8657E4E-B533-4A5A-9F5F-E5BE8ACB5AD2}"/>
                 </a:ext>
               </a:extLst>
             </p:cNvPr>
@@ -5894,7 +5894,7 @@
             <p:cNvPr id="16" name="íṧlîḓé">
               <a:extLst>
                 <a:ext uri="{FF2B5EF4-FFF2-40B4-BE49-F238E27FC236}">
-                  <a16:creationId xmlns:a16="http://schemas.microsoft.com/office/drawing/2014/main" xmlns="" id="{FD71861F-C75F-4733-AFC9-3907B077276A}"/>
+                  <a16:creationId xmlns="" xmlns:a16="http://schemas.microsoft.com/office/drawing/2014/main" id="{FD71861F-C75F-4733-AFC9-3907B077276A}"/>
                 </a:ext>
               </a:extLst>
             </p:cNvPr>
@@ -5989,7 +5989,7 @@
             <p:cNvPr id="17" name="îṡľiḑè">
               <a:extLst>
                 <a:ext uri="{FF2B5EF4-FFF2-40B4-BE49-F238E27FC236}">
-                  <a16:creationId xmlns:a16="http://schemas.microsoft.com/office/drawing/2014/main" xmlns="" id="{C5F246DD-0425-467A-8E23-DF1922ED4240}"/>
+                  <a16:creationId xmlns="" xmlns:a16="http://schemas.microsoft.com/office/drawing/2014/main" id="{C5F246DD-0425-467A-8E23-DF1922ED4240}"/>
                 </a:ext>
               </a:extLst>
             </p:cNvPr>
@@ -6064,7 +6064,7 @@
             <p:cNvPr id="18" name="íš1ïḑé">
               <a:extLst>
                 <a:ext uri="{FF2B5EF4-FFF2-40B4-BE49-F238E27FC236}">
-                  <a16:creationId xmlns:a16="http://schemas.microsoft.com/office/drawing/2014/main" xmlns="" id="{EB196468-BCAE-4BF5-B491-B37AF459C2E0}"/>
+                  <a16:creationId xmlns="" xmlns:a16="http://schemas.microsoft.com/office/drawing/2014/main" id="{EB196468-BCAE-4BF5-B491-B37AF459C2E0}"/>
                 </a:ext>
               </a:extLst>
             </p:cNvPr>
@@ -6139,7 +6139,7 @@
             <p:cNvPr id="19" name="ïṧḷîḍe">
               <a:extLst>
                 <a:ext uri="{FF2B5EF4-FFF2-40B4-BE49-F238E27FC236}">
-                  <a16:creationId xmlns:a16="http://schemas.microsoft.com/office/drawing/2014/main" xmlns="" id="{9A980BB4-0B9C-4CE7-B965-86D1DCCFF04C}"/>
+                  <a16:creationId xmlns="" xmlns:a16="http://schemas.microsoft.com/office/drawing/2014/main" id="{9A980BB4-0B9C-4CE7-B965-86D1DCCFF04C}"/>
                 </a:ext>
               </a:extLst>
             </p:cNvPr>
@@ -6214,7 +6214,7 @@
             <p:cNvPr id="20" name="iṡḻïḑe">
               <a:extLst>
                 <a:ext uri="{FF2B5EF4-FFF2-40B4-BE49-F238E27FC236}">
-                  <a16:creationId xmlns:a16="http://schemas.microsoft.com/office/drawing/2014/main" xmlns="" id="{D932A797-F983-471B-BFA8-F7F77258FAF6}"/>
+                  <a16:creationId xmlns="" xmlns:a16="http://schemas.microsoft.com/office/drawing/2014/main" id="{D932A797-F983-471B-BFA8-F7F77258FAF6}"/>
                 </a:ext>
               </a:extLst>
             </p:cNvPr>
@@ -6279,7 +6279,7 @@
             <p:cNvPr id="21" name="iṣliḋê">
               <a:extLst>
                 <a:ext uri="{FF2B5EF4-FFF2-40B4-BE49-F238E27FC236}">
-                  <a16:creationId xmlns:a16="http://schemas.microsoft.com/office/drawing/2014/main" xmlns="" id="{14E4C1FF-2C4A-414E-B7C1-76FC09803579}"/>
+                  <a16:creationId xmlns="" xmlns:a16="http://schemas.microsoft.com/office/drawing/2014/main" id="{14E4C1FF-2C4A-414E-B7C1-76FC09803579}"/>
                 </a:ext>
               </a:extLst>
             </p:cNvPr>
@@ -6344,7 +6344,7 @@
             <p:cNvPr id="22" name="îsḷïdê">
               <a:extLst>
                 <a:ext uri="{FF2B5EF4-FFF2-40B4-BE49-F238E27FC236}">
-                  <a16:creationId xmlns:a16="http://schemas.microsoft.com/office/drawing/2014/main" xmlns="" id="{22AC134A-B7EA-4D73-BF21-DE75251C3AB3}"/>
+                  <a16:creationId xmlns="" xmlns:a16="http://schemas.microsoft.com/office/drawing/2014/main" id="{22AC134A-B7EA-4D73-BF21-DE75251C3AB3}"/>
                 </a:ext>
               </a:extLst>
             </p:cNvPr>
@@ -6406,7 +6406,7 @@
             <p:cNvPr id="23" name="i$ḻïḍê">
               <a:extLst>
                 <a:ext uri="{FF2B5EF4-FFF2-40B4-BE49-F238E27FC236}">
-                  <a16:creationId xmlns:a16="http://schemas.microsoft.com/office/drawing/2014/main" xmlns="" id="{B2525ADC-09FA-43DB-8CDF-85CDAC67D7D6}"/>
+                  <a16:creationId xmlns="" xmlns:a16="http://schemas.microsoft.com/office/drawing/2014/main" id="{B2525ADC-09FA-43DB-8CDF-85CDAC67D7D6}"/>
                 </a:ext>
               </a:extLst>
             </p:cNvPr>
@@ -6468,7 +6468,7 @@
             <p:cNvPr id="24" name="iş1îďé">
               <a:extLst>
                 <a:ext uri="{FF2B5EF4-FFF2-40B4-BE49-F238E27FC236}">
-                  <a16:creationId xmlns:a16="http://schemas.microsoft.com/office/drawing/2014/main" xmlns="" id="{5797D739-E4EF-4020-8521-6BC146B06A4D}"/>
+                  <a16:creationId xmlns="" xmlns:a16="http://schemas.microsoft.com/office/drawing/2014/main" id="{5797D739-E4EF-4020-8521-6BC146B06A4D}"/>
                 </a:ext>
               </a:extLst>
             </p:cNvPr>
@@ -6530,7 +6530,7 @@
             <p:cNvPr id="25" name="iṧľiḍè">
               <a:extLst>
                 <a:ext uri="{FF2B5EF4-FFF2-40B4-BE49-F238E27FC236}">
-                  <a16:creationId xmlns:a16="http://schemas.microsoft.com/office/drawing/2014/main" xmlns="" id="{420139AB-8C14-45D0-B524-2B38E2B5CC4C}"/>
+                  <a16:creationId xmlns="" xmlns:a16="http://schemas.microsoft.com/office/drawing/2014/main" id="{420139AB-8C14-45D0-B524-2B38E2B5CC4C}"/>
                 </a:ext>
               </a:extLst>
             </p:cNvPr>
@@ -6592,7 +6592,7 @@
             <p:cNvPr id="26" name="îŝḷiďê">
               <a:extLst>
                 <a:ext uri="{FF2B5EF4-FFF2-40B4-BE49-F238E27FC236}">
-                  <a16:creationId xmlns:a16="http://schemas.microsoft.com/office/drawing/2014/main" xmlns="" id="{C2086326-1FF1-4885-9F22-89D180415FAD}"/>
+                  <a16:creationId xmlns="" xmlns:a16="http://schemas.microsoft.com/office/drawing/2014/main" id="{C2086326-1FF1-4885-9F22-89D180415FAD}"/>
                 </a:ext>
               </a:extLst>
             </p:cNvPr>
@@ -6688,7 +6688,7 @@
             <p:cNvPr id="27" name="ï$ḷiḍé">
               <a:extLst>
                 <a:ext uri="{FF2B5EF4-FFF2-40B4-BE49-F238E27FC236}">
-                  <a16:creationId xmlns:a16="http://schemas.microsoft.com/office/drawing/2014/main" xmlns="" id="{6DB36021-5313-40A9-920B-CBDED876EF45}"/>
+                  <a16:creationId xmlns="" xmlns:a16="http://schemas.microsoft.com/office/drawing/2014/main" id="{6DB36021-5313-40A9-920B-CBDED876EF45}"/>
                 </a:ext>
               </a:extLst>
             </p:cNvPr>
@@ -6750,7 +6750,7 @@
             <p:cNvPr id="28" name="ïşḷïḍe">
               <a:extLst>
                 <a:ext uri="{FF2B5EF4-FFF2-40B4-BE49-F238E27FC236}">
-                  <a16:creationId xmlns:a16="http://schemas.microsoft.com/office/drawing/2014/main" xmlns="" id="{6E199C5B-BAA8-49E4-BEB5-B476BF8BC2B1}"/>
+                  <a16:creationId xmlns="" xmlns:a16="http://schemas.microsoft.com/office/drawing/2014/main" id="{6E199C5B-BAA8-49E4-BEB5-B476BF8BC2B1}"/>
                 </a:ext>
               </a:extLst>
             </p:cNvPr>
@@ -6812,7 +6812,7 @@
             <p:cNvPr id="29" name="i$ḻïďé">
               <a:extLst>
                 <a:ext uri="{FF2B5EF4-FFF2-40B4-BE49-F238E27FC236}">
-                  <a16:creationId xmlns:a16="http://schemas.microsoft.com/office/drawing/2014/main" xmlns="" id="{6D1C2096-6C60-4112-830E-BF0A8DBC9AFC}"/>
+                  <a16:creationId xmlns="" xmlns:a16="http://schemas.microsoft.com/office/drawing/2014/main" id="{6D1C2096-6C60-4112-830E-BF0A8DBC9AFC}"/>
                 </a:ext>
               </a:extLst>
             </p:cNvPr>
@@ -6874,7 +6874,7 @@
             <p:cNvPr id="30" name="iṩḷîďè">
               <a:extLst>
                 <a:ext uri="{FF2B5EF4-FFF2-40B4-BE49-F238E27FC236}">
-                  <a16:creationId xmlns:a16="http://schemas.microsoft.com/office/drawing/2014/main" xmlns="" id="{8E2F55A0-1F8B-4DF8-9692-0E52FB38C449}"/>
+                  <a16:creationId xmlns="" xmlns:a16="http://schemas.microsoft.com/office/drawing/2014/main" id="{8E2F55A0-1F8B-4DF8-9692-0E52FB38C449}"/>
                 </a:ext>
               </a:extLst>
             </p:cNvPr>
@@ -6936,7 +6936,7 @@
             <p:cNvPr id="31" name="îśḷiḋè">
               <a:extLst>
                 <a:ext uri="{FF2B5EF4-FFF2-40B4-BE49-F238E27FC236}">
-                  <a16:creationId xmlns:a16="http://schemas.microsoft.com/office/drawing/2014/main" xmlns="" id="{FAEFDB25-C311-444C-8211-CA9D0D3E76C7}"/>
+                  <a16:creationId xmlns="" xmlns:a16="http://schemas.microsoft.com/office/drawing/2014/main" id="{FAEFDB25-C311-444C-8211-CA9D0D3E76C7}"/>
                 </a:ext>
               </a:extLst>
             </p:cNvPr>
@@ -6998,7 +6998,7 @@
             <p:cNvPr id="32" name="işlïďe">
               <a:extLst>
                 <a:ext uri="{FF2B5EF4-FFF2-40B4-BE49-F238E27FC236}">
-                  <a16:creationId xmlns:a16="http://schemas.microsoft.com/office/drawing/2014/main" xmlns="" id="{6F7FE01D-44F0-4E78-AA22-48B1A54F44A8}"/>
+                  <a16:creationId xmlns="" xmlns:a16="http://schemas.microsoft.com/office/drawing/2014/main" id="{6F7FE01D-44F0-4E78-AA22-48B1A54F44A8}"/>
                 </a:ext>
               </a:extLst>
             </p:cNvPr>
@@ -7060,7 +7060,7 @@
             <p:cNvPr id="33" name="iṧļîďê">
               <a:extLst>
                 <a:ext uri="{FF2B5EF4-FFF2-40B4-BE49-F238E27FC236}">
-                  <a16:creationId xmlns:a16="http://schemas.microsoft.com/office/drawing/2014/main" xmlns="" id="{E43ABFED-9DCE-4780-A17B-F275913025D6}"/>
+                  <a16:creationId xmlns="" xmlns:a16="http://schemas.microsoft.com/office/drawing/2014/main" id="{E43ABFED-9DCE-4780-A17B-F275913025D6}"/>
                 </a:ext>
               </a:extLst>
             </p:cNvPr>
@@ -7122,7 +7122,7 @@
             <p:cNvPr id="34" name="ïśľide">
               <a:extLst>
                 <a:ext uri="{FF2B5EF4-FFF2-40B4-BE49-F238E27FC236}">
-                  <a16:creationId xmlns:a16="http://schemas.microsoft.com/office/drawing/2014/main" xmlns="" id="{764B5643-59A7-4278-9C6C-C0772E988BD1}"/>
+                  <a16:creationId xmlns="" xmlns:a16="http://schemas.microsoft.com/office/drawing/2014/main" id="{764B5643-59A7-4278-9C6C-C0772E988BD1}"/>
                 </a:ext>
               </a:extLst>
             </p:cNvPr>
@@ -7184,7 +7184,7 @@
             <p:cNvPr id="35" name="îṣḷiďè">
               <a:extLst>
                 <a:ext uri="{FF2B5EF4-FFF2-40B4-BE49-F238E27FC236}">
-                  <a16:creationId xmlns:a16="http://schemas.microsoft.com/office/drawing/2014/main" xmlns="" id="{A35CCFB0-B280-422B-A372-F1E8A7B37BB7}"/>
+                  <a16:creationId xmlns="" xmlns:a16="http://schemas.microsoft.com/office/drawing/2014/main" id="{A35CCFB0-B280-422B-A372-F1E8A7B37BB7}"/>
                 </a:ext>
               </a:extLst>
             </p:cNvPr>
@@ -7280,7 +7280,7 @@
             <p:cNvPr id="36" name="i$líḓe">
               <a:extLst>
                 <a:ext uri="{FF2B5EF4-FFF2-40B4-BE49-F238E27FC236}">
-                  <a16:creationId xmlns:a16="http://schemas.microsoft.com/office/drawing/2014/main" xmlns="" id="{7F0DCF35-E893-4225-90D5-FBFE48B4C496}"/>
+                  <a16:creationId xmlns="" xmlns:a16="http://schemas.microsoft.com/office/drawing/2014/main" id="{7F0DCF35-E893-4225-90D5-FBFE48B4C496}"/>
                 </a:ext>
               </a:extLst>
             </p:cNvPr>
@@ -7345,7 +7345,7 @@
             <p:cNvPr id="37" name="ïṣḷíḓè">
               <a:extLst>
                 <a:ext uri="{FF2B5EF4-FFF2-40B4-BE49-F238E27FC236}">
-                  <a16:creationId xmlns:a16="http://schemas.microsoft.com/office/drawing/2014/main" xmlns="" id="{A4220D05-442F-428F-ACAE-0BDB7327EE45}"/>
+                  <a16:creationId xmlns="" xmlns:a16="http://schemas.microsoft.com/office/drawing/2014/main" id="{A4220D05-442F-428F-ACAE-0BDB7327EE45}"/>
                 </a:ext>
               </a:extLst>
             </p:cNvPr>
@@ -7485,7 +7485,7 @@
             <p:cNvPr id="38" name="ïślîḓe">
               <a:extLst>
                 <a:ext uri="{FF2B5EF4-FFF2-40B4-BE49-F238E27FC236}">
-                  <a16:creationId xmlns:a16="http://schemas.microsoft.com/office/drawing/2014/main" xmlns="" id="{CA00A810-C422-493F-8762-928602E1666F}"/>
+                  <a16:creationId xmlns="" xmlns:a16="http://schemas.microsoft.com/office/drawing/2014/main" id="{CA00A810-C422-493F-8762-928602E1666F}"/>
                 </a:ext>
               </a:extLst>
             </p:cNvPr>
@@ -7547,7 +7547,7 @@
             <p:cNvPr id="39" name="iṥļïďé">
               <a:extLst>
                 <a:ext uri="{FF2B5EF4-FFF2-40B4-BE49-F238E27FC236}">
-                  <a16:creationId xmlns:a16="http://schemas.microsoft.com/office/drawing/2014/main" xmlns="" id="{8731F971-066B-40AA-B136-58B67564B7ED}"/>
+                  <a16:creationId xmlns="" xmlns:a16="http://schemas.microsoft.com/office/drawing/2014/main" id="{8731F971-066B-40AA-B136-58B67564B7ED}"/>
                 </a:ext>
               </a:extLst>
             </p:cNvPr>
@@ -7609,7 +7609,7 @@
             <p:cNvPr id="40" name="iślíḓé">
               <a:extLst>
                 <a:ext uri="{FF2B5EF4-FFF2-40B4-BE49-F238E27FC236}">
-                  <a16:creationId xmlns:a16="http://schemas.microsoft.com/office/drawing/2014/main" xmlns="" id="{2AABD586-6310-40FF-82C3-735CEE851897}"/>
+                  <a16:creationId xmlns="" xmlns:a16="http://schemas.microsoft.com/office/drawing/2014/main" id="{2AABD586-6310-40FF-82C3-735CEE851897}"/>
                 </a:ext>
               </a:extLst>
             </p:cNvPr>
@@ -7671,7 +7671,7 @@
             <p:cNvPr id="41" name="îşḻïḑé">
               <a:extLst>
                 <a:ext uri="{FF2B5EF4-FFF2-40B4-BE49-F238E27FC236}">
-                  <a16:creationId xmlns:a16="http://schemas.microsoft.com/office/drawing/2014/main" xmlns="" id="{0BDE1E9B-62A3-46F4-AB87-D02F1D6E213F}"/>
+                  <a16:creationId xmlns="" xmlns:a16="http://schemas.microsoft.com/office/drawing/2014/main" id="{0BDE1E9B-62A3-46F4-AB87-D02F1D6E213F}"/>
                 </a:ext>
               </a:extLst>
             </p:cNvPr>
@@ -7733,7 +7733,7 @@
             <p:cNvPr id="42" name="iš1îḓe">
               <a:extLst>
                 <a:ext uri="{FF2B5EF4-FFF2-40B4-BE49-F238E27FC236}">
-                  <a16:creationId xmlns:a16="http://schemas.microsoft.com/office/drawing/2014/main" xmlns="" id="{1846F9CF-B441-4677-B6B7-A82071C6A24C}"/>
+                  <a16:creationId xmlns="" xmlns:a16="http://schemas.microsoft.com/office/drawing/2014/main" id="{1846F9CF-B441-4677-B6B7-A82071C6A24C}"/>
                 </a:ext>
               </a:extLst>
             </p:cNvPr>
@@ -7795,7 +7795,7 @@
             <p:cNvPr id="43" name="iṣļïḋê">
               <a:extLst>
                 <a:ext uri="{FF2B5EF4-FFF2-40B4-BE49-F238E27FC236}">
-                  <a16:creationId xmlns:a16="http://schemas.microsoft.com/office/drawing/2014/main" xmlns="" id="{E6025A34-46AE-457E-AC6F-3CE06D5B4606}"/>
+                  <a16:creationId xmlns="" xmlns:a16="http://schemas.microsoft.com/office/drawing/2014/main" id="{E6025A34-46AE-457E-AC6F-3CE06D5B4606}"/>
                 </a:ext>
               </a:extLst>
             </p:cNvPr>
@@ -7857,7 +7857,7 @@
             <p:cNvPr id="44" name="ïṧḻîdè">
               <a:extLst>
                 <a:ext uri="{FF2B5EF4-FFF2-40B4-BE49-F238E27FC236}">
-                  <a16:creationId xmlns:a16="http://schemas.microsoft.com/office/drawing/2014/main" xmlns="" id="{B3B1207A-F631-4D74-AF71-25164BFA4732}"/>
+                  <a16:creationId xmlns="" xmlns:a16="http://schemas.microsoft.com/office/drawing/2014/main" id="{B3B1207A-F631-4D74-AF71-25164BFA4732}"/>
                 </a:ext>
               </a:extLst>
             </p:cNvPr>
@@ -7919,7 +7919,7 @@
             <p:cNvPr id="45" name="ïṩlîḋè">
               <a:extLst>
                 <a:ext uri="{FF2B5EF4-FFF2-40B4-BE49-F238E27FC236}">
-                  <a16:creationId xmlns:a16="http://schemas.microsoft.com/office/drawing/2014/main" xmlns="" id="{BD4629EF-6FD7-495B-BABC-2117635C362D}"/>
+                  <a16:creationId xmlns="" xmlns:a16="http://schemas.microsoft.com/office/drawing/2014/main" id="{BD4629EF-6FD7-495B-BABC-2117635C362D}"/>
                 </a:ext>
               </a:extLst>
             </p:cNvPr>
@@ -7990,7 +7990,7 @@
             <p:cNvPr id="46" name="îśḻiḑê">
               <a:extLst>
                 <a:ext uri="{FF2B5EF4-FFF2-40B4-BE49-F238E27FC236}">
-                  <a16:creationId xmlns:a16="http://schemas.microsoft.com/office/drawing/2014/main" xmlns="" id="{CEEE656F-2B58-452E-8C4C-A5DC9C34C5FE}"/>
+                  <a16:creationId xmlns="" xmlns:a16="http://schemas.microsoft.com/office/drawing/2014/main" id="{CEEE656F-2B58-452E-8C4C-A5DC9C34C5FE}"/>
                 </a:ext>
               </a:extLst>
             </p:cNvPr>
@@ -8061,7 +8061,7 @@
             <p:cNvPr id="47" name="ísļîḓê">
               <a:extLst>
                 <a:ext uri="{FF2B5EF4-FFF2-40B4-BE49-F238E27FC236}">
-                  <a16:creationId xmlns:a16="http://schemas.microsoft.com/office/drawing/2014/main" xmlns="" id="{30046525-C92C-4D8E-AA3B-B52FFA1759D5}"/>
+                  <a16:creationId xmlns="" xmlns:a16="http://schemas.microsoft.com/office/drawing/2014/main" id="{30046525-C92C-4D8E-AA3B-B52FFA1759D5}"/>
                 </a:ext>
               </a:extLst>
             </p:cNvPr>
@@ -8399,7 +8399,7 @@
           <p:cNvPr id="8" name="日期占位符 7">
             <a:extLst>
               <a:ext uri="{FF2B5EF4-FFF2-40B4-BE49-F238E27FC236}">
-                <a16:creationId xmlns:a16="http://schemas.microsoft.com/office/drawing/2014/main" xmlns="" id="{04388434-9949-479C-A9C3-67A953F6A939}"/>
+                <a16:creationId xmlns="" xmlns:a16="http://schemas.microsoft.com/office/drawing/2014/main" id="{04388434-9949-479C-A9C3-67A953F6A939}"/>
               </a:ext>
             </a:extLst>
           </p:cNvPr>
@@ -8443,7 +8443,7 @@
           <p:cNvPr id="9" name="页脚占位符 8">
             <a:extLst>
               <a:ext uri="{FF2B5EF4-FFF2-40B4-BE49-F238E27FC236}">
-                <a16:creationId xmlns:a16="http://schemas.microsoft.com/office/drawing/2014/main" xmlns="" id="{50A5656E-7A33-4865-A262-1F96263BAA16}"/>
+                <a16:creationId xmlns="" xmlns:a16="http://schemas.microsoft.com/office/drawing/2014/main" id="{50A5656E-7A33-4865-A262-1F96263BAA16}"/>
               </a:ext>
             </a:extLst>
           </p:cNvPr>
@@ -8499,7 +8499,7 @@
           <p:cNvPr id="10" name="灯片编号占位符 9">
             <a:extLst>
               <a:ext uri="{FF2B5EF4-FFF2-40B4-BE49-F238E27FC236}">
-                <a16:creationId xmlns:a16="http://schemas.microsoft.com/office/drawing/2014/main" xmlns="" id="{5BF52F79-380E-4278-8B67-588AFE5840F9}"/>
+                <a16:creationId xmlns="" xmlns:a16="http://schemas.microsoft.com/office/drawing/2014/main" id="{5BF52F79-380E-4278-8B67-588AFE5840F9}"/>
               </a:ext>
             </a:extLst>
           </p:cNvPr>
@@ -8842,7 +8842,7 @@
   </p:txStyles>
   <p:extLst>
     <p:ext uri="{27BBF7A9-308A-43DC-89C8-2F10F3537804}">
-      <p15:sldGuideLst xmlns:p15="http://schemas.microsoft.com/office/powerpoint/2012/main" xmlns="">
+      <p15:sldGuideLst xmlns="" xmlns:p15="http://schemas.microsoft.com/office/powerpoint/2012/main">
         <p15:guide id="1" pos="422" userDrawn="1">
           <p15:clr>
             <a:srgbClr val="F26B43"/>
@@ -8901,7 +8901,7 @@
           <p:cNvPr id="3" name="ïṩḷiḑé" hidden="1">
             <a:extLst>
               <a:ext uri="{FF2B5EF4-FFF2-40B4-BE49-F238E27FC236}">
-                <a16:creationId xmlns:a16="http://schemas.microsoft.com/office/drawing/2014/main" xmlns="" id="{3C326D0B-7DAB-41B6-8030-2E4A18CC949B}"/>
+                <a16:creationId xmlns="" xmlns:a16="http://schemas.microsoft.com/office/drawing/2014/main" id="{3C326D0B-7DAB-41B6-8030-2E4A18CC949B}"/>
               </a:ext>
             </a:extLst>
           </p:cNvPr>
@@ -8924,7 +8924,7 @@
           <a:graphicData uri="http://schemas.openxmlformats.org/presentationml/2006/ole">
             <mc:AlternateContent xmlns:mc="http://schemas.openxmlformats.org/markup-compatibility/2006">
               <mc:Choice xmlns:v="urn:schemas-microsoft-com:vml" Requires="v">
-                <p:oleObj spid="_x0000_s1082" name="think-cell Slide" r:id="rId5" imgW="347" imgH="348" progId="TCLayout.ActiveDocument.1">
+                <p:oleObj spid="_x0000_s1084" name="think-cell Slide" r:id="rId5" imgW="347" imgH="348" progId="TCLayout.ActiveDocument.1">
                   <p:embed/>
                 </p:oleObj>
               </mc:Choice>
@@ -8936,7 +8936,7 @@
                       <p:cNvPr id="3" name="iş1iďé" hidden="1">
                         <a:extLst>
                           <a:ext uri="{FF2B5EF4-FFF2-40B4-BE49-F238E27FC236}">
-                            <a16:creationId xmlns:a16="http://schemas.microsoft.com/office/drawing/2014/main" xmlns="" id="{3C326D0B-7DAB-41B6-8030-2E4A18CC949B}"/>
+                            <a16:creationId xmlns="" xmlns:a16="http://schemas.microsoft.com/office/drawing/2014/main" id="{3C326D0B-7DAB-41B6-8030-2E4A18CC949B}"/>
                           </a:ext>
                         </a:extLst>
                       </p:cNvPr>
@@ -8970,7 +8970,7 @@
           <p:cNvPr id="2" name="ïsľîḑè" hidden="1">
             <a:extLst>
               <a:ext uri="{FF2B5EF4-FFF2-40B4-BE49-F238E27FC236}">
-                <a16:creationId xmlns:a16="http://schemas.microsoft.com/office/drawing/2014/main" xmlns="" id="{EC933494-1B63-4A32-964F-D05236799BAA}"/>
+                <a16:creationId xmlns="" xmlns:a16="http://schemas.microsoft.com/office/drawing/2014/main" id="{EC933494-1B63-4A32-964F-D05236799BAA}"/>
               </a:ext>
             </a:extLst>
           </p:cNvPr>
@@ -11701,18 +11701,17 @@
           <a:lstStyle/>
           <a:p>
             <a:r>
-              <a:rPr lang="zh-CN" altLang="en-US" smtClean="0"/>
+              <a:rPr lang="zh-CN" altLang="en-US" dirty="0"/>
               <a:t>请在插入菜单</a:t>
             </a:r>
             <a:r>
-              <a:rPr lang="en-US" altLang="zh-CN" smtClean="0"/>
+              <a:rPr lang="en-US" altLang="zh-CN" dirty="0"/>
               <a:t>—</a:t>
             </a:r>
             <a:r>
-              <a:rPr lang="zh-CN" altLang="en-US" smtClean="0"/>
+              <a:rPr lang="zh-CN" altLang="en-US" dirty="0"/>
               <a:t>页眉和页脚中修改此文本</a:t>
             </a:r>
-            <a:endParaRPr lang="zh-CN" altLang="en-US" dirty="0"/>
           </a:p>
         </p:txBody>
       </p:sp>
@@ -11735,627 +11734,6 @@
               <a:rPr lang="zh-CN" altLang="en-US" smtClean="0"/>
               <a:pPr/>
               <a:t>16</a:t>
-            </a:fld>
-            <a:endParaRPr lang="zh-CN" altLang="en-US"/>
-          </a:p>
-        </p:txBody>
-      </p:sp>
-      <p:sp>
-        <p:nvSpPr>
-          <p:cNvPr id="4" name="標題 3"/>
-          <p:cNvSpPr>
-            <a:spLocks noGrp="1"/>
-          </p:cNvSpPr>
-          <p:nvPr>
-            <p:ph type="title"/>
-          </p:nvPr>
-        </p:nvSpPr>
-        <p:spPr/>
-        <p:txBody>
-          <a:bodyPr/>
-          <a:lstStyle/>
-          <a:p>
-            <a:r>
-              <a:rPr lang="en-US" altLang="zh-TW" dirty="0"/>
-              <a:t>Encoder-Decoder </a:t>
-            </a:r>
-            <a:r>
-              <a:rPr lang="zh-TW" altLang="en-US" dirty="0"/>
-              <a:t>架構</a:t>
-            </a:r>
-          </a:p>
-        </p:txBody>
-      </p:sp>
-      <p:sp>
-        <p:nvSpPr>
-          <p:cNvPr id="5" name="內容版面配置區 4"/>
-          <p:cNvSpPr>
-            <a:spLocks noGrp="1"/>
-          </p:cNvSpPr>
-          <p:nvPr>
-            <p:ph sz="quarter" idx="13"/>
-          </p:nvPr>
-        </p:nvSpPr>
-        <p:spPr/>
-        <p:txBody>
-          <a:bodyPr/>
-          <a:lstStyle/>
-          <a:p>
-            <a:r>
-              <a:rPr lang="zh-TW" altLang="en-US" dirty="0"/>
-              <a:t>我們遇到的大部分問題序列都是不等長的，如機器翻譯中，源語言和目標語言的句子往往並沒有相同的長度。</a:t>
-            </a:r>
-          </a:p>
-          <a:p>
-            <a:r>
-              <a:rPr lang="zh-TW" altLang="en-US" dirty="0"/>
-              <a:t>其建模步驟如下：</a:t>
-            </a:r>
-          </a:p>
-          <a:p>
-            <a:r>
-              <a:rPr lang="zh-TW" altLang="en-US" dirty="0"/>
-              <a:t>步驟一：將輸入數據編碼成一個上下文向量𝑐，這部分稱為</a:t>
-            </a:r>
-            <a:r>
-              <a:rPr lang="en-US" altLang="zh-TW" dirty="0"/>
-              <a:t>Encoder</a:t>
-            </a:r>
-            <a:r>
-              <a:rPr lang="zh-TW" altLang="en-US" dirty="0"/>
-              <a:t>，得到𝑐有多種方式，最簡單的方法就是把</a:t>
-            </a:r>
-            <a:r>
-              <a:rPr lang="en-US" altLang="zh-TW" dirty="0"/>
-              <a:t>Encoder</a:t>
-            </a:r>
-            <a:r>
-              <a:rPr lang="zh-TW" altLang="en-US" dirty="0"/>
-              <a:t>的最後一個隱狀態賦值給𝑐，還可以對最後的隱狀態做一個變換得到𝑐，也可以對所有的隱狀態做變換。其示意如下所示：</a:t>
-            </a:r>
-          </a:p>
-        </p:txBody>
-      </p:sp>
-      <p:pic>
-        <p:nvPicPr>
-          <p:cNvPr id="4098" name="Picture 2" descr="E:\Delete\git_r\two_month_report\202011_2021_1\11_16_to_11_20_third\img\encoder.jpg"/>
-          <p:cNvPicPr>
-            <a:picLocks noChangeAspect="1" noChangeArrowheads="1"/>
-          </p:cNvPicPr>
-          <p:nvPr/>
-        </p:nvPicPr>
-        <p:blipFill>
-          <a:blip r:embed="rId2">
-            <a:extLst>
-              <a:ext uri="{28A0092B-C50C-407E-A947-70E740481C1C}">
-                <a14:useLocalDpi xmlns:a14="http://schemas.microsoft.com/office/drawing/2010/main" val="0"/>
-              </a:ext>
-            </a:extLst>
-          </a:blip>
-          <a:srcRect/>
-          <a:stretch>
-            <a:fillRect/>
-          </a:stretch>
-        </p:blipFill>
-        <p:spPr bwMode="auto">
-          <a:xfrm>
-            <a:off x="4076700" y="2705135"/>
-            <a:ext cx="6375400" cy="4152865"/>
-          </a:xfrm>
-          <a:prstGeom prst="rect">
-            <a:avLst/>
-          </a:prstGeom>
-          <a:noFill/>
-          <a:extLst>
-            <a:ext uri="{909E8E84-426E-40DD-AFC4-6F175D3DCCD1}">
-              <a14:hiddenFill xmlns:a14="http://schemas.microsoft.com/office/drawing/2010/main">
-                <a:solidFill>
-                  <a:srgbClr val="FFFFFF"/>
-                </a:solidFill>
-              </a14:hiddenFill>
-            </a:ext>
-          </a:extLst>
-        </p:spPr>
-      </p:pic>
-    </p:spTree>
-    <p:extLst>
-      <p:ext uri="{BB962C8B-B14F-4D97-AF65-F5344CB8AC3E}">
-        <p14:creationId xmlns:p14="http://schemas.microsoft.com/office/powerpoint/2010/main" val="3983785648"/>
-      </p:ext>
-    </p:extLst>
-  </p:cSld>
-  <p:clrMapOvr>
-    <a:masterClrMapping/>
-  </p:clrMapOvr>
-</p:sld>
-</file>
-
-<file path=ppt/slides/slide17.xml><?xml version="1.0" encoding="utf-8"?>
-<p:sld xmlns:a="http://schemas.openxmlformats.org/drawingml/2006/main" xmlns:r="http://schemas.openxmlformats.org/officeDocument/2006/relationships" xmlns:p="http://schemas.openxmlformats.org/presentationml/2006/main">
-  <p:cSld>
-    <p:spTree>
-      <p:nvGrpSpPr>
-        <p:cNvPr id="1" name=""/>
-        <p:cNvGrpSpPr/>
-        <p:nvPr/>
-      </p:nvGrpSpPr>
-      <p:grpSpPr>
-        <a:xfrm>
-          <a:off x="0" y="0"/>
-          <a:ext cx="0" cy="0"/>
-          <a:chOff x="0" y="0"/>
-          <a:chExt cx="0" cy="0"/>
-        </a:xfrm>
-      </p:grpSpPr>
-      <p:sp>
-        <p:nvSpPr>
-          <p:cNvPr id="2" name="頁尾版面配置區 1"/>
-          <p:cNvSpPr>
-            <a:spLocks noGrp="1"/>
-          </p:cNvSpPr>
-          <p:nvPr>
-            <p:ph type="ftr" sz="quarter" idx="11"/>
-          </p:nvPr>
-        </p:nvSpPr>
-        <p:spPr/>
-        <p:txBody>
-          <a:bodyPr/>
-          <a:lstStyle/>
-          <a:p>
-            <a:r>
-              <a:rPr lang="zh-CN" altLang="en-US" smtClean="0"/>
-              <a:t>请在插入菜单</a:t>
-            </a:r>
-            <a:r>
-              <a:rPr lang="en-US" altLang="zh-CN" smtClean="0"/>
-              <a:t>—</a:t>
-            </a:r>
-            <a:r>
-              <a:rPr lang="zh-CN" altLang="en-US" smtClean="0"/>
-              <a:t>页眉和页脚中修改此文本</a:t>
-            </a:r>
-            <a:endParaRPr lang="zh-CN" altLang="en-US" dirty="0"/>
-          </a:p>
-        </p:txBody>
-      </p:sp>
-      <p:sp>
-        <p:nvSpPr>
-          <p:cNvPr id="3" name="投影片編號版面配置區 2"/>
-          <p:cNvSpPr>
-            <a:spLocks noGrp="1"/>
-          </p:cNvSpPr>
-          <p:nvPr>
-            <p:ph type="sldNum" sz="quarter" idx="12"/>
-          </p:nvPr>
-        </p:nvSpPr>
-        <p:spPr>
-          <a:xfrm>
-            <a:off x="8280399" y="6088063"/>
-            <a:ext cx="2909888" cy="206381"/>
-          </a:xfrm>
-        </p:spPr>
-        <p:txBody>
-          <a:bodyPr/>
-          <a:lstStyle/>
-          <a:p>
-            <a:fld id="{5DD3DB80-B894-403A-B48E-6FDC1A72010E}" type="slidenum">
-              <a:rPr lang="zh-CN" altLang="en-US" smtClean="0"/>
-              <a:pPr/>
-              <a:t>17</a:t>
-            </a:fld>
-            <a:endParaRPr lang="zh-CN" altLang="en-US"/>
-          </a:p>
-        </p:txBody>
-      </p:sp>
-      <p:sp>
-        <p:nvSpPr>
-          <p:cNvPr id="4" name="標題 3"/>
-          <p:cNvSpPr>
-            <a:spLocks noGrp="1"/>
-          </p:cNvSpPr>
-          <p:nvPr>
-            <p:ph type="title"/>
-          </p:nvPr>
-        </p:nvSpPr>
-        <p:spPr/>
-        <p:txBody>
-          <a:bodyPr/>
-          <a:lstStyle/>
-          <a:p>
-            <a:r>
-              <a:rPr lang="en-US" altLang="zh-TW" dirty="0"/>
-              <a:t>Encoder-Decoder </a:t>
-            </a:r>
-            <a:r>
-              <a:rPr lang="zh-TW" altLang="en-US" dirty="0"/>
-              <a:t>架構</a:t>
-            </a:r>
-          </a:p>
-        </p:txBody>
-      </p:sp>
-      <p:sp>
-        <p:nvSpPr>
-          <p:cNvPr id="5" name="內容版面配置區 4"/>
-          <p:cNvSpPr>
-            <a:spLocks noGrp="1"/>
-          </p:cNvSpPr>
-          <p:nvPr>
-            <p:ph sz="quarter" idx="13"/>
-          </p:nvPr>
-        </p:nvSpPr>
-        <p:spPr/>
-        <p:txBody>
-          <a:bodyPr/>
-          <a:lstStyle/>
-          <a:p>
-            <a:r>
-              <a:rPr lang="zh-TW" altLang="en-US" dirty="0"/>
-              <a:t>步驟二：用另一個</a:t>
-            </a:r>
-            <a:r>
-              <a:rPr lang="en-US" altLang="zh-TW" dirty="0"/>
-              <a:t>RNN</a:t>
-            </a:r>
-            <a:r>
-              <a:rPr lang="zh-TW" altLang="en-US" dirty="0"/>
-              <a:t>網絡（我們將其稱為</a:t>
-            </a:r>
-            <a:r>
-              <a:rPr lang="en-US" altLang="zh-TW" dirty="0"/>
-              <a:t>Decoder</a:t>
-            </a:r>
-            <a:r>
-              <a:rPr lang="zh-TW" altLang="en-US" dirty="0"/>
-              <a:t>）對其進行編碼，方法一是將步驟一中的𝑐</a:t>
-            </a:r>
-            <a:r>
-              <a:rPr lang="en-US" altLang="zh-TW" dirty="0"/>
-              <a:t>•</a:t>
-            </a:r>
-            <a:r>
-              <a:rPr lang="zh-TW" altLang="en-US" dirty="0"/>
-              <a:t>作為初始狀態輸入到</a:t>
-            </a:r>
-            <a:r>
-              <a:rPr lang="en-US" altLang="zh-TW" dirty="0"/>
-              <a:t>Decoder</a:t>
-            </a:r>
-            <a:r>
-              <a:rPr lang="zh-TW" altLang="en-US" dirty="0"/>
-              <a:t>，示意圖如下所示</a:t>
-            </a:r>
-            <a:r>
-              <a:rPr lang="zh-TW" altLang="en-US" dirty="0" smtClean="0"/>
-              <a:t>：</a:t>
-            </a:r>
-            <a:endParaRPr lang="en-US" altLang="zh-TW" dirty="0" smtClean="0"/>
-          </a:p>
-          <a:p>
-            <a:r>
-              <a:rPr lang="zh-TW" altLang="en-US" dirty="0" smtClean="0"/>
-              <a:t> 後續的新的神經網路架構</a:t>
-            </a:r>
-            <a:r>
-              <a:rPr lang="zh-TW" altLang="en-US" dirty="0"/>
-              <a:t>有</a:t>
-            </a:r>
-            <a:r>
-              <a:rPr lang="zh-TW" altLang="en-US" dirty="0" smtClean="0"/>
-              <a:t>個以此為改善做出重大變革的 </a:t>
-            </a:r>
-            <a:r>
-              <a:rPr lang="en-US" altLang="zh-TW" smtClean="0"/>
-              <a:t>transformer model</a:t>
-            </a:r>
-            <a:endParaRPr lang="zh-TW" altLang="en-US" dirty="0"/>
-          </a:p>
-          <a:p>
-            <a:endParaRPr lang="zh-TW" altLang="en-US" dirty="0"/>
-          </a:p>
-          <a:p>
-            <a:endParaRPr lang="zh-TW" altLang="en-US" dirty="0"/>
-          </a:p>
-        </p:txBody>
-      </p:sp>
-      <p:pic>
-        <p:nvPicPr>
-          <p:cNvPr id="5122" name="Picture 2" descr="E:\Delete\git_r\two_month_report\202011_2021_1\11_16_to_11_20_third\img\decoder.jpg"/>
-          <p:cNvPicPr>
-            <a:picLocks noChangeAspect="1" noChangeArrowheads="1"/>
-          </p:cNvPicPr>
-          <p:nvPr/>
-        </p:nvPicPr>
-        <p:blipFill>
-          <a:blip r:embed="rId2">
-            <a:extLst>
-              <a:ext uri="{28A0092B-C50C-407E-A947-70E740481C1C}">
-                <a14:useLocalDpi xmlns:a14="http://schemas.microsoft.com/office/drawing/2010/main" val="0"/>
-              </a:ext>
-            </a:extLst>
-          </a:blip>
-          <a:srcRect/>
-          <a:stretch>
-            <a:fillRect/>
-          </a:stretch>
-        </p:blipFill>
-        <p:spPr bwMode="auto">
-          <a:xfrm>
-            <a:off x="1689098" y="2738438"/>
-            <a:ext cx="8428141" cy="3382962"/>
-          </a:xfrm>
-          <a:prstGeom prst="rect">
-            <a:avLst/>
-          </a:prstGeom>
-          <a:noFill/>
-          <a:extLst>
-            <a:ext uri="{909E8E84-426E-40DD-AFC4-6F175D3DCCD1}">
-              <a14:hiddenFill xmlns:a14="http://schemas.microsoft.com/office/drawing/2010/main">
-                <a:solidFill>
-                  <a:srgbClr val="FFFFFF"/>
-                </a:solidFill>
-              </a14:hiddenFill>
-            </a:ext>
-          </a:extLst>
-        </p:spPr>
-      </p:pic>
-    </p:spTree>
-    <p:extLst>
-      <p:ext uri="{BB962C8B-B14F-4D97-AF65-F5344CB8AC3E}">
-        <p14:creationId xmlns:p14="http://schemas.microsoft.com/office/powerpoint/2010/main" val="1180708939"/>
-      </p:ext>
-    </p:extLst>
-  </p:cSld>
-  <p:clrMapOvr>
-    <a:masterClrMapping/>
-  </p:clrMapOvr>
-</p:sld>
-</file>
-
-<file path=ppt/slides/slide18.xml><?xml version="1.0" encoding="utf-8"?>
-<p:sld xmlns:a="http://schemas.openxmlformats.org/drawingml/2006/main" xmlns:r="http://schemas.openxmlformats.org/officeDocument/2006/relationships" xmlns:p="http://schemas.openxmlformats.org/presentationml/2006/main">
-  <p:cSld>
-    <p:spTree>
-      <p:nvGrpSpPr>
-        <p:cNvPr id="1" name=""/>
-        <p:cNvGrpSpPr/>
-        <p:nvPr/>
-      </p:nvGrpSpPr>
-      <p:grpSpPr>
-        <a:xfrm>
-          <a:off x="0" y="0"/>
-          <a:ext cx="0" cy="0"/>
-          <a:chOff x="0" y="0"/>
-          <a:chExt cx="0" cy="0"/>
-        </a:xfrm>
-      </p:grpSpPr>
-      <p:sp>
-        <p:nvSpPr>
-          <p:cNvPr id="2" name="頁尾版面配置區 1"/>
-          <p:cNvSpPr>
-            <a:spLocks noGrp="1"/>
-          </p:cNvSpPr>
-          <p:nvPr>
-            <p:ph type="ftr" sz="quarter" idx="11"/>
-          </p:nvPr>
-        </p:nvSpPr>
-        <p:spPr/>
-        <p:txBody>
-          <a:bodyPr/>
-          <a:lstStyle/>
-          <a:p>
-            <a:r>
-              <a:rPr lang="zh-CN" altLang="en-US" smtClean="0"/>
-              <a:t>请在插入菜单</a:t>
-            </a:r>
-            <a:r>
-              <a:rPr lang="en-US" altLang="zh-CN" smtClean="0"/>
-              <a:t>—</a:t>
-            </a:r>
-            <a:r>
-              <a:rPr lang="zh-CN" altLang="en-US" smtClean="0"/>
-              <a:t>页眉和页脚中修改此文本</a:t>
-            </a:r>
-            <a:endParaRPr lang="zh-CN" altLang="en-US" dirty="0"/>
-          </a:p>
-        </p:txBody>
-      </p:sp>
-      <p:sp>
-        <p:nvSpPr>
-          <p:cNvPr id="3" name="投影片編號版面配置區 2"/>
-          <p:cNvSpPr>
-            <a:spLocks noGrp="1"/>
-          </p:cNvSpPr>
-          <p:nvPr>
-            <p:ph type="sldNum" sz="quarter" idx="12"/>
-          </p:nvPr>
-        </p:nvSpPr>
-        <p:spPr>
-          <a:xfrm>
-            <a:off x="8280399" y="6088063"/>
-            <a:ext cx="2909888" cy="206381"/>
-          </a:xfrm>
-        </p:spPr>
-        <p:txBody>
-          <a:bodyPr/>
-          <a:lstStyle/>
-          <a:p>
-            <a:fld id="{5DD3DB80-B894-403A-B48E-6FDC1A72010E}" type="slidenum">
-              <a:rPr lang="zh-CN" altLang="en-US" smtClean="0"/>
-              <a:pPr/>
-              <a:t>18</a:t>
-            </a:fld>
-            <a:endParaRPr lang="zh-CN" altLang="en-US"/>
-          </a:p>
-        </p:txBody>
-      </p:sp>
-      <p:sp>
-        <p:nvSpPr>
-          <p:cNvPr id="4" name="標題 3"/>
-          <p:cNvSpPr>
-            <a:spLocks noGrp="1"/>
-          </p:cNvSpPr>
-          <p:nvPr>
-            <p:ph type="title"/>
-          </p:nvPr>
-        </p:nvSpPr>
-        <p:spPr/>
-        <p:txBody>
-          <a:bodyPr/>
-          <a:lstStyle/>
-          <a:p>
-            <a:r>
-              <a:rPr lang="en-US" altLang="zh-TW" dirty="0"/>
-              <a:t>Encoder-Decoder </a:t>
-            </a:r>
-            <a:r>
-              <a:rPr lang="zh-TW" altLang="en-US" dirty="0"/>
-              <a:t>架構</a:t>
-            </a:r>
-          </a:p>
-        </p:txBody>
-      </p:sp>
-      <p:sp>
-        <p:nvSpPr>
-          <p:cNvPr id="5" name="內容版面配置區 4"/>
-          <p:cNvSpPr>
-            <a:spLocks noGrp="1"/>
-          </p:cNvSpPr>
-          <p:nvPr>
-            <p:ph sz="quarter" idx="13"/>
-          </p:nvPr>
-        </p:nvSpPr>
-        <p:spPr/>
-        <p:txBody>
-          <a:bodyPr/>
-          <a:lstStyle/>
-          <a:p>
-            <a:endParaRPr lang="zh-TW" altLang="en-US" dirty="0"/>
-          </a:p>
-          <a:p>
-            <a:endParaRPr lang="zh-TW" altLang="en-US" dirty="0"/>
-          </a:p>
-        </p:txBody>
-      </p:sp>
-      <p:pic>
-        <p:nvPicPr>
-          <p:cNvPr id="4098" name="Picture 2" descr="E:\Delete\git_r\two_month_report\202011_2021_1\11_16_to_11_20_third\img\encoder-decoder2.jpg"/>
-          <p:cNvPicPr>
-            <a:picLocks noChangeAspect="1" noChangeArrowheads="1"/>
-          </p:cNvPicPr>
-          <p:nvPr/>
-        </p:nvPicPr>
-        <p:blipFill>
-          <a:blip r:embed="rId2">
-            <a:extLst>
-              <a:ext uri="{28A0092B-C50C-407E-A947-70E740481C1C}">
-                <a14:useLocalDpi xmlns:a14="http://schemas.microsoft.com/office/drawing/2010/main" val="0"/>
-              </a:ext>
-            </a:extLst>
-          </a:blip>
-          <a:srcRect/>
-          <a:stretch>
-            <a:fillRect/>
-          </a:stretch>
-        </p:blipFill>
-        <p:spPr bwMode="auto">
-          <a:xfrm>
-            <a:off x="1689099" y="1390650"/>
-            <a:ext cx="7983769" cy="4413250"/>
-          </a:xfrm>
-          <a:prstGeom prst="rect">
-            <a:avLst/>
-          </a:prstGeom>
-          <a:noFill/>
-          <a:extLst>
-            <a:ext uri="{909E8E84-426E-40DD-AFC4-6F175D3DCCD1}">
-              <a14:hiddenFill xmlns:a14="http://schemas.microsoft.com/office/drawing/2010/main">
-                <a:solidFill>
-                  <a:srgbClr val="FFFFFF"/>
-                </a:solidFill>
-              </a14:hiddenFill>
-            </a:ext>
-          </a:extLst>
-        </p:spPr>
-      </p:pic>
-    </p:spTree>
-    <p:extLst>
-      <p:ext uri="{BB962C8B-B14F-4D97-AF65-F5344CB8AC3E}">
-        <p14:creationId xmlns:p14="http://schemas.microsoft.com/office/powerpoint/2010/main" val="710895874"/>
-      </p:ext>
-    </p:extLst>
-  </p:cSld>
-  <p:clrMapOvr>
-    <a:masterClrMapping/>
-  </p:clrMapOvr>
-</p:sld>
-</file>
-
-<file path=ppt/slides/slide19.xml><?xml version="1.0" encoding="utf-8"?>
-<p:sld xmlns:a="http://schemas.openxmlformats.org/drawingml/2006/main" xmlns:r="http://schemas.openxmlformats.org/officeDocument/2006/relationships" xmlns:p="http://schemas.openxmlformats.org/presentationml/2006/main">
-  <p:cSld>
-    <p:spTree>
-      <p:nvGrpSpPr>
-        <p:cNvPr id="1" name=""/>
-        <p:cNvGrpSpPr/>
-        <p:nvPr/>
-      </p:nvGrpSpPr>
-      <p:grpSpPr>
-        <a:xfrm>
-          <a:off x="0" y="0"/>
-          <a:ext cx="0" cy="0"/>
-          <a:chOff x="0" y="0"/>
-          <a:chExt cx="0" cy="0"/>
-        </a:xfrm>
-      </p:grpSpPr>
-      <p:sp>
-        <p:nvSpPr>
-          <p:cNvPr id="2" name="頁尾版面配置區 1"/>
-          <p:cNvSpPr>
-            <a:spLocks noGrp="1"/>
-          </p:cNvSpPr>
-          <p:nvPr>
-            <p:ph type="ftr" sz="quarter" idx="11"/>
-          </p:nvPr>
-        </p:nvSpPr>
-        <p:spPr/>
-        <p:txBody>
-          <a:bodyPr/>
-          <a:lstStyle/>
-          <a:p>
-            <a:r>
-              <a:rPr lang="zh-CN" altLang="en-US" dirty="0"/>
-              <a:t>请在插入菜单</a:t>
-            </a:r>
-            <a:r>
-              <a:rPr lang="en-US" altLang="zh-CN" dirty="0"/>
-              <a:t>—</a:t>
-            </a:r>
-            <a:r>
-              <a:rPr lang="zh-CN" altLang="en-US" dirty="0"/>
-              <a:t>页眉和页脚中修改此文本</a:t>
-            </a:r>
-          </a:p>
-        </p:txBody>
-      </p:sp>
-      <p:sp>
-        <p:nvSpPr>
-          <p:cNvPr id="3" name="投影片編號版面配置區 2"/>
-          <p:cNvSpPr>
-            <a:spLocks noGrp="1"/>
-          </p:cNvSpPr>
-          <p:nvPr>
-            <p:ph type="sldNum" sz="quarter" idx="12"/>
-          </p:nvPr>
-        </p:nvSpPr>
-        <p:spPr/>
-        <p:txBody>
-          <a:bodyPr/>
-          <a:lstStyle/>
-          <a:p>
-            <a:fld id="{5DD3DB80-B894-403A-B48E-6FDC1A72010E}" type="slidenum">
-              <a:rPr lang="zh-CN" altLang="en-US" smtClean="0"/>
-              <a:pPr/>
-              <a:t>19</a:t>
             </a:fld>
             <a:endParaRPr lang="zh-CN" altLang="en-US"/>
           </a:p>
@@ -12444,6 +11822,603 @@
 </p:sld>
 </file>
 
+<file path=ppt/slides/slide17.xml><?xml version="1.0" encoding="utf-8"?>
+<p:sld xmlns:a="http://schemas.openxmlformats.org/drawingml/2006/main" xmlns:r="http://schemas.openxmlformats.org/officeDocument/2006/relationships" xmlns:p="http://schemas.openxmlformats.org/presentationml/2006/main">
+  <p:cSld>
+    <p:spTree>
+      <p:nvGrpSpPr>
+        <p:cNvPr id="1" name=""/>
+        <p:cNvGrpSpPr/>
+        <p:nvPr/>
+      </p:nvGrpSpPr>
+      <p:grpSpPr>
+        <a:xfrm>
+          <a:off x="0" y="0"/>
+          <a:ext cx="0" cy="0"/>
+          <a:chOff x="0" y="0"/>
+          <a:chExt cx="0" cy="0"/>
+        </a:xfrm>
+      </p:grpSpPr>
+      <p:sp>
+        <p:nvSpPr>
+          <p:cNvPr id="2" name="頁尾版面配置區 1"/>
+          <p:cNvSpPr>
+            <a:spLocks noGrp="1"/>
+          </p:cNvSpPr>
+          <p:nvPr>
+            <p:ph type="ftr" sz="quarter" idx="11"/>
+          </p:nvPr>
+        </p:nvSpPr>
+        <p:spPr/>
+        <p:txBody>
+          <a:bodyPr/>
+          <a:lstStyle/>
+          <a:p>
+            <a:r>
+              <a:rPr lang="zh-CN" altLang="en-US"/>
+              <a:t>请在插入菜单</a:t>
+            </a:r>
+            <a:r>
+              <a:rPr lang="en-US" altLang="zh-CN"/>
+              <a:t>—</a:t>
+            </a:r>
+            <a:r>
+              <a:rPr lang="zh-CN" altLang="en-US"/>
+              <a:t>页眉和页脚中修改此文本</a:t>
+            </a:r>
+            <a:endParaRPr lang="zh-CN" altLang="en-US" dirty="0"/>
+          </a:p>
+        </p:txBody>
+      </p:sp>
+      <p:sp>
+        <p:nvSpPr>
+          <p:cNvPr id="3" name="投影片編號版面配置區 2"/>
+          <p:cNvSpPr>
+            <a:spLocks noGrp="1"/>
+          </p:cNvSpPr>
+          <p:nvPr>
+            <p:ph type="sldNum" sz="quarter" idx="12"/>
+          </p:nvPr>
+        </p:nvSpPr>
+        <p:spPr/>
+        <p:txBody>
+          <a:bodyPr/>
+          <a:lstStyle/>
+          <a:p>
+            <a:fld id="{5DD3DB80-B894-403A-B48E-6FDC1A72010E}" type="slidenum">
+              <a:rPr lang="zh-CN" altLang="en-US" smtClean="0"/>
+              <a:pPr/>
+              <a:t>17</a:t>
+            </a:fld>
+            <a:endParaRPr lang="zh-CN" altLang="en-US"/>
+          </a:p>
+        </p:txBody>
+      </p:sp>
+      <p:sp>
+        <p:nvSpPr>
+          <p:cNvPr id="4" name="標題 3"/>
+          <p:cNvSpPr>
+            <a:spLocks noGrp="1"/>
+          </p:cNvSpPr>
+          <p:nvPr>
+            <p:ph type="title"/>
+          </p:nvPr>
+        </p:nvSpPr>
+        <p:spPr/>
+        <p:txBody>
+          <a:bodyPr/>
+          <a:lstStyle/>
+          <a:p>
+            <a:r>
+              <a:rPr lang="zh-TW" altLang="en-US" dirty="0"/>
+              <a:t>典型</a:t>
+            </a:r>
+            <a:r>
+              <a:rPr lang="en-US" altLang="zh-TW" dirty="0"/>
+              <a:t>RNN</a:t>
+            </a:r>
+            <a:r>
+              <a:rPr lang="zh-TW" altLang="en-US" dirty="0"/>
+              <a:t>模型</a:t>
+            </a:r>
+          </a:p>
+        </p:txBody>
+      </p:sp>
+      <p:sp>
+        <p:nvSpPr>
+          <p:cNvPr id="5" name="內容版面配置區 4"/>
+          <p:cNvSpPr>
+            <a:spLocks noGrp="1"/>
+          </p:cNvSpPr>
+          <p:nvPr>
+            <p:ph sz="quarter" idx="13"/>
+          </p:nvPr>
+        </p:nvSpPr>
+        <p:spPr/>
+        <p:txBody>
+          <a:bodyPr/>
+          <a:lstStyle/>
+          <a:p>
+            <a:endParaRPr lang="zh-TW" altLang="en-US" dirty="0"/>
+          </a:p>
+        </p:txBody>
+      </p:sp>
+      <p:pic>
+        <p:nvPicPr>
+          <p:cNvPr id="15362" name="Picture 2" descr="E:\Delete\git_r\two_month_report\202011_2021_1\11_16_to_11_20_third\img\rnn_classic.png"/>
+          <p:cNvPicPr>
+            <a:picLocks noChangeAspect="1" noChangeArrowheads="1"/>
+          </p:cNvPicPr>
+          <p:nvPr/>
+        </p:nvPicPr>
+        <p:blipFill>
+          <a:blip r:embed="rId2" cstate="print">
+            <a:extLst>
+              <a:ext uri="{28A0092B-C50C-407E-A947-70E740481C1C}">
+                <a14:useLocalDpi xmlns:a14="http://schemas.microsoft.com/office/drawing/2010/main" val="0"/>
+              </a:ext>
+            </a:extLst>
+          </a:blip>
+          <a:srcRect/>
+          <a:stretch>
+            <a:fillRect/>
+          </a:stretch>
+        </p:blipFill>
+        <p:spPr bwMode="auto">
+          <a:xfrm>
+            <a:off x="1900238" y="1524000"/>
+            <a:ext cx="7786580" cy="4438650"/>
+          </a:xfrm>
+          <a:prstGeom prst="rect">
+            <a:avLst/>
+          </a:prstGeom>
+          <a:noFill/>
+          <a:extLst>
+            <a:ext uri="{909E8E84-426E-40DD-AFC4-6F175D3DCCD1}">
+              <a14:hiddenFill xmlns:a14="http://schemas.microsoft.com/office/drawing/2010/main">
+                <a:solidFill>
+                  <a:srgbClr val="FFFFFF"/>
+                </a:solidFill>
+              </a14:hiddenFill>
+            </a:ext>
+          </a:extLst>
+        </p:spPr>
+      </p:pic>
+    </p:spTree>
+    <p:extLst>
+      <p:ext uri="{BB962C8B-B14F-4D97-AF65-F5344CB8AC3E}">
+        <p14:creationId xmlns:p14="http://schemas.microsoft.com/office/powerpoint/2010/main" val="2821566931"/>
+      </p:ext>
+    </p:extLst>
+  </p:cSld>
+  <p:clrMapOvr>
+    <a:masterClrMapping/>
+  </p:clrMapOvr>
+</p:sld>
+</file>
+
+<file path=ppt/slides/slide18.xml><?xml version="1.0" encoding="utf-8"?>
+<p:sld xmlns:a="http://schemas.openxmlformats.org/drawingml/2006/main" xmlns:r="http://schemas.openxmlformats.org/officeDocument/2006/relationships" xmlns:p="http://schemas.openxmlformats.org/presentationml/2006/main">
+  <p:cSld>
+    <p:spTree>
+      <p:nvGrpSpPr>
+        <p:cNvPr id="1" name=""/>
+        <p:cNvGrpSpPr/>
+        <p:nvPr/>
+      </p:nvGrpSpPr>
+      <p:grpSpPr>
+        <a:xfrm>
+          <a:off x="0" y="0"/>
+          <a:ext cx="0" cy="0"/>
+          <a:chOff x="0" y="0"/>
+          <a:chExt cx="0" cy="0"/>
+        </a:xfrm>
+      </p:grpSpPr>
+      <p:sp>
+        <p:nvSpPr>
+          <p:cNvPr id="2" name="頁尾版面配置區 1"/>
+          <p:cNvSpPr>
+            <a:spLocks noGrp="1"/>
+          </p:cNvSpPr>
+          <p:nvPr>
+            <p:ph type="ftr" sz="quarter" idx="11"/>
+          </p:nvPr>
+        </p:nvSpPr>
+        <p:spPr/>
+        <p:txBody>
+          <a:bodyPr/>
+          <a:lstStyle/>
+          <a:p>
+            <a:r>
+              <a:rPr lang="zh-CN" altLang="en-US"/>
+              <a:t>请在插入菜单</a:t>
+            </a:r>
+            <a:r>
+              <a:rPr lang="en-US" altLang="zh-CN"/>
+              <a:t>—</a:t>
+            </a:r>
+            <a:r>
+              <a:rPr lang="zh-CN" altLang="en-US"/>
+              <a:t>页眉和页脚中修改此文本</a:t>
+            </a:r>
+            <a:endParaRPr lang="zh-CN" altLang="en-US" dirty="0"/>
+          </a:p>
+        </p:txBody>
+      </p:sp>
+      <p:sp>
+        <p:nvSpPr>
+          <p:cNvPr id="3" name="投影片編號版面配置區 2"/>
+          <p:cNvSpPr>
+            <a:spLocks noGrp="1"/>
+          </p:cNvSpPr>
+          <p:nvPr>
+            <p:ph type="sldNum" sz="quarter" idx="12"/>
+          </p:nvPr>
+        </p:nvSpPr>
+        <p:spPr/>
+        <p:txBody>
+          <a:bodyPr/>
+          <a:lstStyle/>
+          <a:p>
+            <a:fld id="{5DD3DB80-B894-403A-B48E-6FDC1A72010E}" type="slidenum">
+              <a:rPr lang="zh-CN" altLang="en-US" smtClean="0"/>
+              <a:pPr/>
+              <a:t>18</a:t>
+            </a:fld>
+            <a:endParaRPr lang="zh-CN" altLang="en-US"/>
+          </a:p>
+        </p:txBody>
+      </p:sp>
+      <p:sp>
+        <p:nvSpPr>
+          <p:cNvPr id="4" name="標題 3"/>
+          <p:cNvSpPr>
+            <a:spLocks noGrp="1"/>
+          </p:cNvSpPr>
+          <p:nvPr>
+            <p:ph type="title"/>
+          </p:nvPr>
+        </p:nvSpPr>
+        <p:spPr/>
+        <p:txBody>
+          <a:bodyPr/>
+          <a:lstStyle/>
+          <a:p>
+            <a:r>
+              <a:rPr lang="en-US" altLang="zh-TW" dirty="0"/>
+              <a:t>RNN</a:t>
+            </a:r>
+            <a:r>
+              <a:rPr lang="zh-TW" altLang="en-US" dirty="0"/>
+              <a:t>特點</a:t>
+            </a:r>
+          </a:p>
+        </p:txBody>
+      </p:sp>
+      <p:sp>
+        <p:nvSpPr>
+          <p:cNvPr id="5" name="內容版面配置區 4"/>
+          <p:cNvSpPr>
+            <a:spLocks noGrp="1"/>
+          </p:cNvSpPr>
+          <p:nvPr>
+            <p:ph sz="quarter" idx="13"/>
+          </p:nvPr>
+        </p:nvSpPr>
+        <p:spPr/>
+        <p:txBody>
+          <a:bodyPr/>
+          <a:lstStyle/>
+          <a:p>
+            <a:r>
+              <a:rPr lang="en-US" altLang="zh-CN" dirty="0"/>
+              <a:t>1.RNNs</a:t>
+            </a:r>
+            <a:r>
+              <a:rPr lang="zh-CN" altLang="en-US" dirty="0"/>
+              <a:t>主要用于处理序列数据。对于传统神经网络模型，从输入层到隐含层再到输出层，层与层之间一般为全连接，每层之间神经元是无连接的。但是传统神经网络无法处理数据间的前后关联问题。例如，为了预测句子的下一个单词，一般需要该词之前的语义信息。这是因为一个句子中前后单词是存在语义联系的。</a:t>
+            </a:r>
+            <a:endParaRPr lang="en-US" altLang="zh-CN" dirty="0"/>
+          </a:p>
+          <a:p>
+            <a:endParaRPr lang="zh-CN" altLang="en-US" dirty="0"/>
+          </a:p>
+          <a:p>
+            <a:r>
+              <a:rPr lang="en-US" altLang="zh-CN" dirty="0"/>
+              <a:t>2.RNNs</a:t>
+            </a:r>
+            <a:r>
+              <a:rPr lang="zh-CN" altLang="en-US" dirty="0"/>
+              <a:t>中当前单元的输出与之前步骤输出也有关，因此称之为循环神经网络。具体的表现形式为当前单元会对之前步骤信息进行储存并应用于当前输出的计算中。隐藏层之间的节点连接起来，隐藏层当前输出由当前时刻输入向量和之前时刻隐藏层状态共同决定。</a:t>
+            </a:r>
+            <a:endParaRPr lang="en-US" altLang="zh-CN" dirty="0"/>
+          </a:p>
+          <a:p>
+            <a:endParaRPr lang="zh-CN" altLang="en-US" dirty="0"/>
+          </a:p>
+          <a:p>
+            <a:r>
+              <a:rPr lang="en-US" altLang="zh-CN" dirty="0"/>
+              <a:t>3.</a:t>
+            </a:r>
+            <a:r>
+              <a:rPr lang="zh-CN" altLang="en-US" dirty="0"/>
+              <a:t>标准的</a:t>
+            </a:r>
+            <a:r>
+              <a:rPr lang="en-US" altLang="zh-CN" dirty="0"/>
+              <a:t>RNNs</a:t>
+            </a:r>
+            <a:r>
+              <a:rPr lang="zh-CN" altLang="en-US" dirty="0"/>
+              <a:t>结构图，图中每个箭头代表做一次变换，也就是说箭头连接带有权值。</a:t>
+            </a:r>
+            <a:endParaRPr lang="en-US" altLang="zh-CN" dirty="0"/>
+          </a:p>
+          <a:p>
+            <a:endParaRPr lang="zh-CN" altLang="en-US" dirty="0"/>
+          </a:p>
+          <a:p>
+            <a:r>
+              <a:rPr lang="en-US" altLang="zh-CN" dirty="0"/>
+              <a:t>4.</a:t>
+            </a:r>
+            <a:r>
+              <a:rPr lang="zh-CN" altLang="en-US" dirty="0"/>
+              <a:t>在标准的</a:t>
+            </a:r>
+            <a:r>
+              <a:rPr lang="en-US" altLang="zh-CN" dirty="0"/>
+              <a:t>RNN</a:t>
+            </a:r>
+            <a:r>
+              <a:rPr lang="zh-CN" altLang="en-US" dirty="0"/>
+              <a:t>结构中，隐层的神经元之间也是带有权值的，且权值共享。</a:t>
+            </a:r>
+            <a:endParaRPr lang="en-US" altLang="zh-CN" dirty="0"/>
+          </a:p>
+          <a:p>
+            <a:endParaRPr lang="zh-CN" altLang="en-US" dirty="0"/>
+          </a:p>
+          <a:p>
+            <a:r>
+              <a:rPr lang="en-US" altLang="zh-CN" dirty="0"/>
+              <a:t>5.</a:t>
+            </a:r>
+            <a:r>
+              <a:rPr lang="zh-CN" altLang="en-US" dirty="0"/>
+              <a:t>理论上，</a:t>
+            </a:r>
+            <a:r>
+              <a:rPr lang="en-US" altLang="zh-CN" dirty="0"/>
+              <a:t>RNNs</a:t>
+            </a:r>
+            <a:r>
+              <a:rPr lang="zh-CN" altLang="en-US" dirty="0"/>
+              <a:t>能够对任何长度序列数据进行处理。但是在实践中，为了降低复杂度往往假设当前的状态只与之前某几个时刻状态相关</a:t>
+            </a:r>
+          </a:p>
+          <a:p>
+            <a:endParaRPr lang="zh-TW" altLang="en-US" dirty="0"/>
+          </a:p>
+        </p:txBody>
+      </p:sp>
+    </p:spTree>
+    <p:extLst>
+      <p:ext uri="{BB962C8B-B14F-4D97-AF65-F5344CB8AC3E}">
+        <p14:creationId xmlns:p14="http://schemas.microsoft.com/office/powerpoint/2010/main" val="3151520996"/>
+      </p:ext>
+    </p:extLst>
+  </p:cSld>
+  <p:clrMapOvr>
+    <a:masterClrMapping/>
+  </p:clrMapOvr>
+</p:sld>
+</file>
+
+<file path=ppt/slides/slide19.xml><?xml version="1.0" encoding="utf-8"?>
+<p:sld xmlns:a="http://schemas.openxmlformats.org/drawingml/2006/main" xmlns:r="http://schemas.openxmlformats.org/officeDocument/2006/relationships" xmlns:p="http://schemas.openxmlformats.org/presentationml/2006/main">
+  <p:cSld>
+    <p:spTree>
+      <p:nvGrpSpPr>
+        <p:cNvPr id="1" name=""/>
+        <p:cNvGrpSpPr/>
+        <p:nvPr/>
+      </p:nvGrpSpPr>
+      <p:grpSpPr>
+        <a:xfrm>
+          <a:off x="0" y="0"/>
+          <a:ext cx="0" cy="0"/>
+          <a:chOff x="0" y="0"/>
+          <a:chExt cx="0" cy="0"/>
+        </a:xfrm>
+      </p:grpSpPr>
+      <p:sp>
+        <p:nvSpPr>
+          <p:cNvPr id="2" name="頁尾版面配置區 1"/>
+          <p:cNvSpPr>
+            <a:spLocks noGrp="1"/>
+          </p:cNvSpPr>
+          <p:nvPr>
+            <p:ph type="ftr" sz="quarter" idx="11"/>
+          </p:nvPr>
+        </p:nvSpPr>
+        <p:spPr/>
+        <p:txBody>
+          <a:bodyPr/>
+          <a:lstStyle/>
+          <a:p>
+            <a:r>
+              <a:rPr lang="zh-CN" altLang="en-US" smtClean="0"/>
+              <a:t>请在插入菜单</a:t>
+            </a:r>
+            <a:r>
+              <a:rPr lang="en-US" altLang="zh-CN" smtClean="0"/>
+              <a:t>—</a:t>
+            </a:r>
+            <a:r>
+              <a:rPr lang="zh-CN" altLang="en-US" smtClean="0"/>
+              <a:t>页眉和页脚中修改此文本</a:t>
+            </a:r>
+            <a:endParaRPr lang="zh-CN" altLang="en-US" dirty="0"/>
+          </a:p>
+        </p:txBody>
+      </p:sp>
+      <p:sp>
+        <p:nvSpPr>
+          <p:cNvPr id="3" name="投影片編號版面配置區 2"/>
+          <p:cNvSpPr>
+            <a:spLocks noGrp="1"/>
+          </p:cNvSpPr>
+          <p:nvPr>
+            <p:ph type="sldNum" sz="quarter" idx="12"/>
+          </p:nvPr>
+        </p:nvSpPr>
+        <p:spPr/>
+        <p:txBody>
+          <a:bodyPr/>
+          <a:lstStyle/>
+          <a:p>
+            <a:fld id="{5DD3DB80-B894-403A-B48E-6FDC1A72010E}" type="slidenum">
+              <a:rPr lang="zh-CN" altLang="en-US" smtClean="0"/>
+              <a:pPr/>
+              <a:t>19</a:t>
+            </a:fld>
+            <a:endParaRPr lang="zh-CN" altLang="en-US"/>
+          </a:p>
+        </p:txBody>
+      </p:sp>
+      <p:sp>
+        <p:nvSpPr>
+          <p:cNvPr id="4" name="標題 3"/>
+          <p:cNvSpPr>
+            <a:spLocks noGrp="1"/>
+          </p:cNvSpPr>
+          <p:nvPr>
+            <p:ph type="title"/>
+          </p:nvPr>
+        </p:nvSpPr>
+        <p:spPr/>
+        <p:txBody>
+          <a:bodyPr/>
+          <a:lstStyle/>
+          <a:p>
+            <a:r>
+              <a:rPr lang="en-US" altLang="zh-TW" dirty="0"/>
+              <a:t>Encoder-Decoder </a:t>
+            </a:r>
+            <a:r>
+              <a:rPr lang="zh-TW" altLang="en-US" dirty="0"/>
+              <a:t>架構</a:t>
+            </a:r>
+          </a:p>
+        </p:txBody>
+      </p:sp>
+      <p:sp>
+        <p:nvSpPr>
+          <p:cNvPr id="5" name="內容版面配置區 4"/>
+          <p:cNvSpPr>
+            <a:spLocks noGrp="1"/>
+          </p:cNvSpPr>
+          <p:nvPr>
+            <p:ph sz="quarter" idx="13"/>
+          </p:nvPr>
+        </p:nvSpPr>
+        <p:spPr/>
+        <p:txBody>
+          <a:bodyPr/>
+          <a:lstStyle/>
+          <a:p>
+            <a:r>
+              <a:rPr lang="zh-TW" altLang="en-US" dirty="0"/>
+              <a:t>我們遇到的大部分問題序列都是不等長的，如機器翻譯中，源語言和目標語言的句子往往並沒有相同的長度。</a:t>
+            </a:r>
+          </a:p>
+          <a:p>
+            <a:r>
+              <a:rPr lang="zh-TW" altLang="en-US" dirty="0"/>
+              <a:t>其建模步驟如下：</a:t>
+            </a:r>
+          </a:p>
+          <a:p>
+            <a:r>
+              <a:rPr lang="zh-TW" altLang="en-US" dirty="0"/>
+              <a:t>步驟一：將輸入數據編碼成一個上下文向量𝑐，這部分稱為</a:t>
+            </a:r>
+            <a:r>
+              <a:rPr lang="en-US" altLang="zh-TW" dirty="0"/>
+              <a:t>Encoder</a:t>
+            </a:r>
+            <a:r>
+              <a:rPr lang="zh-TW" altLang="en-US" dirty="0"/>
+              <a:t>，得到𝑐有多種方式，最簡單的方法就是把</a:t>
+            </a:r>
+            <a:r>
+              <a:rPr lang="en-US" altLang="zh-TW" dirty="0"/>
+              <a:t>Encoder</a:t>
+            </a:r>
+            <a:r>
+              <a:rPr lang="zh-TW" altLang="en-US" dirty="0"/>
+              <a:t>的最後一個隱狀態賦值給𝑐，還可以對最後的隱狀態做一個變換得到𝑐，也可以對所有的隱狀態做變換。其示意如下所示：</a:t>
+            </a:r>
+          </a:p>
+        </p:txBody>
+      </p:sp>
+      <p:pic>
+        <p:nvPicPr>
+          <p:cNvPr id="4098" name="Picture 2" descr="E:\Delete\git_r\two_month_report\202011_2021_1\11_16_to_11_20_third\img\encoder.jpg"/>
+          <p:cNvPicPr>
+            <a:picLocks noChangeAspect="1" noChangeArrowheads="1"/>
+          </p:cNvPicPr>
+          <p:nvPr/>
+        </p:nvPicPr>
+        <p:blipFill>
+          <a:blip r:embed="rId2">
+            <a:extLst>
+              <a:ext uri="{28A0092B-C50C-407E-A947-70E740481C1C}">
+                <a14:useLocalDpi xmlns:a14="http://schemas.microsoft.com/office/drawing/2010/main" val="0"/>
+              </a:ext>
+            </a:extLst>
+          </a:blip>
+          <a:srcRect/>
+          <a:stretch>
+            <a:fillRect/>
+          </a:stretch>
+        </p:blipFill>
+        <p:spPr bwMode="auto">
+          <a:xfrm>
+            <a:off x="4076700" y="2705135"/>
+            <a:ext cx="6375400" cy="4152865"/>
+          </a:xfrm>
+          <a:prstGeom prst="rect">
+            <a:avLst/>
+          </a:prstGeom>
+          <a:noFill/>
+          <a:extLst>
+            <a:ext uri="{909E8E84-426E-40DD-AFC4-6F175D3DCCD1}">
+              <a14:hiddenFill xmlns:a14="http://schemas.microsoft.com/office/drawing/2010/main">
+                <a:solidFill>
+                  <a:srgbClr val="FFFFFF"/>
+                </a:solidFill>
+              </a14:hiddenFill>
+            </a:ext>
+          </a:extLst>
+        </p:spPr>
+      </p:pic>
+    </p:spTree>
+    <p:extLst>
+      <p:ext uri="{BB962C8B-B14F-4D97-AF65-F5344CB8AC3E}">
+        <p14:creationId xmlns:p14="http://schemas.microsoft.com/office/powerpoint/2010/main" val="3983785648"/>
+      </p:ext>
+    </p:extLst>
+  </p:cSld>
+  <p:clrMapOvr>
+    <a:masterClrMapping/>
+  </p:clrMapOvr>
+</p:sld>
+</file>
+
 <file path=ppt/slides/slide2.xml><?xml version="1.0" encoding="utf-8"?>
 <p:sld xmlns:a="http://schemas.openxmlformats.org/drawingml/2006/main" xmlns:r="http://schemas.openxmlformats.org/officeDocument/2006/relationships" xmlns:p="http://schemas.openxmlformats.org/presentationml/2006/main">
   <p:cSld>
@@ -12466,7 +12441,7 @@
           <p:cNvPr id="2" name="íSliḓè">
             <a:extLst>
               <a:ext uri="{FF2B5EF4-FFF2-40B4-BE49-F238E27FC236}">
-                <a16:creationId xmlns:a16="http://schemas.microsoft.com/office/drawing/2014/main" xmlns="" id="{C0498D3A-B738-48EC-A39C-94C58B88932B}"/>
+                <a16:creationId xmlns="" xmlns:a16="http://schemas.microsoft.com/office/drawing/2014/main" id="{C0498D3A-B738-48EC-A39C-94C58B88932B}"/>
               </a:ext>
             </a:extLst>
           </p:cNvPr>
@@ -12486,7 +12461,7 @@
             <p:cNvPr id="6" name="íSļïdè" descr="本素材由iSlide™ 提供&#10;iSlide™尊重知识产权并注重保护用户享有的各项权利。郑重提醒您：&#10;iSlide™插件中提供的任何信息内容的所有权、知识产权归其原始权利人或权利受让人所有，您免费/购买获得的是信息内容的使用权，并受下述条款的约束；&#10;1. 您仅可以个人非商业用途使用该等信息内容，不可将信息内容的全部或部分用于出售，或以出租、出借、转让、分销、发布等其他任何方式供他人使用；&#10;2. 禁止在接入互联网或移动互联网的任何网站、平台、应用或程序上以任何方式为他人提供iSlide™插件资源内容的下载。&#10;The resource is supplied by iSlide™.&#10;iSlide™ respects all intellectual property rights and protects all the rights its users acquired.Solemnly remind you:&#10;The ownership and intellectual property of the resources supplied in iSlide Add-in belongs to its owner or the assignee of this ownership.you only acquired the usage of the resources supplied in iSlide Add-in, as well as respected the following restrain terms:&#10;1.You are only allowed to use such resource for personal and non-commercial aim, not allowed to use such resource or part of it for the sale; or rent, lend, transfer to others; or distribution or release it in any way.&#10;2.You are not permitted to provide the resource of iSlide Add-in in any website, platform, application access to the Internet or mobile Internet." title="iSlide™ 版权声明  COPYRIGHT NOTICE">
               <a:extLst>
                 <a:ext uri="{FF2B5EF4-FFF2-40B4-BE49-F238E27FC236}">
-                  <a16:creationId xmlns:a16="http://schemas.microsoft.com/office/drawing/2014/main" xmlns="" id="{A759C196-DA28-4241-ABB5-975367026FE9}"/>
+                  <a16:creationId xmlns="" xmlns:a16="http://schemas.microsoft.com/office/drawing/2014/main" id="{A759C196-DA28-4241-ABB5-975367026FE9}"/>
                 </a:ext>
               </a:extLst>
             </p:cNvPr>
@@ -12508,7 +12483,7 @@
               <p:cNvPr id="7" name="îṩḷiḓè">
                 <a:extLst>
                   <a:ext uri="{FF2B5EF4-FFF2-40B4-BE49-F238E27FC236}">
-                    <a16:creationId xmlns:a16="http://schemas.microsoft.com/office/drawing/2014/main" xmlns="" id="{48F70259-7598-4270-874A-6F50772D10F6}"/>
+                    <a16:creationId xmlns="" xmlns:a16="http://schemas.microsoft.com/office/drawing/2014/main" id="{48F70259-7598-4270-874A-6F50772D10F6}"/>
                   </a:ext>
                 </a:extLst>
               </p:cNvPr>
@@ -12760,7 +12735,7 @@
               <p:cNvPr id="8" name="îŝľiḋê">
                 <a:extLst>
                   <a:ext uri="{FF2B5EF4-FFF2-40B4-BE49-F238E27FC236}">
-                    <a16:creationId xmlns:a16="http://schemas.microsoft.com/office/drawing/2014/main" xmlns="" id="{DA1FB18E-FA01-4588-BEF9-FB96A98A84D4}"/>
+                    <a16:creationId xmlns="" xmlns:a16="http://schemas.microsoft.com/office/drawing/2014/main" id="{DA1FB18E-FA01-4588-BEF9-FB96A98A84D4}"/>
                   </a:ext>
                 </a:extLst>
               </p:cNvPr>
@@ -12799,7 +12774,7 @@
               <p:cNvPr id="9" name="ïsľiďé">
                 <a:extLst>
                   <a:ext uri="{FF2B5EF4-FFF2-40B4-BE49-F238E27FC236}">
-                    <a16:creationId xmlns:a16="http://schemas.microsoft.com/office/drawing/2014/main" xmlns="" id="{0DB1D0A1-2667-455C-9387-D7ABF0A00B8C}"/>
+                    <a16:creationId xmlns="" xmlns:a16="http://schemas.microsoft.com/office/drawing/2014/main" id="{0DB1D0A1-2667-455C-9387-D7ABF0A00B8C}"/>
                   </a:ext>
                 </a:extLst>
               </p:cNvPr>
@@ -12871,7 +12846,7 @@
             <p:cNvPr id="10" name="ïṩļiḋe">
               <a:extLst>
                 <a:ext uri="{FF2B5EF4-FFF2-40B4-BE49-F238E27FC236}">
-                  <a16:creationId xmlns:a16="http://schemas.microsoft.com/office/drawing/2014/main" xmlns="" id="{ADAD6BE3-DC11-4582-9F68-50D831ADD001}"/>
+                  <a16:creationId xmlns="" xmlns:a16="http://schemas.microsoft.com/office/drawing/2014/main" id="{ADAD6BE3-DC11-4582-9F68-50D831ADD001}"/>
                 </a:ext>
               </a:extLst>
             </p:cNvPr>
@@ -13622,15 +13597,15 @@
           <a:lstStyle/>
           <a:p>
             <a:r>
-              <a:rPr lang="zh-CN" altLang="en-US"/>
+              <a:rPr lang="zh-CN" altLang="en-US" smtClean="0"/>
               <a:t>请在插入菜单</a:t>
             </a:r>
             <a:r>
-              <a:rPr lang="en-US" altLang="zh-CN"/>
+              <a:rPr lang="en-US" altLang="zh-CN" smtClean="0"/>
               <a:t>—</a:t>
             </a:r>
             <a:r>
-              <a:rPr lang="zh-CN" altLang="en-US"/>
+              <a:rPr lang="zh-CN" altLang="en-US" smtClean="0"/>
               <a:t>页眉和页脚中修改此文本</a:t>
             </a:r>
             <a:endParaRPr lang="zh-CN" altLang="en-US" dirty="0"/>
@@ -13647,7 +13622,12 @@
             <p:ph type="sldNum" sz="quarter" idx="12"/>
           </p:nvPr>
         </p:nvSpPr>
-        <p:spPr/>
+        <p:spPr>
+          <a:xfrm>
+            <a:off x="8280399" y="6088063"/>
+            <a:ext cx="2909888" cy="206381"/>
+          </a:xfrm>
+        </p:spPr>
         <p:txBody>
           <a:bodyPr/>
           <a:lstStyle/>
@@ -13678,11 +13658,11 @@
           <a:p>
             <a:r>
               <a:rPr lang="en-US" altLang="zh-TW" dirty="0"/>
-              <a:t>RNN</a:t>
+              <a:t>Encoder-Decoder </a:t>
             </a:r>
             <a:r>
               <a:rPr lang="zh-TW" altLang="en-US" dirty="0"/>
-              <a:t>特點</a:t>
+              <a:t>架構</a:t>
             </a:r>
           </a:p>
         </p:txBody>
@@ -13703,103 +13683,119 @@
           <a:lstStyle/>
           <a:p>
             <a:r>
-              <a:rPr lang="en-US" altLang="zh-CN" dirty="0"/>
-              <a:t>1.RNNs</a:t>
-            </a:r>
-            <a:r>
-              <a:rPr lang="zh-CN" altLang="en-US" dirty="0"/>
-              <a:t>主要用于处理序列数据。对于传统神经网络模型，从输入层到隐含层再到输出层，层与层之间一般为全连接，每层之间神经元是无连接的。但是传统神经网络无法处理数据间的前后关联问题。例如，为了预测句子的下一个单词，一般需要该词之前的语义信息。这是因为一个句子中前后单词是存在语义联系的。</a:t>
-            </a:r>
-            <a:endParaRPr lang="en-US" altLang="zh-CN" dirty="0"/>
+              <a:rPr lang="zh-TW" altLang="en-US" dirty="0"/>
+              <a:t>步驟二：用另一個</a:t>
+            </a:r>
+            <a:r>
+              <a:rPr lang="en-US" altLang="zh-TW" dirty="0"/>
+              <a:t>RNN</a:t>
+            </a:r>
+            <a:r>
+              <a:rPr lang="zh-TW" altLang="en-US" dirty="0"/>
+              <a:t>網絡（我們將其稱為</a:t>
+            </a:r>
+            <a:r>
+              <a:rPr lang="en-US" altLang="zh-TW" dirty="0"/>
+              <a:t>Decoder</a:t>
+            </a:r>
+            <a:r>
+              <a:rPr lang="zh-TW" altLang="en-US" dirty="0"/>
+              <a:t>）對其進行編碼，方法一是將步驟一中的𝑐</a:t>
+            </a:r>
+            <a:r>
+              <a:rPr lang="en-US" altLang="zh-TW" dirty="0"/>
+              <a:t>•</a:t>
+            </a:r>
+            <a:r>
+              <a:rPr lang="zh-TW" altLang="en-US" dirty="0"/>
+              <a:t>作為初始狀態輸入到</a:t>
+            </a:r>
+            <a:r>
+              <a:rPr lang="en-US" altLang="zh-TW" dirty="0"/>
+              <a:t>Decoder</a:t>
+            </a:r>
+            <a:r>
+              <a:rPr lang="zh-TW" altLang="en-US" dirty="0"/>
+              <a:t>，示意圖如下所示</a:t>
+            </a:r>
+            <a:r>
+              <a:rPr lang="zh-TW" altLang="en-US" dirty="0" smtClean="0"/>
+              <a:t>：</a:t>
+            </a:r>
+            <a:endParaRPr lang="en-US" altLang="zh-TW" dirty="0" smtClean="0"/>
           </a:p>
           <a:p>
-            <a:endParaRPr lang="zh-CN" altLang="en-US" dirty="0"/>
+            <a:r>
+              <a:rPr lang="zh-TW" altLang="en-US" dirty="0" smtClean="0"/>
+              <a:t> 後續的新的神經網路架構</a:t>
+            </a:r>
+            <a:r>
+              <a:rPr lang="zh-TW" altLang="en-US" dirty="0"/>
+              <a:t>有</a:t>
+            </a:r>
+            <a:r>
+              <a:rPr lang="zh-TW" altLang="en-US" dirty="0" smtClean="0"/>
+              <a:t>個以此為改善做出重大變革的 </a:t>
+            </a:r>
+            <a:r>
+              <a:rPr lang="en-US" altLang="zh-TW" smtClean="0"/>
+              <a:t>transformer model</a:t>
+            </a:r>
+            <a:endParaRPr lang="zh-TW" altLang="en-US" dirty="0"/>
           </a:p>
           <a:p>
-            <a:r>
-              <a:rPr lang="en-US" altLang="zh-CN" dirty="0"/>
-              <a:t>2.RNNs</a:t>
-            </a:r>
-            <a:r>
-              <a:rPr lang="zh-CN" altLang="en-US" dirty="0"/>
-              <a:t>中当前单元的输出与之前步骤输出也有关，因此称之为循环神经网络。具体的表现形式为当前单元会对之前步骤信息进行储存并应用于当前输出的计算中。隐藏层之间的节点连接起来，隐藏层当前输出由当前时刻输入向量和之前时刻隐藏层状态共同决定。</a:t>
-            </a:r>
-            <a:endParaRPr lang="en-US" altLang="zh-CN" dirty="0"/>
-          </a:p>
-          <a:p>
-            <a:endParaRPr lang="zh-CN" altLang="en-US" dirty="0"/>
-          </a:p>
-          <a:p>
-            <a:r>
-              <a:rPr lang="en-US" altLang="zh-CN" dirty="0"/>
-              <a:t>3.</a:t>
-            </a:r>
-            <a:r>
-              <a:rPr lang="zh-CN" altLang="en-US" dirty="0"/>
-              <a:t>标准的</a:t>
-            </a:r>
-            <a:r>
-              <a:rPr lang="en-US" altLang="zh-CN" dirty="0"/>
-              <a:t>RNNs</a:t>
-            </a:r>
-            <a:r>
-              <a:rPr lang="zh-CN" altLang="en-US" dirty="0"/>
-              <a:t>结构图，图中每个箭头代表做一次变换，也就是说箭头连接带有权值。</a:t>
-            </a:r>
-            <a:endParaRPr lang="en-US" altLang="zh-CN" dirty="0"/>
-          </a:p>
-          <a:p>
-            <a:endParaRPr lang="zh-CN" altLang="en-US" dirty="0"/>
-          </a:p>
-          <a:p>
-            <a:r>
-              <a:rPr lang="en-US" altLang="zh-CN" dirty="0"/>
-              <a:t>4.</a:t>
-            </a:r>
-            <a:r>
-              <a:rPr lang="zh-CN" altLang="en-US" dirty="0"/>
-              <a:t>在标准的</a:t>
-            </a:r>
-            <a:r>
-              <a:rPr lang="en-US" altLang="zh-CN" dirty="0"/>
-              <a:t>RNN</a:t>
-            </a:r>
-            <a:r>
-              <a:rPr lang="zh-CN" altLang="en-US" dirty="0"/>
-              <a:t>结构中，隐层的神经元之间也是带有权值的，且权值共享。</a:t>
-            </a:r>
-            <a:endParaRPr lang="en-US" altLang="zh-CN" dirty="0"/>
-          </a:p>
-          <a:p>
-            <a:endParaRPr lang="zh-CN" altLang="en-US" dirty="0"/>
-          </a:p>
-          <a:p>
-            <a:r>
-              <a:rPr lang="en-US" altLang="zh-CN" dirty="0"/>
-              <a:t>5.</a:t>
-            </a:r>
-            <a:r>
-              <a:rPr lang="zh-CN" altLang="en-US" dirty="0"/>
-              <a:t>理论上，</a:t>
-            </a:r>
-            <a:r>
-              <a:rPr lang="en-US" altLang="zh-CN" dirty="0"/>
-              <a:t>RNNs</a:t>
-            </a:r>
-            <a:r>
-              <a:rPr lang="zh-CN" altLang="en-US" dirty="0"/>
-              <a:t>能够对任何长度序列数据进行处理。但是在实践中，为了降低复杂度往往假设当前的状态只与之前某几个时刻状态相关</a:t>
-            </a:r>
+            <a:endParaRPr lang="zh-TW" altLang="en-US" dirty="0"/>
           </a:p>
           <a:p>
             <a:endParaRPr lang="zh-TW" altLang="en-US" dirty="0"/>
           </a:p>
         </p:txBody>
       </p:sp>
+      <p:pic>
+        <p:nvPicPr>
+          <p:cNvPr id="5122" name="Picture 2" descr="E:\Delete\git_r\two_month_report\202011_2021_1\11_16_to_11_20_third\img\decoder.jpg"/>
+          <p:cNvPicPr>
+            <a:picLocks noChangeAspect="1" noChangeArrowheads="1"/>
+          </p:cNvPicPr>
+          <p:nvPr/>
+        </p:nvPicPr>
+        <p:blipFill>
+          <a:blip r:embed="rId2">
+            <a:extLst>
+              <a:ext uri="{28A0092B-C50C-407E-A947-70E740481C1C}">
+                <a14:useLocalDpi xmlns:a14="http://schemas.microsoft.com/office/drawing/2010/main" val="0"/>
+              </a:ext>
+            </a:extLst>
+          </a:blip>
+          <a:srcRect/>
+          <a:stretch>
+            <a:fillRect/>
+          </a:stretch>
+        </p:blipFill>
+        <p:spPr bwMode="auto">
+          <a:xfrm>
+            <a:off x="1689098" y="2738438"/>
+            <a:ext cx="8428141" cy="3382962"/>
+          </a:xfrm>
+          <a:prstGeom prst="rect">
+            <a:avLst/>
+          </a:prstGeom>
+          <a:noFill/>
+          <a:extLst>
+            <a:ext uri="{909E8E84-426E-40DD-AFC4-6F175D3DCCD1}">
+              <a14:hiddenFill xmlns:a14="http://schemas.microsoft.com/office/drawing/2010/main">
+                <a:solidFill>
+                  <a:srgbClr val="FFFFFF"/>
+                </a:solidFill>
+              </a14:hiddenFill>
+            </a:ext>
+          </a:extLst>
+        </p:spPr>
+      </p:pic>
     </p:spTree>
     <p:extLst>
       <p:ext uri="{BB962C8B-B14F-4D97-AF65-F5344CB8AC3E}">
-        <p14:creationId xmlns:p14="http://schemas.microsoft.com/office/powerpoint/2010/main" val="3151520996"/>
+        <p14:creationId xmlns:p14="http://schemas.microsoft.com/office/powerpoint/2010/main" val="1180708939"/>
       </p:ext>
     </p:extLst>
   </p:cSld>
@@ -13842,15 +13838,15 @@
           <a:lstStyle/>
           <a:p>
             <a:r>
-              <a:rPr lang="zh-CN" altLang="en-US"/>
+              <a:rPr lang="zh-CN" altLang="en-US" smtClean="0"/>
               <a:t>请在插入菜单</a:t>
             </a:r>
             <a:r>
-              <a:rPr lang="en-US" altLang="zh-CN"/>
+              <a:rPr lang="en-US" altLang="zh-CN" smtClean="0"/>
               <a:t>—</a:t>
             </a:r>
             <a:r>
-              <a:rPr lang="zh-CN" altLang="en-US"/>
+              <a:rPr lang="zh-CN" altLang="en-US" smtClean="0"/>
               <a:t>页眉和页脚中修改此文本</a:t>
             </a:r>
             <a:endParaRPr lang="zh-CN" altLang="en-US" dirty="0"/>
@@ -13867,7 +13863,12 @@
             <p:ph type="sldNum" sz="quarter" idx="12"/>
           </p:nvPr>
         </p:nvSpPr>
-        <p:spPr/>
+        <p:spPr>
+          <a:xfrm>
+            <a:off x="8280399" y="6088063"/>
+            <a:ext cx="2909888" cy="206381"/>
+          </a:xfrm>
+        </p:spPr>
         <p:txBody>
           <a:bodyPr/>
           <a:lstStyle/>
@@ -13897,16 +13898,12 @@
           <a:lstStyle/>
           <a:p>
             <a:r>
+              <a:rPr lang="en-US" altLang="zh-TW" dirty="0"/>
+              <a:t>Encoder-Decoder </a:t>
+            </a:r>
+            <a:r>
               <a:rPr lang="zh-TW" altLang="en-US" dirty="0"/>
-              <a:t>典型</a:t>
-            </a:r>
-            <a:r>
-              <a:rPr lang="en-US" altLang="zh-TW" dirty="0"/>
-              <a:t>RNN</a:t>
-            </a:r>
-            <a:r>
-              <a:rPr lang="zh-TW" altLang="en-US" dirty="0"/>
-              <a:t>模型</a:t>
+              <a:t>架構</a:t>
             </a:r>
           </a:p>
         </p:txBody>
@@ -13928,18 +13925,21 @@
           <a:p>
             <a:endParaRPr lang="zh-TW" altLang="en-US" dirty="0"/>
           </a:p>
+          <a:p>
+            <a:endParaRPr lang="zh-TW" altLang="en-US" dirty="0"/>
+          </a:p>
         </p:txBody>
       </p:sp>
       <p:pic>
         <p:nvPicPr>
-          <p:cNvPr id="15362" name="Picture 2" descr="E:\Delete\git_r\two_month_report\202011_2021_1\11_16_to_11_20_third\img\rnn_classic.png"/>
+          <p:cNvPr id="4098" name="Picture 2" descr="E:\Delete\git_r\two_month_report\202011_2021_1\11_16_to_11_20_third\img\encoder-decoder2.jpg"/>
           <p:cNvPicPr>
             <a:picLocks noChangeAspect="1" noChangeArrowheads="1"/>
           </p:cNvPicPr>
           <p:nvPr/>
         </p:nvPicPr>
         <p:blipFill>
-          <a:blip r:embed="rId2" cstate="print">
+          <a:blip r:embed="rId2">
             <a:extLst>
               <a:ext uri="{28A0092B-C50C-407E-A947-70E740481C1C}">
                 <a14:useLocalDpi xmlns:a14="http://schemas.microsoft.com/office/drawing/2010/main" val="0"/>
@@ -13953,8 +13953,8 @@
         </p:blipFill>
         <p:spPr bwMode="auto">
           <a:xfrm>
-            <a:off x="1900238" y="1524000"/>
-            <a:ext cx="7786580" cy="4438650"/>
+            <a:off x="1689099" y="1390650"/>
+            <a:ext cx="7983769" cy="4413250"/>
           </a:xfrm>
           <a:prstGeom prst="rect">
             <a:avLst/>
@@ -13974,7 +13974,7 @@
     </p:spTree>
     <p:extLst>
       <p:ext uri="{BB962C8B-B14F-4D97-AF65-F5344CB8AC3E}">
-        <p14:creationId xmlns:p14="http://schemas.microsoft.com/office/powerpoint/2010/main" val="2821566931"/>
+        <p14:creationId xmlns:p14="http://schemas.microsoft.com/office/powerpoint/2010/main" val="710895874"/>
       </p:ext>
     </p:extLst>
   </p:cSld>
@@ -14033,7 +14033,7 @@
           <p:cNvPr id="9" name="î$ḷíḋé">
             <a:extLst>
               <a:ext uri="{FF2B5EF4-FFF2-40B4-BE49-F238E27FC236}">
-                <a16:creationId xmlns:a16="http://schemas.microsoft.com/office/drawing/2014/main" xmlns="" id="{04F69230-F3A6-4586-9371-A858F4763E9F}"/>
+                <a16:creationId xmlns="" xmlns:a16="http://schemas.microsoft.com/office/drawing/2014/main" id="{04F69230-F3A6-4586-9371-A858F4763E9F}"/>
               </a:ext>
             </a:extLst>
           </p:cNvPr>
@@ -14696,7 +14696,7 @@
           <p:cNvPr id="9" name="î$ḷíḋé">
             <a:extLst>
               <a:ext uri="{FF2B5EF4-FFF2-40B4-BE49-F238E27FC236}">
-                <a16:creationId xmlns:a16="http://schemas.microsoft.com/office/drawing/2014/main" xmlns="" id="{04F69230-F3A6-4586-9371-A858F4763E9F}"/>
+                <a16:creationId xmlns="" xmlns:a16="http://schemas.microsoft.com/office/drawing/2014/main" id="{04F69230-F3A6-4586-9371-A858F4763E9F}"/>
               </a:ext>
             </a:extLst>
           </p:cNvPr>
@@ -14822,7 +14822,7 @@
           <p:cNvPr id="4" name="標題 3">
             <a:extLst>
               <a:ext uri="{FF2B5EF4-FFF2-40B4-BE49-F238E27FC236}">
-                <a16:creationId xmlns:a16="http://schemas.microsoft.com/office/drawing/2014/main" xmlns="" id="{DBF93AE9-6C3C-43A2-A10D-A15C50A25746}"/>
+                <a16:creationId xmlns="" xmlns:a16="http://schemas.microsoft.com/office/drawing/2014/main" id="{DBF93AE9-6C3C-43A2-A10D-A15C50A25746}"/>
               </a:ext>
             </a:extLst>
           </p:cNvPr>
@@ -14851,7 +14851,7 @@
           <p:cNvPr id="7" name="內容版面配置區 6">
             <a:extLst>
               <a:ext uri="{FF2B5EF4-FFF2-40B4-BE49-F238E27FC236}">
-                <a16:creationId xmlns:a16="http://schemas.microsoft.com/office/drawing/2014/main" xmlns="" id="{E7D68A11-0594-451B-B564-C1C4E791DF02}"/>
+                <a16:creationId xmlns="" xmlns:a16="http://schemas.microsoft.com/office/drawing/2014/main" id="{E7D68A11-0594-451B-B564-C1C4E791DF02}"/>
               </a:ext>
             </a:extLst>
           </p:cNvPr>
@@ -14869,7 +14869,7 @@
                 <a14:useLocalDpi xmlns:a14="http://schemas.microsoft.com/office/drawing/2010/main" val="0"/>
               </a:ext>
               <a:ext uri="{96DAC541-7B7A-43D3-8B79-37D633B846F1}">
-                <asvg:svgBlip xmlns:asvg="http://schemas.microsoft.com/office/drawing/2016/SVG/main" xmlns="" r:embed="rId3"/>
+                <asvg:svgBlip xmlns="" xmlns:asvg="http://schemas.microsoft.com/office/drawing/2016/SVG/main" r:embed="rId3"/>
               </a:ext>
             </a:extLst>
           </a:blip>
@@ -15090,7 +15090,7 @@
           <p:cNvPr id="3" name="íṡḻiḓé" hidden="1">
             <a:extLst>
               <a:ext uri="{FF2B5EF4-FFF2-40B4-BE49-F238E27FC236}">
-                <a16:creationId xmlns:a16="http://schemas.microsoft.com/office/drawing/2014/main" xmlns="" id="{A6A819F1-33AF-45D7-8BF6-2B0A9769CAD4}"/>
+                <a16:creationId xmlns="" xmlns:a16="http://schemas.microsoft.com/office/drawing/2014/main" id="{A6A819F1-33AF-45D7-8BF6-2B0A9769CAD4}"/>
               </a:ext>
             </a:extLst>
           </p:cNvPr>
@@ -15113,7 +15113,7 @@
           <a:graphicData uri="http://schemas.openxmlformats.org/presentationml/2006/ole">
             <mc:AlternateContent xmlns:mc="http://schemas.openxmlformats.org/markup-compatibility/2006">
               <mc:Choice xmlns:v="urn:schemas-microsoft-com:vml" Requires="v">
-                <p:oleObj spid="_x0000_s3130" name="think-cell Slide" r:id="rId5" imgW="347" imgH="348" progId="TCLayout.ActiveDocument.1">
+                <p:oleObj spid="_x0000_s3132" name="think-cell Slide" r:id="rId5" imgW="347" imgH="348" progId="TCLayout.ActiveDocument.1">
                   <p:embed/>
                 </p:oleObj>
               </mc:Choice>
@@ -15125,7 +15125,7 @@
                       <p:cNvPr id="3" name="íṩ1iḑé" hidden="1">
                         <a:extLst>
                           <a:ext uri="{FF2B5EF4-FFF2-40B4-BE49-F238E27FC236}">
-                            <a16:creationId xmlns:a16="http://schemas.microsoft.com/office/drawing/2014/main" xmlns="" id="{A6A819F1-33AF-45D7-8BF6-2B0A9769CAD4}"/>
+                            <a16:creationId xmlns="" xmlns:a16="http://schemas.microsoft.com/office/drawing/2014/main" id="{A6A819F1-33AF-45D7-8BF6-2B0A9769CAD4}"/>
                           </a:ext>
                         </a:extLst>
                       </p:cNvPr>
@@ -15159,7 +15159,7 @@
           <p:cNvPr id="2" name="išľïďe" hidden="1">
             <a:extLst>
               <a:ext uri="{FF2B5EF4-FFF2-40B4-BE49-F238E27FC236}">
-                <a16:creationId xmlns:a16="http://schemas.microsoft.com/office/drawing/2014/main" xmlns="" id="{FF51F16D-1BAD-46EE-A6F4-B8B94C9DF628}"/>
+                <a16:creationId xmlns="" xmlns:a16="http://schemas.microsoft.com/office/drawing/2014/main" id="{FF51F16D-1BAD-46EE-A6F4-B8B94C9DF628}"/>
               </a:ext>
             </a:extLst>
           </p:cNvPr>
@@ -15323,7 +15323,7 @@
           <p:cNvPr id="13" name="îṣlíḍe">
             <a:extLst>
               <a:ext uri="{FF2B5EF4-FFF2-40B4-BE49-F238E27FC236}">
-                <a16:creationId xmlns:a16="http://schemas.microsoft.com/office/drawing/2014/main" xmlns="" id="{394FC8CD-4FAD-452B-A6ED-A378816FAA36}"/>
+                <a16:creationId xmlns="" xmlns:a16="http://schemas.microsoft.com/office/drawing/2014/main" id="{394FC8CD-4FAD-452B-A6ED-A378816FAA36}"/>
               </a:ext>
             </a:extLst>
           </p:cNvPr>
@@ -15366,7 +15366,7 @@
           <p:cNvPr id="14" name="ïSḻíďê">
             <a:extLst>
               <a:ext uri="{FF2B5EF4-FFF2-40B4-BE49-F238E27FC236}">
-                <a16:creationId xmlns:a16="http://schemas.microsoft.com/office/drawing/2014/main" xmlns="" id="{7C549D2A-4C2D-40D9-B2D1-E96901BFF877}"/>
+                <a16:creationId xmlns="" xmlns:a16="http://schemas.microsoft.com/office/drawing/2014/main" id="{7C549D2A-4C2D-40D9-B2D1-E96901BFF877}"/>
               </a:ext>
             </a:extLst>
           </p:cNvPr>
@@ -15469,7 +15469,7 @@
           <p:cNvPr id="9" name="î$ḷíḋé">
             <a:extLst>
               <a:ext uri="{FF2B5EF4-FFF2-40B4-BE49-F238E27FC236}">
-                <a16:creationId xmlns:a16="http://schemas.microsoft.com/office/drawing/2014/main" xmlns="" id="{04F69230-F3A6-4586-9371-A858F4763E9F}"/>
+                <a16:creationId xmlns="" xmlns:a16="http://schemas.microsoft.com/office/drawing/2014/main" id="{04F69230-F3A6-4586-9371-A858F4763E9F}"/>
               </a:ext>
             </a:extLst>
           </p:cNvPr>
@@ -16884,7 +16884,7 @@
           <p:cNvPr id="9" name="î$ḷíḋé">
             <a:extLst>
               <a:ext uri="{FF2B5EF4-FFF2-40B4-BE49-F238E27FC236}">
-                <a16:creationId xmlns:a16="http://schemas.microsoft.com/office/drawing/2014/main" xmlns="" id="{04F69230-F3A6-4586-9371-A858F4763E9F}"/>
+                <a16:creationId xmlns="" xmlns:a16="http://schemas.microsoft.com/office/drawing/2014/main" id="{04F69230-F3A6-4586-9371-A858F4763E9F}"/>
               </a:ext>
             </a:extLst>
           </p:cNvPr>
@@ -17741,7 +17741,7 @@
   <a:extraClrSchemeLst/>
   <a:extLst>
     <a:ext uri="{05A4C25C-085E-4340-85A3-A5531E510DB2}">
-      <thm15:themeFamily xmlns:thm15="http://schemas.microsoft.com/office/thememl/2012/main" xmlns="" name="主题5" id="{B8EDB911-D765-4A7B-BBC7-40DBB672FBA6}" vid="{AECAB1C0-5DF6-436C-85E8-20094DBE11C0}"/>
+      <thm15:themeFamily xmlns="" xmlns:thm15="http://schemas.microsoft.com/office/thememl/2012/main" name="主题5" id="{B8EDB911-D765-4A7B-BBC7-40DBB672FBA6}" vid="{AECAB1C0-5DF6-436C-85E8-20094DBE11C0}"/>
     </a:ext>
   </a:extLst>
 </a:theme>
@@ -18002,7 +18002,7 @@
   <a:extraClrSchemeLst/>
   <a:extLst>
     <a:ext uri="{05A4C25C-085E-4340-85A3-A5531E510DB2}">
-      <thm15:themeFamily xmlns:thm15="http://schemas.microsoft.com/office/thememl/2012/main" xmlns="" name="Office Theme" id="{62F939B6-93AF-4DB8-9C6B-D6C7DFDC589F}" vid="{4A3C46E8-61CC-4603-A589-7422A47A8E4A}"/>
+      <thm15:themeFamily xmlns="" xmlns:thm15="http://schemas.microsoft.com/office/thememl/2012/main" name="Office Theme" id="{62F939B6-93AF-4DB8-9C6B-D6C7DFDC589F}" vid="{4A3C46E8-61CC-4603-A589-7422A47A8E4A}"/>
     </a:ext>
   </a:extLst>
 </a:theme>
@@ -18297,7 +18297,7 @@
   <a:extraClrSchemeLst/>
   <a:extLst>
     <a:ext uri="{05A4C25C-085E-4340-85A3-A5531E510DB2}">
-      <thm15:themeFamily xmlns:thm15="http://schemas.microsoft.com/office/thememl/2012/main" xmlns="" name="Office Theme" id="{62F939B6-93AF-4DB8-9C6B-D6C7DFDC589F}" vid="{4A3C46E8-61CC-4603-A589-7422A47A8E4A}"/>
+      <thm15:themeFamily xmlns="" xmlns:thm15="http://schemas.microsoft.com/office/thememl/2012/main" name="Office Theme" id="{62F939B6-93AF-4DB8-9C6B-D6C7DFDC589F}" vid="{4A3C46E8-61CC-4603-A589-7422A47A8E4A}"/>
     </a:ext>
   </a:extLst>
 </a:theme>

--- a/11_16_to_11_20_third/3.RNN.pptx
+++ b/11_16_to_11_20_third/3.RNN.pptx
@@ -142,7 +142,7 @@
   </p:defaultTextStyle>
   <p:extLst>
     <p:ext uri="{EFAFB233-063F-42B5-8137-9DF3F51BA10A}">
-      <p15:sldGuideLst xmlns="" xmlns:p15="http://schemas.microsoft.com/office/powerpoint/2012/main">
+      <p15:sldGuideLst xmlns:p15="http://schemas.microsoft.com/office/powerpoint/2012/main" xmlns="">
         <p15:guide id="1" orient="horz" pos="2160">
           <p15:clr>
             <a:srgbClr val="A4A3A4"/>
@@ -156,7 +156,7 @@
       </p15:sldGuideLst>
     </p:ext>
     <p:ext uri="{2D200454-40CA-4A62-9FC3-DE9A4176ACB9}">
-      <p15:notesGuideLst xmlns="" xmlns:p15="http://schemas.microsoft.com/office/powerpoint/2012/main"/>
+      <p15:notesGuideLst xmlns:p15="http://schemas.microsoft.com/office/powerpoint/2012/main" xmlns=""/>
     </p:ext>
   </p:extLst>
 </p:presentation>
@@ -382,7 +382,7 @@
           <p:cNvPr id="2" name="页眉占位符 1">
             <a:extLst>
               <a:ext uri="{FF2B5EF4-FFF2-40B4-BE49-F238E27FC236}">
-                <a16:creationId xmlns="" xmlns:a16="http://schemas.microsoft.com/office/drawing/2014/main" id="{B9A56829-66AA-42AA-918E-5C6DB1AE50A7}"/>
+                <a16:creationId xmlns:a16="http://schemas.microsoft.com/office/drawing/2014/main" xmlns="" id="{B9A56829-66AA-42AA-918E-5C6DB1AE50A7}"/>
               </a:ext>
             </a:extLst>
           </p:cNvPr>
@@ -419,7 +419,7 @@
           <p:cNvPr id="3" name="日期占位符 2">
             <a:extLst>
               <a:ext uri="{FF2B5EF4-FFF2-40B4-BE49-F238E27FC236}">
-                <a16:creationId xmlns="" xmlns:a16="http://schemas.microsoft.com/office/drawing/2014/main" id="{241084A9-BC5C-4420-B17C-51E328D45576}"/>
+                <a16:creationId xmlns:a16="http://schemas.microsoft.com/office/drawing/2014/main" xmlns="" id="{241084A9-BC5C-4420-B17C-51E328D45576}"/>
               </a:ext>
             </a:extLst>
           </p:cNvPr>
@@ -449,7 +449,7 @@
           <a:p>
             <a:fld id="{B478E0E4-DC06-4041-AFA7-BB6F527FFA3F}" type="datetimeFigureOut">
               <a:rPr lang="zh-CN" altLang="en-US" smtClean="0"/>
-              <a:t>2020/11/25</a:t>
+              <a:t>2020/12/21</a:t>
             </a:fld>
             <a:endParaRPr lang="zh-CN" altLang="en-US"/>
           </a:p>
@@ -460,7 +460,7 @@
           <p:cNvPr id="4" name="页脚占位符 3">
             <a:extLst>
               <a:ext uri="{FF2B5EF4-FFF2-40B4-BE49-F238E27FC236}">
-                <a16:creationId xmlns="" xmlns:a16="http://schemas.microsoft.com/office/drawing/2014/main" id="{0D6F2124-7B35-4E59-B9E8-DB09EE1408A4}"/>
+                <a16:creationId xmlns:a16="http://schemas.microsoft.com/office/drawing/2014/main" xmlns="" id="{0D6F2124-7B35-4E59-B9E8-DB09EE1408A4}"/>
               </a:ext>
             </a:extLst>
           </p:cNvPr>
@@ -497,7 +497,7 @@
           <p:cNvPr id="5" name="灯片编号占位符 4">
             <a:extLst>
               <a:ext uri="{FF2B5EF4-FFF2-40B4-BE49-F238E27FC236}">
-                <a16:creationId xmlns="" xmlns:a16="http://schemas.microsoft.com/office/drawing/2014/main" id="{F2BF8FFE-D997-4E34-9A01-CD2014B95241}"/>
+                <a16:creationId xmlns:a16="http://schemas.microsoft.com/office/drawing/2014/main" xmlns="" id="{F2BF8FFE-D997-4E34-9A01-CD2014B95241}"/>
               </a:ext>
             </a:extLst>
           </p:cNvPr>
@@ -626,7 +626,7 @@
           <a:p>
             <a:fld id="{E86D8963-CFCD-4740-AF60-049850373CDF}" type="datetimeFigureOut">
               <a:rPr lang="zh-CN" altLang="en-US" smtClean="0"/>
-              <a:t>2020/11/25</a:t>
+              <a:t>2020/12/21</a:t>
             </a:fld>
             <a:endParaRPr lang="zh-CN" altLang="en-US"/>
           </a:p>
@@ -915,7 +915,7 @@
           <p:cNvPr id="2" name="îṩ1ïdê">
             <a:extLst>
               <a:ext uri="{FF2B5EF4-FFF2-40B4-BE49-F238E27FC236}">
-                <a16:creationId xmlns="" xmlns:a16="http://schemas.microsoft.com/office/drawing/2014/main" id="{B165F2F7-32E4-4AF8-8657-36AC30D78579}"/>
+                <a16:creationId xmlns:a16="http://schemas.microsoft.com/office/drawing/2014/main" xmlns="" id="{B165F2F7-32E4-4AF8-8657-36AC30D78579}"/>
               </a:ext>
             </a:extLst>
           </p:cNvPr>
@@ -1075,7 +1075,7 @@
           <p:cNvPr id="7" name="组合 6">
             <a:extLst>
               <a:ext uri="{FF2B5EF4-FFF2-40B4-BE49-F238E27FC236}">
-                <a16:creationId xmlns="" xmlns:a16="http://schemas.microsoft.com/office/drawing/2014/main" id="{3491D0C5-E57C-45B4-AFE5-02F7704CDCF6}"/>
+                <a16:creationId xmlns:a16="http://schemas.microsoft.com/office/drawing/2014/main" xmlns="" id="{3491D0C5-E57C-45B4-AFE5-02F7704CDCF6}"/>
               </a:ext>
             </a:extLst>
           </p:cNvPr>
@@ -1095,7 +1095,7 @@
             <p:cNvPr id="11" name="ïş1ïḓe">
               <a:extLst>
                 <a:ext uri="{FF2B5EF4-FFF2-40B4-BE49-F238E27FC236}">
-                  <a16:creationId xmlns="" xmlns:a16="http://schemas.microsoft.com/office/drawing/2014/main" id="{AAEF8C50-AF93-4B64-9F64-BC188B9CC986}"/>
+                  <a16:creationId xmlns:a16="http://schemas.microsoft.com/office/drawing/2014/main" xmlns="" id="{AAEF8C50-AF93-4B64-9F64-BC188B9CC986}"/>
                 </a:ext>
               </a:extLst>
             </p:cNvPr>
@@ -1179,7 +1179,7 @@
             <p:cNvPr id="14" name="ïş1îḓé">
               <a:extLst>
                 <a:ext uri="{FF2B5EF4-FFF2-40B4-BE49-F238E27FC236}">
-                  <a16:creationId xmlns="" xmlns:a16="http://schemas.microsoft.com/office/drawing/2014/main" id="{D1034528-61F0-451C-8439-59044CBBC42D}"/>
+                  <a16:creationId xmlns:a16="http://schemas.microsoft.com/office/drawing/2014/main" xmlns="" id="{D1034528-61F0-451C-8439-59044CBBC42D}"/>
                 </a:ext>
               </a:extLst>
             </p:cNvPr>
@@ -1272,7 +1272,7 @@
             <p:cNvPr id="15" name="íṡ1íḑè">
               <a:extLst>
                 <a:ext uri="{FF2B5EF4-FFF2-40B4-BE49-F238E27FC236}">
-                  <a16:creationId xmlns="" xmlns:a16="http://schemas.microsoft.com/office/drawing/2014/main" id="{443590D7-CA87-4478-AB6B-8DA2AC5C485A}"/>
+                  <a16:creationId xmlns:a16="http://schemas.microsoft.com/office/drawing/2014/main" xmlns="" id="{443590D7-CA87-4478-AB6B-8DA2AC5C485A}"/>
                 </a:ext>
               </a:extLst>
             </p:cNvPr>
@@ -1357,7 +1357,7 @@
             <p:cNvPr id="16" name="îṥḻiḍê">
               <a:extLst>
                 <a:ext uri="{FF2B5EF4-FFF2-40B4-BE49-F238E27FC236}">
-                  <a16:creationId xmlns="" xmlns:a16="http://schemas.microsoft.com/office/drawing/2014/main" id="{FD92C89C-9731-46F9-9B6E-376810BFF18B}"/>
+                  <a16:creationId xmlns:a16="http://schemas.microsoft.com/office/drawing/2014/main" xmlns="" id="{FD92C89C-9731-46F9-9B6E-376810BFF18B}"/>
                 </a:ext>
               </a:extLst>
             </p:cNvPr>
@@ -1442,7 +1442,7 @@
             <p:cNvPr id="17" name="iṥḷiḑè">
               <a:extLst>
                 <a:ext uri="{FF2B5EF4-FFF2-40B4-BE49-F238E27FC236}">
-                  <a16:creationId xmlns="" xmlns:a16="http://schemas.microsoft.com/office/drawing/2014/main" id="{A8591A9D-5538-4DEC-B405-54C510558903}"/>
+                  <a16:creationId xmlns:a16="http://schemas.microsoft.com/office/drawing/2014/main" xmlns="" id="{A8591A9D-5538-4DEC-B405-54C510558903}"/>
                 </a:ext>
               </a:extLst>
             </p:cNvPr>
@@ -1507,7 +1507,7 @@
             <p:cNvPr id="18" name="íṥḻíḑé">
               <a:extLst>
                 <a:ext uri="{FF2B5EF4-FFF2-40B4-BE49-F238E27FC236}">
-                  <a16:creationId xmlns="" xmlns:a16="http://schemas.microsoft.com/office/drawing/2014/main" id="{FC116EBF-5653-4BA4-837E-95BEB302B1FC}"/>
+                  <a16:creationId xmlns:a16="http://schemas.microsoft.com/office/drawing/2014/main" xmlns="" id="{FC116EBF-5653-4BA4-837E-95BEB302B1FC}"/>
                 </a:ext>
               </a:extLst>
             </p:cNvPr>
@@ -1572,7 +1572,7 @@
             <p:cNvPr id="19" name="ïsḷiďê">
               <a:extLst>
                 <a:ext uri="{FF2B5EF4-FFF2-40B4-BE49-F238E27FC236}">
-                  <a16:creationId xmlns="" xmlns:a16="http://schemas.microsoft.com/office/drawing/2014/main" id="{D7181733-982F-4ADC-B787-E92C178D9BE9}"/>
+                  <a16:creationId xmlns:a16="http://schemas.microsoft.com/office/drawing/2014/main" xmlns="" id="{D7181733-982F-4ADC-B787-E92C178D9BE9}"/>
                 </a:ext>
               </a:extLst>
             </p:cNvPr>
@@ -1667,7 +1667,7 @@
             <p:cNvPr id="20" name="îs1iḓê">
               <a:extLst>
                 <a:ext uri="{FF2B5EF4-FFF2-40B4-BE49-F238E27FC236}">
-                  <a16:creationId xmlns="" xmlns:a16="http://schemas.microsoft.com/office/drawing/2014/main" id="{75B1573A-D6DA-4E40-B952-FC6A6E899942}"/>
+                  <a16:creationId xmlns:a16="http://schemas.microsoft.com/office/drawing/2014/main" xmlns="" id="{75B1573A-D6DA-4E40-B952-FC6A6E899942}"/>
                 </a:ext>
               </a:extLst>
             </p:cNvPr>
@@ -1742,7 +1742,7 @@
             <p:cNvPr id="21" name="íṡḻïdé">
               <a:extLst>
                 <a:ext uri="{FF2B5EF4-FFF2-40B4-BE49-F238E27FC236}">
-                  <a16:creationId xmlns="" xmlns:a16="http://schemas.microsoft.com/office/drawing/2014/main" id="{A3C16CC0-0D98-42C3-ACDA-6C6B1AAA14CB}"/>
+                  <a16:creationId xmlns:a16="http://schemas.microsoft.com/office/drawing/2014/main" xmlns="" id="{A3C16CC0-0D98-42C3-ACDA-6C6B1AAA14CB}"/>
                 </a:ext>
               </a:extLst>
             </p:cNvPr>
@@ -1817,7 +1817,7 @@
             <p:cNvPr id="22" name="ïṧľiḑè">
               <a:extLst>
                 <a:ext uri="{FF2B5EF4-FFF2-40B4-BE49-F238E27FC236}">
-                  <a16:creationId xmlns="" xmlns:a16="http://schemas.microsoft.com/office/drawing/2014/main" id="{2EEC5EF2-9731-49D2-8E01-4BAE06CF1807}"/>
+                  <a16:creationId xmlns:a16="http://schemas.microsoft.com/office/drawing/2014/main" xmlns="" id="{2EEC5EF2-9731-49D2-8E01-4BAE06CF1807}"/>
                 </a:ext>
               </a:extLst>
             </p:cNvPr>
@@ -1892,7 +1892,7 @@
             <p:cNvPr id="23" name="íşľîḋè">
               <a:extLst>
                 <a:ext uri="{FF2B5EF4-FFF2-40B4-BE49-F238E27FC236}">
-                  <a16:creationId xmlns="" xmlns:a16="http://schemas.microsoft.com/office/drawing/2014/main" id="{07D33D98-ECF4-43C9-8F9B-502B76AA375A}"/>
+                  <a16:creationId xmlns:a16="http://schemas.microsoft.com/office/drawing/2014/main" xmlns="" id="{07D33D98-ECF4-43C9-8F9B-502B76AA375A}"/>
                 </a:ext>
               </a:extLst>
             </p:cNvPr>
@@ -1957,7 +1957,7 @@
             <p:cNvPr id="24" name="îšḷîḍè">
               <a:extLst>
                 <a:ext uri="{FF2B5EF4-FFF2-40B4-BE49-F238E27FC236}">
-                  <a16:creationId xmlns="" xmlns:a16="http://schemas.microsoft.com/office/drawing/2014/main" id="{06AFAADD-E47D-403A-8BCE-6B991B488491}"/>
+                  <a16:creationId xmlns:a16="http://schemas.microsoft.com/office/drawing/2014/main" xmlns="" id="{06AFAADD-E47D-403A-8BCE-6B991B488491}"/>
                 </a:ext>
               </a:extLst>
             </p:cNvPr>
@@ -2022,7 +2022,7 @@
             <p:cNvPr id="25" name="îŝļiḑè">
               <a:extLst>
                 <a:ext uri="{FF2B5EF4-FFF2-40B4-BE49-F238E27FC236}">
-                  <a16:creationId xmlns="" xmlns:a16="http://schemas.microsoft.com/office/drawing/2014/main" id="{F20679ED-F04B-48C0-86C1-4F4678D0EF44}"/>
+                  <a16:creationId xmlns:a16="http://schemas.microsoft.com/office/drawing/2014/main" xmlns="" id="{F20679ED-F04B-48C0-86C1-4F4678D0EF44}"/>
                 </a:ext>
               </a:extLst>
             </p:cNvPr>
@@ -2084,7 +2084,7 @@
             <p:cNvPr id="26" name="ïsḻïḓe">
               <a:extLst>
                 <a:ext uri="{FF2B5EF4-FFF2-40B4-BE49-F238E27FC236}">
-                  <a16:creationId xmlns="" xmlns:a16="http://schemas.microsoft.com/office/drawing/2014/main" id="{178FE26C-EAE2-489E-9818-2AD90604A6E7}"/>
+                  <a16:creationId xmlns:a16="http://schemas.microsoft.com/office/drawing/2014/main" xmlns="" id="{178FE26C-EAE2-489E-9818-2AD90604A6E7}"/>
                 </a:ext>
               </a:extLst>
             </p:cNvPr>
@@ -2146,7 +2146,7 @@
             <p:cNvPr id="27" name="îṥľíḑê">
               <a:extLst>
                 <a:ext uri="{FF2B5EF4-FFF2-40B4-BE49-F238E27FC236}">
-                  <a16:creationId xmlns="" xmlns:a16="http://schemas.microsoft.com/office/drawing/2014/main" id="{54C937FE-182B-4B4C-8B56-94274EF8727A}"/>
+                  <a16:creationId xmlns:a16="http://schemas.microsoft.com/office/drawing/2014/main" xmlns="" id="{54C937FE-182B-4B4C-8B56-94274EF8727A}"/>
                 </a:ext>
               </a:extLst>
             </p:cNvPr>
@@ -2208,7 +2208,7 @@
             <p:cNvPr id="28" name="iṧľíḑe">
               <a:extLst>
                 <a:ext uri="{FF2B5EF4-FFF2-40B4-BE49-F238E27FC236}">
-                  <a16:creationId xmlns="" xmlns:a16="http://schemas.microsoft.com/office/drawing/2014/main" id="{9EC454E6-4E34-40A0-B134-E27356DF1BD3}"/>
+                  <a16:creationId xmlns:a16="http://schemas.microsoft.com/office/drawing/2014/main" xmlns="" id="{9EC454E6-4E34-40A0-B134-E27356DF1BD3}"/>
                 </a:ext>
               </a:extLst>
             </p:cNvPr>
@@ -2270,7 +2270,7 @@
             <p:cNvPr id="29" name="íşḻïḑê">
               <a:extLst>
                 <a:ext uri="{FF2B5EF4-FFF2-40B4-BE49-F238E27FC236}">
-                  <a16:creationId xmlns="" xmlns:a16="http://schemas.microsoft.com/office/drawing/2014/main" id="{F02A9D5E-CFB2-42AA-A5C5-5E5778C6FCBE}"/>
+                  <a16:creationId xmlns:a16="http://schemas.microsoft.com/office/drawing/2014/main" xmlns="" id="{F02A9D5E-CFB2-42AA-A5C5-5E5778C6FCBE}"/>
                 </a:ext>
               </a:extLst>
             </p:cNvPr>
@@ -2366,7 +2366,7 @@
             <p:cNvPr id="30" name="išḻîḋè">
               <a:extLst>
                 <a:ext uri="{FF2B5EF4-FFF2-40B4-BE49-F238E27FC236}">
-                  <a16:creationId xmlns="" xmlns:a16="http://schemas.microsoft.com/office/drawing/2014/main" id="{2B76FEBA-B0C4-4066-ABF2-E33CBD44C45F}"/>
+                  <a16:creationId xmlns:a16="http://schemas.microsoft.com/office/drawing/2014/main" xmlns="" id="{2B76FEBA-B0C4-4066-ABF2-E33CBD44C45F}"/>
                 </a:ext>
               </a:extLst>
             </p:cNvPr>
@@ -2428,7 +2428,7 @@
             <p:cNvPr id="31" name="ïšliḋé">
               <a:extLst>
                 <a:ext uri="{FF2B5EF4-FFF2-40B4-BE49-F238E27FC236}">
-                  <a16:creationId xmlns="" xmlns:a16="http://schemas.microsoft.com/office/drawing/2014/main" id="{17F7742C-0E9E-453F-BF74-0A1870F594D9}"/>
+                  <a16:creationId xmlns:a16="http://schemas.microsoft.com/office/drawing/2014/main" xmlns="" id="{17F7742C-0E9E-453F-BF74-0A1870F594D9}"/>
                 </a:ext>
               </a:extLst>
             </p:cNvPr>
@@ -2490,7 +2490,7 @@
             <p:cNvPr id="32" name="íṣlídé">
               <a:extLst>
                 <a:ext uri="{FF2B5EF4-FFF2-40B4-BE49-F238E27FC236}">
-                  <a16:creationId xmlns="" xmlns:a16="http://schemas.microsoft.com/office/drawing/2014/main" id="{3B98F7CF-64A1-4A5B-B8EC-9178705C9901}"/>
+                  <a16:creationId xmlns:a16="http://schemas.microsoft.com/office/drawing/2014/main" xmlns="" id="{3B98F7CF-64A1-4A5B-B8EC-9178705C9901}"/>
                 </a:ext>
               </a:extLst>
             </p:cNvPr>
@@ -2552,7 +2552,7 @@
             <p:cNvPr id="33" name="ï$ľïḍé">
               <a:extLst>
                 <a:ext uri="{FF2B5EF4-FFF2-40B4-BE49-F238E27FC236}">
-                  <a16:creationId xmlns="" xmlns:a16="http://schemas.microsoft.com/office/drawing/2014/main" id="{8EB33BF9-35EF-4068-A574-8FBC5EEAC895}"/>
+                  <a16:creationId xmlns:a16="http://schemas.microsoft.com/office/drawing/2014/main" xmlns="" id="{8EB33BF9-35EF-4068-A574-8FBC5EEAC895}"/>
                 </a:ext>
               </a:extLst>
             </p:cNvPr>
@@ -2614,7 +2614,7 @@
             <p:cNvPr id="34" name="ï$1îḑé">
               <a:extLst>
                 <a:ext uri="{FF2B5EF4-FFF2-40B4-BE49-F238E27FC236}">
-                  <a16:creationId xmlns="" xmlns:a16="http://schemas.microsoft.com/office/drawing/2014/main" id="{66235EE7-FC71-4720-94D6-AE9E5A6E3B32}"/>
+                  <a16:creationId xmlns:a16="http://schemas.microsoft.com/office/drawing/2014/main" xmlns="" id="{66235EE7-FC71-4720-94D6-AE9E5A6E3B32}"/>
                 </a:ext>
               </a:extLst>
             </p:cNvPr>
@@ -2676,7 +2676,7 @@
             <p:cNvPr id="35" name="íşļiḓê">
               <a:extLst>
                 <a:ext uri="{FF2B5EF4-FFF2-40B4-BE49-F238E27FC236}">
-                  <a16:creationId xmlns="" xmlns:a16="http://schemas.microsoft.com/office/drawing/2014/main" id="{464E50F4-2AD9-4646-95B0-C615F448F8D7}"/>
+                  <a16:creationId xmlns:a16="http://schemas.microsoft.com/office/drawing/2014/main" xmlns="" id="{464E50F4-2AD9-4646-95B0-C615F448F8D7}"/>
                 </a:ext>
               </a:extLst>
             </p:cNvPr>
@@ -2738,7 +2738,7 @@
             <p:cNvPr id="36" name="iSliḍé">
               <a:extLst>
                 <a:ext uri="{FF2B5EF4-FFF2-40B4-BE49-F238E27FC236}">
-                  <a16:creationId xmlns="" xmlns:a16="http://schemas.microsoft.com/office/drawing/2014/main" id="{08FD15B7-89FA-4BA0-832E-9B9D9FF852D5}"/>
+                  <a16:creationId xmlns:a16="http://schemas.microsoft.com/office/drawing/2014/main" xmlns="" id="{08FD15B7-89FA-4BA0-832E-9B9D9FF852D5}"/>
                 </a:ext>
               </a:extLst>
             </p:cNvPr>
@@ -2800,7 +2800,7 @@
             <p:cNvPr id="37" name="îşļïde">
               <a:extLst>
                 <a:ext uri="{FF2B5EF4-FFF2-40B4-BE49-F238E27FC236}">
-                  <a16:creationId xmlns="" xmlns:a16="http://schemas.microsoft.com/office/drawing/2014/main" id="{4DACA41F-DADA-4149-8933-31488F26C8AD}"/>
+                  <a16:creationId xmlns:a16="http://schemas.microsoft.com/office/drawing/2014/main" xmlns="" id="{4DACA41F-DADA-4149-8933-31488F26C8AD}"/>
                 </a:ext>
               </a:extLst>
             </p:cNvPr>
@@ -2862,7 +2862,7 @@
             <p:cNvPr id="38" name="ï$ḻídè">
               <a:extLst>
                 <a:ext uri="{FF2B5EF4-FFF2-40B4-BE49-F238E27FC236}">
-                  <a16:creationId xmlns="" xmlns:a16="http://schemas.microsoft.com/office/drawing/2014/main" id="{C28E4710-C2A1-4505-AD75-E91E319AE73A}"/>
+                  <a16:creationId xmlns:a16="http://schemas.microsoft.com/office/drawing/2014/main" xmlns="" id="{C28E4710-C2A1-4505-AD75-E91E319AE73A}"/>
                 </a:ext>
               </a:extLst>
             </p:cNvPr>
@@ -2958,7 +2958,7 @@
             <p:cNvPr id="39" name="ísľíḑe">
               <a:extLst>
                 <a:ext uri="{FF2B5EF4-FFF2-40B4-BE49-F238E27FC236}">
-                  <a16:creationId xmlns="" xmlns:a16="http://schemas.microsoft.com/office/drawing/2014/main" id="{C323CC97-7CC7-4FA5-A665-16F8A2FDB29A}"/>
+                  <a16:creationId xmlns:a16="http://schemas.microsoft.com/office/drawing/2014/main" xmlns="" id="{C323CC97-7CC7-4FA5-A665-16F8A2FDB29A}"/>
                 </a:ext>
               </a:extLst>
             </p:cNvPr>
@@ -3023,7 +3023,7 @@
             <p:cNvPr id="40" name="íṩlîḑè">
               <a:extLst>
                 <a:ext uri="{FF2B5EF4-FFF2-40B4-BE49-F238E27FC236}">
-                  <a16:creationId xmlns="" xmlns:a16="http://schemas.microsoft.com/office/drawing/2014/main" id="{26A96D82-53D7-454D-B8F0-08C85B54A508}"/>
+                  <a16:creationId xmlns:a16="http://schemas.microsoft.com/office/drawing/2014/main" xmlns="" id="{26A96D82-53D7-454D-B8F0-08C85B54A508}"/>
                 </a:ext>
               </a:extLst>
             </p:cNvPr>
@@ -3163,7 +3163,7 @@
             <p:cNvPr id="41" name="iṡḻídê">
               <a:extLst>
                 <a:ext uri="{FF2B5EF4-FFF2-40B4-BE49-F238E27FC236}">
-                  <a16:creationId xmlns="" xmlns:a16="http://schemas.microsoft.com/office/drawing/2014/main" id="{00A55C22-40A5-4BCE-AB5C-0DBD7B43CF15}"/>
+                  <a16:creationId xmlns:a16="http://schemas.microsoft.com/office/drawing/2014/main" xmlns="" id="{00A55C22-40A5-4BCE-AB5C-0DBD7B43CF15}"/>
                 </a:ext>
               </a:extLst>
             </p:cNvPr>
@@ -3225,7 +3225,7 @@
             <p:cNvPr id="42" name="íŝḷîḋè">
               <a:extLst>
                 <a:ext uri="{FF2B5EF4-FFF2-40B4-BE49-F238E27FC236}">
-                  <a16:creationId xmlns="" xmlns:a16="http://schemas.microsoft.com/office/drawing/2014/main" id="{1E7E1B5A-4BA7-4930-AB12-641C32CB9B5D}"/>
+                  <a16:creationId xmlns:a16="http://schemas.microsoft.com/office/drawing/2014/main" xmlns="" id="{1E7E1B5A-4BA7-4930-AB12-641C32CB9B5D}"/>
                 </a:ext>
               </a:extLst>
             </p:cNvPr>
@@ -3287,7 +3287,7 @@
             <p:cNvPr id="43" name="işliḓè">
               <a:extLst>
                 <a:ext uri="{FF2B5EF4-FFF2-40B4-BE49-F238E27FC236}">
-                  <a16:creationId xmlns="" xmlns:a16="http://schemas.microsoft.com/office/drawing/2014/main" id="{463C39C0-BA97-46C8-947C-6A6BB4E7C9D1}"/>
+                  <a16:creationId xmlns:a16="http://schemas.microsoft.com/office/drawing/2014/main" xmlns="" id="{463C39C0-BA97-46C8-947C-6A6BB4E7C9D1}"/>
                 </a:ext>
               </a:extLst>
             </p:cNvPr>
@@ -3349,7 +3349,7 @@
             <p:cNvPr id="44" name="îsḻiḑé">
               <a:extLst>
                 <a:ext uri="{FF2B5EF4-FFF2-40B4-BE49-F238E27FC236}">
-                  <a16:creationId xmlns="" xmlns:a16="http://schemas.microsoft.com/office/drawing/2014/main" id="{DF04E304-5F07-4415-828B-0989704C8FE6}"/>
+                  <a16:creationId xmlns:a16="http://schemas.microsoft.com/office/drawing/2014/main" xmlns="" id="{DF04E304-5F07-4415-828B-0989704C8FE6}"/>
                 </a:ext>
               </a:extLst>
             </p:cNvPr>
@@ -3411,7 +3411,7 @@
             <p:cNvPr id="45" name="íṧľiḓê">
               <a:extLst>
                 <a:ext uri="{FF2B5EF4-FFF2-40B4-BE49-F238E27FC236}">
-                  <a16:creationId xmlns="" xmlns:a16="http://schemas.microsoft.com/office/drawing/2014/main" id="{9DE34A69-BC75-47AD-8DE0-15FDFEF5D179}"/>
+                  <a16:creationId xmlns:a16="http://schemas.microsoft.com/office/drawing/2014/main" xmlns="" id="{9DE34A69-BC75-47AD-8DE0-15FDFEF5D179}"/>
                 </a:ext>
               </a:extLst>
             </p:cNvPr>
@@ -3473,7 +3473,7 @@
             <p:cNvPr id="46" name="íSlíďé">
               <a:extLst>
                 <a:ext uri="{FF2B5EF4-FFF2-40B4-BE49-F238E27FC236}">
-                  <a16:creationId xmlns="" xmlns:a16="http://schemas.microsoft.com/office/drawing/2014/main" id="{F19E1891-22A9-4238-9A0E-D54742EB9A67}"/>
+                  <a16:creationId xmlns:a16="http://schemas.microsoft.com/office/drawing/2014/main" xmlns="" id="{F19E1891-22A9-4238-9A0E-D54742EB9A67}"/>
                 </a:ext>
               </a:extLst>
             </p:cNvPr>
@@ -3535,7 +3535,7 @@
             <p:cNvPr id="47" name="iś1ïdè">
               <a:extLst>
                 <a:ext uri="{FF2B5EF4-FFF2-40B4-BE49-F238E27FC236}">
-                  <a16:creationId xmlns="" xmlns:a16="http://schemas.microsoft.com/office/drawing/2014/main" id="{26F87FC7-C5C8-4289-A0E2-8F0511BE4D0F}"/>
+                  <a16:creationId xmlns:a16="http://schemas.microsoft.com/office/drawing/2014/main" xmlns="" id="{26F87FC7-C5C8-4289-A0E2-8F0511BE4D0F}"/>
                 </a:ext>
               </a:extLst>
             </p:cNvPr>
@@ -3597,7 +3597,7 @@
             <p:cNvPr id="48" name="îŝḷïḍé">
               <a:extLst>
                 <a:ext uri="{FF2B5EF4-FFF2-40B4-BE49-F238E27FC236}">
-                  <a16:creationId xmlns="" xmlns:a16="http://schemas.microsoft.com/office/drawing/2014/main" id="{AF3C94AB-652D-4CCA-BFC8-3BC7A5181E1F}"/>
+                  <a16:creationId xmlns:a16="http://schemas.microsoft.com/office/drawing/2014/main" xmlns="" id="{AF3C94AB-652D-4CCA-BFC8-3BC7A5181E1F}"/>
                 </a:ext>
               </a:extLst>
             </p:cNvPr>
@@ -3668,7 +3668,7 @@
             <p:cNvPr id="49" name="ïśļïďé">
               <a:extLst>
                 <a:ext uri="{FF2B5EF4-FFF2-40B4-BE49-F238E27FC236}">
-                  <a16:creationId xmlns="" xmlns:a16="http://schemas.microsoft.com/office/drawing/2014/main" id="{10BC1FCD-F8F1-411F-8B4C-46E128380494}"/>
+                  <a16:creationId xmlns:a16="http://schemas.microsoft.com/office/drawing/2014/main" xmlns="" id="{10BC1FCD-F8F1-411F-8B4C-46E128380494}"/>
                 </a:ext>
               </a:extLst>
             </p:cNvPr>
@@ -3739,7 +3739,7 @@
             <p:cNvPr id="50" name="íṧḷídè">
               <a:extLst>
                 <a:ext uri="{FF2B5EF4-FFF2-40B4-BE49-F238E27FC236}">
-                  <a16:creationId xmlns="" xmlns:a16="http://schemas.microsoft.com/office/drawing/2014/main" id="{D6954D73-841B-4674-94DA-57899B5C83FA}"/>
+                  <a16:creationId xmlns:a16="http://schemas.microsoft.com/office/drawing/2014/main" xmlns="" id="{D6954D73-841B-4674-94DA-57899B5C83FA}"/>
                 </a:ext>
               </a:extLst>
             </p:cNvPr>
@@ -4210,7 +4210,7 @@
           <p:cNvPr id="3" name="组合 2">
             <a:extLst>
               <a:ext uri="{FF2B5EF4-FFF2-40B4-BE49-F238E27FC236}">
-                <a16:creationId xmlns="" xmlns:a16="http://schemas.microsoft.com/office/drawing/2014/main" id="{C629003E-14DA-4608-82C8-F702B03C8C62}"/>
+                <a16:creationId xmlns:a16="http://schemas.microsoft.com/office/drawing/2014/main" xmlns="" id="{C629003E-14DA-4608-82C8-F702B03C8C62}"/>
               </a:ext>
             </a:extLst>
           </p:cNvPr>
@@ -4236,7 +4236,7 @@
             <p:cNvPr id="34" name="iSliḓê">
               <a:extLst>
                 <a:ext uri="{FF2B5EF4-FFF2-40B4-BE49-F238E27FC236}">
-                  <a16:creationId xmlns="" xmlns:a16="http://schemas.microsoft.com/office/drawing/2014/main" id="{80A47D5A-673E-4EDC-8FB1-C2A2486C802A}"/>
+                  <a16:creationId xmlns:a16="http://schemas.microsoft.com/office/drawing/2014/main" xmlns="" id="{80A47D5A-673E-4EDC-8FB1-C2A2486C802A}"/>
                 </a:ext>
               </a:extLst>
             </p:cNvPr>
@@ -4374,7 +4374,7 @@
             <p:cNvPr id="38" name="ïṣlîḓê">
               <a:extLst>
                 <a:ext uri="{FF2B5EF4-FFF2-40B4-BE49-F238E27FC236}">
-                  <a16:creationId xmlns="" xmlns:a16="http://schemas.microsoft.com/office/drawing/2014/main" id="{DCD89878-3878-44CD-816E-D1DB497D642B}"/>
+                  <a16:creationId xmlns:a16="http://schemas.microsoft.com/office/drawing/2014/main" xmlns="" id="{DCD89878-3878-44CD-816E-D1DB497D642B}"/>
                 </a:ext>
               </a:extLst>
             </p:cNvPr>
@@ -4440,7 +4440,7 @@
             <p:cNvPr id="39" name="îṧḻiďê">
               <a:extLst>
                 <a:ext uri="{FF2B5EF4-FFF2-40B4-BE49-F238E27FC236}">
-                  <a16:creationId xmlns="" xmlns:a16="http://schemas.microsoft.com/office/drawing/2014/main" id="{927A350C-74E8-4289-AD50-D152B2F20760}"/>
+                  <a16:creationId xmlns:a16="http://schemas.microsoft.com/office/drawing/2014/main" xmlns="" id="{927A350C-74E8-4289-AD50-D152B2F20760}"/>
                 </a:ext>
               </a:extLst>
             </p:cNvPr>
@@ -4506,7 +4506,7 @@
             <p:cNvPr id="40" name="îsļiďé">
               <a:extLst>
                 <a:ext uri="{FF2B5EF4-FFF2-40B4-BE49-F238E27FC236}">
-                  <a16:creationId xmlns="" xmlns:a16="http://schemas.microsoft.com/office/drawing/2014/main" id="{FA1565F5-351B-46F7-94BA-8DE2B624E1D4}"/>
+                  <a16:creationId xmlns:a16="http://schemas.microsoft.com/office/drawing/2014/main" xmlns="" id="{FA1565F5-351B-46F7-94BA-8DE2B624E1D4}"/>
                 </a:ext>
               </a:extLst>
             </p:cNvPr>
@@ -4572,7 +4572,7 @@
             <p:cNvPr id="41" name="ísľîḑê">
               <a:extLst>
                 <a:ext uri="{FF2B5EF4-FFF2-40B4-BE49-F238E27FC236}">
-                  <a16:creationId xmlns="" xmlns:a16="http://schemas.microsoft.com/office/drawing/2014/main" id="{F46A0CCC-6110-407E-8E6D-A1E655B7B10A}"/>
+                  <a16:creationId xmlns:a16="http://schemas.microsoft.com/office/drawing/2014/main" xmlns="" id="{F46A0CCC-6110-407E-8E6D-A1E655B7B10A}"/>
                 </a:ext>
               </a:extLst>
             </p:cNvPr>
@@ -4638,7 +4638,7 @@
             <p:cNvPr id="42" name="iṥlïďé">
               <a:extLst>
                 <a:ext uri="{FF2B5EF4-FFF2-40B4-BE49-F238E27FC236}">
-                  <a16:creationId xmlns="" xmlns:a16="http://schemas.microsoft.com/office/drawing/2014/main" id="{D83D0A40-C194-4C9B-8119-3AA087712412}"/>
+                  <a16:creationId xmlns:a16="http://schemas.microsoft.com/office/drawing/2014/main" xmlns="" id="{D83D0A40-C194-4C9B-8119-3AA087712412}"/>
                 </a:ext>
               </a:extLst>
             </p:cNvPr>
@@ -4709,7 +4709,7 @@
             <p:cNvPr id="43" name="îşḷiḍè">
               <a:extLst>
                 <a:ext uri="{FF2B5EF4-FFF2-40B4-BE49-F238E27FC236}">
-                  <a16:creationId xmlns="" xmlns:a16="http://schemas.microsoft.com/office/drawing/2014/main" id="{DE854E02-9D47-4D10-A040-E952102AC62D}"/>
+                  <a16:creationId xmlns:a16="http://schemas.microsoft.com/office/drawing/2014/main" xmlns="" id="{DE854E02-9D47-4D10-A040-E952102AC62D}"/>
                 </a:ext>
               </a:extLst>
             </p:cNvPr>
@@ -4811,7 +4811,7 @@
           <p:cNvPr id="3" name="日期占位符 2">
             <a:extLst>
               <a:ext uri="{FF2B5EF4-FFF2-40B4-BE49-F238E27FC236}">
-                <a16:creationId xmlns="" xmlns:a16="http://schemas.microsoft.com/office/drawing/2014/main" id="{9888B6D7-9D3F-49D7-BACE-73A9D1149A74}"/>
+                <a16:creationId xmlns:a16="http://schemas.microsoft.com/office/drawing/2014/main" xmlns="" id="{9888B6D7-9D3F-49D7-BACE-73A9D1149A74}"/>
               </a:ext>
             </a:extLst>
           </p:cNvPr>
@@ -4836,7 +4836,7 @@
           <p:cNvPr id="4" name="页脚占位符 3">
             <a:extLst>
               <a:ext uri="{FF2B5EF4-FFF2-40B4-BE49-F238E27FC236}">
-                <a16:creationId xmlns="" xmlns:a16="http://schemas.microsoft.com/office/drawing/2014/main" id="{7AC997A4-1DD8-4731-B9FD-42398A20FF85}"/>
+                <a16:creationId xmlns:a16="http://schemas.microsoft.com/office/drawing/2014/main" xmlns="" id="{7AC997A4-1DD8-4731-B9FD-42398A20FF85}"/>
               </a:ext>
             </a:extLst>
           </p:cNvPr>
@@ -4873,7 +4873,7 @@
           <p:cNvPr id="5" name="灯片编号占位符 4">
             <a:extLst>
               <a:ext uri="{FF2B5EF4-FFF2-40B4-BE49-F238E27FC236}">
-                <a16:creationId xmlns="" xmlns:a16="http://schemas.microsoft.com/office/drawing/2014/main" id="{DBA9825E-1876-42AD-ABCF-E0E100F351CA}"/>
+                <a16:creationId xmlns:a16="http://schemas.microsoft.com/office/drawing/2014/main" xmlns="" id="{DBA9825E-1876-42AD-ABCF-E0E100F351CA}"/>
               </a:ext>
             </a:extLst>
           </p:cNvPr>
@@ -4903,7 +4903,7 @@
           <p:cNvPr id="6" name="标题 5">
             <a:extLst>
               <a:ext uri="{FF2B5EF4-FFF2-40B4-BE49-F238E27FC236}">
-                <a16:creationId xmlns="" xmlns:a16="http://schemas.microsoft.com/office/drawing/2014/main" id="{D124F9DB-C87A-423F-9657-38C7A2901430}"/>
+                <a16:creationId xmlns:a16="http://schemas.microsoft.com/office/drawing/2014/main" xmlns="" id="{D124F9DB-C87A-423F-9657-38C7A2901430}"/>
               </a:ext>
             </a:extLst>
           </p:cNvPr>
@@ -4936,7 +4936,7 @@
           <p:cNvPr id="8" name="内容占位符 7">
             <a:extLst>
               <a:ext uri="{FF2B5EF4-FFF2-40B4-BE49-F238E27FC236}">
-                <a16:creationId xmlns="" xmlns:a16="http://schemas.microsoft.com/office/drawing/2014/main" id="{2070191C-4093-409C-8FD5-7369A79637AD}"/>
+                <a16:creationId xmlns:a16="http://schemas.microsoft.com/office/drawing/2014/main" xmlns="" id="{2070191C-4093-409C-8FD5-7369A79637AD}"/>
               </a:ext>
             </a:extLst>
           </p:cNvPr>
@@ -5045,7 +5045,7 @@
           <p:cNvPr id="2" name="标题 1">
             <a:extLst>
               <a:ext uri="{FF2B5EF4-FFF2-40B4-BE49-F238E27FC236}">
-                <a16:creationId xmlns="" xmlns:a16="http://schemas.microsoft.com/office/drawing/2014/main" id="{F21C7A1C-3684-4AAF-A408-C63B6CB64104}"/>
+                <a16:creationId xmlns:a16="http://schemas.microsoft.com/office/drawing/2014/main" xmlns="" id="{F21C7A1C-3684-4AAF-A408-C63B6CB64104}"/>
               </a:ext>
             </a:extLst>
           </p:cNvPr>
@@ -5078,7 +5078,7 @@
           <p:cNvPr id="3" name="日期占位符 2">
             <a:extLst>
               <a:ext uri="{FF2B5EF4-FFF2-40B4-BE49-F238E27FC236}">
-                <a16:creationId xmlns="" xmlns:a16="http://schemas.microsoft.com/office/drawing/2014/main" id="{8986EA5F-D77D-4318-90E9-C04AA8ADC0D1}"/>
+                <a16:creationId xmlns:a16="http://schemas.microsoft.com/office/drawing/2014/main" xmlns="" id="{8986EA5F-D77D-4318-90E9-C04AA8ADC0D1}"/>
               </a:ext>
             </a:extLst>
           </p:cNvPr>
@@ -5103,7 +5103,7 @@
           <p:cNvPr id="4" name="页脚占位符 3">
             <a:extLst>
               <a:ext uri="{FF2B5EF4-FFF2-40B4-BE49-F238E27FC236}">
-                <a16:creationId xmlns="" xmlns:a16="http://schemas.microsoft.com/office/drawing/2014/main" id="{00832621-D9D9-445E-BFF9-F8348FA1E262}"/>
+                <a16:creationId xmlns:a16="http://schemas.microsoft.com/office/drawing/2014/main" xmlns="" id="{00832621-D9D9-445E-BFF9-F8348FA1E262}"/>
               </a:ext>
             </a:extLst>
           </p:cNvPr>
@@ -5140,7 +5140,7 @@
           <p:cNvPr id="5" name="灯片编号占位符 4">
             <a:extLst>
               <a:ext uri="{FF2B5EF4-FFF2-40B4-BE49-F238E27FC236}">
-                <a16:creationId xmlns="" xmlns:a16="http://schemas.microsoft.com/office/drawing/2014/main" id="{8371151B-F790-4A9F-962F-B8718A9560A9}"/>
+                <a16:creationId xmlns:a16="http://schemas.microsoft.com/office/drawing/2014/main" xmlns="" id="{8371151B-F790-4A9F-962F-B8718A9560A9}"/>
               </a:ext>
             </a:extLst>
           </p:cNvPr>
@@ -5336,7 +5336,7 @@
           <p:cNvPr id="6" name="文本占位符 5">
             <a:extLst>
               <a:ext uri="{FF2B5EF4-FFF2-40B4-BE49-F238E27FC236}">
-                <a16:creationId xmlns="" xmlns:a16="http://schemas.microsoft.com/office/drawing/2014/main" id="{05EBDA4F-7210-4CAE-8333-80DB24212E78}"/>
+                <a16:creationId xmlns:a16="http://schemas.microsoft.com/office/drawing/2014/main" xmlns="" id="{05EBDA4F-7210-4CAE-8333-80DB24212E78}"/>
               </a:ext>
             </a:extLst>
           </p:cNvPr>
@@ -5397,7 +5397,7 @@
           <p:cNvPr id="7" name="组合 6">
             <a:extLst>
               <a:ext uri="{FF2B5EF4-FFF2-40B4-BE49-F238E27FC236}">
-                <a16:creationId xmlns="" xmlns:a16="http://schemas.microsoft.com/office/drawing/2014/main" id="{5B77603F-656A-4E2F-9228-E30568A2F1D6}"/>
+                <a16:creationId xmlns:a16="http://schemas.microsoft.com/office/drawing/2014/main" xmlns="" id="{5B77603F-656A-4E2F-9228-E30568A2F1D6}"/>
               </a:ext>
             </a:extLst>
           </p:cNvPr>
@@ -5417,7 +5417,7 @@
             <p:cNvPr id="8" name="îSḻïḍè">
               <a:extLst>
                 <a:ext uri="{FF2B5EF4-FFF2-40B4-BE49-F238E27FC236}">
-                  <a16:creationId xmlns="" xmlns:a16="http://schemas.microsoft.com/office/drawing/2014/main" id="{61BDFEB9-90AA-43E9-A12B-EFFF9287F99D}"/>
+                  <a16:creationId xmlns:a16="http://schemas.microsoft.com/office/drawing/2014/main" xmlns="" id="{61BDFEB9-90AA-43E9-A12B-EFFF9287F99D}"/>
                 </a:ext>
               </a:extLst>
             </p:cNvPr>
@@ -5501,7 +5501,7 @@
             <p:cNvPr id="9" name="iṧ1îďè">
               <a:extLst>
                 <a:ext uri="{FF2B5EF4-FFF2-40B4-BE49-F238E27FC236}">
-                  <a16:creationId xmlns="" xmlns:a16="http://schemas.microsoft.com/office/drawing/2014/main" id="{D6E33435-E28A-463E-9EC6-4FEF1432AC96}"/>
+                  <a16:creationId xmlns:a16="http://schemas.microsoft.com/office/drawing/2014/main" xmlns="" id="{D6E33435-E28A-463E-9EC6-4FEF1432AC96}"/>
                 </a:ext>
               </a:extLst>
             </p:cNvPr>
@@ -5594,7 +5594,7 @@
             <p:cNvPr id="10" name="íŝ1îḑê">
               <a:extLst>
                 <a:ext uri="{FF2B5EF4-FFF2-40B4-BE49-F238E27FC236}">
-                  <a16:creationId xmlns="" xmlns:a16="http://schemas.microsoft.com/office/drawing/2014/main" id="{9304A826-F780-4CF2-AEA1-5EB7122B87CE}"/>
+                  <a16:creationId xmlns:a16="http://schemas.microsoft.com/office/drawing/2014/main" xmlns="" id="{9304A826-F780-4CF2-AEA1-5EB7122B87CE}"/>
                 </a:ext>
               </a:extLst>
             </p:cNvPr>
@@ -5679,7 +5679,7 @@
             <p:cNvPr id="11" name="îṩľîḋè">
               <a:extLst>
                 <a:ext uri="{FF2B5EF4-FFF2-40B4-BE49-F238E27FC236}">
-                  <a16:creationId xmlns="" xmlns:a16="http://schemas.microsoft.com/office/drawing/2014/main" id="{276A2E36-748D-419C-9EE2-5DF2A51BE0C6}"/>
+                  <a16:creationId xmlns:a16="http://schemas.microsoft.com/office/drawing/2014/main" xmlns="" id="{276A2E36-748D-419C-9EE2-5DF2A51BE0C6}"/>
                 </a:ext>
               </a:extLst>
             </p:cNvPr>
@@ -5764,7 +5764,7 @@
             <p:cNvPr id="12" name="íṡ1ïḓe">
               <a:extLst>
                 <a:ext uri="{FF2B5EF4-FFF2-40B4-BE49-F238E27FC236}">
-                  <a16:creationId xmlns="" xmlns:a16="http://schemas.microsoft.com/office/drawing/2014/main" id="{20A4A09F-DE16-4168-819D-7F31D973EC1A}"/>
+                  <a16:creationId xmlns:a16="http://schemas.microsoft.com/office/drawing/2014/main" xmlns="" id="{20A4A09F-DE16-4168-819D-7F31D973EC1A}"/>
                 </a:ext>
               </a:extLst>
             </p:cNvPr>
@@ -5829,7 +5829,7 @@
             <p:cNvPr id="14" name="ïŝlîḍê">
               <a:extLst>
                 <a:ext uri="{FF2B5EF4-FFF2-40B4-BE49-F238E27FC236}">
-                  <a16:creationId xmlns="" xmlns:a16="http://schemas.microsoft.com/office/drawing/2014/main" id="{F8657E4E-B533-4A5A-9F5F-E5BE8ACB5AD2}"/>
+                  <a16:creationId xmlns:a16="http://schemas.microsoft.com/office/drawing/2014/main" xmlns="" id="{F8657E4E-B533-4A5A-9F5F-E5BE8ACB5AD2}"/>
                 </a:ext>
               </a:extLst>
             </p:cNvPr>
@@ -5894,7 +5894,7 @@
             <p:cNvPr id="16" name="íṧlîḓé">
               <a:extLst>
                 <a:ext uri="{FF2B5EF4-FFF2-40B4-BE49-F238E27FC236}">
-                  <a16:creationId xmlns="" xmlns:a16="http://schemas.microsoft.com/office/drawing/2014/main" id="{FD71861F-C75F-4733-AFC9-3907B077276A}"/>
+                  <a16:creationId xmlns:a16="http://schemas.microsoft.com/office/drawing/2014/main" xmlns="" id="{FD71861F-C75F-4733-AFC9-3907B077276A}"/>
                 </a:ext>
               </a:extLst>
             </p:cNvPr>
@@ -5989,7 +5989,7 @@
             <p:cNvPr id="17" name="îṡľiḑè">
               <a:extLst>
                 <a:ext uri="{FF2B5EF4-FFF2-40B4-BE49-F238E27FC236}">
-                  <a16:creationId xmlns="" xmlns:a16="http://schemas.microsoft.com/office/drawing/2014/main" id="{C5F246DD-0425-467A-8E23-DF1922ED4240}"/>
+                  <a16:creationId xmlns:a16="http://schemas.microsoft.com/office/drawing/2014/main" xmlns="" id="{C5F246DD-0425-467A-8E23-DF1922ED4240}"/>
                 </a:ext>
               </a:extLst>
             </p:cNvPr>
@@ -6064,7 +6064,7 @@
             <p:cNvPr id="18" name="íš1ïḑé">
               <a:extLst>
                 <a:ext uri="{FF2B5EF4-FFF2-40B4-BE49-F238E27FC236}">
-                  <a16:creationId xmlns="" xmlns:a16="http://schemas.microsoft.com/office/drawing/2014/main" id="{EB196468-BCAE-4BF5-B491-B37AF459C2E0}"/>
+                  <a16:creationId xmlns:a16="http://schemas.microsoft.com/office/drawing/2014/main" xmlns="" id="{EB196468-BCAE-4BF5-B491-B37AF459C2E0}"/>
                 </a:ext>
               </a:extLst>
             </p:cNvPr>
@@ -6139,7 +6139,7 @@
             <p:cNvPr id="19" name="ïṧḷîḍe">
               <a:extLst>
                 <a:ext uri="{FF2B5EF4-FFF2-40B4-BE49-F238E27FC236}">
-                  <a16:creationId xmlns="" xmlns:a16="http://schemas.microsoft.com/office/drawing/2014/main" id="{9A980BB4-0B9C-4CE7-B965-86D1DCCFF04C}"/>
+                  <a16:creationId xmlns:a16="http://schemas.microsoft.com/office/drawing/2014/main" xmlns="" id="{9A980BB4-0B9C-4CE7-B965-86D1DCCFF04C}"/>
                 </a:ext>
               </a:extLst>
             </p:cNvPr>
@@ -6214,7 +6214,7 @@
             <p:cNvPr id="20" name="iṡḻïḑe">
               <a:extLst>
                 <a:ext uri="{FF2B5EF4-FFF2-40B4-BE49-F238E27FC236}">
-                  <a16:creationId xmlns="" xmlns:a16="http://schemas.microsoft.com/office/drawing/2014/main" id="{D932A797-F983-471B-BFA8-F7F77258FAF6}"/>
+                  <a16:creationId xmlns:a16="http://schemas.microsoft.com/office/drawing/2014/main" xmlns="" id="{D932A797-F983-471B-BFA8-F7F77258FAF6}"/>
                 </a:ext>
               </a:extLst>
             </p:cNvPr>
@@ -6279,7 +6279,7 @@
             <p:cNvPr id="21" name="iṣliḋê">
               <a:extLst>
                 <a:ext uri="{FF2B5EF4-FFF2-40B4-BE49-F238E27FC236}">
-                  <a16:creationId xmlns="" xmlns:a16="http://schemas.microsoft.com/office/drawing/2014/main" id="{14E4C1FF-2C4A-414E-B7C1-76FC09803579}"/>
+                  <a16:creationId xmlns:a16="http://schemas.microsoft.com/office/drawing/2014/main" xmlns="" id="{14E4C1FF-2C4A-414E-B7C1-76FC09803579}"/>
                 </a:ext>
               </a:extLst>
             </p:cNvPr>
@@ -6344,7 +6344,7 @@
             <p:cNvPr id="22" name="îsḷïdê">
               <a:extLst>
                 <a:ext uri="{FF2B5EF4-FFF2-40B4-BE49-F238E27FC236}">
-                  <a16:creationId xmlns="" xmlns:a16="http://schemas.microsoft.com/office/drawing/2014/main" id="{22AC134A-B7EA-4D73-BF21-DE75251C3AB3}"/>
+                  <a16:creationId xmlns:a16="http://schemas.microsoft.com/office/drawing/2014/main" xmlns="" id="{22AC134A-B7EA-4D73-BF21-DE75251C3AB3}"/>
                 </a:ext>
               </a:extLst>
             </p:cNvPr>
@@ -6406,7 +6406,7 @@
             <p:cNvPr id="23" name="i$ḻïḍê">
               <a:extLst>
                 <a:ext uri="{FF2B5EF4-FFF2-40B4-BE49-F238E27FC236}">
-                  <a16:creationId xmlns="" xmlns:a16="http://schemas.microsoft.com/office/drawing/2014/main" id="{B2525ADC-09FA-43DB-8CDF-85CDAC67D7D6}"/>
+                  <a16:creationId xmlns:a16="http://schemas.microsoft.com/office/drawing/2014/main" xmlns="" id="{B2525ADC-09FA-43DB-8CDF-85CDAC67D7D6}"/>
                 </a:ext>
               </a:extLst>
             </p:cNvPr>
@@ -6468,7 +6468,7 @@
             <p:cNvPr id="24" name="iş1îďé">
               <a:extLst>
                 <a:ext uri="{FF2B5EF4-FFF2-40B4-BE49-F238E27FC236}">
-                  <a16:creationId xmlns="" xmlns:a16="http://schemas.microsoft.com/office/drawing/2014/main" id="{5797D739-E4EF-4020-8521-6BC146B06A4D}"/>
+                  <a16:creationId xmlns:a16="http://schemas.microsoft.com/office/drawing/2014/main" xmlns="" id="{5797D739-E4EF-4020-8521-6BC146B06A4D}"/>
                 </a:ext>
               </a:extLst>
             </p:cNvPr>
@@ -6530,7 +6530,7 @@
             <p:cNvPr id="25" name="iṧľiḍè">
               <a:extLst>
                 <a:ext uri="{FF2B5EF4-FFF2-40B4-BE49-F238E27FC236}">
-                  <a16:creationId xmlns="" xmlns:a16="http://schemas.microsoft.com/office/drawing/2014/main" id="{420139AB-8C14-45D0-B524-2B38E2B5CC4C}"/>
+                  <a16:creationId xmlns:a16="http://schemas.microsoft.com/office/drawing/2014/main" xmlns="" id="{420139AB-8C14-45D0-B524-2B38E2B5CC4C}"/>
                 </a:ext>
               </a:extLst>
             </p:cNvPr>
@@ -6592,7 +6592,7 @@
             <p:cNvPr id="26" name="îŝḷiďê">
               <a:extLst>
                 <a:ext uri="{FF2B5EF4-FFF2-40B4-BE49-F238E27FC236}">
-                  <a16:creationId xmlns="" xmlns:a16="http://schemas.microsoft.com/office/drawing/2014/main" id="{C2086326-1FF1-4885-9F22-89D180415FAD}"/>
+                  <a16:creationId xmlns:a16="http://schemas.microsoft.com/office/drawing/2014/main" xmlns="" id="{C2086326-1FF1-4885-9F22-89D180415FAD}"/>
                 </a:ext>
               </a:extLst>
             </p:cNvPr>
@@ -6688,7 +6688,7 @@
             <p:cNvPr id="27" name="ï$ḷiḍé">
               <a:extLst>
                 <a:ext uri="{FF2B5EF4-FFF2-40B4-BE49-F238E27FC236}">
-                  <a16:creationId xmlns="" xmlns:a16="http://schemas.microsoft.com/office/drawing/2014/main" id="{6DB36021-5313-40A9-920B-CBDED876EF45}"/>
+                  <a16:creationId xmlns:a16="http://schemas.microsoft.com/office/drawing/2014/main" xmlns="" id="{6DB36021-5313-40A9-920B-CBDED876EF45}"/>
                 </a:ext>
               </a:extLst>
             </p:cNvPr>
@@ -6750,7 +6750,7 @@
             <p:cNvPr id="28" name="ïşḷïḍe">
               <a:extLst>
                 <a:ext uri="{FF2B5EF4-FFF2-40B4-BE49-F238E27FC236}">
-                  <a16:creationId xmlns="" xmlns:a16="http://schemas.microsoft.com/office/drawing/2014/main" id="{6E199C5B-BAA8-49E4-BEB5-B476BF8BC2B1}"/>
+                  <a16:creationId xmlns:a16="http://schemas.microsoft.com/office/drawing/2014/main" xmlns="" id="{6E199C5B-BAA8-49E4-BEB5-B476BF8BC2B1}"/>
                 </a:ext>
               </a:extLst>
             </p:cNvPr>
@@ -6812,7 +6812,7 @@
             <p:cNvPr id="29" name="i$ḻïďé">
               <a:extLst>
                 <a:ext uri="{FF2B5EF4-FFF2-40B4-BE49-F238E27FC236}">
-                  <a16:creationId xmlns="" xmlns:a16="http://schemas.microsoft.com/office/drawing/2014/main" id="{6D1C2096-6C60-4112-830E-BF0A8DBC9AFC}"/>
+                  <a16:creationId xmlns:a16="http://schemas.microsoft.com/office/drawing/2014/main" xmlns="" id="{6D1C2096-6C60-4112-830E-BF0A8DBC9AFC}"/>
                 </a:ext>
               </a:extLst>
             </p:cNvPr>
@@ -6874,7 +6874,7 @@
             <p:cNvPr id="30" name="iṩḷîďè">
               <a:extLst>
                 <a:ext uri="{FF2B5EF4-FFF2-40B4-BE49-F238E27FC236}">
-                  <a16:creationId xmlns="" xmlns:a16="http://schemas.microsoft.com/office/drawing/2014/main" id="{8E2F55A0-1F8B-4DF8-9692-0E52FB38C449}"/>
+                  <a16:creationId xmlns:a16="http://schemas.microsoft.com/office/drawing/2014/main" xmlns="" id="{8E2F55A0-1F8B-4DF8-9692-0E52FB38C449}"/>
                 </a:ext>
               </a:extLst>
             </p:cNvPr>
@@ -6936,7 +6936,7 @@
             <p:cNvPr id="31" name="îśḷiḋè">
               <a:extLst>
                 <a:ext uri="{FF2B5EF4-FFF2-40B4-BE49-F238E27FC236}">
-                  <a16:creationId xmlns="" xmlns:a16="http://schemas.microsoft.com/office/drawing/2014/main" id="{FAEFDB25-C311-444C-8211-CA9D0D3E76C7}"/>
+                  <a16:creationId xmlns:a16="http://schemas.microsoft.com/office/drawing/2014/main" xmlns="" id="{FAEFDB25-C311-444C-8211-CA9D0D3E76C7}"/>
                 </a:ext>
               </a:extLst>
             </p:cNvPr>
@@ -6998,7 +6998,7 @@
             <p:cNvPr id="32" name="işlïďe">
               <a:extLst>
                 <a:ext uri="{FF2B5EF4-FFF2-40B4-BE49-F238E27FC236}">
-                  <a16:creationId xmlns="" xmlns:a16="http://schemas.microsoft.com/office/drawing/2014/main" id="{6F7FE01D-44F0-4E78-AA22-48B1A54F44A8}"/>
+                  <a16:creationId xmlns:a16="http://schemas.microsoft.com/office/drawing/2014/main" xmlns="" id="{6F7FE01D-44F0-4E78-AA22-48B1A54F44A8}"/>
                 </a:ext>
               </a:extLst>
             </p:cNvPr>
@@ -7060,7 +7060,7 @@
             <p:cNvPr id="33" name="iṧļîďê">
               <a:extLst>
                 <a:ext uri="{FF2B5EF4-FFF2-40B4-BE49-F238E27FC236}">
-                  <a16:creationId xmlns="" xmlns:a16="http://schemas.microsoft.com/office/drawing/2014/main" id="{E43ABFED-9DCE-4780-A17B-F275913025D6}"/>
+                  <a16:creationId xmlns:a16="http://schemas.microsoft.com/office/drawing/2014/main" xmlns="" id="{E43ABFED-9DCE-4780-A17B-F275913025D6}"/>
                 </a:ext>
               </a:extLst>
             </p:cNvPr>
@@ -7122,7 +7122,7 @@
             <p:cNvPr id="34" name="ïśľide">
               <a:extLst>
                 <a:ext uri="{FF2B5EF4-FFF2-40B4-BE49-F238E27FC236}">
-                  <a16:creationId xmlns="" xmlns:a16="http://schemas.microsoft.com/office/drawing/2014/main" id="{764B5643-59A7-4278-9C6C-C0772E988BD1}"/>
+                  <a16:creationId xmlns:a16="http://schemas.microsoft.com/office/drawing/2014/main" xmlns="" id="{764B5643-59A7-4278-9C6C-C0772E988BD1}"/>
                 </a:ext>
               </a:extLst>
             </p:cNvPr>
@@ -7184,7 +7184,7 @@
             <p:cNvPr id="35" name="îṣḷiďè">
               <a:extLst>
                 <a:ext uri="{FF2B5EF4-FFF2-40B4-BE49-F238E27FC236}">
-                  <a16:creationId xmlns="" xmlns:a16="http://schemas.microsoft.com/office/drawing/2014/main" id="{A35CCFB0-B280-422B-A372-F1E8A7B37BB7}"/>
+                  <a16:creationId xmlns:a16="http://schemas.microsoft.com/office/drawing/2014/main" xmlns="" id="{A35CCFB0-B280-422B-A372-F1E8A7B37BB7}"/>
                 </a:ext>
               </a:extLst>
             </p:cNvPr>
@@ -7280,7 +7280,7 @@
             <p:cNvPr id="36" name="i$líḓe">
               <a:extLst>
                 <a:ext uri="{FF2B5EF4-FFF2-40B4-BE49-F238E27FC236}">
-                  <a16:creationId xmlns="" xmlns:a16="http://schemas.microsoft.com/office/drawing/2014/main" id="{7F0DCF35-E893-4225-90D5-FBFE48B4C496}"/>
+                  <a16:creationId xmlns:a16="http://schemas.microsoft.com/office/drawing/2014/main" xmlns="" id="{7F0DCF35-E893-4225-90D5-FBFE48B4C496}"/>
                 </a:ext>
               </a:extLst>
             </p:cNvPr>
@@ -7345,7 +7345,7 @@
             <p:cNvPr id="37" name="ïṣḷíḓè">
               <a:extLst>
                 <a:ext uri="{FF2B5EF4-FFF2-40B4-BE49-F238E27FC236}">
-                  <a16:creationId xmlns="" xmlns:a16="http://schemas.microsoft.com/office/drawing/2014/main" id="{A4220D05-442F-428F-ACAE-0BDB7327EE45}"/>
+                  <a16:creationId xmlns:a16="http://schemas.microsoft.com/office/drawing/2014/main" xmlns="" id="{A4220D05-442F-428F-ACAE-0BDB7327EE45}"/>
                 </a:ext>
               </a:extLst>
             </p:cNvPr>
@@ -7485,7 +7485,7 @@
             <p:cNvPr id="38" name="ïślîḓe">
               <a:extLst>
                 <a:ext uri="{FF2B5EF4-FFF2-40B4-BE49-F238E27FC236}">
-                  <a16:creationId xmlns="" xmlns:a16="http://schemas.microsoft.com/office/drawing/2014/main" id="{CA00A810-C422-493F-8762-928602E1666F}"/>
+                  <a16:creationId xmlns:a16="http://schemas.microsoft.com/office/drawing/2014/main" xmlns="" id="{CA00A810-C422-493F-8762-928602E1666F}"/>
                 </a:ext>
               </a:extLst>
             </p:cNvPr>
@@ -7547,7 +7547,7 @@
             <p:cNvPr id="39" name="iṥļïďé">
               <a:extLst>
                 <a:ext uri="{FF2B5EF4-FFF2-40B4-BE49-F238E27FC236}">
-                  <a16:creationId xmlns="" xmlns:a16="http://schemas.microsoft.com/office/drawing/2014/main" id="{8731F971-066B-40AA-B136-58B67564B7ED}"/>
+                  <a16:creationId xmlns:a16="http://schemas.microsoft.com/office/drawing/2014/main" xmlns="" id="{8731F971-066B-40AA-B136-58B67564B7ED}"/>
                 </a:ext>
               </a:extLst>
             </p:cNvPr>
@@ -7609,7 +7609,7 @@
             <p:cNvPr id="40" name="iślíḓé">
               <a:extLst>
                 <a:ext uri="{FF2B5EF4-FFF2-40B4-BE49-F238E27FC236}">
-                  <a16:creationId xmlns="" xmlns:a16="http://schemas.microsoft.com/office/drawing/2014/main" id="{2AABD586-6310-40FF-82C3-735CEE851897}"/>
+                  <a16:creationId xmlns:a16="http://schemas.microsoft.com/office/drawing/2014/main" xmlns="" id="{2AABD586-6310-40FF-82C3-735CEE851897}"/>
                 </a:ext>
               </a:extLst>
             </p:cNvPr>
@@ -7671,7 +7671,7 @@
             <p:cNvPr id="41" name="îşḻïḑé">
               <a:extLst>
                 <a:ext uri="{FF2B5EF4-FFF2-40B4-BE49-F238E27FC236}">
-                  <a16:creationId xmlns="" xmlns:a16="http://schemas.microsoft.com/office/drawing/2014/main" id="{0BDE1E9B-62A3-46F4-AB87-D02F1D6E213F}"/>
+                  <a16:creationId xmlns:a16="http://schemas.microsoft.com/office/drawing/2014/main" xmlns="" id="{0BDE1E9B-62A3-46F4-AB87-D02F1D6E213F}"/>
                 </a:ext>
               </a:extLst>
             </p:cNvPr>
@@ -7733,7 +7733,7 @@
             <p:cNvPr id="42" name="iš1îḓe">
               <a:extLst>
                 <a:ext uri="{FF2B5EF4-FFF2-40B4-BE49-F238E27FC236}">
-                  <a16:creationId xmlns="" xmlns:a16="http://schemas.microsoft.com/office/drawing/2014/main" id="{1846F9CF-B441-4677-B6B7-A82071C6A24C}"/>
+                  <a16:creationId xmlns:a16="http://schemas.microsoft.com/office/drawing/2014/main" xmlns="" id="{1846F9CF-B441-4677-B6B7-A82071C6A24C}"/>
                 </a:ext>
               </a:extLst>
             </p:cNvPr>
@@ -7795,7 +7795,7 @@
             <p:cNvPr id="43" name="iṣļïḋê">
               <a:extLst>
                 <a:ext uri="{FF2B5EF4-FFF2-40B4-BE49-F238E27FC236}">
-                  <a16:creationId xmlns="" xmlns:a16="http://schemas.microsoft.com/office/drawing/2014/main" id="{E6025A34-46AE-457E-AC6F-3CE06D5B4606}"/>
+                  <a16:creationId xmlns:a16="http://schemas.microsoft.com/office/drawing/2014/main" xmlns="" id="{E6025A34-46AE-457E-AC6F-3CE06D5B4606}"/>
                 </a:ext>
               </a:extLst>
             </p:cNvPr>
@@ -7857,7 +7857,7 @@
             <p:cNvPr id="44" name="ïṧḻîdè">
               <a:extLst>
                 <a:ext uri="{FF2B5EF4-FFF2-40B4-BE49-F238E27FC236}">
-                  <a16:creationId xmlns="" xmlns:a16="http://schemas.microsoft.com/office/drawing/2014/main" id="{B3B1207A-F631-4D74-AF71-25164BFA4732}"/>
+                  <a16:creationId xmlns:a16="http://schemas.microsoft.com/office/drawing/2014/main" xmlns="" id="{B3B1207A-F631-4D74-AF71-25164BFA4732}"/>
                 </a:ext>
               </a:extLst>
             </p:cNvPr>
@@ -7919,7 +7919,7 @@
             <p:cNvPr id="45" name="ïṩlîḋè">
               <a:extLst>
                 <a:ext uri="{FF2B5EF4-FFF2-40B4-BE49-F238E27FC236}">
-                  <a16:creationId xmlns="" xmlns:a16="http://schemas.microsoft.com/office/drawing/2014/main" id="{BD4629EF-6FD7-495B-BABC-2117635C362D}"/>
+                  <a16:creationId xmlns:a16="http://schemas.microsoft.com/office/drawing/2014/main" xmlns="" id="{BD4629EF-6FD7-495B-BABC-2117635C362D}"/>
                 </a:ext>
               </a:extLst>
             </p:cNvPr>
@@ -7990,7 +7990,7 @@
             <p:cNvPr id="46" name="îśḻiḑê">
               <a:extLst>
                 <a:ext uri="{FF2B5EF4-FFF2-40B4-BE49-F238E27FC236}">
-                  <a16:creationId xmlns="" xmlns:a16="http://schemas.microsoft.com/office/drawing/2014/main" id="{CEEE656F-2B58-452E-8C4C-A5DC9C34C5FE}"/>
+                  <a16:creationId xmlns:a16="http://schemas.microsoft.com/office/drawing/2014/main" xmlns="" id="{CEEE656F-2B58-452E-8C4C-A5DC9C34C5FE}"/>
                 </a:ext>
               </a:extLst>
             </p:cNvPr>
@@ -8061,7 +8061,7 @@
             <p:cNvPr id="47" name="ísļîḓê">
               <a:extLst>
                 <a:ext uri="{FF2B5EF4-FFF2-40B4-BE49-F238E27FC236}">
-                  <a16:creationId xmlns="" xmlns:a16="http://schemas.microsoft.com/office/drawing/2014/main" id="{30046525-C92C-4D8E-AA3B-B52FFA1759D5}"/>
+                  <a16:creationId xmlns:a16="http://schemas.microsoft.com/office/drawing/2014/main" xmlns="" id="{30046525-C92C-4D8E-AA3B-B52FFA1759D5}"/>
                 </a:ext>
               </a:extLst>
             </p:cNvPr>
@@ -8399,7 +8399,7 @@
           <p:cNvPr id="8" name="日期占位符 7">
             <a:extLst>
               <a:ext uri="{FF2B5EF4-FFF2-40B4-BE49-F238E27FC236}">
-                <a16:creationId xmlns="" xmlns:a16="http://schemas.microsoft.com/office/drawing/2014/main" id="{04388434-9949-479C-A9C3-67A953F6A939}"/>
+                <a16:creationId xmlns:a16="http://schemas.microsoft.com/office/drawing/2014/main" xmlns="" id="{04388434-9949-479C-A9C3-67A953F6A939}"/>
               </a:ext>
             </a:extLst>
           </p:cNvPr>
@@ -8443,7 +8443,7 @@
           <p:cNvPr id="9" name="页脚占位符 8">
             <a:extLst>
               <a:ext uri="{FF2B5EF4-FFF2-40B4-BE49-F238E27FC236}">
-                <a16:creationId xmlns="" xmlns:a16="http://schemas.microsoft.com/office/drawing/2014/main" id="{50A5656E-7A33-4865-A262-1F96263BAA16}"/>
+                <a16:creationId xmlns:a16="http://schemas.microsoft.com/office/drawing/2014/main" xmlns="" id="{50A5656E-7A33-4865-A262-1F96263BAA16}"/>
               </a:ext>
             </a:extLst>
           </p:cNvPr>
@@ -8499,7 +8499,7 @@
           <p:cNvPr id="10" name="灯片编号占位符 9">
             <a:extLst>
               <a:ext uri="{FF2B5EF4-FFF2-40B4-BE49-F238E27FC236}">
-                <a16:creationId xmlns="" xmlns:a16="http://schemas.microsoft.com/office/drawing/2014/main" id="{5BF52F79-380E-4278-8B67-588AFE5840F9}"/>
+                <a16:creationId xmlns:a16="http://schemas.microsoft.com/office/drawing/2014/main" xmlns="" id="{5BF52F79-380E-4278-8B67-588AFE5840F9}"/>
               </a:ext>
             </a:extLst>
           </p:cNvPr>
@@ -8842,7 +8842,7 @@
   </p:txStyles>
   <p:extLst>
     <p:ext uri="{27BBF7A9-308A-43DC-89C8-2F10F3537804}">
-      <p15:sldGuideLst xmlns="" xmlns:p15="http://schemas.microsoft.com/office/powerpoint/2012/main">
+      <p15:sldGuideLst xmlns:p15="http://schemas.microsoft.com/office/powerpoint/2012/main" xmlns="">
         <p15:guide id="1" pos="422" userDrawn="1">
           <p15:clr>
             <a:srgbClr val="F26B43"/>
@@ -8901,7 +8901,7 @@
           <p:cNvPr id="3" name="ïṩḷiḑé" hidden="1">
             <a:extLst>
               <a:ext uri="{FF2B5EF4-FFF2-40B4-BE49-F238E27FC236}">
-                <a16:creationId xmlns="" xmlns:a16="http://schemas.microsoft.com/office/drawing/2014/main" id="{3C326D0B-7DAB-41B6-8030-2E4A18CC949B}"/>
+                <a16:creationId xmlns:a16="http://schemas.microsoft.com/office/drawing/2014/main" xmlns="" id="{3C326D0B-7DAB-41B6-8030-2E4A18CC949B}"/>
               </a:ext>
             </a:extLst>
           </p:cNvPr>
@@ -8924,7 +8924,7 @@
           <a:graphicData uri="http://schemas.openxmlformats.org/presentationml/2006/ole">
             <mc:AlternateContent xmlns:mc="http://schemas.openxmlformats.org/markup-compatibility/2006">
               <mc:Choice xmlns:v="urn:schemas-microsoft-com:vml" Requires="v">
-                <p:oleObj spid="_x0000_s1084" name="think-cell Slide" r:id="rId5" imgW="347" imgH="348" progId="TCLayout.ActiveDocument.1">
+                <p:oleObj spid="_x0000_s1085" name="think-cell Slide" r:id="rId5" imgW="347" imgH="348" progId="TCLayout.ActiveDocument.1">
                   <p:embed/>
                 </p:oleObj>
               </mc:Choice>
@@ -8936,7 +8936,7 @@
                       <p:cNvPr id="3" name="iş1iďé" hidden="1">
                         <a:extLst>
                           <a:ext uri="{FF2B5EF4-FFF2-40B4-BE49-F238E27FC236}">
-                            <a16:creationId xmlns="" xmlns:a16="http://schemas.microsoft.com/office/drawing/2014/main" id="{3C326D0B-7DAB-41B6-8030-2E4A18CC949B}"/>
+                            <a16:creationId xmlns:a16="http://schemas.microsoft.com/office/drawing/2014/main" xmlns="" id="{3C326D0B-7DAB-41B6-8030-2E4A18CC949B}"/>
                           </a:ext>
                         </a:extLst>
                       </p:cNvPr>
@@ -8970,7 +8970,7 @@
           <p:cNvPr id="2" name="ïsľîḑè" hidden="1">
             <a:extLst>
               <a:ext uri="{FF2B5EF4-FFF2-40B4-BE49-F238E27FC236}">
-                <a16:creationId xmlns="" xmlns:a16="http://schemas.microsoft.com/office/drawing/2014/main" id="{EC933494-1B63-4A32-964F-D05236799BAA}"/>
+                <a16:creationId xmlns:a16="http://schemas.microsoft.com/office/drawing/2014/main" xmlns="" id="{EC933494-1B63-4A32-964F-D05236799BAA}"/>
               </a:ext>
             </a:extLst>
           </p:cNvPr>
@@ -9088,8 +9088,13 @@
           <a:p>
             <a:r>
               <a:rPr lang="en-US" altLang="zh-CN" dirty="0"/>
-              <a:t>Sean, 23742</a:t>
-            </a:r>
+              <a:t>Sean, </a:t>
+            </a:r>
+            <a:r>
+              <a:rPr lang="zh-TW" altLang="en-US" smtClean="0"/>
+              <a:t>王家祥</a:t>
+            </a:r>
+            <a:endParaRPr lang="en-US" altLang="zh-CN" dirty="0"/>
           </a:p>
         </p:txBody>
       </p:sp>
@@ -12441,7 +12446,7 @@
           <p:cNvPr id="2" name="íSliḓè">
             <a:extLst>
               <a:ext uri="{FF2B5EF4-FFF2-40B4-BE49-F238E27FC236}">
-                <a16:creationId xmlns="" xmlns:a16="http://schemas.microsoft.com/office/drawing/2014/main" id="{C0498D3A-B738-48EC-A39C-94C58B88932B}"/>
+                <a16:creationId xmlns:a16="http://schemas.microsoft.com/office/drawing/2014/main" xmlns="" id="{C0498D3A-B738-48EC-A39C-94C58B88932B}"/>
               </a:ext>
             </a:extLst>
           </p:cNvPr>
@@ -12461,7 +12466,7 @@
             <p:cNvPr id="6" name="íSļïdè" descr="本素材由iSlide™ 提供&#10;iSlide™尊重知识产权并注重保护用户享有的各项权利。郑重提醒您：&#10;iSlide™插件中提供的任何信息内容的所有权、知识产权归其原始权利人或权利受让人所有，您免费/购买获得的是信息内容的使用权，并受下述条款的约束；&#10;1. 您仅可以个人非商业用途使用该等信息内容，不可将信息内容的全部或部分用于出售，或以出租、出借、转让、分销、发布等其他任何方式供他人使用；&#10;2. 禁止在接入互联网或移动互联网的任何网站、平台、应用或程序上以任何方式为他人提供iSlide™插件资源内容的下载。&#10;The resource is supplied by iSlide™.&#10;iSlide™ respects all intellectual property rights and protects all the rights its users acquired.Solemnly remind you:&#10;The ownership and intellectual property of the resources supplied in iSlide Add-in belongs to its owner or the assignee of this ownership.you only acquired the usage of the resources supplied in iSlide Add-in, as well as respected the following restrain terms:&#10;1.You are only allowed to use such resource for personal and non-commercial aim, not allowed to use such resource or part of it for the sale; or rent, lend, transfer to others; or distribution or release it in any way.&#10;2.You are not permitted to provide the resource of iSlide Add-in in any website, platform, application access to the Internet or mobile Internet." title="iSlide™ 版权声明  COPYRIGHT NOTICE">
               <a:extLst>
                 <a:ext uri="{FF2B5EF4-FFF2-40B4-BE49-F238E27FC236}">
-                  <a16:creationId xmlns="" xmlns:a16="http://schemas.microsoft.com/office/drawing/2014/main" id="{A759C196-DA28-4241-ABB5-975367026FE9}"/>
+                  <a16:creationId xmlns:a16="http://schemas.microsoft.com/office/drawing/2014/main" xmlns="" id="{A759C196-DA28-4241-ABB5-975367026FE9}"/>
                 </a:ext>
               </a:extLst>
             </p:cNvPr>
@@ -12483,7 +12488,7 @@
               <p:cNvPr id="7" name="îṩḷiḓè">
                 <a:extLst>
                   <a:ext uri="{FF2B5EF4-FFF2-40B4-BE49-F238E27FC236}">
-                    <a16:creationId xmlns="" xmlns:a16="http://schemas.microsoft.com/office/drawing/2014/main" id="{48F70259-7598-4270-874A-6F50772D10F6}"/>
+                    <a16:creationId xmlns:a16="http://schemas.microsoft.com/office/drawing/2014/main" xmlns="" id="{48F70259-7598-4270-874A-6F50772D10F6}"/>
                   </a:ext>
                 </a:extLst>
               </p:cNvPr>
@@ -12735,7 +12740,7 @@
               <p:cNvPr id="8" name="îŝľiḋê">
                 <a:extLst>
                   <a:ext uri="{FF2B5EF4-FFF2-40B4-BE49-F238E27FC236}">
-                    <a16:creationId xmlns="" xmlns:a16="http://schemas.microsoft.com/office/drawing/2014/main" id="{DA1FB18E-FA01-4588-BEF9-FB96A98A84D4}"/>
+                    <a16:creationId xmlns:a16="http://schemas.microsoft.com/office/drawing/2014/main" xmlns="" id="{DA1FB18E-FA01-4588-BEF9-FB96A98A84D4}"/>
                   </a:ext>
                 </a:extLst>
               </p:cNvPr>
@@ -12774,7 +12779,7 @@
               <p:cNvPr id="9" name="ïsľiďé">
                 <a:extLst>
                   <a:ext uri="{FF2B5EF4-FFF2-40B4-BE49-F238E27FC236}">
-                    <a16:creationId xmlns="" xmlns:a16="http://schemas.microsoft.com/office/drawing/2014/main" id="{0DB1D0A1-2667-455C-9387-D7ABF0A00B8C}"/>
+                    <a16:creationId xmlns:a16="http://schemas.microsoft.com/office/drawing/2014/main" xmlns="" id="{0DB1D0A1-2667-455C-9387-D7ABF0A00B8C}"/>
                   </a:ext>
                 </a:extLst>
               </p:cNvPr>
@@ -12846,7 +12851,7 @@
             <p:cNvPr id="10" name="ïṩļiḋe">
               <a:extLst>
                 <a:ext uri="{FF2B5EF4-FFF2-40B4-BE49-F238E27FC236}">
-                  <a16:creationId xmlns="" xmlns:a16="http://schemas.microsoft.com/office/drawing/2014/main" id="{ADAD6BE3-DC11-4582-9F68-50D831ADD001}"/>
+                  <a16:creationId xmlns:a16="http://schemas.microsoft.com/office/drawing/2014/main" xmlns="" id="{ADAD6BE3-DC11-4582-9F68-50D831ADD001}"/>
                 </a:ext>
               </a:extLst>
             </p:cNvPr>
@@ -14033,7 +14038,7 @@
           <p:cNvPr id="9" name="î$ḷíḋé">
             <a:extLst>
               <a:ext uri="{FF2B5EF4-FFF2-40B4-BE49-F238E27FC236}">
-                <a16:creationId xmlns="" xmlns:a16="http://schemas.microsoft.com/office/drawing/2014/main" id="{04F69230-F3A6-4586-9371-A858F4763E9F}"/>
+                <a16:creationId xmlns:a16="http://schemas.microsoft.com/office/drawing/2014/main" xmlns="" id="{04F69230-F3A6-4586-9371-A858F4763E9F}"/>
               </a:ext>
             </a:extLst>
           </p:cNvPr>
@@ -14696,7 +14701,7 @@
           <p:cNvPr id="9" name="î$ḷíḋé">
             <a:extLst>
               <a:ext uri="{FF2B5EF4-FFF2-40B4-BE49-F238E27FC236}">
-                <a16:creationId xmlns="" xmlns:a16="http://schemas.microsoft.com/office/drawing/2014/main" id="{04F69230-F3A6-4586-9371-A858F4763E9F}"/>
+                <a16:creationId xmlns:a16="http://schemas.microsoft.com/office/drawing/2014/main" xmlns="" id="{04F69230-F3A6-4586-9371-A858F4763E9F}"/>
               </a:ext>
             </a:extLst>
           </p:cNvPr>
@@ -14822,7 +14827,7 @@
           <p:cNvPr id="4" name="標題 3">
             <a:extLst>
               <a:ext uri="{FF2B5EF4-FFF2-40B4-BE49-F238E27FC236}">
-                <a16:creationId xmlns="" xmlns:a16="http://schemas.microsoft.com/office/drawing/2014/main" id="{DBF93AE9-6C3C-43A2-A10D-A15C50A25746}"/>
+                <a16:creationId xmlns:a16="http://schemas.microsoft.com/office/drawing/2014/main" xmlns="" id="{DBF93AE9-6C3C-43A2-A10D-A15C50A25746}"/>
               </a:ext>
             </a:extLst>
           </p:cNvPr>
@@ -14851,7 +14856,7 @@
           <p:cNvPr id="7" name="內容版面配置區 6">
             <a:extLst>
               <a:ext uri="{FF2B5EF4-FFF2-40B4-BE49-F238E27FC236}">
-                <a16:creationId xmlns="" xmlns:a16="http://schemas.microsoft.com/office/drawing/2014/main" id="{E7D68A11-0594-451B-B564-C1C4E791DF02}"/>
+                <a16:creationId xmlns:a16="http://schemas.microsoft.com/office/drawing/2014/main" xmlns="" id="{E7D68A11-0594-451B-B564-C1C4E791DF02}"/>
               </a:ext>
             </a:extLst>
           </p:cNvPr>
@@ -14869,7 +14874,7 @@
                 <a14:useLocalDpi xmlns:a14="http://schemas.microsoft.com/office/drawing/2010/main" val="0"/>
               </a:ext>
               <a:ext uri="{96DAC541-7B7A-43D3-8B79-37D633B846F1}">
-                <asvg:svgBlip xmlns="" xmlns:asvg="http://schemas.microsoft.com/office/drawing/2016/SVG/main" r:embed="rId3"/>
+                <asvg:svgBlip xmlns:asvg="http://schemas.microsoft.com/office/drawing/2016/SVG/main" xmlns="" r:embed="rId3"/>
               </a:ext>
             </a:extLst>
           </a:blip>
@@ -15090,7 +15095,7 @@
           <p:cNvPr id="3" name="íṡḻiḓé" hidden="1">
             <a:extLst>
               <a:ext uri="{FF2B5EF4-FFF2-40B4-BE49-F238E27FC236}">
-                <a16:creationId xmlns="" xmlns:a16="http://schemas.microsoft.com/office/drawing/2014/main" id="{A6A819F1-33AF-45D7-8BF6-2B0A9769CAD4}"/>
+                <a16:creationId xmlns:a16="http://schemas.microsoft.com/office/drawing/2014/main" xmlns="" id="{A6A819F1-33AF-45D7-8BF6-2B0A9769CAD4}"/>
               </a:ext>
             </a:extLst>
           </p:cNvPr>
@@ -15113,7 +15118,7 @@
           <a:graphicData uri="http://schemas.openxmlformats.org/presentationml/2006/ole">
             <mc:AlternateContent xmlns:mc="http://schemas.openxmlformats.org/markup-compatibility/2006">
               <mc:Choice xmlns:v="urn:schemas-microsoft-com:vml" Requires="v">
-                <p:oleObj spid="_x0000_s3132" name="think-cell Slide" r:id="rId5" imgW="347" imgH="348" progId="TCLayout.ActiveDocument.1">
+                <p:oleObj spid="_x0000_s3133" name="think-cell Slide" r:id="rId5" imgW="347" imgH="348" progId="TCLayout.ActiveDocument.1">
                   <p:embed/>
                 </p:oleObj>
               </mc:Choice>
@@ -15125,7 +15130,7 @@
                       <p:cNvPr id="3" name="íṩ1iḑé" hidden="1">
                         <a:extLst>
                           <a:ext uri="{FF2B5EF4-FFF2-40B4-BE49-F238E27FC236}">
-                            <a16:creationId xmlns="" xmlns:a16="http://schemas.microsoft.com/office/drawing/2014/main" id="{A6A819F1-33AF-45D7-8BF6-2B0A9769CAD4}"/>
+                            <a16:creationId xmlns:a16="http://schemas.microsoft.com/office/drawing/2014/main" xmlns="" id="{A6A819F1-33AF-45D7-8BF6-2B0A9769CAD4}"/>
                           </a:ext>
                         </a:extLst>
                       </p:cNvPr>
@@ -15159,7 +15164,7 @@
           <p:cNvPr id="2" name="išľïďe" hidden="1">
             <a:extLst>
               <a:ext uri="{FF2B5EF4-FFF2-40B4-BE49-F238E27FC236}">
-                <a16:creationId xmlns="" xmlns:a16="http://schemas.microsoft.com/office/drawing/2014/main" id="{FF51F16D-1BAD-46EE-A6F4-B8B94C9DF628}"/>
+                <a16:creationId xmlns:a16="http://schemas.microsoft.com/office/drawing/2014/main" xmlns="" id="{FF51F16D-1BAD-46EE-A6F4-B8B94C9DF628}"/>
               </a:ext>
             </a:extLst>
           </p:cNvPr>
@@ -15323,7 +15328,7 @@
           <p:cNvPr id="13" name="îṣlíḍe">
             <a:extLst>
               <a:ext uri="{FF2B5EF4-FFF2-40B4-BE49-F238E27FC236}">
-                <a16:creationId xmlns="" xmlns:a16="http://schemas.microsoft.com/office/drawing/2014/main" id="{394FC8CD-4FAD-452B-A6ED-A378816FAA36}"/>
+                <a16:creationId xmlns:a16="http://schemas.microsoft.com/office/drawing/2014/main" xmlns="" id="{394FC8CD-4FAD-452B-A6ED-A378816FAA36}"/>
               </a:ext>
             </a:extLst>
           </p:cNvPr>
@@ -15366,7 +15371,7 @@
           <p:cNvPr id="14" name="ïSḻíďê">
             <a:extLst>
               <a:ext uri="{FF2B5EF4-FFF2-40B4-BE49-F238E27FC236}">
-                <a16:creationId xmlns="" xmlns:a16="http://schemas.microsoft.com/office/drawing/2014/main" id="{7C549D2A-4C2D-40D9-B2D1-E96901BFF877}"/>
+                <a16:creationId xmlns:a16="http://schemas.microsoft.com/office/drawing/2014/main" xmlns="" id="{7C549D2A-4C2D-40D9-B2D1-E96901BFF877}"/>
               </a:ext>
             </a:extLst>
           </p:cNvPr>
@@ -15469,7 +15474,7 @@
           <p:cNvPr id="9" name="î$ḷíḋé">
             <a:extLst>
               <a:ext uri="{FF2B5EF4-FFF2-40B4-BE49-F238E27FC236}">
-                <a16:creationId xmlns="" xmlns:a16="http://schemas.microsoft.com/office/drawing/2014/main" id="{04F69230-F3A6-4586-9371-A858F4763E9F}"/>
+                <a16:creationId xmlns:a16="http://schemas.microsoft.com/office/drawing/2014/main" xmlns="" id="{04F69230-F3A6-4586-9371-A858F4763E9F}"/>
               </a:ext>
             </a:extLst>
           </p:cNvPr>
@@ -16884,7 +16889,7 @@
           <p:cNvPr id="9" name="î$ḷíḋé">
             <a:extLst>
               <a:ext uri="{FF2B5EF4-FFF2-40B4-BE49-F238E27FC236}">
-                <a16:creationId xmlns="" xmlns:a16="http://schemas.microsoft.com/office/drawing/2014/main" id="{04F69230-F3A6-4586-9371-A858F4763E9F}"/>
+                <a16:creationId xmlns:a16="http://schemas.microsoft.com/office/drawing/2014/main" xmlns="" id="{04F69230-F3A6-4586-9371-A858F4763E9F}"/>
               </a:ext>
             </a:extLst>
           </p:cNvPr>
@@ -17741,7 +17746,7 @@
   <a:extraClrSchemeLst/>
   <a:extLst>
     <a:ext uri="{05A4C25C-085E-4340-85A3-A5531E510DB2}">
-      <thm15:themeFamily xmlns="" xmlns:thm15="http://schemas.microsoft.com/office/thememl/2012/main" name="主题5" id="{B8EDB911-D765-4A7B-BBC7-40DBB672FBA6}" vid="{AECAB1C0-5DF6-436C-85E8-20094DBE11C0}"/>
+      <thm15:themeFamily xmlns:thm15="http://schemas.microsoft.com/office/thememl/2012/main" xmlns="" name="主题5" id="{B8EDB911-D765-4A7B-BBC7-40DBB672FBA6}" vid="{AECAB1C0-5DF6-436C-85E8-20094DBE11C0}"/>
     </a:ext>
   </a:extLst>
 </a:theme>
@@ -18002,7 +18007,7 @@
   <a:extraClrSchemeLst/>
   <a:extLst>
     <a:ext uri="{05A4C25C-085E-4340-85A3-A5531E510DB2}">
-      <thm15:themeFamily xmlns="" xmlns:thm15="http://schemas.microsoft.com/office/thememl/2012/main" name="Office Theme" id="{62F939B6-93AF-4DB8-9C6B-D6C7DFDC589F}" vid="{4A3C46E8-61CC-4603-A589-7422A47A8E4A}"/>
+      <thm15:themeFamily xmlns:thm15="http://schemas.microsoft.com/office/thememl/2012/main" xmlns="" name="Office Theme" id="{62F939B6-93AF-4DB8-9C6B-D6C7DFDC589F}" vid="{4A3C46E8-61CC-4603-A589-7422A47A8E4A}"/>
     </a:ext>
   </a:extLst>
 </a:theme>
@@ -18297,7 +18302,7 @@
   <a:extraClrSchemeLst/>
   <a:extLst>
     <a:ext uri="{05A4C25C-085E-4340-85A3-A5531E510DB2}">
-      <thm15:themeFamily xmlns="" xmlns:thm15="http://schemas.microsoft.com/office/thememl/2012/main" name="Office Theme" id="{62F939B6-93AF-4DB8-9C6B-D6C7DFDC589F}" vid="{4A3C46E8-61CC-4603-A589-7422A47A8E4A}"/>
+      <thm15:themeFamily xmlns:thm15="http://schemas.microsoft.com/office/thememl/2012/main" xmlns="" name="Office Theme" id="{62F939B6-93AF-4DB8-9C6B-D6C7DFDC589F}" vid="{4A3C46E8-61CC-4603-A589-7422A47A8E4A}"/>
     </a:ext>
   </a:extLst>
 </a:theme>

--- a/11_16_to_11_20_third/3.RNN.pptx
+++ b/11_16_to_11_20_third/3.RNN.pptx
@@ -142,7 +142,7 @@
   </p:defaultTextStyle>
   <p:extLst>
     <p:ext uri="{EFAFB233-063F-42B5-8137-9DF3F51BA10A}">
-      <p15:sldGuideLst xmlns:p15="http://schemas.microsoft.com/office/powerpoint/2012/main" xmlns="">
+      <p15:sldGuideLst xmlns="" xmlns:p15="http://schemas.microsoft.com/office/powerpoint/2012/main">
         <p15:guide id="1" orient="horz" pos="2160">
           <p15:clr>
             <a:srgbClr val="A4A3A4"/>
@@ -156,7 +156,7 @@
       </p15:sldGuideLst>
     </p:ext>
     <p:ext uri="{2D200454-40CA-4A62-9FC3-DE9A4176ACB9}">
-      <p15:notesGuideLst xmlns:p15="http://schemas.microsoft.com/office/powerpoint/2012/main" xmlns=""/>
+      <p15:notesGuideLst xmlns="" xmlns:p15="http://schemas.microsoft.com/office/powerpoint/2012/main"/>
     </p:ext>
   </p:extLst>
 </p:presentation>
@@ -382,7 +382,7 @@
           <p:cNvPr id="2" name="页眉占位符 1">
             <a:extLst>
               <a:ext uri="{FF2B5EF4-FFF2-40B4-BE49-F238E27FC236}">
-                <a16:creationId xmlns:a16="http://schemas.microsoft.com/office/drawing/2014/main" xmlns="" id="{B9A56829-66AA-42AA-918E-5C6DB1AE50A7}"/>
+                <a16:creationId xmlns="" xmlns:a16="http://schemas.microsoft.com/office/drawing/2014/main" id="{B9A56829-66AA-42AA-918E-5C6DB1AE50A7}"/>
               </a:ext>
             </a:extLst>
           </p:cNvPr>
@@ -419,7 +419,7 @@
           <p:cNvPr id="3" name="日期占位符 2">
             <a:extLst>
               <a:ext uri="{FF2B5EF4-FFF2-40B4-BE49-F238E27FC236}">
-                <a16:creationId xmlns:a16="http://schemas.microsoft.com/office/drawing/2014/main" xmlns="" id="{241084A9-BC5C-4420-B17C-51E328D45576}"/>
+                <a16:creationId xmlns="" xmlns:a16="http://schemas.microsoft.com/office/drawing/2014/main" id="{241084A9-BC5C-4420-B17C-51E328D45576}"/>
               </a:ext>
             </a:extLst>
           </p:cNvPr>
@@ -449,7 +449,7 @@
           <a:p>
             <a:fld id="{B478E0E4-DC06-4041-AFA7-BB6F527FFA3F}" type="datetimeFigureOut">
               <a:rPr lang="zh-CN" altLang="en-US" smtClean="0"/>
-              <a:t>2020/12/21</a:t>
+              <a:t>2020/12/22</a:t>
             </a:fld>
             <a:endParaRPr lang="zh-CN" altLang="en-US"/>
           </a:p>
@@ -460,7 +460,7 @@
           <p:cNvPr id="4" name="页脚占位符 3">
             <a:extLst>
               <a:ext uri="{FF2B5EF4-FFF2-40B4-BE49-F238E27FC236}">
-                <a16:creationId xmlns:a16="http://schemas.microsoft.com/office/drawing/2014/main" xmlns="" id="{0D6F2124-7B35-4E59-B9E8-DB09EE1408A4}"/>
+                <a16:creationId xmlns="" xmlns:a16="http://schemas.microsoft.com/office/drawing/2014/main" id="{0D6F2124-7B35-4E59-B9E8-DB09EE1408A4}"/>
               </a:ext>
             </a:extLst>
           </p:cNvPr>
@@ -497,7 +497,7 @@
           <p:cNvPr id="5" name="灯片编号占位符 4">
             <a:extLst>
               <a:ext uri="{FF2B5EF4-FFF2-40B4-BE49-F238E27FC236}">
-                <a16:creationId xmlns:a16="http://schemas.microsoft.com/office/drawing/2014/main" xmlns="" id="{F2BF8FFE-D997-4E34-9A01-CD2014B95241}"/>
+                <a16:creationId xmlns="" xmlns:a16="http://schemas.microsoft.com/office/drawing/2014/main" id="{F2BF8FFE-D997-4E34-9A01-CD2014B95241}"/>
               </a:ext>
             </a:extLst>
           </p:cNvPr>
@@ -626,7 +626,7 @@
           <a:p>
             <a:fld id="{E86D8963-CFCD-4740-AF60-049850373CDF}" type="datetimeFigureOut">
               <a:rPr lang="zh-CN" altLang="en-US" smtClean="0"/>
-              <a:t>2020/12/21</a:t>
+              <a:t>2020/12/22</a:t>
             </a:fld>
             <a:endParaRPr lang="zh-CN" altLang="en-US"/>
           </a:p>
@@ -915,7 +915,7 @@
           <p:cNvPr id="2" name="îṩ1ïdê">
             <a:extLst>
               <a:ext uri="{FF2B5EF4-FFF2-40B4-BE49-F238E27FC236}">
-                <a16:creationId xmlns:a16="http://schemas.microsoft.com/office/drawing/2014/main" xmlns="" id="{B165F2F7-32E4-4AF8-8657-36AC30D78579}"/>
+                <a16:creationId xmlns="" xmlns:a16="http://schemas.microsoft.com/office/drawing/2014/main" id="{B165F2F7-32E4-4AF8-8657-36AC30D78579}"/>
               </a:ext>
             </a:extLst>
           </p:cNvPr>
@@ -1075,7 +1075,7 @@
           <p:cNvPr id="7" name="组合 6">
             <a:extLst>
               <a:ext uri="{FF2B5EF4-FFF2-40B4-BE49-F238E27FC236}">
-                <a16:creationId xmlns:a16="http://schemas.microsoft.com/office/drawing/2014/main" xmlns="" id="{3491D0C5-E57C-45B4-AFE5-02F7704CDCF6}"/>
+                <a16:creationId xmlns="" xmlns:a16="http://schemas.microsoft.com/office/drawing/2014/main" id="{3491D0C5-E57C-45B4-AFE5-02F7704CDCF6}"/>
               </a:ext>
             </a:extLst>
           </p:cNvPr>
@@ -1095,7 +1095,7 @@
             <p:cNvPr id="11" name="ïş1ïḓe">
               <a:extLst>
                 <a:ext uri="{FF2B5EF4-FFF2-40B4-BE49-F238E27FC236}">
-                  <a16:creationId xmlns:a16="http://schemas.microsoft.com/office/drawing/2014/main" xmlns="" id="{AAEF8C50-AF93-4B64-9F64-BC188B9CC986}"/>
+                  <a16:creationId xmlns="" xmlns:a16="http://schemas.microsoft.com/office/drawing/2014/main" id="{AAEF8C50-AF93-4B64-9F64-BC188B9CC986}"/>
                 </a:ext>
               </a:extLst>
             </p:cNvPr>
@@ -1179,7 +1179,7 @@
             <p:cNvPr id="14" name="ïş1îḓé">
               <a:extLst>
                 <a:ext uri="{FF2B5EF4-FFF2-40B4-BE49-F238E27FC236}">
-                  <a16:creationId xmlns:a16="http://schemas.microsoft.com/office/drawing/2014/main" xmlns="" id="{D1034528-61F0-451C-8439-59044CBBC42D}"/>
+                  <a16:creationId xmlns="" xmlns:a16="http://schemas.microsoft.com/office/drawing/2014/main" id="{D1034528-61F0-451C-8439-59044CBBC42D}"/>
                 </a:ext>
               </a:extLst>
             </p:cNvPr>
@@ -1272,7 +1272,7 @@
             <p:cNvPr id="15" name="íṡ1íḑè">
               <a:extLst>
                 <a:ext uri="{FF2B5EF4-FFF2-40B4-BE49-F238E27FC236}">
-                  <a16:creationId xmlns:a16="http://schemas.microsoft.com/office/drawing/2014/main" xmlns="" id="{443590D7-CA87-4478-AB6B-8DA2AC5C485A}"/>
+                  <a16:creationId xmlns="" xmlns:a16="http://schemas.microsoft.com/office/drawing/2014/main" id="{443590D7-CA87-4478-AB6B-8DA2AC5C485A}"/>
                 </a:ext>
               </a:extLst>
             </p:cNvPr>
@@ -1357,7 +1357,7 @@
             <p:cNvPr id="16" name="îṥḻiḍê">
               <a:extLst>
                 <a:ext uri="{FF2B5EF4-FFF2-40B4-BE49-F238E27FC236}">
-                  <a16:creationId xmlns:a16="http://schemas.microsoft.com/office/drawing/2014/main" xmlns="" id="{FD92C89C-9731-46F9-9B6E-376810BFF18B}"/>
+                  <a16:creationId xmlns="" xmlns:a16="http://schemas.microsoft.com/office/drawing/2014/main" id="{FD92C89C-9731-46F9-9B6E-376810BFF18B}"/>
                 </a:ext>
               </a:extLst>
             </p:cNvPr>
@@ -1442,7 +1442,7 @@
             <p:cNvPr id="17" name="iṥḷiḑè">
               <a:extLst>
                 <a:ext uri="{FF2B5EF4-FFF2-40B4-BE49-F238E27FC236}">
-                  <a16:creationId xmlns:a16="http://schemas.microsoft.com/office/drawing/2014/main" xmlns="" id="{A8591A9D-5538-4DEC-B405-54C510558903}"/>
+                  <a16:creationId xmlns="" xmlns:a16="http://schemas.microsoft.com/office/drawing/2014/main" id="{A8591A9D-5538-4DEC-B405-54C510558903}"/>
                 </a:ext>
               </a:extLst>
             </p:cNvPr>
@@ -1507,7 +1507,7 @@
             <p:cNvPr id="18" name="íṥḻíḑé">
               <a:extLst>
                 <a:ext uri="{FF2B5EF4-FFF2-40B4-BE49-F238E27FC236}">
-                  <a16:creationId xmlns:a16="http://schemas.microsoft.com/office/drawing/2014/main" xmlns="" id="{FC116EBF-5653-4BA4-837E-95BEB302B1FC}"/>
+                  <a16:creationId xmlns="" xmlns:a16="http://schemas.microsoft.com/office/drawing/2014/main" id="{FC116EBF-5653-4BA4-837E-95BEB302B1FC}"/>
                 </a:ext>
               </a:extLst>
             </p:cNvPr>
@@ -1572,7 +1572,7 @@
             <p:cNvPr id="19" name="ïsḷiďê">
               <a:extLst>
                 <a:ext uri="{FF2B5EF4-FFF2-40B4-BE49-F238E27FC236}">
-                  <a16:creationId xmlns:a16="http://schemas.microsoft.com/office/drawing/2014/main" xmlns="" id="{D7181733-982F-4ADC-B787-E92C178D9BE9}"/>
+                  <a16:creationId xmlns="" xmlns:a16="http://schemas.microsoft.com/office/drawing/2014/main" id="{D7181733-982F-4ADC-B787-E92C178D9BE9}"/>
                 </a:ext>
               </a:extLst>
             </p:cNvPr>
@@ -1667,7 +1667,7 @@
             <p:cNvPr id="20" name="îs1iḓê">
               <a:extLst>
                 <a:ext uri="{FF2B5EF4-FFF2-40B4-BE49-F238E27FC236}">
-                  <a16:creationId xmlns:a16="http://schemas.microsoft.com/office/drawing/2014/main" xmlns="" id="{75B1573A-D6DA-4E40-B952-FC6A6E899942}"/>
+                  <a16:creationId xmlns="" xmlns:a16="http://schemas.microsoft.com/office/drawing/2014/main" id="{75B1573A-D6DA-4E40-B952-FC6A6E899942}"/>
                 </a:ext>
               </a:extLst>
             </p:cNvPr>
@@ -1742,7 +1742,7 @@
             <p:cNvPr id="21" name="íṡḻïdé">
               <a:extLst>
                 <a:ext uri="{FF2B5EF4-FFF2-40B4-BE49-F238E27FC236}">
-                  <a16:creationId xmlns:a16="http://schemas.microsoft.com/office/drawing/2014/main" xmlns="" id="{A3C16CC0-0D98-42C3-ACDA-6C6B1AAA14CB}"/>
+                  <a16:creationId xmlns="" xmlns:a16="http://schemas.microsoft.com/office/drawing/2014/main" id="{A3C16CC0-0D98-42C3-ACDA-6C6B1AAA14CB}"/>
                 </a:ext>
               </a:extLst>
             </p:cNvPr>
@@ -1817,7 +1817,7 @@
             <p:cNvPr id="22" name="ïṧľiḑè">
               <a:extLst>
                 <a:ext uri="{FF2B5EF4-FFF2-40B4-BE49-F238E27FC236}">
-                  <a16:creationId xmlns:a16="http://schemas.microsoft.com/office/drawing/2014/main" xmlns="" id="{2EEC5EF2-9731-49D2-8E01-4BAE06CF1807}"/>
+                  <a16:creationId xmlns="" xmlns:a16="http://schemas.microsoft.com/office/drawing/2014/main" id="{2EEC5EF2-9731-49D2-8E01-4BAE06CF1807}"/>
                 </a:ext>
               </a:extLst>
             </p:cNvPr>
@@ -1892,7 +1892,7 @@
             <p:cNvPr id="23" name="íşľîḋè">
               <a:extLst>
                 <a:ext uri="{FF2B5EF4-FFF2-40B4-BE49-F238E27FC236}">
-                  <a16:creationId xmlns:a16="http://schemas.microsoft.com/office/drawing/2014/main" xmlns="" id="{07D33D98-ECF4-43C9-8F9B-502B76AA375A}"/>
+                  <a16:creationId xmlns="" xmlns:a16="http://schemas.microsoft.com/office/drawing/2014/main" id="{07D33D98-ECF4-43C9-8F9B-502B76AA375A}"/>
                 </a:ext>
               </a:extLst>
             </p:cNvPr>
@@ -1957,7 +1957,7 @@
             <p:cNvPr id="24" name="îšḷîḍè">
               <a:extLst>
                 <a:ext uri="{FF2B5EF4-FFF2-40B4-BE49-F238E27FC236}">
-                  <a16:creationId xmlns:a16="http://schemas.microsoft.com/office/drawing/2014/main" xmlns="" id="{06AFAADD-E47D-403A-8BCE-6B991B488491}"/>
+                  <a16:creationId xmlns="" xmlns:a16="http://schemas.microsoft.com/office/drawing/2014/main" id="{06AFAADD-E47D-403A-8BCE-6B991B488491}"/>
                 </a:ext>
               </a:extLst>
             </p:cNvPr>
@@ -2022,7 +2022,7 @@
             <p:cNvPr id="25" name="îŝļiḑè">
               <a:extLst>
                 <a:ext uri="{FF2B5EF4-FFF2-40B4-BE49-F238E27FC236}">
-                  <a16:creationId xmlns:a16="http://schemas.microsoft.com/office/drawing/2014/main" xmlns="" id="{F20679ED-F04B-48C0-86C1-4F4678D0EF44}"/>
+                  <a16:creationId xmlns="" xmlns:a16="http://schemas.microsoft.com/office/drawing/2014/main" id="{F20679ED-F04B-48C0-86C1-4F4678D0EF44}"/>
                 </a:ext>
               </a:extLst>
             </p:cNvPr>
@@ -2084,7 +2084,7 @@
             <p:cNvPr id="26" name="ïsḻïḓe">
               <a:extLst>
                 <a:ext uri="{FF2B5EF4-FFF2-40B4-BE49-F238E27FC236}">
-                  <a16:creationId xmlns:a16="http://schemas.microsoft.com/office/drawing/2014/main" xmlns="" id="{178FE26C-EAE2-489E-9818-2AD90604A6E7}"/>
+                  <a16:creationId xmlns="" xmlns:a16="http://schemas.microsoft.com/office/drawing/2014/main" id="{178FE26C-EAE2-489E-9818-2AD90604A6E7}"/>
                 </a:ext>
               </a:extLst>
             </p:cNvPr>
@@ -2146,7 +2146,7 @@
             <p:cNvPr id="27" name="îṥľíḑê">
               <a:extLst>
                 <a:ext uri="{FF2B5EF4-FFF2-40B4-BE49-F238E27FC236}">
-                  <a16:creationId xmlns:a16="http://schemas.microsoft.com/office/drawing/2014/main" xmlns="" id="{54C937FE-182B-4B4C-8B56-94274EF8727A}"/>
+                  <a16:creationId xmlns="" xmlns:a16="http://schemas.microsoft.com/office/drawing/2014/main" id="{54C937FE-182B-4B4C-8B56-94274EF8727A}"/>
                 </a:ext>
               </a:extLst>
             </p:cNvPr>
@@ -2208,7 +2208,7 @@
             <p:cNvPr id="28" name="iṧľíḑe">
               <a:extLst>
                 <a:ext uri="{FF2B5EF4-FFF2-40B4-BE49-F238E27FC236}">
-                  <a16:creationId xmlns:a16="http://schemas.microsoft.com/office/drawing/2014/main" xmlns="" id="{9EC454E6-4E34-40A0-B134-E27356DF1BD3}"/>
+                  <a16:creationId xmlns="" xmlns:a16="http://schemas.microsoft.com/office/drawing/2014/main" id="{9EC454E6-4E34-40A0-B134-E27356DF1BD3}"/>
                 </a:ext>
               </a:extLst>
             </p:cNvPr>
@@ -2270,7 +2270,7 @@
             <p:cNvPr id="29" name="íşḻïḑê">
               <a:extLst>
                 <a:ext uri="{FF2B5EF4-FFF2-40B4-BE49-F238E27FC236}">
-                  <a16:creationId xmlns:a16="http://schemas.microsoft.com/office/drawing/2014/main" xmlns="" id="{F02A9D5E-CFB2-42AA-A5C5-5E5778C6FCBE}"/>
+                  <a16:creationId xmlns="" xmlns:a16="http://schemas.microsoft.com/office/drawing/2014/main" id="{F02A9D5E-CFB2-42AA-A5C5-5E5778C6FCBE}"/>
                 </a:ext>
               </a:extLst>
             </p:cNvPr>
@@ -2366,7 +2366,7 @@
             <p:cNvPr id="30" name="išḻîḋè">
               <a:extLst>
                 <a:ext uri="{FF2B5EF4-FFF2-40B4-BE49-F238E27FC236}">
-                  <a16:creationId xmlns:a16="http://schemas.microsoft.com/office/drawing/2014/main" xmlns="" id="{2B76FEBA-B0C4-4066-ABF2-E33CBD44C45F}"/>
+                  <a16:creationId xmlns="" xmlns:a16="http://schemas.microsoft.com/office/drawing/2014/main" id="{2B76FEBA-B0C4-4066-ABF2-E33CBD44C45F}"/>
                 </a:ext>
               </a:extLst>
             </p:cNvPr>
@@ -2428,7 +2428,7 @@
             <p:cNvPr id="31" name="ïšliḋé">
               <a:extLst>
                 <a:ext uri="{FF2B5EF4-FFF2-40B4-BE49-F238E27FC236}">
-                  <a16:creationId xmlns:a16="http://schemas.microsoft.com/office/drawing/2014/main" xmlns="" id="{17F7742C-0E9E-453F-BF74-0A1870F594D9}"/>
+                  <a16:creationId xmlns="" xmlns:a16="http://schemas.microsoft.com/office/drawing/2014/main" id="{17F7742C-0E9E-453F-BF74-0A1870F594D9}"/>
                 </a:ext>
               </a:extLst>
             </p:cNvPr>
@@ -2490,7 +2490,7 @@
             <p:cNvPr id="32" name="íṣlídé">
               <a:extLst>
                 <a:ext uri="{FF2B5EF4-FFF2-40B4-BE49-F238E27FC236}">
-                  <a16:creationId xmlns:a16="http://schemas.microsoft.com/office/drawing/2014/main" xmlns="" id="{3B98F7CF-64A1-4A5B-B8EC-9178705C9901}"/>
+                  <a16:creationId xmlns="" xmlns:a16="http://schemas.microsoft.com/office/drawing/2014/main" id="{3B98F7CF-64A1-4A5B-B8EC-9178705C9901}"/>
                 </a:ext>
               </a:extLst>
             </p:cNvPr>
@@ -2552,7 +2552,7 @@
             <p:cNvPr id="33" name="ï$ľïḍé">
               <a:extLst>
                 <a:ext uri="{FF2B5EF4-FFF2-40B4-BE49-F238E27FC236}">
-                  <a16:creationId xmlns:a16="http://schemas.microsoft.com/office/drawing/2014/main" xmlns="" id="{8EB33BF9-35EF-4068-A574-8FBC5EEAC895}"/>
+                  <a16:creationId xmlns="" xmlns:a16="http://schemas.microsoft.com/office/drawing/2014/main" id="{8EB33BF9-35EF-4068-A574-8FBC5EEAC895}"/>
                 </a:ext>
               </a:extLst>
             </p:cNvPr>
@@ -2614,7 +2614,7 @@
             <p:cNvPr id="34" name="ï$1îḑé">
               <a:extLst>
                 <a:ext uri="{FF2B5EF4-FFF2-40B4-BE49-F238E27FC236}">
-                  <a16:creationId xmlns:a16="http://schemas.microsoft.com/office/drawing/2014/main" xmlns="" id="{66235EE7-FC71-4720-94D6-AE9E5A6E3B32}"/>
+                  <a16:creationId xmlns="" xmlns:a16="http://schemas.microsoft.com/office/drawing/2014/main" id="{66235EE7-FC71-4720-94D6-AE9E5A6E3B32}"/>
                 </a:ext>
               </a:extLst>
             </p:cNvPr>
@@ -2676,7 +2676,7 @@
             <p:cNvPr id="35" name="íşļiḓê">
               <a:extLst>
                 <a:ext uri="{FF2B5EF4-FFF2-40B4-BE49-F238E27FC236}">
-                  <a16:creationId xmlns:a16="http://schemas.microsoft.com/office/drawing/2014/main" xmlns="" id="{464E50F4-2AD9-4646-95B0-C615F448F8D7}"/>
+                  <a16:creationId xmlns="" xmlns:a16="http://schemas.microsoft.com/office/drawing/2014/main" id="{464E50F4-2AD9-4646-95B0-C615F448F8D7}"/>
                 </a:ext>
               </a:extLst>
             </p:cNvPr>
@@ -2738,7 +2738,7 @@
             <p:cNvPr id="36" name="iSliḍé">
               <a:extLst>
                 <a:ext uri="{FF2B5EF4-FFF2-40B4-BE49-F238E27FC236}">
-                  <a16:creationId xmlns:a16="http://schemas.microsoft.com/office/drawing/2014/main" xmlns="" id="{08FD15B7-89FA-4BA0-832E-9B9D9FF852D5}"/>
+                  <a16:creationId xmlns="" xmlns:a16="http://schemas.microsoft.com/office/drawing/2014/main" id="{08FD15B7-89FA-4BA0-832E-9B9D9FF852D5}"/>
                 </a:ext>
               </a:extLst>
             </p:cNvPr>
@@ -2800,7 +2800,7 @@
             <p:cNvPr id="37" name="îşļïde">
               <a:extLst>
                 <a:ext uri="{FF2B5EF4-FFF2-40B4-BE49-F238E27FC236}">
-                  <a16:creationId xmlns:a16="http://schemas.microsoft.com/office/drawing/2014/main" xmlns="" id="{4DACA41F-DADA-4149-8933-31488F26C8AD}"/>
+                  <a16:creationId xmlns="" xmlns:a16="http://schemas.microsoft.com/office/drawing/2014/main" id="{4DACA41F-DADA-4149-8933-31488F26C8AD}"/>
                 </a:ext>
               </a:extLst>
             </p:cNvPr>
@@ -2862,7 +2862,7 @@
             <p:cNvPr id="38" name="ï$ḻídè">
               <a:extLst>
                 <a:ext uri="{FF2B5EF4-FFF2-40B4-BE49-F238E27FC236}">
-                  <a16:creationId xmlns:a16="http://schemas.microsoft.com/office/drawing/2014/main" xmlns="" id="{C28E4710-C2A1-4505-AD75-E91E319AE73A}"/>
+                  <a16:creationId xmlns="" xmlns:a16="http://schemas.microsoft.com/office/drawing/2014/main" id="{C28E4710-C2A1-4505-AD75-E91E319AE73A}"/>
                 </a:ext>
               </a:extLst>
             </p:cNvPr>
@@ -2958,7 +2958,7 @@
             <p:cNvPr id="39" name="ísľíḑe">
               <a:extLst>
                 <a:ext uri="{FF2B5EF4-FFF2-40B4-BE49-F238E27FC236}">
-                  <a16:creationId xmlns:a16="http://schemas.microsoft.com/office/drawing/2014/main" xmlns="" id="{C323CC97-7CC7-4FA5-A665-16F8A2FDB29A}"/>
+                  <a16:creationId xmlns="" xmlns:a16="http://schemas.microsoft.com/office/drawing/2014/main" id="{C323CC97-7CC7-4FA5-A665-16F8A2FDB29A}"/>
                 </a:ext>
               </a:extLst>
             </p:cNvPr>
@@ -3023,7 +3023,7 @@
             <p:cNvPr id="40" name="íṩlîḑè">
               <a:extLst>
                 <a:ext uri="{FF2B5EF4-FFF2-40B4-BE49-F238E27FC236}">
-                  <a16:creationId xmlns:a16="http://schemas.microsoft.com/office/drawing/2014/main" xmlns="" id="{26A96D82-53D7-454D-B8F0-08C85B54A508}"/>
+                  <a16:creationId xmlns="" xmlns:a16="http://schemas.microsoft.com/office/drawing/2014/main" id="{26A96D82-53D7-454D-B8F0-08C85B54A508}"/>
                 </a:ext>
               </a:extLst>
             </p:cNvPr>
@@ -3163,7 +3163,7 @@
             <p:cNvPr id="41" name="iṡḻídê">
               <a:extLst>
                 <a:ext uri="{FF2B5EF4-FFF2-40B4-BE49-F238E27FC236}">
-                  <a16:creationId xmlns:a16="http://schemas.microsoft.com/office/drawing/2014/main" xmlns="" id="{00A55C22-40A5-4BCE-AB5C-0DBD7B43CF15}"/>
+                  <a16:creationId xmlns="" xmlns:a16="http://schemas.microsoft.com/office/drawing/2014/main" id="{00A55C22-40A5-4BCE-AB5C-0DBD7B43CF15}"/>
                 </a:ext>
               </a:extLst>
             </p:cNvPr>
@@ -3225,7 +3225,7 @@
             <p:cNvPr id="42" name="íŝḷîḋè">
               <a:extLst>
                 <a:ext uri="{FF2B5EF4-FFF2-40B4-BE49-F238E27FC236}">
-                  <a16:creationId xmlns:a16="http://schemas.microsoft.com/office/drawing/2014/main" xmlns="" id="{1E7E1B5A-4BA7-4930-AB12-641C32CB9B5D}"/>
+                  <a16:creationId xmlns="" xmlns:a16="http://schemas.microsoft.com/office/drawing/2014/main" id="{1E7E1B5A-4BA7-4930-AB12-641C32CB9B5D}"/>
                 </a:ext>
               </a:extLst>
             </p:cNvPr>
@@ -3287,7 +3287,7 @@
             <p:cNvPr id="43" name="işliḓè">
               <a:extLst>
                 <a:ext uri="{FF2B5EF4-FFF2-40B4-BE49-F238E27FC236}">
-                  <a16:creationId xmlns:a16="http://schemas.microsoft.com/office/drawing/2014/main" xmlns="" id="{463C39C0-BA97-46C8-947C-6A6BB4E7C9D1}"/>
+                  <a16:creationId xmlns="" xmlns:a16="http://schemas.microsoft.com/office/drawing/2014/main" id="{463C39C0-BA97-46C8-947C-6A6BB4E7C9D1}"/>
                 </a:ext>
               </a:extLst>
             </p:cNvPr>
@@ -3349,7 +3349,7 @@
             <p:cNvPr id="44" name="îsḻiḑé">
               <a:extLst>
                 <a:ext uri="{FF2B5EF4-FFF2-40B4-BE49-F238E27FC236}">
-                  <a16:creationId xmlns:a16="http://schemas.microsoft.com/office/drawing/2014/main" xmlns="" id="{DF04E304-5F07-4415-828B-0989704C8FE6}"/>
+                  <a16:creationId xmlns="" xmlns:a16="http://schemas.microsoft.com/office/drawing/2014/main" id="{DF04E304-5F07-4415-828B-0989704C8FE6}"/>
                 </a:ext>
               </a:extLst>
             </p:cNvPr>
@@ -3411,7 +3411,7 @@
             <p:cNvPr id="45" name="íṧľiḓê">
               <a:extLst>
                 <a:ext uri="{FF2B5EF4-FFF2-40B4-BE49-F238E27FC236}">
-                  <a16:creationId xmlns:a16="http://schemas.microsoft.com/office/drawing/2014/main" xmlns="" id="{9DE34A69-BC75-47AD-8DE0-15FDFEF5D179}"/>
+                  <a16:creationId xmlns="" xmlns:a16="http://schemas.microsoft.com/office/drawing/2014/main" id="{9DE34A69-BC75-47AD-8DE0-15FDFEF5D179}"/>
                 </a:ext>
               </a:extLst>
             </p:cNvPr>
@@ -3473,7 +3473,7 @@
             <p:cNvPr id="46" name="íSlíďé">
               <a:extLst>
                 <a:ext uri="{FF2B5EF4-FFF2-40B4-BE49-F238E27FC236}">
-                  <a16:creationId xmlns:a16="http://schemas.microsoft.com/office/drawing/2014/main" xmlns="" id="{F19E1891-22A9-4238-9A0E-D54742EB9A67}"/>
+                  <a16:creationId xmlns="" xmlns:a16="http://schemas.microsoft.com/office/drawing/2014/main" id="{F19E1891-22A9-4238-9A0E-D54742EB9A67}"/>
                 </a:ext>
               </a:extLst>
             </p:cNvPr>
@@ -3535,7 +3535,7 @@
             <p:cNvPr id="47" name="iś1ïdè">
               <a:extLst>
                 <a:ext uri="{FF2B5EF4-FFF2-40B4-BE49-F238E27FC236}">
-                  <a16:creationId xmlns:a16="http://schemas.microsoft.com/office/drawing/2014/main" xmlns="" id="{26F87FC7-C5C8-4289-A0E2-8F0511BE4D0F}"/>
+                  <a16:creationId xmlns="" xmlns:a16="http://schemas.microsoft.com/office/drawing/2014/main" id="{26F87FC7-C5C8-4289-A0E2-8F0511BE4D0F}"/>
                 </a:ext>
               </a:extLst>
             </p:cNvPr>
@@ -3597,7 +3597,7 @@
             <p:cNvPr id="48" name="îŝḷïḍé">
               <a:extLst>
                 <a:ext uri="{FF2B5EF4-FFF2-40B4-BE49-F238E27FC236}">
-                  <a16:creationId xmlns:a16="http://schemas.microsoft.com/office/drawing/2014/main" xmlns="" id="{AF3C94AB-652D-4CCA-BFC8-3BC7A5181E1F}"/>
+                  <a16:creationId xmlns="" xmlns:a16="http://schemas.microsoft.com/office/drawing/2014/main" id="{AF3C94AB-652D-4CCA-BFC8-3BC7A5181E1F}"/>
                 </a:ext>
               </a:extLst>
             </p:cNvPr>
@@ -3668,7 +3668,7 @@
             <p:cNvPr id="49" name="ïśļïďé">
               <a:extLst>
                 <a:ext uri="{FF2B5EF4-FFF2-40B4-BE49-F238E27FC236}">
-                  <a16:creationId xmlns:a16="http://schemas.microsoft.com/office/drawing/2014/main" xmlns="" id="{10BC1FCD-F8F1-411F-8B4C-46E128380494}"/>
+                  <a16:creationId xmlns="" xmlns:a16="http://schemas.microsoft.com/office/drawing/2014/main" id="{10BC1FCD-F8F1-411F-8B4C-46E128380494}"/>
                 </a:ext>
               </a:extLst>
             </p:cNvPr>
@@ -3739,7 +3739,7 @@
             <p:cNvPr id="50" name="íṧḷídè">
               <a:extLst>
                 <a:ext uri="{FF2B5EF4-FFF2-40B4-BE49-F238E27FC236}">
-                  <a16:creationId xmlns:a16="http://schemas.microsoft.com/office/drawing/2014/main" xmlns="" id="{D6954D73-841B-4674-94DA-57899B5C83FA}"/>
+                  <a16:creationId xmlns="" xmlns:a16="http://schemas.microsoft.com/office/drawing/2014/main" id="{D6954D73-841B-4674-94DA-57899B5C83FA}"/>
                 </a:ext>
               </a:extLst>
             </p:cNvPr>
@@ -4210,7 +4210,7 @@
           <p:cNvPr id="3" name="组合 2">
             <a:extLst>
               <a:ext uri="{FF2B5EF4-FFF2-40B4-BE49-F238E27FC236}">
-                <a16:creationId xmlns:a16="http://schemas.microsoft.com/office/drawing/2014/main" xmlns="" id="{C629003E-14DA-4608-82C8-F702B03C8C62}"/>
+                <a16:creationId xmlns="" xmlns:a16="http://schemas.microsoft.com/office/drawing/2014/main" id="{C629003E-14DA-4608-82C8-F702B03C8C62}"/>
               </a:ext>
             </a:extLst>
           </p:cNvPr>
@@ -4236,7 +4236,7 @@
             <p:cNvPr id="34" name="iSliḓê">
               <a:extLst>
                 <a:ext uri="{FF2B5EF4-FFF2-40B4-BE49-F238E27FC236}">
-                  <a16:creationId xmlns:a16="http://schemas.microsoft.com/office/drawing/2014/main" xmlns="" id="{80A47D5A-673E-4EDC-8FB1-C2A2486C802A}"/>
+                  <a16:creationId xmlns="" xmlns:a16="http://schemas.microsoft.com/office/drawing/2014/main" id="{80A47D5A-673E-4EDC-8FB1-C2A2486C802A}"/>
                 </a:ext>
               </a:extLst>
             </p:cNvPr>
@@ -4374,7 +4374,7 @@
             <p:cNvPr id="38" name="ïṣlîḓê">
               <a:extLst>
                 <a:ext uri="{FF2B5EF4-FFF2-40B4-BE49-F238E27FC236}">
-                  <a16:creationId xmlns:a16="http://schemas.microsoft.com/office/drawing/2014/main" xmlns="" id="{DCD89878-3878-44CD-816E-D1DB497D642B}"/>
+                  <a16:creationId xmlns="" xmlns:a16="http://schemas.microsoft.com/office/drawing/2014/main" id="{DCD89878-3878-44CD-816E-D1DB497D642B}"/>
                 </a:ext>
               </a:extLst>
             </p:cNvPr>
@@ -4440,7 +4440,7 @@
             <p:cNvPr id="39" name="îṧḻiďê">
               <a:extLst>
                 <a:ext uri="{FF2B5EF4-FFF2-40B4-BE49-F238E27FC236}">
-                  <a16:creationId xmlns:a16="http://schemas.microsoft.com/office/drawing/2014/main" xmlns="" id="{927A350C-74E8-4289-AD50-D152B2F20760}"/>
+                  <a16:creationId xmlns="" xmlns:a16="http://schemas.microsoft.com/office/drawing/2014/main" id="{927A350C-74E8-4289-AD50-D152B2F20760}"/>
                 </a:ext>
               </a:extLst>
             </p:cNvPr>
@@ -4506,7 +4506,7 @@
             <p:cNvPr id="40" name="îsļiďé">
               <a:extLst>
                 <a:ext uri="{FF2B5EF4-FFF2-40B4-BE49-F238E27FC236}">
-                  <a16:creationId xmlns:a16="http://schemas.microsoft.com/office/drawing/2014/main" xmlns="" id="{FA1565F5-351B-46F7-94BA-8DE2B624E1D4}"/>
+                  <a16:creationId xmlns="" xmlns:a16="http://schemas.microsoft.com/office/drawing/2014/main" id="{FA1565F5-351B-46F7-94BA-8DE2B624E1D4}"/>
                 </a:ext>
               </a:extLst>
             </p:cNvPr>
@@ -4572,7 +4572,7 @@
             <p:cNvPr id="41" name="ísľîḑê">
               <a:extLst>
                 <a:ext uri="{FF2B5EF4-FFF2-40B4-BE49-F238E27FC236}">
-                  <a16:creationId xmlns:a16="http://schemas.microsoft.com/office/drawing/2014/main" xmlns="" id="{F46A0CCC-6110-407E-8E6D-A1E655B7B10A}"/>
+                  <a16:creationId xmlns="" xmlns:a16="http://schemas.microsoft.com/office/drawing/2014/main" id="{F46A0CCC-6110-407E-8E6D-A1E655B7B10A}"/>
                 </a:ext>
               </a:extLst>
             </p:cNvPr>
@@ -4638,7 +4638,7 @@
             <p:cNvPr id="42" name="iṥlïďé">
               <a:extLst>
                 <a:ext uri="{FF2B5EF4-FFF2-40B4-BE49-F238E27FC236}">
-                  <a16:creationId xmlns:a16="http://schemas.microsoft.com/office/drawing/2014/main" xmlns="" id="{D83D0A40-C194-4C9B-8119-3AA087712412}"/>
+                  <a16:creationId xmlns="" xmlns:a16="http://schemas.microsoft.com/office/drawing/2014/main" id="{D83D0A40-C194-4C9B-8119-3AA087712412}"/>
                 </a:ext>
               </a:extLst>
             </p:cNvPr>
@@ -4709,7 +4709,7 @@
             <p:cNvPr id="43" name="îşḷiḍè">
               <a:extLst>
                 <a:ext uri="{FF2B5EF4-FFF2-40B4-BE49-F238E27FC236}">
-                  <a16:creationId xmlns:a16="http://schemas.microsoft.com/office/drawing/2014/main" xmlns="" id="{DE854E02-9D47-4D10-A040-E952102AC62D}"/>
+                  <a16:creationId xmlns="" xmlns:a16="http://schemas.microsoft.com/office/drawing/2014/main" id="{DE854E02-9D47-4D10-A040-E952102AC62D}"/>
                 </a:ext>
               </a:extLst>
             </p:cNvPr>
@@ -4811,7 +4811,7 @@
           <p:cNvPr id="3" name="日期占位符 2">
             <a:extLst>
               <a:ext uri="{FF2B5EF4-FFF2-40B4-BE49-F238E27FC236}">
-                <a16:creationId xmlns:a16="http://schemas.microsoft.com/office/drawing/2014/main" xmlns="" id="{9888B6D7-9D3F-49D7-BACE-73A9D1149A74}"/>
+                <a16:creationId xmlns="" xmlns:a16="http://schemas.microsoft.com/office/drawing/2014/main" id="{9888B6D7-9D3F-49D7-BACE-73A9D1149A74}"/>
               </a:ext>
             </a:extLst>
           </p:cNvPr>
@@ -4836,7 +4836,7 @@
           <p:cNvPr id="4" name="页脚占位符 3">
             <a:extLst>
               <a:ext uri="{FF2B5EF4-FFF2-40B4-BE49-F238E27FC236}">
-                <a16:creationId xmlns:a16="http://schemas.microsoft.com/office/drawing/2014/main" xmlns="" id="{7AC997A4-1DD8-4731-B9FD-42398A20FF85}"/>
+                <a16:creationId xmlns="" xmlns:a16="http://schemas.microsoft.com/office/drawing/2014/main" id="{7AC997A4-1DD8-4731-B9FD-42398A20FF85}"/>
               </a:ext>
             </a:extLst>
           </p:cNvPr>
@@ -4873,7 +4873,7 @@
           <p:cNvPr id="5" name="灯片编号占位符 4">
             <a:extLst>
               <a:ext uri="{FF2B5EF4-FFF2-40B4-BE49-F238E27FC236}">
-                <a16:creationId xmlns:a16="http://schemas.microsoft.com/office/drawing/2014/main" xmlns="" id="{DBA9825E-1876-42AD-ABCF-E0E100F351CA}"/>
+                <a16:creationId xmlns="" xmlns:a16="http://schemas.microsoft.com/office/drawing/2014/main" id="{DBA9825E-1876-42AD-ABCF-E0E100F351CA}"/>
               </a:ext>
             </a:extLst>
           </p:cNvPr>
@@ -4903,7 +4903,7 @@
           <p:cNvPr id="6" name="标题 5">
             <a:extLst>
               <a:ext uri="{FF2B5EF4-FFF2-40B4-BE49-F238E27FC236}">
-                <a16:creationId xmlns:a16="http://schemas.microsoft.com/office/drawing/2014/main" xmlns="" id="{D124F9DB-C87A-423F-9657-38C7A2901430}"/>
+                <a16:creationId xmlns="" xmlns:a16="http://schemas.microsoft.com/office/drawing/2014/main" id="{D124F9DB-C87A-423F-9657-38C7A2901430}"/>
               </a:ext>
             </a:extLst>
           </p:cNvPr>
@@ -4936,7 +4936,7 @@
           <p:cNvPr id="8" name="内容占位符 7">
             <a:extLst>
               <a:ext uri="{FF2B5EF4-FFF2-40B4-BE49-F238E27FC236}">
-                <a16:creationId xmlns:a16="http://schemas.microsoft.com/office/drawing/2014/main" xmlns="" id="{2070191C-4093-409C-8FD5-7369A79637AD}"/>
+                <a16:creationId xmlns="" xmlns:a16="http://schemas.microsoft.com/office/drawing/2014/main" id="{2070191C-4093-409C-8FD5-7369A79637AD}"/>
               </a:ext>
             </a:extLst>
           </p:cNvPr>
@@ -5045,7 +5045,7 @@
           <p:cNvPr id="2" name="标题 1">
             <a:extLst>
               <a:ext uri="{FF2B5EF4-FFF2-40B4-BE49-F238E27FC236}">
-                <a16:creationId xmlns:a16="http://schemas.microsoft.com/office/drawing/2014/main" xmlns="" id="{F21C7A1C-3684-4AAF-A408-C63B6CB64104}"/>
+                <a16:creationId xmlns="" xmlns:a16="http://schemas.microsoft.com/office/drawing/2014/main" id="{F21C7A1C-3684-4AAF-A408-C63B6CB64104}"/>
               </a:ext>
             </a:extLst>
           </p:cNvPr>
@@ -5078,7 +5078,7 @@
           <p:cNvPr id="3" name="日期占位符 2">
             <a:extLst>
               <a:ext uri="{FF2B5EF4-FFF2-40B4-BE49-F238E27FC236}">
-                <a16:creationId xmlns:a16="http://schemas.microsoft.com/office/drawing/2014/main" xmlns="" id="{8986EA5F-D77D-4318-90E9-C04AA8ADC0D1}"/>
+                <a16:creationId xmlns="" xmlns:a16="http://schemas.microsoft.com/office/drawing/2014/main" id="{8986EA5F-D77D-4318-90E9-C04AA8ADC0D1}"/>
               </a:ext>
             </a:extLst>
           </p:cNvPr>
@@ -5103,7 +5103,7 @@
           <p:cNvPr id="4" name="页脚占位符 3">
             <a:extLst>
               <a:ext uri="{FF2B5EF4-FFF2-40B4-BE49-F238E27FC236}">
-                <a16:creationId xmlns:a16="http://schemas.microsoft.com/office/drawing/2014/main" xmlns="" id="{00832621-D9D9-445E-BFF9-F8348FA1E262}"/>
+                <a16:creationId xmlns="" xmlns:a16="http://schemas.microsoft.com/office/drawing/2014/main" id="{00832621-D9D9-445E-BFF9-F8348FA1E262}"/>
               </a:ext>
             </a:extLst>
           </p:cNvPr>
@@ -5140,7 +5140,7 @@
           <p:cNvPr id="5" name="灯片编号占位符 4">
             <a:extLst>
               <a:ext uri="{FF2B5EF4-FFF2-40B4-BE49-F238E27FC236}">
-                <a16:creationId xmlns:a16="http://schemas.microsoft.com/office/drawing/2014/main" xmlns="" id="{8371151B-F790-4A9F-962F-B8718A9560A9}"/>
+                <a16:creationId xmlns="" xmlns:a16="http://schemas.microsoft.com/office/drawing/2014/main" id="{8371151B-F790-4A9F-962F-B8718A9560A9}"/>
               </a:ext>
             </a:extLst>
           </p:cNvPr>
@@ -5336,7 +5336,7 @@
           <p:cNvPr id="6" name="文本占位符 5">
             <a:extLst>
               <a:ext uri="{FF2B5EF4-FFF2-40B4-BE49-F238E27FC236}">
-                <a16:creationId xmlns:a16="http://schemas.microsoft.com/office/drawing/2014/main" xmlns="" id="{05EBDA4F-7210-4CAE-8333-80DB24212E78}"/>
+                <a16:creationId xmlns="" xmlns:a16="http://schemas.microsoft.com/office/drawing/2014/main" id="{05EBDA4F-7210-4CAE-8333-80DB24212E78}"/>
               </a:ext>
             </a:extLst>
           </p:cNvPr>
@@ -5397,7 +5397,7 @@
           <p:cNvPr id="7" name="组合 6">
             <a:extLst>
               <a:ext uri="{FF2B5EF4-FFF2-40B4-BE49-F238E27FC236}">
-                <a16:creationId xmlns:a16="http://schemas.microsoft.com/office/drawing/2014/main" xmlns="" id="{5B77603F-656A-4E2F-9228-E30568A2F1D6}"/>
+                <a16:creationId xmlns="" xmlns:a16="http://schemas.microsoft.com/office/drawing/2014/main" id="{5B77603F-656A-4E2F-9228-E30568A2F1D6}"/>
               </a:ext>
             </a:extLst>
           </p:cNvPr>
@@ -5417,7 +5417,7 @@
             <p:cNvPr id="8" name="îSḻïḍè">
               <a:extLst>
                 <a:ext uri="{FF2B5EF4-FFF2-40B4-BE49-F238E27FC236}">
-                  <a16:creationId xmlns:a16="http://schemas.microsoft.com/office/drawing/2014/main" xmlns="" id="{61BDFEB9-90AA-43E9-A12B-EFFF9287F99D}"/>
+                  <a16:creationId xmlns="" xmlns:a16="http://schemas.microsoft.com/office/drawing/2014/main" id="{61BDFEB9-90AA-43E9-A12B-EFFF9287F99D}"/>
                 </a:ext>
               </a:extLst>
             </p:cNvPr>
@@ -5501,7 +5501,7 @@
             <p:cNvPr id="9" name="iṧ1îďè">
               <a:extLst>
                 <a:ext uri="{FF2B5EF4-FFF2-40B4-BE49-F238E27FC236}">
-                  <a16:creationId xmlns:a16="http://schemas.microsoft.com/office/drawing/2014/main" xmlns="" id="{D6E33435-E28A-463E-9EC6-4FEF1432AC96}"/>
+                  <a16:creationId xmlns="" xmlns:a16="http://schemas.microsoft.com/office/drawing/2014/main" id="{D6E33435-E28A-463E-9EC6-4FEF1432AC96}"/>
                 </a:ext>
               </a:extLst>
             </p:cNvPr>
@@ -5594,7 +5594,7 @@
             <p:cNvPr id="10" name="íŝ1îḑê">
               <a:extLst>
                 <a:ext uri="{FF2B5EF4-FFF2-40B4-BE49-F238E27FC236}">
-                  <a16:creationId xmlns:a16="http://schemas.microsoft.com/office/drawing/2014/main" xmlns="" id="{9304A826-F780-4CF2-AEA1-5EB7122B87CE}"/>
+                  <a16:creationId xmlns="" xmlns:a16="http://schemas.microsoft.com/office/drawing/2014/main" id="{9304A826-F780-4CF2-AEA1-5EB7122B87CE}"/>
                 </a:ext>
               </a:extLst>
             </p:cNvPr>
@@ -5679,7 +5679,7 @@
             <p:cNvPr id="11" name="îṩľîḋè">
               <a:extLst>
                 <a:ext uri="{FF2B5EF4-FFF2-40B4-BE49-F238E27FC236}">
-                  <a16:creationId xmlns:a16="http://schemas.microsoft.com/office/drawing/2014/main" xmlns="" id="{276A2E36-748D-419C-9EE2-5DF2A51BE0C6}"/>
+                  <a16:creationId xmlns="" xmlns:a16="http://schemas.microsoft.com/office/drawing/2014/main" id="{276A2E36-748D-419C-9EE2-5DF2A51BE0C6}"/>
                 </a:ext>
               </a:extLst>
             </p:cNvPr>
@@ -5764,7 +5764,7 @@
             <p:cNvPr id="12" name="íṡ1ïḓe">
               <a:extLst>
                 <a:ext uri="{FF2B5EF4-FFF2-40B4-BE49-F238E27FC236}">
-                  <a16:creationId xmlns:a16="http://schemas.microsoft.com/office/drawing/2014/main" xmlns="" id="{20A4A09F-DE16-4168-819D-7F31D973EC1A}"/>
+                  <a16:creationId xmlns="" xmlns:a16="http://schemas.microsoft.com/office/drawing/2014/main" id="{20A4A09F-DE16-4168-819D-7F31D973EC1A}"/>
                 </a:ext>
               </a:extLst>
             </p:cNvPr>
@@ -5829,7 +5829,7 @@
             <p:cNvPr id="14" name="ïŝlîḍê">
               <a:extLst>
                 <a:ext uri="{FF2B5EF4-FFF2-40B4-BE49-F238E27FC236}">
-                  <a16:creationId xmlns:a16="http://schemas.microsoft.com/office/drawing/2014/main" xmlns="" id="{F8657E4E-B533-4A5A-9F5F-E5BE8ACB5AD2}"/>
+                  <a16:creationId xmlns="" xmlns:a16="http://schemas.microsoft.com/office/drawing/2014/main" id="{F8657E4E-B533-4A5A-9F5F-E5BE8ACB5AD2}"/>
                 </a:ext>
               </a:extLst>
             </p:cNvPr>
@@ -5894,7 +5894,7 @@
             <p:cNvPr id="16" name="íṧlîḓé">
               <a:extLst>
                 <a:ext uri="{FF2B5EF4-FFF2-40B4-BE49-F238E27FC236}">
-                  <a16:creationId xmlns:a16="http://schemas.microsoft.com/office/drawing/2014/main" xmlns="" id="{FD71861F-C75F-4733-AFC9-3907B077276A}"/>
+                  <a16:creationId xmlns="" xmlns:a16="http://schemas.microsoft.com/office/drawing/2014/main" id="{FD71861F-C75F-4733-AFC9-3907B077276A}"/>
                 </a:ext>
               </a:extLst>
             </p:cNvPr>
@@ -5989,7 +5989,7 @@
             <p:cNvPr id="17" name="îṡľiḑè">
               <a:extLst>
                 <a:ext uri="{FF2B5EF4-FFF2-40B4-BE49-F238E27FC236}">
-                  <a16:creationId xmlns:a16="http://schemas.microsoft.com/office/drawing/2014/main" xmlns="" id="{C5F246DD-0425-467A-8E23-DF1922ED4240}"/>
+                  <a16:creationId xmlns="" xmlns:a16="http://schemas.microsoft.com/office/drawing/2014/main" id="{C5F246DD-0425-467A-8E23-DF1922ED4240}"/>
                 </a:ext>
               </a:extLst>
             </p:cNvPr>
@@ -6064,7 +6064,7 @@
             <p:cNvPr id="18" name="íš1ïḑé">
               <a:extLst>
                 <a:ext uri="{FF2B5EF4-FFF2-40B4-BE49-F238E27FC236}">
-                  <a16:creationId xmlns:a16="http://schemas.microsoft.com/office/drawing/2014/main" xmlns="" id="{EB196468-BCAE-4BF5-B491-B37AF459C2E0}"/>
+                  <a16:creationId xmlns="" xmlns:a16="http://schemas.microsoft.com/office/drawing/2014/main" id="{EB196468-BCAE-4BF5-B491-B37AF459C2E0}"/>
                 </a:ext>
               </a:extLst>
             </p:cNvPr>
@@ -6139,7 +6139,7 @@
             <p:cNvPr id="19" name="ïṧḷîḍe">
               <a:extLst>
                 <a:ext uri="{FF2B5EF4-FFF2-40B4-BE49-F238E27FC236}">
-                  <a16:creationId xmlns:a16="http://schemas.microsoft.com/office/drawing/2014/main" xmlns="" id="{9A980BB4-0B9C-4CE7-B965-86D1DCCFF04C}"/>
+                  <a16:creationId xmlns="" xmlns:a16="http://schemas.microsoft.com/office/drawing/2014/main" id="{9A980BB4-0B9C-4CE7-B965-86D1DCCFF04C}"/>
                 </a:ext>
               </a:extLst>
             </p:cNvPr>
@@ -6214,7 +6214,7 @@
             <p:cNvPr id="20" name="iṡḻïḑe">
               <a:extLst>
                 <a:ext uri="{FF2B5EF4-FFF2-40B4-BE49-F238E27FC236}">
-                  <a16:creationId xmlns:a16="http://schemas.microsoft.com/office/drawing/2014/main" xmlns="" id="{D932A797-F983-471B-BFA8-F7F77258FAF6}"/>
+                  <a16:creationId xmlns="" xmlns:a16="http://schemas.microsoft.com/office/drawing/2014/main" id="{D932A797-F983-471B-BFA8-F7F77258FAF6}"/>
                 </a:ext>
               </a:extLst>
             </p:cNvPr>
@@ -6279,7 +6279,7 @@
             <p:cNvPr id="21" name="iṣliḋê">
               <a:extLst>
                 <a:ext uri="{FF2B5EF4-FFF2-40B4-BE49-F238E27FC236}">
-                  <a16:creationId xmlns:a16="http://schemas.microsoft.com/office/drawing/2014/main" xmlns="" id="{14E4C1FF-2C4A-414E-B7C1-76FC09803579}"/>
+                  <a16:creationId xmlns="" xmlns:a16="http://schemas.microsoft.com/office/drawing/2014/main" id="{14E4C1FF-2C4A-414E-B7C1-76FC09803579}"/>
                 </a:ext>
               </a:extLst>
             </p:cNvPr>
@@ -6344,7 +6344,7 @@
             <p:cNvPr id="22" name="îsḷïdê">
               <a:extLst>
                 <a:ext uri="{FF2B5EF4-FFF2-40B4-BE49-F238E27FC236}">
-                  <a16:creationId xmlns:a16="http://schemas.microsoft.com/office/drawing/2014/main" xmlns="" id="{22AC134A-B7EA-4D73-BF21-DE75251C3AB3}"/>
+                  <a16:creationId xmlns="" xmlns:a16="http://schemas.microsoft.com/office/drawing/2014/main" id="{22AC134A-B7EA-4D73-BF21-DE75251C3AB3}"/>
                 </a:ext>
               </a:extLst>
             </p:cNvPr>
@@ -6406,7 +6406,7 @@
             <p:cNvPr id="23" name="i$ḻïḍê">
               <a:extLst>
                 <a:ext uri="{FF2B5EF4-FFF2-40B4-BE49-F238E27FC236}">
-                  <a16:creationId xmlns:a16="http://schemas.microsoft.com/office/drawing/2014/main" xmlns="" id="{B2525ADC-09FA-43DB-8CDF-85CDAC67D7D6}"/>
+                  <a16:creationId xmlns="" xmlns:a16="http://schemas.microsoft.com/office/drawing/2014/main" id="{B2525ADC-09FA-43DB-8CDF-85CDAC67D7D6}"/>
                 </a:ext>
               </a:extLst>
             </p:cNvPr>
@@ -6468,7 +6468,7 @@
             <p:cNvPr id="24" name="iş1îďé">
               <a:extLst>
                 <a:ext uri="{FF2B5EF4-FFF2-40B4-BE49-F238E27FC236}">
-                  <a16:creationId xmlns:a16="http://schemas.microsoft.com/office/drawing/2014/main" xmlns="" id="{5797D739-E4EF-4020-8521-6BC146B06A4D}"/>
+                  <a16:creationId xmlns="" xmlns:a16="http://schemas.microsoft.com/office/drawing/2014/main" id="{5797D739-E4EF-4020-8521-6BC146B06A4D}"/>
                 </a:ext>
               </a:extLst>
             </p:cNvPr>
@@ -6530,7 +6530,7 @@
             <p:cNvPr id="25" name="iṧľiḍè">
               <a:extLst>
                 <a:ext uri="{FF2B5EF4-FFF2-40B4-BE49-F238E27FC236}">
-                  <a16:creationId xmlns:a16="http://schemas.microsoft.com/office/drawing/2014/main" xmlns="" id="{420139AB-8C14-45D0-B524-2B38E2B5CC4C}"/>
+                  <a16:creationId xmlns="" xmlns:a16="http://schemas.microsoft.com/office/drawing/2014/main" id="{420139AB-8C14-45D0-B524-2B38E2B5CC4C}"/>
                 </a:ext>
               </a:extLst>
             </p:cNvPr>
@@ -6592,7 +6592,7 @@
             <p:cNvPr id="26" name="îŝḷiďê">
               <a:extLst>
                 <a:ext uri="{FF2B5EF4-FFF2-40B4-BE49-F238E27FC236}">
-                  <a16:creationId xmlns:a16="http://schemas.microsoft.com/office/drawing/2014/main" xmlns="" id="{C2086326-1FF1-4885-9F22-89D180415FAD}"/>
+                  <a16:creationId xmlns="" xmlns:a16="http://schemas.microsoft.com/office/drawing/2014/main" id="{C2086326-1FF1-4885-9F22-89D180415FAD}"/>
                 </a:ext>
               </a:extLst>
             </p:cNvPr>
@@ -6688,7 +6688,7 @@
             <p:cNvPr id="27" name="ï$ḷiḍé">
               <a:extLst>
                 <a:ext uri="{FF2B5EF4-FFF2-40B4-BE49-F238E27FC236}">
-                  <a16:creationId xmlns:a16="http://schemas.microsoft.com/office/drawing/2014/main" xmlns="" id="{6DB36021-5313-40A9-920B-CBDED876EF45}"/>
+                  <a16:creationId xmlns="" xmlns:a16="http://schemas.microsoft.com/office/drawing/2014/main" id="{6DB36021-5313-40A9-920B-CBDED876EF45}"/>
                 </a:ext>
               </a:extLst>
             </p:cNvPr>
@@ -6750,7 +6750,7 @@
             <p:cNvPr id="28" name="ïşḷïḍe">
               <a:extLst>
                 <a:ext uri="{FF2B5EF4-FFF2-40B4-BE49-F238E27FC236}">
-                  <a16:creationId xmlns:a16="http://schemas.microsoft.com/office/drawing/2014/main" xmlns="" id="{6E199C5B-BAA8-49E4-BEB5-B476BF8BC2B1}"/>
+                  <a16:creationId xmlns="" xmlns:a16="http://schemas.microsoft.com/office/drawing/2014/main" id="{6E199C5B-BAA8-49E4-BEB5-B476BF8BC2B1}"/>
                 </a:ext>
               </a:extLst>
             </p:cNvPr>
@@ -6812,7 +6812,7 @@
             <p:cNvPr id="29" name="i$ḻïďé">
               <a:extLst>
                 <a:ext uri="{FF2B5EF4-FFF2-40B4-BE49-F238E27FC236}">
-                  <a16:creationId xmlns:a16="http://schemas.microsoft.com/office/drawing/2014/main" xmlns="" id="{6D1C2096-6C60-4112-830E-BF0A8DBC9AFC}"/>
+                  <a16:creationId xmlns="" xmlns:a16="http://schemas.microsoft.com/office/drawing/2014/main" id="{6D1C2096-6C60-4112-830E-BF0A8DBC9AFC}"/>
                 </a:ext>
               </a:extLst>
             </p:cNvPr>
@@ -6874,7 +6874,7 @@
             <p:cNvPr id="30" name="iṩḷîďè">
               <a:extLst>
                 <a:ext uri="{FF2B5EF4-FFF2-40B4-BE49-F238E27FC236}">
-                  <a16:creationId xmlns:a16="http://schemas.microsoft.com/office/drawing/2014/main" xmlns="" id="{8E2F55A0-1F8B-4DF8-9692-0E52FB38C449}"/>
+                  <a16:creationId xmlns="" xmlns:a16="http://schemas.microsoft.com/office/drawing/2014/main" id="{8E2F55A0-1F8B-4DF8-9692-0E52FB38C449}"/>
                 </a:ext>
               </a:extLst>
             </p:cNvPr>
@@ -6936,7 +6936,7 @@
             <p:cNvPr id="31" name="îśḷiḋè">
               <a:extLst>
                 <a:ext uri="{FF2B5EF4-FFF2-40B4-BE49-F238E27FC236}">
-                  <a16:creationId xmlns:a16="http://schemas.microsoft.com/office/drawing/2014/main" xmlns="" id="{FAEFDB25-C311-444C-8211-CA9D0D3E76C7}"/>
+                  <a16:creationId xmlns="" xmlns:a16="http://schemas.microsoft.com/office/drawing/2014/main" id="{FAEFDB25-C311-444C-8211-CA9D0D3E76C7}"/>
                 </a:ext>
               </a:extLst>
             </p:cNvPr>
@@ -6998,7 +6998,7 @@
             <p:cNvPr id="32" name="işlïďe">
               <a:extLst>
                 <a:ext uri="{FF2B5EF4-FFF2-40B4-BE49-F238E27FC236}">
-                  <a16:creationId xmlns:a16="http://schemas.microsoft.com/office/drawing/2014/main" xmlns="" id="{6F7FE01D-44F0-4E78-AA22-48B1A54F44A8}"/>
+                  <a16:creationId xmlns="" xmlns:a16="http://schemas.microsoft.com/office/drawing/2014/main" id="{6F7FE01D-44F0-4E78-AA22-48B1A54F44A8}"/>
                 </a:ext>
               </a:extLst>
             </p:cNvPr>
@@ -7060,7 +7060,7 @@
             <p:cNvPr id="33" name="iṧļîďê">
               <a:extLst>
                 <a:ext uri="{FF2B5EF4-FFF2-40B4-BE49-F238E27FC236}">
-                  <a16:creationId xmlns:a16="http://schemas.microsoft.com/office/drawing/2014/main" xmlns="" id="{E43ABFED-9DCE-4780-A17B-F275913025D6}"/>
+                  <a16:creationId xmlns="" xmlns:a16="http://schemas.microsoft.com/office/drawing/2014/main" id="{E43ABFED-9DCE-4780-A17B-F275913025D6}"/>
                 </a:ext>
               </a:extLst>
             </p:cNvPr>
@@ -7122,7 +7122,7 @@
             <p:cNvPr id="34" name="ïśľide">
               <a:extLst>
                 <a:ext uri="{FF2B5EF4-FFF2-40B4-BE49-F238E27FC236}">
-                  <a16:creationId xmlns:a16="http://schemas.microsoft.com/office/drawing/2014/main" xmlns="" id="{764B5643-59A7-4278-9C6C-C0772E988BD1}"/>
+                  <a16:creationId xmlns="" xmlns:a16="http://schemas.microsoft.com/office/drawing/2014/main" id="{764B5643-59A7-4278-9C6C-C0772E988BD1}"/>
                 </a:ext>
               </a:extLst>
             </p:cNvPr>
@@ -7184,7 +7184,7 @@
             <p:cNvPr id="35" name="îṣḷiďè">
               <a:extLst>
                 <a:ext uri="{FF2B5EF4-FFF2-40B4-BE49-F238E27FC236}">
-                  <a16:creationId xmlns:a16="http://schemas.microsoft.com/office/drawing/2014/main" xmlns="" id="{A35CCFB0-B280-422B-A372-F1E8A7B37BB7}"/>
+                  <a16:creationId xmlns="" xmlns:a16="http://schemas.microsoft.com/office/drawing/2014/main" id="{A35CCFB0-B280-422B-A372-F1E8A7B37BB7}"/>
                 </a:ext>
               </a:extLst>
             </p:cNvPr>
@@ -7280,7 +7280,7 @@
             <p:cNvPr id="36" name="i$líḓe">
               <a:extLst>
                 <a:ext uri="{FF2B5EF4-FFF2-40B4-BE49-F238E27FC236}">
-                  <a16:creationId xmlns:a16="http://schemas.microsoft.com/office/drawing/2014/main" xmlns="" id="{7F0DCF35-E893-4225-90D5-FBFE48B4C496}"/>
+                  <a16:creationId xmlns="" xmlns:a16="http://schemas.microsoft.com/office/drawing/2014/main" id="{7F0DCF35-E893-4225-90D5-FBFE48B4C496}"/>
                 </a:ext>
               </a:extLst>
             </p:cNvPr>
@@ -7345,7 +7345,7 @@
             <p:cNvPr id="37" name="ïṣḷíḓè">
               <a:extLst>
                 <a:ext uri="{FF2B5EF4-FFF2-40B4-BE49-F238E27FC236}">
-                  <a16:creationId xmlns:a16="http://schemas.microsoft.com/office/drawing/2014/main" xmlns="" id="{A4220D05-442F-428F-ACAE-0BDB7327EE45}"/>
+                  <a16:creationId xmlns="" xmlns:a16="http://schemas.microsoft.com/office/drawing/2014/main" id="{A4220D05-442F-428F-ACAE-0BDB7327EE45}"/>
                 </a:ext>
               </a:extLst>
             </p:cNvPr>
@@ -7485,7 +7485,7 @@
             <p:cNvPr id="38" name="ïślîḓe">
               <a:extLst>
                 <a:ext uri="{FF2B5EF4-FFF2-40B4-BE49-F238E27FC236}">
-                  <a16:creationId xmlns:a16="http://schemas.microsoft.com/office/drawing/2014/main" xmlns="" id="{CA00A810-C422-493F-8762-928602E1666F}"/>
+                  <a16:creationId xmlns="" xmlns:a16="http://schemas.microsoft.com/office/drawing/2014/main" id="{CA00A810-C422-493F-8762-928602E1666F}"/>
                 </a:ext>
               </a:extLst>
             </p:cNvPr>
@@ -7547,7 +7547,7 @@
             <p:cNvPr id="39" name="iṥļïďé">
               <a:extLst>
                 <a:ext uri="{FF2B5EF4-FFF2-40B4-BE49-F238E27FC236}">
-                  <a16:creationId xmlns:a16="http://schemas.microsoft.com/office/drawing/2014/main" xmlns="" id="{8731F971-066B-40AA-B136-58B67564B7ED}"/>
+                  <a16:creationId xmlns="" xmlns:a16="http://schemas.microsoft.com/office/drawing/2014/main" id="{8731F971-066B-40AA-B136-58B67564B7ED}"/>
                 </a:ext>
               </a:extLst>
             </p:cNvPr>
@@ -7609,7 +7609,7 @@
             <p:cNvPr id="40" name="iślíḓé">
               <a:extLst>
                 <a:ext uri="{FF2B5EF4-FFF2-40B4-BE49-F238E27FC236}">
-                  <a16:creationId xmlns:a16="http://schemas.microsoft.com/office/drawing/2014/main" xmlns="" id="{2AABD586-6310-40FF-82C3-735CEE851897}"/>
+                  <a16:creationId xmlns="" xmlns:a16="http://schemas.microsoft.com/office/drawing/2014/main" id="{2AABD586-6310-40FF-82C3-735CEE851897}"/>
                 </a:ext>
               </a:extLst>
             </p:cNvPr>
@@ -7671,7 +7671,7 @@
             <p:cNvPr id="41" name="îşḻïḑé">
               <a:extLst>
                 <a:ext uri="{FF2B5EF4-FFF2-40B4-BE49-F238E27FC236}">
-                  <a16:creationId xmlns:a16="http://schemas.microsoft.com/office/drawing/2014/main" xmlns="" id="{0BDE1E9B-62A3-46F4-AB87-D02F1D6E213F}"/>
+                  <a16:creationId xmlns="" xmlns:a16="http://schemas.microsoft.com/office/drawing/2014/main" id="{0BDE1E9B-62A3-46F4-AB87-D02F1D6E213F}"/>
                 </a:ext>
               </a:extLst>
             </p:cNvPr>
@@ -7733,7 +7733,7 @@
             <p:cNvPr id="42" name="iš1îḓe">
               <a:extLst>
                 <a:ext uri="{FF2B5EF4-FFF2-40B4-BE49-F238E27FC236}">
-                  <a16:creationId xmlns:a16="http://schemas.microsoft.com/office/drawing/2014/main" xmlns="" id="{1846F9CF-B441-4677-B6B7-A82071C6A24C}"/>
+                  <a16:creationId xmlns="" xmlns:a16="http://schemas.microsoft.com/office/drawing/2014/main" id="{1846F9CF-B441-4677-B6B7-A82071C6A24C}"/>
                 </a:ext>
               </a:extLst>
             </p:cNvPr>
@@ -7795,7 +7795,7 @@
             <p:cNvPr id="43" name="iṣļïḋê">
               <a:extLst>
                 <a:ext uri="{FF2B5EF4-FFF2-40B4-BE49-F238E27FC236}">
-                  <a16:creationId xmlns:a16="http://schemas.microsoft.com/office/drawing/2014/main" xmlns="" id="{E6025A34-46AE-457E-AC6F-3CE06D5B4606}"/>
+                  <a16:creationId xmlns="" xmlns:a16="http://schemas.microsoft.com/office/drawing/2014/main" id="{E6025A34-46AE-457E-AC6F-3CE06D5B4606}"/>
                 </a:ext>
               </a:extLst>
             </p:cNvPr>
@@ -7857,7 +7857,7 @@
             <p:cNvPr id="44" name="ïṧḻîdè">
               <a:extLst>
                 <a:ext uri="{FF2B5EF4-FFF2-40B4-BE49-F238E27FC236}">
-                  <a16:creationId xmlns:a16="http://schemas.microsoft.com/office/drawing/2014/main" xmlns="" id="{B3B1207A-F631-4D74-AF71-25164BFA4732}"/>
+                  <a16:creationId xmlns="" xmlns:a16="http://schemas.microsoft.com/office/drawing/2014/main" id="{B3B1207A-F631-4D74-AF71-25164BFA4732}"/>
                 </a:ext>
               </a:extLst>
             </p:cNvPr>
@@ -7919,7 +7919,7 @@
             <p:cNvPr id="45" name="ïṩlîḋè">
               <a:extLst>
                 <a:ext uri="{FF2B5EF4-FFF2-40B4-BE49-F238E27FC236}">
-                  <a16:creationId xmlns:a16="http://schemas.microsoft.com/office/drawing/2014/main" xmlns="" id="{BD4629EF-6FD7-495B-BABC-2117635C362D}"/>
+                  <a16:creationId xmlns="" xmlns:a16="http://schemas.microsoft.com/office/drawing/2014/main" id="{BD4629EF-6FD7-495B-BABC-2117635C362D}"/>
                 </a:ext>
               </a:extLst>
             </p:cNvPr>
@@ -7990,7 +7990,7 @@
             <p:cNvPr id="46" name="îśḻiḑê">
               <a:extLst>
                 <a:ext uri="{FF2B5EF4-FFF2-40B4-BE49-F238E27FC236}">
-                  <a16:creationId xmlns:a16="http://schemas.microsoft.com/office/drawing/2014/main" xmlns="" id="{CEEE656F-2B58-452E-8C4C-A5DC9C34C5FE}"/>
+                  <a16:creationId xmlns="" xmlns:a16="http://schemas.microsoft.com/office/drawing/2014/main" id="{CEEE656F-2B58-452E-8C4C-A5DC9C34C5FE}"/>
                 </a:ext>
               </a:extLst>
             </p:cNvPr>
@@ -8061,7 +8061,7 @@
             <p:cNvPr id="47" name="ísļîḓê">
               <a:extLst>
                 <a:ext uri="{FF2B5EF4-FFF2-40B4-BE49-F238E27FC236}">
-                  <a16:creationId xmlns:a16="http://schemas.microsoft.com/office/drawing/2014/main" xmlns="" id="{30046525-C92C-4D8E-AA3B-B52FFA1759D5}"/>
+                  <a16:creationId xmlns="" xmlns:a16="http://schemas.microsoft.com/office/drawing/2014/main" id="{30046525-C92C-4D8E-AA3B-B52FFA1759D5}"/>
                 </a:ext>
               </a:extLst>
             </p:cNvPr>
@@ -8399,7 +8399,7 @@
           <p:cNvPr id="8" name="日期占位符 7">
             <a:extLst>
               <a:ext uri="{FF2B5EF4-FFF2-40B4-BE49-F238E27FC236}">
-                <a16:creationId xmlns:a16="http://schemas.microsoft.com/office/drawing/2014/main" xmlns="" id="{04388434-9949-479C-A9C3-67A953F6A939}"/>
+                <a16:creationId xmlns="" xmlns:a16="http://schemas.microsoft.com/office/drawing/2014/main" id="{04388434-9949-479C-A9C3-67A953F6A939}"/>
               </a:ext>
             </a:extLst>
           </p:cNvPr>
@@ -8443,7 +8443,7 @@
           <p:cNvPr id="9" name="页脚占位符 8">
             <a:extLst>
               <a:ext uri="{FF2B5EF4-FFF2-40B4-BE49-F238E27FC236}">
-                <a16:creationId xmlns:a16="http://schemas.microsoft.com/office/drawing/2014/main" xmlns="" id="{50A5656E-7A33-4865-A262-1F96263BAA16}"/>
+                <a16:creationId xmlns="" xmlns:a16="http://schemas.microsoft.com/office/drawing/2014/main" id="{50A5656E-7A33-4865-A262-1F96263BAA16}"/>
               </a:ext>
             </a:extLst>
           </p:cNvPr>
@@ -8499,7 +8499,7 @@
           <p:cNvPr id="10" name="灯片编号占位符 9">
             <a:extLst>
               <a:ext uri="{FF2B5EF4-FFF2-40B4-BE49-F238E27FC236}">
-                <a16:creationId xmlns:a16="http://schemas.microsoft.com/office/drawing/2014/main" xmlns="" id="{5BF52F79-380E-4278-8B67-588AFE5840F9}"/>
+                <a16:creationId xmlns="" xmlns:a16="http://schemas.microsoft.com/office/drawing/2014/main" id="{5BF52F79-380E-4278-8B67-588AFE5840F9}"/>
               </a:ext>
             </a:extLst>
           </p:cNvPr>
@@ -8842,7 +8842,7 @@
   </p:txStyles>
   <p:extLst>
     <p:ext uri="{27BBF7A9-308A-43DC-89C8-2F10F3537804}">
-      <p15:sldGuideLst xmlns:p15="http://schemas.microsoft.com/office/powerpoint/2012/main" xmlns="">
+      <p15:sldGuideLst xmlns="" xmlns:p15="http://schemas.microsoft.com/office/powerpoint/2012/main">
         <p15:guide id="1" pos="422" userDrawn="1">
           <p15:clr>
             <a:srgbClr val="F26B43"/>
@@ -8901,7 +8901,7 @@
           <p:cNvPr id="3" name="ïṩḷiḑé" hidden="1">
             <a:extLst>
               <a:ext uri="{FF2B5EF4-FFF2-40B4-BE49-F238E27FC236}">
-                <a16:creationId xmlns:a16="http://schemas.microsoft.com/office/drawing/2014/main" xmlns="" id="{3C326D0B-7DAB-41B6-8030-2E4A18CC949B}"/>
+                <a16:creationId xmlns="" xmlns:a16="http://schemas.microsoft.com/office/drawing/2014/main" id="{3C326D0B-7DAB-41B6-8030-2E4A18CC949B}"/>
               </a:ext>
             </a:extLst>
           </p:cNvPr>
@@ -8924,7 +8924,7 @@
           <a:graphicData uri="http://schemas.openxmlformats.org/presentationml/2006/ole">
             <mc:AlternateContent xmlns:mc="http://schemas.openxmlformats.org/markup-compatibility/2006">
               <mc:Choice xmlns:v="urn:schemas-microsoft-com:vml" Requires="v">
-                <p:oleObj spid="_x0000_s1085" name="think-cell Slide" r:id="rId5" imgW="347" imgH="348" progId="TCLayout.ActiveDocument.1">
+                <p:oleObj spid="_x0000_s1086" name="think-cell Slide" r:id="rId5" imgW="347" imgH="348" progId="TCLayout.ActiveDocument.1">
                   <p:embed/>
                 </p:oleObj>
               </mc:Choice>
@@ -8936,7 +8936,7 @@
                       <p:cNvPr id="3" name="iş1iďé" hidden="1">
                         <a:extLst>
                           <a:ext uri="{FF2B5EF4-FFF2-40B4-BE49-F238E27FC236}">
-                            <a16:creationId xmlns:a16="http://schemas.microsoft.com/office/drawing/2014/main" xmlns="" id="{3C326D0B-7DAB-41B6-8030-2E4A18CC949B}"/>
+                            <a16:creationId xmlns="" xmlns:a16="http://schemas.microsoft.com/office/drawing/2014/main" id="{3C326D0B-7DAB-41B6-8030-2E4A18CC949B}"/>
                           </a:ext>
                         </a:extLst>
                       </p:cNvPr>
@@ -8970,7 +8970,7 @@
           <p:cNvPr id="2" name="ïsľîḑè" hidden="1">
             <a:extLst>
               <a:ext uri="{FF2B5EF4-FFF2-40B4-BE49-F238E27FC236}">
-                <a16:creationId xmlns:a16="http://schemas.microsoft.com/office/drawing/2014/main" xmlns="" id="{EC933494-1B63-4A32-964F-D05236799BAA}"/>
+                <a16:creationId xmlns="" xmlns:a16="http://schemas.microsoft.com/office/drawing/2014/main" id="{EC933494-1B63-4A32-964F-D05236799BAA}"/>
               </a:ext>
             </a:extLst>
           </p:cNvPr>
@@ -12446,7 +12446,7 @@
           <p:cNvPr id="2" name="íSliḓè">
             <a:extLst>
               <a:ext uri="{FF2B5EF4-FFF2-40B4-BE49-F238E27FC236}">
-                <a16:creationId xmlns:a16="http://schemas.microsoft.com/office/drawing/2014/main" xmlns="" id="{C0498D3A-B738-48EC-A39C-94C58B88932B}"/>
+                <a16:creationId xmlns="" xmlns:a16="http://schemas.microsoft.com/office/drawing/2014/main" id="{C0498D3A-B738-48EC-A39C-94C58B88932B}"/>
               </a:ext>
             </a:extLst>
           </p:cNvPr>
@@ -12466,7 +12466,7 @@
             <p:cNvPr id="6" name="íSļïdè" descr="本素材由iSlide™ 提供&#10;iSlide™尊重知识产权并注重保护用户享有的各项权利。郑重提醒您：&#10;iSlide™插件中提供的任何信息内容的所有权、知识产权归其原始权利人或权利受让人所有，您免费/购买获得的是信息内容的使用权，并受下述条款的约束；&#10;1. 您仅可以个人非商业用途使用该等信息内容，不可将信息内容的全部或部分用于出售，或以出租、出借、转让、分销、发布等其他任何方式供他人使用；&#10;2. 禁止在接入互联网或移动互联网的任何网站、平台、应用或程序上以任何方式为他人提供iSlide™插件资源内容的下载。&#10;The resource is supplied by iSlide™.&#10;iSlide™ respects all intellectual property rights and protects all the rights its users acquired.Solemnly remind you:&#10;The ownership and intellectual property of the resources supplied in iSlide Add-in belongs to its owner or the assignee of this ownership.you only acquired the usage of the resources supplied in iSlide Add-in, as well as respected the following restrain terms:&#10;1.You are only allowed to use such resource for personal and non-commercial aim, not allowed to use such resource or part of it for the sale; or rent, lend, transfer to others; or distribution or release it in any way.&#10;2.You are not permitted to provide the resource of iSlide Add-in in any website, platform, application access to the Internet or mobile Internet." title="iSlide™ 版权声明  COPYRIGHT NOTICE">
               <a:extLst>
                 <a:ext uri="{FF2B5EF4-FFF2-40B4-BE49-F238E27FC236}">
-                  <a16:creationId xmlns:a16="http://schemas.microsoft.com/office/drawing/2014/main" xmlns="" id="{A759C196-DA28-4241-ABB5-975367026FE9}"/>
+                  <a16:creationId xmlns="" xmlns:a16="http://schemas.microsoft.com/office/drawing/2014/main" id="{A759C196-DA28-4241-ABB5-975367026FE9}"/>
                 </a:ext>
               </a:extLst>
             </p:cNvPr>
@@ -12488,7 +12488,7 @@
               <p:cNvPr id="7" name="îṩḷiḓè">
                 <a:extLst>
                   <a:ext uri="{FF2B5EF4-FFF2-40B4-BE49-F238E27FC236}">
-                    <a16:creationId xmlns:a16="http://schemas.microsoft.com/office/drawing/2014/main" xmlns="" id="{48F70259-7598-4270-874A-6F50772D10F6}"/>
+                    <a16:creationId xmlns="" xmlns:a16="http://schemas.microsoft.com/office/drawing/2014/main" id="{48F70259-7598-4270-874A-6F50772D10F6}"/>
                   </a:ext>
                 </a:extLst>
               </p:cNvPr>
@@ -12740,7 +12740,7 @@
               <p:cNvPr id="8" name="îŝľiḋê">
                 <a:extLst>
                   <a:ext uri="{FF2B5EF4-FFF2-40B4-BE49-F238E27FC236}">
-                    <a16:creationId xmlns:a16="http://schemas.microsoft.com/office/drawing/2014/main" xmlns="" id="{DA1FB18E-FA01-4588-BEF9-FB96A98A84D4}"/>
+                    <a16:creationId xmlns="" xmlns:a16="http://schemas.microsoft.com/office/drawing/2014/main" id="{DA1FB18E-FA01-4588-BEF9-FB96A98A84D4}"/>
                   </a:ext>
                 </a:extLst>
               </p:cNvPr>
@@ -12779,7 +12779,7 @@
               <p:cNvPr id="9" name="ïsľiďé">
                 <a:extLst>
                   <a:ext uri="{FF2B5EF4-FFF2-40B4-BE49-F238E27FC236}">
-                    <a16:creationId xmlns:a16="http://schemas.microsoft.com/office/drawing/2014/main" xmlns="" id="{0DB1D0A1-2667-455C-9387-D7ABF0A00B8C}"/>
+                    <a16:creationId xmlns="" xmlns:a16="http://schemas.microsoft.com/office/drawing/2014/main" id="{0DB1D0A1-2667-455C-9387-D7ABF0A00B8C}"/>
                   </a:ext>
                 </a:extLst>
               </p:cNvPr>
@@ -12851,7 +12851,7 @@
             <p:cNvPr id="10" name="ïṩļiḋe">
               <a:extLst>
                 <a:ext uri="{FF2B5EF4-FFF2-40B4-BE49-F238E27FC236}">
-                  <a16:creationId xmlns:a16="http://schemas.microsoft.com/office/drawing/2014/main" xmlns="" id="{ADAD6BE3-DC11-4582-9F68-50D831ADD001}"/>
+                  <a16:creationId xmlns="" xmlns:a16="http://schemas.microsoft.com/office/drawing/2014/main" id="{ADAD6BE3-DC11-4582-9F68-50D831ADD001}"/>
                 </a:ext>
               </a:extLst>
             </p:cNvPr>
@@ -14038,7 +14038,7 @@
           <p:cNvPr id="9" name="î$ḷíḋé">
             <a:extLst>
               <a:ext uri="{FF2B5EF4-FFF2-40B4-BE49-F238E27FC236}">
-                <a16:creationId xmlns:a16="http://schemas.microsoft.com/office/drawing/2014/main" xmlns="" id="{04F69230-F3A6-4586-9371-A858F4763E9F}"/>
+                <a16:creationId xmlns="" xmlns:a16="http://schemas.microsoft.com/office/drawing/2014/main" id="{04F69230-F3A6-4586-9371-A858F4763E9F}"/>
               </a:ext>
             </a:extLst>
           </p:cNvPr>
@@ -14701,7 +14701,7 @@
           <p:cNvPr id="9" name="î$ḷíḋé">
             <a:extLst>
               <a:ext uri="{FF2B5EF4-FFF2-40B4-BE49-F238E27FC236}">
-                <a16:creationId xmlns:a16="http://schemas.microsoft.com/office/drawing/2014/main" xmlns="" id="{04F69230-F3A6-4586-9371-A858F4763E9F}"/>
+                <a16:creationId xmlns="" xmlns:a16="http://schemas.microsoft.com/office/drawing/2014/main" id="{04F69230-F3A6-4586-9371-A858F4763E9F}"/>
               </a:ext>
             </a:extLst>
           </p:cNvPr>
@@ -14827,7 +14827,7 @@
           <p:cNvPr id="4" name="標題 3">
             <a:extLst>
               <a:ext uri="{FF2B5EF4-FFF2-40B4-BE49-F238E27FC236}">
-                <a16:creationId xmlns:a16="http://schemas.microsoft.com/office/drawing/2014/main" xmlns="" id="{DBF93AE9-6C3C-43A2-A10D-A15C50A25746}"/>
+                <a16:creationId xmlns="" xmlns:a16="http://schemas.microsoft.com/office/drawing/2014/main" id="{DBF93AE9-6C3C-43A2-A10D-A15C50A25746}"/>
               </a:ext>
             </a:extLst>
           </p:cNvPr>
@@ -14856,7 +14856,7 @@
           <p:cNvPr id="7" name="內容版面配置區 6">
             <a:extLst>
               <a:ext uri="{FF2B5EF4-FFF2-40B4-BE49-F238E27FC236}">
-                <a16:creationId xmlns:a16="http://schemas.microsoft.com/office/drawing/2014/main" xmlns="" id="{E7D68A11-0594-451B-B564-C1C4E791DF02}"/>
+                <a16:creationId xmlns="" xmlns:a16="http://schemas.microsoft.com/office/drawing/2014/main" id="{E7D68A11-0594-451B-B564-C1C4E791DF02}"/>
               </a:ext>
             </a:extLst>
           </p:cNvPr>
@@ -14874,7 +14874,7 @@
                 <a14:useLocalDpi xmlns:a14="http://schemas.microsoft.com/office/drawing/2010/main" val="0"/>
               </a:ext>
               <a:ext uri="{96DAC541-7B7A-43D3-8B79-37D633B846F1}">
-                <asvg:svgBlip xmlns:asvg="http://schemas.microsoft.com/office/drawing/2016/SVG/main" xmlns="" r:embed="rId3"/>
+                <asvg:svgBlip xmlns="" xmlns:asvg="http://schemas.microsoft.com/office/drawing/2016/SVG/main" r:embed="rId3"/>
               </a:ext>
             </a:extLst>
           </a:blip>
@@ -15095,7 +15095,7 @@
           <p:cNvPr id="3" name="íṡḻiḓé" hidden="1">
             <a:extLst>
               <a:ext uri="{FF2B5EF4-FFF2-40B4-BE49-F238E27FC236}">
-                <a16:creationId xmlns:a16="http://schemas.microsoft.com/office/drawing/2014/main" xmlns="" id="{A6A819F1-33AF-45D7-8BF6-2B0A9769CAD4}"/>
+                <a16:creationId xmlns="" xmlns:a16="http://schemas.microsoft.com/office/drawing/2014/main" id="{A6A819F1-33AF-45D7-8BF6-2B0A9769CAD4}"/>
               </a:ext>
             </a:extLst>
           </p:cNvPr>
@@ -15118,7 +15118,7 @@
           <a:graphicData uri="http://schemas.openxmlformats.org/presentationml/2006/ole">
             <mc:AlternateContent xmlns:mc="http://schemas.openxmlformats.org/markup-compatibility/2006">
               <mc:Choice xmlns:v="urn:schemas-microsoft-com:vml" Requires="v">
-                <p:oleObj spid="_x0000_s3133" name="think-cell Slide" r:id="rId5" imgW="347" imgH="348" progId="TCLayout.ActiveDocument.1">
+                <p:oleObj spid="_x0000_s3134" name="think-cell Slide" r:id="rId5" imgW="347" imgH="348" progId="TCLayout.ActiveDocument.1">
                   <p:embed/>
                 </p:oleObj>
               </mc:Choice>
@@ -15130,7 +15130,7 @@
                       <p:cNvPr id="3" name="íṩ1iḑé" hidden="1">
                         <a:extLst>
                           <a:ext uri="{FF2B5EF4-FFF2-40B4-BE49-F238E27FC236}">
-                            <a16:creationId xmlns:a16="http://schemas.microsoft.com/office/drawing/2014/main" xmlns="" id="{A6A819F1-33AF-45D7-8BF6-2B0A9769CAD4}"/>
+                            <a16:creationId xmlns="" xmlns:a16="http://schemas.microsoft.com/office/drawing/2014/main" id="{A6A819F1-33AF-45D7-8BF6-2B0A9769CAD4}"/>
                           </a:ext>
                         </a:extLst>
                       </p:cNvPr>
@@ -15164,7 +15164,7 @@
           <p:cNvPr id="2" name="išľïďe" hidden="1">
             <a:extLst>
               <a:ext uri="{FF2B5EF4-FFF2-40B4-BE49-F238E27FC236}">
-                <a16:creationId xmlns:a16="http://schemas.microsoft.com/office/drawing/2014/main" xmlns="" id="{FF51F16D-1BAD-46EE-A6F4-B8B94C9DF628}"/>
+                <a16:creationId xmlns="" xmlns:a16="http://schemas.microsoft.com/office/drawing/2014/main" id="{FF51F16D-1BAD-46EE-A6F4-B8B94C9DF628}"/>
               </a:ext>
             </a:extLst>
           </p:cNvPr>
@@ -15272,37 +15272,6 @@
       </p:sp>
       <p:sp>
         <p:nvSpPr>
-          <p:cNvPr id="7" name="îšļïdê"/>
-          <p:cNvSpPr>
-            <a:spLocks noGrp="1"/>
-          </p:cNvSpPr>
-          <p:nvPr>
-            <p:ph type="body" sz="quarter" idx="18"/>
-          </p:nvPr>
-        </p:nvSpPr>
-        <p:spPr/>
-        <p:txBody>
-          <a:bodyPr/>
-          <a:lstStyle/>
-          <a:p>
-            <a:r>
-              <a:rPr lang="en-US" altLang="zh-CN"/>
-              <a:t>ww</a:t>
-            </a:r>
-            <a:r>
-              <a:rPr lang="en-US" altLang="zh-CN" sz="100"/>
-              <a:t> </a:t>
-            </a:r>
-            <a:r>
-              <a:rPr lang="en-US" altLang="zh-CN"/>
-              <a:t>w.islide.cc</a:t>
-            </a:r>
-            <a:endParaRPr lang="en-US" altLang="en-US" dirty="0"/>
-          </a:p>
-        </p:txBody>
-      </p:sp>
-      <p:sp>
-        <p:nvSpPr>
           <p:cNvPr id="6" name="iṡ1iḋê"/>
           <p:cNvSpPr>
             <a:spLocks noGrp="1"/>
@@ -15317,9 +15286,10 @@
           <a:lstStyle/>
           <a:p>
             <a:r>
-              <a:rPr lang="en-US" altLang="zh-CN" dirty="0"/>
-              <a:t>Sean,23742</a:t>
-            </a:r>
+              <a:rPr lang="en-US" altLang="zh-CN" dirty="0" smtClean="0"/>
+              <a:t>Sean</a:t>
+            </a:r>
+            <a:endParaRPr lang="en-US" altLang="zh-CN" dirty="0"/>
           </a:p>
         </p:txBody>
       </p:sp>
@@ -15328,7 +15298,7 @@
           <p:cNvPr id="13" name="îṣlíḍe">
             <a:extLst>
               <a:ext uri="{FF2B5EF4-FFF2-40B4-BE49-F238E27FC236}">
-                <a16:creationId xmlns:a16="http://schemas.microsoft.com/office/drawing/2014/main" xmlns="" id="{394FC8CD-4FAD-452B-A6ED-A378816FAA36}"/>
+                <a16:creationId xmlns="" xmlns:a16="http://schemas.microsoft.com/office/drawing/2014/main" id="{394FC8CD-4FAD-452B-A6ED-A378816FAA36}"/>
               </a:ext>
             </a:extLst>
           </p:cNvPr>
@@ -15371,7 +15341,7 @@
           <p:cNvPr id="14" name="ïSḻíďê">
             <a:extLst>
               <a:ext uri="{FF2B5EF4-FFF2-40B4-BE49-F238E27FC236}">
-                <a16:creationId xmlns:a16="http://schemas.microsoft.com/office/drawing/2014/main" xmlns="" id="{7C549D2A-4C2D-40D9-B2D1-E96901BFF877}"/>
+                <a16:creationId xmlns="" xmlns:a16="http://schemas.microsoft.com/office/drawing/2014/main" id="{7C549D2A-4C2D-40D9-B2D1-E96901BFF877}"/>
               </a:ext>
             </a:extLst>
           </p:cNvPr>
@@ -15474,7 +15444,7 @@
           <p:cNvPr id="9" name="î$ḷíḋé">
             <a:extLst>
               <a:ext uri="{FF2B5EF4-FFF2-40B4-BE49-F238E27FC236}">
-                <a16:creationId xmlns:a16="http://schemas.microsoft.com/office/drawing/2014/main" xmlns="" id="{04F69230-F3A6-4586-9371-A858F4763E9F}"/>
+                <a16:creationId xmlns="" xmlns:a16="http://schemas.microsoft.com/office/drawing/2014/main" id="{04F69230-F3A6-4586-9371-A858F4763E9F}"/>
               </a:ext>
             </a:extLst>
           </p:cNvPr>
@@ -16889,7 +16859,7 @@
           <p:cNvPr id="9" name="î$ḷíḋé">
             <a:extLst>
               <a:ext uri="{FF2B5EF4-FFF2-40B4-BE49-F238E27FC236}">
-                <a16:creationId xmlns:a16="http://schemas.microsoft.com/office/drawing/2014/main" xmlns="" id="{04F69230-F3A6-4586-9371-A858F4763E9F}"/>
+                <a16:creationId xmlns="" xmlns:a16="http://schemas.microsoft.com/office/drawing/2014/main" id="{04F69230-F3A6-4586-9371-A858F4763E9F}"/>
               </a:ext>
             </a:extLst>
           </p:cNvPr>
@@ -17746,7 +17716,7 @@
   <a:extraClrSchemeLst/>
   <a:extLst>
     <a:ext uri="{05A4C25C-085E-4340-85A3-A5531E510DB2}">
-      <thm15:themeFamily xmlns:thm15="http://schemas.microsoft.com/office/thememl/2012/main" xmlns="" name="主题5" id="{B8EDB911-D765-4A7B-BBC7-40DBB672FBA6}" vid="{AECAB1C0-5DF6-436C-85E8-20094DBE11C0}"/>
+      <thm15:themeFamily xmlns="" xmlns:thm15="http://schemas.microsoft.com/office/thememl/2012/main" name="主题5" id="{B8EDB911-D765-4A7B-BBC7-40DBB672FBA6}" vid="{AECAB1C0-5DF6-436C-85E8-20094DBE11C0}"/>
     </a:ext>
   </a:extLst>
 </a:theme>
@@ -18007,7 +17977,7 @@
   <a:extraClrSchemeLst/>
   <a:extLst>
     <a:ext uri="{05A4C25C-085E-4340-85A3-A5531E510DB2}">
-      <thm15:themeFamily xmlns:thm15="http://schemas.microsoft.com/office/thememl/2012/main" xmlns="" name="Office Theme" id="{62F939B6-93AF-4DB8-9C6B-D6C7DFDC589F}" vid="{4A3C46E8-61CC-4603-A589-7422A47A8E4A}"/>
+      <thm15:themeFamily xmlns="" xmlns:thm15="http://schemas.microsoft.com/office/thememl/2012/main" name="Office Theme" id="{62F939B6-93AF-4DB8-9C6B-D6C7DFDC589F}" vid="{4A3C46E8-61CC-4603-A589-7422A47A8E4A}"/>
     </a:ext>
   </a:extLst>
 </a:theme>
@@ -18302,7 +18272,7 @@
   <a:extraClrSchemeLst/>
   <a:extLst>
     <a:ext uri="{05A4C25C-085E-4340-85A3-A5531E510DB2}">
-      <thm15:themeFamily xmlns:thm15="http://schemas.microsoft.com/office/thememl/2012/main" xmlns="" name="Office Theme" id="{62F939B6-93AF-4DB8-9C6B-D6C7DFDC589F}" vid="{4A3C46E8-61CC-4603-A589-7422A47A8E4A}"/>
+      <thm15:themeFamily xmlns="" xmlns:thm15="http://schemas.microsoft.com/office/thememl/2012/main" name="Office Theme" id="{62F939B6-93AF-4DB8-9C6B-D6C7DFDC589F}" vid="{4A3C46E8-61CC-4603-A589-7422A47A8E4A}"/>
     </a:ext>
   </a:extLst>
 </a:theme>
